--- a/PLANTEAMIENTO_DEL_PROBLEMA.pptx
+++ b/PLANTEAMIENTO_DEL_PROBLEMA.pptx
@@ -16,6 +16,16 @@
     <p:sldId id="264" r:id="rId10"/>
     <p:sldId id="265" r:id="rId11"/>
     <p:sldId id="266" r:id="rId12"/>
+    <p:sldId id="267" r:id="rId13"/>
+    <p:sldId id="268" r:id="rId14"/>
+    <p:sldId id="269" r:id="rId15"/>
+    <p:sldId id="270" r:id="rId16"/>
+    <p:sldId id="271" r:id="rId17"/>
+    <p:sldId id="272" r:id="rId18"/>
+    <p:sldId id="273" r:id="rId19"/>
+    <p:sldId id="274" r:id="rId20"/>
+    <p:sldId id="275" r:id="rId21"/>
+    <p:sldId id="276" r:id="rId22"/>
   </p:sldIdLst>
   <p:sldSz cx="12192000" cy="6858000"/>
   <p:notesSz cx="6858000" cy="9144000"/>
@@ -1531,7 +1541,7 @@
           <a:p>
             <a:fld id="{D253BB75-C9F5-8342-9D8A-C2F31092015F}" type="datetimeFigureOut">
               <a:rPr lang="es-CO" smtClean="0"/>
-              <a:t>07/03/2021</a:t>
+              <a:t>7/03/2021</a:t>
             </a:fld>
             <a:endParaRPr lang="es-CO"/>
           </a:p>
@@ -2990,7 +3000,7 @@
           <a:p>
             <a:fld id="{D253BB75-C9F5-8342-9D8A-C2F31092015F}" type="datetimeFigureOut">
               <a:rPr lang="es-CO" smtClean="0"/>
-              <a:t>07/03/2021</a:t>
+              <a:t>7/03/2021</a:t>
             </a:fld>
             <a:endParaRPr lang="es-CO"/>
           </a:p>
@@ -4443,7 +4453,7 @@
           <a:p>
             <a:fld id="{D253BB75-C9F5-8342-9D8A-C2F31092015F}" type="datetimeFigureOut">
               <a:rPr lang="es-CO" smtClean="0"/>
-              <a:t>07/03/2021</a:t>
+              <a:t>7/03/2021</a:t>
             </a:fld>
             <a:endParaRPr lang="es-CO"/>
           </a:p>
@@ -5898,7 +5908,7 @@
           <a:p>
             <a:fld id="{D253BB75-C9F5-8342-9D8A-C2F31092015F}" type="datetimeFigureOut">
               <a:rPr lang="es-CO" smtClean="0"/>
-              <a:t>07/03/2021</a:t>
+              <a:t>7/03/2021</a:t>
             </a:fld>
             <a:endParaRPr lang="es-CO"/>
           </a:p>
@@ -7406,7 +7416,7 @@
           <a:p>
             <a:fld id="{D253BB75-C9F5-8342-9D8A-C2F31092015F}" type="datetimeFigureOut">
               <a:rPr lang="es-CO" smtClean="0"/>
-              <a:t>07/03/2021</a:t>
+              <a:t>7/03/2021</a:t>
             </a:fld>
             <a:endParaRPr lang="es-CO"/>
           </a:p>
@@ -8927,7 +8937,7 @@
           <a:p>
             <a:fld id="{D253BB75-C9F5-8342-9D8A-C2F31092015F}" type="datetimeFigureOut">
               <a:rPr lang="es-CO" smtClean="0"/>
-              <a:t>07/03/2021</a:t>
+              <a:t>7/03/2021</a:t>
             </a:fld>
             <a:endParaRPr lang="es-CO"/>
           </a:p>
@@ -10592,7 +10602,7 @@
           <a:p>
             <a:fld id="{D253BB75-C9F5-8342-9D8A-C2F31092015F}" type="datetimeFigureOut">
               <a:rPr lang="es-CO" smtClean="0"/>
-              <a:t>07/03/2021</a:t>
+              <a:t>7/03/2021</a:t>
             </a:fld>
             <a:endParaRPr lang="es-CO"/>
           </a:p>
@@ -11990,7 +12000,7 @@
           <a:p>
             <a:fld id="{D253BB75-C9F5-8342-9D8A-C2F31092015F}" type="datetimeFigureOut">
               <a:rPr lang="es-CO" smtClean="0"/>
-              <a:t>07/03/2021</a:t>
+              <a:t>7/03/2021</a:t>
             </a:fld>
             <a:endParaRPr lang="es-CO"/>
           </a:p>
@@ -12090,7 +12100,7 @@
           <a:p>
             <a:fld id="{D253BB75-C9F5-8342-9D8A-C2F31092015F}" type="datetimeFigureOut">
               <a:rPr lang="es-CO" smtClean="0"/>
-              <a:t>07/03/2021</a:t>
+              <a:t>7/03/2021</a:t>
             </a:fld>
             <a:endParaRPr lang="es-CO"/>
           </a:p>
@@ -13616,7 +13626,7 @@
           <a:p>
             <a:fld id="{D253BB75-C9F5-8342-9D8A-C2F31092015F}" type="datetimeFigureOut">
               <a:rPr lang="es-CO" smtClean="0"/>
-              <a:t>07/03/2021</a:t>
+              <a:t>7/03/2021</a:t>
             </a:fld>
             <a:endParaRPr lang="es-CO"/>
           </a:p>
@@ -15152,7 +15162,7 @@
           <a:p>
             <a:fld id="{D253BB75-C9F5-8342-9D8A-C2F31092015F}" type="datetimeFigureOut">
               <a:rPr lang="es-CO" smtClean="0"/>
-              <a:t>07/03/2021</a:t>
+              <a:t>7/03/2021</a:t>
             </a:fld>
             <a:endParaRPr lang="es-CO"/>
           </a:p>
@@ -15375,7 +15385,7 @@
           <a:p>
             <a:fld id="{D253BB75-C9F5-8342-9D8A-C2F31092015F}" type="datetimeFigureOut">
               <a:rPr lang="es-CO" smtClean="0"/>
-              <a:t>07/03/2021</a:t>
+              <a:t>7/03/2021</a:t>
             </a:fld>
             <a:endParaRPr lang="es-CO"/>
           </a:p>
@@ -16050,6 +16060,747 @@
 </p:sld>
 </file>
 
+<file path=ppt/slides/slide12.xml><?xml version="1.0" encoding="utf-8"?>
+<p:sld xmlns:a="http://schemas.openxmlformats.org/drawingml/2006/main" xmlns:r="http://schemas.openxmlformats.org/officeDocument/2006/relationships" xmlns:p="http://schemas.openxmlformats.org/presentationml/2006/main">
+  <p:cSld>
+    <p:spTree>
+      <p:nvGrpSpPr>
+        <p:cNvPr id="1" name=""/>
+        <p:cNvGrpSpPr/>
+        <p:nvPr/>
+      </p:nvGrpSpPr>
+      <p:grpSpPr>
+        <a:xfrm>
+          <a:off x="0" y="0"/>
+          <a:ext cx="0" cy="0"/>
+          <a:chOff x="0" y="0"/>
+          <a:chExt cx="0" cy="0"/>
+        </a:xfrm>
+      </p:grpSpPr>
+      <p:sp>
+        <p:nvSpPr>
+          <p:cNvPr id="2" name="Título 1">
+            <a:extLst>
+              <a:ext uri="{FF2B5EF4-FFF2-40B4-BE49-F238E27FC236}">
+                <a16:creationId xmlns:a16="http://schemas.microsoft.com/office/drawing/2014/main" id="{FBC99823-9417-40B4-9BA7-2008C4CBC694}"/>
+              </a:ext>
+            </a:extLst>
+          </p:cNvPr>
+          <p:cNvSpPr>
+            <a:spLocks noGrp="1"/>
+          </p:cNvSpPr>
+          <p:nvPr>
+            <p:ph type="title"/>
+          </p:nvPr>
+        </p:nvSpPr>
+        <p:spPr/>
+        <p:txBody>
+          <a:bodyPr/>
+          <a:lstStyle/>
+          <a:p>
+            <a:r>
+              <a:rPr lang="es-CO" dirty="0"/>
+              <a:t>Alcance</a:t>
+            </a:r>
+          </a:p>
+        </p:txBody>
+      </p:sp>
+      <p:sp>
+        <p:nvSpPr>
+          <p:cNvPr id="3" name="Marcador de contenido 2">
+            <a:extLst>
+              <a:ext uri="{FF2B5EF4-FFF2-40B4-BE49-F238E27FC236}">
+                <a16:creationId xmlns:a16="http://schemas.microsoft.com/office/drawing/2014/main" id="{EB8D60DC-76D4-4E9D-B66E-446B8A5FA9C0}"/>
+              </a:ext>
+            </a:extLst>
+          </p:cNvPr>
+          <p:cNvSpPr>
+            <a:spLocks noGrp="1"/>
+          </p:cNvSpPr>
+          <p:nvPr>
+            <p:ph idx="1"/>
+          </p:nvPr>
+        </p:nvSpPr>
+        <p:spPr/>
+        <p:txBody>
+          <a:bodyPr/>
+          <a:lstStyle/>
+          <a:p>
+            <a:r>
+              <a:rPr lang="es-CO" sz="1800" dirty="0"/>
+              <a:t>El presente proyecto se realiza en el marco del programa tecnológico análisis y desarrollo de sistemas de información del SENA, regional Bogotá en el módulo de programación. El principal objetivo es aplicar los conocimientos adquiridos en el trascurso del programa para realizar un sistema de información. Para el presente caso se seleccionó la institución educativa Enrique Santos Montejo del municipio de Tenjo, Cundinamarca, en el cual existe un contacto por parte de uno de los integrantes del grupo. A través de un acercamiento con esta persona se lo lograron identificar algunas necesidades de información, requerimientos de información que se pueden clasificar en cuatro: </a:t>
+            </a:r>
+          </a:p>
+          <a:p>
+            <a:endParaRPr lang="es-CO" dirty="0"/>
+          </a:p>
+        </p:txBody>
+      </p:sp>
+    </p:spTree>
+    <p:extLst>
+      <p:ext uri="{BB962C8B-B14F-4D97-AF65-F5344CB8AC3E}">
+        <p14:creationId xmlns:p14="http://schemas.microsoft.com/office/powerpoint/2010/main" val="2653879135"/>
+      </p:ext>
+    </p:extLst>
+  </p:cSld>
+  <p:clrMapOvr>
+    <a:masterClrMapping/>
+  </p:clrMapOvr>
+</p:sld>
+</file>
+
+<file path=ppt/slides/slide13.xml><?xml version="1.0" encoding="utf-8"?>
+<p:sld xmlns:a="http://schemas.openxmlformats.org/drawingml/2006/main" xmlns:r="http://schemas.openxmlformats.org/officeDocument/2006/relationships" xmlns:p="http://schemas.openxmlformats.org/presentationml/2006/main">
+  <p:cSld>
+    <p:spTree>
+      <p:nvGrpSpPr>
+        <p:cNvPr id="1" name=""/>
+        <p:cNvGrpSpPr/>
+        <p:nvPr/>
+      </p:nvGrpSpPr>
+      <p:grpSpPr>
+        <a:xfrm>
+          <a:off x="0" y="0"/>
+          <a:ext cx="0" cy="0"/>
+          <a:chOff x="0" y="0"/>
+          <a:chExt cx="0" cy="0"/>
+        </a:xfrm>
+      </p:grpSpPr>
+      <p:sp>
+        <p:nvSpPr>
+          <p:cNvPr id="2" name="Título 1">
+            <a:extLst>
+              <a:ext uri="{FF2B5EF4-FFF2-40B4-BE49-F238E27FC236}">
+                <a16:creationId xmlns:a16="http://schemas.microsoft.com/office/drawing/2014/main" id="{38274EA1-EC35-4B38-87B7-6E49B96B297F}"/>
+              </a:ext>
+            </a:extLst>
+          </p:cNvPr>
+          <p:cNvSpPr>
+            <a:spLocks noGrp="1"/>
+          </p:cNvSpPr>
+          <p:nvPr>
+            <p:ph type="title"/>
+          </p:nvPr>
+        </p:nvSpPr>
+        <p:spPr/>
+        <p:txBody>
+          <a:bodyPr/>
+          <a:lstStyle/>
+          <a:p>
+            <a:r>
+              <a:rPr lang="es-CO" dirty="0"/>
+              <a:t>Alcance</a:t>
+            </a:r>
+          </a:p>
+        </p:txBody>
+      </p:sp>
+      <p:sp>
+        <p:nvSpPr>
+          <p:cNvPr id="3" name="Marcador de contenido 2">
+            <a:extLst>
+              <a:ext uri="{FF2B5EF4-FFF2-40B4-BE49-F238E27FC236}">
+                <a16:creationId xmlns:a16="http://schemas.microsoft.com/office/drawing/2014/main" id="{CADF54F2-0BEA-41FF-AC42-E69D95C90601}"/>
+              </a:ext>
+            </a:extLst>
+          </p:cNvPr>
+          <p:cNvSpPr>
+            <a:spLocks noGrp="1"/>
+          </p:cNvSpPr>
+          <p:nvPr>
+            <p:ph idx="1"/>
+          </p:nvPr>
+        </p:nvSpPr>
+        <p:spPr/>
+        <p:txBody>
+          <a:bodyPr/>
+          <a:lstStyle/>
+          <a:p>
+            <a:pPr lvl="0"/>
+            <a:r>
+              <a:rPr lang="es-CO" sz="1800" dirty="0"/>
+              <a:t>Gestión del archivo, ya que no existe digitalización de este, lo cual provoca una gran acumulación de documentos físicos, una demora en los procesos y un riesgo biológico para los encargados del área.</a:t>
+            </a:r>
+          </a:p>
+          <a:p>
+            <a:pPr lvl="0"/>
+            <a:r>
+              <a:rPr lang="es-CO" sz="1800" dirty="0"/>
+              <a:t>Una plataforma de apoyo pedagógico para la labor de los docentes y los estudiantes, la cual contenga recursos de aprendizaje.</a:t>
+            </a:r>
+          </a:p>
+          <a:p>
+            <a:pPr lvl="0"/>
+            <a:r>
+              <a:rPr lang="es-CO" sz="1800" dirty="0"/>
+              <a:t>Sistema de información para la gestión de la información del observador del alumno.</a:t>
+            </a:r>
+          </a:p>
+          <a:p>
+            <a:pPr lvl="0"/>
+            <a:r>
+              <a:rPr lang="es-CO" sz="1800" dirty="0"/>
+              <a:t>Sistema de información para la gestión de las calificaciones de los estudiantes.</a:t>
+            </a:r>
+          </a:p>
+          <a:p>
+            <a:endParaRPr lang="es-CO" dirty="0"/>
+          </a:p>
+        </p:txBody>
+      </p:sp>
+    </p:spTree>
+    <p:extLst>
+      <p:ext uri="{BB962C8B-B14F-4D97-AF65-F5344CB8AC3E}">
+        <p14:creationId xmlns:p14="http://schemas.microsoft.com/office/powerpoint/2010/main" val="2252600328"/>
+      </p:ext>
+    </p:extLst>
+  </p:cSld>
+  <p:clrMapOvr>
+    <a:masterClrMapping/>
+  </p:clrMapOvr>
+</p:sld>
+</file>
+
+<file path=ppt/slides/slide14.xml><?xml version="1.0" encoding="utf-8"?>
+<p:sld xmlns:a="http://schemas.openxmlformats.org/drawingml/2006/main" xmlns:r="http://schemas.openxmlformats.org/officeDocument/2006/relationships" xmlns:p="http://schemas.openxmlformats.org/presentationml/2006/main">
+  <p:cSld>
+    <p:spTree>
+      <p:nvGrpSpPr>
+        <p:cNvPr id="1" name=""/>
+        <p:cNvGrpSpPr/>
+        <p:nvPr/>
+      </p:nvGrpSpPr>
+      <p:grpSpPr>
+        <a:xfrm>
+          <a:off x="0" y="0"/>
+          <a:ext cx="0" cy="0"/>
+          <a:chOff x="0" y="0"/>
+          <a:chExt cx="0" cy="0"/>
+        </a:xfrm>
+      </p:grpSpPr>
+      <p:sp>
+        <p:nvSpPr>
+          <p:cNvPr id="2" name="Título 1">
+            <a:extLst>
+              <a:ext uri="{FF2B5EF4-FFF2-40B4-BE49-F238E27FC236}">
+                <a16:creationId xmlns:a16="http://schemas.microsoft.com/office/drawing/2014/main" id="{210A6730-FE63-417E-A442-AE5A58BE0C07}"/>
+              </a:ext>
+            </a:extLst>
+          </p:cNvPr>
+          <p:cNvSpPr>
+            <a:spLocks noGrp="1"/>
+          </p:cNvSpPr>
+          <p:nvPr>
+            <p:ph type="title"/>
+          </p:nvPr>
+        </p:nvSpPr>
+        <p:spPr/>
+        <p:txBody>
+          <a:bodyPr/>
+          <a:lstStyle/>
+          <a:p>
+            <a:r>
+              <a:rPr lang="es-CO" dirty="0"/>
+              <a:t>Alcance</a:t>
+            </a:r>
+          </a:p>
+        </p:txBody>
+      </p:sp>
+      <p:sp>
+        <p:nvSpPr>
+          <p:cNvPr id="3" name="Marcador de contenido 2">
+            <a:extLst>
+              <a:ext uri="{FF2B5EF4-FFF2-40B4-BE49-F238E27FC236}">
+                <a16:creationId xmlns:a16="http://schemas.microsoft.com/office/drawing/2014/main" id="{3AAE4AA2-94FB-4A63-9A55-4C122A5F1EF0}"/>
+              </a:ext>
+            </a:extLst>
+          </p:cNvPr>
+          <p:cNvSpPr>
+            <a:spLocks noGrp="1"/>
+          </p:cNvSpPr>
+          <p:nvPr>
+            <p:ph idx="1"/>
+          </p:nvPr>
+        </p:nvSpPr>
+        <p:spPr/>
+        <p:txBody>
+          <a:bodyPr/>
+          <a:lstStyle/>
+          <a:p>
+            <a:pPr algn="just"/>
+            <a:r>
+              <a:rPr lang="es-CO" dirty="0"/>
+              <a:t>Se decide trabajar este último punto, porque la satisfacción de esta necesidad de información abarca procesos pedagógicos y administrativos para la institución educativa, además la plataforma será de fácil manejo para toda la comunidad educativa. </a:t>
+            </a:r>
+          </a:p>
+          <a:p>
+            <a:r>
+              <a:rPr lang="es-CO" dirty="0"/>
+              <a:t>Este sistema de información contará con las siguientes características:</a:t>
+            </a:r>
+          </a:p>
+          <a:p>
+            <a:endParaRPr lang="es-CO" dirty="0"/>
+          </a:p>
+        </p:txBody>
+      </p:sp>
+    </p:spTree>
+    <p:extLst>
+      <p:ext uri="{BB962C8B-B14F-4D97-AF65-F5344CB8AC3E}">
+        <p14:creationId xmlns:p14="http://schemas.microsoft.com/office/powerpoint/2010/main" val="1395362750"/>
+      </p:ext>
+    </p:extLst>
+  </p:cSld>
+  <p:clrMapOvr>
+    <a:masterClrMapping/>
+  </p:clrMapOvr>
+</p:sld>
+</file>
+
+<file path=ppt/slides/slide15.xml><?xml version="1.0" encoding="utf-8"?>
+<p:sld xmlns:a="http://schemas.openxmlformats.org/drawingml/2006/main" xmlns:r="http://schemas.openxmlformats.org/officeDocument/2006/relationships" xmlns:p="http://schemas.openxmlformats.org/presentationml/2006/main">
+  <p:cSld>
+    <p:spTree>
+      <p:nvGrpSpPr>
+        <p:cNvPr id="1" name=""/>
+        <p:cNvGrpSpPr/>
+        <p:nvPr/>
+      </p:nvGrpSpPr>
+      <p:grpSpPr>
+        <a:xfrm>
+          <a:off x="0" y="0"/>
+          <a:ext cx="0" cy="0"/>
+          <a:chOff x="0" y="0"/>
+          <a:chExt cx="0" cy="0"/>
+        </a:xfrm>
+      </p:grpSpPr>
+      <p:sp>
+        <p:nvSpPr>
+          <p:cNvPr id="2" name="Título 1">
+            <a:extLst>
+              <a:ext uri="{FF2B5EF4-FFF2-40B4-BE49-F238E27FC236}">
+                <a16:creationId xmlns:a16="http://schemas.microsoft.com/office/drawing/2014/main" id="{CE6175AB-D3C6-4ECA-B26F-57DAFEDC420A}"/>
+              </a:ext>
+            </a:extLst>
+          </p:cNvPr>
+          <p:cNvSpPr>
+            <a:spLocks noGrp="1"/>
+          </p:cNvSpPr>
+          <p:nvPr>
+            <p:ph type="title"/>
+          </p:nvPr>
+        </p:nvSpPr>
+        <p:spPr/>
+        <p:txBody>
+          <a:bodyPr/>
+          <a:lstStyle/>
+          <a:p>
+            <a:r>
+              <a:rPr lang="es-CO" dirty="0"/>
+              <a:t>Alcance</a:t>
+            </a:r>
+          </a:p>
+        </p:txBody>
+      </p:sp>
+      <p:sp>
+        <p:nvSpPr>
+          <p:cNvPr id="3" name="Marcador de contenido 2">
+            <a:extLst>
+              <a:ext uri="{FF2B5EF4-FFF2-40B4-BE49-F238E27FC236}">
+                <a16:creationId xmlns:a16="http://schemas.microsoft.com/office/drawing/2014/main" id="{98CD7164-FABD-4060-8B3B-B19108A8DC72}"/>
+              </a:ext>
+            </a:extLst>
+          </p:cNvPr>
+          <p:cNvSpPr>
+            <a:spLocks noGrp="1"/>
+          </p:cNvSpPr>
+          <p:nvPr>
+            <p:ph idx="1"/>
+          </p:nvPr>
+        </p:nvSpPr>
+        <p:spPr/>
+        <p:txBody>
+          <a:bodyPr/>
+          <a:lstStyle/>
+          <a:p>
+            <a:r>
+              <a:rPr lang="es-CO" dirty="0"/>
+              <a:t>Módulo de registro de notas. En este módulo el profesor podrá establecer la cantidad de notas de cada periodo académico y el valor porcentual de cada uno. El sistema realizar de forma automática cálculos que muestren el valor definitivo de la nota. Se podrán observar estadísticas, como por ejemplo la cantidad de materias aprobadas y reprobadas por estudiante.</a:t>
+            </a:r>
+          </a:p>
+          <a:p>
+            <a:endParaRPr lang="es-CO" dirty="0"/>
+          </a:p>
+        </p:txBody>
+      </p:sp>
+    </p:spTree>
+    <p:extLst>
+      <p:ext uri="{BB962C8B-B14F-4D97-AF65-F5344CB8AC3E}">
+        <p14:creationId xmlns:p14="http://schemas.microsoft.com/office/powerpoint/2010/main" val="1857257707"/>
+      </p:ext>
+    </p:extLst>
+  </p:cSld>
+  <p:clrMapOvr>
+    <a:masterClrMapping/>
+  </p:clrMapOvr>
+</p:sld>
+</file>
+
+<file path=ppt/slides/slide16.xml><?xml version="1.0" encoding="utf-8"?>
+<p:sld xmlns:a="http://schemas.openxmlformats.org/drawingml/2006/main" xmlns:r="http://schemas.openxmlformats.org/officeDocument/2006/relationships" xmlns:p="http://schemas.openxmlformats.org/presentationml/2006/main">
+  <p:cSld>
+    <p:spTree>
+      <p:nvGrpSpPr>
+        <p:cNvPr id="1" name=""/>
+        <p:cNvGrpSpPr/>
+        <p:nvPr/>
+      </p:nvGrpSpPr>
+      <p:grpSpPr>
+        <a:xfrm>
+          <a:off x="0" y="0"/>
+          <a:ext cx="0" cy="0"/>
+          <a:chOff x="0" y="0"/>
+          <a:chExt cx="0" cy="0"/>
+        </a:xfrm>
+      </p:grpSpPr>
+      <p:sp>
+        <p:nvSpPr>
+          <p:cNvPr id="2" name="Título 1">
+            <a:extLst>
+              <a:ext uri="{FF2B5EF4-FFF2-40B4-BE49-F238E27FC236}">
+                <a16:creationId xmlns:a16="http://schemas.microsoft.com/office/drawing/2014/main" id="{EFCF688F-0560-42F8-BBD3-68DF8B7E47D6}"/>
+              </a:ext>
+            </a:extLst>
+          </p:cNvPr>
+          <p:cNvSpPr>
+            <a:spLocks noGrp="1"/>
+          </p:cNvSpPr>
+          <p:nvPr>
+            <p:ph type="title"/>
+          </p:nvPr>
+        </p:nvSpPr>
+        <p:spPr/>
+        <p:txBody>
+          <a:bodyPr/>
+          <a:lstStyle/>
+          <a:p>
+            <a:r>
+              <a:rPr lang="es-CO" dirty="0"/>
+              <a:t>Alcance</a:t>
+            </a:r>
+          </a:p>
+        </p:txBody>
+      </p:sp>
+      <p:sp>
+        <p:nvSpPr>
+          <p:cNvPr id="3" name="Marcador de contenido 2">
+            <a:extLst>
+              <a:ext uri="{FF2B5EF4-FFF2-40B4-BE49-F238E27FC236}">
+                <a16:creationId xmlns:a16="http://schemas.microsoft.com/office/drawing/2014/main" id="{6D1503A2-4AA9-4E5F-A8F6-BE7BB523C4E5}"/>
+              </a:ext>
+            </a:extLst>
+          </p:cNvPr>
+          <p:cNvSpPr>
+            <a:spLocks noGrp="1"/>
+          </p:cNvSpPr>
+          <p:nvPr>
+            <p:ph idx="1"/>
+          </p:nvPr>
+        </p:nvSpPr>
+        <p:spPr/>
+        <p:txBody>
+          <a:bodyPr/>
+          <a:lstStyle/>
+          <a:p>
+            <a:r>
+              <a:rPr lang="es-CO" dirty="0"/>
+              <a:t>Módulo de visualización de notas. En este módulo tanto profesores como estudiantes, tendrán acceso a las calificaciones de los estudiantes. El estudiante tendrá únicamente acceso para consultar las notas de las materias que esté cursando. Los profesores tendrán acceso para consultar las notas de los estudiantes bajo su cargo. El director de curso podrá observar todas las notas de los estudiantes de su grupo.</a:t>
+            </a:r>
+          </a:p>
+          <a:p>
+            <a:endParaRPr lang="es-CO" dirty="0"/>
+          </a:p>
+        </p:txBody>
+      </p:sp>
+    </p:spTree>
+    <p:extLst>
+      <p:ext uri="{BB962C8B-B14F-4D97-AF65-F5344CB8AC3E}">
+        <p14:creationId xmlns:p14="http://schemas.microsoft.com/office/powerpoint/2010/main" val="769436941"/>
+      </p:ext>
+    </p:extLst>
+  </p:cSld>
+  <p:clrMapOvr>
+    <a:masterClrMapping/>
+  </p:clrMapOvr>
+</p:sld>
+</file>
+
+<file path=ppt/slides/slide17.xml><?xml version="1.0" encoding="utf-8"?>
+<p:sld xmlns:a="http://schemas.openxmlformats.org/drawingml/2006/main" xmlns:r="http://schemas.openxmlformats.org/officeDocument/2006/relationships" xmlns:p="http://schemas.openxmlformats.org/presentationml/2006/main">
+  <p:cSld>
+    <p:spTree>
+      <p:nvGrpSpPr>
+        <p:cNvPr id="1" name=""/>
+        <p:cNvGrpSpPr/>
+        <p:nvPr/>
+      </p:nvGrpSpPr>
+      <p:grpSpPr>
+        <a:xfrm>
+          <a:off x="0" y="0"/>
+          <a:ext cx="0" cy="0"/>
+          <a:chOff x="0" y="0"/>
+          <a:chExt cx="0" cy="0"/>
+        </a:xfrm>
+      </p:grpSpPr>
+      <p:sp>
+        <p:nvSpPr>
+          <p:cNvPr id="2" name="Título 1">
+            <a:extLst>
+              <a:ext uri="{FF2B5EF4-FFF2-40B4-BE49-F238E27FC236}">
+                <a16:creationId xmlns:a16="http://schemas.microsoft.com/office/drawing/2014/main" id="{F886EB5C-FB30-4753-AB25-C2348EFB898A}"/>
+              </a:ext>
+            </a:extLst>
+          </p:cNvPr>
+          <p:cNvSpPr>
+            <a:spLocks noGrp="1"/>
+          </p:cNvSpPr>
+          <p:nvPr>
+            <p:ph type="title"/>
+          </p:nvPr>
+        </p:nvSpPr>
+        <p:spPr/>
+        <p:txBody>
+          <a:bodyPr/>
+          <a:lstStyle/>
+          <a:p>
+            <a:r>
+              <a:rPr lang="es-CO" dirty="0"/>
+              <a:t>Alcance</a:t>
+            </a:r>
+          </a:p>
+        </p:txBody>
+      </p:sp>
+      <p:sp>
+        <p:nvSpPr>
+          <p:cNvPr id="3" name="Marcador de contenido 2">
+            <a:extLst>
+              <a:ext uri="{FF2B5EF4-FFF2-40B4-BE49-F238E27FC236}">
+                <a16:creationId xmlns:a16="http://schemas.microsoft.com/office/drawing/2014/main" id="{1F784DB7-B70B-4380-BD82-49ACC58CADBE}"/>
+              </a:ext>
+            </a:extLst>
+          </p:cNvPr>
+          <p:cNvSpPr>
+            <a:spLocks noGrp="1"/>
+          </p:cNvSpPr>
+          <p:nvPr>
+            <p:ph idx="1"/>
+          </p:nvPr>
+        </p:nvSpPr>
+        <p:spPr/>
+        <p:txBody>
+          <a:bodyPr/>
+          <a:lstStyle/>
+          <a:p>
+            <a:r>
+              <a:rPr lang="es-CO" dirty="0"/>
+              <a:t>Una vez analizados los requerimientos por parte de la institución educativa, se inicia el desarrollo de la plataforma. Cuando la plataforma se encuentre finalizada, será sometida a un periodo de prueba. Por último, se realizará la presentación de la plataforma al colegio.</a:t>
+            </a:r>
+          </a:p>
+          <a:p>
+            <a:endParaRPr lang="es-CO" dirty="0"/>
+          </a:p>
+        </p:txBody>
+      </p:sp>
+    </p:spTree>
+    <p:extLst>
+      <p:ext uri="{BB962C8B-B14F-4D97-AF65-F5344CB8AC3E}">
+        <p14:creationId xmlns:p14="http://schemas.microsoft.com/office/powerpoint/2010/main" val="1496320608"/>
+      </p:ext>
+    </p:extLst>
+  </p:cSld>
+  <p:clrMapOvr>
+    <a:masterClrMapping/>
+  </p:clrMapOvr>
+</p:sld>
+</file>
+
+<file path=ppt/slides/slide18.xml><?xml version="1.0" encoding="utf-8"?>
+<p:sld xmlns:a="http://schemas.openxmlformats.org/drawingml/2006/main" xmlns:r="http://schemas.openxmlformats.org/officeDocument/2006/relationships" xmlns:p="http://schemas.openxmlformats.org/presentationml/2006/main">
+  <p:cSld>
+    <p:spTree>
+      <p:nvGrpSpPr>
+        <p:cNvPr id="1" name=""/>
+        <p:cNvGrpSpPr/>
+        <p:nvPr/>
+      </p:nvGrpSpPr>
+      <p:grpSpPr>
+        <a:xfrm>
+          <a:off x="0" y="0"/>
+          <a:ext cx="0" cy="0"/>
+          <a:chOff x="0" y="0"/>
+          <a:chExt cx="0" cy="0"/>
+        </a:xfrm>
+      </p:grpSpPr>
+      <p:sp>
+        <p:nvSpPr>
+          <p:cNvPr id="2" name="Título 1">
+            <a:extLst>
+              <a:ext uri="{FF2B5EF4-FFF2-40B4-BE49-F238E27FC236}">
+                <a16:creationId xmlns:a16="http://schemas.microsoft.com/office/drawing/2014/main" id="{79B28E0D-83B2-4065-AD0F-7B8EAAF7699B}"/>
+              </a:ext>
+            </a:extLst>
+          </p:cNvPr>
+          <p:cNvSpPr>
+            <a:spLocks noGrp="1"/>
+          </p:cNvSpPr>
+          <p:nvPr>
+            <p:ph type="title"/>
+          </p:nvPr>
+        </p:nvSpPr>
+        <p:spPr/>
+        <p:txBody>
+          <a:bodyPr/>
+          <a:lstStyle/>
+          <a:p>
+            <a:r>
+              <a:rPr lang="es-CO" dirty="0"/>
+              <a:t>Técnicas de recolección de información</a:t>
+            </a:r>
+          </a:p>
+        </p:txBody>
+      </p:sp>
+      <p:sp>
+        <p:nvSpPr>
+          <p:cNvPr id="3" name="Marcador de contenido 2">
+            <a:extLst>
+              <a:ext uri="{FF2B5EF4-FFF2-40B4-BE49-F238E27FC236}">
+                <a16:creationId xmlns:a16="http://schemas.microsoft.com/office/drawing/2014/main" id="{2942DAE4-3E57-4C17-B28C-C1EA7865FD23}"/>
+              </a:ext>
+            </a:extLst>
+          </p:cNvPr>
+          <p:cNvSpPr>
+            <a:spLocks noGrp="1"/>
+          </p:cNvSpPr>
+          <p:nvPr>
+            <p:ph idx="1"/>
+          </p:nvPr>
+        </p:nvSpPr>
+        <p:spPr/>
+        <p:txBody>
+          <a:bodyPr/>
+          <a:lstStyle/>
+          <a:p>
+            <a:r>
+              <a:rPr lang="es-CO" dirty="0"/>
+              <a:t>En el presente trabajo se utilizarán tres técnicas de captura de información, las cuales son:</a:t>
+            </a:r>
+          </a:p>
+          <a:p>
+            <a:endParaRPr lang="es-CO" dirty="0"/>
+          </a:p>
+        </p:txBody>
+      </p:sp>
+    </p:spTree>
+    <p:extLst>
+      <p:ext uri="{BB962C8B-B14F-4D97-AF65-F5344CB8AC3E}">
+        <p14:creationId xmlns:p14="http://schemas.microsoft.com/office/powerpoint/2010/main" val="3788213034"/>
+      </p:ext>
+    </p:extLst>
+  </p:cSld>
+  <p:clrMapOvr>
+    <a:masterClrMapping/>
+  </p:clrMapOvr>
+</p:sld>
+</file>
+
+<file path=ppt/slides/slide19.xml><?xml version="1.0" encoding="utf-8"?>
+<p:sld xmlns:a="http://schemas.openxmlformats.org/drawingml/2006/main" xmlns:r="http://schemas.openxmlformats.org/officeDocument/2006/relationships" xmlns:p="http://schemas.openxmlformats.org/presentationml/2006/main">
+  <p:cSld>
+    <p:spTree>
+      <p:nvGrpSpPr>
+        <p:cNvPr id="1" name=""/>
+        <p:cNvGrpSpPr/>
+        <p:nvPr/>
+      </p:nvGrpSpPr>
+      <p:grpSpPr>
+        <a:xfrm>
+          <a:off x="0" y="0"/>
+          <a:ext cx="0" cy="0"/>
+          <a:chOff x="0" y="0"/>
+          <a:chExt cx="0" cy="0"/>
+        </a:xfrm>
+      </p:grpSpPr>
+      <p:sp>
+        <p:nvSpPr>
+          <p:cNvPr id="2" name="Título 1">
+            <a:extLst>
+              <a:ext uri="{FF2B5EF4-FFF2-40B4-BE49-F238E27FC236}">
+                <a16:creationId xmlns:a16="http://schemas.microsoft.com/office/drawing/2014/main" id="{CA071AF0-FD95-4499-BAF5-37E9DE81C28C}"/>
+              </a:ext>
+            </a:extLst>
+          </p:cNvPr>
+          <p:cNvSpPr>
+            <a:spLocks noGrp="1"/>
+          </p:cNvSpPr>
+          <p:nvPr>
+            <p:ph type="title"/>
+          </p:nvPr>
+        </p:nvSpPr>
+        <p:spPr/>
+        <p:txBody>
+          <a:bodyPr/>
+          <a:lstStyle/>
+          <a:p>
+            <a:r>
+              <a:rPr lang="es-CO" dirty="0"/>
+              <a:t>Técnicas de recolección de información</a:t>
+            </a:r>
+          </a:p>
+        </p:txBody>
+      </p:sp>
+      <p:sp>
+        <p:nvSpPr>
+          <p:cNvPr id="3" name="Marcador de contenido 2">
+            <a:extLst>
+              <a:ext uri="{FF2B5EF4-FFF2-40B4-BE49-F238E27FC236}">
+                <a16:creationId xmlns:a16="http://schemas.microsoft.com/office/drawing/2014/main" id="{EAE1D888-8D04-437D-9294-34E9F98614AC}"/>
+              </a:ext>
+            </a:extLst>
+          </p:cNvPr>
+          <p:cNvSpPr>
+            <a:spLocks noGrp="1"/>
+          </p:cNvSpPr>
+          <p:nvPr>
+            <p:ph idx="1"/>
+          </p:nvPr>
+        </p:nvSpPr>
+        <p:spPr/>
+        <p:txBody>
+          <a:bodyPr/>
+          <a:lstStyle/>
+          <a:p>
+            <a:r>
+              <a:rPr lang="es-CO" dirty="0"/>
+              <a:t>Revisión documental: consiste en la consulta de la bibliografía física y/o digital y otros materiales  para extraer y recopilar la información pertinente para el estudio (Hernández Sampieri, 2014).</a:t>
+            </a:r>
+          </a:p>
+          <a:p>
+            <a:endParaRPr lang="es-CO" dirty="0"/>
+          </a:p>
+        </p:txBody>
+      </p:sp>
+    </p:spTree>
+    <p:extLst>
+      <p:ext uri="{BB962C8B-B14F-4D97-AF65-F5344CB8AC3E}">
+        <p14:creationId xmlns:p14="http://schemas.microsoft.com/office/powerpoint/2010/main" val="1884706322"/>
+      </p:ext>
+    </p:extLst>
+  </p:cSld>
+  <p:clrMapOvr>
+    <a:masterClrMapping/>
+  </p:clrMapOvr>
+</p:sld>
+</file>
+
 <file path=ppt/slides/slide2.xml><?xml version="1.0" encoding="utf-8"?>
 <p:sld xmlns:a="http://schemas.openxmlformats.org/drawingml/2006/main" xmlns:r="http://schemas.openxmlformats.org/officeDocument/2006/relationships" xmlns:p="http://schemas.openxmlformats.org/presentationml/2006/main">
   <p:cSld>
@@ -16083,10 +16834,9 @@
           <a:lstStyle/>
           <a:p>
             <a:r>
-              <a:rPr lang="es-CO" dirty="0" smtClean="0"/>
+              <a:rPr lang="es-CO" dirty="0"/>
               <a:t>LOGO</a:t>
             </a:r>
-            <a:endParaRPr lang="es-CO" dirty="0"/>
           </a:p>
         </p:txBody>
       </p:sp>
@@ -16133,6 +16883,193 @@
 </p:sld>
 </file>
 
+<file path=ppt/slides/slide20.xml><?xml version="1.0" encoding="utf-8"?>
+<p:sld xmlns:a="http://schemas.openxmlformats.org/drawingml/2006/main" xmlns:r="http://schemas.openxmlformats.org/officeDocument/2006/relationships" xmlns:p="http://schemas.openxmlformats.org/presentationml/2006/main">
+  <p:cSld>
+    <p:spTree>
+      <p:nvGrpSpPr>
+        <p:cNvPr id="1" name=""/>
+        <p:cNvGrpSpPr/>
+        <p:nvPr/>
+      </p:nvGrpSpPr>
+      <p:grpSpPr>
+        <a:xfrm>
+          <a:off x="0" y="0"/>
+          <a:ext cx="0" cy="0"/>
+          <a:chOff x="0" y="0"/>
+          <a:chExt cx="0" cy="0"/>
+        </a:xfrm>
+      </p:grpSpPr>
+      <p:sp>
+        <p:nvSpPr>
+          <p:cNvPr id="2" name="Título 1">
+            <a:extLst>
+              <a:ext uri="{FF2B5EF4-FFF2-40B4-BE49-F238E27FC236}">
+                <a16:creationId xmlns:a16="http://schemas.microsoft.com/office/drawing/2014/main" id="{F4525F72-6AB2-45E4-957E-1F76D7741B06}"/>
+              </a:ext>
+            </a:extLst>
+          </p:cNvPr>
+          <p:cNvSpPr>
+            <a:spLocks noGrp="1"/>
+          </p:cNvSpPr>
+          <p:nvPr>
+            <p:ph type="title"/>
+          </p:nvPr>
+        </p:nvSpPr>
+        <p:spPr/>
+        <p:txBody>
+          <a:bodyPr/>
+          <a:lstStyle/>
+          <a:p>
+            <a:r>
+              <a:rPr lang="es-CO" dirty="0"/>
+              <a:t>Técnicas de recolección de información</a:t>
+            </a:r>
+          </a:p>
+        </p:txBody>
+      </p:sp>
+      <p:sp>
+        <p:nvSpPr>
+          <p:cNvPr id="3" name="Marcador de contenido 2">
+            <a:extLst>
+              <a:ext uri="{FF2B5EF4-FFF2-40B4-BE49-F238E27FC236}">
+                <a16:creationId xmlns:a16="http://schemas.microsoft.com/office/drawing/2014/main" id="{52A9B4A6-A4E1-4680-8335-2B45572C9782}"/>
+              </a:ext>
+            </a:extLst>
+          </p:cNvPr>
+          <p:cNvSpPr>
+            <a:spLocks noGrp="1"/>
+          </p:cNvSpPr>
+          <p:nvPr>
+            <p:ph idx="1"/>
+          </p:nvPr>
+        </p:nvSpPr>
+        <p:spPr/>
+        <p:txBody>
+          <a:bodyPr/>
+          <a:lstStyle/>
+          <a:p>
+            <a:r>
+              <a:rPr lang="es-CO" dirty="0" err="1"/>
+              <a:t>Entrvista</a:t>
+            </a:r>
+            <a:r>
+              <a:rPr lang="es-CO" dirty="0"/>
+              <a:t> informal: Técnica conversacional en la cual se indaga, en un ambiente desenfadado y poco planeado, a un informante sobre aspectos pertinentes para el desarrollo del proyecto</a:t>
+            </a:r>
+          </a:p>
+        </p:txBody>
+      </p:sp>
+    </p:spTree>
+    <p:extLst>
+      <p:ext uri="{BB962C8B-B14F-4D97-AF65-F5344CB8AC3E}">
+        <p14:creationId xmlns:p14="http://schemas.microsoft.com/office/powerpoint/2010/main" val="4078265796"/>
+      </p:ext>
+    </p:extLst>
+  </p:cSld>
+  <p:clrMapOvr>
+    <a:masterClrMapping/>
+  </p:clrMapOvr>
+</p:sld>
+</file>
+
+<file path=ppt/slides/slide21.xml><?xml version="1.0" encoding="utf-8"?>
+<p:sld xmlns:a="http://schemas.openxmlformats.org/drawingml/2006/main" xmlns:r="http://schemas.openxmlformats.org/officeDocument/2006/relationships" xmlns:p="http://schemas.openxmlformats.org/presentationml/2006/main">
+  <p:cSld>
+    <p:spTree>
+      <p:nvGrpSpPr>
+        <p:cNvPr id="1" name=""/>
+        <p:cNvGrpSpPr/>
+        <p:nvPr/>
+      </p:nvGrpSpPr>
+      <p:grpSpPr>
+        <a:xfrm>
+          <a:off x="0" y="0"/>
+          <a:ext cx="0" cy="0"/>
+          <a:chOff x="0" y="0"/>
+          <a:chExt cx="0" cy="0"/>
+        </a:xfrm>
+      </p:grpSpPr>
+      <p:sp>
+        <p:nvSpPr>
+          <p:cNvPr id="2" name="Título 1">
+            <a:extLst>
+              <a:ext uri="{FF2B5EF4-FFF2-40B4-BE49-F238E27FC236}">
+                <a16:creationId xmlns:a16="http://schemas.microsoft.com/office/drawing/2014/main" id="{3C58AB7F-139A-46E5-9334-7AADEA849D1D}"/>
+              </a:ext>
+            </a:extLst>
+          </p:cNvPr>
+          <p:cNvSpPr>
+            <a:spLocks noGrp="1"/>
+          </p:cNvSpPr>
+          <p:nvPr>
+            <p:ph type="title"/>
+          </p:nvPr>
+        </p:nvSpPr>
+        <p:spPr/>
+        <p:txBody>
+          <a:bodyPr/>
+          <a:lstStyle/>
+          <a:p>
+            <a:r>
+              <a:rPr lang="es-CO" dirty="0"/>
+              <a:t>Técnicas de recolección de información</a:t>
+            </a:r>
+          </a:p>
+        </p:txBody>
+      </p:sp>
+      <p:sp>
+        <p:nvSpPr>
+          <p:cNvPr id="3" name="Marcador de contenido 2">
+            <a:extLst>
+              <a:ext uri="{FF2B5EF4-FFF2-40B4-BE49-F238E27FC236}">
+                <a16:creationId xmlns:a16="http://schemas.microsoft.com/office/drawing/2014/main" id="{2485BA8B-EF7A-4A59-95C9-965F3EA3EA9F}"/>
+              </a:ext>
+            </a:extLst>
+          </p:cNvPr>
+          <p:cNvSpPr>
+            <a:spLocks noGrp="1"/>
+          </p:cNvSpPr>
+          <p:nvPr>
+            <p:ph idx="1"/>
+          </p:nvPr>
+        </p:nvSpPr>
+        <p:spPr/>
+        <p:txBody>
+          <a:bodyPr/>
+          <a:lstStyle/>
+          <a:p>
+            <a:r>
+              <a:rPr lang="es-CO" dirty="0"/>
+              <a:t>Cuestionario: Es una serie de preguntas que buscan la medición de una o más variables (Hernández Sampieri, 2014). En el caso del presente proyecto, </a:t>
+            </a:r>
+            <a:r>
+              <a:rPr lang="es-CO" dirty="0" err="1"/>
+              <a:t>estta</a:t>
+            </a:r>
+            <a:r>
+              <a:rPr lang="es-CO" dirty="0"/>
+              <a:t> técnica se le aplica a los docentes y orientadora, a los estudiantes y al rector. </a:t>
+            </a:r>
+          </a:p>
+          <a:p>
+            <a:endParaRPr lang="es-CO" dirty="0"/>
+          </a:p>
+        </p:txBody>
+      </p:sp>
+    </p:spTree>
+    <p:extLst>
+      <p:ext uri="{BB962C8B-B14F-4D97-AF65-F5344CB8AC3E}">
+        <p14:creationId xmlns:p14="http://schemas.microsoft.com/office/powerpoint/2010/main" val="1730834417"/>
+      </p:ext>
+    </p:extLst>
+  </p:cSld>
+  <p:clrMapOvr>
+    <a:masterClrMapping/>
+  </p:clrMapOvr>
+</p:sld>
+</file>
+
 <file path=ppt/slides/slide3.xml><?xml version="1.0" encoding="utf-8"?>
 <p:sld xmlns:a="http://schemas.openxmlformats.org/drawingml/2006/main" xmlns:r="http://schemas.openxmlformats.org/officeDocument/2006/relationships" xmlns:p="http://schemas.openxmlformats.org/presentationml/2006/main">
   <p:cSld>
@@ -16175,7 +17112,6 @@
               <a:rPr lang="es-CO" dirty="0"/>
               <a:t>Planteamiento del problema</a:t>
             </a:r>
-            <a:endParaRPr lang="es-CO" dirty="0"/>
           </a:p>
         </p:txBody>
       </p:sp>
@@ -16586,7 +17522,7 @@
               <a:buNone/>
             </a:pPr>
             <a:r>
-              <a:rPr lang="es-CO" smtClean="0"/>
+              <a:rPr lang="es-CO"/>
               <a:t>Desarrollar un sistema de información para el registro, control y administración de las calificaciones en la Institución Educativa Departamental Enrique Santos Montejo.</a:t>
             </a:r>
             <a:endParaRPr lang="es-CO" dirty="0"/>

--- a/PLANTEAMIENTO_DEL_PROBLEMA.pptx
+++ b/PLANTEAMIENTO_DEL_PROBLEMA.pptx
@@ -26,6 +26,13 @@
     <p:sldId id="274" r:id="rId20"/>
     <p:sldId id="275" r:id="rId21"/>
     <p:sldId id="276" r:id="rId22"/>
+    <p:sldId id="277" r:id="rId23"/>
+    <p:sldId id="278" r:id="rId24"/>
+    <p:sldId id="280" r:id="rId25"/>
+    <p:sldId id="281" r:id="rId26"/>
+    <p:sldId id="282" r:id="rId27"/>
+    <p:sldId id="283" r:id="rId28"/>
+    <p:sldId id="284" r:id="rId29"/>
   </p:sldIdLst>
   <p:sldSz cx="12192000" cy="6858000"/>
   <p:notesSz cx="6858000" cy="9144000"/>
@@ -1541,7 +1548,7 @@
           <a:p>
             <a:fld id="{D253BB75-C9F5-8342-9D8A-C2F31092015F}" type="datetimeFigureOut">
               <a:rPr lang="es-CO" smtClean="0"/>
-              <a:t>7/03/2021</a:t>
+              <a:t>08/03/2021</a:t>
             </a:fld>
             <a:endParaRPr lang="es-CO"/>
           </a:p>
@@ -3000,7 +3007,7 @@
           <a:p>
             <a:fld id="{D253BB75-C9F5-8342-9D8A-C2F31092015F}" type="datetimeFigureOut">
               <a:rPr lang="es-CO" smtClean="0"/>
-              <a:t>7/03/2021</a:t>
+              <a:t>08/03/2021</a:t>
             </a:fld>
             <a:endParaRPr lang="es-CO"/>
           </a:p>
@@ -4453,7 +4460,7 @@
           <a:p>
             <a:fld id="{D253BB75-C9F5-8342-9D8A-C2F31092015F}" type="datetimeFigureOut">
               <a:rPr lang="es-CO" smtClean="0"/>
-              <a:t>7/03/2021</a:t>
+              <a:t>08/03/2021</a:t>
             </a:fld>
             <a:endParaRPr lang="es-CO"/>
           </a:p>
@@ -5908,7 +5915,7 @@
           <a:p>
             <a:fld id="{D253BB75-C9F5-8342-9D8A-C2F31092015F}" type="datetimeFigureOut">
               <a:rPr lang="es-CO" smtClean="0"/>
-              <a:t>7/03/2021</a:t>
+              <a:t>08/03/2021</a:t>
             </a:fld>
             <a:endParaRPr lang="es-CO"/>
           </a:p>
@@ -7416,7 +7423,7 @@
           <a:p>
             <a:fld id="{D253BB75-C9F5-8342-9D8A-C2F31092015F}" type="datetimeFigureOut">
               <a:rPr lang="es-CO" smtClean="0"/>
-              <a:t>7/03/2021</a:t>
+              <a:t>08/03/2021</a:t>
             </a:fld>
             <a:endParaRPr lang="es-CO"/>
           </a:p>
@@ -8937,7 +8944,7 @@
           <a:p>
             <a:fld id="{D253BB75-C9F5-8342-9D8A-C2F31092015F}" type="datetimeFigureOut">
               <a:rPr lang="es-CO" smtClean="0"/>
-              <a:t>7/03/2021</a:t>
+              <a:t>08/03/2021</a:t>
             </a:fld>
             <a:endParaRPr lang="es-CO"/>
           </a:p>
@@ -10602,7 +10609,7 @@
           <a:p>
             <a:fld id="{D253BB75-C9F5-8342-9D8A-C2F31092015F}" type="datetimeFigureOut">
               <a:rPr lang="es-CO" smtClean="0"/>
-              <a:t>7/03/2021</a:t>
+              <a:t>08/03/2021</a:t>
             </a:fld>
             <a:endParaRPr lang="es-CO"/>
           </a:p>
@@ -12000,7 +12007,7 @@
           <a:p>
             <a:fld id="{D253BB75-C9F5-8342-9D8A-C2F31092015F}" type="datetimeFigureOut">
               <a:rPr lang="es-CO" smtClean="0"/>
-              <a:t>7/03/2021</a:t>
+              <a:t>08/03/2021</a:t>
             </a:fld>
             <a:endParaRPr lang="es-CO"/>
           </a:p>
@@ -12100,7 +12107,7 @@
           <a:p>
             <a:fld id="{D253BB75-C9F5-8342-9D8A-C2F31092015F}" type="datetimeFigureOut">
               <a:rPr lang="es-CO" smtClean="0"/>
-              <a:t>7/03/2021</a:t>
+              <a:t>08/03/2021</a:t>
             </a:fld>
             <a:endParaRPr lang="es-CO"/>
           </a:p>
@@ -13626,7 +13633,7 @@
           <a:p>
             <a:fld id="{D253BB75-C9F5-8342-9D8A-C2F31092015F}" type="datetimeFigureOut">
               <a:rPr lang="es-CO" smtClean="0"/>
-              <a:t>7/03/2021</a:t>
+              <a:t>08/03/2021</a:t>
             </a:fld>
             <a:endParaRPr lang="es-CO"/>
           </a:p>
@@ -15162,7 +15169,7 @@
           <a:p>
             <a:fld id="{D253BB75-C9F5-8342-9D8A-C2F31092015F}" type="datetimeFigureOut">
               <a:rPr lang="es-CO" smtClean="0"/>
-              <a:t>7/03/2021</a:t>
+              <a:t>08/03/2021</a:t>
             </a:fld>
             <a:endParaRPr lang="es-CO"/>
           </a:p>
@@ -15385,7 +15392,7 @@
           <a:p>
             <a:fld id="{D253BB75-C9F5-8342-9D8A-C2F31092015F}" type="datetimeFigureOut">
               <a:rPr lang="es-CO" smtClean="0"/>
-              <a:t>7/03/2021</a:t>
+              <a:t>08/03/2021</a:t>
             </a:fld>
             <a:endParaRPr lang="es-CO"/>
           </a:p>
@@ -17070,6 +17077,533 @@
 </p:sld>
 </file>
 
+<file path=ppt/slides/slide22.xml><?xml version="1.0" encoding="utf-8"?>
+<p:sld xmlns:a="http://schemas.openxmlformats.org/drawingml/2006/main" xmlns:r="http://schemas.openxmlformats.org/officeDocument/2006/relationships" xmlns:p="http://schemas.openxmlformats.org/presentationml/2006/main">
+  <p:cSld>
+    <p:spTree>
+      <p:nvGrpSpPr>
+        <p:cNvPr id="1" name=""/>
+        <p:cNvGrpSpPr/>
+        <p:nvPr/>
+      </p:nvGrpSpPr>
+      <p:grpSpPr>
+        <a:xfrm>
+          <a:off x="0" y="0"/>
+          <a:ext cx="0" cy="0"/>
+          <a:chOff x="0" y="0"/>
+          <a:chExt cx="0" cy="0"/>
+        </a:xfrm>
+      </p:grpSpPr>
+      <p:sp>
+        <p:nvSpPr>
+          <p:cNvPr id="2" name="Título 1"/>
+          <p:cNvSpPr>
+            <a:spLocks noGrp="1"/>
+          </p:cNvSpPr>
+          <p:nvPr>
+            <p:ph type="title"/>
+          </p:nvPr>
+        </p:nvSpPr>
+        <p:spPr/>
+        <p:txBody>
+          <a:bodyPr/>
+          <a:lstStyle/>
+          <a:p>
+            <a:r>
+              <a:rPr lang="es-CO" dirty="0"/>
+              <a:t>Diagramas BPMN</a:t>
+            </a:r>
+          </a:p>
+        </p:txBody>
+      </p:sp>
+      <p:sp>
+        <p:nvSpPr>
+          <p:cNvPr id="4" name="Marcador de contenido 2">
+            <a:extLst>
+              <a:ext uri="{FF2B5EF4-FFF2-40B4-BE49-F238E27FC236}">
+                <a16:creationId xmlns:a16="http://schemas.microsoft.com/office/drawing/2014/main" id="{52C80BA2-8816-9545-935D-E47F54B9BA62}"/>
+              </a:ext>
+            </a:extLst>
+          </p:cNvPr>
+          <p:cNvSpPr>
+            <a:spLocks noGrp="1"/>
+          </p:cNvSpPr>
+          <p:nvPr>
+            <p:ph idx="1"/>
+          </p:nvPr>
+        </p:nvSpPr>
+        <p:spPr>
+          <a:xfrm>
+            <a:off x="5118447" y="803186"/>
+            <a:ext cx="6281873" cy="5248622"/>
+          </a:xfrm>
+        </p:spPr>
+        <p:txBody>
+          <a:bodyPr/>
+          <a:lstStyle/>
+          <a:p>
+            <a:pPr marL="0" indent="0" algn="just">
+              <a:buNone/>
+            </a:pPr>
+            <a:r>
+              <a:rPr lang="es-CO" dirty="0"/>
+              <a:t>Los diagramas BPMN son un estándar para el modelado de procesos en distintas áreas, como la empresarial o el diseño de software. Tienen la ventaja de ser fáciles de comrender, más allá del idioma en que se realicen, ya que su notación es universalmente reconocida y aceptada (White &amp; Miers, 2009).</a:t>
+            </a:r>
+          </a:p>
+        </p:txBody>
+      </p:sp>
+    </p:spTree>
+    <p:extLst>
+      <p:ext uri="{BB962C8B-B14F-4D97-AF65-F5344CB8AC3E}">
+        <p14:creationId xmlns:p14="http://schemas.microsoft.com/office/powerpoint/2010/main" val="2301643487"/>
+      </p:ext>
+    </p:extLst>
+  </p:cSld>
+  <p:clrMapOvr>
+    <a:masterClrMapping/>
+  </p:clrMapOvr>
+</p:sld>
+</file>
+
+<file path=ppt/slides/slide23.xml><?xml version="1.0" encoding="utf-8"?>
+<p:sld xmlns:a="http://schemas.openxmlformats.org/drawingml/2006/main" xmlns:r="http://schemas.openxmlformats.org/officeDocument/2006/relationships" xmlns:p="http://schemas.openxmlformats.org/presentationml/2006/main">
+  <p:cSld>
+    <p:spTree>
+      <p:nvGrpSpPr>
+        <p:cNvPr id="1" name=""/>
+        <p:cNvGrpSpPr/>
+        <p:nvPr/>
+      </p:nvGrpSpPr>
+      <p:grpSpPr>
+        <a:xfrm>
+          <a:off x="0" y="0"/>
+          <a:ext cx="0" cy="0"/>
+          <a:chOff x="0" y="0"/>
+          <a:chExt cx="0" cy="0"/>
+        </a:xfrm>
+      </p:grpSpPr>
+      <p:sp>
+        <p:nvSpPr>
+          <p:cNvPr id="2" name="Título 1"/>
+          <p:cNvSpPr>
+            <a:spLocks noGrp="1"/>
+          </p:cNvSpPr>
+          <p:nvPr>
+            <p:ph type="title"/>
+          </p:nvPr>
+        </p:nvSpPr>
+        <p:spPr/>
+        <p:txBody>
+          <a:bodyPr/>
+          <a:lstStyle/>
+          <a:p>
+            <a:r>
+              <a:rPr lang="es-CO" dirty="0"/>
+              <a:t>Diagramas BPMN</a:t>
+            </a:r>
+          </a:p>
+        </p:txBody>
+      </p:sp>
+      <p:sp>
+        <p:nvSpPr>
+          <p:cNvPr id="4" name="Marcador de contenido 2">
+            <a:extLst>
+              <a:ext uri="{FF2B5EF4-FFF2-40B4-BE49-F238E27FC236}">
+                <a16:creationId xmlns:a16="http://schemas.microsoft.com/office/drawing/2014/main" id="{979B9CEB-BFF4-5C48-920E-1D98E268952B}"/>
+              </a:ext>
+            </a:extLst>
+          </p:cNvPr>
+          <p:cNvSpPr>
+            <a:spLocks noGrp="1"/>
+          </p:cNvSpPr>
+          <p:nvPr>
+            <p:ph idx="1"/>
+          </p:nvPr>
+        </p:nvSpPr>
+        <p:spPr/>
+        <p:txBody>
+          <a:bodyPr/>
+          <a:lstStyle/>
+          <a:p>
+            <a:pPr marL="0" indent="0">
+              <a:buNone/>
+            </a:pPr>
+            <a:r>
+              <a:rPr lang="es-CO" dirty="0"/>
+              <a:t>Diagrama del SIGC.</a:t>
+            </a:r>
+          </a:p>
+        </p:txBody>
+      </p:sp>
+    </p:spTree>
+    <p:extLst>
+      <p:ext uri="{BB962C8B-B14F-4D97-AF65-F5344CB8AC3E}">
+        <p14:creationId xmlns:p14="http://schemas.microsoft.com/office/powerpoint/2010/main" val="3316158427"/>
+      </p:ext>
+    </p:extLst>
+  </p:cSld>
+  <p:clrMapOvr>
+    <a:masterClrMapping/>
+  </p:clrMapOvr>
+</p:sld>
+</file>
+
+<file path=ppt/slides/slide24.xml><?xml version="1.0" encoding="utf-8"?>
+<p:sld xmlns:a="http://schemas.openxmlformats.org/drawingml/2006/main" xmlns:r="http://schemas.openxmlformats.org/officeDocument/2006/relationships" xmlns:p="http://schemas.openxmlformats.org/presentationml/2006/main">
+  <p:cSld>
+    <p:spTree>
+      <p:nvGrpSpPr>
+        <p:cNvPr id="1" name=""/>
+        <p:cNvGrpSpPr/>
+        <p:nvPr/>
+      </p:nvGrpSpPr>
+      <p:grpSpPr>
+        <a:xfrm>
+          <a:off x="0" y="0"/>
+          <a:ext cx="0" cy="0"/>
+          <a:chOff x="0" y="0"/>
+          <a:chExt cx="0" cy="0"/>
+        </a:xfrm>
+      </p:grpSpPr>
+      <p:pic>
+        <p:nvPicPr>
+          <p:cNvPr id="4" name="Marcador de contenido 11">
+            <a:extLst>
+              <a:ext uri="{FF2B5EF4-FFF2-40B4-BE49-F238E27FC236}">
+                <a16:creationId xmlns:a16="http://schemas.microsoft.com/office/drawing/2014/main" id="{70C8992C-9654-B146-9295-E7F102A481C8}"/>
+              </a:ext>
+            </a:extLst>
+          </p:cNvPr>
+          <p:cNvPicPr>
+            <a:picLocks noGrp="1" noChangeAspect="1"/>
+          </p:cNvPicPr>
+          <p:nvPr>
+            <p:ph idx="1"/>
+          </p:nvPr>
+        </p:nvPicPr>
+        <p:blipFill>
+          <a:blip r:embed="rId2"/>
+          <a:stretch>
+            <a:fillRect/>
+          </a:stretch>
+        </p:blipFill>
+        <p:spPr>
+          <a:xfrm>
+            <a:off x="161391" y="526473"/>
+            <a:ext cx="11915512" cy="5721927"/>
+          </a:xfrm>
+          <a:prstGeom prst="rect">
+            <a:avLst/>
+          </a:prstGeom>
+        </p:spPr>
+      </p:pic>
+    </p:spTree>
+    <p:extLst>
+      <p:ext uri="{BB962C8B-B14F-4D97-AF65-F5344CB8AC3E}">
+        <p14:creationId xmlns:p14="http://schemas.microsoft.com/office/powerpoint/2010/main" val="3444733187"/>
+      </p:ext>
+    </p:extLst>
+  </p:cSld>
+  <p:clrMapOvr>
+    <a:masterClrMapping/>
+  </p:clrMapOvr>
+</p:sld>
+</file>
+
+<file path=ppt/slides/slide25.xml><?xml version="1.0" encoding="utf-8"?>
+<p:sld xmlns:a="http://schemas.openxmlformats.org/drawingml/2006/main" xmlns:r="http://schemas.openxmlformats.org/officeDocument/2006/relationships" xmlns:p="http://schemas.openxmlformats.org/presentationml/2006/main">
+  <p:cSld>
+    <p:spTree>
+      <p:nvGrpSpPr>
+        <p:cNvPr id="1" name=""/>
+        <p:cNvGrpSpPr/>
+        <p:nvPr/>
+      </p:nvGrpSpPr>
+      <p:grpSpPr>
+        <a:xfrm>
+          <a:off x="0" y="0"/>
+          <a:ext cx="0" cy="0"/>
+          <a:chOff x="0" y="0"/>
+          <a:chExt cx="0" cy="0"/>
+        </a:xfrm>
+      </p:grpSpPr>
+      <p:sp>
+        <p:nvSpPr>
+          <p:cNvPr id="2" name="Título 1"/>
+          <p:cNvSpPr>
+            <a:spLocks noGrp="1"/>
+          </p:cNvSpPr>
+          <p:nvPr>
+            <p:ph type="title"/>
+          </p:nvPr>
+        </p:nvSpPr>
+        <p:spPr/>
+        <p:txBody>
+          <a:bodyPr/>
+          <a:lstStyle/>
+          <a:p>
+            <a:r>
+              <a:rPr lang="es-CO" dirty="0"/>
+              <a:t>Diagramas BPMN</a:t>
+            </a:r>
+          </a:p>
+        </p:txBody>
+      </p:sp>
+      <p:sp>
+        <p:nvSpPr>
+          <p:cNvPr id="4" name="Marcador de contenido 2">
+            <a:extLst>
+              <a:ext uri="{FF2B5EF4-FFF2-40B4-BE49-F238E27FC236}">
+                <a16:creationId xmlns:a16="http://schemas.microsoft.com/office/drawing/2014/main" id="{41C6051F-ABC1-FB45-A236-36B0A0D38276}"/>
+              </a:ext>
+            </a:extLst>
+          </p:cNvPr>
+          <p:cNvSpPr>
+            <a:spLocks noGrp="1"/>
+          </p:cNvSpPr>
+          <p:nvPr>
+            <p:ph idx="1"/>
+          </p:nvPr>
+        </p:nvSpPr>
+        <p:spPr/>
+        <p:txBody>
+          <a:bodyPr/>
+          <a:lstStyle/>
+          <a:p>
+            <a:pPr marL="0" indent="0">
+              <a:buNone/>
+            </a:pPr>
+            <a:r>
+              <a:rPr lang="es-CO" dirty="0"/>
+              <a:t>Diagrama BPMN del SIGES</a:t>
+            </a:r>
+          </a:p>
+        </p:txBody>
+      </p:sp>
+    </p:spTree>
+    <p:extLst>
+      <p:ext uri="{BB962C8B-B14F-4D97-AF65-F5344CB8AC3E}">
+        <p14:creationId xmlns:p14="http://schemas.microsoft.com/office/powerpoint/2010/main" val="3194493377"/>
+      </p:ext>
+    </p:extLst>
+  </p:cSld>
+  <p:clrMapOvr>
+    <a:masterClrMapping/>
+  </p:clrMapOvr>
+</p:sld>
+</file>
+
+<file path=ppt/slides/slide26.xml><?xml version="1.0" encoding="utf-8"?>
+<p:sld xmlns:a="http://schemas.openxmlformats.org/drawingml/2006/main" xmlns:r="http://schemas.openxmlformats.org/officeDocument/2006/relationships" xmlns:p="http://schemas.openxmlformats.org/presentationml/2006/main">
+  <p:cSld>
+    <p:spTree>
+      <p:nvGrpSpPr>
+        <p:cNvPr id="1" name=""/>
+        <p:cNvGrpSpPr/>
+        <p:nvPr/>
+      </p:nvGrpSpPr>
+      <p:grpSpPr>
+        <a:xfrm>
+          <a:off x="0" y="0"/>
+          <a:ext cx="0" cy="0"/>
+          <a:chOff x="0" y="0"/>
+          <a:chExt cx="0" cy="0"/>
+        </a:xfrm>
+      </p:grpSpPr>
+      <p:pic>
+        <p:nvPicPr>
+          <p:cNvPr id="4" name="Marcador de contenido 4">
+            <a:extLst>
+              <a:ext uri="{FF2B5EF4-FFF2-40B4-BE49-F238E27FC236}">
+                <a16:creationId xmlns:a16="http://schemas.microsoft.com/office/drawing/2014/main" id="{0705C287-6193-E540-B1C5-BF0EEC65E628}"/>
+              </a:ext>
+            </a:extLst>
+          </p:cNvPr>
+          <p:cNvPicPr>
+            <a:picLocks noGrp="1" noChangeAspect="1"/>
+          </p:cNvPicPr>
+          <p:nvPr>
+            <p:ph idx="1"/>
+          </p:nvPr>
+        </p:nvPicPr>
+        <p:blipFill>
+          <a:blip r:embed="rId2"/>
+          <a:stretch>
+            <a:fillRect/>
+          </a:stretch>
+        </p:blipFill>
+        <p:spPr>
+          <a:xfrm>
+            <a:off x="374073" y="304800"/>
+            <a:ext cx="11507351" cy="6289964"/>
+          </a:xfrm>
+          <a:prstGeom prst="rect">
+            <a:avLst/>
+          </a:prstGeom>
+        </p:spPr>
+      </p:pic>
+    </p:spTree>
+    <p:extLst>
+      <p:ext uri="{BB962C8B-B14F-4D97-AF65-F5344CB8AC3E}">
+        <p14:creationId xmlns:p14="http://schemas.microsoft.com/office/powerpoint/2010/main" val="2904850381"/>
+      </p:ext>
+    </p:extLst>
+  </p:cSld>
+  <p:clrMapOvr>
+    <a:masterClrMapping/>
+  </p:clrMapOvr>
+</p:sld>
+</file>
+
+<file path=ppt/slides/slide27.xml><?xml version="1.0" encoding="utf-8"?>
+<p:sld xmlns:a="http://schemas.openxmlformats.org/drawingml/2006/main" xmlns:r="http://schemas.openxmlformats.org/officeDocument/2006/relationships" xmlns:p="http://schemas.openxmlformats.org/presentationml/2006/main">
+  <p:cSld>
+    <p:spTree>
+      <p:nvGrpSpPr>
+        <p:cNvPr id="1" name=""/>
+        <p:cNvGrpSpPr/>
+        <p:nvPr/>
+      </p:nvGrpSpPr>
+      <p:grpSpPr>
+        <a:xfrm>
+          <a:off x="0" y="0"/>
+          <a:ext cx="0" cy="0"/>
+          <a:chOff x="0" y="0"/>
+          <a:chExt cx="0" cy="0"/>
+        </a:xfrm>
+      </p:grpSpPr>
+      <p:sp>
+        <p:nvSpPr>
+          <p:cNvPr id="2" name="Título 1"/>
+          <p:cNvSpPr>
+            <a:spLocks noGrp="1"/>
+          </p:cNvSpPr>
+          <p:nvPr>
+            <p:ph type="title"/>
+          </p:nvPr>
+        </p:nvSpPr>
+        <p:spPr/>
+        <p:txBody>
+          <a:bodyPr/>
+          <a:lstStyle/>
+          <a:p>
+            <a:r>
+              <a:rPr lang="es-CO" dirty="0"/>
+              <a:t>Diagrama UML </a:t>
+            </a:r>
+          </a:p>
+        </p:txBody>
+      </p:sp>
+    </p:spTree>
+    <p:extLst>
+      <p:ext uri="{BB962C8B-B14F-4D97-AF65-F5344CB8AC3E}">
+        <p14:creationId xmlns:p14="http://schemas.microsoft.com/office/powerpoint/2010/main" val="1547825825"/>
+      </p:ext>
+    </p:extLst>
+  </p:cSld>
+  <p:clrMapOvr>
+    <a:masterClrMapping/>
+  </p:clrMapOvr>
+</p:sld>
+</file>
+
+<file path=ppt/slides/slide28.xml><?xml version="1.0" encoding="utf-8"?>
+<p:sld xmlns:a="http://schemas.openxmlformats.org/drawingml/2006/main" xmlns:r="http://schemas.openxmlformats.org/officeDocument/2006/relationships" xmlns:p="http://schemas.openxmlformats.org/presentationml/2006/main">
+  <p:cSld>
+    <p:spTree>
+      <p:nvGrpSpPr>
+        <p:cNvPr id="1" name=""/>
+        <p:cNvGrpSpPr/>
+        <p:nvPr/>
+      </p:nvGrpSpPr>
+      <p:grpSpPr>
+        <a:xfrm>
+          <a:off x="0" y="0"/>
+          <a:ext cx="0" cy="0"/>
+          <a:chOff x="0" y="0"/>
+          <a:chExt cx="0" cy="0"/>
+        </a:xfrm>
+      </p:grpSpPr>
+      <p:pic>
+        <p:nvPicPr>
+          <p:cNvPr id="4" name="Marcador de contenido 4">
+            <a:extLst>
+              <a:ext uri="{FF2B5EF4-FFF2-40B4-BE49-F238E27FC236}">
+                <a16:creationId xmlns:a16="http://schemas.microsoft.com/office/drawing/2014/main" id="{ADAC90ED-B707-6643-BB7E-6710D8A59D06}"/>
+              </a:ext>
+            </a:extLst>
+          </p:cNvPr>
+          <p:cNvPicPr>
+            <a:picLocks noGrp="1" noChangeAspect="1"/>
+          </p:cNvPicPr>
+          <p:nvPr>
+            <p:ph idx="1"/>
+          </p:nvPr>
+        </p:nvPicPr>
+        <p:blipFill>
+          <a:blip r:embed="rId2"/>
+          <a:stretch>
+            <a:fillRect/>
+          </a:stretch>
+        </p:blipFill>
+        <p:spPr>
+          <a:xfrm>
+            <a:off x="0" y="1"/>
+            <a:ext cx="12192000" cy="6826178"/>
+          </a:xfrm>
+          <a:prstGeom prst="rect">
+            <a:avLst/>
+          </a:prstGeom>
+        </p:spPr>
+      </p:pic>
+      <p:sp>
+        <p:nvSpPr>
+          <p:cNvPr id="5" name="CuadroTexto 4">
+            <a:extLst>
+              <a:ext uri="{FF2B5EF4-FFF2-40B4-BE49-F238E27FC236}">
+                <a16:creationId xmlns:a16="http://schemas.microsoft.com/office/drawing/2014/main" id="{D6FFAA52-70A7-C944-B0AF-9A36AF74E521}"/>
+              </a:ext>
+            </a:extLst>
+          </p:cNvPr>
+          <p:cNvSpPr txBox="1"/>
+          <p:nvPr/>
+        </p:nvSpPr>
+        <p:spPr>
+          <a:xfrm>
+            <a:off x="8223539" y="6549180"/>
+            <a:ext cx="4600575" cy="276999"/>
+          </a:xfrm>
+          <a:prstGeom prst="rect">
+            <a:avLst/>
+          </a:prstGeom>
+          <a:noFill/>
+        </p:spPr>
+        <p:txBody>
+          <a:bodyPr wrap="square" rtlCol="0">
+            <a:spAutoFit/>
+          </a:bodyPr>
+          <a:lstStyle/>
+          <a:p>
+            <a:r>
+              <a:rPr lang="es-CO" sz="1200" dirty="0"/>
+              <a:t>Fuente: Construcción propia en Lucidchart</a:t>
+            </a:r>
+          </a:p>
+        </p:txBody>
+      </p:sp>
+    </p:spTree>
+    <p:extLst>
+      <p:ext uri="{BB962C8B-B14F-4D97-AF65-F5344CB8AC3E}">
+        <p14:creationId xmlns:p14="http://schemas.microsoft.com/office/powerpoint/2010/main" val="3397706953"/>
+      </p:ext>
+    </p:extLst>
+  </p:cSld>
+  <p:clrMapOvr>
+    <a:masterClrMapping/>
+  </p:clrMapOvr>
+</p:sld>
+</file>
+
 <file path=ppt/slides/slide3.xml><?xml version="1.0" encoding="utf-8"?>
 <p:sld xmlns:a="http://schemas.openxmlformats.org/drawingml/2006/main" xmlns:r="http://schemas.openxmlformats.org/officeDocument/2006/relationships" xmlns:p="http://schemas.openxmlformats.org/presentationml/2006/main">
   <p:cSld>

--- a/PLANTEAMIENTO_DEL_PROBLEMA.pptx
+++ b/PLANTEAMIENTO_DEL_PROBLEMA.pptx
@@ -33,6 +33,11 @@
     <p:sldId id="282" r:id="rId27"/>
     <p:sldId id="283" r:id="rId28"/>
     <p:sldId id="284" r:id="rId29"/>
+    <p:sldId id="285" r:id="rId30"/>
+    <p:sldId id="286" r:id="rId31"/>
+    <p:sldId id="287" r:id="rId32"/>
+    <p:sldId id="288" r:id="rId33"/>
+    <p:sldId id="289" r:id="rId34"/>
   </p:sldIdLst>
   <p:sldSz cx="12192000" cy="6858000"/>
   <p:notesSz cx="6858000" cy="9144000"/>
@@ -1548,7 +1553,7 @@
           <a:p>
             <a:fld id="{D253BB75-C9F5-8342-9D8A-C2F31092015F}" type="datetimeFigureOut">
               <a:rPr lang="es-CO" smtClean="0"/>
-              <a:t>08/03/2021</a:t>
+              <a:t>8/03/2021</a:t>
             </a:fld>
             <a:endParaRPr lang="es-CO"/>
           </a:p>
@@ -3007,7 +3012,7 @@
           <a:p>
             <a:fld id="{D253BB75-C9F5-8342-9D8A-C2F31092015F}" type="datetimeFigureOut">
               <a:rPr lang="es-CO" smtClean="0"/>
-              <a:t>08/03/2021</a:t>
+              <a:t>8/03/2021</a:t>
             </a:fld>
             <a:endParaRPr lang="es-CO"/>
           </a:p>
@@ -4460,7 +4465,7 @@
           <a:p>
             <a:fld id="{D253BB75-C9F5-8342-9D8A-C2F31092015F}" type="datetimeFigureOut">
               <a:rPr lang="es-CO" smtClean="0"/>
-              <a:t>08/03/2021</a:t>
+              <a:t>8/03/2021</a:t>
             </a:fld>
             <a:endParaRPr lang="es-CO"/>
           </a:p>
@@ -5915,7 +5920,7 @@
           <a:p>
             <a:fld id="{D253BB75-C9F5-8342-9D8A-C2F31092015F}" type="datetimeFigureOut">
               <a:rPr lang="es-CO" smtClean="0"/>
-              <a:t>08/03/2021</a:t>
+              <a:t>8/03/2021</a:t>
             </a:fld>
             <a:endParaRPr lang="es-CO"/>
           </a:p>
@@ -7423,7 +7428,7 @@
           <a:p>
             <a:fld id="{D253BB75-C9F5-8342-9D8A-C2F31092015F}" type="datetimeFigureOut">
               <a:rPr lang="es-CO" smtClean="0"/>
-              <a:t>08/03/2021</a:t>
+              <a:t>8/03/2021</a:t>
             </a:fld>
             <a:endParaRPr lang="es-CO"/>
           </a:p>
@@ -8944,7 +8949,7 @@
           <a:p>
             <a:fld id="{D253BB75-C9F5-8342-9D8A-C2F31092015F}" type="datetimeFigureOut">
               <a:rPr lang="es-CO" smtClean="0"/>
-              <a:t>08/03/2021</a:t>
+              <a:t>8/03/2021</a:t>
             </a:fld>
             <a:endParaRPr lang="es-CO"/>
           </a:p>
@@ -10609,7 +10614,7 @@
           <a:p>
             <a:fld id="{D253BB75-C9F5-8342-9D8A-C2F31092015F}" type="datetimeFigureOut">
               <a:rPr lang="es-CO" smtClean="0"/>
-              <a:t>08/03/2021</a:t>
+              <a:t>8/03/2021</a:t>
             </a:fld>
             <a:endParaRPr lang="es-CO"/>
           </a:p>
@@ -12007,7 +12012,7 @@
           <a:p>
             <a:fld id="{D253BB75-C9F5-8342-9D8A-C2F31092015F}" type="datetimeFigureOut">
               <a:rPr lang="es-CO" smtClean="0"/>
-              <a:t>08/03/2021</a:t>
+              <a:t>8/03/2021</a:t>
             </a:fld>
             <a:endParaRPr lang="es-CO"/>
           </a:p>
@@ -12107,7 +12112,7 @@
           <a:p>
             <a:fld id="{D253BB75-C9F5-8342-9D8A-C2F31092015F}" type="datetimeFigureOut">
               <a:rPr lang="es-CO" smtClean="0"/>
-              <a:t>08/03/2021</a:t>
+              <a:t>8/03/2021</a:t>
             </a:fld>
             <a:endParaRPr lang="es-CO"/>
           </a:p>
@@ -13633,7 +13638,7 @@
           <a:p>
             <a:fld id="{D253BB75-C9F5-8342-9D8A-C2F31092015F}" type="datetimeFigureOut">
               <a:rPr lang="es-CO" smtClean="0"/>
-              <a:t>08/03/2021</a:t>
+              <a:t>8/03/2021</a:t>
             </a:fld>
             <a:endParaRPr lang="es-CO"/>
           </a:p>
@@ -15169,7 +15174,7 @@
           <a:p>
             <a:fld id="{D253BB75-C9F5-8342-9D8A-C2F31092015F}" type="datetimeFigureOut">
               <a:rPr lang="es-CO" smtClean="0"/>
-              <a:t>08/03/2021</a:t>
+              <a:t>8/03/2021</a:t>
             </a:fld>
             <a:endParaRPr lang="es-CO"/>
           </a:p>
@@ -15392,7 +15397,7 @@
           <a:p>
             <a:fld id="{D253BB75-C9F5-8342-9D8A-C2F31092015F}" type="datetimeFigureOut">
               <a:rPr lang="es-CO" smtClean="0"/>
-              <a:t>08/03/2021</a:t>
+              <a:t>8/03/2021</a:t>
             </a:fld>
             <a:endParaRPr lang="es-CO"/>
           </a:p>
@@ -17604,6 +17609,103 @@
 </p:sld>
 </file>
 
+<file path=ppt/slides/slide29.xml><?xml version="1.0" encoding="utf-8"?>
+<p:sld xmlns:a="http://schemas.openxmlformats.org/drawingml/2006/main" xmlns:r="http://schemas.openxmlformats.org/officeDocument/2006/relationships" xmlns:p="http://schemas.openxmlformats.org/presentationml/2006/main">
+  <p:cSld>
+    <p:spTree>
+      <p:nvGrpSpPr>
+        <p:cNvPr id="1" name=""/>
+        <p:cNvGrpSpPr/>
+        <p:nvPr/>
+      </p:nvGrpSpPr>
+      <p:grpSpPr>
+        <a:xfrm>
+          <a:off x="0" y="0"/>
+          <a:ext cx="0" cy="0"/>
+          <a:chOff x="0" y="0"/>
+          <a:chExt cx="0" cy="0"/>
+        </a:xfrm>
+      </p:grpSpPr>
+      <p:sp>
+        <p:nvSpPr>
+          <p:cNvPr id="2" name="Título 1">
+            <a:extLst>
+              <a:ext uri="{FF2B5EF4-FFF2-40B4-BE49-F238E27FC236}">
+                <a16:creationId xmlns:a16="http://schemas.microsoft.com/office/drawing/2014/main" id="{D6C951AD-ADB4-4520-8EF2-0D457F9FBAEC}"/>
+              </a:ext>
+            </a:extLst>
+          </p:cNvPr>
+          <p:cNvSpPr>
+            <a:spLocks noGrp="1"/>
+          </p:cNvSpPr>
+          <p:nvPr>
+            <p:ph type="title"/>
+          </p:nvPr>
+        </p:nvSpPr>
+        <p:spPr/>
+        <p:txBody>
+          <a:bodyPr/>
+          <a:lstStyle/>
+          <a:p>
+            <a:r>
+              <a:rPr lang="es-CO" dirty="0"/>
+              <a:t>Requerimientos funcionales</a:t>
+            </a:r>
+          </a:p>
+        </p:txBody>
+      </p:sp>
+      <p:sp>
+        <p:nvSpPr>
+          <p:cNvPr id="3" name="Marcador de contenido 2">
+            <a:extLst>
+              <a:ext uri="{FF2B5EF4-FFF2-40B4-BE49-F238E27FC236}">
+                <a16:creationId xmlns:a16="http://schemas.microsoft.com/office/drawing/2014/main" id="{62BA3D85-AA1B-4109-8A32-FC0B1A31E18F}"/>
+              </a:ext>
+            </a:extLst>
+          </p:cNvPr>
+          <p:cNvSpPr>
+            <a:spLocks noGrp="1"/>
+          </p:cNvSpPr>
+          <p:nvPr>
+            <p:ph idx="1"/>
+          </p:nvPr>
+        </p:nvSpPr>
+        <p:spPr/>
+        <p:txBody>
+          <a:bodyPr/>
+          <a:lstStyle/>
+          <a:p>
+            <a:r>
+              <a:rPr lang="es-CO" dirty="0"/>
+              <a:t>Son la definición de las funciones que el sistema será capaz de  realizar. Estos requerimientos describen las transformaciones que el sistema realiza sobre las entradas para producir las salidas (</a:t>
+            </a:r>
+            <a:r>
+              <a:rPr lang="es-CO" dirty="0" err="1"/>
+              <a:t>Árias</a:t>
+            </a:r>
+            <a:r>
+              <a:rPr lang="es-CO" dirty="0"/>
+              <a:t> Chaves, 2005).</a:t>
+            </a:r>
+          </a:p>
+          <a:p>
+            <a:endParaRPr lang="es-CO" dirty="0"/>
+          </a:p>
+        </p:txBody>
+      </p:sp>
+    </p:spTree>
+    <p:extLst>
+      <p:ext uri="{BB962C8B-B14F-4D97-AF65-F5344CB8AC3E}">
+        <p14:creationId xmlns:p14="http://schemas.microsoft.com/office/powerpoint/2010/main" val="717805033"/>
+      </p:ext>
+    </p:extLst>
+  </p:cSld>
+  <p:clrMapOvr>
+    <a:masterClrMapping/>
+  </p:clrMapOvr>
+</p:sld>
+</file>
+
 <file path=ppt/slides/slide3.xml><?xml version="1.0" encoding="utf-8"?>
 <p:sld xmlns:a="http://schemas.openxmlformats.org/drawingml/2006/main" xmlns:r="http://schemas.openxmlformats.org/officeDocument/2006/relationships" xmlns:p="http://schemas.openxmlformats.org/presentationml/2006/main">
   <p:cSld>
@@ -17693,6 +17795,1134 @@
     <p:extLst>
       <p:ext uri="{BB962C8B-B14F-4D97-AF65-F5344CB8AC3E}">
         <p14:creationId xmlns:p14="http://schemas.microsoft.com/office/powerpoint/2010/main" val="1642990584"/>
+      </p:ext>
+    </p:extLst>
+  </p:cSld>
+  <p:clrMapOvr>
+    <a:masterClrMapping/>
+  </p:clrMapOvr>
+</p:sld>
+</file>
+
+<file path=ppt/slides/slide30.xml><?xml version="1.0" encoding="utf-8"?>
+<p:sld xmlns:a="http://schemas.openxmlformats.org/drawingml/2006/main" xmlns:r="http://schemas.openxmlformats.org/officeDocument/2006/relationships" xmlns:p="http://schemas.openxmlformats.org/presentationml/2006/main">
+  <p:cSld>
+    <p:spTree>
+      <p:nvGrpSpPr>
+        <p:cNvPr id="1" name=""/>
+        <p:cNvGrpSpPr/>
+        <p:nvPr/>
+      </p:nvGrpSpPr>
+      <p:grpSpPr>
+        <a:xfrm>
+          <a:off x="0" y="0"/>
+          <a:ext cx="0" cy="0"/>
+          <a:chOff x="0" y="0"/>
+          <a:chExt cx="0" cy="0"/>
+        </a:xfrm>
+      </p:grpSpPr>
+      <p:sp>
+        <p:nvSpPr>
+          <p:cNvPr id="2" name="Título 1">
+            <a:extLst>
+              <a:ext uri="{FF2B5EF4-FFF2-40B4-BE49-F238E27FC236}">
+                <a16:creationId xmlns:a16="http://schemas.microsoft.com/office/drawing/2014/main" id="{B996C622-08C3-4F53-8B6B-78DB5136EE39}"/>
+              </a:ext>
+            </a:extLst>
+          </p:cNvPr>
+          <p:cNvSpPr>
+            <a:spLocks noGrp="1"/>
+          </p:cNvSpPr>
+          <p:nvPr>
+            <p:ph type="title"/>
+          </p:nvPr>
+        </p:nvSpPr>
+        <p:spPr/>
+        <p:txBody>
+          <a:bodyPr/>
+          <a:lstStyle/>
+          <a:p>
+            <a:r>
+              <a:rPr lang="es-CO" dirty="0"/>
+              <a:t>Requerimientos funcionales</a:t>
+            </a:r>
+          </a:p>
+        </p:txBody>
+      </p:sp>
+      <p:graphicFrame>
+        <p:nvGraphicFramePr>
+          <p:cNvPr id="6" name="Tabla 4">
+            <a:extLst>
+              <a:ext uri="{FF2B5EF4-FFF2-40B4-BE49-F238E27FC236}">
+                <a16:creationId xmlns:a16="http://schemas.microsoft.com/office/drawing/2014/main" id="{72043CEB-92A8-4602-84EB-7871C514A403}"/>
+              </a:ext>
+            </a:extLst>
+          </p:cNvPr>
+          <p:cNvGraphicFramePr>
+            <a:graphicFrameLocks noGrp="1"/>
+          </p:cNvGraphicFramePr>
+          <p:nvPr>
+            <p:ph idx="1"/>
+            <p:extLst>
+              <p:ext uri="{D42A27DB-BD31-4B8C-83A1-F6EECF244321}">
+                <p14:modId xmlns:p14="http://schemas.microsoft.com/office/powerpoint/2010/main" val="2096897839"/>
+              </p:ext>
+            </p:extLst>
+          </p:nvPr>
+        </p:nvGraphicFramePr>
+        <p:xfrm>
+          <a:off x="5074725" y="1225306"/>
+          <a:ext cx="6281738" cy="3733800"/>
+        </p:xfrm>
+        <a:graphic>
+          <a:graphicData uri="http://schemas.openxmlformats.org/drawingml/2006/table">
+            <a:tbl>
+              <a:tblPr firstRow="1" bandRow="1">
+                <a:tableStyleId>{5C22544A-7EE6-4342-B048-85BDC9FD1C3A}</a:tableStyleId>
+              </a:tblPr>
+              <a:tblGrid>
+                <a:gridCol w="3140869">
+                  <a:extLst>
+                    <a:ext uri="{9D8B030D-6E8A-4147-A177-3AD203B41FA5}">
+                      <a16:colId xmlns:a16="http://schemas.microsoft.com/office/drawing/2014/main" val="4051387547"/>
+                    </a:ext>
+                  </a:extLst>
+                </a:gridCol>
+                <a:gridCol w="3140869">
+                  <a:extLst>
+                    <a:ext uri="{9D8B030D-6E8A-4147-A177-3AD203B41FA5}">
+                      <a16:colId xmlns:a16="http://schemas.microsoft.com/office/drawing/2014/main" val="4188552159"/>
+                    </a:ext>
+                  </a:extLst>
+                </a:gridCol>
+              </a:tblGrid>
+              <a:tr h="370840">
+                <a:tc>
+                  <a:txBody>
+                    <a:bodyPr/>
+                    <a:lstStyle/>
+                    <a:p>
+                      <a:r>
+                        <a:rPr lang="es-CO" sz="1400" dirty="0"/>
+                        <a:t>Identificación del requerimiento</a:t>
+                      </a:r>
+                    </a:p>
+                  </a:txBody>
+                  <a:tcPr/>
+                </a:tc>
+                <a:tc>
+                  <a:txBody>
+                    <a:bodyPr/>
+                    <a:lstStyle/>
+                    <a:p>
+                      <a:r>
+                        <a:rPr lang="es-CO" sz="1400" dirty="0"/>
+                        <a:t>RF01</a:t>
+                      </a:r>
+                    </a:p>
+                  </a:txBody>
+                  <a:tcPr/>
+                </a:tc>
+                <a:extLst>
+                  <a:ext uri="{0D108BD9-81ED-4DB2-BD59-A6C34878D82A}">
+                    <a16:rowId xmlns:a16="http://schemas.microsoft.com/office/drawing/2014/main" val="637406872"/>
+                  </a:ext>
+                </a:extLst>
+              </a:tr>
+              <a:tr h="370840">
+                <a:tc>
+                  <a:txBody>
+                    <a:bodyPr/>
+                    <a:lstStyle/>
+                    <a:p>
+                      <a:r>
+                        <a:rPr lang="es-CO" sz="1400" dirty="0"/>
+                        <a:t>Nombre del requerimiento</a:t>
+                      </a:r>
+                    </a:p>
+                  </a:txBody>
+                  <a:tcPr/>
+                </a:tc>
+                <a:tc>
+                  <a:txBody>
+                    <a:bodyPr/>
+                    <a:lstStyle/>
+                    <a:p>
+                      <a:r>
+                        <a:rPr lang="es-CO" sz="1400" dirty="0"/>
+                        <a:t>Loguear  usuario</a:t>
+                      </a:r>
+                    </a:p>
+                  </a:txBody>
+                  <a:tcPr/>
+                </a:tc>
+                <a:extLst>
+                  <a:ext uri="{0D108BD9-81ED-4DB2-BD59-A6C34878D82A}">
+                    <a16:rowId xmlns:a16="http://schemas.microsoft.com/office/drawing/2014/main" val="185286241"/>
+                  </a:ext>
+                </a:extLst>
+              </a:tr>
+              <a:tr h="370840">
+                <a:tc>
+                  <a:txBody>
+                    <a:bodyPr/>
+                    <a:lstStyle/>
+                    <a:p>
+                      <a:r>
+                        <a:rPr lang="es-CO" sz="1400" dirty="0"/>
+                        <a:t>Características</a:t>
+                      </a:r>
+                    </a:p>
+                  </a:txBody>
+                  <a:tcPr/>
+                </a:tc>
+                <a:tc>
+                  <a:txBody>
+                    <a:bodyPr/>
+                    <a:lstStyle/>
+                    <a:p>
+                      <a:r>
+                        <a:rPr lang="es-CO" sz="1400" dirty="0"/>
+                        <a:t>Los usuarios deben poder inscribirse en el sistema</a:t>
+                      </a:r>
+                    </a:p>
+                  </a:txBody>
+                  <a:tcPr/>
+                </a:tc>
+                <a:extLst>
+                  <a:ext uri="{0D108BD9-81ED-4DB2-BD59-A6C34878D82A}">
+                    <a16:rowId xmlns:a16="http://schemas.microsoft.com/office/drawing/2014/main" val="4023864318"/>
+                  </a:ext>
+                </a:extLst>
+              </a:tr>
+              <a:tr h="370840">
+                <a:tc>
+                  <a:txBody>
+                    <a:bodyPr/>
+                    <a:lstStyle/>
+                    <a:p>
+                      <a:r>
+                        <a:rPr lang="es-CO" sz="1400" dirty="0"/>
+                        <a:t>Descripción del requerimiento</a:t>
+                      </a:r>
+                    </a:p>
+                  </a:txBody>
+                  <a:tcPr/>
+                </a:tc>
+                <a:tc>
+                  <a:txBody>
+                    <a:bodyPr/>
+                    <a:lstStyle/>
+                    <a:p>
+                      <a:r>
+                        <a:rPr lang="es-CO" sz="1400" dirty="0"/>
+                        <a:t>El sistema podrá habilitar la creación de usuarios</a:t>
+                      </a:r>
+                    </a:p>
+                  </a:txBody>
+                  <a:tcPr/>
+                </a:tc>
+                <a:extLst>
+                  <a:ext uri="{0D108BD9-81ED-4DB2-BD59-A6C34878D82A}">
+                    <a16:rowId xmlns:a16="http://schemas.microsoft.com/office/drawing/2014/main" val="821924514"/>
+                  </a:ext>
+                </a:extLst>
+              </a:tr>
+              <a:tr h="565590">
+                <a:tc>
+                  <a:txBody>
+                    <a:bodyPr/>
+                    <a:lstStyle/>
+                    <a:p>
+                      <a:r>
+                        <a:rPr lang="es-CO" sz="1400" dirty="0"/>
+                        <a:t>Requerimientos no funcionales</a:t>
+                      </a:r>
+                    </a:p>
+                  </a:txBody>
+                  <a:tcPr/>
+                </a:tc>
+                <a:tc>
+                  <a:txBody>
+                    <a:bodyPr/>
+                    <a:lstStyle/>
+                    <a:p>
+                      <a:r>
+                        <a:rPr lang="es-CO" sz="1400" dirty="0"/>
+                        <a:t>RNF06</a:t>
+                      </a:r>
+                    </a:p>
+                    <a:p>
+                      <a:r>
+                        <a:rPr lang="es-CO" sz="1400" dirty="0"/>
+                        <a:t>RNF08</a:t>
+                      </a:r>
+                    </a:p>
+                    <a:p>
+                      <a:r>
+                        <a:rPr lang="es-CO" sz="1400" dirty="0"/>
+                        <a:t>RNF09</a:t>
+                      </a:r>
+                    </a:p>
+                    <a:p>
+                      <a:r>
+                        <a:rPr lang="es-CO" sz="1400" dirty="0"/>
+                        <a:t>RNF13</a:t>
+                      </a:r>
+                    </a:p>
+                    <a:p>
+                      <a:r>
+                        <a:rPr lang="es-CO" sz="1400" dirty="0"/>
+                        <a:t>RNF14</a:t>
+                      </a:r>
+                    </a:p>
+                    <a:p>
+                      <a:r>
+                        <a:rPr lang="es-CO" sz="1400" dirty="0"/>
+                        <a:t>RNF15</a:t>
+                      </a:r>
+                    </a:p>
+                    <a:p>
+                      <a:r>
+                        <a:rPr lang="es-CO" sz="1400" dirty="0"/>
+                        <a:t>RNF16</a:t>
+                      </a:r>
+                    </a:p>
+                  </a:txBody>
+                  <a:tcPr/>
+                </a:tc>
+                <a:extLst>
+                  <a:ext uri="{0D108BD9-81ED-4DB2-BD59-A6C34878D82A}">
+                    <a16:rowId xmlns:a16="http://schemas.microsoft.com/office/drawing/2014/main" val="2890632905"/>
+                  </a:ext>
+                </a:extLst>
+              </a:tr>
+              <a:tr h="370840">
+                <a:tc>
+                  <a:txBody>
+                    <a:bodyPr/>
+                    <a:lstStyle/>
+                    <a:p>
+                      <a:r>
+                        <a:rPr lang="es-CO" sz="1400" dirty="0"/>
+                        <a:t>Prioridad del requerimiento</a:t>
+                      </a:r>
+                    </a:p>
+                  </a:txBody>
+                  <a:tcPr/>
+                </a:tc>
+                <a:tc>
+                  <a:txBody>
+                    <a:bodyPr/>
+                    <a:lstStyle/>
+                    <a:p>
+                      <a:r>
+                        <a:rPr lang="es-CO" sz="1400" dirty="0"/>
+                        <a:t>Alta</a:t>
+                      </a:r>
+                    </a:p>
+                  </a:txBody>
+                  <a:tcPr/>
+                </a:tc>
+                <a:extLst>
+                  <a:ext uri="{0D108BD9-81ED-4DB2-BD59-A6C34878D82A}">
+                    <a16:rowId xmlns:a16="http://schemas.microsoft.com/office/drawing/2014/main" val="1092200181"/>
+                  </a:ext>
+                </a:extLst>
+              </a:tr>
+            </a:tbl>
+          </a:graphicData>
+        </a:graphic>
+      </p:graphicFrame>
+    </p:spTree>
+    <p:extLst>
+      <p:ext uri="{BB962C8B-B14F-4D97-AF65-F5344CB8AC3E}">
+        <p14:creationId xmlns:p14="http://schemas.microsoft.com/office/powerpoint/2010/main" val="831625336"/>
+      </p:ext>
+    </p:extLst>
+  </p:cSld>
+  <p:clrMapOvr>
+    <a:masterClrMapping/>
+  </p:clrMapOvr>
+</p:sld>
+</file>
+
+<file path=ppt/slides/slide31.xml><?xml version="1.0" encoding="utf-8"?>
+<p:sld xmlns:a="http://schemas.openxmlformats.org/drawingml/2006/main" xmlns:r="http://schemas.openxmlformats.org/officeDocument/2006/relationships" xmlns:p="http://schemas.openxmlformats.org/presentationml/2006/main">
+  <p:cSld>
+    <p:spTree>
+      <p:nvGrpSpPr>
+        <p:cNvPr id="1" name=""/>
+        <p:cNvGrpSpPr/>
+        <p:nvPr/>
+      </p:nvGrpSpPr>
+      <p:grpSpPr>
+        <a:xfrm>
+          <a:off x="0" y="0"/>
+          <a:ext cx="0" cy="0"/>
+          <a:chOff x="0" y="0"/>
+          <a:chExt cx="0" cy="0"/>
+        </a:xfrm>
+      </p:grpSpPr>
+      <p:sp>
+        <p:nvSpPr>
+          <p:cNvPr id="2" name="Título 1">
+            <a:extLst>
+              <a:ext uri="{FF2B5EF4-FFF2-40B4-BE49-F238E27FC236}">
+                <a16:creationId xmlns:a16="http://schemas.microsoft.com/office/drawing/2014/main" id="{82EB4807-D4D5-4B69-A2BE-268A2CD72095}"/>
+              </a:ext>
+            </a:extLst>
+          </p:cNvPr>
+          <p:cNvSpPr>
+            <a:spLocks noGrp="1"/>
+          </p:cNvSpPr>
+          <p:nvPr>
+            <p:ph type="title"/>
+          </p:nvPr>
+        </p:nvSpPr>
+        <p:spPr/>
+        <p:txBody>
+          <a:bodyPr/>
+          <a:lstStyle/>
+          <a:p>
+            <a:r>
+              <a:rPr lang="es-CO" dirty="0"/>
+              <a:t>Requerimientos funcionales</a:t>
+            </a:r>
+          </a:p>
+        </p:txBody>
+      </p:sp>
+      <p:graphicFrame>
+        <p:nvGraphicFramePr>
+          <p:cNvPr id="4" name="Tabla 4">
+            <a:extLst>
+              <a:ext uri="{FF2B5EF4-FFF2-40B4-BE49-F238E27FC236}">
+                <a16:creationId xmlns:a16="http://schemas.microsoft.com/office/drawing/2014/main" id="{F8977ED4-9D94-469E-96C2-AA9246A30004}"/>
+              </a:ext>
+            </a:extLst>
+          </p:cNvPr>
+          <p:cNvGraphicFramePr>
+            <a:graphicFrameLocks noGrp="1"/>
+          </p:cNvGraphicFramePr>
+          <p:nvPr>
+            <p:ph idx="1"/>
+            <p:extLst>
+              <p:ext uri="{D42A27DB-BD31-4B8C-83A1-F6EECF244321}">
+                <p14:modId xmlns:p14="http://schemas.microsoft.com/office/powerpoint/2010/main" val="3859166619"/>
+              </p:ext>
+            </p:extLst>
+          </p:nvPr>
+        </p:nvGraphicFramePr>
+        <p:xfrm>
+          <a:off x="5118100" y="958020"/>
+          <a:ext cx="6281738" cy="3947160"/>
+        </p:xfrm>
+        <a:graphic>
+          <a:graphicData uri="http://schemas.openxmlformats.org/drawingml/2006/table">
+            <a:tbl>
+              <a:tblPr firstRow="1" bandRow="1">
+                <a:tableStyleId>{5C22544A-7EE6-4342-B048-85BDC9FD1C3A}</a:tableStyleId>
+              </a:tblPr>
+              <a:tblGrid>
+                <a:gridCol w="3140869">
+                  <a:extLst>
+                    <a:ext uri="{9D8B030D-6E8A-4147-A177-3AD203B41FA5}">
+                      <a16:colId xmlns:a16="http://schemas.microsoft.com/office/drawing/2014/main" val="4051387547"/>
+                    </a:ext>
+                  </a:extLst>
+                </a:gridCol>
+                <a:gridCol w="3140869">
+                  <a:extLst>
+                    <a:ext uri="{9D8B030D-6E8A-4147-A177-3AD203B41FA5}">
+                      <a16:colId xmlns:a16="http://schemas.microsoft.com/office/drawing/2014/main" val="4188552159"/>
+                    </a:ext>
+                  </a:extLst>
+                </a:gridCol>
+              </a:tblGrid>
+              <a:tr h="370840">
+                <a:tc>
+                  <a:txBody>
+                    <a:bodyPr/>
+                    <a:lstStyle/>
+                    <a:p>
+                      <a:r>
+                        <a:rPr lang="es-CO" sz="1400" dirty="0"/>
+                        <a:t>Identificación del requerimiento</a:t>
+                      </a:r>
+                    </a:p>
+                  </a:txBody>
+                  <a:tcPr/>
+                </a:tc>
+                <a:tc>
+                  <a:txBody>
+                    <a:bodyPr/>
+                    <a:lstStyle/>
+                    <a:p>
+                      <a:r>
+                        <a:rPr lang="es-CO" sz="1400" dirty="0"/>
+                        <a:t>RF02</a:t>
+                      </a:r>
+                    </a:p>
+                  </a:txBody>
+                  <a:tcPr/>
+                </a:tc>
+                <a:extLst>
+                  <a:ext uri="{0D108BD9-81ED-4DB2-BD59-A6C34878D82A}">
+                    <a16:rowId xmlns:a16="http://schemas.microsoft.com/office/drawing/2014/main" val="637406872"/>
+                  </a:ext>
+                </a:extLst>
+              </a:tr>
+              <a:tr h="370840">
+                <a:tc>
+                  <a:txBody>
+                    <a:bodyPr/>
+                    <a:lstStyle/>
+                    <a:p>
+                      <a:r>
+                        <a:rPr lang="es-CO" sz="1400" dirty="0"/>
+                        <a:t>Nombre del requerimiento</a:t>
+                      </a:r>
+                    </a:p>
+                  </a:txBody>
+                  <a:tcPr/>
+                </a:tc>
+                <a:tc>
+                  <a:txBody>
+                    <a:bodyPr/>
+                    <a:lstStyle/>
+                    <a:p>
+                      <a:r>
+                        <a:rPr lang="es-CO" sz="1400" dirty="0"/>
+                        <a:t>Identificar  usuario</a:t>
+                      </a:r>
+                    </a:p>
+                  </a:txBody>
+                  <a:tcPr/>
+                </a:tc>
+                <a:extLst>
+                  <a:ext uri="{0D108BD9-81ED-4DB2-BD59-A6C34878D82A}">
+                    <a16:rowId xmlns:a16="http://schemas.microsoft.com/office/drawing/2014/main" val="185286241"/>
+                  </a:ext>
+                </a:extLst>
+              </a:tr>
+              <a:tr h="370840">
+                <a:tc>
+                  <a:txBody>
+                    <a:bodyPr/>
+                    <a:lstStyle/>
+                    <a:p>
+                      <a:r>
+                        <a:rPr lang="es-CO" sz="1400" dirty="0"/>
+                        <a:t>Características</a:t>
+                      </a:r>
+                    </a:p>
+                  </a:txBody>
+                  <a:tcPr/>
+                </a:tc>
+                <a:tc>
+                  <a:txBody>
+                    <a:bodyPr/>
+                    <a:lstStyle/>
+                    <a:p>
+                      <a:r>
+                        <a:rPr lang="es-CO" sz="1400" dirty="0"/>
+                        <a:t>Los usuarios deben ingresar a la página con una clave y un nombre de usuario.</a:t>
+                      </a:r>
+                    </a:p>
+                  </a:txBody>
+                  <a:tcPr/>
+                </a:tc>
+                <a:extLst>
+                  <a:ext uri="{0D108BD9-81ED-4DB2-BD59-A6C34878D82A}">
+                    <a16:rowId xmlns:a16="http://schemas.microsoft.com/office/drawing/2014/main" val="4023864318"/>
+                  </a:ext>
+                </a:extLst>
+              </a:tr>
+              <a:tr h="370840">
+                <a:tc>
+                  <a:txBody>
+                    <a:bodyPr/>
+                    <a:lstStyle/>
+                    <a:p>
+                      <a:r>
+                        <a:rPr lang="es-CO" sz="1400" dirty="0"/>
+                        <a:t>Descripción del requerimiento</a:t>
+                      </a:r>
+                    </a:p>
+                  </a:txBody>
+                  <a:tcPr/>
+                </a:tc>
+                <a:tc>
+                  <a:txBody>
+                    <a:bodyPr/>
+                    <a:lstStyle/>
+                    <a:p>
+                      <a:r>
+                        <a:rPr lang="es-CO" sz="1400" dirty="0"/>
+                        <a:t>El sistema podrá ser consultado de acuerdo al rol de cada usuario.</a:t>
+                      </a:r>
+                    </a:p>
+                  </a:txBody>
+                  <a:tcPr/>
+                </a:tc>
+                <a:extLst>
+                  <a:ext uri="{0D108BD9-81ED-4DB2-BD59-A6C34878D82A}">
+                    <a16:rowId xmlns:a16="http://schemas.microsoft.com/office/drawing/2014/main" val="821924514"/>
+                  </a:ext>
+                </a:extLst>
+              </a:tr>
+              <a:tr h="370840">
+                <a:tc>
+                  <a:txBody>
+                    <a:bodyPr/>
+                    <a:lstStyle/>
+                    <a:p>
+                      <a:r>
+                        <a:rPr lang="es-CO" sz="1400" dirty="0"/>
+                        <a:t>Requerimientos no funcionales</a:t>
+                      </a:r>
+                    </a:p>
+                  </a:txBody>
+                  <a:tcPr/>
+                </a:tc>
+                <a:tc>
+                  <a:txBody>
+                    <a:bodyPr/>
+                    <a:lstStyle/>
+                    <a:p>
+                      <a:r>
+                        <a:rPr lang="es-CO" sz="1400" dirty="0"/>
+                        <a:t>RNF06</a:t>
+                      </a:r>
+                    </a:p>
+                    <a:p>
+                      <a:r>
+                        <a:rPr lang="es-CO" sz="1400" dirty="0"/>
+                        <a:t>RNF08</a:t>
+                      </a:r>
+                    </a:p>
+                    <a:p>
+                      <a:r>
+                        <a:rPr lang="es-CO" sz="1400" dirty="0"/>
+                        <a:t>RNF09</a:t>
+                      </a:r>
+                    </a:p>
+                    <a:p>
+                      <a:r>
+                        <a:rPr lang="es-CO" sz="1400" dirty="0"/>
+                        <a:t>RNF13</a:t>
+                      </a:r>
+                    </a:p>
+                    <a:p>
+                      <a:r>
+                        <a:rPr lang="es-CO" sz="1400" dirty="0"/>
+                        <a:t>RNF14</a:t>
+                      </a:r>
+                    </a:p>
+                    <a:p>
+                      <a:r>
+                        <a:rPr lang="es-CO" sz="1400" dirty="0"/>
+                        <a:t>RNF15</a:t>
+                      </a:r>
+                    </a:p>
+                    <a:p>
+                      <a:r>
+                        <a:rPr lang="es-CO" sz="1400" dirty="0"/>
+                        <a:t>RNF16</a:t>
+                      </a:r>
+                    </a:p>
+                  </a:txBody>
+                  <a:tcPr/>
+                </a:tc>
+                <a:extLst>
+                  <a:ext uri="{0D108BD9-81ED-4DB2-BD59-A6C34878D82A}">
+                    <a16:rowId xmlns:a16="http://schemas.microsoft.com/office/drawing/2014/main" val="2890632905"/>
+                  </a:ext>
+                </a:extLst>
+              </a:tr>
+              <a:tr h="370840">
+                <a:tc>
+                  <a:txBody>
+                    <a:bodyPr/>
+                    <a:lstStyle/>
+                    <a:p>
+                      <a:r>
+                        <a:rPr lang="es-CO" sz="1400" dirty="0"/>
+                        <a:t>Prioridad del requerimiento</a:t>
+                      </a:r>
+                    </a:p>
+                  </a:txBody>
+                  <a:tcPr/>
+                </a:tc>
+                <a:tc>
+                  <a:txBody>
+                    <a:bodyPr/>
+                    <a:lstStyle/>
+                    <a:p>
+                      <a:r>
+                        <a:rPr lang="es-CO" sz="1400" dirty="0"/>
+                        <a:t>Alta</a:t>
+                      </a:r>
+                    </a:p>
+                  </a:txBody>
+                  <a:tcPr/>
+                </a:tc>
+                <a:extLst>
+                  <a:ext uri="{0D108BD9-81ED-4DB2-BD59-A6C34878D82A}">
+                    <a16:rowId xmlns:a16="http://schemas.microsoft.com/office/drawing/2014/main" val="1092200181"/>
+                  </a:ext>
+                </a:extLst>
+              </a:tr>
+            </a:tbl>
+          </a:graphicData>
+        </a:graphic>
+      </p:graphicFrame>
+    </p:spTree>
+    <p:extLst>
+      <p:ext uri="{BB962C8B-B14F-4D97-AF65-F5344CB8AC3E}">
+        <p14:creationId xmlns:p14="http://schemas.microsoft.com/office/powerpoint/2010/main" val="2724888028"/>
+      </p:ext>
+    </p:extLst>
+  </p:cSld>
+  <p:clrMapOvr>
+    <a:masterClrMapping/>
+  </p:clrMapOvr>
+</p:sld>
+</file>
+
+<file path=ppt/slides/slide32.xml><?xml version="1.0" encoding="utf-8"?>
+<p:sld xmlns:a="http://schemas.openxmlformats.org/drawingml/2006/main" xmlns:r="http://schemas.openxmlformats.org/officeDocument/2006/relationships" xmlns:p="http://schemas.openxmlformats.org/presentationml/2006/main">
+  <p:cSld>
+    <p:spTree>
+      <p:nvGrpSpPr>
+        <p:cNvPr id="1" name=""/>
+        <p:cNvGrpSpPr/>
+        <p:nvPr/>
+      </p:nvGrpSpPr>
+      <p:grpSpPr>
+        <a:xfrm>
+          <a:off x="0" y="0"/>
+          <a:ext cx="0" cy="0"/>
+          <a:chOff x="0" y="0"/>
+          <a:chExt cx="0" cy="0"/>
+        </a:xfrm>
+      </p:grpSpPr>
+      <p:sp>
+        <p:nvSpPr>
+          <p:cNvPr id="2" name="Título 1">
+            <a:extLst>
+              <a:ext uri="{FF2B5EF4-FFF2-40B4-BE49-F238E27FC236}">
+                <a16:creationId xmlns:a16="http://schemas.microsoft.com/office/drawing/2014/main" id="{D808FD72-459F-47C9-8B0A-62419C5C4325}"/>
+              </a:ext>
+            </a:extLst>
+          </p:cNvPr>
+          <p:cNvSpPr>
+            <a:spLocks noGrp="1"/>
+          </p:cNvSpPr>
+          <p:nvPr>
+            <p:ph type="title"/>
+          </p:nvPr>
+        </p:nvSpPr>
+        <p:spPr/>
+        <p:txBody>
+          <a:bodyPr/>
+          <a:lstStyle/>
+          <a:p>
+            <a:r>
+              <a:rPr lang="es-CO" dirty="0"/>
+              <a:t>Requerimientos funcionales</a:t>
+            </a:r>
+          </a:p>
+        </p:txBody>
+      </p:sp>
+      <p:pic>
+        <p:nvPicPr>
+          <p:cNvPr id="10" name="Imagen 9">
+            <a:extLst>
+              <a:ext uri="{FF2B5EF4-FFF2-40B4-BE49-F238E27FC236}">
+                <a16:creationId xmlns:a16="http://schemas.microsoft.com/office/drawing/2014/main" id="{46F7A5B9-D044-4380-8B8B-88FE77E60109}"/>
+              </a:ext>
+            </a:extLst>
+          </p:cNvPr>
+          <p:cNvPicPr>
+            <a:picLocks noChangeAspect="1"/>
+          </p:cNvPicPr>
+          <p:nvPr/>
+        </p:nvPicPr>
+        <p:blipFill rotWithShape="1">
+          <a:blip r:embed="rId2"/>
+          <a:srcRect l="52137" t="34257" r="14839" b="26225"/>
+          <a:stretch/>
+        </p:blipFill>
+        <p:spPr>
+          <a:xfrm>
+            <a:off x="5540514" y="1273291"/>
+            <a:ext cx="5648534" cy="3800153"/>
+          </a:xfrm>
+          <a:prstGeom prst="rect">
+            <a:avLst/>
+          </a:prstGeom>
+        </p:spPr>
+      </p:pic>
+    </p:spTree>
+    <p:extLst>
+      <p:ext uri="{BB962C8B-B14F-4D97-AF65-F5344CB8AC3E}">
+        <p14:creationId xmlns:p14="http://schemas.microsoft.com/office/powerpoint/2010/main" val="1700628346"/>
+      </p:ext>
+    </p:extLst>
+  </p:cSld>
+  <p:clrMapOvr>
+    <a:masterClrMapping/>
+  </p:clrMapOvr>
+</p:sld>
+</file>
+
+<file path=ppt/slides/slide33.xml><?xml version="1.0" encoding="utf-8"?>
+<p:sld xmlns:a="http://schemas.openxmlformats.org/drawingml/2006/main" xmlns:r="http://schemas.openxmlformats.org/officeDocument/2006/relationships" xmlns:p="http://schemas.openxmlformats.org/presentationml/2006/main">
+  <p:cSld>
+    <p:spTree>
+      <p:nvGrpSpPr>
+        <p:cNvPr id="1" name=""/>
+        <p:cNvGrpSpPr/>
+        <p:nvPr/>
+      </p:nvGrpSpPr>
+      <p:grpSpPr>
+        <a:xfrm>
+          <a:off x="0" y="0"/>
+          <a:ext cx="0" cy="0"/>
+          <a:chOff x="0" y="0"/>
+          <a:chExt cx="0" cy="0"/>
+        </a:xfrm>
+      </p:grpSpPr>
+      <p:sp>
+        <p:nvSpPr>
+          <p:cNvPr id="2" name="Título 1">
+            <a:extLst>
+              <a:ext uri="{FF2B5EF4-FFF2-40B4-BE49-F238E27FC236}">
+                <a16:creationId xmlns:a16="http://schemas.microsoft.com/office/drawing/2014/main" id="{3FD9E7C9-B08E-4678-9410-6655D811302D}"/>
+              </a:ext>
+            </a:extLst>
+          </p:cNvPr>
+          <p:cNvSpPr>
+            <a:spLocks noGrp="1"/>
+          </p:cNvSpPr>
+          <p:nvPr>
+            <p:ph type="title"/>
+          </p:nvPr>
+        </p:nvSpPr>
+        <p:spPr/>
+        <p:txBody>
+          <a:bodyPr/>
+          <a:lstStyle/>
+          <a:p>
+            <a:r>
+              <a:rPr lang="es-CO" dirty="0"/>
+              <a:t>Requerimientos funcionales</a:t>
+            </a:r>
+          </a:p>
+        </p:txBody>
+      </p:sp>
+      <p:graphicFrame>
+        <p:nvGraphicFramePr>
+          <p:cNvPr id="12" name="Tabla 4">
+            <a:extLst>
+              <a:ext uri="{FF2B5EF4-FFF2-40B4-BE49-F238E27FC236}">
+                <a16:creationId xmlns:a16="http://schemas.microsoft.com/office/drawing/2014/main" id="{14B94452-F3D0-4381-8012-5A34351EEF19}"/>
+              </a:ext>
+            </a:extLst>
+          </p:cNvPr>
+          <p:cNvGraphicFramePr>
+            <a:graphicFrameLocks noGrp="1"/>
+          </p:cNvGraphicFramePr>
+          <p:nvPr>
+            <p:ph idx="1"/>
+            <p:extLst>
+              <p:ext uri="{D42A27DB-BD31-4B8C-83A1-F6EECF244321}">
+                <p14:modId xmlns:p14="http://schemas.microsoft.com/office/powerpoint/2010/main" val="1118360086"/>
+              </p:ext>
+            </p:extLst>
+          </p:nvPr>
+        </p:nvGraphicFramePr>
+        <p:xfrm>
+          <a:off x="5118100" y="803275"/>
+          <a:ext cx="6281738" cy="4587240"/>
+        </p:xfrm>
+        <a:graphic>
+          <a:graphicData uri="http://schemas.openxmlformats.org/drawingml/2006/table">
+            <a:tbl>
+              <a:tblPr firstRow="1" bandRow="1">
+                <a:tableStyleId>{5C22544A-7EE6-4342-B048-85BDC9FD1C3A}</a:tableStyleId>
+              </a:tblPr>
+              <a:tblGrid>
+                <a:gridCol w="3140869">
+                  <a:extLst>
+                    <a:ext uri="{9D8B030D-6E8A-4147-A177-3AD203B41FA5}">
+                      <a16:colId xmlns:a16="http://schemas.microsoft.com/office/drawing/2014/main" val="1956061622"/>
+                    </a:ext>
+                  </a:extLst>
+                </a:gridCol>
+                <a:gridCol w="3140869">
+                  <a:extLst>
+                    <a:ext uri="{9D8B030D-6E8A-4147-A177-3AD203B41FA5}">
+                      <a16:colId xmlns:a16="http://schemas.microsoft.com/office/drawing/2014/main" val="2936552865"/>
+                    </a:ext>
+                  </a:extLst>
+                </a:gridCol>
+              </a:tblGrid>
+              <a:tr h="370840">
+                <a:tc>
+                  <a:txBody>
+                    <a:bodyPr/>
+                    <a:lstStyle/>
+                    <a:p>
+                      <a:r>
+                        <a:rPr lang="es-CO" sz="1400" dirty="0"/>
+                        <a:t>Identificación del requerimiento</a:t>
+                      </a:r>
+                    </a:p>
+                  </a:txBody>
+                  <a:tcPr/>
+                </a:tc>
+                <a:tc>
+                  <a:txBody>
+                    <a:bodyPr/>
+                    <a:lstStyle/>
+                    <a:p>
+                      <a:r>
+                        <a:rPr lang="es-CO" sz="1400" dirty="0"/>
+                        <a:t>RF04</a:t>
+                      </a:r>
+                    </a:p>
+                  </a:txBody>
+                  <a:tcPr/>
+                </a:tc>
+                <a:extLst>
+                  <a:ext uri="{0D108BD9-81ED-4DB2-BD59-A6C34878D82A}">
+                    <a16:rowId xmlns:a16="http://schemas.microsoft.com/office/drawing/2014/main" val="1125974093"/>
+                  </a:ext>
+                </a:extLst>
+              </a:tr>
+              <a:tr h="370840">
+                <a:tc>
+                  <a:txBody>
+                    <a:bodyPr/>
+                    <a:lstStyle/>
+                    <a:p>
+                      <a:r>
+                        <a:rPr lang="es-CO" sz="1400" dirty="0"/>
+                        <a:t>Nombre del requerimiento</a:t>
+                      </a:r>
+                    </a:p>
+                  </a:txBody>
+                  <a:tcPr/>
+                </a:tc>
+                <a:tc>
+                  <a:txBody>
+                    <a:bodyPr/>
+                    <a:lstStyle/>
+                    <a:p>
+                      <a:r>
+                        <a:rPr lang="es-CO" sz="1400" dirty="0"/>
+                        <a:t>Cargar notas</a:t>
+                      </a:r>
+                    </a:p>
+                  </a:txBody>
+                  <a:tcPr/>
+                </a:tc>
+                <a:extLst>
+                  <a:ext uri="{0D108BD9-81ED-4DB2-BD59-A6C34878D82A}">
+                    <a16:rowId xmlns:a16="http://schemas.microsoft.com/office/drawing/2014/main" val="174785449"/>
+                  </a:ext>
+                </a:extLst>
+              </a:tr>
+              <a:tr h="370840">
+                <a:tc>
+                  <a:txBody>
+                    <a:bodyPr/>
+                    <a:lstStyle/>
+                    <a:p>
+                      <a:r>
+                        <a:rPr lang="es-CO" sz="1400" dirty="0"/>
+                        <a:t>Características</a:t>
+                      </a:r>
+                    </a:p>
+                  </a:txBody>
+                  <a:tcPr/>
+                </a:tc>
+                <a:tc>
+                  <a:txBody>
+                    <a:bodyPr/>
+                    <a:lstStyle/>
+                    <a:p>
+                      <a:r>
+                        <a:rPr lang="es-CO" sz="1400" dirty="0"/>
+                        <a:t>Los usuarios podrán subir las notas parciales de cada bimestre.</a:t>
+                      </a:r>
+                    </a:p>
+                  </a:txBody>
+                  <a:tcPr/>
+                </a:tc>
+                <a:extLst>
+                  <a:ext uri="{0D108BD9-81ED-4DB2-BD59-A6C34878D82A}">
+                    <a16:rowId xmlns:a16="http://schemas.microsoft.com/office/drawing/2014/main" val="4070051422"/>
+                  </a:ext>
+                </a:extLst>
+              </a:tr>
+              <a:tr h="370840">
+                <a:tc>
+                  <a:txBody>
+                    <a:bodyPr/>
+                    <a:lstStyle/>
+                    <a:p>
+                      <a:r>
+                        <a:rPr lang="es-CO" sz="1400" dirty="0"/>
+                        <a:t>Descripción del requerimiento</a:t>
+                      </a:r>
+                    </a:p>
+                  </a:txBody>
+                  <a:tcPr/>
+                </a:tc>
+                <a:tc>
+                  <a:txBody>
+                    <a:bodyPr/>
+                    <a:lstStyle/>
+                    <a:p>
+                      <a:r>
+                        <a:rPr lang="es-CO" sz="1400" dirty="0"/>
+                        <a:t>El sistema permitirá al usuario docente cargar las notas respectivas de cada parcial y el sistema sacará la definitiva.</a:t>
+                      </a:r>
+                    </a:p>
+                  </a:txBody>
+                  <a:tcPr/>
+                </a:tc>
+                <a:extLst>
+                  <a:ext uri="{0D108BD9-81ED-4DB2-BD59-A6C34878D82A}">
+                    <a16:rowId xmlns:a16="http://schemas.microsoft.com/office/drawing/2014/main" val="1259768691"/>
+                  </a:ext>
+                </a:extLst>
+              </a:tr>
+              <a:tr h="370840">
+                <a:tc>
+                  <a:txBody>
+                    <a:bodyPr/>
+                    <a:lstStyle/>
+                    <a:p>
+                      <a:r>
+                        <a:rPr lang="es-CO" sz="1400" dirty="0"/>
+                        <a:t>Requerimientos no funcionales</a:t>
+                      </a:r>
+                    </a:p>
+                  </a:txBody>
+                  <a:tcPr/>
+                </a:tc>
+                <a:tc>
+                  <a:txBody>
+                    <a:bodyPr/>
+                    <a:lstStyle/>
+                    <a:p>
+                      <a:r>
+                        <a:rPr lang="es-CO" sz="1400" dirty="0"/>
+                        <a:t>RNF04</a:t>
+                      </a:r>
+                    </a:p>
+                    <a:p>
+                      <a:r>
+                        <a:rPr lang="es-CO" sz="1400" dirty="0"/>
+                        <a:t>RNF01</a:t>
+                      </a:r>
+                    </a:p>
+                    <a:p>
+                      <a:r>
+                        <a:rPr lang="es-CO" sz="1400" dirty="0"/>
+                        <a:t>RNF06</a:t>
+                      </a:r>
+                    </a:p>
+                    <a:p>
+                      <a:r>
+                        <a:rPr lang="es-CO" sz="1400" dirty="0"/>
+                        <a:t>RNF08</a:t>
+                      </a:r>
+                    </a:p>
+                    <a:p>
+                      <a:r>
+                        <a:rPr lang="es-CO" sz="1400" dirty="0"/>
+                        <a:t>RNF09</a:t>
+                      </a:r>
+                    </a:p>
+                    <a:p>
+                      <a:r>
+                        <a:rPr lang="es-CO" sz="1400" dirty="0"/>
+                        <a:t>RNF13</a:t>
+                      </a:r>
+                    </a:p>
+                    <a:p>
+                      <a:r>
+                        <a:rPr lang="es-CO" sz="1400" dirty="0"/>
+                        <a:t>RNF14</a:t>
+                      </a:r>
+                    </a:p>
+                    <a:p>
+                      <a:r>
+                        <a:rPr lang="es-CO" sz="1400" dirty="0"/>
+                        <a:t>RNF15</a:t>
+                      </a:r>
+                    </a:p>
+                    <a:p>
+                      <a:r>
+                        <a:rPr lang="es-CO" sz="1400" dirty="0"/>
+                        <a:t>RNF16</a:t>
+                      </a:r>
+                    </a:p>
+                  </a:txBody>
+                  <a:tcPr/>
+                </a:tc>
+                <a:extLst>
+                  <a:ext uri="{0D108BD9-81ED-4DB2-BD59-A6C34878D82A}">
+                    <a16:rowId xmlns:a16="http://schemas.microsoft.com/office/drawing/2014/main" val="1297520108"/>
+                  </a:ext>
+                </a:extLst>
+              </a:tr>
+              <a:tr h="370840">
+                <a:tc>
+                  <a:txBody>
+                    <a:bodyPr/>
+                    <a:lstStyle/>
+                    <a:p>
+                      <a:r>
+                        <a:rPr lang="es-CO" sz="1400" dirty="0"/>
+                        <a:t>Prioridad del requerimiento</a:t>
+                      </a:r>
+                    </a:p>
+                  </a:txBody>
+                  <a:tcPr/>
+                </a:tc>
+                <a:tc>
+                  <a:txBody>
+                    <a:bodyPr/>
+                    <a:lstStyle/>
+                    <a:p>
+                      <a:r>
+                        <a:rPr lang="es-CO" sz="1400" dirty="0"/>
+                        <a:t>Alta</a:t>
+                      </a:r>
+                    </a:p>
+                  </a:txBody>
+                  <a:tcPr/>
+                </a:tc>
+                <a:extLst>
+                  <a:ext uri="{0D108BD9-81ED-4DB2-BD59-A6C34878D82A}">
+                    <a16:rowId xmlns:a16="http://schemas.microsoft.com/office/drawing/2014/main" val="3969001885"/>
+                  </a:ext>
+                </a:extLst>
+              </a:tr>
+            </a:tbl>
+          </a:graphicData>
+        </a:graphic>
+      </p:graphicFrame>
+    </p:spTree>
+    <p:extLst>
+      <p:ext uri="{BB962C8B-B14F-4D97-AF65-F5344CB8AC3E}">
+        <p14:creationId xmlns:p14="http://schemas.microsoft.com/office/powerpoint/2010/main" val="2413226412"/>
       </p:ext>
     </p:extLst>
   </p:cSld>

--- a/PLANTEAMIENTO_DEL_PROBLEMA.pptx
+++ b/PLANTEAMIENTO_DEL_PROBLEMA.pptx
@@ -31,13 +31,15 @@
     <p:sldId id="280" r:id="rId25"/>
     <p:sldId id="281" r:id="rId26"/>
     <p:sldId id="282" r:id="rId27"/>
-    <p:sldId id="283" r:id="rId28"/>
-    <p:sldId id="284" r:id="rId29"/>
-    <p:sldId id="285" r:id="rId30"/>
-    <p:sldId id="286" r:id="rId31"/>
-    <p:sldId id="287" r:id="rId32"/>
-    <p:sldId id="288" r:id="rId33"/>
-    <p:sldId id="289" r:id="rId34"/>
+    <p:sldId id="290" r:id="rId28"/>
+    <p:sldId id="283" r:id="rId29"/>
+    <p:sldId id="284" r:id="rId30"/>
+    <p:sldId id="285" r:id="rId31"/>
+    <p:sldId id="286" r:id="rId32"/>
+    <p:sldId id="287" r:id="rId33"/>
+    <p:sldId id="288" r:id="rId34"/>
+    <p:sldId id="289" r:id="rId35"/>
+    <p:sldId id="292" r:id="rId36"/>
   </p:sldIdLst>
   <p:sldSz cx="12192000" cy="6858000"/>
   <p:notesSz cx="6858000" cy="9144000"/>
@@ -1553,7 +1555,7 @@
           <a:p>
             <a:fld id="{D253BB75-C9F5-8342-9D8A-C2F31092015F}" type="datetimeFigureOut">
               <a:rPr lang="es-CO" smtClean="0"/>
-              <a:t>8/03/2021</a:t>
+              <a:t>8/03/21</a:t>
             </a:fld>
             <a:endParaRPr lang="es-CO"/>
           </a:p>
@@ -3012,7 +3014,7 @@
           <a:p>
             <a:fld id="{D253BB75-C9F5-8342-9D8A-C2F31092015F}" type="datetimeFigureOut">
               <a:rPr lang="es-CO" smtClean="0"/>
-              <a:t>8/03/2021</a:t>
+              <a:t>8/03/21</a:t>
             </a:fld>
             <a:endParaRPr lang="es-CO"/>
           </a:p>
@@ -4465,7 +4467,7 @@
           <a:p>
             <a:fld id="{D253BB75-C9F5-8342-9D8A-C2F31092015F}" type="datetimeFigureOut">
               <a:rPr lang="es-CO" smtClean="0"/>
-              <a:t>8/03/2021</a:t>
+              <a:t>8/03/21</a:t>
             </a:fld>
             <a:endParaRPr lang="es-CO"/>
           </a:p>
@@ -5920,7 +5922,7 @@
           <a:p>
             <a:fld id="{D253BB75-C9F5-8342-9D8A-C2F31092015F}" type="datetimeFigureOut">
               <a:rPr lang="es-CO" smtClean="0"/>
-              <a:t>8/03/2021</a:t>
+              <a:t>8/03/21</a:t>
             </a:fld>
             <a:endParaRPr lang="es-CO"/>
           </a:p>
@@ -7428,7 +7430,7 @@
           <a:p>
             <a:fld id="{D253BB75-C9F5-8342-9D8A-C2F31092015F}" type="datetimeFigureOut">
               <a:rPr lang="es-CO" smtClean="0"/>
-              <a:t>8/03/2021</a:t>
+              <a:t>8/03/21</a:t>
             </a:fld>
             <a:endParaRPr lang="es-CO"/>
           </a:p>
@@ -8949,7 +8951,7 @@
           <a:p>
             <a:fld id="{D253BB75-C9F5-8342-9D8A-C2F31092015F}" type="datetimeFigureOut">
               <a:rPr lang="es-CO" smtClean="0"/>
-              <a:t>8/03/2021</a:t>
+              <a:t>8/03/21</a:t>
             </a:fld>
             <a:endParaRPr lang="es-CO"/>
           </a:p>
@@ -10614,7 +10616,7 @@
           <a:p>
             <a:fld id="{D253BB75-C9F5-8342-9D8A-C2F31092015F}" type="datetimeFigureOut">
               <a:rPr lang="es-CO" smtClean="0"/>
-              <a:t>8/03/2021</a:t>
+              <a:t>8/03/21</a:t>
             </a:fld>
             <a:endParaRPr lang="es-CO"/>
           </a:p>
@@ -12012,7 +12014,7 @@
           <a:p>
             <a:fld id="{D253BB75-C9F5-8342-9D8A-C2F31092015F}" type="datetimeFigureOut">
               <a:rPr lang="es-CO" smtClean="0"/>
-              <a:t>8/03/2021</a:t>
+              <a:t>8/03/21</a:t>
             </a:fld>
             <a:endParaRPr lang="es-CO"/>
           </a:p>
@@ -12112,7 +12114,7 @@
           <a:p>
             <a:fld id="{D253BB75-C9F5-8342-9D8A-C2F31092015F}" type="datetimeFigureOut">
               <a:rPr lang="es-CO" smtClean="0"/>
-              <a:t>8/03/2021</a:t>
+              <a:t>8/03/21</a:t>
             </a:fld>
             <a:endParaRPr lang="es-CO"/>
           </a:p>
@@ -13638,7 +13640,7 @@
           <a:p>
             <a:fld id="{D253BB75-C9F5-8342-9D8A-C2F31092015F}" type="datetimeFigureOut">
               <a:rPr lang="es-CO" smtClean="0"/>
-              <a:t>8/03/2021</a:t>
+              <a:t>8/03/21</a:t>
             </a:fld>
             <a:endParaRPr lang="es-CO"/>
           </a:p>
@@ -15174,7 +15176,7 @@
           <a:p>
             <a:fld id="{D253BB75-C9F5-8342-9D8A-C2F31092015F}" type="datetimeFigureOut">
               <a:rPr lang="es-CO" smtClean="0"/>
-              <a:t>8/03/2021</a:t>
+              <a:t>8/03/21</a:t>
             </a:fld>
             <a:endParaRPr lang="es-CO"/>
           </a:p>
@@ -15397,7 +15399,7 @@
           <a:p>
             <a:fld id="{D253BB75-C9F5-8342-9D8A-C2F31092015F}" type="datetimeFigureOut">
               <a:rPr lang="es-CO" smtClean="0"/>
-              <a:t>8/03/2021</a:t>
+              <a:t>8/03/21</a:t>
             </a:fld>
             <a:endParaRPr lang="es-CO"/>
           </a:p>
@@ -16962,12 +16964,8 @@
           <a:lstStyle/>
           <a:p>
             <a:r>
-              <a:rPr lang="es-CO" dirty="0" err="1"/>
-              <a:t>Entrvista</a:t>
-            </a:r>
-            <a:r>
               <a:rPr lang="es-CO" dirty="0"/>
-              <a:t> informal: Técnica conversacional en la cual se indaga, en un ambiente desenfadado y poco planeado, a un informante sobre aspectos pertinentes para el desarrollo del proyecto</a:t>
+              <a:t>Entevista informal: Técnica conversacional en la cual se indaga, en un ambiente desenfadado y poco planeado, a un informante sobre aspectos pertinentes para el desarrollo del proyecto</a:t>
             </a:r>
           </a:p>
         </p:txBody>
@@ -17053,15 +17051,7 @@
           <a:p>
             <a:r>
               <a:rPr lang="es-CO" dirty="0"/>
-              <a:t>Cuestionario: Es una serie de preguntas que buscan la medición de una o más variables (Hernández Sampieri, 2014). En el caso del presente proyecto, </a:t>
-            </a:r>
-            <a:r>
-              <a:rPr lang="es-CO" dirty="0" err="1"/>
-              <a:t>estta</a:t>
-            </a:r>
-            <a:r>
-              <a:rPr lang="es-CO" dirty="0"/>
-              <a:t> técnica se le aplica a los docentes y orientadora, a los estudiantes y al rector. </a:t>
+              <a:t>Cuestionario: Es una serie de preguntas que buscan la medición de una o más variables (Hernández Sampieri, 2014). En el caso del presente proyecto, esta técnica se le aplica a los docentes y orientadora, a los estudiantes y al rector. </a:t>
             </a:r>
           </a:p>
           <a:p>
@@ -17479,6 +17469,128 @@
       </p:grpSpPr>
       <p:sp>
         <p:nvSpPr>
+          <p:cNvPr id="2" name="Título 1">
+            <a:extLst>
+              <a:ext uri="{FF2B5EF4-FFF2-40B4-BE49-F238E27FC236}">
+                <a16:creationId xmlns:a16="http://schemas.microsoft.com/office/drawing/2014/main" id="{4FAA261C-A92F-EA49-8331-7AFF68AF55C7}"/>
+              </a:ext>
+            </a:extLst>
+          </p:cNvPr>
+          <p:cNvSpPr>
+            <a:spLocks noGrp="1"/>
+          </p:cNvSpPr>
+          <p:nvPr>
+            <p:ph type="title"/>
+          </p:nvPr>
+        </p:nvSpPr>
+        <p:spPr/>
+        <p:txBody>
+          <a:bodyPr/>
+          <a:lstStyle/>
+          <a:p>
+            <a:r>
+              <a:rPr lang="es-CO" dirty="0"/>
+              <a:t>Diagramas UML</a:t>
+            </a:r>
+          </a:p>
+        </p:txBody>
+      </p:sp>
+      <p:sp>
+        <p:nvSpPr>
+          <p:cNvPr id="3" name="Marcador de contenido 2">
+            <a:extLst>
+              <a:ext uri="{FF2B5EF4-FFF2-40B4-BE49-F238E27FC236}">
+                <a16:creationId xmlns:a16="http://schemas.microsoft.com/office/drawing/2014/main" id="{2474EE18-5B1F-EF42-A5FA-9D7A07DFE831}"/>
+              </a:ext>
+            </a:extLst>
+          </p:cNvPr>
+          <p:cNvSpPr>
+            <a:spLocks noGrp="1"/>
+          </p:cNvSpPr>
+          <p:nvPr>
+            <p:ph idx="1"/>
+          </p:nvPr>
+        </p:nvSpPr>
+        <p:spPr/>
+        <p:txBody>
+          <a:bodyPr/>
+          <a:lstStyle/>
+          <a:p>
+            <a:pPr marL="0" indent="0" algn="just">
+              <a:buNone/>
+            </a:pPr>
+            <a:r>
+              <a:rPr lang="es-ES" dirty="0"/>
+              <a:t>Es un lenguaje visual que se usa para crear diagramas que representen procesos, sistemas y software. Significa </a:t>
+            </a:r>
+            <a:r>
+              <a:rPr lang="es-ES" dirty="0" err="1"/>
+              <a:t>Unified</a:t>
+            </a:r>
+            <a:r>
+              <a:rPr lang="es-ES" dirty="0"/>
+              <a:t> </a:t>
+            </a:r>
+            <a:r>
+              <a:rPr lang="es-ES" dirty="0" err="1"/>
+              <a:t>Modeling</a:t>
+            </a:r>
+            <a:r>
+              <a:rPr lang="es-ES" dirty="0"/>
+              <a:t> </a:t>
+            </a:r>
+            <a:r>
+              <a:rPr lang="es-ES" dirty="0" err="1"/>
+              <a:t>Language</a:t>
+            </a:r>
+            <a:r>
+              <a:rPr lang="es-ES" dirty="0"/>
+              <a:t>, que en español significa Lenguaje unificado de modelado. Su uso se ha extendido más allá del modelado de software, siendo utilizado en varias áreas industriales. Es un leguaje gráfico para la descripción de un sistema desde el punto de vista del actor. Se constituye como un estándar internacional, lo que facilita su utilización independientemente del contexto en el que se utilice (Taboada Jiménez, </a:t>
+            </a:r>
+            <a:r>
+              <a:rPr lang="es-ES" dirty="0" err="1"/>
+              <a:t>s.f</a:t>
+            </a:r>
+            <a:r>
+              <a:rPr lang="es-ES" dirty="0"/>
+              <a:t>).</a:t>
+            </a:r>
+            <a:endParaRPr lang="es-CO" dirty="0"/>
+          </a:p>
+        </p:txBody>
+      </p:sp>
+    </p:spTree>
+    <p:extLst>
+      <p:ext uri="{BB962C8B-B14F-4D97-AF65-F5344CB8AC3E}">
+        <p14:creationId xmlns:p14="http://schemas.microsoft.com/office/powerpoint/2010/main" val="2201438321"/>
+      </p:ext>
+    </p:extLst>
+  </p:cSld>
+  <p:clrMapOvr>
+    <a:masterClrMapping/>
+  </p:clrMapOvr>
+</p:sld>
+</file>
+
+<file path=ppt/slides/slide28.xml><?xml version="1.0" encoding="utf-8"?>
+<p:sld xmlns:a="http://schemas.openxmlformats.org/drawingml/2006/main" xmlns:r="http://schemas.openxmlformats.org/officeDocument/2006/relationships" xmlns:p="http://schemas.openxmlformats.org/presentationml/2006/main">
+  <p:cSld>
+    <p:spTree>
+      <p:nvGrpSpPr>
+        <p:cNvPr id="1" name=""/>
+        <p:cNvGrpSpPr/>
+        <p:nvPr/>
+      </p:nvGrpSpPr>
+      <p:grpSpPr>
+        <a:xfrm>
+          <a:off x="0" y="0"/>
+          <a:ext cx="0" cy="0"/>
+          <a:chOff x="0" y="0"/>
+          <a:chExt cx="0" cy="0"/>
+        </a:xfrm>
+      </p:grpSpPr>
+      <p:sp>
+        <p:nvSpPr>
           <p:cNvPr id="2" name="Título 1"/>
           <p:cNvSpPr>
             <a:spLocks noGrp="1"/>
@@ -17499,6 +17611,41 @@
           </a:p>
         </p:txBody>
       </p:sp>
+      <p:sp>
+        <p:nvSpPr>
+          <p:cNvPr id="4" name="CuadroTexto 3">
+            <a:extLst>
+              <a:ext uri="{FF2B5EF4-FFF2-40B4-BE49-F238E27FC236}">
+                <a16:creationId xmlns:a16="http://schemas.microsoft.com/office/drawing/2014/main" id="{36F58BDA-434F-294A-8C9C-445DC014FC49}"/>
+              </a:ext>
+            </a:extLst>
+          </p:cNvPr>
+          <p:cNvSpPr txBox="1"/>
+          <p:nvPr/>
+        </p:nvSpPr>
+        <p:spPr>
+          <a:xfrm>
+            <a:off x="6002215" y="3458308"/>
+            <a:ext cx="1831592" cy="369332"/>
+          </a:xfrm>
+          <a:prstGeom prst="rect">
+            <a:avLst/>
+          </a:prstGeom>
+          <a:noFill/>
+        </p:spPr>
+        <p:txBody>
+          <a:bodyPr wrap="none" rtlCol="0">
+            <a:spAutoFit/>
+          </a:bodyPr>
+          <a:lstStyle/>
+          <a:p>
+            <a:r>
+              <a:rPr lang="es-CO" dirty="0"/>
+              <a:t>Diagrama SIGC</a:t>
+            </a:r>
+          </a:p>
+        </p:txBody>
+      </p:sp>
     </p:spTree>
     <p:extLst>
       <p:ext uri="{BB962C8B-B14F-4D97-AF65-F5344CB8AC3E}">
@@ -17512,7 +17659,7 @@
 </p:sld>
 </file>
 
-<file path=ppt/slides/slide28.xml><?xml version="1.0" encoding="utf-8"?>
+<file path=ppt/slides/slide29.xml><?xml version="1.0" encoding="utf-8"?>
 <p:sld xmlns:a="http://schemas.openxmlformats.org/drawingml/2006/main" xmlns:r="http://schemas.openxmlformats.org/officeDocument/2006/relationships" xmlns:p="http://schemas.openxmlformats.org/presentationml/2006/main">
   <p:cSld>
     <p:spTree>
@@ -17600,103 +17747,6 @@
     <p:extLst>
       <p:ext uri="{BB962C8B-B14F-4D97-AF65-F5344CB8AC3E}">
         <p14:creationId xmlns:p14="http://schemas.microsoft.com/office/powerpoint/2010/main" val="3397706953"/>
-      </p:ext>
-    </p:extLst>
-  </p:cSld>
-  <p:clrMapOvr>
-    <a:masterClrMapping/>
-  </p:clrMapOvr>
-</p:sld>
-</file>
-
-<file path=ppt/slides/slide29.xml><?xml version="1.0" encoding="utf-8"?>
-<p:sld xmlns:a="http://schemas.openxmlformats.org/drawingml/2006/main" xmlns:r="http://schemas.openxmlformats.org/officeDocument/2006/relationships" xmlns:p="http://schemas.openxmlformats.org/presentationml/2006/main">
-  <p:cSld>
-    <p:spTree>
-      <p:nvGrpSpPr>
-        <p:cNvPr id="1" name=""/>
-        <p:cNvGrpSpPr/>
-        <p:nvPr/>
-      </p:nvGrpSpPr>
-      <p:grpSpPr>
-        <a:xfrm>
-          <a:off x="0" y="0"/>
-          <a:ext cx="0" cy="0"/>
-          <a:chOff x="0" y="0"/>
-          <a:chExt cx="0" cy="0"/>
-        </a:xfrm>
-      </p:grpSpPr>
-      <p:sp>
-        <p:nvSpPr>
-          <p:cNvPr id="2" name="Título 1">
-            <a:extLst>
-              <a:ext uri="{FF2B5EF4-FFF2-40B4-BE49-F238E27FC236}">
-                <a16:creationId xmlns:a16="http://schemas.microsoft.com/office/drawing/2014/main" id="{D6C951AD-ADB4-4520-8EF2-0D457F9FBAEC}"/>
-              </a:ext>
-            </a:extLst>
-          </p:cNvPr>
-          <p:cNvSpPr>
-            <a:spLocks noGrp="1"/>
-          </p:cNvSpPr>
-          <p:nvPr>
-            <p:ph type="title"/>
-          </p:nvPr>
-        </p:nvSpPr>
-        <p:spPr/>
-        <p:txBody>
-          <a:bodyPr/>
-          <a:lstStyle/>
-          <a:p>
-            <a:r>
-              <a:rPr lang="es-CO" dirty="0"/>
-              <a:t>Requerimientos funcionales</a:t>
-            </a:r>
-          </a:p>
-        </p:txBody>
-      </p:sp>
-      <p:sp>
-        <p:nvSpPr>
-          <p:cNvPr id="3" name="Marcador de contenido 2">
-            <a:extLst>
-              <a:ext uri="{FF2B5EF4-FFF2-40B4-BE49-F238E27FC236}">
-                <a16:creationId xmlns:a16="http://schemas.microsoft.com/office/drawing/2014/main" id="{62BA3D85-AA1B-4109-8A32-FC0B1A31E18F}"/>
-              </a:ext>
-            </a:extLst>
-          </p:cNvPr>
-          <p:cNvSpPr>
-            <a:spLocks noGrp="1"/>
-          </p:cNvSpPr>
-          <p:nvPr>
-            <p:ph idx="1"/>
-          </p:nvPr>
-        </p:nvSpPr>
-        <p:spPr/>
-        <p:txBody>
-          <a:bodyPr/>
-          <a:lstStyle/>
-          <a:p>
-            <a:r>
-              <a:rPr lang="es-CO" dirty="0"/>
-              <a:t>Son la definición de las funciones que el sistema será capaz de  realizar. Estos requerimientos describen las transformaciones que el sistema realiza sobre las entradas para producir las salidas (</a:t>
-            </a:r>
-            <a:r>
-              <a:rPr lang="es-CO" dirty="0" err="1"/>
-              <a:t>Árias</a:t>
-            </a:r>
-            <a:r>
-              <a:rPr lang="es-CO" dirty="0"/>
-              <a:t> Chaves, 2005).</a:t>
-            </a:r>
-          </a:p>
-          <a:p>
-            <a:endParaRPr lang="es-CO" dirty="0"/>
-          </a:p>
-        </p:txBody>
-      </p:sp>
-    </p:spTree>
-    <p:extLst>
-      <p:ext uri="{BB962C8B-B14F-4D97-AF65-F5344CB8AC3E}">
-        <p14:creationId xmlns:p14="http://schemas.microsoft.com/office/powerpoint/2010/main" val="717805033"/>
       </p:ext>
     </p:extLst>
   </p:cSld>
@@ -17805,6 +17855,103 @@
 </file>
 
 <file path=ppt/slides/slide30.xml><?xml version="1.0" encoding="utf-8"?>
+<p:sld xmlns:a="http://schemas.openxmlformats.org/drawingml/2006/main" xmlns:r="http://schemas.openxmlformats.org/officeDocument/2006/relationships" xmlns:p="http://schemas.openxmlformats.org/presentationml/2006/main">
+  <p:cSld>
+    <p:spTree>
+      <p:nvGrpSpPr>
+        <p:cNvPr id="1" name=""/>
+        <p:cNvGrpSpPr/>
+        <p:nvPr/>
+      </p:nvGrpSpPr>
+      <p:grpSpPr>
+        <a:xfrm>
+          <a:off x="0" y="0"/>
+          <a:ext cx="0" cy="0"/>
+          <a:chOff x="0" y="0"/>
+          <a:chExt cx="0" cy="0"/>
+        </a:xfrm>
+      </p:grpSpPr>
+      <p:sp>
+        <p:nvSpPr>
+          <p:cNvPr id="2" name="Título 1">
+            <a:extLst>
+              <a:ext uri="{FF2B5EF4-FFF2-40B4-BE49-F238E27FC236}">
+                <a16:creationId xmlns:a16="http://schemas.microsoft.com/office/drawing/2014/main" id="{D6C951AD-ADB4-4520-8EF2-0D457F9FBAEC}"/>
+              </a:ext>
+            </a:extLst>
+          </p:cNvPr>
+          <p:cNvSpPr>
+            <a:spLocks noGrp="1"/>
+          </p:cNvSpPr>
+          <p:nvPr>
+            <p:ph type="title"/>
+          </p:nvPr>
+        </p:nvSpPr>
+        <p:spPr/>
+        <p:txBody>
+          <a:bodyPr/>
+          <a:lstStyle/>
+          <a:p>
+            <a:r>
+              <a:rPr lang="es-CO" dirty="0"/>
+              <a:t>Requerimientos funcionales</a:t>
+            </a:r>
+          </a:p>
+        </p:txBody>
+      </p:sp>
+      <p:sp>
+        <p:nvSpPr>
+          <p:cNvPr id="3" name="Marcador de contenido 2">
+            <a:extLst>
+              <a:ext uri="{FF2B5EF4-FFF2-40B4-BE49-F238E27FC236}">
+                <a16:creationId xmlns:a16="http://schemas.microsoft.com/office/drawing/2014/main" id="{62BA3D85-AA1B-4109-8A32-FC0B1A31E18F}"/>
+              </a:ext>
+            </a:extLst>
+          </p:cNvPr>
+          <p:cNvSpPr>
+            <a:spLocks noGrp="1"/>
+          </p:cNvSpPr>
+          <p:nvPr>
+            <p:ph idx="1"/>
+          </p:nvPr>
+        </p:nvSpPr>
+        <p:spPr/>
+        <p:txBody>
+          <a:bodyPr/>
+          <a:lstStyle/>
+          <a:p>
+            <a:r>
+              <a:rPr lang="es-CO" dirty="0"/>
+              <a:t>Son la definición de las funciones que el sistema será capaz de  realizar. Estos requerimientos describen las transformaciones que el sistema realiza sobre las entradas para producir las salidas (</a:t>
+            </a:r>
+            <a:r>
+              <a:rPr lang="es-CO" dirty="0" err="1"/>
+              <a:t>Árias</a:t>
+            </a:r>
+            <a:r>
+              <a:rPr lang="es-CO" dirty="0"/>
+              <a:t> Chaves, 2005).</a:t>
+            </a:r>
+          </a:p>
+          <a:p>
+            <a:endParaRPr lang="es-CO" dirty="0"/>
+          </a:p>
+        </p:txBody>
+      </p:sp>
+    </p:spTree>
+    <p:extLst>
+      <p:ext uri="{BB962C8B-B14F-4D97-AF65-F5344CB8AC3E}">
+        <p14:creationId xmlns:p14="http://schemas.microsoft.com/office/powerpoint/2010/main" val="717805033"/>
+      </p:ext>
+    </p:extLst>
+  </p:cSld>
+  <p:clrMapOvr>
+    <a:masterClrMapping/>
+  </p:clrMapOvr>
+</p:sld>
+</file>
+
+<file path=ppt/slides/slide31.xml><?xml version="1.0" encoding="utf-8"?>
 <p:sld xmlns:a="http://schemas.openxmlformats.org/drawingml/2006/main" xmlns:r="http://schemas.openxmlformats.org/officeDocument/2006/relationships" xmlns:p="http://schemas.openxmlformats.org/presentationml/2006/main">
   <p:cSld>
     <p:spTree>
@@ -18147,7 +18294,7 @@
 </p:sld>
 </file>
 
-<file path=ppt/slides/slide31.xml><?xml version="1.0" encoding="utf-8"?>
+<file path=ppt/slides/slide32.xml><?xml version="1.0" encoding="utf-8"?>
 <p:sld xmlns:a="http://schemas.openxmlformats.org/drawingml/2006/main" xmlns:r="http://schemas.openxmlformats.org/officeDocument/2006/relationships" xmlns:p="http://schemas.openxmlformats.org/presentationml/2006/main">
   <p:cSld>
     <p:spTree>
@@ -18490,7 +18637,7 @@
 </p:sld>
 </file>
 
-<file path=ppt/slides/slide32.xml><?xml version="1.0" encoding="utf-8"?>
+<file path=ppt/slides/slide33.xml><?xml version="1.0" encoding="utf-8"?>
 <p:sld xmlns:a="http://schemas.openxmlformats.org/drawingml/2006/main" xmlns:r="http://schemas.openxmlformats.org/officeDocument/2006/relationships" xmlns:p="http://schemas.openxmlformats.org/presentationml/2006/main">
   <p:cSld>
     <p:spTree>
@@ -18577,7 +18724,7 @@
 </p:sld>
 </file>
 
-<file path=ppt/slides/slide33.xml><?xml version="1.0" encoding="utf-8"?>
+<file path=ppt/slides/slide34.xml><?xml version="1.0" encoding="utf-8"?>
 <p:sld xmlns:a="http://schemas.openxmlformats.org/drawingml/2006/main" xmlns:r="http://schemas.openxmlformats.org/officeDocument/2006/relationships" xmlns:p="http://schemas.openxmlformats.org/presentationml/2006/main">
   <p:cSld>
     <p:spTree>
@@ -18923,6 +19070,356 @@
     <p:extLst>
       <p:ext uri="{BB962C8B-B14F-4D97-AF65-F5344CB8AC3E}">
         <p14:creationId xmlns:p14="http://schemas.microsoft.com/office/powerpoint/2010/main" val="2413226412"/>
+      </p:ext>
+    </p:extLst>
+  </p:cSld>
+  <p:clrMapOvr>
+    <a:masterClrMapping/>
+  </p:clrMapOvr>
+</p:sld>
+</file>
+
+<file path=ppt/slides/slide35.xml><?xml version="1.0" encoding="utf-8"?>
+<p:sld xmlns:a="http://schemas.openxmlformats.org/drawingml/2006/main" xmlns:r="http://schemas.openxmlformats.org/officeDocument/2006/relationships" xmlns:p="http://schemas.openxmlformats.org/presentationml/2006/main">
+  <p:cSld>
+    <p:spTree>
+      <p:nvGrpSpPr>
+        <p:cNvPr id="1" name=""/>
+        <p:cNvGrpSpPr/>
+        <p:nvPr/>
+      </p:nvGrpSpPr>
+      <p:grpSpPr>
+        <a:xfrm>
+          <a:off x="0" y="0"/>
+          <a:ext cx="0" cy="0"/>
+          <a:chOff x="0" y="0"/>
+          <a:chExt cx="0" cy="0"/>
+        </a:xfrm>
+      </p:grpSpPr>
+      <p:sp>
+        <p:nvSpPr>
+          <p:cNvPr id="2" name="Título 1">
+            <a:extLst>
+              <a:ext uri="{FF2B5EF4-FFF2-40B4-BE49-F238E27FC236}">
+                <a16:creationId xmlns:a16="http://schemas.microsoft.com/office/drawing/2014/main" id="{A544CF25-2F8F-BC45-9D5E-B7214CD84D05}"/>
+              </a:ext>
+            </a:extLst>
+          </p:cNvPr>
+          <p:cNvSpPr>
+            <a:spLocks noGrp="1"/>
+          </p:cNvSpPr>
+          <p:nvPr>
+            <p:ph type="title"/>
+          </p:nvPr>
+        </p:nvSpPr>
+        <p:spPr/>
+        <p:txBody>
+          <a:bodyPr/>
+          <a:lstStyle/>
+          <a:p>
+            <a:r>
+              <a:rPr lang="es-CO" dirty="0"/>
+              <a:t>Requerimientos funcionales</a:t>
+            </a:r>
+          </a:p>
+        </p:txBody>
+      </p:sp>
+      <p:graphicFrame>
+        <p:nvGraphicFramePr>
+          <p:cNvPr id="4" name="Tabla 4">
+            <a:extLst>
+              <a:ext uri="{FF2B5EF4-FFF2-40B4-BE49-F238E27FC236}">
+                <a16:creationId xmlns:a16="http://schemas.microsoft.com/office/drawing/2014/main" id="{104B1BC5-C194-6A4D-BF36-86B68BC29C6E}"/>
+              </a:ext>
+            </a:extLst>
+          </p:cNvPr>
+          <p:cNvGraphicFramePr>
+            <a:graphicFrameLocks noGrp="1"/>
+          </p:cNvGraphicFramePr>
+          <p:nvPr>
+            <p:ph idx="1"/>
+          </p:nvPr>
+        </p:nvGraphicFramePr>
+        <p:xfrm>
+          <a:off x="5118100" y="803275"/>
+          <a:ext cx="6281738" cy="4373880"/>
+        </p:xfrm>
+        <a:graphic>
+          <a:graphicData uri="http://schemas.openxmlformats.org/drawingml/2006/table">
+            <a:tbl>
+              <a:tblPr firstRow="1" bandRow="1">
+                <a:tableStyleId>{5C22544A-7EE6-4342-B048-85BDC9FD1C3A}</a:tableStyleId>
+              </a:tblPr>
+              <a:tblGrid>
+                <a:gridCol w="3140869">
+                  <a:extLst>
+                    <a:ext uri="{9D8B030D-6E8A-4147-A177-3AD203B41FA5}">
+                      <a16:colId xmlns:a16="http://schemas.microsoft.com/office/drawing/2014/main" val="1589146686"/>
+                    </a:ext>
+                  </a:extLst>
+                </a:gridCol>
+                <a:gridCol w="3140869">
+                  <a:extLst>
+                    <a:ext uri="{9D8B030D-6E8A-4147-A177-3AD203B41FA5}">
+                      <a16:colId xmlns:a16="http://schemas.microsoft.com/office/drawing/2014/main" val="1463651238"/>
+                    </a:ext>
+                  </a:extLst>
+                </a:gridCol>
+              </a:tblGrid>
+              <a:tr h="370840">
+                <a:tc>
+                  <a:txBody>
+                    <a:bodyPr/>
+                    <a:lstStyle/>
+                    <a:p>
+                      <a:r>
+                        <a:rPr lang="es-CO" sz="1400" dirty="0"/>
+                        <a:t>Identificación del requerimiento</a:t>
+                      </a:r>
+                    </a:p>
+                  </a:txBody>
+                  <a:tcPr/>
+                </a:tc>
+                <a:tc>
+                  <a:txBody>
+                    <a:bodyPr/>
+                    <a:lstStyle/>
+                    <a:p>
+                      <a:r>
+                        <a:rPr lang="es-CO" sz="1400" dirty="0"/>
+                        <a:t>RF05</a:t>
+                      </a:r>
+                    </a:p>
+                  </a:txBody>
+                  <a:tcPr/>
+                </a:tc>
+                <a:extLst>
+                  <a:ext uri="{0D108BD9-81ED-4DB2-BD59-A6C34878D82A}">
+                    <a16:rowId xmlns:a16="http://schemas.microsoft.com/office/drawing/2014/main" val="3568786682"/>
+                  </a:ext>
+                </a:extLst>
+              </a:tr>
+              <a:tr h="370840">
+                <a:tc>
+                  <a:txBody>
+                    <a:bodyPr/>
+                    <a:lstStyle/>
+                    <a:p>
+                      <a:r>
+                        <a:rPr lang="es-CO" sz="1400" dirty="0"/>
+                        <a:t>Nombre del requerimiento</a:t>
+                      </a:r>
+                    </a:p>
+                  </a:txBody>
+                  <a:tcPr/>
+                </a:tc>
+                <a:tc>
+                  <a:txBody>
+                    <a:bodyPr/>
+                    <a:lstStyle/>
+                    <a:p>
+                      <a:r>
+                        <a:rPr lang="es-CO" sz="1400" dirty="0"/>
+                        <a:t>Consultar notas</a:t>
+                      </a:r>
+                    </a:p>
+                  </a:txBody>
+                  <a:tcPr/>
+                </a:tc>
+                <a:extLst>
+                  <a:ext uri="{0D108BD9-81ED-4DB2-BD59-A6C34878D82A}">
+                    <a16:rowId xmlns:a16="http://schemas.microsoft.com/office/drawing/2014/main" val="2616514354"/>
+                  </a:ext>
+                </a:extLst>
+              </a:tr>
+              <a:tr h="370840">
+                <a:tc>
+                  <a:txBody>
+                    <a:bodyPr/>
+                    <a:lstStyle/>
+                    <a:p>
+                      <a:r>
+                        <a:rPr lang="es-CO" sz="1400" dirty="0"/>
+                        <a:t>Características</a:t>
+                      </a:r>
+                    </a:p>
+                  </a:txBody>
+                  <a:tcPr/>
+                </a:tc>
+                <a:tc>
+                  <a:txBody>
+                    <a:bodyPr/>
+                    <a:lstStyle/>
+                    <a:p>
+                      <a:r>
+                        <a:rPr lang="es-CO" sz="1400" dirty="0"/>
+                        <a:t>El sistema debe permitir la consulta de notas.</a:t>
+                      </a:r>
+                    </a:p>
+                  </a:txBody>
+                  <a:tcPr/>
+                </a:tc>
+                <a:extLst>
+                  <a:ext uri="{0D108BD9-81ED-4DB2-BD59-A6C34878D82A}">
+                    <a16:rowId xmlns:a16="http://schemas.microsoft.com/office/drawing/2014/main" val="1942680024"/>
+                  </a:ext>
+                </a:extLst>
+              </a:tr>
+              <a:tr h="370840">
+                <a:tc>
+                  <a:txBody>
+                    <a:bodyPr/>
+                    <a:lstStyle/>
+                    <a:p>
+                      <a:r>
+                        <a:rPr lang="es-CO" sz="1400" dirty="0"/>
+                        <a:t>Descripción del requerimiento</a:t>
+                      </a:r>
+                    </a:p>
+                  </a:txBody>
+                  <a:tcPr/>
+                </a:tc>
+                <a:tc>
+                  <a:txBody>
+                    <a:bodyPr/>
+                    <a:lstStyle/>
+                    <a:p>
+                      <a:r>
+                        <a:rPr lang="es-CO" sz="1400" dirty="0"/>
+                        <a:t>El rol de estudiante puede consultar las calificaciones de todas las asignaturas.</a:t>
+                      </a:r>
+                    </a:p>
+                  </a:txBody>
+                  <a:tcPr/>
+                </a:tc>
+                <a:extLst>
+                  <a:ext uri="{0D108BD9-81ED-4DB2-BD59-A6C34878D82A}">
+                    <a16:rowId xmlns:a16="http://schemas.microsoft.com/office/drawing/2014/main" val="2968710298"/>
+                  </a:ext>
+                </a:extLst>
+              </a:tr>
+              <a:tr h="370840">
+                <a:tc>
+                  <a:txBody>
+                    <a:bodyPr/>
+                    <a:lstStyle/>
+                    <a:p>
+                      <a:r>
+                        <a:rPr lang="es-CO" sz="1400" dirty="0"/>
+                        <a:t>Requerimientos no funcionales</a:t>
+                      </a:r>
+                    </a:p>
+                  </a:txBody>
+                  <a:tcPr/>
+                </a:tc>
+                <a:tc>
+                  <a:txBody>
+                    <a:bodyPr/>
+                    <a:lstStyle/>
+                    <a:p>
+                      <a:r>
+                        <a:rPr lang="es-CO" sz="1400" dirty="0"/>
+                        <a:t>RNF01</a:t>
+                      </a:r>
+                    </a:p>
+                    <a:p>
+                      <a:r>
+                        <a:rPr lang="es-CO" sz="1400" dirty="0"/>
+                        <a:t>RNF08</a:t>
+                      </a:r>
+                    </a:p>
+                    <a:p>
+                      <a:r>
+                        <a:rPr lang="es-CO" sz="1400" dirty="0"/>
+                        <a:t>RNF09</a:t>
+                      </a:r>
+                    </a:p>
+                    <a:p>
+                      <a:r>
+                        <a:rPr lang="es-CO" sz="1400" dirty="0"/>
+                        <a:t>RNF10</a:t>
+                      </a:r>
+                    </a:p>
+                    <a:p>
+                      <a:r>
+                        <a:rPr lang="es-CO" sz="1400" dirty="0"/>
+                        <a:t>RNF11</a:t>
+                      </a:r>
+                    </a:p>
+                    <a:p>
+                      <a:r>
+                        <a:rPr lang="es-CO" sz="1400" dirty="0"/>
+                        <a:t>RNF13</a:t>
+                      </a:r>
+                    </a:p>
+                    <a:p>
+                      <a:r>
+                        <a:rPr lang="es-CO" sz="1400" dirty="0"/>
+                        <a:t>RNF14</a:t>
+                      </a:r>
+                    </a:p>
+                    <a:p>
+                      <a:r>
+                        <a:rPr lang="es-CO" sz="1400" dirty="0"/>
+                        <a:t>RNF15</a:t>
+                      </a:r>
+                    </a:p>
+                    <a:p>
+                      <a:r>
+                        <a:rPr lang="es-CO" sz="1400" dirty="0"/>
+                        <a:t>RNF16</a:t>
+                      </a:r>
+                    </a:p>
+                  </a:txBody>
+                  <a:tcPr/>
+                </a:tc>
+                <a:extLst>
+                  <a:ext uri="{0D108BD9-81ED-4DB2-BD59-A6C34878D82A}">
+                    <a16:rowId xmlns:a16="http://schemas.microsoft.com/office/drawing/2014/main" val="302045704"/>
+                  </a:ext>
+                </a:extLst>
+              </a:tr>
+              <a:tr h="370840">
+                <a:tc>
+                  <a:txBody>
+                    <a:bodyPr/>
+                    <a:lstStyle/>
+                    <a:p>
+                      <a:r>
+                        <a:rPr lang="es-CO" sz="1400" dirty="0"/>
+                        <a:t>Prioridad del requerimiento</a:t>
+                      </a:r>
+                    </a:p>
+                  </a:txBody>
+                  <a:tcPr/>
+                </a:tc>
+                <a:tc>
+                  <a:txBody>
+                    <a:bodyPr/>
+                    <a:lstStyle/>
+                    <a:p>
+                      <a:r>
+                        <a:rPr lang="es-CO" sz="1400" dirty="0"/>
+                        <a:t>Alta</a:t>
+                      </a:r>
+                    </a:p>
+                  </a:txBody>
+                  <a:tcPr/>
+                </a:tc>
+                <a:extLst>
+                  <a:ext uri="{0D108BD9-81ED-4DB2-BD59-A6C34878D82A}">
+                    <a16:rowId xmlns:a16="http://schemas.microsoft.com/office/drawing/2014/main" val="2916724385"/>
+                  </a:ext>
+                </a:extLst>
+              </a:tr>
+            </a:tbl>
+          </a:graphicData>
+        </a:graphic>
+      </p:graphicFrame>
+    </p:spTree>
+    <p:extLst>
+      <p:ext uri="{BB962C8B-B14F-4D97-AF65-F5344CB8AC3E}">
+        <p14:creationId xmlns:p14="http://schemas.microsoft.com/office/powerpoint/2010/main" val="2228093507"/>
       </p:ext>
     </p:extLst>
   </p:cSld>

--- a/PLANTEAMIENTO_DEL_PROBLEMA.pptx
+++ b/PLANTEAMIENTO_DEL_PROBLEMA.pptx
@@ -40,6 +40,10 @@
     <p:sldId id="288" r:id="rId34"/>
     <p:sldId id="289" r:id="rId35"/>
     <p:sldId id="292" r:id="rId36"/>
+    <p:sldId id="293" r:id="rId37"/>
+    <p:sldId id="294" r:id="rId38"/>
+    <p:sldId id="295" r:id="rId39"/>
+    <p:sldId id="296" r:id="rId40"/>
   </p:sldIdLst>
   <p:sldSz cx="12192000" cy="6858000"/>
   <p:notesSz cx="6858000" cy="9144000"/>
@@ -1555,7 +1559,7 @@
           <a:p>
             <a:fld id="{D253BB75-C9F5-8342-9D8A-C2F31092015F}" type="datetimeFigureOut">
               <a:rPr lang="es-CO" smtClean="0"/>
-              <a:t>8/03/21</a:t>
+              <a:t>8/03/2021</a:t>
             </a:fld>
             <a:endParaRPr lang="es-CO"/>
           </a:p>
@@ -3014,7 +3018,7 @@
           <a:p>
             <a:fld id="{D253BB75-C9F5-8342-9D8A-C2F31092015F}" type="datetimeFigureOut">
               <a:rPr lang="es-CO" smtClean="0"/>
-              <a:t>8/03/21</a:t>
+              <a:t>8/03/2021</a:t>
             </a:fld>
             <a:endParaRPr lang="es-CO"/>
           </a:p>
@@ -4467,7 +4471,7 @@
           <a:p>
             <a:fld id="{D253BB75-C9F5-8342-9D8A-C2F31092015F}" type="datetimeFigureOut">
               <a:rPr lang="es-CO" smtClean="0"/>
-              <a:t>8/03/21</a:t>
+              <a:t>8/03/2021</a:t>
             </a:fld>
             <a:endParaRPr lang="es-CO"/>
           </a:p>
@@ -5922,7 +5926,7 @@
           <a:p>
             <a:fld id="{D253BB75-C9F5-8342-9D8A-C2F31092015F}" type="datetimeFigureOut">
               <a:rPr lang="es-CO" smtClean="0"/>
-              <a:t>8/03/21</a:t>
+              <a:t>8/03/2021</a:t>
             </a:fld>
             <a:endParaRPr lang="es-CO"/>
           </a:p>
@@ -7430,7 +7434,7 @@
           <a:p>
             <a:fld id="{D253BB75-C9F5-8342-9D8A-C2F31092015F}" type="datetimeFigureOut">
               <a:rPr lang="es-CO" smtClean="0"/>
-              <a:t>8/03/21</a:t>
+              <a:t>8/03/2021</a:t>
             </a:fld>
             <a:endParaRPr lang="es-CO"/>
           </a:p>
@@ -8951,7 +8955,7 @@
           <a:p>
             <a:fld id="{D253BB75-C9F5-8342-9D8A-C2F31092015F}" type="datetimeFigureOut">
               <a:rPr lang="es-CO" smtClean="0"/>
-              <a:t>8/03/21</a:t>
+              <a:t>8/03/2021</a:t>
             </a:fld>
             <a:endParaRPr lang="es-CO"/>
           </a:p>
@@ -10616,7 +10620,7 @@
           <a:p>
             <a:fld id="{D253BB75-C9F5-8342-9D8A-C2F31092015F}" type="datetimeFigureOut">
               <a:rPr lang="es-CO" smtClean="0"/>
-              <a:t>8/03/21</a:t>
+              <a:t>8/03/2021</a:t>
             </a:fld>
             <a:endParaRPr lang="es-CO"/>
           </a:p>
@@ -12014,7 +12018,7 @@
           <a:p>
             <a:fld id="{D253BB75-C9F5-8342-9D8A-C2F31092015F}" type="datetimeFigureOut">
               <a:rPr lang="es-CO" smtClean="0"/>
-              <a:t>8/03/21</a:t>
+              <a:t>8/03/2021</a:t>
             </a:fld>
             <a:endParaRPr lang="es-CO"/>
           </a:p>
@@ -12114,7 +12118,7 @@
           <a:p>
             <a:fld id="{D253BB75-C9F5-8342-9D8A-C2F31092015F}" type="datetimeFigureOut">
               <a:rPr lang="es-CO" smtClean="0"/>
-              <a:t>8/03/21</a:t>
+              <a:t>8/03/2021</a:t>
             </a:fld>
             <a:endParaRPr lang="es-CO"/>
           </a:p>
@@ -13640,7 +13644,7 @@
           <a:p>
             <a:fld id="{D253BB75-C9F5-8342-9D8A-C2F31092015F}" type="datetimeFigureOut">
               <a:rPr lang="es-CO" smtClean="0"/>
-              <a:t>8/03/21</a:t>
+              <a:t>8/03/2021</a:t>
             </a:fld>
             <a:endParaRPr lang="es-CO"/>
           </a:p>
@@ -15176,7 +15180,7 @@
           <a:p>
             <a:fld id="{D253BB75-C9F5-8342-9D8A-C2F31092015F}" type="datetimeFigureOut">
               <a:rPr lang="es-CO" smtClean="0"/>
-              <a:t>8/03/21</a:t>
+              <a:t>8/03/2021</a:t>
             </a:fld>
             <a:endParaRPr lang="es-CO"/>
           </a:p>
@@ -15399,7 +15403,7 @@
           <a:p>
             <a:fld id="{D253BB75-C9F5-8342-9D8A-C2F31092015F}" type="datetimeFigureOut">
               <a:rPr lang="es-CO" smtClean="0"/>
-              <a:t>8/03/21</a:t>
+              <a:t>8/03/2021</a:t>
             </a:fld>
             <a:endParaRPr lang="es-CO"/>
           </a:p>
@@ -19429,6 +19433,886 @@
 </p:sld>
 </file>
 
+<file path=ppt/slides/slide36.xml><?xml version="1.0" encoding="utf-8"?>
+<p:sld xmlns:a="http://schemas.openxmlformats.org/drawingml/2006/main" xmlns:r="http://schemas.openxmlformats.org/officeDocument/2006/relationships" xmlns:p="http://schemas.openxmlformats.org/presentationml/2006/main">
+  <p:cSld>
+    <p:spTree>
+      <p:nvGrpSpPr>
+        <p:cNvPr id="1" name=""/>
+        <p:cNvGrpSpPr/>
+        <p:nvPr/>
+      </p:nvGrpSpPr>
+      <p:grpSpPr>
+        <a:xfrm>
+          <a:off x="0" y="0"/>
+          <a:ext cx="0" cy="0"/>
+          <a:chOff x="0" y="0"/>
+          <a:chExt cx="0" cy="0"/>
+        </a:xfrm>
+      </p:grpSpPr>
+      <p:sp>
+        <p:nvSpPr>
+          <p:cNvPr id="2" name="Título 1">
+            <a:extLst>
+              <a:ext uri="{FF2B5EF4-FFF2-40B4-BE49-F238E27FC236}">
+                <a16:creationId xmlns:a16="http://schemas.microsoft.com/office/drawing/2014/main" id="{F309AD44-898D-45CE-85F6-9EECB26B077E}"/>
+              </a:ext>
+            </a:extLst>
+          </p:cNvPr>
+          <p:cNvSpPr>
+            <a:spLocks noGrp="1"/>
+          </p:cNvSpPr>
+          <p:nvPr>
+            <p:ph type="title"/>
+          </p:nvPr>
+        </p:nvSpPr>
+        <p:spPr/>
+        <p:txBody>
+          <a:bodyPr/>
+          <a:lstStyle/>
+          <a:p>
+            <a:r>
+              <a:rPr lang="es-CO" dirty="0"/>
+              <a:t>Requerimientos no funcionales</a:t>
+            </a:r>
+          </a:p>
+        </p:txBody>
+      </p:sp>
+    </p:spTree>
+    <p:extLst>
+      <p:ext uri="{BB962C8B-B14F-4D97-AF65-F5344CB8AC3E}">
+        <p14:creationId xmlns:p14="http://schemas.microsoft.com/office/powerpoint/2010/main" val="254431995"/>
+      </p:ext>
+    </p:extLst>
+  </p:cSld>
+  <p:clrMapOvr>
+    <a:masterClrMapping/>
+  </p:clrMapOvr>
+</p:sld>
+</file>
+
+<file path=ppt/slides/slide37.xml><?xml version="1.0" encoding="utf-8"?>
+<p:sld xmlns:a="http://schemas.openxmlformats.org/drawingml/2006/main" xmlns:r="http://schemas.openxmlformats.org/officeDocument/2006/relationships" xmlns:p="http://schemas.openxmlformats.org/presentationml/2006/main">
+  <p:cSld>
+    <p:spTree>
+      <p:nvGrpSpPr>
+        <p:cNvPr id="1" name=""/>
+        <p:cNvGrpSpPr/>
+        <p:nvPr/>
+      </p:nvGrpSpPr>
+      <p:grpSpPr>
+        <a:xfrm>
+          <a:off x="0" y="0"/>
+          <a:ext cx="0" cy="0"/>
+          <a:chOff x="0" y="0"/>
+          <a:chExt cx="0" cy="0"/>
+        </a:xfrm>
+      </p:grpSpPr>
+      <p:sp>
+        <p:nvSpPr>
+          <p:cNvPr id="2" name="Título 1">
+            <a:extLst>
+              <a:ext uri="{FF2B5EF4-FFF2-40B4-BE49-F238E27FC236}">
+                <a16:creationId xmlns:a16="http://schemas.microsoft.com/office/drawing/2014/main" id="{939ABE99-3B14-4C96-9B12-73C0849318E2}"/>
+              </a:ext>
+            </a:extLst>
+          </p:cNvPr>
+          <p:cNvSpPr>
+            <a:spLocks noGrp="1"/>
+          </p:cNvSpPr>
+          <p:nvPr>
+            <p:ph type="title"/>
+          </p:nvPr>
+        </p:nvSpPr>
+        <p:spPr/>
+        <p:txBody>
+          <a:bodyPr/>
+          <a:lstStyle/>
+          <a:p>
+            <a:r>
+              <a:rPr lang="es-CO" dirty="0"/>
+              <a:t>Requerimientos no funcionales</a:t>
+            </a:r>
+          </a:p>
+        </p:txBody>
+      </p:sp>
+      <p:graphicFrame>
+        <p:nvGraphicFramePr>
+          <p:cNvPr id="4" name="Tabla 4">
+            <a:extLst>
+              <a:ext uri="{FF2B5EF4-FFF2-40B4-BE49-F238E27FC236}">
+                <a16:creationId xmlns:a16="http://schemas.microsoft.com/office/drawing/2014/main" id="{A370161D-0DE9-4275-9BAD-FBDF53CE83C8}"/>
+              </a:ext>
+            </a:extLst>
+          </p:cNvPr>
+          <p:cNvGraphicFramePr>
+            <a:graphicFrameLocks noGrp="1"/>
+          </p:cNvGraphicFramePr>
+          <p:nvPr>
+            <p:ph idx="1"/>
+            <p:extLst>
+              <p:ext uri="{D42A27DB-BD31-4B8C-83A1-F6EECF244321}">
+                <p14:modId xmlns:p14="http://schemas.microsoft.com/office/powerpoint/2010/main" val="576214947"/>
+              </p:ext>
+            </p:extLst>
+          </p:nvPr>
+        </p:nvGraphicFramePr>
+        <p:xfrm>
+          <a:off x="5118100" y="1876624"/>
+          <a:ext cx="6281738" cy="2931160"/>
+        </p:xfrm>
+        <a:graphic>
+          <a:graphicData uri="http://schemas.openxmlformats.org/drawingml/2006/table">
+            <a:tbl>
+              <a:tblPr firstRow="1" bandRow="1">
+                <a:tableStyleId>{5C22544A-7EE6-4342-B048-85BDC9FD1C3A}</a:tableStyleId>
+              </a:tblPr>
+              <a:tblGrid>
+                <a:gridCol w="3140869">
+                  <a:extLst>
+                    <a:ext uri="{9D8B030D-6E8A-4147-A177-3AD203B41FA5}">
+                      <a16:colId xmlns:a16="http://schemas.microsoft.com/office/drawing/2014/main" val="2405063638"/>
+                    </a:ext>
+                  </a:extLst>
+                </a:gridCol>
+                <a:gridCol w="3140869">
+                  <a:extLst>
+                    <a:ext uri="{9D8B030D-6E8A-4147-A177-3AD203B41FA5}">
+                      <a16:colId xmlns:a16="http://schemas.microsoft.com/office/drawing/2014/main" val="3099478781"/>
+                    </a:ext>
+                  </a:extLst>
+                </a:gridCol>
+              </a:tblGrid>
+              <a:tr h="370840">
+                <a:tc>
+                  <a:txBody>
+                    <a:bodyPr/>
+                    <a:lstStyle/>
+                    <a:p>
+                      <a:r>
+                        <a:rPr lang="es-CO" dirty="0"/>
+                        <a:t>Identificación del requerimiento</a:t>
+                      </a:r>
+                    </a:p>
+                  </a:txBody>
+                  <a:tcPr/>
+                </a:tc>
+                <a:tc>
+                  <a:txBody>
+                    <a:bodyPr/>
+                    <a:lstStyle/>
+                    <a:p>
+                      <a:r>
+                        <a:rPr lang="es-CO" dirty="0"/>
+                        <a:t>RNF01</a:t>
+                      </a:r>
+                    </a:p>
+                  </a:txBody>
+                  <a:tcPr/>
+                </a:tc>
+                <a:extLst>
+                  <a:ext uri="{0D108BD9-81ED-4DB2-BD59-A6C34878D82A}">
+                    <a16:rowId xmlns:a16="http://schemas.microsoft.com/office/drawing/2014/main" val="3120795479"/>
+                  </a:ext>
+                </a:extLst>
+              </a:tr>
+              <a:tr h="370840">
+                <a:tc>
+                  <a:txBody>
+                    <a:bodyPr/>
+                    <a:lstStyle/>
+                    <a:p>
+                      <a:r>
+                        <a:rPr lang="es-CO" dirty="0"/>
+                        <a:t>Nombre del requerimiento</a:t>
+                      </a:r>
+                    </a:p>
+                  </a:txBody>
+                  <a:tcPr/>
+                </a:tc>
+                <a:tc>
+                  <a:txBody>
+                    <a:bodyPr/>
+                    <a:lstStyle/>
+                    <a:p>
+                      <a:r>
+                        <a:rPr lang="es-CO" dirty="0"/>
+                        <a:t>Interfaz del sistema</a:t>
+                      </a:r>
+                    </a:p>
+                  </a:txBody>
+                  <a:tcPr/>
+                </a:tc>
+                <a:extLst>
+                  <a:ext uri="{0D108BD9-81ED-4DB2-BD59-A6C34878D82A}">
+                    <a16:rowId xmlns:a16="http://schemas.microsoft.com/office/drawing/2014/main" val="1343925762"/>
+                  </a:ext>
+                </a:extLst>
+              </a:tr>
+              <a:tr h="370840">
+                <a:tc>
+                  <a:txBody>
+                    <a:bodyPr/>
+                    <a:lstStyle/>
+                    <a:p>
+                      <a:r>
+                        <a:rPr lang="es-CO" dirty="0"/>
+                        <a:t>Caracterísitcas</a:t>
+                      </a:r>
+                    </a:p>
+                  </a:txBody>
+                  <a:tcPr/>
+                </a:tc>
+                <a:tc>
+                  <a:txBody>
+                    <a:bodyPr/>
+                    <a:lstStyle/>
+                    <a:p>
+                      <a:r>
+                        <a:rPr lang="es-CO" dirty="0"/>
+                        <a:t>El sistema debe ser sencillo y amigable para el usuario</a:t>
+                      </a:r>
+                    </a:p>
+                  </a:txBody>
+                  <a:tcPr/>
+                </a:tc>
+                <a:extLst>
+                  <a:ext uri="{0D108BD9-81ED-4DB2-BD59-A6C34878D82A}">
+                    <a16:rowId xmlns:a16="http://schemas.microsoft.com/office/drawing/2014/main" val="769886354"/>
+                  </a:ext>
+                </a:extLst>
+              </a:tr>
+              <a:tr h="370840">
+                <a:tc>
+                  <a:txBody>
+                    <a:bodyPr/>
+                    <a:lstStyle/>
+                    <a:p>
+                      <a:r>
+                        <a:rPr lang="es-CO" dirty="0"/>
+                        <a:t>Descripción del requerimiento</a:t>
+                      </a:r>
+                    </a:p>
+                  </a:txBody>
+                  <a:tcPr/>
+                </a:tc>
+                <a:tc>
+                  <a:txBody>
+                    <a:bodyPr/>
+                    <a:lstStyle/>
+                    <a:p>
+                      <a:r>
+                        <a:rPr lang="es-CO" dirty="0"/>
+                        <a:t>La interfaz debe ser sencilla</a:t>
+                      </a:r>
+                    </a:p>
+                  </a:txBody>
+                  <a:tcPr/>
+                </a:tc>
+                <a:extLst>
+                  <a:ext uri="{0D108BD9-81ED-4DB2-BD59-A6C34878D82A}">
+                    <a16:rowId xmlns:a16="http://schemas.microsoft.com/office/drawing/2014/main" val="2397840479"/>
+                  </a:ext>
+                </a:extLst>
+              </a:tr>
+              <a:tr h="370840">
+                <a:tc>
+                  <a:txBody>
+                    <a:bodyPr/>
+                    <a:lstStyle/>
+                    <a:p>
+                      <a:r>
+                        <a:rPr lang="es-CO" dirty="0"/>
+                        <a:t>Prioridad del requerimiento</a:t>
+                      </a:r>
+                    </a:p>
+                  </a:txBody>
+                  <a:tcPr/>
+                </a:tc>
+                <a:tc>
+                  <a:txBody>
+                    <a:bodyPr/>
+                    <a:lstStyle/>
+                    <a:p>
+                      <a:r>
+                        <a:rPr lang="es-CO" dirty="0"/>
+                        <a:t>Alta</a:t>
+                      </a:r>
+                    </a:p>
+                  </a:txBody>
+                  <a:tcPr/>
+                </a:tc>
+                <a:extLst>
+                  <a:ext uri="{0D108BD9-81ED-4DB2-BD59-A6C34878D82A}">
+                    <a16:rowId xmlns:a16="http://schemas.microsoft.com/office/drawing/2014/main" val="1876826554"/>
+                  </a:ext>
+                </a:extLst>
+              </a:tr>
+            </a:tbl>
+          </a:graphicData>
+        </a:graphic>
+      </p:graphicFrame>
+    </p:spTree>
+    <p:extLst>
+      <p:ext uri="{BB962C8B-B14F-4D97-AF65-F5344CB8AC3E}">
+        <p14:creationId xmlns:p14="http://schemas.microsoft.com/office/powerpoint/2010/main" val="4264451195"/>
+      </p:ext>
+    </p:extLst>
+  </p:cSld>
+  <p:clrMapOvr>
+    <a:masterClrMapping/>
+  </p:clrMapOvr>
+</p:sld>
+</file>
+
+<file path=ppt/slides/slide38.xml><?xml version="1.0" encoding="utf-8"?>
+<p:sld xmlns:a="http://schemas.openxmlformats.org/drawingml/2006/main" xmlns:r="http://schemas.openxmlformats.org/officeDocument/2006/relationships" xmlns:p="http://schemas.openxmlformats.org/presentationml/2006/main">
+  <p:cSld>
+    <p:spTree>
+      <p:nvGrpSpPr>
+        <p:cNvPr id="1" name=""/>
+        <p:cNvGrpSpPr/>
+        <p:nvPr/>
+      </p:nvGrpSpPr>
+      <p:grpSpPr>
+        <a:xfrm>
+          <a:off x="0" y="0"/>
+          <a:ext cx="0" cy="0"/>
+          <a:chOff x="0" y="0"/>
+          <a:chExt cx="0" cy="0"/>
+        </a:xfrm>
+      </p:grpSpPr>
+      <p:sp>
+        <p:nvSpPr>
+          <p:cNvPr id="2" name="Título 1">
+            <a:extLst>
+              <a:ext uri="{FF2B5EF4-FFF2-40B4-BE49-F238E27FC236}">
+                <a16:creationId xmlns:a16="http://schemas.microsoft.com/office/drawing/2014/main" id="{178FD51D-A159-4700-8953-05A9A8556F05}"/>
+              </a:ext>
+            </a:extLst>
+          </p:cNvPr>
+          <p:cNvSpPr>
+            <a:spLocks noGrp="1"/>
+          </p:cNvSpPr>
+          <p:nvPr>
+            <p:ph type="title"/>
+          </p:nvPr>
+        </p:nvSpPr>
+        <p:spPr/>
+        <p:txBody>
+          <a:bodyPr/>
+          <a:lstStyle/>
+          <a:p>
+            <a:r>
+              <a:rPr lang="es-CO" dirty="0"/>
+              <a:t>Requerimientos no funcionales</a:t>
+            </a:r>
+          </a:p>
+        </p:txBody>
+      </p:sp>
+      <p:graphicFrame>
+        <p:nvGraphicFramePr>
+          <p:cNvPr id="4" name="Tabla 4">
+            <a:extLst>
+              <a:ext uri="{FF2B5EF4-FFF2-40B4-BE49-F238E27FC236}">
+                <a16:creationId xmlns:a16="http://schemas.microsoft.com/office/drawing/2014/main" id="{6B38E0D9-26AD-4385-A7E2-4F0936985EA5}"/>
+              </a:ext>
+            </a:extLst>
+          </p:cNvPr>
+          <p:cNvGraphicFramePr>
+            <a:graphicFrameLocks noGrp="1"/>
+          </p:cNvGraphicFramePr>
+          <p:nvPr>
+            <p:ph idx="1"/>
+            <p:extLst>
+              <p:ext uri="{D42A27DB-BD31-4B8C-83A1-F6EECF244321}">
+                <p14:modId xmlns:p14="http://schemas.microsoft.com/office/powerpoint/2010/main" val="1284164895"/>
+              </p:ext>
+            </p:extLst>
+          </p:nvPr>
+        </p:nvGraphicFramePr>
+        <p:xfrm>
+          <a:off x="5021631" y="1326567"/>
+          <a:ext cx="6281738" cy="3479800"/>
+        </p:xfrm>
+        <a:graphic>
+          <a:graphicData uri="http://schemas.openxmlformats.org/drawingml/2006/table">
+            <a:tbl>
+              <a:tblPr firstRow="1" bandRow="1">
+                <a:tableStyleId>{5C22544A-7EE6-4342-B048-85BDC9FD1C3A}</a:tableStyleId>
+              </a:tblPr>
+              <a:tblGrid>
+                <a:gridCol w="3140869">
+                  <a:extLst>
+                    <a:ext uri="{9D8B030D-6E8A-4147-A177-3AD203B41FA5}">
+                      <a16:colId xmlns:a16="http://schemas.microsoft.com/office/drawing/2014/main" val="2405063638"/>
+                    </a:ext>
+                  </a:extLst>
+                </a:gridCol>
+                <a:gridCol w="3140869">
+                  <a:extLst>
+                    <a:ext uri="{9D8B030D-6E8A-4147-A177-3AD203B41FA5}">
+                      <a16:colId xmlns:a16="http://schemas.microsoft.com/office/drawing/2014/main" val="3099478781"/>
+                    </a:ext>
+                  </a:extLst>
+                </a:gridCol>
+              </a:tblGrid>
+              <a:tr h="370840">
+                <a:tc>
+                  <a:txBody>
+                    <a:bodyPr/>
+                    <a:lstStyle/>
+                    <a:p>
+                      <a:r>
+                        <a:rPr lang="es-CO" dirty="0"/>
+                        <a:t>Identificación del requerimiento</a:t>
+                      </a:r>
+                    </a:p>
+                  </a:txBody>
+                  <a:tcPr/>
+                </a:tc>
+                <a:tc>
+                  <a:txBody>
+                    <a:bodyPr/>
+                    <a:lstStyle/>
+                    <a:p>
+                      <a:r>
+                        <a:rPr lang="es-CO" dirty="0"/>
+                        <a:t>RNF002</a:t>
+                      </a:r>
+                    </a:p>
+                  </a:txBody>
+                  <a:tcPr/>
+                </a:tc>
+                <a:extLst>
+                  <a:ext uri="{0D108BD9-81ED-4DB2-BD59-A6C34878D82A}">
+                    <a16:rowId xmlns:a16="http://schemas.microsoft.com/office/drawing/2014/main" val="3120795479"/>
+                  </a:ext>
+                </a:extLst>
+              </a:tr>
+              <a:tr h="370840">
+                <a:tc>
+                  <a:txBody>
+                    <a:bodyPr/>
+                    <a:lstStyle/>
+                    <a:p>
+                      <a:r>
+                        <a:rPr lang="es-CO" dirty="0"/>
+                        <a:t>Nombre del requerimiento</a:t>
+                      </a:r>
+                    </a:p>
+                  </a:txBody>
+                  <a:tcPr/>
+                </a:tc>
+                <a:tc>
+                  <a:txBody>
+                    <a:bodyPr/>
+                    <a:lstStyle/>
+                    <a:p>
+                      <a:r>
+                        <a:rPr lang="es-CO" dirty="0"/>
+                        <a:t>Compatibilidad</a:t>
+                      </a:r>
+                    </a:p>
+                  </a:txBody>
+                  <a:tcPr/>
+                </a:tc>
+                <a:extLst>
+                  <a:ext uri="{0D108BD9-81ED-4DB2-BD59-A6C34878D82A}">
+                    <a16:rowId xmlns:a16="http://schemas.microsoft.com/office/drawing/2014/main" val="1343925762"/>
+                  </a:ext>
+                </a:extLst>
+              </a:tr>
+              <a:tr h="370840">
+                <a:tc>
+                  <a:txBody>
+                    <a:bodyPr/>
+                    <a:lstStyle/>
+                    <a:p>
+                      <a:r>
+                        <a:rPr lang="es-CO" dirty="0"/>
+                        <a:t>Caracterísitcas</a:t>
+                      </a:r>
+                    </a:p>
+                  </a:txBody>
+                  <a:tcPr/>
+                </a:tc>
+                <a:tc>
+                  <a:txBody>
+                    <a:bodyPr/>
+                    <a:lstStyle/>
+                    <a:p>
+                      <a:r>
+                        <a:rPr lang="es-CO" dirty="0"/>
+                        <a:t>El sistema debe funcionar en cualquier sistema operativo</a:t>
+                      </a:r>
+                    </a:p>
+                  </a:txBody>
+                  <a:tcPr/>
+                </a:tc>
+                <a:extLst>
+                  <a:ext uri="{0D108BD9-81ED-4DB2-BD59-A6C34878D82A}">
+                    <a16:rowId xmlns:a16="http://schemas.microsoft.com/office/drawing/2014/main" val="769886354"/>
+                  </a:ext>
+                </a:extLst>
+              </a:tr>
+              <a:tr h="370840">
+                <a:tc>
+                  <a:txBody>
+                    <a:bodyPr/>
+                    <a:lstStyle/>
+                    <a:p>
+                      <a:r>
+                        <a:rPr lang="es-CO" dirty="0"/>
+                        <a:t>Descripción del requerimiento</a:t>
+                      </a:r>
+                    </a:p>
+                  </a:txBody>
+                  <a:tcPr/>
+                </a:tc>
+                <a:tc>
+                  <a:txBody>
+                    <a:bodyPr/>
+                    <a:lstStyle/>
+                    <a:p>
+                      <a:r>
+                        <a:rPr lang="es-CO" dirty="0"/>
+                        <a:t>El sistema debe funcionar en iOS, Android, Mac OS, Windows, Linux, etcétera.</a:t>
+                      </a:r>
+                    </a:p>
+                  </a:txBody>
+                  <a:tcPr/>
+                </a:tc>
+                <a:extLst>
+                  <a:ext uri="{0D108BD9-81ED-4DB2-BD59-A6C34878D82A}">
+                    <a16:rowId xmlns:a16="http://schemas.microsoft.com/office/drawing/2014/main" val="2397840479"/>
+                  </a:ext>
+                </a:extLst>
+              </a:tr>
+              <a:tr h="370840">
+                <a:tc>
+                  <a:txBody>
+                    <a:bodyPr/>
+                    <a:lstStyle/>
+                    <a:p>
+                      <a:r>
+                        <a:rPr lang="es-CO" dirty="0"/>
+                        <a:t>Prioridad del requerimiento</a:t>
+                      </a:r>
+                    </a:p>
+                  </a:txBody>
+                  <a:tcPr/>
+                </a:tc>
+                <a:tc>
+                  <a:txBody>
+                    <a:bodyPr/>
+                    <a:lstStyle/>
+                    <a:p>
+                      <a:r>
+                        <a:rPr lang="es-CO" dirty="0"/>
+                        <a:t>Alta</a:t>
+                      </a:r>
+                    </a:p>
+                  </a:txBody>
+                  <a:tcPr/>
+                </a:tc>
+                <a:extLst>
+                  <a:ext uri="{0D108BD9-81ED-4DB2-BD59-A6C34878D82A}">
+                    <a16:rowId xmlns:a16="http://schemas.microsoft.com/office/drawing/2014/main" val="1876826554"/>
+                  </a:ext>
+                </a:extLst>
+              </a:tr>
+            </a:tbl>
+          </a:graphicData>
+        </a:graphic>
+      </p:graphicFrame>
+    </p:spTree>
+    <p:extLst>
+      <p:ext uri="{BB962C8B-B14F-4D97-AF65-F5344CB8AC3E}">
+        <p14:creationId xmlns:p14="http://schemas.microsoft.com/office/powerpoint/2010/main" val="147812105"/>
+      </p:ext>
+    </p:extLst>
+  </p:cSld>
+  <p:clrMapOvr>
+    <a:masterClrMapping/>
+  </p:clrMapOvr>
+</p:sld>
+</file>
+
+<file path=ppt/slides/slide39.xml><?xml version="1.0" encoding="utf-8"?>
+<p:sld xmlns:a="http://schemas.openxmlformats.org/drawingml/2006/main" xmlns:r="http://schemas.openxmlformats.org/officeDocument/2006/relationships" xmlns:p="http://schemas.openxmlformats.org/presentationml/2006/main">
+  <p:cSld>
+    <p:spTree>
+      <p:nvGrpSpPr>
+        <p:cNvPr id="1" name=""/>
+        <p:cNvGrpSpPr/>
+        <p:nvPr/>
+      </p:nvGrpSpPr>
+      <p:grpSpPr>
+        <a:xfrm>
+          <a:off x="0" y="0"/>
+          <a:ext cx="0" cy="0"/>
+          <a:chOff x="0" y="0"/>
+          <a:chExt cx="0" cy="0"/>
+        </a:xfrm>
+      </p:grpSpPr>
+      <p:sp>
+        <p:nvSpPr>
+          <p:cNvPr id="2" name="Título 1">
+            <a:extLst>
+              <a:ext uri="{FF2B5EF4-FFF2-40B4-BE49-F238E27FC236}">
+                <a16:creationId xmlns:a16="http://schemas.microsoft.com/office/drawing/2014/main" id="{9DD6AC57-19BA-4DFC-8A22-6E58CE671DB9}"/>
+              </a:ext>
+            </a:extLst>
+          </p:cNvPr>
+          <p:cNvSpPr>
+            <a:spLocks noGrp="1"/>
+          </p:cNvSpPr>
+          <p:nvPr>
+            <p:ph type="title"/>
+          </p:nvPr>
+        </p:nvSpPr>
+        <p:spPr/>
+        <p:txBody>
+          <a:bodyPr/>
+          <a:lstStyle/>
+          <a:p>
+            <a:r>
+              <a:rPr lang="es-CO" dirty="0"/>
+              <a:t>Requerimientos no funcionales</a:t>
+            </a:r>
+          </a:p>
+        </p:txBody>
+      </p:sp>
+      <p:graphicFrame>
+        <p:nvGraphicFramePr>
+          <p:cNvPr id="4" name="Tabla 4">
+            <a:extLst>
+              <a:ext uri="{FF2B5EF4-FFF2-40B4-BE49-F238E27FC236}">
+                <a16:creationId xmlns:a16="http://schemas.microsoft.com/office/drawing/2014/main" id="{FB8CE453-2C7F-4156-8604-75811BD17D56}"/>
+              </a:ext>
+            </a:extLst>
+          </p:cNvPr>
+          <p:cNvGraphicFramePr>
+            <a:graphicFrameLocks noGrp="1"/>
+          </p:cNvGraphicFramePr>
+          <p:nvPr>
+            <p:ph idx="1"/>
+            <p:extLst>
+              <p:ext uri="{D42A27DB-BD31-4B8C-83A1-F6EECF244321}">
+                <p14:modId xmlns:p14="http://schemas.microsoft.com/office/powerpoint/2010/main" val="1318036598"/>
+              </p:ext>
+            </p:extLst>
+          </p:nvPr>
+        </p:nvGraphicFramePr>
+        <p:xfrm>
+          <a:off x="5118100" y="1052247"/>
+          <a:ext cx="6281738" cy="3754120"/>
+        </p:xfrm>
+        <a:graphic>
+          <a:graphicData uri="http://schemas.openxmlformats.org/drawingml/2006/table">
+            <a:tbl>
+              <a:tblPr firstRow="1" bandRow="1">
+                <a:tableStyleId>{5C22544A-7EE6-4342-B048-85BDC9FD1C3A}</a:tableStyleId>
+              </a:tblPr>
+              <a:tblGrid>
+                <a:gridCol w="3140869">
+                  <a:extLst>
+                    <a:ext uri="{9D8B030D-6E8A-4147-A177-3AD203B41FA5}">
+                      <a16:colId xmlns:a16="http://schemas.microsoft.com/office/drawing/2014/main" val="2405063638"/>
+                    </a:ext>
+                  </a:extLst>
+                </a:gridCol>
+                <a:gridCol w="3140869">
+                  <a:extLst>
+                    <a:ext uri="{9D8B030D-6E8A-4147-A177-3AD203B41FA5}">
+                      <a16:colId xmlns:a16="http://schemas.microsoft.com/office/drawing/2014/main" val="3099478781"/>
+                    </a:ext>
+                  </a:extLst>
+                </a:gridCol>
+              </a:tblGrid>
+              <a:tr h="370840">
+                <a:tc>
+                  <a:txBody>
+                    <a:bodyPr/>
+                    <a:lstStyle/>
+                    <a:p>
+                      <a:r>
+                        <a:rPr lang="es-CO" dirty="0"/>
+                        <a:t>Identificación del requerimiento</a:t>
+                      </a:r>
+                    </a:p>
+                  </a:txBody>
+                  <a:tcPr/>
+                </a:tc>
+                <a:tc>
+                  <a:txBody>
+                    <a:bodyPr/>
+                    <a:lstStyle/>
+                    <a:p>
+                      <a:r>
+                        <a:rPr lang="es-CO" dirty="0"/>
+                        <a:t>RNF03</a:t>
+                      </a:r>
+                    </a:p>
+                  </a:txBody>
+                  <a:tcPr/>
+                </a:tc>
+                <a:extLst>
+                  <a:ext uri="{0D108BD9-81ED-4DB2-BD59-A6C34878D82A}">
+                    <a16:rowId xmlns:a16="http://schemas.microsoft.com/office/drawing/2014/main" val="3120795479"/>
+                  </a:ext>
+                </a:extLst>
+              </a:tr>
+              <a:tr h="370840">
+                <a:tc>
+                  <a:txBody>
+                    <a:bodyPr/>
+                    <a:lstStyle/>
+                    <a:p>
+                      <a:r>
+                        <a:rPr lang="es-CO" dirty="0"/>
+                        <a:t>Nombre del requerimiento</a:t>
+                      </a:r>
+                    </a:p>
+                  </a:txBody>
+                  <a:tcPr/>
+                </a:tc>
+                <a:tc>
+                  <a:txBody>
+                    <a:bodyPr/>
+                    <a:lstStyle/>
+                    <a:p>
+                      <a:r>
+                        <a:rPr lang="es-CO" dirty="0"/>
+                        <a:t>Navegabilidad</a:t>
+                      </a:r>
+                    </a:p>
+                  </a:txBody>
+                  <a:tcPr/>
+                </a:tc>
+                <a:extLst>
+                  <a:ext uri="{0D108BD9-81ED-4DB2-BD59-A6C34878D82A}">
+                    <a16:rowId xmlns:a16="http://schemas.microsoft.com/office/drawing/2014/main" val="1343925762"/>
+                  </a:ext>
+                </a:extLst>
+              </a:tr>
+              <a:tr h="370840">
+                <a:tc>
+                  <a:txBody>
+                    <a:bodyPr/>
+                    <a:lstStyle/>
+                    <a:p>
+                      <a:r>
+                        <a:rPr lang="es-CO" dirty="0"/>
+                        <a:t>Caracterísitcas</a:t>
+                      </a:r>
+                    </a:p>
+                  </a:txBody>
+                  <a:tcPr/>
+                </a:tc>
+                <a:tc>
+                  <a:txBody>
+                    <a:bodyPr/>
+                    <a:lstStyle/>
+                    <a:p>
+                      <a:r>
+                        <a:rPr lang="es-CO" dirty="0"/>
+                        <a:t>El sistema debe ser compatible con cualquirre navegador</a:t>
+                      </a:r>
+                    </a:p>
+                  </a:txBody>
+                  <a:tcPr/>
+                </a:tc>
+                <a:extLst>
+                  <a:ext uri="{0D108BD9-81ED-4DB2-BD59-A6C34878D82A}">
+                    <a16:rowId xmlns:a16="http://schemas.microsoft.com/office/drawing/2014/main" val="769886354"/>
+                  </a:ext>
+                </a:extLst>
+              </a:tr>
+              <a:tr h="370840">
+                <a:tc>
+                  <a:txBody>
+                    <a:bodyPr/>
+                    <a:lstStyle/>
+                    <a:p>
+                      <a:r>
+                        <a:rPr lang="es-CO" dirty="0"/>
+                        <a:t>Descripción del requerimiento</a:t>
+                      </a:r>
+                    </a:p>
+                  </a:txBody>
+                  <a:tcPr/>
+                </a:tc>
+                <a:tc>
+                  <a:txBody>
+                    <a:bodyPr/>
+                    <a:lstStyle/>
+                    <a:p>
+                      <a:r>
+                        <a:rPr lang="es-CO" dirty="0"/>
+                        <a:t>El usuario puede navegar a través de safari, Chrome, Yandex, Modzila, Opera, entre otros.</a:t>
+                      </a:r>
+                    </a:p>
+                  </a:txBody>
+                  <a:tcPr/>
+                </a:tc>
+                <a:extLst>
+                  <a:ext uri="{0D108BD9-81ED-4DB2-BD59-A6C34878D82A}">
+                    <a16:rowId xmlns:a16="http://schemas.microsoft.com/office/drawing/2014/main" val="2397840479"/>
+                  </a:ext>
+                </a:extLst>
+              </a:tr>
+              <a:tr h="370840">
+                <a:tc>
+                  <a:txBody>
+                    <a:bodyPr/>
+                    <a:lstStyle/>
+                    <a:p>
+                      <a:r>
+                        <a:rPr lang="es-CO" dirty="0"/>
+                        <a:t>Prioridad del requerimiento</a:t>
+                      </a:r>
+                    </a:p>
+                  </a:txBody>
+                  <a:tcPr/>
+                </a:tc>
+                <a:tc>
+                  <a:txBody>
+                    <a:bodyPr/>
+                    <a:lstStyle/>
+                    <a:p>
+                      <a:r>
+                        <a:rPr lang="es-CO" dirty="0"/>
+                        <a:t>Alta</a:t>
+                      </a:r>
+                    </a:p>
+                  </a:txBody>
+                  <a:tcPr/>
+                </a:tc>
+                <a:extLst>
+                  <a:ext uri="{0D108BD9-81ED-4DB2-BD59-A6C34878D82A}">
+                    <a16:rowId xmlns:a16="http://schemas.microsoft.com/office/drawing/2014/main" val="1876826554"/>
+                  </a:ext>
+                </a:extLst>
+              </a:tr>
+            </a:tbl>
+          </a:graphicData>
+        </a:graphic>
+      </p:graphicFrame>
+    </p:spTree>
+    <p:extLst>
+      <p:ext uri="{BB962C8B-B14F-4D97-AF65-F5344CB8AC3E}">
+        <p14:creationId xmlns:p14="http://schemas.microsoft.com/office/powerpoint/2010/main" val="406380066"/>
+      </p:ext>
+    </p:extLst>
+  </p:cSld>
+  <p:clrMapOvr>
+    <a:masterClrMapping/>
+  </p:clrMapOvr>
+</p:sld>
+</file>
+
 <file path=ppt/slides/slide4.xml><?xml version="1.0" encoding="utf-8"?>
 <p:sld xmlns:a="http://schemas.openxmlformats.org/drawingml/2006/main" xmlns:r="http://schemas.openxmlformats.org/officeDocument/2006/relationships" xmlns:p="http://schemas.openxmlformats.org/presentationml/2006/main">
   <p:cSld>

--- a/PLANTEAMIENTO_DEL_PROBLEMA.pptx
+++ b/PLANTEAMIENTO_DEL_PROBLEMA.pptx
@@ -44,6 +44,9 @@
     <p:sldId id="294" r:id="rId38"/>
     <p:sldId id="295" r:id="rId39"/>
     <p:sldId id="296" r:id="rId40"/>
+    <p:sldId id="297" r:id="rId41"/>
+    <p:sldId id="298" r:id="rId42"/>
+    <p:sldId id="299" r:id="rId43"/>
   </p:sldIdLst>
   <p:sldSz cx="12192000" cy="6858000"/>
   <p:notesSz cx="6858000" cy="9144000"/>
@@ -1559,7 +1562,7 @@
           <a:p>
             <a:fld id="{D253BB75-C9F5-8342-9D8A-C2F31092015F}" type="datetimeFigureOut">
               <a:rPr lang="es-CO" smtClean="0"/>
-              <a:t>8/03/2021</a:t>
+              <a:t>08/03/2021</a:t>
             </a:fld>
             <a:endParaRPr lang="es-CO"/>
           </a:p>
@@ -3018,7 +3021,7 @@
           <a:p>
             <a:fld id="{D253BB75-C9F5-8342-9D8A-C2F31092015F}" type="datetimeFigureOut">
               <a:rPr lang="es-CO" smtClean="0"/>
-              <a:t>8/03/2021</a:t>
+              <a:t>08/03/2021</a:t>
             </a:fld>
             <a:endParaRPr lang="es-CO"/>
           </a:p>
@@ -4471,7 +4474,7 @@
           <a:p>
             <a:fld id="{D253BB75-C9F5-8342-9D8A-C2F31092015F}" type="datetimeFigureOut">
               <a:rPr lang="es-CO" smtClean="0"/>
-              <a:t>8/03/2021</a:t>
+              <a:t>08/03/2021</a:t>
             </a:fld>
             <a:endParaRPr lang="es-CO"/>
           </a:p>
@@ -5926,7 +5929,7 @@
           <a:p>
             <a:fld id="{D253BB75-C9F5-8342-9D8A-C2F31092015F}" type="datetimeFigureOut">
               <a:rPr lang="es-CO" smtClean="0"/>
-              <a:t>8/03/2021</a:t>
+              <a:t>08/03/2021</a:t>
             </a:fld>
             <a:endParaRPr lang="es-CO"/>
           </a:p>
@@ -7434,7 +7437,7 @@
           <a:p>
             <a:fld id="{D253BB75-C9F5-8342-9D8A-C2F31092015F}" type="datetimeFigureOut">
               <a:rPr lang="es-CO" smtClean="0"/>
-              <a:t>8/03/2021</a:t>
+              <a:t>08/03/2021</a:t>
             </a:fld>
             <a:endParaRPr lang="es-CO"/>
           </a:p>
@@ -8955,7 +8958,7 @@
           <a:p>
             <a:fld id="{D253BB75-C9F5-8342-9D8A-C2F31092015F}" type="datetimeFigureOut">
               <a:rPr lang="es-CO" smtClean="0"/>
-              <a:t>8/03/2021</a:t>
+              <a:t>08/03/2021</a:t>
             </a:fld>
             <a:endParaRPr lang="es-CO"/>
           </a:p>
@@ -10620,7 +10623,7 @@
           <a:p>
             <a:fld id="{D253BB75-C9F5-8342-9D8A-C2F31092015F}" type="datetimeFigureOut">
               <a:rPr lang="es-CO" smtClean="0"/>
-              <a:t>8/03/2021</a:t>
+              <a:t>08/03/2021</a:t>
             </a:fld>
             <a:endParaRPr lang="es-CO"/>
           </a:p>
@@ -12018,7 +12021,7 @@
           <a:p>
             <a:fld id="{D253BB75-C9F5-8342-9D8A-C2F31092015F}" type="datetimeFigureOut">
               <a:rPr lang="es-CO" smtClean="0"/>
-              <a:t>8/03/2021</a:t>
+              <a:t>08/03/2021</a:t>
             </a:fld>
             <a:endParaRPr lang="es-CO"/>
           </a:p>
@@ -12118,7 +12121,7 @@
           <a:p>
             <a:fld id="{D253BB75-C9F5-8342-9D8A-C2F31092015F}" type="datetimeFigureOut">
               <a:rPr lang="es-CO" smtClean="0"/>
-              <a:t>8/03/2021</a:t>
+              <a:t>08/03/2021</a:t>
             </a:fld>
             <a:endParaRPr lang="es-CO"/>
           </a:p>
@@ -13644,7 +13647,7 @@
           <a:p>
             <a:fld id="{D253BB75-C9F5-8342-9D8A-C2F31092015F}" type="datetimeFigureOut">
               <a:rPr lang="es-CO" smtClean="0"/>
-              <a:t>8/03/2021</a:t>
+              <a:t>08/03/2021</a:t>
             </a:fld>
             <a:endParaRPr lang="es-CO"/>
           </a:p>
@@ -15180,7 +15183,7 @@
           <a:p>
             <a:fld id="{D253BB75-C9F5-8342-9D8A-C2F31092015F}" type="datetimeFigureOut">
               <a:rPr lang="es-CO" smtClean="0"/>
-              <a:t>8/03/2021</a:t>
+              <a:t>08/03/2021</a:t>
             </a:fld>
             <a:endParaRPr lang="es-CO"/>
           </a:p>
@@ -15403,7 +15406,7 @@
           <a:p>
             <a:fld id="{D253BB75-C9F5-8342-9D8A-C2F31092015F}" type="datetimeFigureOut">
               <a:rPr lang="es-CO" smtClean="0"/>
-              <a:t>8/03/2021</a:t>
+              <a:t>08/03/2021</a:t>
             </a:fld>
             <a:endParaRPr lang="es-CO"/>
           </a:p>
@@ -20422,6 +20425,647 @@
 </p:sld>
 </file>
 
+<file path=ppt/slides/slide40.xml><?xml version="1.0" encoding="utf-8"?>
+<p:sld xmlns:a="http://schemas.openxmlformats.org/drawingml/2006/main" xmlns:r="http://schemas.openxmlformats.org/officeDocument/2006/relationships" xmlns:p="http://schemas.openxmlformats.org/presentationml/2006/main">
+  <p:cSld>
+    <p:spTree>
+      <p:nvGrpSpPr>
+        <p:cNvPr id="1" name=""/>
+        <p:cNvGrpSpPr/>
+        <p:nvPr/>
+      </p:nvGrpSpPr>
+      <p:grpSpPr>
+        <a:xfrm>
+          <a:off x="0" y="0"/>
+          <a:ext cx="0" cy="0"/>
+          <a:chOff x="0" y="0"/>
+          <a:chExt cx="0" cy="0"/>
+        </a:xfrm>
+      </p:grpSpPr>
+      <p:sp>
+        <p:nvSpPr>
+          <p:cNvPr id="2" name="Título 1">
+            <a:extLst>
+              <a:ext uri="{FF2B5EF4-FFF2-40B4-BE49-F238E27FC236}">
+                <a16:creationId xmlns:a16="http://schemas.microsoft.com/office/drawing/2014/main" id="{0DF8FDDE-7FF6-114B-95BB-26E67991BA49}"/>
+              </a:ext>
+            </a:extLst>
+          </p:cNvPr>
+          <p:cNvSpPr>
+            <a:spLocks noGrp="1"/>
+          </p:cNvSpPr>
+          <p:nvPr>
+            <p:ph type="title"/>
+          </p:nvPr>
+        </p:nvSpPr>
+        <p:spPr/>
+        <p:txBody>
+          <a:bodyPr/>
+          <a:lstStyle/>
+          <a:p>
+            <a:r>
+              <a:rPr lang="es-CO"/>
+              <a:t>Requerimientos </a:t>
+            </a:r>
+            <a:r>
+              <a:rPr lang="es-CO" dirty="0"/>
+              <a:t>no funcionales</a:t>
+            </a:r>
+          </a:p>
+        </p:txBody>
+      </p:sp>
+      <p:graphicFrame>
+        <p:nvGraphicFramePr>
+          <p:cNvPr id="4" name="Tabla 4">
+            <a:extLst>
+              <a:ext uri="{FF2B5EF4-FFF2-40B4-BE49-F238E27FC236}">
+                <a16:creationId xmlns:a16="http://schemas.microsoft.com/office/drawing/2014/main" id="{3275B20B-304D-3645-A6E7-687160D9B56D}"/>
+              </a:ext>
+            </a:extLst>
+          </p:cNvPr>
+          <p:cNvGraphicFramePr>
+            <a:graphicFrameLocks noGrp="1"/>
+          </p:cNvGraphicFramePr>
+          <p:nvPr>
+            <p:ph idx="1"/>
+            <p:extLst/>
+          </p:nvPr>
+        </p:nvGraphicFramePr>
+        <p:xfrm>
+          <a:off x="5118100" y="803275"/>
+          <a:ext cx="6281738" cy="4023360"/>
+        </p:xfrm>
+        <a:graphic>
+          <a:graphicData uri="http://schemas.openxmlformats.org/drawingml/2006/table">
+            <a:tbl>
+              <a:tblPr firstRow="1" bandRow="1">
+                <a:tableStyleId>{5C22544A-7EE6-4342-B048-85BDC9FD1C3A}</a:tableStyleId>
+              </a:tblPr>
+              <a:tblGrid>
+                <a:gridCol w="3140869">
+                  <a:extLst>
+                    <a:ext uri="{9D8B030D-6E8A-4147-A177-3AD203B41FA5}">
+                      <a16:colId xmlns:a16="http://schemas.microsoft.com/office/drawing/2014/main" val="2405063638"/>
+                    </a:ext>
+                  </a:extLst>
+                </a:gridCol>
+                <a:gridCol w="3140869">
+                  <a:extLst>
+                    <a:ext uri="{9D8B030D-6E8A-4147-A177-3AD203B41FA5}">
+                      <a16:colId xmlns:a16="http://schemas.microsoft.com/office/drawing/2014/main" val="3099478781"/>
+                    </a:ext>
+                  </a:extLst>
+                </a:gridCol>
+              </a:tblGrid>
+              <a:tr h="370840">
+                <a:tc>
+                  <a:txBody>
+                    <a:bodyPr/>
+                    <a:lstStyle/>
+                    <a:p>
+                      <a:r>
+                        <a:rPr lang="es-CO" dirty="0"/>
+                        <a:t>Identificación del requerimiento</a:t>
+                      </a:r>
+                    </a:p>
+                  </a:txBody>
+                  <a:tcPr/>
+                </a:tc>
+                <a:tc>
+                  <a:txBody>
+                    <a:bodyPr/>
+                    <a:lstStyle/>
+                    <a:p>
+                      <a:r>
+                        <a:rPr lang="es-CO" dirty="0"/>
+                        <a:t>RNF04</a:t>
+                      </a:r>
+                    </a:p>
+                  </a:txBody>
+                  <a:tcPr/>
+                </a:tc>
+                <a:extLst>
+                  <a:ext uri="{0D108BD9-81ED-4DB2-BD59-A6C34878D82A}">
+                    <a16:rowId xmlns:a16="http://schemas.microsoft.com/office/drawing/2014/main" val="3120795479"/>
+                  </a:ext>
+                </a:extLst>
+              </a:tr>
+              <a:tr h="370840">
+                <a:tc>
+                  <a:txBody>
+                    <a:bodyPr/>
+                    <a:lstStyle/>
+                    <a:p>
+                      <a:r>
+                        <a:rPr lang="es-CO" dirty="0"/>
+                        <a:t>Nombre del requerimiento</a:t>
+                      </a:r>
+                    </a:p>
+                  </a:txBody>
+                  <a:tcPr/>
+                </a:tc>
+                <a:tc>
+                  <a:txBody>
+                    <a:bodyPr/>
+                    <a:lstStyle/>
+                    <a:p>
+                      <a:r>
+                        <a:rPr lang="es-CO" dirty="0"/>
+                        <a:t>Forma de recuperación de la contraseña</a:t>
+                      </a:r>
+                    </a:p>
+                  </a:txBody>
+                  <a:tcPr/>
+                </a:tc>
+                <a:extLst>
+                  <a:ext uri="{0D108BD9-81ED-4DB2-BD59-A6C34878D82A}">
+                    <a16:rowId xmlns:a16="http://schemas.microsoft.com/office/drawing/2014/main" val="1343925762"/>
+                  </a:ext>
+                </a:extLst>
+              </a:tr>
+              <a:tr h="370840">
+                <a:tc>
+                  <a:txBody>
+                    <a:bodyPr/>
+                    <a:lstStyle/>
+                    <a:p>
+                      <a:r>
+                        <a:rPr lang="es-CO" dirty="0"/>
+                        <a:t>Caracterísitcas</a:t>
+                      </a:r>
+                    </a:p>
+                  </a:txBody>
+                  <a:tcPr/>
+                </a:tc>
+                <a:tc>
+                  <a:txBody>
+                    <a:bodyPr/>
+                    <a:lstStyle/>
+                    <a:p>
+                      <a:r>
+                        <a:rPr lang="es-CO" dirty="0"/>
+                        <a:t>El sistema recuperará la contraseña de acuerdo a la solicitud del usuario.</a:t>
+                      </a:r>
+                    </a:p>
+                  </a:txBody>
+                  <a:tcPr/>
+                </a:tc>
+                <a:extLst>
+                  <a:ext uri="{0D108BD9-81ED-4DB2-BD59-A6C34878D82A}">
+                    <a16:rowId xmlns:a16="http://schemas.microsoft.com/office/drawing/2014/main" val="769886354"/>
+                  </a:ext>
+                </a:extLst>
+              </a:tr>
+              <a:tr h="370840">
+                <a:tc>
+                  <a:txBody>
+                    <a:bodyPr/>
+                    <a:lstStyle/>
+                    <a:p>
+                      <a:r>
+                        <a:rPr lang="es-CO" dirty="0"/>
+                        <a:t>Descripción del requerimiento</a:t>
+                      </a:r>
+                    </a:p>
+                  </a:txBody>
+                  <a:tcPr/>
+                </a:tc>
+                <a:tc>
+                  <a:txBody>
+                    <a:bodyPr/>
+                    <a:lstStyle/>
+                    <a:p>
+                      <a:r>
+                        <a:rPr lang="es-CO" dirty="0"/>
+                        <a:t>El usuario escogerá entre un código de verificación enviado bien sea al correo o al móvil.</a:t>
+                      </a:r>
+                    </a:p>
+                  </a:txBody>
+                  <a:tcPr/>
+                </a:tc>
+                <a:extLst>
+                  <a:ext uri="{0D108BD9-81ED-4DB2-BD59-A6C34878D82A}">
+                    <a16:rowId xmlns:a16="http://schemas.microsoft.com/office/drawing/2014/main" val="2397840479"/>
+                  </a:ext>
+                </a:extLst>
+              </a:tr>
+              <a:tr h="370840">
+                <a:tc>
+                  <a:txBody>
+                    <a:bodyPr/>
+                    <a:lstStyle/>
+                    <a:p>
+                      <a:r>
+                        <a:rPr lang="es-CO" dirty="0"/>
+                        <a:t>Prioridad del requerimiento</a:t>
+                      </a:r>
+                    </a:p>
+                  </a:txBody>
+                  <a:tcPr/>
+                </a:tc>
+                <a:tc>
+                  <a:txBody>
+                    <a:bodyPr/>
+                    <a:lstStyle/>
+                    <a:p>
+                      <a:r>
+                        <a:rPr lang="es-CO" dirty="0"/>
+                        <a:t>Alta</a:t>
+                      </a:r>
+                    </a:p>
+                  </a:txBody>
+                  <a:tcPr/>
+                </a:tc>
+                <a:extLst>
+                  <a:ext uri="{0D108BD9-81ED-4DB2-BD59-A6C34878D82A}">
+                    <a16:rowId xmlns:a16="http://schemas.microsoft.com/office/drawing/2014/main" val="1876826554"/>
+                  </a:ext>
+                </a:extLst>
+              </a:tr>
+            </a:tbl>
+          </a:graphicData>
+        </a:graphic>
+      </p:graphicFrame>
+    </p:spTree>
+    <p:extLst>
+      <p:ext uri="{BB962C8B-B14F-4D97-AF65-F5344CB8AC3E}">
+        <p14:creationId xmlns:p14="http://schemas.microsoft.com/office/powerpoint/2010/main" val="3610143601"/>
+      </p:ext>
+    </p:extLst>
+  </p:cSld>
+  <p:clrMapOvr>
+    <a:masterClrMapping/>
+  </p:clrMapOvr>
+</p:sld>
+</file>
+
+<file path=ppt/slides/slide41.xml><?xml version="1.0" encoding="utf-8"?>
+<p:sld xmlns:a="http://schemas.openxmlformats.org/drawingml/2006/main" xmlns:r="http://schemas.openxmlformats.org/officeDocument/2006/relationships" xmlns:p="http://schemas.openxmlformats.org/presentationml/2006/main">
+  <p:cSld>
+    <p:spTree>
+      <p:nvGrpSpPr>
+        <p:cNvPr id="1" name=""/>
+        <p:cNvGrpSpPr/>
+        <p:nvPr/>
+      </p:nvGrpSpPr>
+      <p:grpSpPr>
+        <a:xfrm>
+          <a:off x="0" y="0"/>
+          <a:ext cx="0" cy="0"/>
+          <a:chOff x="0" y="0"/>
+          <a:chExt cx="0" cy="0"/>
+        </a:xfrm>
+      </p:grpSpPr>
+      <p:sp>
+        <p:nvSpPr>
+          <p:cNvPr id="2" name="Título 1">
+            <a:extLst>
+              <a:ext uri="{FF2B5EF4-FFF2-40B4-BE49-F238E27FC236}">
+                <a16:creationId xmlns:a16="http://schemas.microsoft.com/office/drawing/2014/main" id="{0DF8FDDE-7FF6-114B-95BB-26E67991BA49}"/>
+              </a:ext>
+            </a:extLst>
+          </p:cNvPr>
+          <p:cNvSpPr>
+            <a:spLocks noGrp="1"/>
+          </p:cNvSpPr>
+          <p:nvPr>
+            <p:ph type="title"/>
+          </p:nvPr>
+        </p:nvSpPr>
+        <p:spPr/>
+        <p:txBody>
+          <a:bodyPr/>
+          <a:lstStyle/>
+          <a:p>
+            <a:r>
+              <a:rPr lang="es-CO"/>
+              <a:t>Requerimientos </a:t>
+            </a:r>
+            <a:r>
+              <a:rPr lang="es-CO" dirty="0"/>
+              <a:t>no funcionales</a:t>
+            </a:r>
+          </a:p>
+        </p:txBody>
+      </p:sp>
+      <p:graphicFrame>
+        <p:nvGraphicFramePr>
+          <p:cNvPr id="4" name="Tabla 4">
+            <a:extLst>
+              <a:ext uri="{FF2B5EF4-FFF2-40B4-BE49-F238E27FC236}">
+                <a16:creationId xmlns:a16="http://schemas.microsoft.com/office/drawing/2014/main" id="{3275B20B-304D-3645-A6E7-687160D9B56D}"/>
+              </a:ext>
+            </a:extLst>
+          </p:cNvPr>
+          <p:cNvGraphicFramePr>
+            <a:graphicFrameLocks noGrp="1"/>
+          </p:cNvGraphicFramePr>
+          <p:nvPr>
+            <p:ph idx="1"/>
+            <p:extLst/>
+          </p:nvPr>
+        </p:nvGraphicFramePr>
+        <p:xfrm>
+          <a:off x="5118100" y="803275"/>
+          <a:ext cx="6281738" cy="4023360"/>
+        </p:xfrm>
+        <a:graphic>
+          <a:graphicData uri="http://schemas.openxmlformats.org/drawingml/2006/table">
+            <a:tbl>
+              <a:tblPr firstRow="1" bandRow="1">
+                <a:tableStyleId>{5C22544A-7EE6-4342-B048-85BDC9FD1C3A}</a:tableStyleId>
+              </a:tblPr>
+              <a:tblGrid>
+                <a:gridCol w="3140869">
+                  <a:extLst>
+                    <a:ext uri="{9D8B030D-6E8A-4147-A177-3AD203B41FA5}">
+                      <a16:colId xmlns:a16="http://schemas.microsoft.com/office/drawing/2014/main" val="2405063638"/>
+                    </a:ext>
+                  </a:extLst>
+                </a:gridCol>
+                <a:gridCol w="3140869">
+                  <a:extLst>
+                    <a:ext uri="{9D8B030D-6E8A-4147-A177-3AD203B41FA5}">
+                      <a16:colId xmlns:a16="http://schemas.microsoft.com/office/drawing/2014/main" val="3099478781"/>
+                    </a:ext>
+                  </a:extLst>
+                </a:gridCol>
+              </a:tblGrid>
+              <a:tr h="370840">
+                <a:tc>
+                  <a:txBody>
+                    <a:bodyPr/>
+                    <a:lstStyle/>
+                    <a:p>
+                      <a:r>
+                        <a:rPr lang="es-CO" dirty="0"/>
+                        <a:t>Identificación del requerimiento</a:t>
+                      </a:r>
+                    </a:p>
+                  </a:txBody>
+                  <a:tcPr/>
+                </a:tc>
+                <a:tc>
+                  <a:txBody>
+                    <a:bodyPr/>
+                    <a:lstStyle/>
+                    <a:p>
+                      <a:r>
+                        <a:rPr lang="es-CO" dirty="0"/>
+                        <a:t>RNF05</a:t>
+                      </a:r>
+                    </a:p>
+                  </a:txBody>
+                  <a:tcPr/>
+                </a:tc>
+                <a:extLst>
+                  <a:ext uri="{0D108BD9-81ED-4DB2-BD59-A6C34878D82A}">
+                    <a16:rowId xmlns:a16="http://schemas.microsoft.com/office/drawing/2014/main" val="3120795479"/>
+                  </a:ext>
+                </a:extLst>
+              </a:tr>
+              <a:tr h="370840">
+                <a:tc>
+                  <a:txBody>
+                    <a:bodyPr/>
+                    <a:lstStyle/>
+                    <a:p>
+                      <a:r>
+                        <a:rPr lang="es-CO" dirty="0"/>
+                        <a:t>Nombre del requerimiento</a:t>
+                      </a:r>
+                    </a:p>
+                  </a:txBody>
+                  <a:tcPr/>
+                </a:tc>
+                <a:tc>
+                  <a:txBody>
+                    <a:bodyPr/>
+                    <a:lstStyle/>
+                    <a:p>
+                      <a:r>
+                        <a:rPr lang="es-CO" dirty="0"/>
+                        <a:t>Velocidad de generación de datos</a:t>
+                      </a:r>
+                    </a:p>
+                  </a:txBody>
+                  <a:tcPr/>
+                </a:tc>
+                <a:extLst>
+                  <a:ext uri="{0D108BD9-81ED-4DB2-BD59-A6C34878D82A}">
+                    <a16:rowId xmlns:a16="http://schemas.microsoft.com/office/drawing/2014/main" val="1343925762"/>
+                  </a:ext>
+                </a:extLst>
+              </a:tr>
+              <a:tr h="370840">
+                <a:tc>
+                  <a:txBody>
+                    <a:bodyPr/>
+                    <a:lstStyle/>
+                    <a:p>
+                      <a:r>
+                        <a:rPr lang="es-CO" dirty="0"/>
+                        <a:t>Caracterísitcas</a:t>
+                      </a:r>
+                    </a:p>
+                  </a:txBody>
+                  <a:tcPr/>
+                </a:tc>
+                <a:tc>
+                  <a:txBody>
+                    <a:bodyPr/>
+                    <a:lstStyle/>
+                    <a:p>
+                      <a:r>
+                        <a:rPr lang="es-CO" dirty="0"/>
+                        <a:t>El sistema debe generar informes estadísticos de forma rápida.</a:t>
+                      </a:r>
+                    </a:p>
+                  </a:txBody>
+                  <a:tcPr/>
+                </a:tc>
+                <a:extLst>
+                  <a:ext uri="{0D108BD9-81ED-4DB2-BD59-A6C34878D82A}">
+                    <a16:rowId xmlns:a16="http://schemas.microsoft.com/office/drawing/2014/main" val="769886354"/>
+                  </a:ext>
+                </a:extLst>
+              </a:tr>
+              <a:tr h="370840">
+                <a:tc>
+                  <a:txBody>
+                    <a:bodyPr/>
+                    <a:lstStyle/>
+                    <a:p>
+                      <a:r>
+                        <a:rPr lang="es-CO" dirty="0"/>
+                        <a:t>Descripción del requerimiento</a:t>
+                      </a:r>
+                    </a:p>
+                  </a:txBody>
+                  <a:tcPr/>
+                </a:tc>
+                <a:tc>
+                  <a:txBody>
+                    <a:bodyPr/>
+                    <a:lstStyle/>
+                    <a:p>
+                      <a:pPr marL="0" marR="0" lvl="0" indent="0" algn="l" defTabSz="914400" rtl="0" eaLnBrk="1" fontAlgn="auto" latinLnBrk="0" hangingPunct="1">
+                        <a:lnSpc>
+                          <a:spcPct val="100000"/>
+                        </a:lnSpc>
+                        <a:spcBef>
+                          <a:spcPts val="0"/>
+                        </a:spcBef>
+                        <a:spcAft>
+                          <a:spcPts val="0"/>
+                        </a:spcAft>
+                        <a:buClrTx/>
+                        <a:buSzTx/>
+                        <a:buFontTx/>
+                        <a:buNone/>
+                        <a:tabLst/>
+                        <a:defRPr/>
+                      </a:pPr>
+                      <a:r>
+                        <a:rPr lang="es-CO" dirty="0"/>
+                        <a:t>El sistema debe generar los informes estadísticos en un tiempo máximo de 0,7 segundos.</a:t>
+                      </a:r>
+                    </a:p>
+                  </a:txBody>
+                  <a:tcPr/>
+                </a:tc>
+                <a:extLst>
+                  <a:ext uri="{0D108BD9-81ED-4DB2-BD59-A6C34878D82A}">
+                    <a16:rowId xmlns:a16="http://schemas.microsoft.com/office/drawing/2014/main" val="2397840479"/>
+                  </a:ext>
+                </a:extLst>
+              </a:tr>
+              <a:tr h="370840">
+                <a:tc>
+                  <a:txBody>
+                    <a:bodyPr/>
+                    <a:lstStyle/>
+                    <a:p>
+                      <a:r>
+                        <a:rPr lang="es-CO" dirty="0"/>
+                        <a:t>Prioridad del requerimiento</a:t>
+                      </a:r>
+                    </a:p>
+                  </a:txBody>
+                  <a:tcPr/>
+                </a:tc>
+                <a:tc>
+                  <a:txBody>
+                    <a:bodyPr/>
+                    <a:lstStyle/>
+                    <a:p>
+                      <a:r>
+                        <a:rPr lang="es-CO" dirty="0"/>
+                        <a:t>Alta</a:t>
+                      </a:r>
+                    </a:p>
+                  </a:txBody>
+                  <a:tcPr/>
+                </a:tc>
+                <a:extLst>
+                  <a:ext uri="{0D108BD9-81ED-4DB2-BD59-A6C34878D82A}">
+                    <a16:rowId xmlns:a16="http://schemas.microsoft.com/office/drawing/2014/main" val="1876826554"/>
+                  </a:ext>
+                </a:extLst>
+              </a:tr>
+            </a:tbl>
+          </a:graphicData>
+        </a:graphic>
+      </p:graphicFrame>
+    </p:spTree>
+    <p:extLst>
+      <p:ext uri="{BB962C8B-B14F-4D97-AF65-F5344CB8AC3E}">
+        <p14:creationId xmlns:p14="http://schemas.microsoft.com/office/powerpoint/2010/main" val="3187345233"/>
+      </p:ext>
+    </p:extLst>
+  </p:cSld>
+  <p:clrMapOvr>
+    <a:masterClrMapping/>
+  </p:clrMapOvr>
+</p:sld>
+</file>
+
+<file path=ppt/slides/slide42.xml><?xml version="1.0" encoding="utf-8"?>
+<p:sld xmlns:a="http://schemas.openxmlformats.org/drawingml/2006/main" xmlns:r="http://schemas.openxmlformats.org/officeDocument/2006/relationships" xmlns:p="http://schemas.openxmlformats.org/presentationml/2006/main">
+  <p:cSld>
+    <p:spTree>
+      <p:nvGrpSpPr>
+        <p:cNvPr id="1" name=""/>
+        <p:cNvGrpSpPr/>
+        <p:nvPr/>
+      </p:nvGrpSpPr>
+      <p:grpSpPr>
+        <a:xfrm>
+          <a:off x="0" y="0"/>
+          <a:ext cx="0" cy="0"/>
+          <a:chOff x="0" y="0"/>
+          <a:chExt cx="0" cy="0"/>
+        </a:xfrm>
+      </p:grpSpPr>
+      <p:sp>
+        <p:nvSpPr>
+          <p:cNvPr id="2" name="Título 1"/>
+          <p:cNvSpPr>
+            <a:spLocks noGrp="1"/>
+          </p:cNvSpPr>
+          <p:nvPr>
+            <p:ph type="title"/>
+          </p:nvPr>
+        </p:nvSpPr>
+        <p:spPr/>
+        <p:txBody>
+          <a:bodyPr/>
+          <a:lstStyle/>
+          <a:p>
+            <a:r>
+              <a:rPr lang="es-CO" dirty="0" err="1" smtClean="0"/>
+              <a:t>Versionamento</a:t>
+            </a:r>
+            <a:r>
+              <a:rPr lang="es-CO" dirty="0" smtClean="0"/>
+              <a:t>  GitHub Desktop</a:t>
+            </a:r>
+            <a:endParaRPr lang="es-CO" dirty="0"/>
+          </a:p>
+        </p:txBody>
+      </p:sp>
+      <p:sp>
+        <p:nvSpPr>
+          <p:cNvPr id="3" name="Marcador de contenido 2"/>
+          <p:cNvSpPr>
+            <a:spLocks noGrp="1"/>
+          </p:cNvSpPr>
+          <p:nvPr>
+            <p:ph idx="1"/>
+          </p:nvPr>
+        </p:nvSpPr>
+        <p:spPr/>
+        <p:txBody>
+          <a:bodyPr/>
+          <a:lstStyle/>
+          <a:p>
+            <a:endParaRPr lang="es-CO"/>
+          </a:p>
+        </p:txBody>
+      </p:sp>
+    </p:spTree>
+    <p:extLst>
+      <p:ext uri="{BB962C8B-B14F-4D97-AF65-F5344CB8AC3E}">
+        <p14:creationId xmlns:p14="http://schemas.microsoft.com/office/powerpoint/2010/main" val="1250494816"/>
+      </p:ext>
+    </p:extLst>
+  </p:cSld>
+  <p:clrMapOvr>
+    <a:masterClrMapping/>
+  </p:clrMapOvr>
+</p:sld>
+</file>
+
 <file path=ppt/slides/slide5.xml><?xml version="1.0" encoding="utf-8"?>
 <p:sld xmlns:a="http://schemas.openxmlformats.org/drawingml/2006/main" xmlns:r="http://schemas.openxmlformats.org/officeDocument/2006/relationships" xmlns:p="http://schemas.openxmlformats.org/presentationml/2006/main">
   <p:cSld>

--- a/PLANTEAMIENTO_DEL_PROBLEMA.pptx
+++ b/PLANTEAMIENTO_DEL_PROBLEMA.pptx
@@ -47,6 +47,9 @@
     <p:sldId id="297" r:id="rId41"/>
     <p:sldId id="298" r:id="rId42"/>
     <p:sldId id="299" r:id="rId43"/>
+    <p:sldId id="302" r:id="rId44"/>
+    <p:sldId id="300" r:id="rId45"/>
+    <p:sldId id="301" r:id="rId46"/>
   </p:sldIdLst>
   <p:sldSz cx="12192000" cy="6858000"/>
   <p:notesSz cx="6858000" cy="9144000"/>
@@ -1562,7 +1565,7 @@
           <a:p>
             <a:fld id="{D253BB75-C9F5-8342-9D8A-C2F31092015F}" type="datetimeFigureOut">
               <a:rPr lang="es-CO" smtClean="0"/>
-              <a:t>08/03/2021</a:t>
+              <a:t>10/03/2021</a:t>
             </a:fld>
             <a:endParaRPr lang="es-CO"/>
           </a:p>
@@ -3021,7 +3024,7 @@
           <a:p>
             <a:fld id="{D253BB75-C9F5-8342-9D8A-C2F31092015F}" type="datetimeFigureOut">
               <a:rPr lang="es-CO" smtClean="0"/>
-              <a:t>08/03/2021</a:t>
+              <a:t>10/03/2021</a:t>
             </a:fld>
             <a:endParaRPr lang="es-CO"/>
           </a:p>
@@ -4474,7 +4477,7 @@
           <a:p>
             <a:fld id="{D253BB75-C9F5-8342-9D8A-C2F31092015F}" type="datetimeFigureOut">
               <a:rPr lang="es-CO" smtClean="0"/>
-              <a:t>08/03/2021</a:t>
+              <a:t>10/03/2021</a:t>
             </a:fld>
             <a:endParaRPr lang="es-CO"/>
           </a:p>
@@ -5929,7 +5932,7 @@
           <a:p>
             <a:fld id="{D253BB75-C9F5-8342-9D8A-C2F31092015F}" type="datetimeFigureOut">
               <a:rPr lang="es-CO" smtClean="0"/>
-              <a:t>08/03/2021</a:t>
+              <a:t>10/03/2021</a:t>
             </a:fld>
             <a:endParaRPr lang="es-CO"/>
           </a:p>
@@ -7437,7 +7440,7 @@
           <a:p>
             <a:fld id="{D253BB75-C9F5-8342-9D8A-C2F31092015F}" type="datetimeFigureOut">
               <a:rPr lang="es-CO" smtClean="0"/>
-              <a:t>08/03/2021</a:t>
+              <a:t>10/03/2021</a:t>
             </a:fld>
             <a:endParaRPr lang="es-CO"/>
           </a:p>
@@ -8958,7 +8961,7 @@
           <a:p>
             <a:fld id="{D253BB75-C9F5-8342-9D8A-C2F31092015F}" type="datetimeFigureOut">
               <a:rPr lang="es-CO" smtClean="0"/>
-              <a:t>08/03/2021</a:t>
+              <a:t>10/03/2021</a:t>
             </a:fld>
             <a:endParaRPr lang="es-CO"/>
           </a:p>
@@ -10623,7 +10626,7 @@
           <a:p>
             <a:fld id="{D253BB75-C9F5-8342-9D8A-C2F31092015F}" type="datetimeFigureOut">
               <a:rPr lang="es-CO" smtClean="0"/>
-              <a:t>08/03/2021</a:t>
+              <a:t>10/03/2021</a:t>
             </a:fld>
             <a:endParaRPr lang="es-CO"/>
           </a:p>
@@ -12021,7 +12024,7 @@
           <a:p>
             <a:fld id="{D253BB75-C9F5-8342-9D8A-C2F31092015F}" type="datetimeFigureOut">
               <a:rPr lang="es-CO" smtClean="0"/>
-              <a:t>08/03/2021</a:t>
+              <a:t>10/03/2021</a:t>
             </a:fld>
             <a:endParaRPr lang="es-CO"/>
           </a:p>
@@ -12121,7 +12124,7 @@
           <a:p>
             <a:fld id="{D253BB75-C9F5-8342-9D8A-C2F31092015F}" type="datetimeFigureOut">
               <a:rPr lang="es-CO" smtClean="0"/>
-              <a:t>08/03/2021</a:t>
+              <a:t>10/03/2021</a:t>
             </a:fld>
             <a:endParaRPr lang="es-CO"/>
           </a:p>
@@ -13647,7 +13650,7 @@
           <a:p>
             <a:fld id="{D253BB75-C9F5-8342-9D8A-C2F31092015F}" type="datetimeFigureOut">
               <a:rPr lang="es-CO" smtClean="0"/>
-              <a:t>08/03/2021</a:t>
+              <a:t>10/03/2021</a:t>
             </a:fld>
             <a:endParaRPr lang="es-CO"/>
           </a:p>
@@ -15183,7 +15186,7 @@
           <a:p>
             <a:fld id="{D253BB75-C9F5-8342-9D8A-C2F31092015F}" type="datetimeFigureOut">
               <a:rPr lang="es-CO" smtClean="0"/>
-              <a:t>08/03/2021</a:t>
+              <a:t>10/03/2021</a:t>
             </a:fld>
             <a:endParaRPr lang="es-CO"/>
           </a:p>
@@ -15406,7 +15409,7 @@
           <a:p>
             <a:fld id="{D253BB75-C9F5-8342-9D8A-C2F31092015F}" type="datetimeFigureOut">
               <a:rPr lang="es-CO" smtClean="0"/>
-              <a:t>08/03/2021</a:t>
+              <a:t>10/03/2021</a:t>
             </a:fld>
             <a:endParaRPr lang="es-CO"/>
           </a:p>
@@ -19481,6 +19484,44 @@
           </a:p>
         </p:txBody>
       </p:sp>
+      <p:sp>
+        <p:nvSpPr>
+          <p:cNvPr id="4" name="CuadroTexto 3">
+            <a:extLst>
+              <a:ext uri="{FF2B5EF4-FFF2-40B4-BE49-F238E27FC236}">
+                <a16:creationId xmlns:a16="http://schemas.microsoft.com/office/drawing/2014/main" id="{CA34E6EB-47ED-4468-93F2-D039D755F562}"/>
+              </a:ext>
+            </a:extLst>
+          </p:cNvPr>
+          <p:cNvSpPr txBox="1"/>
+          <p:nvPr/>
+        </p:nvSpPr>
+        <p:spPr>
+          <a:xfrm>
+            <a:off x="4755220" y="2424767"/>
+            <a:ext cx="6231648" cy="1200329"/>
+          </a:xfrm>
+          <a:prstGeom prst="rect">
+            <a:avLst/>
+          </a:prstGeom>
+          <a:noFill/>
+        </p:spPr>
+        <p:txBody>
+          <a:bodyPr wrap="square">
+            <a:spAutoFit/>
+          </a:bodyPr>
+          <a:lstStyle/>
+          <a:p>
+            <a:pPr marL="0" indent="0" algn="just">
+              <a:buNone/>
+            </a:pPr>
+            <a:r>
+              <a:rPr lang="es-CO" dirty="0"/>
+              <a:t>Son la definición de las funciones que el sistema será capaz de  realizar. Estos requerimientos describen las transformaciones que el sistema realiza sobre las entradas para producir las salidas (Arias Chaves, 2005).</a:t>
+            </a:r>
+          </a:p>
+        </p:txBody>
+      </p:sp>
     </p:spTree>
     <p:extLst>
       <p:ext uri="{BB962C8B-B14F-4D97-AF65-F5344CB8AC3E}">
@@ -20488,7 +20529,6 @@
           </p:cNvGraphicFramePr>
           <p:nvPr>
             <p:ph idx="1"/>
-            <p:extLst/>
           </p:nvPr>
         </p:nvGraphicFramePr>
         <p:xfrm>
@@ -20762,7 +20802,6 @@
           </p:cNvGraphicFramePr>
           <p:nvPr>
             <p:ph idx="1"/>
-            <p:extLst/>
           </p:nvPr>
         </p:nvGraphicFramePr>
         <p:xfrm>
@@ -21023,33 +21062,13 @@
           <a:lstStyle/>
           <a:p>
             <a:r>
-              <a:rPr lang="es-CO" dirty="0" err="1" smtClean="0"/>
+              <a:rPr lang="es-CO" dirty="0" err="1"/>
               <a:t>Versionamento</a:t>
             </a:r>
             <a:r>
-              <a:rPr lang="es-CO" dirty="0" smtClean="0"/>
+              <a:rPr lang="es-CO" dirty="0"/>
               <a:t>  GitHub Desktop</a:t>
             </a:r>
-            <a:endParaRPr lang="es-CO" dirty="0"/>
-          </a:p>
-        </p:txBody>
-      </p:sp>
-      <p:sp>
-        <p:nvSpPr>
-          <p:cNvPr id="3" name="Marcador de contenido 2"/>
-          <p:cNvSpPr>
-            <a:spLocks noGrp="1"/>
-          </p:cNvSpPr>
-          <p:nvPr>
-            <p:ph idx="1"/>
-          </p:nvPr>
-        </p:nvSpPr>
-        <p:spPr/>
-        <p:txBody>
-          <a:bodyPr/>
-          <a:lstStyle/>
-          <a:p>
-            <a:endParaRPr lang="es-CO"/>
           </a:p>
         </p:txBody>
       </p:sp>
@@ -21057,6 +21076,183 @@
     <p:extLst>
       <p:ext uri="{BB962C8B-B14F-4D97-AF65-F5344CB8AC3E}">
         <p14:creationId xmlns:p14="http://schemas.microsoft.com/office/powerpoint/2010/main" val="1250494816"/>
+      </p:ext>
+    </p:extLst>
+  </p:cSld>
+  <p:clrMapOvr>
+    <a:masterClrMapping/>
+  </p:clrMapOvr>
+</p:sld>
+</file>
+
+<file path=ppt/slides/slide43.xml><?xml version="1.0" encoding="utf-8"?>
+<p:sld xmlns:a="http://schemas.openxmlformats.org/drawingml/2006/main" xmlns:r="http://schemas.openxmlformats.org/officeDocument/2006/relationships" xmlns:p="http://schemas.openxmlformats.org/presentationml/2006/main">
+  <p:cSld>
+    <p:spTree>
+      <p:nvGrpSpPr>
+        <p:cNvPr id="1" name=""/>
+        <p:cNvGrpSpPr/>
+        <p:nvPr/>
+      </p:nvGrpSpPr>
+      <p:grpSpPr>
+        <a:xfrm>
+          <a:off x="0" y="0"/>
+          <a:ext cx="0" cy="0"/>
+          <a:chOff x="0" y="0"/>
+          <a:chExt cx="0" cy="0"/>
+        </a:xfrm>
+      </p:grpSpPr>
+      <p:pic>
+        <p:nvPicPr>
+          <p:cNvPr id="3" name="Imagen 2">
+            <a:extLst>
+              <a:ext uri="{FF2B5EF4-FFF2-40B4-BE49-F238E27FC236}">
+                <a16:creationId xmlns:a16="http://schemas.microsoft.com/office/drawing/2014/main" id="{A4CA1E61-072D-44FE-8FDE-B42E7EBE7C46}"/>
+              </a:ext>
+            </a:extLst>
+          </p:cNvPr>
+          <p:cNvPicPr>
+            <a:picLocks noChangeAspect="1"/>
+          </p:cNvPicPr>
+          <p:nvPr/>
+        </p:nvPicPr>
+        <p:blipFill rotWithShape="1">
+          <a:blip r:embed="rId2"/>
+          <a:srcRect l="22846" t="33224" r="22116" b="16906"/>
+          <a:stretch/>
+        </p:blipFill>
+        <p:spPr>
+          <a:xfrm>
+            <a:off x="0" y="0"/>
+            <a:ext cx="12192000" cy="6858000"/>
+          </a:xfrm>
+          <a:prstGeom prst="rect">
+            <a:avLst/>
+          </a:prstGeom>
+        </p:spPr>
+      </p:pic>
+    </p:spTree>
+    <p:extLst>
+      <p:ext uri="{BB962C8B-B14F-4D97-AF65-F5344CB8AC3E}">
+        <p14:creationId xmlns:p14="http://schemas.microsoft.com/office/powerpoint/2010/main" val="2031761190"/>
+      </p:ext>
+    </p:extLst>
+  </p:cSld>
+  <p:clrMapOvr>
+    <a:masterClrMapping/>
+  </p:clrMapOvr>
+</p:sld>
+</file>
+
+<file path=ppt/slides/slide44.xml><?xml version="1.0" encoding="utf-8"?>
+<p:sld xmlns:a="http://schemas.openxmlformats.org/drawingml/2006/main" xmlns:r="http://schemas.openxmlformats.org/officeDocument/2006/relationships" xmlns:p="http://schemas.openxmlformats.org/presentationml/2006/main">
+  <p:cSld>
+    <p:spTree>
+      <p:nvGrpSpPr>
+        <p:cNvPr id="1" name=""/>
+        <p:cNvGrpSpPr/>
+        <p:nvPr/>
+      </p:nvGrpSpPr>
+      <p:grpSpPr>
+        <a:xfrm>
+          <a:off x="0" y="0"/>
+          <a:ext cx="0" cy="0"/>
+          <a:chOff x="0" y="0"/>
+          <a:chExt cx="0" cy="0"/>
+        </a:xfrm>
+      </p:grpSpPr>
+      <p:pic>
+        <p:nvPicPr>
+          <p:cNvPr id="7" name="Imagen 6">
+            <a:extLst>
+              <a:ext uri="{FF2B5EF4-FFF2-40B4-BE49-F238E27FC236}">
+                <a16:creationId xmlns:a16="http://schemas.microsoft.com/office/drawing/2014/main" id="{DC130120-6444-45EF-A427-AD2C6DFA3A2B}"/>
+              </a:ext>
+            </a:extLst>
+          </p:cNvPr>
+          <p:cNvPicPr>
+            <a:picLocks noChangeAspect="1"/>
+          </p:cNvPicPr>
+          <p:nvPr/>
+        </p:nvPicPr>
+        <p:blipFill rotWithShape="1">
+          <a:blip r:embed="rId2"/>
+          <a:srcRect l="18577" t="57234" r="15077" b="15471"/>
+          <a:stretch/>
+        </p:blipFill>
+        <p:spPr>
+          <a:xfrm>
+            <a:off x="0" y="0"/>
+            <a:ext cx="12224619" cy="2827607"/>
+          </a:xfrm>
+          <a:prstGeom prst="rect">
+            <a:avLst/>
+          </a:prstGeom>
+        </p:spPr>
+      </p:pic>
+    </p:spTree>
+    <p:extLst>
+      <p:ext uri="{BB962C8B-B14F-4D97-AF65-F5344CB8AC3E}">
+        <p14:creationId xmlns:p14="http://schemas.microsoft.com/office/powerpoint/2010/main" val="2113232748"/>
+      </p:ext>
+    </p:extLst>
+  </p:cSld>
+  <p:clrMapOvr>
+    <a:masterClrMapping/>
+  </p:clrMapOvr>
+</p:sld>
+</file>
+
+<file path=ppt/slides/slide45.xml><?xml version="1.0" encoding="utf-8"?>
+<p:sld xmlns:a="http://schemas.openxmlformats.org/drawingml/2006/main" xmlns:r="http://schemas.openxmlformats.org/officeDocument/2006/relationships" xmlns:p="http://schemas.openxmlformats.org/presentationml/2006/main">
+  <p:cSld>
+    <p:spTree>
+      <p:nvGrpSpPr>
+        <p:cNvPr id="1" name=""/>
+        <p:cNvGrpSpPr/>
+        <p:nvPr/>
+      </p:nvGrpSpPr>
+      <p:grpSpPr>
+        <a:xfrm>
+          <a:off x="0" y="0"/>
+          <a:ext cx="0" cy="0"/>
+          <a:chOff x="0" y="0"/>
+          <a:chExt cx="0" cy="0"/>
+        </a:xfrm>
+      </p:grpSpPr>
+      <p:pic>
+        <p:nvPicPr>
+          <p:cNvPr id="2" name="Imagen 1">
+            <a:extLst>
+              <a:ext uri="{FF2B5EF4-FFF2-40B4-BE49-F238E27FC236}">
+                <a16:creationId xmlns:a16="http://schemas.microsoft.com/office/drawing/2014/main" id="{4D7DDBB0-53CB-47CD-AB21-356FBCCBB4B8}"/>
+              </a:ext>
+            </a:extLst>
+          </p:cNvPr>
+          <p:cNvPicPr>
+            <a:picLocks noChangeAspect="1"/>
+          </p:cNvPicPr>
+          <p:nvPr/>
+        </p:nvPicPr>
+        <p:blipFill rotWithShape="1">
+          <a:blip r:embed="rId2"/>
+          <a:srcRect l="22984" t="33111" r="22823" b="15036"/>
+          <a:stretch/>
+        </p:blipFill>
+        <p:spPr>
+          <a:xfrm>
+            <a:off x="-20391" y="0"/>
+            <a:ext cx="12212391" cy="6858000"/>
+          </a:xfrm>
+          <a:prstGeom prst="rect">
+            <a:avLst/>
+          </a:prstGeom>
+        </p:spPr>
+      </p:pic>
+    </p:spTree>
+    <p:extLst>
+      <p:ext uri="{BB962C8B-B14F-4D97-AF65-F5344CB8AC3E}">
+        <p14:creationId xmlns:p14="http://schemas.microsoft.com/office/powerpoint/2010/main" val="2553075234"/>
       </p:ext>
     </p:extLst>
   </p:cSld>

--- a/PLANTEAMIENTO_DEL_PROBLEMA.pptx
+++ b/PLANTEAMIENTO_DEL_PROBLEMA.pptx
@@ -48,8 +48,8 @@
     <p:sldId id="298" r:id="rId42"/>
     <p:sldId id="299" r:id="rId43"/>
     <p:sldId id="302" r:id="rId44"/>
-    <p:sldId id="300" r:id="rId45"/>
-    <p:sldId id="301" r:id="rId46"/>
+    <p:sldId id="301" r:id="rId45"/>
+    <p:sldId id="303" r:id="rId46"/>
   </p:sldIdLst>
   <p:sldSz cx="12192000" cy="6858000"/>
   <p:notesSz cx="6858000" cy="9144000"/>
@@ -19499,7 +19499,7 @@
         <p:spPr>
           <a:xfrm>
             <a:off x="4755220" y="2424767"/>
-            <a:ext cx="6231648" cy="1200329"/>
+            <a:ext cx="6231648" cy="923330"/>
           </a:xfrm>
           <a:prstGeom prst="rect">
             <a:avLst/>
@@ -19512,13 +19512,32 @@
           </a:bodyPr>
           <a:lstStyle/>
           <a:p>
-            <a:pPr marL="0" indent="0" algn="just">
-              <a:buNone/>
-            </a:pPr>
+            <a:pPr algn="just"/>
             <a:r>
               <a:rPr lang="es-CO" dirty="0"/>
-              <a:t>Son la definición de las funciones que el sistema será capaz de  realizar. Estos requerimientos describen las transformaciones que el sistema realiza sobre las entradas para producir las salidas (Arias Chaves, 2005).</a:t>
+              <a:t>Tienen que ver con características que pueden limitar al </a:t>
             </a:r>
+            <a:r>
+              <a:rPr lang="es-CO" dirty="0" smtClean="0"/>
+              <a:t>sistema, como </a:t>
+            </a:r>
+            <a:r>
+              <a:rPr lang="es-CO" dirty="0"/>
+              <a:t>el rendimiento, la compatibilidad, interfaces, etcétera (</a:t>
+            </a:r>
+            <a:r>
+              <a:rPr lang="es-CO" dirty="0" err="1" smtClean="0"/>
+              <a:t>Árias</a:t>
+            </a:r>
+            <a:r>
+              <a:rPr lang="es-CO" dirty="0" smtClean="0"/>
+              <a:t> Chaves</a:t>
+            </a:r>
+            <a:r>
+              <a:rPr lang="es-CO" dirty="0"/>
+              <a:t>, 2005).</a:t>
+            </a:r>
+            <a:endParaRPr lang="es-CO" dirty="0"/>
           </a:p>
         </p:txBody>
       </p:sp>
@@ -21072,6 +21091,36 @@
           </a:p>
         </p:txBody>
       </p:sp>
+      <p:sp>
+        <p:nvSpPr>
+          <p:cNvPr id="3" name="CuadroTexto 2"/>
+          <p:cNvSpPr txBox="1"/>
+          <p:nvPr/>
+        </p:nvSpPr>
+        <p:spPr>
+          <a:xfrm>
+            <a:off x="5181600" y="2216727"/>
+            <a:ext cx="4267200" cy="646331"/>
+          </a:xfrm>
+          <a:prstGeom prst="rect">
+            <a:avLst/>
+          </a:prstGeom>
+          <a:noFill/>
+        </p:spPr>
+        <p:txBody>
+          <a:bodyPr wrap="square" rtlCol="0">
+            <a:spAutoFit/>
+          </a:bodyPr>
+          <a:lstStyle/>
+          <a:p>
+            <a:r>
+              <a:rPr lang="es-CO" dirty="0" smtClean="0"/>
+              <a:t>Etapas de un proyecto a lo largo de su desarrollo.</a:t>
+            </a:r>
+            <a:endParaRPr lang="es-CO" dirty="0"/>
+          </a:p>
+        </p:txBody>
+      </p:sp>
     </p:spTree>
     <p:extLst>
       <p:ext uri="{BB962C8B-B14F-4D97-AF65-F5344CB8AC3E}">
@@ -21104,13 +21153,7 @@
       </p:grpSpPr>
       <p:pic>
         <p:nvPicPr>
-          <p:cNvPr id="3" name="Imagen 2">
-            <a:extLst>
-              <a:ext uri="{FF2B5EF4-FFF2-40B4-BE49-F238E27FC236}">
-                <a16:creationId xmlns:a16="http://schemas.microsoft.com/office/drawing/2014/main" id="{A4CA1E61-072D-44FE-8FDE-B42E7EBE7C46}"/>
-              </a:ext>
-            </a:extLst>
-          </p:cNvPr>
+          <p:cNvPr id="2" name="Imagen 1"/>
           <p:cNvPicPr>
             <a:picLocks noChangeAspect="1"/>
           </p:cNvPicPr>
@@ -21118,13 +21161,13 @@
         </p:nvPicPr>
         <p:blipFill rotWithShape="1">
           <a:blip r:embed="rId2"/>
-          <a:srcRect l="22846" t="33224" r="22116" b="16906"/>
+          <a:srcRect l="4525" t="10491"/>
           <a:stretch/>
         </p:blipFill>
         <p:spPr>
           <a:xfrm>
-            <a:off x="0" y="0"/>
-            <a:ext cx="12192000" cy="6858000"/>
+            <a:off x="1" y="0"/>
+            <a:ext cx="12192000" cy="6858001"/>
           </a:xfrm>
           <a:prstGeom prst="rect">
             <a:avLst/>
@@ -21163,13 +21206,7 @@
       </p:grpSpPr>
       <p:pic>
         <p:nvPicPr>
-          <p:cNvPr id="7" name="Imagen 6">
-            <a:extLst>
-              <a:ext uri="{FF2B5EF4-FFF2-40B4-BE49-F238E27FC236}">
-                <a16:creationId xmlns:a16="http://schemas.microsoft.com/office/drawing/2014/main" id="{DC130120-6444-45EF-A427-AD2C6DFA3A2B}"/>
-              </a:ext>
-            </a:extLst>
-          </p:cNvPr>
+          <p:cNvPr id="3" name="Imagen 2"/>
           <p:cNvPicPr>
             <a:picLocks noChangeAspect="1"/>
           </p:cNvPicPr>
@@ -21177,13 +21214,13 @@
         </p:nvPicPr>
         <p:blipFill rotWithShape="1">
           <a:blip r:embed="rId2"/>
-          <a:srcRect l="18577" t="57234" r="15077" b="15471"/>
+          <a:srcRect l="2907" t="12082"/>
           <a:stretch/>
         </p:blipFill>
         <p:spPr>
           <a:xfrm>
-            <a:off x="0" y="0"/>
-            <a:ext cx="12224619" cy="2827607"/>
+            <a:off x="-27709" y="0"/>
+            <a:ext cx="12219710" cy="6872768"/>
           </a:xfrm>
           <a:prstGeom prst="rect">
             <a:avLst/>
@@ -21193,7 +21230,7 @@
     </p:spTree>
     <p:extLst>
       <p:ext uri="{BB962C8B-B14F-4D97-AF65-F5344CB8AC3E}">
-        <p14:creationId xmlns:p14="http://schemas.microsoft.com/office/powerpoint/2010/main" val="2113232748"/>
+        <p14:creationId xmlns:p14="http://schemas.microsoft.com/office/powerpoint/2010/main" val="2553075234"/>
       </p:ext>
     </p:extLst>
   </p:cSld>
@@ -21220,39 +21257,307 @@
           <a:chExt cx="0" cy="0"/>
         </a:xfrm>
       </p:grpSpPr>
-      <p:pic>
-        <p:nvPicPr>
-          <p:cNvPr id="2" name="Imagen 1">
-            <a:extLst>
-              <a:ext uri="{FF2B5EF4-FFF2-40B4-BE49-F238E27FC236}">
-                <a16:creationId xmlns:a16="http://schemas.microsoft.com/office/drawing/2014/main" id="{4D7DDBB0-53CB-47CD-AB21-356FBCCBB4B8}"/>
-              </a:ext>
-            </a:extLst>
-          </p:cNvPr>
-          <p:cNvPicPr>
-            <a:picLocks noChangeAspect="1"/>
-          </p:cNvPicPr>
-          <p:nvPr/>
-        </p:nvPicPr>
-        <p:blipFill rotWithShape="1">
-          <a:blip r:embed="rId2"/>
-          <a:srcRect l="22984" t="33111" r="22823" b="15036"/>
-          <a:stretch/>
-        </p:blipFill>
-        <p:spPr>
-          <a:xfrm>
-            <a:off x="-20391" y="0"/>
-            <a:ext cx="12212391" cy="6858000"/>
-          </a:xfrm>
-          <a:prstGeom prst="rect">
-            <a:avLst/>
-          </a:prstGeom>
-        </p:spPr>
-      </p:pic>
+      <p:sp>
+        <p:nvSpPr>
+          <p:cNvPr id="2" name="Título 1"/>
+          <p:cNvSpPr>
+            <a:spLocks noGrp="1"/>
+          </p:cNvSpPr>
+          <p:nvPr>
+            <p:ph type="title"/>
+          </p:nvPr>
+        </p:nvSpPr>
+        <p:spPr/>
+        <p:txBody>
+          <a:bodyPr/>
+          <a:lstStyle/>
+          <a:p>
+            <a:r>
+              <a:rPr lang="es-CO" dirty="0" smtClean="0"/>
+              <a:t>Bibliografía</a:t>
+            </a:r>
+            <a:endParaRPr lang="es-CO" dirty="0"/>
+          </a:p>
+        </p:txBody>
+      </p:sp>
+      <p:sp>
+        <p:nvSpPr>
+          <p:cNvPr id="3" name="Marcador de contenido 2"/>
+          <p:cNvSpPr>
+            <a:spLocks noGrp="1"/>
+          </p:cNvSpPr>
+          <p:nvPr>
+            <p:ph idx="1"/>
+          </p:nvPr>
+        </p:nvSpPr>
+        <p:spPr/>
+        <p:txBody>
+          <a:bodyPr>
+            <a:normAutofit fontScale="62500" lnSpcReduction="20000"/>
+          </a:bodyPr>
+          <a:lstStyle/>
+          <a:p>
+            <a:pPr marL="0" indent="0">
+              <a:buNone/>
+            </a:pPr>
+            <a:r>
+              <a:rPr lang="es-CO" dirty="0" err="1"/>
+              <a:t>Árias</a:t>
+            </a:r>
+            <a:r>
+              <a:rPr lang="es-CO" dirty="0"/>
+              <a:t> Chaves, M. (2005). La ingeniería de requerimientos y su importancia en el desarrollo de</a:t>
+            </a:r>
+          </a:p>
+          <a:p>
+            <a:pPr marL="0" indent="0">
+              <a:buNone/>
+            </a:pPr>
+            <a:r>
+              <a:rPr lang="es-CO" dirty="0"/>
+              <a:t>proyectos software. </a:t>
+            </a:r>
+            <a:r>
+              <a:rPr lang="es-CO" dirty="0" err="1"/>
+              <a:t>InterSedes</a:t>
+            </a:r>
+            <a:r>
+              <a:rPr lang="es-CO" dirty="0"/>
+              <a:t>: Revista de las sedes regionales. Vol. VI, </a:t>
+            </a:r>
+            <a:r>
+              <a:rPr lang="es-CO" dirty="0" err="1"/>
+              <a:t>num</a:t>
+            </a:r>
+            <a:r>
+              <a:rPr lang="es-CO" dirty="0"/>
+              <a:t> 10. </a:t>
+            </a:r>
+            <a:r>
+              <a:rPr lang="es-CO" dirty="0" err="1"/>
+              <a:t>pp</a:t>
+            </a:r>
+            <a:r>
+              <a:rPr lang="es-CO" dirty="0"/>
+              <a:t> 1-13</a:t>
+            </a:r>
+            <a:r>
+              <a:rPr lang="es-CO" dirty="0" smtClean="0"/>
+              <a:t>.</a:t>
+            </a:r>
+            <a:endParaRPr lang="es-CO" dirty="0"/>
+          </a:p>
+          <a:p>
+            <a:pPr marL="0" indent="0">
+              <a:buNone/>
+            </a:pPr>
+            <a:r>
+              <a:rPr lang="es-CO" dirty="0" err="1"/>
+              <a:t>Tenjo</a:t>
+            </a:r>
+            <a:r>
+              <a:rPr lang="es-CO" dirty="0"/>
+              <a:t>, A. M. (26 de Enero de 2021). Alcaldía Municipal de </a:t>
+            </a:r>
+            <a:r>
+              <a:rPr lang="es-CO" dirty="0" err="1"/>
+              <a:t>Tenjo</a:t>
+            </a:r>
+            <a:r>
+              <a:rPr lang="es-CO" dirty="0"/>
+              <a:t>. Obtenido de Alcaldía Municipal</a:t>
+            </a:r>
+          </a:p>
+          <a:p>
+            <a:pPr marL="0" indent="0">
+              <a:buNone/>
+            </a:pPr>
+            <a:r>
+              <a:rPr lang="es-CO" dirty="0"/>
+              <a:t>de </a:t>
+            </a:r>
+            <a:r>
+              <a:rPr lang="es-CO" dirty="0" err="1"/>
+              <a:t>Tenjo</a:t>
+            </a:r>
+            <a:r>
+              <a:rPr lang="es-CO" dirty="0"/>
+              <a:t>: http://</a:t>
+            </a:r>
+            <a:r>
+              <a:rPr lang="es-CO" dirty="0" smtClean="0"/>
+              <a:t>www.tenjo-cundinamarca.gov.co/Paginas/default.aspx</a:t>
+            </a:r>
+            <a:endParaRPr lang="es-CO" dirty="0"/>
+          </a:p>
+          <a:p>
+            <a:pPr marL="0" indent="0">
+              <a:buNone/>
+            </a:pPr>
+            <a:r>
+              <a:rPr lang="es-CO" dirty="0"/>
+              <a:t>Ramírez Corredor, M. F. (25 de Enero de 2021). Charla informal con la orientadora del IED</a:t>
+            </a:r>
+          </a:p>
+          <a:p>
+            <a:pPr marL="0" indent="0">
+              <a:buNone/>
+            </a:pPr>
+            <a:r>
+              <a:rPr lang="es-CO" dirty="0"/>
+              <a:t>Enrique Santos Montero. (A. Duque Escobar, Entrevistador</a:t>
+            </a:r>
+            <a:r>
+              <a:rPr lang="es-CO" dirty="0" smtClean="0"/>
+              <a:t>)</a:t>
+            </a:r>
+            <a:endParaRPr lang="es-CO" dirty="0"/>
+          </a:p>
+          <a:p>
+            <a:pPr marL="0" indent="0">
+              <a:buNone/>
+            </a:pPr>
+            <a:r>
+              <a:rPr lang="es-CO" dirty="0"/>
+              <a:t>Hernández </a:t>
+            </a:r>
+            <a:r>
+              <a:rPr lang="es-CO" dirty="0" err="1"/>
+              <a:t>Sampieri</a:t>
+            </a:r>
+            <a:r>
+              <a:rPr lang="es-CO" dirty="0"/>
+              <a:t>, R.F.(2014). Metodología de la investigación.</a:t>
+            </a:r>
+          </a:p>
+          <a:p>
+            <a:pPr marL="0" indent="0">
+              <a:buNone/>
+            </a:pPr>
+            <a:r>
+              <a:rPr lang="es-CO" dirty="0"/>
+              <a:t>México D.F: McGraw</a:t>
+            </a:r>
+          </a:p>
+          <a:p>
+            <a:pPr marL="0" indent="0">
+              <a:buNone/>
+            </a:pPr>
+            <a:r>
+              <a:rPr lang="es-CO" dirty="0"/>
+              <a:t>Hill</a:t>
+            </a:r>
+            <a:r>
+              <a:rPr lang="es-CO" dirty="0" smtClean="0"/>
+              <a:t>.</a:t>
+            </a:r>
+            <a:endParaRPr lang="es-CO" dirty="0"/>
+          </a:p>
+          <a:p>
+            <a:pPr marL="0" indent="0">
+              <a:buNone/>
+            </a:pPr>
+            <a:r>
+              <a:rPr lang="es-CO" dirty="0"/>
+              <a:t>Portocarrero, D. (2021). Archivo personal</a:t>
+            </a:r>
+            <a:r>
+              <a:rPr lang="es-CO" dirty="0" smtClean="0"/>
+              <a:t>.</a:t>
+            </a:r>
+            <a:endParaRPr lang="es-CO" dirty="0"/>
+          </a:p>
+          <a:p>
+            <a:pPr marL="0" indent="0">
+              <a:buNone/>
+            </a:pPr>
+            <a:r>
+              <a:rPr lang="es-CO" dirty="0" err="1"/>
+              <a:t>Taobada</a:t>
+            </a:r>
+            <a:r>
+              <a:rPr lang="es-CO" dirty="0"/>
+              <a:t> Jiménez, A. (s.f.). UML </a:t>
+            </a:r>
+            <a:r>
+              <a:rPr lang="es-CO" dirty="0" err="1"/>
+              <a:t>Unified</a:t>
+            </a:r>
+            <a:r>
+              <a:rPr lang="es-CO" dirty="0"/>
+              <a:t> </a:t>
+            </a:r>
+            <a:r>
+              <a:rPr lang="es-CO" dirty="0" err="1"/>
+              <a:t>Modeling</a:t>
+            </a:r>
+            <a:r>
+              <a:rPr lang="es-CO" dirty="0"/>
+              <a:t> </a:t>
+            </a:r>
+            <a:r>
+              <a:rPr lang="es-CO" dirty="0" err="1"/>
+              <a:t>Language</a:t>
+            </a:r>
+            <a:r>
+              <a:rPr lang="es-CO" dirty="0"/>
+              <a:t>. Lima. </a:t>
+            </a:r>
+            <a:r>
+              <a:rPr lang="es-CO" dirty="0" err="1" smtClean="0"/>
+              <a:t>LibrosDigitales.Net</a:t>
+            </a:r>
+            <a:endParaRPr lang="es-CO" dirty="0"/>
+          </a:p>
+          <a:p>
+            <a:pPr marL="0" indent="0">
+              <a:buNone/>
+            </a:pPr>
+            <a:r>
+              <a:rPr lang="es-CO" dirty="0"/>
+              <a:t>White, S; </a:t>
+            </a:r>
+            <a:r>
+              <a:rPr lang="es-CO" dirty="0" err="1"/>
+              <a:t>Miers</a:t>
+            </a:r>
+            <a:r>
+              <a:rPr lang="es-CO" dirty="0"/>
+              <a:t>, D. (2009). Guía de referencia y modelado BPMN. </a:t>
+            </a:r>
+            <a:r>
+              <a:rPr lang="es-CO" dirty="0" err="1"/>
+              <a:t>Lighthouse</a:t>
+            </a:r>
+            <a:r>
+              <a:rPr lang="es-CO" dirty="0"/>
+              <a:t> Point. </a:t>
+            </a:r>
+            <a:r>
+              <a:rPr lang="es-CO" dirty="0" err="1"/>
+              <a:t>Future</a:t>
+            </a:r>
+            <a:endParaRPr lang="es-CO" dirty="0"/>
+          </a:p>
+          <a:p>
+            <a:pPr marL="0" indent="0">
+              <a:buNone/>
+            </a:pPr>
+            <a:r>
+              <a:rPr lang="es-CO" dirty="0" err="1"/>
+              <a:t>Strategies</a:t>
+            </a:r>
+            <a:r>
+              <a:rPr lang="es-CO" dirty="0"/>
+              <a:t> Inc.</a:t>
+            </a:r>
+          </a:p>
+        </p:txBody>
+      </p:sp>
     </p:spTree>
     <p:extLst>
       <p:ext uri="{BB962C8B-B14F-4D97-AF65-F5344CB8AC3E}">
-        <p14:creationId xmlns:p14="http://schemas.microsoft.com/office/powerpoint/2010/main" val="2553075234"/>
+        <p14:creationId xmlns:p14="http://schemas.microsoft.com/office/powerpoint/2010/main" val="1000145200"/>
       </p:ext>
     </p:extLst>
   </p:cSld>

--- a/PLANTEAMIENTO_DEL_PROBLEMA.pptx
+++ b/PLANTEAMIENTO_DEL_PROBLEMA.pptx
@@ -1565,7 +1565,7 @@
           <a:p>
             <a:fld id="{D253BB75-C9F5-8342-9D8A-C2F31092015F}" type="datetimeFigureOut">
               <a:rPr lang="es-CO" smtClean="0"/>
-              <a:t>10/03/2021</a:t>
+              <a:t>17/04/2021</a:t>
             </a:fld>
             <a:endParaRPr lang="es-CO"/>
           </a:p>
@@ -3024,7 +3024,7 @@
           <a:p>
             <a:fld id="{D253BB75-C9F5-8342-9D8A-C2F31092015F}" type="datetimeFigureOut">
               <a:rPr lang="es-CO" smtClean="0"/>
-              <a:t>10/03/2021</a:t>
+              <a:t>17/04/2021</a:t>
             </a:fld>
             <a:endParaRPr lang="es-CO"/>
           </a:p>
@@ -4477,7 +4477,7 @@
           <a:p>
             <a:fld id="{D253BB75-C9F5-8342-9D8A-C2F31092015F}" type="datetimeFigureOut">
               <a:rPr lang="es-CO" smtClean="0"/>
-              <a:t>10/03/2021</a:t>
+              <a:t>17/04/2021</a:t>
             </a:fld>
             <a:endParaRPr lang="es-CO"/>
           </a:p>
@@ -5932,7 +5932,7 @@
           <a:p>
             <a:fld id="{D253BB75-C9F5-8342-9D8A-C2F31092015F}" type="datetimeFigureOut">
               <a:rPr lang="es-CO" smtClean="0"/>
-              <a:t>10/03/2021</a:t>
+              <a:t>17/04/2021</a:t>
             </a:fld>
             <a:endParaRPr lang="es-CO"/>
           </a:p>
@@ -7440,7 +7440,7 @@
           <a:p>
             <a:fld id="{D253BB75-C9F5-8342-9D8A-C2F31092015F}" type="datetimeFigureOut">
               <a:rPr lang="es-CO" smtClean="0"/>
-              <a:t>10/03/2021</a:t>
+              <a:t>17/04/2021</a:t>
             </a:fld>
             <a:endParaRPr lang="es-CO"/>
           </a:p>
@@ -8961,7 +8961,7 @@
           <a:p>
             <a:fld id="{D253BB75-C9F5-8342-9D8A-C2F31092015F}" type="datetimeFigureOut">
               <a:rPr lang="es-CO" smtClean="0"/>
-              <a:t>10/03/2021</a:t>
+              <a:t>17/04/2021</a:t>
             </a:fld>
             <a:endParaRPr lang="es-CO"/>
           </a:p>
@@ -10626,7 +10626,7 @@
           <a:p>
             <a:fld id="{D253BB75-C9F5-8342-9D8A-C2F31092015F}" type="datetimeFigureOut">
               <a:rPr lang="es-CO" smtClean="0"/>
-              <a:t>10/03/2021</a:t>
+              <a:t>17/04/2021</a:t>
             </a:fld>
             <a:endParaRPr lang="es-CO"/>
           </a:p>
@@ -12024,7 +12024,7 @@
           <a:p>
             <a:fld id="{D253BB75-C9F5-8342-9D8A-C2F31092015F}" type="datetimeFigureOut">
               <a:rPr lang="es-CO" smtClean="0"/>
-              <a:t>10/03/2021</a:t>
+              <a:t>17/04/2021</a:t>
             </a:fld>
             <a:endParaRPr lang="es-CO"/>
           </a:p>
@@ -12124,7 +12124,7 @@
           <a:p>
             <a:fld id="{D253BB75-C9F5-8342-9D8A-C2F31092015F}" type="datetimeFigureOut">
               <a:rPr lang="es-CO" smtClean="0"/>
-              <a:t>10/03/2021</a:t>
+              <a:t>17/04/2021</a:t>
             </a:fld>
             <a:endParaRPr lang="es-CO"/>
           </a:p>
@@ -13650,7 +13650,7 @@
           <a:p>
             <a:fld id="{D253BB75-C9F5-8342-9D8A-C2F31092015F}" type="datetimeFigureOut">
               <a:rPr lang="es-CO" smtClean="0"/>
-              <a:t>10/03/2021</a:t>
+              <a:t>17/04/2021</a:t>
             </a:fld>
             <a:endParaRPr lang="es-CO"/>
           </a:p>
@@ -15186,7 +15186,7 @@
           <a:p>
             <a:fld id="{D253BB75-C9F5-8342-9D8A-C2F31092015F}" type="datetimeFigureOut">
               <a:rPr lang="es-CO" smtClean="0"/>
-              <a:t>10/03/2021</a:t>
+              <a:t>17/04/2021</a:t>
             </a:fld>
             <a:endParaRPr lang="es-CO"/>
           </a:p>
@@ -15409,7 +15409,7 @@
           <a:p>
             <a:fld id="{D253BB75-C9F5-8342-9D8A-C2F31092015F}" type="datetimeFigureOut">
               <a:rPr lang="es-CO" smtClean="0"/>
-              <a:t>10/03/2021</a:t>
+              <a:t>17/04/2021</a:t>
             </a:fld>
             <a:endParaRPr lang="es-CO"/>
           </a:p>
@@ -17688,30 +17688,28 @@
       </p:grpSpPr>
       <p:pic>
         <p:nvPicPr>
-          <p:cNvPr id="4" name="Marcador de contenido 4">
-            <a:extLst>
-              <a:ext uri="{FF2B5EF4-FFF2-40B4-BE49-F238E27FC236}">
-                <a16:creationId xmlns:a16="http://schemas.microsoft.com/office/drawing/2014/main" id="{ADAC90ED-B707-6643-BB7E-6710D8A59D06}"/>
-              </a:ext>
-            </a:extLst>
-          </p:cNvPr>
+          <p:cNvPr id="8" name="Imagen 7"/>
           <p:cNvPicPr>
-            <a:picLocks noGrp="1" noChangeAspect="1"/>
+            <a:picLocks noChangeAspect="1"/>
           </p:cNvPicPr>
-          <p:nvPr>
-            <p:ph idx="1"/>
-          </p:nvPr>
+          <p:nvPr/>
         </p:nvPicPr>
         <p:blipFill>
-          <a:blip r:embed="rId2"/>
+          <a:blip r:embed="rId2">
+            <a:extLst>
+              <a:ext uri="{28A0092B-C50C-407E-A947-70E740481C1C}">
+                <a14:useLocalDpi xmlns:a14="http://schemas.microsoft.com/office/drawing/2010/main" val="0"/>
+              </a:ext>
+            </a:extLst>
+          </a:blip>
           <a:stretch>
             <a:fillRect/>
           </a:stretch>
         </p:blipFill>
         <p:spPr>
           <a:xfrm>
-            <a:off x="0" y="1"/>
-            <a:ext cx="12192000" cy="6826178"/>
+            <a:off x="805728" y="0"/>
+            <a:ext cx="9610725" cy="6838950"/>
           </a:xfrm>
           <a:prstGeom prst="rect">
             <a:avLst/>
@@ -17720,20 +17718,14 @@
       </p:pic>
       <p:sp>
         <p:nvSpPr>
-          <p:cNvPr id="5" name="CuadroTexto 4">
-            <a:extLst>
-              <a:ext uri="{FF2B5EF4-FFF2-40B4-BE49-F238E27FC236}">
-                <a16:creationId xmlns:a16="http://schemas.microsoft.com/office/drawing/2014/main" id="{D6FFAA52-70A7-C944-B0AF-9A36AF74E521}"/>
-              </a:ext>
-            </a:extLst>
-          </p:cNvPr>
+          <p:cNvPr id="9" name="CuadroTexto 8"/>
           <p:cNvSpPr txBox="1"/>
           <p:nvPr/>
         </p:nvSpPr>
         <p:spPr>
           <a:xfrm>
-            <a:off x="8223539" y="6549180"/>
-            <a:ext cx="4600575" cy="276999"/>
+            <a:off x="7730836" y="6580769"/>
+            <a:ext cx="3200400" cy="276999"/>
           </a:xfrm>
           <a:prstGeom prst="rect">
             <a:avLst/>
@@ -17747,9 +17739,30 @@
           <a:lstStyle/>
           <a:p>
             <a:r>
-              <a:rPr lang="es-CO" sz="1200" dirty="0"/>
-              <a:t>Fuente: Construcción propia en Lucidchart</a:t>
+              <a:rPr lang="es-CO" sz="1200" dirty="0">
+                <a:latin typeface="Times New Roman" panose="02020603050405020304" pitchFamily="18" charset="0"/>
+                <a:cs typeface="Times New Roman" panose="02020603050405020304" pitchFamily="18" charset="0"/>
+              </a:rPr>
+              <a:t>Fuente: Construcción propia </a:t>
             </a:r>
+            <a:r>
+              <a:rPr lang="es-CO" sz="1200" dirty="0" smtClean="0">
+                <a:latin typeface="Times New Roman" panose="02020603050405020304" pitchFamily="18" charset="0"/>
+                <a:cs typeface="Times New Roman" panose="02020603050405020304" pitchFamily="18" charset="0"/>
+              </a:rPr>
+              <a:t>en Visual </a:t>
+            </a:r>
+            <a:r>
+              <a:rPr lang="es-CO" sz="1200" dirty="0" err="1" smtClean="0">
+                <a:latin typeface="Times New Roman" panose="02020603050405020304" pitchFamily="18" charset="0"/>
+                <a:cs typeface="Times New Roman" panose="02020603050405020304" pitchFamily="18" charset="0"/>
+              </a:rPr>
+              <a:t>Paradigm</a:t>
+            </a:r>
+            <a:endParaRPr lang="es-CO" sz="1200" dirty="0">
+              <a:latin typeface="Times New Roman" panose="02020603050405020304" pitchFamily="18" charset="0"/>
+              <a:cs typeface="Times New Roman" panose="02020603050405020304" pitchFamily="18" charset="0"/>
+            </a:endParaRPr>
           </a:p>
         </p:txBody>
       </p:sp>
@@ -19537,7 +19550,6 @@
               <a:rPr lang="es-CO" dirty="0"/>
               <a:t>, 2005).</a:t>
             </a:r>
-            <a:endParaRPr lang="es-CO" dirty="0"/>
           </a:p>
         </p:txBody>
       </p:sp>

--- a/PLANTEAMIENTO_DEL_PROBLEMA.pptx
+++ b/PLANTEAMIENTO_DEL_PROBLEMA.pptx
@@ -35,21 +35,40 @@
     <p:sldId id="283" r:id="rId29"/>
     <p:sldId id="284" r:id="rId30"/>
     <p:sldId id="285" r:id="rId31"/>
-    <p:sldId id="286" r:id="rId32"/>
-    <p:sldId id="287" r:id="rId33"/>
-    <p:sldId id="288" r:id="rId34"/>
-    <p:sldId id="289" r:id="rId35"/>
-    <p:sldId id="292" r:id="rId36"/>
-    <p:sldId id="293" r:id="rId37"/>
-    <p:sldId id="294" r:id="rId38"/>
-    <p:sldId id="295" r:id="rId39"/>
-    <p:sldId id="296" r:id="rId40"/>
-    <p:sldId id="297" r:id="rId41"/>
-    <p:sldId id="298" r:id="rId42"/>
-    <p:sldId id="299" r:id="rId43"/>
-    <p:sldId id="302" r:id="rId44"/>
-    <p:sldId id="301" r:id="rId45"/>
-    <p:sldId id="303" r:id="rId46"/>
+    <p:sldId id="322" r:id="rId32"/>
+    <p:sldId id="327" r:id="rId33"/>
+    <p:sldId id="311" r:id="rId34"/>
+    <p:sldId id="328" r:id="rId35"/>
+    <p:sldId id="329" r:id="rId36"/>
+    <p:sldId id="330" r:id="rId37"/>
+    <p:sldId id="325" r:id="rId38"/>
+    <p:sldId id="333" r:id="rId39"/>
+    <p:sldId id="334" r:id="rId40"/>
+    <p:sldId id="335" r:id="rId41"/>
+    <p:sldId id="336" r:id="rId42"/>
+    <p:sldId id="331" r:id="rId43"/>
+    <p:sldId id="332" r:id="rId44"/>
+    <p:sldId id="337" r:id="rId45"/>
+    <p:sldId id="338" r:id="rId46"/>
+    <p:sldId id="293" r:id="rId47"/>
+    <p:sldId id="296" r:id="rId48"/>
+    <p:sldId id="339" r:id="rId49"/>
+    <p:sldId id="340" r:id="rId50"/>
+    <p:sldId id="341" r:id="rId51"/>
+    <p:sldId id="297" r:id="rId52"/>
+    <p:sldId id="299" r:id="rId53"/>
+    <p:sldId id="300" r:id="rId54"/>
+    <p:sldId id="298" r:id="rId55"/>
+    <p:sldId id="342" r:id="rId56"/>
+    <p:sldId id="343" r:id="rId57"/>
+    <p:sldId id="344" r:id="rId58"/>
+    <p:sldId id="304" r:id="rId59"/>
+    <p:sldId id="307" r:id="rId60"/>
+    <p:sldId id="308" r:id="rId61"/>
+    <p:sldId id="309" r:id="rId62"/>
+    <p:sldId id="302" r:id="rId63"/>
+    <p:sldId id="301" r:id="rId64"/>
+    <p:sldId id="303" r:id="rId65"/>
   </p:sldIdLst>
   <p:sldSz cx="12192000" cy="6858000"/>
   <p:notesSz cx="6858000" cy="9144000"/>
@@ -1565,7 +1584,7 @@
           <a:p>
             <a:fld id="{D253BB75-C9F5-8342-9D8A-C2F31092015F}" type="datetimeFigureOut">
               <a:rPr lang="es-CO" smtClean="0"/>
-              <a:t>17/04/2021</a:t>
+              <a:t>17/04/21</a:t>
             </a:fld>
             <a:endParaRPr lang="es-CO"/>
           </a:p>
@@ -3024,7 +3043,7 @@
           <a:p>
             <a:fld id="{D253BB75-C9F5-8342-9D8A-C2F31092015F}" type="datetimeFigureOut">
               <a:rPr lang="es-CO" smtClean="0"/>
-              <a:t>17/04/2021</a:t>
+              <a:t>17/04/21</a:t>
             </a:fld>
             <a:endParaRPr lang="es-CO"/>
           </a:p>
@@ -4477,7 +4496,7 @@
           <a:p>
             <a:fld id="{D253BB75-C9F5-8342-9D8A-C2F31092015F}" type="datetimeFigureOut">
               <a:rPr lang="es-CO" smtClean="0"/>
-              <a:t>17/04/2021</a:t>
+              <a:t>17/04/21</a:t>
             </a:fld>
             <a:endParaRPr lang="es-CO"/>
           </a:p>
@@ -5932,7 +5951,7 @@
           <a:p>
             <a:fld id="{D253BB75-C9F5-8342-9D8A-C2F31092015F}" type="datetimeFigureOut">
               <a:rPr lang="es-CO" smtClean="0"/>
-              <a:t>17/04/2021</a:t>
+              <a:t>17/04/21</a:t>
             </a:fld>
             <a:endParaRPr lang="es-CO"/>
           </a:p>
@@ -7440,7 +7459,7 @@
           <a:p>
             <a:fld id="{D253BB75-C9F5-8342-9D8A-C2F31092015F}" type="datetimeFigureOut">
               <a:rPr lang="es-CO" smtClean="0"/>
-              <a:t>17/04/2021</a:t>
+              <a:t>17/04/21</a:t>
             </a:fld>
             <a:endParaRPr lang="es-CO"/>
           </a:p>
@@ -8961,7 +8980,7 @@
           <a:p>
             <a:fld id="{D253BB75-C9F5-8342-9D8A-C2F31092015F}" type="datetimeFigureOut">
               <a:rPr lang="es-CO" smtClean="0"/>
-              <a:t>17/04/2021</a:t>
+              <a:t>17/04/21</a:t>
             </a:fld>
             <a:endParaRPr lang="es-CO"/>
           </a:p>
@@ -10626,7 +10645,7 @@
           <a:p>
             <a:fld id="{D253BB75-C9F5-8342-9D8A-C2F31092015F}" type="datetimeFigureOut">
               <a:rPr lang="es-CO" smtClean="0"/>
-              <a:t>17/04/2021</a:t>
+              <a:t>17/04/21</a:t>
             </a:fld>
             <a:endParaRPr lang="es-CO"/>
           </a:p>
@@ -12024,7 +12043,7 @@
           <a:p>
             <a:fld id="{D253BB75-C9F5-8342-9D8A-C2F31092015F}" type="datetimeFigureOut">
               <a:rPr lang="es-CO" smtClean="0"/>
-              <a:t>17/04/2021</a:t>
+              <a:t>17/04/21</a:t>
             </a:fld>
             <a:endParaRPr lang="es-CO"/>
           </a:p>
@@ -12124,7 +12143,7 @@
           <a:p>
             <a:fld id="{D253BB75-C9F5-8342-9D8A-C2F31092015F}" type="datetimeFigureOut">
               <a:rPr lang="es-CO" smtClean="0"/>
-              <a:t>17/04/2021</a:t>
+              <a:t>17/04/21</a:t>
             </a:fld>
             <a:endParaRPr lang="es-CO"/>
           </a:p>
@@ -13650,7 +13669,7 @@
           <a:p>
             <a:fld id="{D253BB75-C9F5-8342-9D8A-C2F31092015F}" type="datetimeFigureOut">
               <a:rPr lang="es-CO" smtClean="0"/>
-              <a:t>17/04/2021</a:t>
+              <a:t>17/04/21</a:t>
             </a:fld>
             <a:endParaRPr lang="es-CO"/>
           </a:p>
@@ -15186,7 +15205,7 @@
           <a:p>
             <a:fld id="{D253BB75-C9F5-8342-9D8A-C2F31092015F}" type="datetimeFigureOut">
               <a:rPr lang="es-CO" smtClean="0"/>
-              <a:t>17/04/2021</a:t>
+              <a:t>17/04/21</a:t>
             </a:fld>
             <a:endParaRPr lang="es-CO"/>
           </a:p>
@@ -15409,7 +15428,7 @@
           <a:p>
             <a:fld id="{D253BB75-C9F5-8342-9D8A-C2F31092015F}" type="datetimeFigureOut">
               <a:rPr lang="es-CO" smtClean="0"/>
-              <a:t>17/04/2021</a:t>
+              <a:t>17/04/21</a:t>
             </a:fld>
             <a:endParaRPr lang="es-CO"/>
           </a:p>
@@ -17743,17 +17762,10 @@
                 <a:latin typeface="Times New Roman" panose="02020603050405020304" pitchFamily="18" charset="0"/>
                 <a:cs typeface="Times New Roman" panose="02020603050405020304" pitchFamily="18" charset="0"/>
               </a:rPr>
-              <a:t>Fuente: Construcción propia </a:t>
+              <a:t>Fuente: Construcción propia en Visual </a:t>
             </a:r>
             <a:r>
-              <a:rPr lang="es-CO" sz="1200" dirty="0" smtClean="0">
-                <a:latin typeface="Times New Roman" panose="02020603050405020304" pitchFamily="18" charset="0"/>
-                <a:cs typeface="Times New Roman" panose="02020603050405020304" pitchFamily="18" charset="0"/>
-              </a:rPr>
-              <a:t>en Visual </a:t>
-            </a:r>
-            <a:r>
-              <a:rPr lang="es-CO" sz="1200" dirty="0" err="1" smtClean="0">
+              <a:rPr lang="es-CO" sz="1200" dirty="0" err="1">
                 <a:latin typeface="Times New Roman" panose="02020603050405020304" pitchFamily="18" charset="0"/>
                 <a:cs typeface="Times New Roman" panose="02020603050405020304" pitchFamily="18" charset="0"/>
               </a:rPr>
@@ -17996,7 +18008,7 @@
           <p:cNvPr id="2" name="Título 1">
             <a:extLst>
               <a:ext uri="{FF2B5EF4-FFF2-40B4-BE49-F238E27FC236}">
-                <a16:creationId xmlns:a16="http://schemas.microsoft.com/office/drawing/2014/main" id="{B996C622-08C3-4F53-8B6B-78DB5136EE39}"/>
+                <a16:creationId xmlns:a16="http://schemas.microsoft.com/office/drawing/2014/main" id="{ADA63A5C-3352-984D-AACB-2159402FE71B}"/>
               </a:ext>
             </a:extLst>
           </p:cNvPr>
@@ -18021,10 +18033,10 @@
       </p:sp>
       <p:graphicFrame>
         <p:nvGraphicFramePr>
-          <p:cNvPr id="6" name="Tabla 4">
+          <p:cNvPr id="4" name="Tabla 4">
             <a:extLst>
               <a:ext uri="{FF2B5EF4-FFF2-40B4-BE49-F238E27FC236}">
-                <a16:creationId xmlns:a16="http://schemas.microsoft.com/office/drawing/2014/main" id="{72043CEB-92A8-4602-84EB-7871C514A403}"/>
+                <a16:creationId xmlns:a16="http://schemas.microsoft.com/office/drawing/2014/main" id="{7000E52E-6886-8F43-A5E4-226AD35C6346}"/>
               </a:ext>
             </a:extLst>
           </p:cNvPr>
@@ -18033,15 +18045,10 @@
           </p:cNvGraphicFramePr>
           <p:nvPr>
             <p:ph idx="1"/>
-            <p:extLst>
-              <p:ext uri="{D42A27DB-BD31-4B8C-83A1-F6EECF244321}">
-                <p14:modId xmlns:p14="http://schemas.microsoft.com/office/powerpoint/2010/main" val="2096897839"/>
-              </p:ext>
-            </p:extLst>
           </p:nvPr>
         </p:nvGraphicFramePr>
         <p:xfrm>
-          <a:off x="5074725" y="1225306"/>
+          <a:off x="5118100" y="803275"/>
           <a:ext cx="6281738" cy="3733800"/>
         </p:xfrm>
         <a:graphic>
@@ -18120,7 +18127,7 @@
                     <a:p>
                       <a:r>
                         <a:rPr lang="es-CO" sz="1400" dirty="0"/>
-                        <a:t>Loguear  usuario</a:t>
+                        <a:t>Ingreso de  usuario </a:t>
                       </a:r>
                     </a:p>
                   </a:txBody>
@@ -18153,7 +18160,7 @@
                     <a:p>
                       <a:r>
                         <a:rPr lang="es-CO" sz="1400" dirty="0"/>
-                        <a:t>Los usuarios deben poder inscribirse en el sistema</a:t>
+                        <a:t>El usuario debe poder ingresar al sistema y seleccionar su rol.</a:t>
                       </a:r>
                     </a:p>
                   </a:txBody>
@@ -18186,7 +18193,7 @@
                     <a:p>
                       <a:r>
                         <a:rPr lang="es-CO" sz="1400" dirty="0"/>
-                        <a:t>El sistema podrá habilitar la creación de usuarios</a:t>
+                        <a:t>El sistema permitirá el ingreso del usuario según el rol seleccionado.</a:t>
                       </a:r>
                     </a:p>
                   </a:txBody>
@@ -18198,7 +18205,7 @@
                   </a:ext>
                 </a:extLst>
               </a:tr>
-              <a:tr h="565590">
+              <a:tr h="370840">
                 <a:tc>
                   <a:txBody>
                     <a:bodyPr/>
@@ -18307,7 +18314,7 @@
     </p:spTree>
     <p:extLst>
       <p:ext uri="{BB962C8B-B14F-4D97-AF65-F5344CB8AC3E}">
-        <p14:creationId xmlns:p14="http://schemas.microsoft.com/office/powerpoint/2010/main" val="831625336"/>
+        <p14:creationId xmlns:p14="http://schemas.microsoft.com/office/powerpoint/2010/main" val="3363539999"/>
       </p:ext>
     </p:extLst>
   </p:cSld>
@@ -18339,7 +18346,7 @@
           <p:cNvPr id="2" name="Título 1">
             <a:extLst>
               <a:ext uri="{FF2B5EF4-FFF2-40B4-BE49-F238E27FC236}">
-                <a16:creationId xmlns:a16="http://schemas.microsoft.com/office/drawing/2014/main" id="{82EB4807-D4D5-4B69-A2BE-268A2CD72095}"/>
+                <a16:creationId xmlns:a16="http://schemas.microsoft.com/office/drawing/2014/main" id="{ADA63A5C-3352-984D-AACB-2159402FE71B}"/>
               </a:ext>
             </a:extLst>
           </p:cNvPr>
@@ -18367,7 +18374,7 @@
           <p:cNvPr id="4" name="Tabla 4">
             <a:extLst>
               <a:ext uri="{FF2B5EF4-FFF2-40B4-BE49-F238E27FC236}">
-                <a16:creationId xmlns:a16="http://schemas.microsoft.com/office/drawing/2014/main" id="{F8977ED4-9D94-469E-96C2-AA9246A30004}"/>
+                <a16:creationId xmlns:a16="http://schemas.microsoft.com/office/drawing/2014/main" id="{7000E52E-6886-8F43-A5E4-226AD35C6346}"/>
               </a:ext>
             </a:extLst>
           </p:cNvPr>
@@ -18376,15 +18383,10 @@
           </p:cNvGraphicFramePr>
           <p:nvPr>
             <p:ph idx="1"/>
-            <p:extLst>
-              <p:ext uri="{D42A27DB-BD31-4B8C-83A1-F6EECF244321}">
-                <p14:modId xmlns:p14="http://schemas.microsoft.com/office/powerpoint/2010/main" val="3859166619"/>
-              </p:ext>
-            </p:extLst>
           </p:nvPr>
         </p:nvGraphicFramePr>
         <p:xfrm>
-          <a:off x="5118100" y="958020"/>
+          <a:off x="5118100" y="803275"/>
           <a:ext cx="6281738" cy="3947160"/>
         </p:xfrm>
         <a:graphic>
@@ -18463,7 +18465,7 @@
                     <a:p>
                       <a:r>
                         <a:rPr lang="es-CO" sz="1400" dirty="0"/>
-                        <a:t>Identificar  usuario</a:t>
+                        <a:t>Crear contraseña</a:t>
                       </a:r>
                     </a:p>
                   </a:txBody>
@@ -18496,7 +18498,7 @@
                     <a:p>
                       <a:r>
                         <a:rPr lang="es-CO" sz="1400" dirty="0"/>
-                        <a:t>Los usuarios deben ingresar a la página con una clave y un nombre de usuario.</a:t>
+                        <a:t>El usuario crea su contraseña de ingreso al sistema</a:t>
                       </a:r>
                     </a:p>
                   </a:txBody>
@@ -18529,7 +18531,7 @@
                     <a:p>
                       <a:r>
                         <a:rPr lang="es-CO" sz="1400" dirty="0"/>
-                        <a:t>El sistema podrá ser consultado de acuerdo al rol de cada usuario.</a:t>
+                        <a:t>El sistema permitirá la creación de una contraseña para el ingreso de los usuarios.</a:t>
                       </a:r>
                     </a:p>
                   </a:txBody>
@@ -18650,7 +18652,7 @@
     </p:spTree>
     <p:extLst>
       <p:ext uri="{BB962C8B-B14F-4D97-AF65-F5344CB8AC3E}">
-        <p14:creationId xmlns:p14="http://schemas.microsoft.com/office/powerpoint/2010/main" val="2724888028"/>
+        <p14:creationId xmlns:p14="http://schemas.microsoft.com/office/powerpoint/2010/main" val="1363193474"/>
       </p:ext>
     </p:extLst>
   </p:cSld>
@@ -18682,7 +18684,7 @@
           <p:cNvPr id="2" name="Título 1">
             <a:extLst>
               <a:ext uri="{FF2B5EF4-FFF2-40B4-BE49-F238E27FC236}">
-                <a16:creationId xmlns:a16="http://schemas.microsoft.com/office/drawing/2014/main" id="{D808FD72-459F-47C9-8B0A-62419C5C4325}"/>
+                <a16:creationId xmlns:a16="http://schemas.microsoft.com/office/drawing/2014/main" id="{ADA63A5C-3352-984D-AACB-2159402FE71B}"/>
               </a:ext>
             </a:extLst>
           </p:cNvPr>
@@ -18705,39 +18707,302 @@
           </a:p>
         </p:txBody>
       </p:sp>
-      <p:pic>
-        <p:nvPicPr>
-          <p:cNvPr id="10" name="Imagen 9">
+      <p:graphicFrame>
+        <p:nvGraphicFramePr>
+          <p:cNvPr id="4" name="Tabla 4">
             <a:extLst>
               <a:ext uri="{FF2B5EF4-FFF2-40B4-BE49-F238E27FC236}">
-                <a16:creationId xmlns:a16="http://schemas.microsoft.com/office/drawing/2014/main" id="{46F7A5B9-D044-4380-8B8B-88FE77E60109}"/>
+                <a16:creationId xmlns:a16="http://schemas.microsoft.com/office/drawing/2014/main" id="{7000E52E-6886-8F43-A5E4-226AD35C6346}"/>
               </a:ext>
             </a:extLst>
           </p:cNvPr>
-          <p:cNvPicPr>
-            <a:picLocks noChangeAspect="1"/>
-          </p:cNvPicPr>
-          <p:nvPr/>
-        </p:nvPicPr>
-        <p:blipFill rotWithShape="1">
-          <a:blip r:embed="rId2"/>
-          <a:srcRect l="52137" t="34257" r="14839" b="26225"/>
-          <a:stretch/>
-        </p:blipFill>
-        <p:spPr>
-          <a:xfrm>
-            <a:off x="5540514" y="1273291"/>
-            <a:ext cx="5648534" cy="3800153"/>
-          </a:xfrm>
-          <a:prstGeom prst="rect">
-            <a:avLst/>
-          </a:prstGeom>
-        </p:spPr>
-      </p:pic>
+          <p:cNvGraphicFramePr>
+            <a:graphicFrameLocks noGrp="1"/>
+          </p:cNvGraphicFramePr>
+          <p:nvPr>
+            <p:ph idx="1"/>
+          </p:nvPr>
+        </p:nvGraphicFramePr>
+        <p:xfrm>
+          <a:off x="5118100" y="803275"/>
+          <a:ext cx="6281738" cy="4160520"/>
+        </p:xfrm>
+        <a:graphic>
+          <a:graphicData uri="http://schemas.openxmlformats.org/drawingml/2006/table">
+            <a:tbl>
+              <a:tblPr firstRow="1" bandRow="1">
+                <a:tableStyleId>{5C22544A-7EE6-4342-B048-85BDC9FD1C3A}</a:tableStyleId>
+              </a:tblPr>
+              <a:tblGrid>
+                <a:gridCol w="3140869">
+                  <a:extLst>
+                    <a:ext uri="{9D8B030D-6E8A-4147-A177-3AD203B41FA5}">
+                      <a16:colId xmlns:a16="http://schemas.microsoft.com/office/drawing/2014/main" val="4051387547"/>
+                    </a:ext>
+                  </a:extLst>
+                </a:gridCol>
+                <a:gridCol w="3140869">
+                  <a:extLst>
+                    <a:ext uri="{9D8B030D-6E8A-4147-A177-3AD203B41FA5}">
+                      <a16:colId xmlns:a16="http://schemas.microsoft.com/office/drawing/2014/main" val="4188552159"/>
+                    </a:ext>
+                  </a:extLst>
+                </a:gridCol>
+              </a:tblGrid>
+              <a:tr h="370840">
+                <a:tc>
+                  <a:txBody>
+                    <a:bodyPr/>
+                    <a:lstStyle/>
+                    <a:p>
+                      <a:r>
+                        <a:rPr lang="es-CO" sz="1400" dirty="0"/>
+                        <a:t>Identificación del requerimiento</a:t>
+                      </a:r>
+                    </a:p>
+                  </a:txBody>
+                  <a:tcPr/>
+                </a:tc>
+                <a:tc>
+                  <a:txBody>
+                    <a:bodyPr/>
+                    <a:lstStyle/>
+                    <a:p>
+                      <a:r>
+                        <a:rPr lang="es-CO" sz="1400" dirty="0"/>
+                        <a:t>RF03</a:t>
+                      </a:r>
+                    </a:p>
+                  </a:txBody>
+                  <a:tcPr/>
+                </a:tc>
+                <a:extLst>
+                  <a:ext uri="{0D108BD9-81ED-4DB2-BD59-A6C34878D82A}">
+                    <a16:rowId xmlns:a16="http://schemas.microsoft.com/office/drawing/2014/main" val="637406872"/>
+                  </a:ext>
+                </a:extLst>
+              </a:tr>
+              <a:tr h="370840">
+                <a:tc>
+                  <a:txBody>
+                    <a:bodyPr/>
+                    <a:lstStyle/>
+                    <a:p>
+                      <a:r>
+                        <a:rPr lang="es-CO" sz="1400" dirty="0"/>
+                        <a:t>Nombre del requerimiento</a:t>
+                      </a:r>
+                    </a:p>
+                  </a:txBody>
+                  <a:tcPr/>
+                </a:tc>
+                <a:tc>
+                  <a:txBody>
+                    <a:bodyPr/>
+                    <a:lstStyle/>
+                    <a:p>
+                      <a:r>
+                        <a:rPr lang="es-CO" sz="1400" dirty="0"/>
+                        <a:t>Recuperar contraseña</a:t>
+                      </a:r>
+                    </a:p>
+                  </a:txBody>
+                  <a:tcPr/>
+                </a:tc>
+                <a:extLst>
+                  <a:ext uri="{0D108BD9-81ED-4DB2-BD59-A6C34878D82A}">
+                    <a16:rowId xmlns:a16="http://schemas.microsoft.com/office/drawing/2014/main" val="185286241"/>
+                  </a:ext>
+                </a:extLst>
+              </a:tr>
+              <a:tr h="370840">
+                <a:tc>
+                  <a:txBody>
+                    <a:bodyPr/>
+                    <a:lstStyle/>
+                    <a:p>
+                      <a:r>
+                        <a:rPr lang="es-CO" sz="1400" dirty="0"/>
+                        <a:t>Características</a:t>
+                      </a:r>
+                    </a:p>
+                  </a:txBody>
+                  <a:tcPr/>
+                </a:tc>
+                <a:tc>
+                  <a:txBody>
+                    <a:bodyPr/>
+                    <a:lstStyle/>
+                    <a:p>
+                      <a:r>
+                        <a:rPr lang="es-CO" sz="1400" dirty="0"/>
+                        <a:t>Los usuarios que olviden su contraseña pueden crear una nueva.</a:t>
+                      </a:r>
+                    </a:p>
+                  </a:txBody>
+                  <a:tcPr/>
+                </a:tc>
+                <a:extLst>
+                  <a:ext uri="{0D108BD9-81ED-4DB2-BD59-A6C34878D82A}">
+                    <a16:rowId xmlns:a16="http://schemas.microsoft.com/office/drawing/2014/main" val="4023864318"/>
+                  </a:ext>
+                </a:extLst>
+              </a:tr>
+              <a:tr h="370840">
+                <a:tc>
+                  <a:txBody>
+                    <a:bodyPr/>
+                    <a:lstStyle/>
+                    <a:p>
+                      <a:r>
+                        <a:rPr lang="es-CO" sz="1400" dirty="0"/>
+                        <a:t>Descripción del requerimiento</a:t>
+                      </a:r>
+                    </a:p>
+                  </a:txBody>
+                  <a:tcPr/>
+                </a:tc>
+                <a:tc>
+                  <a:txBody>
+                    <a:bodyPr/>
+                    <a:lstStyle/>
+                    <a:p>
+                      <a:r>
+                        <a:rPr lang="es-CO" sz="1400" dirty="0"/>
+                        <a:t>El sistema contará con un método de recuperación de contraseña.</a:t>
+                      </a:r>
+                    </a:p>
+                  </a:txBody>
+                  <a:tcPr/>
+                </a:tc>
+                <a:extLst>
+                  <a:ext uri="{0D108BD9-81ED-4DB2-BD59-A6C34878D82A}">
+                    <a16:rowId xmlns:a16="http://schemas.microsoft.com/office/drawing/2014/main" val="821924514"/>
+                  </a:ext>
+                </a:extLst>
+              </a:tr>
+              <a:tr h="370840">
+                <a:tc>
+                  <a:txBody>
+                    <a:bodyPr/>
+                    <a:lstStyle/>
+                    <a:p>
+                      <a:r>
+                        <a:rPr lang="es-CO" sz="1400" dirty="0"/>
+                        <a:t>Requerimientos no funcionales</a:t>
+                      </a:r>
+                    </a:p>
+                  </a:txBody>
+                  <a:tcPr/>
+                </a:tc>
+                <a:tc>
+                  <a:txBody>
+                    <a:bodyPr/>
+                    <a:lstStyle/>
+                    <a:p>
+                      <a:r>
+                        <a:rPr lang="es-CO" sz="1400" dirty="0"/>
+                        <a:t>RNF01</a:t>
+                      </a:r>
+                    </a:p>
+                    <a:p>
+                      <a:r>
+                        <a:rPr lang="es-CO" sz="1400" dirty="0"/>
+                        <a:t>RNF04</a:t>
+                      </a:r>
+                    </a:p>
+                    <a:p>
+                      <a:r>
+                        <a:rPr lang="es-CO" sz="1400" dirty="0"/>
+                        <a:t>RNF06</a:t>
+                      </a:r>
+                    </a:p>
+                    <a:p>
+                      <a:r>
+                        <a:rPr lang="es-CO" sz="1400" dirty="0"/>
+                        <a:t>RNF08</a:t>
+                      </a:r>
+                    </a:p>
+                    <a:p>
+                      <a:r>
+                        <a:rPr lang="es-CO" sz="1400" dirty="0"/>
+                        <a:t>RNF09</a:t>
+                      </a:r>
+                    </a:p>
+                    <a:p>
+                      <a:r>
+                        <a:rPr lang="es-CO" sz="1400" dirty="0"/>
+                        <a:t>RNF13</a:t>
+                      </a:r>
+                    </a:p>
+                    <a:p>
+                      <a:r>
+                        <a:rPr lang="es-CO" sz="1400" dirty="0"/>
+                        <a:t>RNF14</a:t>
+                      </a:r>
+                    </a:p>
+                    <a:p>
+                      <a:r>
+                        <a:rPr lang="es-CO" sz="1400" dirty="0"/>
+                        <a:t>RNF15</a:t>
+                      </a:r>
+                    </a:p>
+                    <a:p>
+                      <a:r>
+                        <a:rPr lang="es-CO" sz="1400" dirty="0"/>
+                        <a:t>RNF16</a:t>
+                      </a:r>
+                    </a:p>
+                  </a:txBody>
+                  <a:tcPr/>
+                </a:tc>
+                <a:extLst>
+                  <a:ext uri="{0D108BD9-81ED-4DB2-BD59-A6C34878D82A}">
+                    <a16:rowId xmlns:a16="http://schemas.microsoft.com/office/drawing/2014/main" val="2890632905"/>
+                  </a:ext>
+                </a:extLst>
+              </a:tr>
+              <a:tr h="370840">
+                <a:tc>
+                  <a:txBody>
+                    <a:bodyPr/>
+                    <a:lstStyle/>
+                    <a:p>
+                      <a:r>
+                        <a:rPr lang="es-CO" sz="1400" dirty="0"/>
+                        <a:t>Prioridad del requerimiento</a:t>
+                      </a:r>
+                    </a:p>
+                  </a:txBody>
+                  <a:tcPr/>
+                </a:tc>
+                <a:tc>
+                  <a:txBody>
+                    <a:bodyPr/>
+                    <a:lstStyle/>
+                    <a:p>
+                      <a:r>
+                        <a:rPr lang="es-CO" sz="1400" dirty="0"/>
+                        <a:t>Alta</a:t>
+                      </a:r>
+                    </a:p>
+                  </a:txBody>
+                  <a:tcPr/>
+                </a:tc>
+                <a:extLst>
+                  <a:ext uri="{0D108BD9-81ED-4DB2-BD59-A6C34878D82A}">
+                    <a16:rowId xmlns:a16="http://schemas.microsoft.com/office/drawing/2014/main" val="1092200181"/>
+                  </a:ext>
+                </a:extLst>
+              </a:tr>
+            </a:tbl>
+          </a:graphicData>
+        </a:graphic>
+      </p:graphicFrame>
     </p:spTree>
     <p:extLst>
       <p:ext uri="{BB962C8B-B14F-4D97-AF65-F5344CB8AC3E}">
-        <p14:creationId xmlns:p14="http://schemas.microsoft.com/office/powerpoint/2010/main" val="1700628346"/>
+        <p14:creationId xmlns:p14="http://schemas.microsoft.com/office/powerpoint/2010/main" val="367163495"/>
       </p:ext>
     </p:extLst>
   </p:cSld>
@@ -18769,7 +19034,7 @@
           <p:cNvPr id="2" name="Título 1">
             <a:extLst>
               <a:ext uri="{FF2B5EF4-FFF2-40B4-BE49-F238E27FC236}">
-                <a16:creationId xmlns:a16="http://schemas.microsoft.com/office/drawing/2014/main" id="{3FD9E7C9-B08E-4678-9410-6655D811302D}"/>
+                <a16:creationId xmlns:a16="http://schemas.microsoft.com/office/drawing/2014/main" id="{ADA63A5C-3352-984D-AACB-2159402FE71B}"/>
               </a:ext>
             </a:extLst>
           </p:cNvPr>
@@ -18794,10 +19059,10 @@
       </p:sp>
       <p:graphicFrame>
         <p:nvGraphicFramePr>
-          <p:cNvPr id="12" name="Tabla 4">
+          <p:cNvPr id="4" name="Tabla 4">
             <a:extLst>
               <a:ext uri="{FF2B5EF4-FFF2-40B4-BE49-F238E27FC236}">
-                <a16:creationId xmlns:a16="http://schemas.microsoft.com/office/drawing/2014/main" id="{14B94452-F3D0-4381-8012-5A34351EEF19}"/>
+                <a16:creationId xmlns:a16="http://schemas.microsoft.com/office/drawing/2014/main" id="{7000E52E-6886-8F43-A5E4-226AD35C6346}"/>
               </a:ext>
             </a:extLst>
           </p:cNvPr>
@@ -18806,11 +19071,344 @@
           </p:cNvGraphicFramePr>
           <p:nvPr>
             <p:ph idx="1"/>
-            <p:extLst>
-              <p:ext uri="{D42A27DB-BD31-4B8C-83A1-F6EECF244321}">
-                <p14:modId xmlns:p14="http://schemas.microsoft.com/office/powerpoint/2010/main" val="1118360086"/>
-              </p:ext>
-            </p:extLst>
+          </p:nvPr>
+        </p:nvGraphicFramePr>
+        <p:xfrm>
+          <a:off x="5118100" y="803275"/>
+          <a:ext cx="6281738" cy="4160520"/>
+        </p:xfrm>
+        <a:graphic>
+          <a:graphicData uri="http://schemas.openxmlformats.org/drawingml/2006/table">
+            <a:tbl>
+              <a:tblPr firstRow="1" bandRow="1">
+                <a:tableStyleId>{5C22544A-7EE6-4342-B048-85BDC9FD1C3A}</a:tableStyleId>
+              </a:tblPr>
+              <a:tblGrid>
+                <a:gridCol w="3140869">
+                  <a:extLst>
+                    <a:ext uri="{9D8B030D-6E8A-4147-A177-3AD203B41FA5}">
+                      <a16:colId xmlns:a16="http://schemas.microsoft.com/office/drawing/2014/main" val="4051387547"/>
+                    </a:ext>
+                  </a:extLst>
+                </a:gridCol>
+                <a:gridCol w="3140869">
+                  <a:extLst>
+                    <a:ext uri="{9D8B030D-6E8A-4147-A177-3AD203B41FA5}">
+                      <a16:colId xmlns:a16="http://schemas.microsoft.com/office/drawing/2014/main" val="4188552159"/>
+                    </a:ext>
+                  </a:extLst>
+                </a:gridCol>
+              </a:tblGrid>
+              <a:tr h="370840">
+                <a:tc>
+                  <a:txBody>
+                    <a:bodyPr/>
+                    <a:lstStyle/>
+                    <a:p>
+                      <a:r>
+                        <a:rPr lang="es-CO" sz="1400" dirty="0"/>
+                        <a:t>Identificación del requerimiento</a:t>
+                      </a:r>
+                    </a:p>
+                  </a:txBody>
+                  <a:tcPr/>
+                </a:tc>
+                <a:tc>
+                  <a:txBody>
+                    <a:bodyPr/>
+                    <a:lstStyle/>
+                    <a:p>
+                      <a:r>
+                        <a:rPr lang="es-CO" sz="1400" dirty="0"/>
+                        <a:t>RF04</a:t>
+                      </a:r>
+                    </a:p>
+                  </a:txBody>
+                  <a:tcPr/>
+                </a:tc>
+                <a:extLst>
+                  <a:ext uri="{0D108BD9-81ED-4DB2-BD59-A6C34878D82A}">
+                    <a16:rowId xmlns:a16="http://schemas.microsoft.com/office/drawing/2014/main" val="637406872"/>
+                  </a:ext>
+                </a:extLst>
+              </a:tr>
+              <a:tr h="370840">
+                <a:tc>
+                  <a:txBody>
+                    <a:bodyPr/>
+                    <a:lstStyle/>
+                    <a:p>
+                      <a:r>
+                        <a:rPr lang="es-CO" sz="1400" dirty="0"/>
+                        <a:t>Nombre del requerimiento</a:t>
+                      </a:r>
+                    </a:p>
+                  </a:txBody>
+                  <a:tcPr/>
+                </a:tc>
+                <a:tc>
+                  <a:txBody>
+                    <a:bodyPr/>
+                    <a:lstStyle/>
+                    <a:p>
+                      <a:r>
+                        <a:rPr lang="es-CO" sz="1400" dirty="0"/>
+                        <a:t>Crear de usuario</a:t>
+                      </a:r>
+                    </a:p>
+                  </a:txBody>
+                  <a:tcPr/>
+                </a:tc>
+                <a:extLst>
+                  <a:ext uri="{0D108BD9-81ED-4DB2-BD59-A6C34878D82A}">
+                    <a16:rowId xmlns:a16="http://schemas.microsoft.com/office/drawing/2014/main" val="185286241"/>
+                  </a:ext>
+                </a:extLst>
+              </a:tr>
+              <a:tr h="370840">
+                <a:tc>
+                  <a:txBody>
+                    <a:bodyPr/>
+                    <a:lstStyle/>
+                    <a:p>
+                      <a:r>
+                        <a:rPr lang="es-CO" sz="1400" dirty="0"/>
+                        <a:t>Características</a:t>
+                      </a:r>
+                    </a:p>
+                  </a:txBody>
+                  <a:tcPr/>
+                </a:tc>
+                <a:tc>
+                  <a:txBody>
+                    <a:bodyPr/>
+                    <a:lstStyle/>
+                    <a:p>
+                      <a:r>
+                        <a:rPr lang="es-CO" sz="1400" dirty="0"/>
+                        <a:t>El usuario administrador puede crear los usuarios estudiante y docente.</a:t>
+                      </a:r>
+                    </a:p>
+                  </a:txBody>
+                  <a:tcPr/>
+                </a:tc>
+                <a:extLst>
+                  <a:ext uri="{0D108BD9-81ED-4DB2-BD59-A6C34878D82A}">
+                    <a16:rowId xmlns:a16="http://schemas.microsoft.com/office/drawing/2014/main" val="4023864318"/>
+                  </a:ext>
+                </a:extLst>
+              </a:tr>
+              <a:tr h="370840">
+                <a:tc>
+                  <a:txBody>
+                    <a:bodyPr/>
+                    <a:lstStyle/>
+                    <a:p>
+                      <a:r>
+                        <a:rPr lang="es-CO" sz="1400" dirty="0"/>
+                        <a:t>Descripción del requerimiento</a:t>
+                      </a:r>
+                    </a:p>
+                  </a:txBody>
+                  <a:tcPr/>
+                </a:tc>
+                <a:tc>
+                  <a:txBody>
+                    <a:bodyPr/>
+                    <a:lstStyle/>
+                    <a:p>
+                      <a:r>
+                        <a:rPr lang="es-CO" sz="1400" dirty="0"/>
+                        <a:t>El sistema permitirá al usuario administrador la creación de los usuarios docente y estudiante.</a:t>
+                      </a:r>
+                    </a:p>
+                  </a:txBody>
+                  <a:tcPr/>
+                </a:tc>
+                <a:extLst>
+                  <a:ext uri="{0D108BD9-81ED-4DB2-BD59-A6C34878D82A}">
+                    <a16:rowId xmlns:a16="http://schemas.microsoft.com/office/drawing/2014/main" val="821924514"/>
+                  </a:ext>
+                </a:extLst>
+              </a:tr>
+              <a:tr h="370840">
+                <a:tc>
+                  <a:txBody>
+                    <a:bodyPr/>
+                    <a:lstStyle/>
+                    <a:p>
+                      <a:r>
+                        <a:rPr lang="es-CO" sz="1400" dirty="0"/>
+                        <a:t>Requerimientos no funcionales</a:t>
+                      </a:r>
+                    </a:p>
+                  </a:txBody>
+                  <a:tcPr/>
+                </a:tc>
+                <a:tc>
+                  <a:txBody>
+                    <a:bodyPr/>
+                    <a:lstStyle/>
+                    <a:p>
+                      <a:r>
+                        <a:rPr lang="es-CO" sz="1400" dirty="0"/>
+                        <a:t>RNF06</a:t>
+                      </a:r>
+                    </a:p>
+                    <a:p>
+                      <a:r>
+                        <a:rPr lang="es-CO" sz="1400" dirty="0"/>
+                        <a:t>RNF08</a:t>
+                      </a:r>
+                    </a:p>
+                    <a:p>
+                      <a:r>
+                        <a:rPr lang="es-CO" sz="1400" dirty="0"/>
+                        <a:t>RNF09</a:t>
+                      </a:r>
+                    </a:p>
+                    <a:p>
+                      <a:r>
+                        <a:rPr lang="es-CO" sz="1400" dirty="0"/>
+                        <a:t>RNF13</a:t>
+                      </a:r>
+                    </a:p>
+                    <a:p>
+                      <a:r>
+                        <a:rPr lang="es-CO" sz="1400" dirty="0"/>
+                        <a:t>RNF14</a:t>
+                      </a:r>
+                    </a:p>
+                    <a:p>
+                      <a:r>
+                        <a:rPr lang="es-CO" sz="1400" dirty="0"/>
+                        <a:t>RNF15</a:t>
+                      </a:r>
+                    </a:p>
+                    <a:p>
+                      <a:r>
+                        <a:rPr lang="es-CO" sz="1400" dirty="0"/>
+                        <a:t>RNF16</a:t>
+                      </a:r>
+                    </a:p>
+                  </a:txBody>
+                  <a:tcPr/>
+                </a:tc>
+                <a:extLst>
+                  <a:ext uri="{0D108BD9-81ED-4DB2-BD59-A6C34878D82A}">
+                    <a16:rowId xmlns:a16="http://schemas.microsoft.com/office/drawing/2014/main" val="2890632905"/>
+                  </a:ext>
+                </a:extLst>
+              </a:tr>
+              <a:tr h="370840">
+                <a:tc>
+                  <a:txBody>
+                    <a:bodyPr/>
+                    <a:lstStyle/>
+                    <a:p>
+                      <a:r>
+                        <a:rPr lang="es-CO" sz="1400" dirty="0"/>
+                        <a:t>Prioridad del requerimiento</a:t>
+                      </a:r>
+                    </a:p>
+                  </a:txBody>
+                  <a:tcPr/>
+                </a:tc>
+                <a:tc>
+                  <a:txBody>
+                    <a:bodyPr/>
+                    <a:lstStyle/>
+                    <a:p>
+                      <a:r>
+                        <a:rPr lang="es-CO" sz="1400" dirty="0"/>
+                        <a:t>Alta</a:t>
+                      </a:r>
+                    </a:p>
+                  </a:txBody>
+                  <a:tcPr/>
+                </a:tc>
+                <a:extLst>
+                  <a:ext uri="{0D108BD9-81ED-4DB2-BD59-A6C34878D82A}">
+                    <a16:rowId xmlns:a16="http://schemas.microsoft.com/office/drawing/2014/main" val="1092200181"/>
+                  </a:ext>
+                </a:extLst>
+              </a:tr>
+            </a:tbl>
+          </a:graphicData>
+        </a:graphic>
+      </p:graphicFrame>
+    </p:spTree>
+    <p:extLst>
+      <p:ext uri="{BB962C8B-B14F-4D97-AF65-F5344CB8AC3E}">
+        <p14:creationId xmlns:p14="http://schemas.microsoft.com/office/powerpoint/2010/main" val="3352244886"/>
+      </p:ext>
+    </p:extLst>
+  </p:cSld>
+  <p:clrMapOvr>
+    <a:masterClrMapping/>
+  </p:clrMapOvr>
+</p:sld>
+</file>
+
+<file path=ppt/slides/slide35.xml><?xml version="1.0" encoding="utf-8"?>
+<p:sld xmlns:a="http://schemas.openxmlformats.org/drawingml/2006/main" xmlns:r="http://schemas.openxmlformats.org/officeDocument/2006/relationships" xmlns:p="http://schemas.openxmlformats.org/presentationml/2006/main">
+  <p:cSld>
+    <p:spTree>
+      <p:nvGrpSpPr>
+        <p:cNvPr id="1" name=""/>
+        <p:cNvGrpSpPr/>
+        <p:nvPr/>
+      </p:nvGrpSpPr>
+      <p:grpSpPr>
+        <a:xfrm>
+          <a:off x="0" y="0"/>
+          <a:ext cx="0" cy="0"/>
+          <a:chOff x="0" y="0"/>
+          <a:chExt cx="0" cy="0"/>
+        </a:xfrm>
+      </p:grpSpPr>
+      <p:sp>
+        <p:nvSpPr>
+          <p:cNvPr id="2" name="Título 1">
+            <a:extLst>
+              <a:ext uri="{FF2B5EF4-FFF2-40B4-BE49-F238E27FC236}">
+                <a16:creationId xmlns:a16="http://schemas.microsoft.com/office/drawing/2014/main" id="{B7CC7387-8581-C041-81D6-9808F73C85A6}"/>
+              </a:ext>
+            </a:extLst>
+          </p:cNvPr>
+          <p:cNvSpPr>
+            <a:spLocks noGrp="1"/>
+          </p:cNvSpPr>
+          <p:nvPr>
+            <p:ph type="title"/>
+          </p:nvPr>
+        </p:nvSpPr>
+        <p:spPr/>
+        <p:txBody>
+          <a:bodyPr/>
+          <a:lstStyle/>
+          <a:p>
+            <a:r>
+              <a:rPr lang="es-CO" dirty="0"/>
+              <a:t>Requerimientos funcionales</a:t>
+            </a:r>
+          </a:p>
+        </p:txBody>
+      </p:sp>
+      <p:graphicFrame>
+        <p:nvGraphicFramePr>
+          <p:cNvPr id="4" name="Tabla 4">
+            <a:extLst>
+              <a:ext uri="{FF2B5EF4-FFF2-40B4-BE49-F238E27FC236}">
+                <a16:creationId xmlns:a16="http://schemas.microsoft.com/office/drawing/2014/main" id="{4DED02A8-2510-A84D-9666-82304642E766}"/>
+              </a:ext>
+            </a:extLst>
+          </p:cNvPr>
+          <p:cNvGraphicFramePr>
+            <a:graphicFrameLocks noGrp="1"/>
+          </p:cNvGraphicFramePr>
+          <p:nvPr>
+            <p:ph idx="1"/>
           </p:nvPr>
         </p:nvGraphicFramePr>
         <p:xfrm>
@@ -18860,7 +19458,7 @@
                     <a:p>
                       <a:r>
                         <a:rPr lang="es-CO" sz="1400" dirty="0"/>
-                        <a:t>RF04</a:t>
+                        <a:t>RF05</a:t>
                       </a:r>
                     </a:p>
                   </a:txBody>
@@ -18893,7 +19491,7 @@
                     <a:p>
                       <a:r>
                         <a:rPr lang="es-CO" sz="1400" dirty="0"/>
-                        <a:t>Cargar notas</a:t>
+                        <a:t>Eliminar usuarios</a:t>
                       </a:r>
                     </a:p>
                   </a:txBody>
@@ -18926,7 +19524,7 @@
                     <a:p>
                       <a:r>
                         <a:rPr lang="es-CO" sz="1400" dirty="0"/>
-                        <a:t>Los usuarios podrán subir las notas parciales de cada bimestre.</a:t>
+                        <a:t>El usuario administrador puede eliminar usuarios docente y estudiante.</a:t>
                       </a:r>
                     </a:p>
                   </a:txBody>
@@ -18959,7 +19557,7 @@
                     <a:p>
                       <a:r>
                         <a:rPr lang="es-CO" sz="1400" dirty="0"/>
-                        <a:t>El sistema permitirá al usuario docente cargar las notas respectivas de cada parcial y el sistema sacará la definitiva.</a:t>
+                        <a:t>El sistema permitirá al usuario administrador eliminar cuentas de estudiantes y docentes.</a:t>
                       </a:r>
                     </a:p>
                   </a:txBody>
@@ -19092,357 +19690,7 @@
     </p:spTree>
     <p:extLst>
       <p:ext uri="{BB962C8B-B14F-4D97-AF65-F5344CB8AC3E}">
-        <p14:creationId xmlns:p14="http://schemas.microsoft.com/office/powerpoint/2010/main" val="2413226412"/>
-      </p:ext>
-    </p:extLst>
-  </p:cSld>
-  <p:clrMapOvr>
-    <a:masterClrMapping/>
-  </p:clrMapOvr>
-</p:sld>
-</file>
-
-<file path=ppt/slides/slide35.xml><?xml version="1.0" encoding="utf-8"?>
-<p:sld xmlns:a="http://schemas.openxmlformats.org/drawingml/2006/main" xmlns:r="http://schemas.openxmlformats.org/officeDocument/2006/relationships" xmlns:p="http://schemas.openxmlformats.org/presentationml/2006/main">
-  <p:cSld>
-    <p:spTree>
-      <p:nvGrpSpPr>
-        <p:cNvPr id="1" name=""/>
-        <p:cNvGrpSpPr/>
-        <p:nvPr/>
-      </p:nvGrpSpPr>
-      <p:grpSpPr>
-        <a:xfrm>
-          <a:off x="0" y="0"/>
-          <a:ext cx="0" cy="0"/>
-          <a:chOff x="0" y="0"/>
-          <a:chExt cx="0" cy="0"/>
-        </a:xfrm>
-      </p:grpSpPr>
-      <p:sp>
-        <p:nvSpPr>
-          <p:cNvPr id="2" name="Título 1">
-            <a:extLst>
-              <a:ext uri="{FF2B5EF4-FFF2-40B4-BE49-F238E27FC236}">
-                <a16:creationId xmlns:a16="http://schemas.microsoft.com/office/drawing/2014/main" id="{A544CF25-2F8F-BC45-9D5E-B7214CD84D05}"/>
-              </a:ext>
-            </a:extLst>
-          </p:cNvPr>
-          <p:cNvSpPr>
-            <a:spLocks noGrp="1"/>
-          </p:cNvSpPr>
-          <p:nvPr>
-            <p:ph type="title"/>
-          </p:nvPr>
-        </p:nvSpPr>
-        <p:spPr/>
-        <p:txBody>
-          <a:bodyPr/>
-          <a:lstStyle/>
-          <a:p>
-            <a:r>
-              <a:rPr lang="es-CO" dirty="0"/>
-              <a:t>Requerimientos funcionales</a:t>
-            </a:r>
-          </a:p>
-        </p:txBody>
-      </p:sp>
-      <p:graphicFrame>
-        <p:nvGraphicFramePr>
-          <p:cNvPr id="4" name="Tabla 4">
-            <a:extLst>
-              <a:ext uri="{FF2B5EF4-FFF2-40B4-BE49-F238E27FC236}">
-                <a16:creationId xmlns:a16="http://schemas.microsoft.com/office/drawing/2014/main" id="{104B1BC5-C194-6A4D-BF36-86B68BC29C6E}"/>
-              </a:ext>
-            </a:extLst>
-          </p:cNvPr>
-          <p:cNvGraphicFramePr>
-            <a:graphicFrameLocks noGrp="1"/>
-          </p:cNvGraphicFramePr>
-          <p:nvPr>
-            <p:ph idx="1"/>
-          </p:nvPr>
-        </p:nvGraphicFramePr>
-        <p:xfrm>
-          <a:off x="5118100" y="803275"/>
-          <a:ext cx="6281738" cy="4373880"/>
-        </p:xfrm>
-        <a:graphic>
-          <a:graphicData uri="http://schemas.openxmlformats.org/drawingml/2006/table">
-            <a:tbl>
-              <a:tblPr firstRow="1" bandRow="1">
-                <a:tableStyleId>{5C22544A-7EE6-4342-B048-85BDC9FD1C3A}</a:tableStyleId>
-              </a:tblPr>
-              <a:tblGrid>
-                <a:gridCol w="3140869">
-                  <a:extLst>
-                    <a:ext uri="{9D8B030D-6E8A-4147-A177-3AD203B41FA5}">
-                      <a16:colId xmlns:a16="http://schemas.microsoft.com/office/drawing/2014/main" val="1589146686"/>
-                    </a:ext>
-                  </a:extLst>
-                </a:gridCol>
-                <a:gridCol w="3140869">
-                  <a:extLst>
-                    <a:ext uri="{9D8B030D-6E8A-4147-A177-3AD203B41FA5}">
-                      <a16:colId xmlns:a16="http://schemas.microsoft.com/office/drawing/2014/main" val="1463651238"/>
-                    </a:ext>
-                  </a:extLst>
-                </a:gridCol>
-              </a:tblGrid>
-              <a:tr h="370840">
-                <a:tc>
-                  <a:txBody>
-                    <a:bodyPr/>
-                    <a:lstStyle/>
-                    <a:p>
-                      <a:r>
-                        <a:rPr lang="es-CO" sz="1400" dirty="0"/>
-                        <a:t>Identificación del requerimiento</a:t>
-                      </a:r>
-                    </a:p>
-                  </a:txBody>
-                  <a:tcPr/>
-                </a:tc>
-                <a:tc>
-                  <a:txBody>
-                    <a:bodyPr/>
-                    <a:lstStyle/>
-                    <a:p>
-                      <a:r>
-                        <a:rPr lang="es-CO" sz="1400" dirty="0"/>
-                        <a:t>RF05</a:t>
-                      </a:r>
-                    </a:p>
-                  </a:txBody>
-                  <a:tcPr/>
-                </a:tc>
-                <a:extLst>
-                  <a:ext uri="{0D108BD9-81ED-4DB2-BD59-A6C34878D82A}">
-                    <a16:rowId xmlns:a16="http://schemas.microsoft.com/office/drawing/2014/main" val="3568786682"/>
-                  </a:ext>
-                </a:extLst>
-              </a:tr>
-              <a:tr h="370840">
-                <a:tc>
-                  <a:txBody>
-                    <a:bodyPr/>
-                    <a:lstStyle/>
-                    <a:p>
-                      <a:r>
-                        <a:rPr lang="es-CO" sz="1400" dirty="0"/>
-                        <a:t>Nombre del requerimiento</a:t>
-                      </a:r>
-                    </a:p>
-                  </a:txBody>
-                  <a:tcPr/>
-                </a:tc>
-                <a:tc>
-                  <a:txBody>
-                    <a:bodyPr/>
-                    <a:lstStyle/>
-                    <a:p>
-                      <a:r>
-                        <a:rPr lang="es-CO" sz="1400" dirty="0"/>
-                        <a:t>Consultar notas</a:t>
-                      </a:r>
-                    </a:p>
-                  </a:txBody>
-                  <a:tcPr/>
-                </a:tc>
-                <a:extLst>
-                  <a:ext uri="{0D108BD9-81ED-4DB2-BD59-A6C34878D82A}">
-                    <a16:rowId xmlns:a16="http://schemas.microsoft.com/office/drawing/2014/main" val="2616514354"/>
-                  </a:ext>
-                </a:extLst>
-              </a:tr>
-              <a:tr h="370840">
-                <a:tc>
-                  <a:txBody>
-                    <a:bodyPr/>
-                    <a:lstStyle/>
-                    <a:p>
-                      <a:r>
-                        <a:rPr lang="es-CO" sz="1400" dirty="0"/>
-                        <a:t>Características</a:t>
-                      </a:r>
-                    </a:p>
-                  </a:txBody>
-                  <a:tcPr/>
-                </a:tc>
-                <a:tc>
-                  <a:txBody>
-                    <a:bodyPr/>
-                    <a:lstStyle/>
-                    <a:p>
-                      <a:r>
-                        <a:rPr lang="es-CO" sz="1400" dirty="0"/>
-                        <a:t>El sistema debe permitir la consulta de notas.</a:t>
-                      </a:r>
-                    </a:p>
-                  </a:txBody>
-                  <a:tcPr/>
-                </a:tc>
-                <a:extLst>
-                  <a:ext uri="{0D108BD9-81ED-4DB2-BD59-A6C34878D82A}">
-                    <a16:rowId xmlns:a16="http://schemas.microsoft.com/office/drawing/2014/main" val="1942680024"/>
-                  </a:ext>
-                </a:extLst>
-              </a:tr>
-              <a:tr h="370840">
-                <a:tc>
-                  <a:txBody>
-                    <a:bodyPr/>
-                    <a:lstStyle/>
-                    <a:p>
-                      <a:r>
-                        <a:rPr lang="es-CO" sz="1400" dirty="0"/>
-                        <a:t>Descripción del requerimiento</a:t>
-                      </a:r>
-                    </a:p>
-                  </a:txBody>
-                  <a:tcPr/>
-                </a:tc>
-                <a:tc>
-                  <a:txBody>
-                    <a:bodyPr/>
-                    <a:lstStyle/>
-                    <a:p>
-                      <a:r>
-                        <a:rPr lang="es-CO" sz="1400" dirty="0"/>
-                        <a:t>El rol de estudiante puede consultar las calificaciones de todas las asignaturas.</a:t>
-                      </a:r>
-                    </a:p>
-                  </a:txBody>
-                  <a:tcPr/>
-                </a:tc>
-                <a:extLst>
-                  <a:ext uri="{0D108BD9-81ED-4DB2-BD59-A6C34878D82A}">
-                    <a16:rowId xmlns:a16="http://schemas.microsoft.com/office/drawing/2014/main" val="2968710298"/>
-                  </a:ext>
-                </a:extLst>
-              </a:tr>
-              <a:tr h="370840">
-                <a:tc>
-                  <a:txBody>
-                    <a:bodyPr/>
-                    <a:lstStyle/>
-                    <a:p>
-                      <a:r>
-                        <a:rPr lang="es-CO" sz="1400" dirty="0"/>
-                        <a:t>Requerimientos no funcionales</a:t>
-                      </a:r>
-                    </a:p>
-                  </a:txBody>
-                  <a:tcPr/>
-                </a:tc>
-                <a:tc>
-                  <a:txBody>
-                    <a:bodyPr/>
-                    <a:lstStyle/>
-                    <a:p>
-                      <a:r>
-                        <a:rPr lang="es-CO" sz="1400" dirty="0"/>
-                        <a:t>RNF01</a:t>
-                      </a:r>
-                    </a:p>
-                    <a:p>
-                      <a:r>
-                        <a:rPr lang="es-CO" sz="1400" dirty="0"/>
-                        <a:t>RNF08</a:t>
-                      </a:r>
-                    </a:p>
-                    <a:p>
-                      <a:r>
-                        <a:rPr lang="es-CO" sz="1400" dirty="0"/>
-                        <a:t>RNF09</a:t>
-                      </a:r>
-                    </a:p>
-                    <a:p>
-                      <a:r>
-                        <a:rPr lang="es-CO" sz="1400" dirty="0"/>
-                        <a:t>RNF10</a:t>
-                      </a:r>
-                    </a:p>
-                    <a:p>
-                      <a:r>
-                        <a:rPr lang="es-CO" sz="1400" dirty="0"/>
-                        <a:t>RNF11</a:t>
-                      </a:r>
-                    </a:p>
-                    <a:p>
-                      <a:r>
-                        <a:rPr lang="es-CO" sz="1400" dirty="0"/>
-                        <a:t>RNF13</a:t>
-                      </a:r>
-                    </a:p>
-                    <a:p>
-                      <a:r>
-                        <a:rPr lang="es-CO" sz="1400" dirty="0"/>
-                        <a:t>RNF14</a:t>
-                      </a:r>
-                    </a:p>
-                    <a:p>
-                      <a:r>
-                        <a:rPr lang="es-CO" sz="1400" dirty="0"/>
-                        <a:t>RNF15</a:t>
-                      </a:r>
-                    </a:p>
-                    <a:p>
-                      <a:r>
-                        <a:rPr lang="es-CO" sz="1400" dirty="0"/>
-                        <a:t>RNF16</a:t>
-                      </a:r>
-                    </a:p>
-                  </a:txBody>
-                  <a:tcPr/>
-                </a:tc>
-                <a:extLst>
-                  <a:ext uri="{0D108BD9-81ED-4DB2-BD59-A6C34878D82A}">
-                    <a16:rowId xmlns:a16="http://schemas.microsoft.com/office/drawing/2014/main" val="302045704"/>
-                  </a:ext>
-                </a:extLst>
-              </a:tr>
-              <a:tr h="370840">
-                <a:tc>
-                  <a:txBody>
-                    <a:bodyPr/>
-                    <a:lstStyle/>
-                    <a:p>
-                      <a:r>
-                        <a:rPr lang="es-CO" sz="1400" dirty="0"/>
-                        <a:t>Prioridad del requerimiento</a:t>
-                      </a:r>
-                    </a:p>
-                  </a:txBody>
-                  <a:tcPr/>
-                </a:tc>
-                <a:tc>
-                  <a:txBody>
-                    <a:bodyPr/>
-                    <a:lstStyle/>
-                    <a:p>
-                      <a:r>
-                        <a:rPr lang="es-CO" sz="1400" dirty="0"/>
-                        <a:t>Alta</a:t>
-                      </a:r>
-                    </a:p>
-                  </a:txBody>
-                  <a:tcPr/>
-                </a:tc>
-                <a:extLst>
-                  <a:ext uri="{0D108BD9-81ED-4DB2-BD59-A6C34878D82A}">
-                    <a16:rowId xmlns:a16="http://schemas.microsoft.com/office/drawing/2014/main" val="2916724385"/>
-                  </a:ext>
-                </a:extLst>
-              </a:tr>
-            </a:tbl>
-          </a:graphicData>
-        </a:graphic>
-      </p:graphicFrame>
-    </p:spTree>
-    <p:extLst>
-      <p:ext uri="{BB962C8B-B14F-4D97-AF65-F5344CB8AC3E}">
-        <p14:creationId xmlns:p14="http://schemas.microsoft.com/office/powerpoint/2010/main" val="2228093507"/>
+        <p14:creationId xmlns:p14="http://schemas.microsoft.com/office/powerpoint/2010/main" val="3674479402"/>
       </p:ext>
     </p:extLst>
   </p:cSld>
@@ -19474,7 +19722,7 @@
           <p:cNvPr id="2" name="Título 1">
             <a:extLst>
               <a:ext uri="{FF2B5EF4-FFF2-40B4-BE49-F238E27FC236}">
-                <a16:creationId xmlns:a16="http://schemas.microsoft.com/office/drawing/2014/main" id="{F309AD44-898D-45CE-85F6-9EECB26B077E}"/>
+                <a16:creationId xmlns:a16="http://schemas.microsoft.com/office/drawing/2014/main" id="{A544CF25-2F8F-BC45-9D5E-B7214CD84D05}"/>
               </a:ext>
             </a:extLst>
           </p:cNvPr>
@@ -19492,71 +19740,327 @@
           <a:p>
             <a:r>
               <a:rPr lang="es-CO" dirty="0"/>
-              <a:t>Requerimientos no funcionales</a:t>
+              <a:t>Requerimientos funcionales</a:t>
             </a:r>
           </a:p>
         </p:txBody>
       </p:sp>
-      <p:sp>
-        <p:nvSpPr>
-          <p:cNvPr id="4" name="CuadroTexto 3">
+      <p:graphicFrame>
+        <p:nvGraphicFramePr>
+          <p:cNvPr id="4" name="Tabla 4">
             <a:extLst>
               <a:ext uri="{FF2B5EF4-FFF2-40B4-BE49-F238E27FC236}">
-                <a16:creationId xmlns:a16="http://schemas.microsoft.com/office/drawing/2014/main" id="{CA34E6EB-47ED-4468-93F2-D039D755F562}"/>
+                <a16:creationId xmlns:a16="http://schemas.microsoft.com/office/drawing/2014/main" id="{104B1BC5-C194-6A4D-BF36-86B68BC29C6E}"/>
               </a:ext>
             </a:extLst>
           </p:cNvPr>
-          <p:cNvSpPr txBox="1"/>
-          <p:nvPr/>
-        </p:nvSpPr>
-        <p:spPr>
-          <a:xfrm>
-            <a:off x="4755220" y="2424767"/>
-            <a:ext cx="6231648" cy="923330"/>
-          </a:xfrm>
-          <a:prstGeom prst="rect">
-            <a:avLst/>
-          </a:prstGeom>
-          <a:noFill/>
-        </p:spPr>
-        <p:txBody>
-          <a:bodyPr wrap="square">
-            <a:spAutoFit/>
-          </a:bodyPr>
-          <a:lstStyle/>
-          <a:p>
-            <a:pPr algn="just"/>
-            <a:r>
-              <a:rPr lang="es-CO" dirty="0"/>
-              <a:t>Tienen que ver con características que pueden limitar al </a:t>
-            </a:r>
-            <a:r>
-              <a:rPr lang="es-CO" dirty="0" smtClean="0"/>
-              <a:t>sistema, como </a:t>
-            </a:r>
-            <a:r>
-              <a:rPr lang="es-CO" dirty="0"/>
-              <a:t>el rendimiento, la compatibilidad, interfaces, etcétera (</a:t>
-            </a:r>
-            <a:r>
-              <a:rPr lang="es-CO" dirty="0" err="1" smtClean="0"/>
-              <a:t>Árias</a:t>
-            </a:r>
-            <a:r>
-              <a:rPr lang="es-CO" dirty="0" smtClean="0"/>
-              <a:t> Chaves</a:t>
-            </a:r>
-            <a:r>
-              <a:rPr lang="es-CO" dirty="0"/>
-              <a:t>, 2005).</a:t>
-            </a:r>
-          </a:p>
-        </p:txBody>
-      </p:sp>
+          <p:cNvGraphicFramePr>
+            <a:graphicFrameLocks noGrp="1"/>
+          </p:cNvGraphicFramePr>
+          <p:nvPr>
+            <p:ph idx="1"/>
+          </p:nvPr>
+        </p:nvGraphicFramePr>
+        <p:xfrm>
+          <a:off x="5118100" y="803275"/>
+          <a:ext cx="6281738" cy="5013960"/>
+        </p:xfrm>
+        <a:graphic>
+          <a:graphicData uri="http://schemas.openxmlformats.org/drawingml/2006/table">
+            <a:tbl>
+              <a:tblPr firstRow="1" bandRow="1">
+                <a:tableStyleId>{5C22544A-7EE6-4342-B048-85BDC9FD1C3A}</a:tableStyleId>
+              </a:tblPr>
+              <a:tblGrid>
+                <a:gridCol w="3140869">
+                  <a:extLst>
+                    <a:ext uri="{9D8B030D-6E8A-4147-A177-3AD203B41FA5}">
+                      <a16:colId xmlns:a16="http://schemas.microsoft.com/office/drawing/2014/main" val="1589146686"/>
+                    </a:ext>
+                  </a:extLst>
+                </a:gridCol>
+                <a:gridCol w="3140869">
+                  <a:extLst>
+                    <a:ext uri="{9D8B030D-6E8A-4147-A177-3AD203B41FA5}">
+                      <a16:colId xmlns:a16="http://schemas.microsoft.com/office/drawing/2014/main" val="1463651238"/>
+                    </a:ext>
+                  </a:extLst>
+                </a:gridCol>
+              </a:tblGrid>
+              <a:tr h="370840">
+                <a:tc>
+                  <a:txBody>
+                    <a:bodyPr/>
+                    <a:lstStyle/>
+                    <a:p>
+                      <a:r>
+                        <a:rPr lang="es-CO" sz="1400" dirty="0"/>
+                        <a:t>Identificación del requerimiento</a:t>
+                      </a:r>
+                    </a:p>
+                  </a:txBody>
+                  <a:tcPr/>
+                </a:tc>
+                <a:tc>
+                  <a:txBody>
+                    <a:bodyPr/>
+                    <a:lstStyle/>
+                    <a:p>
+                      <a:r>
+                        <a:rPr lang="es-CO" sz="1400" dirty="0"/>
+                        <a:t>RF06</a:t>
+                      </a:r>
+                    </a:p>
+                  </a:txBody>
+                  <a:tcPr/>
+                </a:tc>
+                <a:extLst>
+                  <a:ext uri="{0D108BD9-81ED-4DB2-BD59-A6C34878D82A}">
+                    <a16:rowId xmlns:a16="http://schemas.microsoft.com/office/drawing/2014/main" val="3568786682"/>
+                  </a:ext>
+                </a:extLst>
+              </a:tr>
+              <a:tr h="370840">
+                <a:tc>
+                  <a:txBody>
+                    <a:bodyPr/>
+                    <a:lstStyle/>
+                    <a:p>
+                      <a:r>
+                        <a:rPr lang="es-CO" sz="1400" dirty="0"/>
+                        <a:t>Nombre del requerimiento</a:t>
+                      </a:r>
+                    </a:p>
+                  </a:txBody>
+                  <a:tcPr/>
+                </a:tc>
+                <a:tc>
+                  <a:txBody>
+                    <a:bodyPr/>
+                    <a:lstStyle/>
+                    <a:p>
+                      <a:r>
+                        <a:rPr lang="es-CO" sz="1400" dirty="0"/>
+                        <a:t>Realizar modificaciones</a:t>
+                      </a:r>
+                    </a:p>
+                  </a:txBody>
+                  <a:tcPr/>
+                </a:tc>
+                <a:extLst>
+                  <a:ext uri="{0D108BD9-81ED-4DB2-BD59-A6C34878D82A}">
+                    <a16:rowId xmlns:a16="http://schemas.microsoft.com/office/drawing/2014/main" val="2616514354"/>
+                  </a:ext>
+                </a:extLst>
+              </a:tr>
+              <a:tr h="370840">
+                <a:tc>
+                  <a:txBody>
+                    <a:bodyPr/>
+                    <a:lstStyle/>
+                    <a:p>
+                      <a:r>
+                        <a:rPr lang="es-CO" sz="1400" dirty="0"/>
+                        <a:t>Características</a:t>
+                      </a:r>
+                    </a:p>
+                  </a:txBody>
+                  <a:tcPr/>
+                </a:tc>
+                <a:tc>
+                  <a:txBody>
+                    <a:bodyPr/>
+                    <a:lstStyle/>
+                    <a:p>
+                      <a:r>
+                        <a:rPr lang="es-CO" sz="1400" dirty="0"/>
+                        <a:t>El usuario administrador puede modificar información de los usuarios docente y estudiante.</a:t>
+                      </a:r>
+                    </a:p>
+                  </a:txBody>
+                  <a:tcPr/>
+                </a:tc>
+                <a:extLst>
+                  <a:ext uri="{0D108BD9-81ED-4DB2-BD59-A6C34878D82A}">
+                    <a16:rowId xmlns:a16="http://schemas.microsoft.com/office/drawing/2014/main" val="1942680024"/>
+                  </a:ext>
+                </a:extLst>
+              </a:tr>
+              <a:tr h="370840">
+                <a:tc>
+                  <a:txBody>
+                    <a:bodyPr/>
+                    <a:lstStyle/>
+                    <a:p>
+                      <a:r>
+                        <a:rPr lang="es-CO" sz="1400" dirty="0"/>
+                        <a:t>Descripción del requerimiento</a:t>
+                      </a:r>
+                    </a:p>
+                  </a:txBody>
+                  <a:tcPr/>
+                </a:tc>
+                <a:tc>
+                  <a:txBody>
+                    <a:bodyPr/>
+                    <a:lstStyle/>
+                    <a:p>
+                      <a:pPr marL="0" marR="0" lvl="0" indent="0" algn="l" defTabSz="914400" rtl="0" eaLnBrk="1" fontAlgn="auto" latinLnBrk="0" hangingPunct="1">
+                        <a:lnSpc>
+                          <a:spcPct val="100000"/>
+                        </a:lnSpc>
+                        <a:spcBef>
+                          <a:spcPts val="0"/>
+                        </a:spcBef>
+                        <a:spcAft>
+                          <a:spcPts val="0"/>
+                        </a:spcAft>
+                        <a:buClrTx/>
+                        <a:buSzTx/>
+                        <a:buFontTx/>
+                        <a:buNone/>
+                        <a:tabLst/>
+                        <a:defRPr/>
+                      </a:pPr>
+                      <a:r>
+                        <a:rPr lang="es-CO" sz="1400" dirty="0"/>
+                        <a:t>El sistema permite al usuario administrador modificar información de los usuarios docente y estudiante.</a:t>
+                      </a:r>
+                    </a:p>
+                    <a:p>
+                      <a:endParaRPr lang="es-CO" sz="1400" dirty="0"/>
+                    </a:p>
+                  </a:txBody>
+                  <a:tcPr/>
+                </a:tc>
+                <a:extLst>
+                  <a:ext uri="{0D108BD9-81ED-4DB2-BD59-A6C34878D82A}">
+                    <a16:rowId xmlns:a16="http://schemas.microsoft.com/office/drawing/2014/main" val="2968710298"/>
+                  </a:ext>
+                </a:extLst>
+              </a:tr>
+              <a:tr h="370840">
+                <a:tc>
+                  <a:txBody>
+                    <a:bodyPr/>
+                    <a:lstStyle/>
+                    <a:p>
+                      <a:r>
+                        <a:rPr lang="es-CO" sz="1400" dirty="0"/>
+                        <a:t>Requerimientos no funcionales</a:t>
+                      </a:r>
+                    </a:p>
+                  </a:txBody>
+                  <a:tcPr/>
+                </a:tc>
+                <a:tc>
+                  <a:txBody>
+                    <a:bodyPr/>
+                    <a:lstStyle/>
+                    <a:p>
+                      <a:r>
+                        <a:rPr lang="es-CO" sz="1400" dirty="0"/>
+                        <a:t>RNF01</a:t>
+                      </a:r>
+                    </a:p>
+                    <a:p>
+                      <a:r>
+                        <a:rPr lang="es-CO" sz="1400" dirty="0"/>
+                        <a:t>RNF08</a:t>
+                      </a:r>
+                    </a:p>
+                    <a:p>
+                      <a:r>
+                        <a:rPr lang="es-CO" sz="1400" dirty="0"/>
+                        <a:t>RNF09</a:t>
+                      </a:r>
+                    </a:p>
+                    <a:p>
+                      <a:r>
+                        <a:rPr lang="es-CO" sz="1400" dirty="0"/>
+                        <a:t>RNF10</a:t>
+                      </a:r>
+                    </a:p>
+                    <a:p>
+                      <a:r>
+                        <a:rPr lang="es-CO" sz="1400" dirty="0"/>
+                        <a:t>RNF11</a:t>
+                      </a:r>
+                    </a:p>
+                    <a:p>
+                      <a:r>
+                        <a:rPr lang="es-CO" sz="1400" dirty="0"/>
+                        <a:t>RNF13</a:t>
+                      </a:r>
+                    </a:p>
+                    <a:p>
+                      <a:r>
+                        <a:rPr lang="es-CO" sz="1400" dirty="0"/>
+                        <a:t>RNF14</a:t>
+                      </a:r>
+                    </a:p>
+                    <a:p>
+                      <a:r>
+                        <a:rPr lang="es-CO" sz="1400" dirty="0"/>
+                        <a:t>RNF15</a:t>
+                      </a:r>
+                    </a:p>
+                    <a:p>
+                      <a:r>
+                        <a:rPr lang="es-CO" sz="1400" dirty="0"/>
+                        <a:t>RNF16</a:t>
+                      </a:r>
+                    </a:p>
+                  </a:txBody>
+                  <a:tcPr/>
+                </a:tc>
+                <a:extLst>
+                  <a:ext uri="{0D108BD9-81ED-4DB2-BD59-A6C34878D82A}">
+                    <a16:rowId xmlns:a16="http://schemas.microsoft.com/office/drawing/2014/main" val="302045704"/>
+                  </a:ext>
+                </a:extLst>
+              </a:tr>
+              <a:tr h="370840">
+                <a:tc>
+                  <a:txBody>
+                    <a:bodyPr/>
+                    <a:lstStyle/>
+                    <a:p>
+                      <a:r>
+                        <a:rPr lang="es-CO" sz="1400" dirty="0"/>
+                        <a:t>Prioridad del requerimiento</a:t>
+                      </a:r>
+                    </a:p>
+                  </a:txBody>
+                  <a:tcPr/>
+                </a:tc>
+                <a:tc>
+                  <a:txBody>
+                    <a:bodyPr/>
+                    <a:lstStyle/>
+                    <a:p>
+                      <a:r>
+                        <a:rPr lang="es-CO" sz="1400" dirty="0"/>
+                        <a:t>Alta</a:t>
+                      </a:r>
+                    </a:p>
+                  </a:txBody>
+                  <a:tcPr/>
+                </a:tc>
+                <a:extLst>
+                  <a:ext uri="{0D108BD9-81ED-4DB2-BD59-A6C34878D82A}">
+                    <a16:rowId xmlns:a16="http://schemas.microsoft.com/office/drawing/2014/main" val="2916724385"/>
+                  </a:ext>
+                </a:extLst>
+              </a:tr>
+            </a:tbl>
+          </a:graphicData>
+        </a:graphic>
+      </p:graphicFrame>
     </p:spTree>
     <p:extLst>
       <p:ext uri="{BB962C8B-B14F-4D97-AF65-F5344CB8AC3E}">
-        <p14:creationId xmlns:p14="http://schemas.microsoft.com/office/powerpoint/2010/main" val="254431995"/>
+        <p14:creationId xmlns:p14="http://schemas.microsoft.com/office/powerpoint/2010/main" val="1548600038"/>
       </p:ext>
     </p:extLst>
   </p:cSld>
@@ -19588,7 +20092,7 @@
           <p:cNvPr id="2" name="Título 1">
             <a:extLst>
               <a:ext uri="{FF2B5EF4-FFF2-40B4-BE49-F238E27FC236}">
-                <a16:creationId xmlns:a16="http://schemas.microsoft.com/office/drawing/2014/main" id="{939ABE99-3B14-4C96-9B12-73C0849318E2}"/>
+                <a16:creationId xmlns:a16="http://schemas.microsoft.com/office/drawing/2014/main" id="{A544CF25-2F8F-BC45-9D5E-B7214CD84D05}"/>
               </a:ext>
             </a:extLst>
           </p:cNvPr>
@@ -19606,7 +20110,7 @@
           <a:p>
             <a:r>
               <a:rPr lang="es-CO" dirty="0"/>
-              <a:t>Requerimientos no funcionales</a:t>
+              <a:t>Requerimientos funcionales</a:t>
             </a:r>
           </a:p>
         </p:txBody>
@@ -19616,7 +20120,7 @@
           <p:cNvPr id="4" name="Tabla 4">
             <a:extLst>
               <a:ext uri="{FF2B5EF4-FFF2-40B4-BE49-F238E27FC236}">
-                <a16:creationId xmlns:a16="http://schemas.microsoft.com/office/drawing/2014/main" id="{A370161D-0DE9-4275-9BAD-FBDF53CE83C8}"/>
+                <a16:creationId xmlns:a16="http://schemas.microsoft.com/office/drawing/2014/main" id="{104B1BC5-C194-6A4D-BF36-86B68BC29C6E}"/>
               </a:ext>
             </a:extLst>
           </p:cNvPr>
@@ -19625,16 +20129,11 @@
           </p:cNvGraphicFramePr>
           <p:nvPr>
             <p:ph idx="1"/>
-            <p:extLst>
-              <p:ext uri="{D42A27DB-BD31-4B8C-83A1-F6EECF244321}">
-                <p14:modId xmlns:p14="http://schemas.microsoft.com/office/powerpoint/2010/main" val="576214947"/>
-              </p:ext>
-            </p:extLst>
           </p:nvPr>
         </p:nvGraphicFramePr>
         <p:xfrm>
-          <a:off x="5118100" y="1876624"/>
-          <a:ext cx="6281738" cy="2931160"/>
+          <a:off x="5118100" y="803275"/>
+          <a:ext cx="6281738" cy="5440680"/>
         </p:xfrm>
         <a:graphic>
           <a:graphicData uri="http://schemas.openxmlformats.org/drawingml/2006/table">
@@ -19646,14 +20145,14 @@
                 <a:gridCol w="3140869">
                   <a:extLst>
                     <a:ext uri="{9D8B030D-6E8A-4147-A177-3AD203B41FA5}">
-                      <a16:colId xmlns:a16="http://schemas.microsoft.com/office/drawing/2014/main" val="2405063638"/>
+                      <a16:colId xmlns:a16="http://schemas.microsoft.com/office/drawing/2014/main" val="1589146686"/>
                     </a:ext>
                   </a:extLst>
                 </a:gridCol>
                 <a:gridCol w="3140869">
                   <a:extLst>
                     <a:ext uri="{9D8B030D-6E8A-4147-A177-3AD203B41FA5}">
-                      <a16:colId xmlns:a16="http://schemas.microsoft.com/office/drawing/2014/main" val="3099478781"/>
+                      <a16:colId xmlns:a16="http://schemas.microsoft.com/office/drawing/2014/main" val="1463651238"/>
                     </a:ext>
                   </a:extLst>
                 </a:gridCol>
@@ -19665,7 +20164,7 @@
                     <a:lstStyle/>
                     <a:p>
                       <a:r>
-                        <a:rPr lang="es-CO" dirty="0"/>
+                        <a:rPr lang="es-CO" sz="1400" dirty="0"/>
                         <a:t>Identificación del requerimiento</a:t>
                       </a:r>
                     </a:p>
@@ -19678,8 +20177,8 @@
                     <a:lstStyle/>
                     <a:p>
                       <a:r>
-                        <a:rPr lang="es-CO" dirty="0"/>
-                        <a:t>RNF01</a:t>
+                        <a:rPr lang="es-CO" sz="1400" dirty="0"/>
+                        <a:t>RF07</a:t>
                       </a:r>
                     </a:p>
                   </a:txBody>
@@ -19687,7 +20186,7 @@
                 </a:tc>
                 <a:extLst>
                   <a:ext uri="{0D108BD9-81ED-4DB2-BD59-A6C34878D82A}">
-                    <a16:rowId xmlns:a16="http://schemas.microsoft.com/office/drawing/2014/main" val="3120795479"/>
+                    <a16:rowId xmlns:a16="http://schemas.microsoft.com/office/drawing/2014/main" val="3568786682"/>
                   </a:ext>
                 </a:extLst>
               </a:tr>
@@ -19698,7 +20197,7 @@
                     <a:lstStyle/>
                     <a:p>
                       <a:r>
-                        <a:rPr lang="es-CO" dirty="0"/>
+                        <a:rPr lang="es-CO" sz="1400" dirty="0"/>
                         <a:t>Nombre del requerimiento</a:t>
                       </a:r>
                     </a:p>
@@ -19711,8 +20210,8 @@
                     <a:lstStyle/>
                     <a:p>
                       <a:r>
-                        <a:rPr lang="es-CO" dirty="0"/>
-                        <a:t>Interfaz del sistema</a:t>
+                        <a:rPr lang="es-CO" sz="1400" dirty="0"/>
+                        <a:t>Habilitar el sistema</a:t>
                       </a:r>
                     </a:p>
                   </a:txBody>
@@ -19720,7 +20219,7 @@
                 </a:tc>
                 <a:extLst>
                   <a:ext uri="{0D108BD9-81ED-4DB2-BD59-A6C34878D82A}">
-                    <a16:rowId xmlns:a16="http://schemas.microsoft.com/office/drawing/2014/main" val="1343925762"/>
+                    <a16:rowId xmlns:a16="http://schemas.microsoft.com/office/drawing/2014/main" val="2616514354"/>
                   </a:ext>
                 </a:extLst>
               </a:tr>
@@ -19731,21 +20230,21 @@
                     <a:lstStyle/>
                     <a:p>
                       <a:r>
-                        <a:rPr lang="es-CO" dirty="0"/>
-                        <a:t>Caracterísitcas</a:t>
-                      </a:r>
-                    </a:p>
-                  </a:txBody>
-                  <a:tcPr/>
-                </a:tc>
-                <a:tc>
-                  <a:txBody>
-                    <a:bodyPr/>
-                    <a:lstStyle/>
-                    <a:p>
-                      <a:r>
-                        <a:rPr lang="es-CO" dirty="0"/>
-                        <a:t>El sistema debe ser sencillo y amigable para el usuario</a:t>
+                        <a:rPr lang="es-CO" sz="1400" dirty="0"/>
+                        <a:t>Características</a:t>
+                      </a:r>
+                    </a:p>
+                  </a:txBody>
+                  <a:tcPr/>
+                </a:tc>
+                <a:tc>
+                  <a:txBody>
+                    <a:bodyPr/>
+                    <a:lstStyle/>
+                    <a:p>
+                      <a:r>
+                        <a:rPr lang="es-CO" sz="1400" dirty="0"/>
+                        <a:t>El usuario administrador puede habilitar el funcionamiento del sistema para los usuarios docente y estudiante.</a:t>
                       </a:r>
                     </a:p>
                   </a:txBody>
@@ -19753,7 +20252,7 @@
                 </a:tc>
                 <a:extLst>
                   <a:ext uri="{0D108BD9-81ED-4DB2-BD59-A6C34878D82A}">
-                    <a16:rowId xmlns:a16="http://schemas.microsoft.com/office/drawing/2014/main" val="769886354"/>
+                    <a16:rowId xmlns:a16="http://schemas.microsoft.com/office/drawing/2014/main" val="1942680024"/>
                   </a:ext>
                 </a:extLst>
               </a:tr>
@@ -19764,7 +20263,7 @@
                     <a:lstStyle/>
                     <a:p>
                       <a:r>
-                        <a:rPr lang="es-CO" dirty="0"/>
+                        <a:rPr lang="es-CO" sz="1400" dirty="0"/>
                         <a:t>Descripción del requerimiento</a:t>
                       </a:r>
                     </a:p>
@@ -19776,17 +20275,37 @@
                     <a:bodyPr/>
                     <a:lstStyle/>
                     <a:p>
-                      <a:r>
-                        <a:rPr lang="es-CO" dirty="0"/>
-                        <a:t>La interfaz debe ser sencilla</a:t>
-                      </a:r>
+                      <a:pPr marL="0" marR="0" lvl="0" indent="0" algn="l" defTabSz="914400" rtl="0" eaLnBrk="1" fontAlgn="auto" latinLnBrk="0" hangingPunct="1">
+                        <a:lnSpc>
+                          <a:spcPct val="100000"/>
+                        </a:lnSpc>
+                        <a:spcBef>
+                          <a:spcPts val="0"/>
+                        </a:spcBef>
+                        <a:spcAft>
+                          <a:spcPts val="0"/>
+                        </a:spcAft>
+                        <a:buClrTx/>
+                        <a:buSzTx/>
+                        <a:buFontTx/>
+                        <a:buNone/>
+                        <a:tabLst/>
+                        <a:defRPr/>
+                      </a:pPr>
+                      <a:r>
+                        <a:rPr lang="es-CO" sz="1400" dirty="0"/>
+                        <a:t>El sistema permite al usuario administrador habilitar y deshabilitar el funcionamiento del sistema para los usuarios docente y estudiante.</a:t>
+                      </a:r>
+                    </a:p>
+                    <a:p>
+                      <a:endParaRPr lang="es-CO" sz="1400" dirty="0"/>
                     </a:p>
                   </a:txBody>
                   <a:tcPr/>
                 </a:tc>
                 <a:extLst>
                   <a:ext uri="{0D108BD9-81ED-4DB2-BD59-A6C34878D82A}">
-                    <a16:rowId xmlns:a16="http://schemas.microsoft.com/office/drawing/2014/main" val="2397840479"/>
+                    <a16:rowId xmlns:a16="http://schemas.microsoft.com/office/drawing/2014/main" val="2968710298"/>
                   </a:ext>
                 </a:extLst>
               </a:tr>
@@ -19797,21 +20316,69 @@
                     <a:lstStyle/>
                     <a:p>
                       <a:r>
-                        <a:rPr lang="es-CO" dirty="0"/>
-                        <a:t>Prioridad del requerimiento</a:t>
-                      </a:r>
-                    </a:p>
-                  </a:txBody>
-                  <a:tcPr/>
-                </a:tc>
-                <a:tc>
-                  <a:txBody>
-                    <a:bodyPr/>
-                    <a:lstStyle/>
-                    <a:p>
-                      <a:r>
-                        <a:rPr lang="es-CO" dirty="0"/>
-                        <a:t>Alta</a:t>
+                        <a:rPr lang="es-CO" sz="1400" dirty="0"/>
+                        <a:t>Requerimientos no funcionales</a:t>
+                      </a:r>
+                    </a:p>
+                  </a:txBody>
+                  <a:tcPr/>
+                </a:tc>
+                <a:tc>
+                  <a:txBody>
+                    <a:bodyPr/>
+                    <a:lstStyle/>
+                    <a:p>
+                      <a:r>
+                        <a:rPr lang="es-CO" sz="1400" dirty="0"/>
+                        <a:t>RNF01</a:t>
+                      </a:r>
+                    </a:p>
+                    <a:p>
+                      <a:r>
+                        <a:rPr lang="es-CO" sz="1400" dirty="0"/>
+                        <a:t>RNF08</a:t>
+                      </a:r>
+                    </a:p>
+                    <a:p>
+                      <a:r>
+                        <a:rPr lang="es-CO" sz="1400" dirty="0"/>
+                        <a:t>RNF09</a:t>
+                      </a:r>
+                    </a:p>
+                    <a:p>
+                      <a:r>
+                        <a:rPr lang="es-CO" sz="1400" dirty="0"/>
+                        <a:t>RNF10</a:t>
+                      </a:r>
+                    </a:p>
+                    <a:p>
+                      <a:r>
+                        <a:rPr lang="es-CO" sz="1400" dirty="0"/>
+                        <a:t>RNF11</a:t>
+                      </a:r>
+                    </a:p>
+                    <a:p>
+                      <a:r>
+                        <a:rPr lang="es-CO" sz="1400" dirty="0"/>
+                        <a:t>RNF13</a:t>
+                      </a:r>
+                    </a:p>
+                    <a:p>
+                      <a:r>
+                        <a:rPr lang="es-CO" sz="1400" dirty="0"/>
+                        <a:t>RNF14</a:t>
+                      </a:r>
+                    </a:p>
+                    <a:p>
+                      <a:r>
+                        <a:rPr lang="es-CO" sz="1400" dirty="0"/>
+                        <a:t>RNF15</a:t>
+                      </a:r>
+                    </a:p>
+                    <a:p>
+                      <a:r>
+                        <a:rPr lang="es-CO" sz="1400" dirty="0"/>
+                        <a:t>RNF16</a:t>
                       </a:r>
                     </a:p>
                   </a:txBody>
@@ -19819,7 +20386,40 @@
                 </a:tc>
                 <a:extLst>
                   <a:ext uri="{0D108BD9-81ED-4DB2-BD59-A6C34878D82A}">
-                    <a16:rowId xmlns:a16="http://schemas.microsoft.com/office/drawing/2014/main" val="1876826554"/>
+                    <a16:rowId xmlns:a16="http://schemas.microsoft.com/office/drawing/2014/main" val="302045704"/>
+                  </a:ext>
+                </a:extLst>
+              </a:tr>
+              <a:tr h="370840">
+                <a:tc>
+                  <a:txBody>
+                    <a:bodyPr/>
+                    <a:lstStyle/>
+                    <a:p>
+                      <a:r>
+                        <a:rPr lang="es-CO" sz="1400" dirty="0"/>
+                        <a:t>Prioridad del requerimiento</a:t>
+                      </a:r>
+                    </a:p>
+                  </a:txBody>
+                  <a:tcPr/>
+                </a:tc>
+                <a:tc>
+                  <a:txBody>
+                    <a:bodyPr/>
+                    <a:lstStyle/>
+                    <a:p>
+                      <a:r>
+                        <a:rPr lang="es-CO" sz="1400" dirty="0"/>
+                        <a:t>Alta</a:t>
+                      </a:r>
+                    </a:p>
+                  </a:txBody>
+                  <a:tcPr/>
+                </a:tc>
+                <a:extLst>
+                  <a:ext uri="{0D108BD9-81ED-4DB2-BD59-A6C34878D82A}">
+                    <a16:rowId xmlns:a16="http://schemas.microsoft.com/office/drawing/2014/main" val="2916724385"/>
                   </a:ext>
                 </a:extLst>
               </a:tr>
@@ -19830,7 +20430,7 @@
     </p:spTree>
     <p:extLst>
       <p:ext uri="{BB962C8B-B14F-4D97-AF65-F5344CB8AC3E}">
-        <p14:creationId xmlns:p14="http://schemas.microsoft.com/office/powerpoint/2010/main" val="4264451195"/>
+        <p14:creationId xmlns:p14="http://schemas.microsoft.com/office/powerpoint/2010/main" val="3573408142"/>
       </p:ext>
     </p:extLst>
   </p:cSld>
@@ -19862,7 +20462,7 @@
           <p:cNvPr id="2" name="Título 1">
             <a:extLst>
               <a:ext uri="{FF2B5EF4-FFF2-40B4-BE49-F238E27FC236}">
-                <a16:creationId xmlns:a16="http://schemas.microsoft.com/office/drawing/2014/main" id="{178FD51D-A159-4700-8953-05A9A8556F05}"/>
+                <a16:creationId xmlns:a16="http://schemas.microsoft.com/office/drawing/2014/main" id="{A544CF25-2F8F-BC45-9D5E-B7214CD84D05}"/>
               </a:ext>
             </a:extLst>
           </p:cNvPr>
@@ -19880,7 +20480,7 @@
           <a:p>
             <a:r>
               <a:rPr lang="es-CO" dirty="0"/>
-              <a:t>Requerimientos no funcionales</a:t>
+              <a:t>Requerimientos funcionales</a:t>
             </a:r>
           </a:p>
         </p:txBody>
@@ -19890,7 +20490,7 @@
           <p:cNvPr id="4" name="Tabla 4">
             <a:extLst>
               <a:ext uri="{FF2B5EF4-FFF2-40B4-BE49-F238E27FC236}">
-                <a16:creationId xmlns:a16="http://schemas.microsoft.com/office/drawing/2014/main" id="{6B38E0D9-26AD-4385-A7E2-4F0936985EA5}"/>
+                <a16:creationId xmlns:a16="http://schemas.microsoft.com/office/drawing/2014/main" id="{104B1BC5-C194-6A4D-BF36-86B68BC29C6E}"/>
               </a:ext>
             </a:extLst>
           </p:cNvPr>
@@ -19899,16 +20499,11 @@
           </p:cNvGraphicFramePr>
           <p:nvPr>
             <p:ph idx="1"/>
-            <p:extLst>
-              <p:ext uri="{D42A27DB-BD31-4B8C-83A1-F6EECF244321}">
-                <p14:modId xmlns:p14="http://schemas.microsoft.com/office/powerpoint/2010/main" val="1284164895"/>
-              </p:ext>
-            </p:extLst>
           </p:nvPr>
         </p:nvGraphicFramePr>
         <p:xfrm>
-          <a:off x="5021631" y="1326567"/>
-          <a:ext cx="6281738" cy="3479800"/>
+          <a:off x="5118100" y="803275"/>
+          <a:ext cx="6281738" cy="4800600"/>
         </p:xfrm>
         <a:graphic>
           <a:graphicData uri="http://schemas.openxmlformats.org/drawingml/2006/table">
@@ -19920,14 +20515,14 @@
                 <a:gridCol w="3140869">
                   <a:extLst>
                     <a:ext uri="{9D8B030D-6E8A-4147-A177-3AD203B41FA5}">
-                      <a16:colId xmlns:a16="http://schemas.microsoft.com/office/drawing/2014/main" val="2405063638"/>
+                      <a16:colId xmlns:a16="http://schemas.microsoft.com/office/drawing/2014/main" val="1589146686"/>
                     </a:ext>
                   </a:extLst>
                 </a:gridCol>
                 <a:gridCol w="3140869">
                   <a:extLst>
                     <a:ext uri="{9D8B030D-6E8A-4147-A177-3AD203B41FA5}">
-                      <a16:colId xmlns:a16="http://schemas.microsoft.com/office/drawing/2014/main" val="3099478781"/>
+                      <a16:colId xmlns:a16="http://schemas.microsoft.com/office/drawing/2014/main" val="1463651238"/>
                     </a:ext>
                   </a:extLst>
                 </a:gridCol>
@@ -19939,7 +20534,7 @@
                     <a:lstStyle/>
                     <a:p>
                       <a:r>
-                        <a:rPr lang="es-CO" dirty="0"/>
+                        <a:rPr lang="es-CO" sz="1400" dirty="0"/>
                         <a:t>Identificación del requerimiento</a:t>
                       </a:r>
                     </a:p>
@@ -19952,8 +20547,8 @@
                     <a:lstStyle/>
                     <a:p>
                       <a:r>
-                        <a:rPr lang="es-CO" dirty="0"/>
-                        <a:t>RNF002</a:t>
+                        <a:rPr lang="es-CO" sz="1400" dirty="0"/>
+                        <a:t>RF08</a:t>
                       </a:r>
                     </a:p>
                   </a:txBody>
@@ -19961,7 +20556,7 @@
                 </a:tc>
                 <a:extLst>
                   <a:ext uri="{0D108BD9-81ED-4DB2-BD59-A6C34878D82A}">
-                    <a16:rowId xmlns:a16="http://schemas.microsoft.com/office/drawing/2014/main" val="3120795479"/>
+                    <a16:rowId xmlns:a16="http://schemas.microsoft.com/office/drawing/2014/main" val="3568786682"/>
                   </a:ext>
                 </a:extLst>
               </a:tr>
@@ -19972,7 +20567,7 @@
                     <a:lstStyle/>
                     <a:p>
                       <a:r>
-                        <a:rPr lang="es-CO" dirty="0"/>
+                        <a:rPr lang="es-CO" sz="1400" dirty="0"/>
                         <a:t>Nombre del requerimiento</a:t>
                       </a:r>
                     </a:p>
@@ -19985,8 +20580,8 @@
                     <a:lstStyle/>
                     <a:p>
                       <a:r>
-                        <a:rPr lang="es-CO" dirty="0"/>
-                        <a:t>Compatibilidad</a:t>
+                        <a:rPr lang="es-CO" sz="1400" dirty="0"/>
+                        <a:t>Filtrar información</a:t>
                       </a:r>
                     </a:p>
                   </a:txBody>
@@ -19994,7 +20589,7 @@
                 </a:tc>
                 <a:extLst>
                   <a:ext uri="{0D108BD9-81ED-4DB2-BD59-A6C34878D82A}">
-                    <a16:rowId xmlns:a16="http://schemas.microsoft.com/office/drawing/2014/main" val="1343925762"/>
+                    <a16:rowId xmlns:a16="http://schemas.microsoft.com/office/drawing/2014/main" val="2616514354"/>
                   </a:ext>
                 </a:extLst>
               </a:tr>
@@ -20005,21 +20600,21 @@
                     <a:lstStyle/>
                     <a:p>
                       <a:r>
-                        <a:rPr lang="es-CO" dirty="0"/>
-                        <a:t>Caracterísitcas</a:t>
-                      </a:r>
-                    </a:p>
-                  </a:txBody>
-                  <a:tcPr/>
-                </a:tc>
-                <a:tc>
-                  <a:txBody>
-                    <a:bodyPr/>
-                    <a:lstStyle/>
-                    <a:p>
-                      <a:r>
-                        <a:rPr lang="es-CO" dirty="0"/>
-                        <a:t>El sistema debe funcionar en cualquier sistema operativo</a:t>
+                        <a:rPr lang="es-CO" sz="1400" dirty="0"/>
+                        <a:t>Características</a:t>
+                      </a:r>
+                    </a:p>
+                  </a:txBody>
+                  <a:tcPr/>
+                </a:tc>
+                <a:tc>
+                  <a:txBody>
+                    <a:bodyPr/>
+                    <a:lstStyle/>
+                    <a:p>
+                      <a:r>
+                        <a:rPr lang="es-CO" sz="1400" dirty="0"/>
+                        <a:t>El usuario especificar el tipo de información a la cual quiere acceder.</a:t>
                       </a:r>
                     </a:p>
                   </a:txBody>
@@ -20027,7 +20622,7 @@
                 </a:tc>
                 <a:extLst>
                   <a:ext uri="{0D108BD9-81ED-4DB2-BD59-A6C34878D82A}">
-                    <a16:rowId xmlns:a16="http://schemas.microsoft.com/office/drawing/2014/main" val="769886354"/>
+                    <a16:rowId xmlns:a16="http://schemas.microsoft.com/office/drawing/2014/main" val="1942680024"/>
                   </a:ext>
                 </a:extLst>
               </a:tr>
@@ -20038,7 +20633,7 @@
                     <a:lstStyle/>
                     <a:p>
                       <a:r>
-                        <a:rPr lang="es-CO" dirty="0"/>
+                        <a:rPr lang="es-CO" sz="1400" dirty="0"/>
                         <a:t>Descripción del requerimiento</a:t>
                       </a:r>
                     </a:p>
@@ -20050,17 +20645,37 @@
                     <a:bodyPr/>
                     <a:lstStyle/>
                     <a:p>
-                      <a:r>
-                        <a:rPr lang="es-CO" dirty="0"/>
-                        <a:t>El sistema debe funcionar en iOS, Android, Mac OS, Windows, Linux, etcétera.</a:t>
-                      </a:r>
+                      <a:pPr marL="0" marR="0" lvl="0" indent="0" algn="l" defTabSz="914400" rtl="0" eaLnBrk="1" fontAlgn="auto" latinLnBrk="0" hangingPunct="1">
+                        <a:lnSpc>
+                          <a:spcPct val="100000"/>
+                        </a:lnSpc>
+                        <a:spcBef>
+                          <a:spcPts val="0"/>
+                        </a:spcBef>
+                        <a:spcAft>
+                          <a:spcPts val="0"/>
+                        </a:spcAft>
+                        <a:buClrTx/>
+                        <a:buSzTx/>
+                        <a:buFontTx/>
+                        <a:buNone/>
+                        <a:tabLst/>
+                        <a:defRPr/>
+                      </a:pPr>
+                      <a:r>
+                        <a:rPr lang="es-CO" sz="1400" dirty="0"/>
+                        <a:t>El sistema permite al usuario la búsqueda de información específica según el interés de este.</a:t>
+                      </a:r>
+                    </a:p>
+                    <a:p>
+                      <a:endParaRPr lang="es-CO" sz="1400" dirty="0"/>
                     </a:p>
                   </a:txBody>
                   <a:tcPr/>
                 </a:tc>
                 <a:extLst>
                   <a:ext uri="{0D108BD9-81ED-4DB2-BD59-A6C34878D82A}">
-                    <a16:rowId xmlns:a16="http://schemas.microsoft.com/office/drawing/2014/main" val="2397840479"/>
+                    <a16:rowId xmlns:a16="http://schemas.microsoft.com/office/drawing/2014/main" val="2968710298"/>
                   </a:ext>
                 </a:extLst>
               </a:tr>
@@ -20071,21 +20686,69 @@
                     <a:lstStyle/>
                     <a:p>
                       <a:r>
-                        <a:rPr lang="es-CO" dirty="0"/>
-                        <a:t>Prioridad del requerimiento</a:t>
-                      </a:r>
-                    </a:p>
-                  </a:txBody>
-                  <a:tcPr/>
-                </a:tc>
-                <a:tc>
-                  <a:txBody>
-                    <a:bodyPr/>
-                    <a:lstStyle/>
-                    <a:p>
-                      <a:r>
-                        <a:rPr lang="es-CO" dirty="0"/>
-                        <a:t>Alta</a:t>
+                        <a:rPr lang="es-CO" sz="1400" dirty="0"/>
+                        <a:t>Requerimientos no funcionales</a:t>
+                      </a:r>
+                    </a:p>
+                  </a:txBody>
+                  <a:tcPr/>
+                </a:tc>
+                <a:tc>
+                  <a:txBody>
+                    <a:bodyPr/>
+                    <a:lstStyle/>
+                    <a:p>
+                      <a:r>
+                        <a:rPr lang="es-CO" sz="1400" dirty="0"/>
+                        <a:t>RNF01</a:t>
+                      </a:r>
+                    </a:p>
+                    <a:p>
+                      <a:r>
+                        <a:rPr lang="es-CO" sz="1400" dirty="0"/>
+                        <a:t>RNF08</a:t>
+                      </a:r>
+                    </a:p>
+                    <a:p>
+                      <a:r>
+                        <a:rPr lang="es-CO" sz="1400" dirty="0"/>
+                        <a:t>RNF09</a:t>
+                      </a:r>
+                    </a:p>
+                    <a:p>
+                      <a:r>
+                        <a:rPr lang="es-CO" sz="1400" dirty="0"/>
+                        <a:t>RNF10</a:t>
+                      </a:r>
+                    </a:p>
+                    <a:p>
+                      <a:r>
+                        <a:rPr lang="es-CO" sz="1400" dirty="0"/>
+                        <a:t>RNF11</a:t>
+                      </a:r>
+                    </a:p>
+                    <a:p>
+                      <a:r>
+                        <a:rPr lang="es-CO" sz="1400" dirty="0"/>
+                        <a:t>RNF13</a:t>
+                      </a:r>
+                    </a:p>
+                    <a:p>
+                      <a:r>
+                        <a:rPr lang="es-CO" sz="1400" dirty="0"/>
+                        <a:t>RNF14</a:t>
+                      </a:r>
+                    </a:p>
+                    <a:p>
+                      <a:r>
+                        <a:rPr lang="es-CO" sz="1400" dirty="0"/>
+                        <a:t>RNF15</a:t>
+                      </a:r>
+                    </a:p>
+                    <a:p>
+                      <a:r>
+                        <a:rPr lang="es-CO" sz="1400" dirty="0"/>
+                        <a:t>RNF16</a:t>
                       </a:r>
                     </a:p>
                   </a:txBody>
@@ -20093,7 +20756,40 @@
                 </a:tc>
                 <a:extLst>
                   <a:ext uri="{0D108BD9-81ED-4DB2-BD59-A6C34878D82A}">
-                    <a16:rowId xmlns:a16="http://schemas.microsoft.com/office/drawing/2014/main" val="1876826554"/>
+                    <a16:rowId xmlns:a16="http://schemas.microsoft.com/office/drawing/2014/main" val="302045704"/>
+                  </a:ext>
+                </a:extLst>
+              </a:tr>
+              <a:tr h="370840">
+                <a:tc>
+                  <a:txBody>
+                    <a:bodyPr/>
+                    <a:lstStyle/>
+                    <a:p>
+                      <a:r>
+                        <a:rPr lang="es-CO" sz="1400" dirty="0"/>
+                        <a:t>Prioridad del requerimiento</a:t>
+                      </a:r>
+                    </a:p>
+                  </a:txBody>
+                  <a:tcPr/>
+                </a:tc>
+                <a:tc>
+                  <a:txBody>
+                    <a:bodyPr/>
+                    <a:lstStyle/>
+                    <a:p>
+                      <a:r>
+                        <a:rPr lang="es-CO" sz="1400" dirty="0"/>
+                        <a:t>Alta</a:t>
+                      </a:r>
+                    </a:p>
+                  </a:txBody>
+                  <a:tcPr/>
+                </a:tc>
+                <a:extLst>
+                  <a:ext uri="{0D108BD9-81ED-4DB2-BD59-A6C34878D82A}">
+                    <a16:rowId xmlns:a16="http://schemas.microsoft.com/office/drawing/2014/main" val="2916724385"/>
                   </a:ext>
                 </a:extLst>
               </a:tr>
@@ -20104,7 +20800,7 @@
     </p:spTree>
     <p:extLst>
       <p:ext uri="{BB962C8B-B14F-4D97-AF65-F5344CB8AC3E}">
-        <p14:creationId xmlns:p14="http://schemas.microsoft.com/office/powerpoint/2010/main" val="147812105"/>
+        <p14:creationId xmlns:p14="http://schemas.microsoft.com/office/powerpoint/2010/main" val="2645603914"/>
       </p:ext>
     </p:extLst>
   </p:cSld>
@@ -20136,7 +20832,7 @@
           <p:cNvPr id="2" name="Título 1">
             <a:extLst>
               <a:ext uri="{FF2B5EF4-FFF2-40B4-BE49-F238E27FC236}">
-                <a16:creationId xmlns:a16="http://schemas.microsoft.com/office/drawing/2014/main" id="{9DD6AC57-19BA-4DFC-8A22-6E58CE671DB9}"/>
+                <a16:creationId xmlns:a16="http://schemas.microsoft.com/office/drawing/2014/main" id="{A544CF25-2F8F-BC45-9D5E-B7214CD84D05}"/>
               </a:ext>
             </a:extLst>
           </p:cNvPr>
@@ -20154,7 +20850,7 @@
           <a:p>
             <a:r>
               <a:rPr lang="es-CO" dirty="0"/>
-              <a:t>Requerimientos no funcionales</a:t>
+              <a:t>Requerimientos funcionales</a:t>
             </a:r>
           </a:p>
         </p:txBody>
@@ -20164,7 +20860,7 @@
           <p:cNvPr id="4" name="Tabla 4">
             <a:extLst>
               <a:ext uri="{FF2B5EF4-FFF2-40B4-BE49-F238E27FC236}">
-                <a16:creationId xmlns:a16="http://schemas.microsoft.com/office/drawing/2014/main" id="{FB8CE453-2C7F-4156-8604-75811BD17D56}"/>
+                <a16:creationId xmlns:a16="http://schemas.microsoft.com/office/drawing/2014/main" id="{104B1BC5-C194-6A4D-BF36-86B68BC29C6E}"/>
               </a:ext>
             </a:extLst>
           </p:cNvPr>
@@ -20173,16 +20869,11 @@
           </p:cNvGraphicFramePr>
           <p:nvPr>
             <p:ph idx="1"/>
-            <p:extLst>
-              <p:ext uri="{D42A27DB-BD31-4B8C-83A1-F6EECF244321}">
-                <p14:modId xmlns:p14="http://schemas.microsoft.com/office/powerpoint/2010/main" val="1318036598"/>
-              </p:ext>
-            </p:extLst>
           </p:nvPr>
         </p:nvGraphicFramePr>
         <p:xfrm>
-          <a:off x="5118100" y="1052247"/>
-          <a:ext cx="6281738" cy="3754120"/>
+          <a:off x="5118100" y="803275"/>
+          <a:ext cx="6281738" cy="5227320"/>
         </p:xfrm>
         <a:graphic>
           <a:graphicData uri="http://schemas.openxmlformats.org/drawingml/2006/table">
@@ -20194,14 +20885,14 @@
                 <a:gridCol w="3140869">
                   <a:extLst>
                     <a:ext uri="{9D8B030D-6E8A-4147-A177-3AD203B41FA5}">
-                      <a16:colId xmlns:a16="http://schemas.microsoft.com/office/drawing/2014/main" val="2405063638"/>
+                      <a16:colId xmlns:a16="http://schemas.microsoft.com/office/drawing/2014/main" val="1589146686"/>
                     </a:ext>
                   </a:extLst>
                 </a:gridCol>
                 <a:gridCol w="3140869">
                   <a:extLst>
                     <a:ext uri="{9D8B030D-6E8A-4147-A177-3AD203B41FA5}">
-                      <a16:colId xmlns:a16="http://schemas.microsoft.com/office/drawing/2014/main" val="3099478781"/>
+                      <a16:colId xmlns:a16="http://schemas.microsoft.com/office/drawing/2014/main" val="1463651238"/>
                     </a:ext>
                   </a:extLst>
                 </a:gridCol>
@@ -20213,7 +20904,7 @@
                     <a:lstStyle/>
                     <a:p>
                       <a:r>
-                        <a:rPr lang="es-CO" dirty="0"/>
+                        <a:rPr lang="es-CO" sz="1400" dirty="0"/>
                         <a:t>Identificación del requerimiento</a:t>
                       </a:r>
                     </a:p>
@@ -20226,8 +20917,8 @@
                     <a:lstStyle/>
                     <a:p>
                       <a:r>
-                        <a:rPr lang="es-CO" dirty="0"/>
-                        <a:t>RNF03</a:t>
+                        <a:rPr lang="es-CO" sz="1400" dirty="0"/>
+                        <a:t>RF09</a:t>
                       </a:r>
                     </a:p>
                   </a:txBody>
@@ -20235,7 +20926,7 @@
                 </a:tc>
                 <a:extLst>
                   <a:ext uri="{0D108BD9-81ED-4DB2-BD59-A6C34878D82A}">
-                    <a16:rowId xmlns:a16="http://schemas.microsoft.com/office/drawing/2014/main" val="3120795479"/>
+                    <a16:rowId xmlns:a16="http://schemas.microsoft.com/office/drawing/2014/main" val="3568786682"/>
                   </a:ext>
                 </a:extLst>
               </a:tr>
@@ -20246,7 +20937,7 @@
                     <a:lstStyle/>
                     <a:p>
                       <a:r>
-                        <a:rPr lang="es-CO" dirty="0"/>
+                        <a:rPr lang="es-CO" sz="1400" dirty="0"/>
                         <a:t>Nombre del requerimiento</a:t>
                       </a:r>
                     </a:p>
@@ -20259,8 +20950,8 @@
                     <a:lstStyle/>
                     <a:p>
                       <a:r>
-                        <a:rPr lang="es-CO" dirty="0"/>
-                        <a:t>Navegabilidad</a:t>
+                        <a:rPr lang="es-CO" sz="1400" dirty="0"/>
+                        <a:t>Consultar notas</a:t>
                       </a:r>
                     </a:p>
                   </a:txBody>
@@ -20268,7 +20959,7 @@
                 </a:tc>
                 <a:extLst>
                   <a:ext uri="{0D108BD9-81ED-4DB2-BD59-A6C34878D82A}">
-                    <a16:rowId xmlns:a16="http://schemas.microsoft.com/office/drawing/2014/main" val="1343925762"/>
+                    <a16:rowId xmlns:a16="http://schemas.microsoft.com/office/drawing/2014/main" val="2616514354"/>
                   </a:ext>
                 </a:extLst>
               </a:tr>
@@ -20279,21 +20970,21 @@
                     <a:lstStyle/>
                     <a:p>
                       <a:r>
-                        <a:rPr lang="es-CO" dirty="0"/>
-                        <a:t>Caracterísitcas</a:t>
-                      </a:r>
-                    </a:p>
-                  </a:txBody>
-                  <a:tcPr/>
-                </a:tc>
-                <a:tc>
-                  <a:txBody>
-                    <a:bodyPr/>
-                    <a:lstStyle/>
-                    <a:p>
-                      <a:r>
-                        <a:rPr lang="es-CO" dirty="0"/>
-                        <a:t>El sistema debe ser compatible con cualquirre navegador</a:t>
+                        <a:rPr lang="es-CO" sz="1400" dirty="0"/>
+                        <a:t>Características</a:t>
+                      </a:r>
+                    </a:p>
+                  </a:txBody>
+                  <a:tcPr/>
+                </a:tc>
+                <a:tc>
+                  <a:txBody>
+                    <a:bodyPr/>
+                    <a:lstStyle/>
+                    <a:p>
+                      <a:r>
+                        <a:rPr lang="es-CO" sz="1400" dirty="0"/>
+                        <a:t>El usuario estudiante podrá consultar su boletín de calificaciones y sus estadísticas de rendimiento</a:t>
                       </a:r>
                     </a:p>
                   </a:txBody>
@@ -20301,7 +20992,7 @@
                 </a:tc>
                 <a:extLst>
                   <a:ext uri="{0D108BD9-81ED-4DB2-BD59-A6C34878D82A}">
-                    <a16:rowId xmlns:a16="http://schemas.microsoft.com/office/drawing/2014/main" val="769886354"/>
+                    <a16:rowId xmlns:a16="http://schemas.microsoft.com/office/drawing/2014/main" val="1942680024"/>
                   </a:ext>
                 </a:extLst>
               </a:tr>
@@ -20312,7 +21003,7 @@
                     <a:lstStyle/>
                     <a:p>
                       <a:r>
-                        <a:rPr lang="es-CO" dirty="0"/>
+                        <a:rPr lang="es-CO" sz="1400" dirty="0"/>
                         <a:t>Descripción del requerimiento</a:t>
                       </a:r>
                     </a:p>
@@ -20324,17 +21015,37 @@
                     <a:bodyPr/>
                     <a:lstStyle/>
                     <a:p>
-                      <a:r>
-                        <a:rPr lang="es-CO" dirty="0"/>
-                        <a:t>El usuario puede navegar a través de safari, Chrome, Yandex, Modzila, Opera, entre otros.</a:t>
-                      </a:r>
+                      <a:pPr marL="0" marR="0" lvl="0" indent="0" algn="l" defTabSz="914400" rtl="0" eaLnBrk="1" fontAlgn="auto" latinLnBrk="0" hangingPunct="1">
+                        <a:lnSpc>
+                          <a:spcPct val="100000"/>
+                        </a:lnSpc>
+                        <a:spcBef>
+                          <a:spcPts val="0"/>
+                        </a:spcBef>
+                        <a:spcAft>
+                          <a:spcPts val="0"/>
+                        </a:spcAft>
+                        <a:buClrTx/>
+                        <a:buSzTx/>
+                        <a:buFontTx/>
+                        <a:buNone/>
+                        <a:tabLst/>
+                        <a:defRPr/>
+                      </a:pPr>
+                      <a:r>
+                        <a:rPr lang="es-CO" sz="1400" dirty="0"/>
+                        <a:t>El sistema permite al usuario estudiante la consulta de su boletín bimestral y sus estadísticas de rendimiento.</a:t>
+                      </a:r>
+                    </a:p>
+                    <a:p>
+                      <a:endParaRPr lang="es-CO" sz="1400" dirty="0"/>
                     </a:p>
                   </a:txBody>
                   <a:tcPr/>
                 </a:tc>
                 <a:extLst>
                   <a:ext uri="{0D108BD9-81ED-4DB2-BD59-A6C34878D82A}">
-                    <a16:rowId xmlns:a16="http://schemas.microsoft.com/office/drawing/2014/main" val="2397840479"/>
+                    <a16:rowId xmlns:a16="http://schemas.microsoft.com/office/drawing/2014/main" val="2968710298"/>
                   </a:ext>
                 </a:extLst>
               </a:tr>
@@ -20345,21 +21056,69 @@
                     <a:lstStyle/>
                     <a:p>
                       <a:r>
-                        <a:rPr lang="es-CO" dirty="0"/>
-                        <a:t>Prioridad del requerimiento</a:t>
-                      </a:r>
-                    </a:p>
-                  </a:txBody>
-                  <a:tcPr/>
-                </a:tc>
-                <a:tc>
-                  <a:txBody>
-                    <a:bodyPr/>
-                    <a:lstStyle/>
-                    <a:p>
-                      <a:r>
-                        <a:rPr lang="es-CO" dirty="0"/>
-                        <a:t>Alta</a:t>
+                        <a:rPr lang="es-CO" sz="1400" dirty="0"/>
+                        <a:t>Requerimientos no funcionales</a:t>
+                      </a:r>
+                    </a:p>
+                  </a:txBody>
+                  <a:tcPr/>
+                </a:tc>
+                <a:tc>
+                  <a:txBody>
+                    <a:bodyPr/>
+                    <a:lstStyle/>
+                    <a:p>
+                      <a:r>
+                        <a:rPr lang="es-CO" sz="1400" dirty="0"/>
+                        <a:t>RNF01</a:t>
+                      </a:r>
+                    </a:p>
+                    <a:p>
+                      <a:r>
+                        <a:rPr lang="es-CO" sz="1400" dirty="0"/>
+                        <a:t>RNF08</a:t>
+                      </a:r>
+                    </a:p>
+                    <a:p>
+                      <a:r>
+                        <a:rPr lang="es-CO" sz="1400" dirty="0"/>
+                        <a:t>RNF09</a:t>
+                      </a:r>
+                    </a:p>
+                    <a:p>
+                      <a:r>
+                        <a:rPr lang="es-CO" sz="1400" dirty="0"/>
+                        <a:t>RNF10</a:t>
+                      </a:r>
+                    </a:p>
+                    <a:p>
+                      <a:r>
+                        <a:rPr lang="es-CO" sz="1400" dirty="0"/>
+                        <a:t>RNF11</a:t>
+                      </a:r>
+                    </a:p>
+                    <a:p>
+                      <a:r>
+                        <a:rPr lang="es-CO" sz="1400" dirty="0"/>
+                        <a:t>RNF13</a:t>
+                      </a:r>
+                    </a:p>
+                    <a:p>
+                      <a:r>
+                        <a:rPr lang="es-CO" sz="1400" dirty="0"/>
+                        <a:t>RNF14</a:t>
+                      </a:r>
+                    </a:p>
+                    <a:p>
+                      <a:r>
+                        <a:rPr lang="es-CO" sz="1400" dirty="0"/>
+                        <a:t>RNF15</a:t>
+                      </a:r>
+                    </a:p>
+                    <a:p>
+                      <a:r>
+                        <a:rPr lang="es-CO" sz="1400" dirty="0"/>
+                        <a:t>RNF16</a:t>
                       </a:r>
                     </a:p>
                   </a:txBody>
@@ -20367,7 +21126,40 @@
                 </a:tc>
                 <a:extLst>
                   <a:ext uri="{0D108BD9-81ED-4DB2-BD59-A6C34878D82A}">
-                    <a16:rowId xmlns:a16="http://schemas.microsoft.com/office/drawing/2014/main" val="1876826554"/>
+                    <a16:rowId xmlns:a16="http://schemas.microsoft.com/office/drawing/2014/main" val="302045704"/>
+                  </a:ext>
+                </a:extLst>
+              </a:tr>
+              <a:tr h="370840">
+                <a:tc>
+                  <a:txBody>
+                    <a:bodyPr/>
+                    <a:lstStyle/>
+                    <a:p>
+                      <a:r>
+                        <a:rPr lang="es-CO" sz="1400" dirty="0"/>
+                        <a:t>Prioridad del requerimiento</a:t>
+                      </a:r>
+                    </a:p>
+                  </a:txBody>
+                  <a:tcPr/>
+                </a:tc>
+                <a:tc>
+                  <a:txBody>
+                    <a:bodyPr/>
+                    <a:lstStyle/>
+                    <a:p>
+                      <a:r>
+                        <a:rPr lang="es-CO" sz="1400" dirty="0"/>
+                        <a:t>Alta</a:t>
+                      </a:r>
+                    </a:p>
+                  </a:txBody>
+                  <a:tcPr/>
+                </a:tc>
+                <a:extLst>
+                  <a:ext uri="{0D108BD9-81ED-4DB2-BD59-A6C34878D82A}">
+                    <a16:rowId xmlns:a16="http://schemas.microsoft.com/office/drawing/2014/main" val="2916724385"/>
                   </a:ext>
                 </a:extLst>
               </a:tr>
@@ -20378,7 +21170,7 @@
     </p:spTree>
     <p:extLst>
       <p:ext uri="{BB962C8B-B14F-4D97-AF65-F5344CB8AC3E}">
-        <p14:creationId xmlns:p14="http://schemas.microsoft.com/office/powerpoint/2010/main" val="406380066"/>
+        <p14:creationId xmlns:p14="http://schemas.microsoft.com/office/powerpoint/2010/main" val="10977141"/>
       </p:ext>
     </p:extLst>
   </p:cSld>
@@ -20519,6 +21311,4128 @@
           <p:cNvPr id="2" name="Título 1">
             <a:extLst>
               <a:ext uri="{FF2B5EF4-FFF2-40B4-BE49-F238E27FC236}">
+                <a16:creationId xmlns:a16="http://schemas.microsoft.com/office/drawing/2014/main" id="{A544CF25-2F8F-BC45-9D5E-B7214CD84D05}"/>
+              </a:ext>
+            </a:extLst>
+          </p:cNvPr>
+          <p:cNvSpPr>
+            <a:spLocks noGrp="1"/>
+          </p:cNvSpPr>
+          <p:nvPr>
+            <p:ph type="title"/>
+          </p:nvPr>
+        </p:nvSpPr>
+        <p:spPr/>
+        <p:txBody>
+          <a:bodyPr/>
+          <a:lstStyle/>
+          <a:p>
+            <a:r>
+              <a:rPr lang="es-CO" dirty="0"/>
+              <a:t>Requerimientos funcionales</a:t>
+            </a:r>
+          </a:p>
+        </p:txBody>
+      </p:sp>
+      <p:graphicFrame>
+        <p:nvGraphicFramePr>
+          <p:cNvPr id="4" name="Tabla 4">
+            <a:extLst>
+              <a:ext uri="{FF2B5EF4-FFF2-40B4-BE49-F238E27FC236}">
+                <a16:creationId xmlns:a16="http://schemas.microsoft.com/office/drawing/2014/main" id="{104B1BC5-C194-6A4D-BF36-86B68BC29C6E}"/>
+              </a:ext>
+            </a:extLst>
+          </p:cNvPr>
+          <p:cNvGraphicFramePr>
+            <a:graphicFrameLocks noGrp="1"/>
+          </p:cNvGraphicFramePr>
+          <p:nvPr>
+            <p:ph idx="1"/>
+          </p:nvPr>
+        </p:nvGraphicFramePr>
+        <p:xfrm>
+          <a:off x="5118100" y="803275"/>
+          <a:ext cx="6281738" cy="4800600"/>
+        </p:xfrm>
+        <a:graphic>
+          <a:graphicData uri="http://schemas.openxmlformats.org/drawingml/2006/table">
+            <a:tbl>
+              <a:tblPr firstRow="1" bandRow="1">
+                <a:tableStyleId>{5C22544A-7EE6-4342-B048-85BDC9FD1C3A}</a:tableStyleId>
+              </a:tblPr>
+              <a:tblGrid>
+                <a:gridCol w="3140869">
+                  <a:extLst>
+                    <a:ext uri="{9D8B030D-6E8A-4147-A177-3AD203B41FA5}">
+                      <a16:colId xmlns:a16="http://schemas.microsoft.com/office/drawing/2014/main" val="1589146686"/>
+                    </a:ext>
+                  </a:extLst>
+                </a:gridCol>
+                <a:gridCol w="3140869">
+                  <a:extLst>
+                    <a:ext uri="{9D8B030D-6E8A-4147-A177-3AD203B41FA5}">
+                      <a16:colId xmlns:a16="http://schemas.microsoft.com/office/drawing/2014/main" val="1463651238"/>
+                    </a:ext>
+                  </a:extLst>
+                </a:gridCol>
+              </a:tblGrid>
+              <a:tr h="370840">
+                <a:tc>
+                  <a:txBody>
+                    <a:bodyPr/>
+                    <a:lstStyle/>
+                    <a:p>
+                      <a:r>
+                        <a:rPr lang="es-CO" sz="1400" dirty="0"/>
+                        <a:t>Identificación del requerimiento</a:t>
+                      </a:r>
+                    </a:p>
+                  </a:txBody>
+                  <a:tcPr/>
+                </a:tc>
+                <a:tc>
+                  <a:txBody>
+                    <a:bodyPr/>
+                    <a:lstStyle/>
+                    <a:p>
+                      <a:r>
+                        <a:rPr lang="es-CO" sz="1400" dirty="0"/>
+                        <a:t>RF10</a:t>
+                      </a:r>
+                    </a:p>
+                  </a:txBody>
+                  <a:tcPr/>
+                </a:tc>
+                <a:extLst>
+                  <a:ext uri="{0D108BD9-81ED-4DB2-BD59-A6C34878D82A}">
+                    <a16:rowId xmlns:a16="http://schemas.microsoft.com/office/drawing/2014/main" val="3568786682"/>
+                  </a:ext>
+                </a:extLst>
+              </a:tr>
+              <a:tr h="370840">
+                <a:tc>
+                  <a:txBody>
+                    <a:bodyPr/>
+                    <a:lstStyle/>
+                    <a:p>
+                      <a:r>
+                        <a:rPr lang="es-CO" sz="1400" dirty="0"/>
+                        <a:t>Nombre del requerimiento</a:t>
+                      </a:r>
+                    </a:p>
+                  </a:txBody>
+                  <a:tcPr/>
+                </a:tc>
+                <a:tc>
+                  <a:txBody>
+                    <a:bodyPr/>
+                    <a:lstStyle/>
+                    <a:p>
+                      <a:r>
+                        <a:rPr lang="es-CO" sz="1400" dirty="0"/>
+                        <a:t>Subir notas</a:t>
+                      </a:r>
+                    </a:p>
+                  </a:txBody>
+                  <a:tcPr/>
+                </a:tc>
+                <a:extLst>
+                  <a:ext uri="{0D108BD9-81ED-4DB2-BD59-A6C34878D82A}">
+                    <a16:rowId xmlns:a16="http://schemas.microsoft.com/office/drawing/2014/main" val="2616514354"/>
+                  </a:ext>
+                </a:extLst>
+              </a:tr>
+              <a:tr h="370840">
+                <a:tc>
+                  <a:txBody>
+                    <a:bodyPr/>
+                    <a:lstStyle/>
+                    <a:p>
+                      <a:r>
+                        <a:rPr lang="es-CO" sz="1400" dirty="0"/>
+                        <a:t>Características</a:t>
+                      </a:r>
+                    </a:p>
+                  </a:txBody>
+                  <a:tcPr/>
+                </a:tc>
+                <a:tc>
+                  <a:txBody>
+                    <a:bodyPr/>
+                    <a:lstStyle/>
+                    <a:p>
+                      <a:r>
+                        <a:rPr lang="es-CO" sz="1400" dirty="0"/>
+                        <a:t>El usuario docente podrá subir las calificaciones correspondientes a sus asignaturas.</a:t>
+                      </a:r>
+                    </a:p>
+                  </a:txBody>
+                  <a:tcPr/>
+                </a:tc>
+                <a:extLst>
+                  <a:ext uri="{0D108BD9-81ED-4DB2-BD59-A6C34878D82A}">
+                    <a16:rowId xmlns:a16="http://schemas.microsoft.com/office/drawing/2014/main" val="1942680024"/>
+                  </a:ext>
+                </a:extLst>
+              </a:tr>
+              <a:tr h="370840">
+                <a:tc>
+                  <a:txBody>
+                    <a:bodyPr/>
+                    <a:lstStyle/>
+                    <a:p>
+                      <a:r>
+                        <a:rPr lang="es-CO" sz="1400" dirty="0"/>
+                        <a:t>Descripción del requerimiento</a:t>
+                      </a:r>
+                    </a:p>
+                  </a:txBody>
+                  <a:tcPr/>
+                </a:tc>
+                <a:tc>
+                  <a:txBody>
+                    <a:bodyPr/>
+                    <a:lstStyle/>
+                    <a:p>
+                      <a:pPr marL="0" marR="0" lvl="0" indent="0" algn="l" defTabSz="914400" rtl="0" eaLnBrk="1" fontAlgn="auto" latinLnBrk="0" hangingPunct="1">
+                        <a:lnSpc>
+                          <a:spcPct val="100000"/>
+                        </a:lnSpc>
+                        <a:spcBef>
+                          <a:spcPts val="0"/>
+                        </a:spcBef>
+                        <a:spcAft>
+                          <a:spcPts val="0"/>
+                        </a:spcAft>
+                        <a:buClrTx/>
+                        <a:buSzTx/>
+                        <a:buFontTx/>
+                        <a:buNone/>
+                        <a:tabLst/>
+                        <a:defRPr/>
+                      </a:pPr>
+                      <a:r>
+                        <a:rPr lang="es-CO" sz="1400" dirty="0"/>
+                        <a:t>El sistema permite al usuario docente cargar las notas de sus asignaturas por bimestre.</a:t>
+                      </a:r>
+                    </a:p>
+                    <a:p>
+                      <a:endParaRPr lang="es-CO" sz="1400" dirty="0"/>
+                    </a:p>
+                  </a:txBody>
+                  <a:tcPr/>
+                </a:tc>
+                <a:extLst>
+                  <a:ext uri="{0D108BD9-81ED-4DB2-BD59-A6C34878D82A}">
+                    <a16:rowId xmlns:a16="http://schemas.microsoft.com/office/drawing/2014/main" val="2968710298"/>
+                  </a:ext>
+                </a:extLst>
+              </a:tr>
+              <a:tr h="370840">
+                <a:tc>
+                  <a:txBody>
+                    <a:bodyPr/>
+                    <a:lstStyle/>
+                    <a:p>
+                      <a:r>
+                        <a:rPr lang="es-CO" sz="1400" dirty="0"/>
+                        <a:t>Requerimientos no funcionales</a:t>
+                      </a:r>
+                    </a:p>
+                  </a:txBody>
+                  <a:tcPr/>
+                </a:tc>
+                <a:tc>
+                  <a:txBody>
+                    <a:bodyPr/>
+                    <a:lstStyle/>
+                    <a:p>
+                      <a:r>
+                        <a:rPr lang="es-CO" sz="1400" dirty="0"/>
+                        <a:t>RNF01</a:t>
+                      </a:r>
+                    </a:p>
+                    <a:p>
+                      <a:r>
+                        <a:rPr lang="es-CO" sz="1400" dirty="0"/>
+                        <a:t>RNF08</a:t>
+                      </a:r>
+                    </a:p>
+                    <a:p>
+                      <a:r>
+                        <a:rPr lang="es-CO" sz="1400" dirty="0"/>
+                        <a:t>RNF09</a:t>
+                      </a:r>
+                    </a:p>
+                    <a:p>
+                      <a:r>
+                        <a:rPr lang="es-CO" sz="1400" dirty="0"/>
+                        <a:t>RNF10</a:t>
+                      </a:r>
+                    </a:p>
+                    <a:p>
+                      <a:r>
+                        <a:rPr lang="es-CO" sz="1400" dirty="0"/>
+                        <a:t>RNF11</a:t>
+                      </a:r>
+                    </a:p>
+                    <a:p>
+                      <a:r>
+                        <a:rPr lang="es-CO" sz="1400" dirty="0"/>
+                        <a:t>RNF13</a:t>
+                      </a:r>
+                    </a:p>
+                    <a:p>
+                      <a:r>
+                        <a:rPr lang="es-CO" sz="1400" dirty="0"/>
+                        <a:t>RNF14</a:t>
+                      </a:r>
+                    </a:p>
+                    <a:p>
+                      <a:r>
+                        <a:rPr lang="es-CO" sz="1400" dirty="0"/>
+                        <a:t>RNF15</a:t>
+                      </a:r>
+                    </a:p>
+                    <a:p>
+                      <a:r>
+                        <a:rPr lang="es-CO" sz="1400" dirty="0"/>
+                        <a:t>RNF16</a:t>
+                      </a:r>
+                    </a:p>
+                  </a:txBody>
+                  <a:tcPr/>
+                </a:tc>
+                <a:extLst>
+                  <a:ext uri="{0D108BD9-81ED-4DB2-BD59-A6C34878D82A}">
+                    <a16:rowId xmlns:a16="http://schemas.microsoft.com/office/drawing/2014/main" val="302045704"/>
+                  </a:ext>
+                </a:extLst>
+              </a:tr>
+              <a:tr h="370840">
+                <a:tc>
+                  <a:txBody>
+                    <a:bodyPr/>
+                    <a:lstStyle/>
+                    <a:p>
+                      <a:r>
+                        <a:rPr lang="es-CO" sz="1400" dirty="0"/>
+                        <a:t>Prioridad del requerimiento</a:t>
+                      </a:r>
+                    </a:p>
+                  </a:txBody>
+                  <a:tcPr/>
+                </a:tc>
+                <a:tc>
+                  <a:txBody>
+                    <a:bodyPr/>
+                    <a:lstStyle/>
+                    <a:p>
+                      <a:r>
+                        <a:rPr lang="es-CO" sz="1400" dirty="0"/>
+                        <a:t>Alta</a:t>
+                      </a:r>
+                    </a:p>
+                  </a:txBody>
+                  <a:tcPr/>
+                </a:tc>
+                <a:extLst>
+                  <a:ext uri="{0D108BD9-81ED-4DB2-BD59-A6C34878D82A}">
+                    <a16:rowId xmlns:a16="http://schemas.microsoft.com/office/drawing/2014/main" val="2916724385"/>
+                  </a:ext>
+                </a:extLst>
+              </a:tr>
+            </a:tbl>
+          </a:graphicData>
+        </a:graphic>
+      </p:graphicFrame>
+    </p:spTree>
+    <p:extLst>
+      <p:ext uri="{BB962C8B-B14F-4D97-AF65-F5344CB8AC3E}">
+        <p14:creationId xmlns:p14="http://schemas.microsoft.com/office/powerpoint/2010/main" val="1189423644"/>
+      </p:ext>
+    </p:extLst>
+  </p:cSld>
+  <p:clrMapOvr>
+    <a:masterClrMapping/>
+  </p:clrMapOvr>
+</p:sld>
+</file>
+
+<file path=ppt/slides/slide41.xml><?xml version="1.0" encoding="utf-8"?>
+<p:sld xmlns:a="http://schemas.openxmlformats.org/drawingml/2006/main" xmlns:r="http://schemas.openxmlformats.org/officeDocument/2006/relationships" xmlns:p="http://schemas.openxmlformats.org/presentationml/2006/main">
+  <p:cSld>
+    <p:spTree>
+      <p:nvGrpSpPr>
+        <p:cNvPr id="1" name=""/>
+        <p:cNvGrpSpPr/>
+        <p:nvPr/>
+      </p:nvGrpSpPr>
+      <p:grpSpPr>
+        <a:xfrm>
+          <a:off x="0" y="0"/>
+          <a:ext cx="0" cy="0"/>
+          <a:chOff x="0" y="0"/>
+          <a:chExt cx="0" cy="0"/>
+        </a:xfrm>
+      </p:grpSpPr>
+      <p:sp>
+        <p:nvSpPr>
+          <p:cNvPr id="2" name="Título 1">
+            <a:extLst>
+              <a:ext uri="{FF2B5EF4-FFF2-40B4-BE49-F238E27FC236}">
+                <a16:creationId xmlns:a16="http://schemas.microsoft.com/office/drawing/2014/main" id="{A544CF25-2F8F-BC45-9D5E-B7214CD84D05}"/>
+              </a:ext>
+            </a:extLst>
+          </p:cNvPr>
+          <p:cNvSpPr>
+            <a:spLocks noGrp="1"/>
+          </p:cNvSpPr>
+          <p:nvPr>
+            <p:ph type="title"/>
+          </p:nvPr>
+        </p:nvSpPr>
+        <p:spPr/>
+        <p:txBody>
+          <a:bodyPr/>
+          <a:lstStyle/>
+          <a:p>
+            <a:r>
+              <a:rPr lang="es-CO" dirty="0"/>
+              <a:t>Requerimientos funcionales</a:t>
+            </a:r>
+          </a:p>
+        </p:txBody>
+      </p:sp>
+      <p:graphicFrame>
+        <p:nvGraphicFramePr>
+          <p:cNvPr id="4" name="Tabla 4">
+            <a:extLst>
+              <a:ext uri="{FF2B5EF4-FFF2-40B4-BE49-F238E27FC236}">
+                <a16:creationId xmlns:a16="http://schemas.microsoft.com/office/drawing/2014/main" id="{104B1BC5-C194-6A4D-BF36-86B68BC29C6E}"/>
+              </a:ext>
+            </a:extLst>
+          </p:cNvPr>
+          <p:cNvGraphicFramePr>
+            <a:graphicFrameLocks noGrp="1"/>
+          </p:cNvGraphicFramePr>
+          <p:nvPr>
+            <p:ph idx="1"/>
+          </p:nvPr>
+        </p:nvGraphicFramePr>
+        <p:xfrm>
+          <a:off x="5118100" y="803275"/>
+          <a:ext cx="6281738" cy="5227320"/>
+        </p:xfrm>
+        <a:graphic>
+          <a:graphicData uri="http://schemas.openxmlformats.org/drawingml/2006/table">
+            <a:tbl>
+              <a:tblPr firstRow="1" bandRow="1">
+                <a:tableStyleId>{5C22544A-7EE6-4342-B048-85BDC9FD1C3A}</a:tableStyleId>
+              </a:tblPr>
+              <a:tblGrid>
+                <a:gridCol w="3140869">
+                  <a:extLst>
+                    <a:ext uri="{9D8B030D-6E8A-4147-A177-3AD203B41FA5}">
+                      <a16:colId xmlns:a16="http://schemas.microsoft.com/office/drawing/2014/main" val="1589146686"/>
+                    </a:ext>
+                  </a:extLst>
+                </a:gridCol>
+                <a:gridCol w="3140869">
+                  <a:extLst>
+                    <a:ext uri="{9D8B030D-6E8A-4147-A177-3AD203B41FA5}">
+                      <a16:colId xmlns:a16="http://schemas.microsoft.com/office/drawing/2014/main" val="1463651238"/>
+                    </a:ext>
+                  </a:extLst>
+                </a:gridCol>
+              </a:tblGrid>
+              <a:tr h="370840">
+                <a:tc>
+                  <a:txBody>
+                    <a:bodyPr/>
+                    <a:lstStyle/>
+                    <a:p>
+                      <a:r>
+                        <a:rPr lang="es-CO" sz="1400" dirty="0"/>
+                        <a:t>Identificación del requerimiento</a:t>
+                      </a:r>
+                    </a:p>
+                  </a:txBody>
+                  <a:tcPr/>
+                </a:tc>
+                <a:tc>
+                  <a:txBody>
+                    <a:bodyPr/>
+                    <a:lstStyle/>
+                    <a:p>
+                      <a:r>
+                        <a:rPr lang="es-CO" sz="1400" dirty="0"/>
+                        <a:t>RF11</a:t>
+                      </a:r>
+                    </a:p>
+                  </a:txBody>
+                  <a:tcPr/>
+                </a:tc>
+                <a:extLst>
+                  <a:ext uri="{0D108BD9-81ED-4DB2-BD59-A6C34878D82A}">
+                    <a16:rowId xmlns:a16="http://schemas.microsoft.com/office/drawing/2014/main" val="3568786682"/>
+                  </a:ext>
+                </a:extLst>
+              </a:tr>
+              <a:tr h="370840">
+                <a:tc>
+                  <a:txBody>
+                    <a:bodyPr/>
+                    <a:lstStyle/>
+                    <a:p>
+                      <a:r>
+                        <a:rPr lang="es-CO" sz="1400" dirty="0"/>
+                        <a:t>Nombre del requerimiento</a:t>
+                      </a:r>
+                    </a:p>
+                  </a:txBody>
+                  <a:tcPr/>
+                </a:tc>
+                <a:tc>
+                  <a:txBody>
+                    <a:bodyPr/>
+                    <a:lstStyle/>
+                    <a:p>
+                      <a:r>
+                        <a:rPr lang="es-CO" sz="1400" dirty="0"/>
+                        <a:t>Consultar notas de asignaturas</a:t>
+                      </a:r>
+                    </a:p>
+                  </a:txBody>
+                  <a:tcPr/>
+                </a:tc>
+                <a:extLst>
+                  <a:ext uri="{0D108BD9-81ED-4DB2-BD59-A6C34878D82A}">
+                    <a16:rowId xmlns:a16="http://schemas.microsoft.com/office/drawing/2014/main" val="2616514354"/>
+                  </a:ext>
+                </a:extLst>
+              </a:tr>
+              <a:tr h="370840">
+                <a:tc>
+                  <a:txBody>
+                    <a:bodyPr/>
+                    <a:lstStyle/>
+                    <a:p>
+                      <a:r>
+                        <a:rPr lang="es-CO" sz="1400" dirty="0"/>
+                        <a:t>Características</a:t>
+                      </a:r>
+                    </a:p>
+                  </a:txBody>
+                  <a:tcPr/>
+                </a:tc>
+                <a:tc>
+                  <a:txBody>
+                    <a:bodyPr/>
+                    <a:lstStyle/>
+                    <a:p>
+                      <a:r>
+                        <a:rPr lang="es-CO" sz="1400" dirty="0"/>
+                        <a:t>El usuario docente podrá consultar las notas que obtuvieron los estudiantes en sus materias, así como las estadísticas de rendimiento de las mismas.</a:t>
+                      </a:r>
+                    </a:p>
+                  </a:txBody>
+                  <a:tcPr/>
+                </a:tc>
+                <a:extLst>
+                  <a:ext uri="{0D108BD9-81ED-4DB2-BD59-A6C34878D82A}">
+                    <a16:rowId xmlns:a16="http://schemas.microsoft.com/office/drawing/2014/main" val="1942680024"/>
+                  </a:ext>
+                </a:extLst>
+              </a:tr>
+              <a:tr h="370840">
+                <a:tc>
+                  <a:txBody>
+                    <a:bodyPr/>
+                    <a:lstStyle/>
+                    <a:p>
+                      <a:r>
+                        <a:rPr lang="es-CO" sz="1400" dirty="0"/>
+                        <a:t>Descripción del requerimiento</a:t>
+                      </a:r>
+                    </a:p>
+                  </a:txBody>
+                  <a:tcPr/>
+                </a:tc>
+                <a:tc>
+                  <a:txBody>
+                    <a:bodyPr/>
+                    <a:lstStyle/>
+                    <a:p>
+                      <a:pPr marL="0" marR="0" lvl="0" indent="0" algn="l" defTabSz="914400" rtl="0" eaLnBrk="1" fontAlgn="auto" latinLnBrk="0" hangingPunct="1">
+                        <a:lnSpc>
+                          <a:spcPct val="100000"/>
+                        </a:lnSpc>
+                        <a:spcBef>
+                          <a:spcPts val="0"/>
+                        </a:spcBef>
+                        <a:spcAft>
+                          <a:spcPts val="0"/>
+                        </a:spcAft>
+                        <a:buClrTx/>
+                        <a:buSzTx/>
+                        <a:buFontTx/>
+                        <a:buNone/>
+                        <a:tabLst/>
+                        <a:defRPr/>
+                      </a:pPr>
+                      <a:r>
+                        <a:rPr lang="es-CO" sz="1400" dirty="0"/>
+                        <a:t>El sistema permite al usuario docente consultar las estadísticas de rendimiento en sus asignaturas.</a:t>
+                      </a:r>
+                    </a:p>
+                    <a:p>
+                      <a:endParaRPr lang="es-CO" sz="1400" dirty="0"/>
+                    </a:p>
+                  </a:txBody>
+                  <a:tcPr/>
+                </a:tc>
+                <a:extLst>
+                  <a:ext uri="{0D108BD9-81ED-4DB2-BD59-A6C34878D82A}">
+                    <a16:rowId xmlns:a16="http://schemas.microsoft.com/office/drawing/2014/main" val="2968710298"/>
+                  </a:ext>
+                </a:extLst>
+              </a:tr>
+              <a:tr h="370840">
+                <a:tc>
+                  <a:txBody>
+                    <a:bodyPr/>
+                    <a:lstStyle/>
+                    <a:p>
+                      <a:r>
+                        <a:rPr lang="es-CO" sz="1400" dirty="0"/>
+                        <a:t>Requerimientos no funcionales</a:t>
+                      </a:r>
+                    </a:p>
+                  </a:txBody>
+                  <a:tcPr/>
+                </a:tc>
+                <a:tc>
+                  <a:txBody>
+                    <a:bodyPr/>
+                    <a:lstStyle/>
+                    <a:p>
+                      <a:r>
+                        <a:rPr lang="es-CO" sz="1400" dirty="0"/>
+                        <a:t>RNF01</a:t>
+                      </a:r>
+                    </a:p>
+                    <a:p>
+                      <a:r>
+                        <a:rPr lang="es-CO" sz="1400" dirty="0"/>
+                        <a:t>RNF08</a:t>
+                      </a:r>
+                    </a:p>
+                    <a:p>
+                      <a:r>
+                        <a:rPr lang="es-CO" sz="1400" dirty="0"/>
+                        <a:t>RNF09</a:t>
+                      </a:r>
+                    </a:p>
+                    <a:p>
+                      <a:r>
+                        <a:rPr lang="es-CO" sz="1400" dirty="0"/>
+                        <a:t>RNF10</a:t>
+                      </a:r>
+                    </a:p>
+                    <a:p>
+                      <a:r>
+                        <a:rPr lang="es-CO" sz="1400" dirty="0"/>
+                        <a:t>RNF11</a:t>
+                      </a:r>
+                    </a:p>
+                    <a:p>
+                      <a:r>
+                        <a:rPr lang="es-CO" sz="1400" dirty="0"/>
+                        <a:t>RNF13</a:t>
+                      </a:r>
+                    </a:p>
+                    <a:p>
+                      <a:r>
+                        <a:rPr lang="es-CO" sz="1400" dirty="0"/>
+                        <a:t>RNF14</a:t>
+                      </a:r>
+                    </a:p>
+                    <a:p>
+                      <a:r>
+                        <a:rPr lang="es-CO" sz="1400" dirty="0"/>
+                        <a:t>RNF15</a:t>
+                      </a:r>
+                    </a:p>
+                    <a:p>
+                      <a:r>
+                        <a:rPr lang="es-CO" sz="1400" dirty="0"/>
+                        <a:t>RNF16</a:t>
+                      </a:r>
+                    </a:p>
+                  </a:txBody>
+                  <a:tcPr/>
+                </a:tc>
+                <a:extLst>
+                  <a:ext uri="{0D108BD9-81ED-4DB2-BD59-A6C34878D82A}">
+                    <a16:rowId xmlns:a16="http://schemas.microsoft.com/office/drawing/2014/main" val="302045704"/>
+                  </a:ext>
+                </a:extLst>
+              </a:tr>
+              <a:tr h="370840">
+                <a:tc>
+                  <a:txBody>
+                    <a:bodyPr/>
+                    <a:lstStyle/>
+                    <a:p>
+                      <a:r>
+                        <a:rPr lang="es-CO" sz="1400" dirty="0"/>
+                        <a:t>Prioridad del requerimiento</a:t>
+                      </a:r>
+                    </a:p>
+                  </a:txBody>
+                  <a:tcPr/>
+                </a:tc>
+                <a:tc>
+                  <a:txBody>
+                    <a:bodyPr/>
+                    <a:lstStyle/>
+                    <a:p>
+                      <a:r>
+                        <a:rPr lang="es-CO" sz="1400" dirty="0"/>
+                        <a:t>Alta</a:t>
+                      </a:r>
+                    </a:p>
+                  </a:txBody>
+                  <a:tcPr/>
+                </a:tc>
+                <a:extLst>
+                  <a:ext uri="{0D108BD9-81ED-4DB2-BD59-A6C34878D82A}">
+                    <a16:rowId xmlns:a16="http://schemas.microsoft.com/office/drawing/2014/main" val="2916724385"/>
+                  </a:ext>
+                </a:extLst>
+              </a:tr>
+            </a:tbl>
+          </a:graphicData>
+        </a:graphic>
+      </p:graphicFrame>
+    </p:spTree>
+    <p:extLst>
+      <p:ext uri="{BB962C8B-B14F-4D97-AF65-F5344CB8AC3E}">
+        <p14:creationId xmlns:p14="http://schemas.microsoft.com/office/powerpoint/2010/main" val="1604259433"/>
+      </p:ext>
+    </p:extLst>
+  </p:cSld>
+  <p:clrMapOvr>
+    <a:masterClrMapping/>
+  </p:clrMapOvr>
+</p:sld>
+</file>
+
+<file path=ppt/slides/slide42.xml><?xml version="1.0" encoding="utf-8"?>
+<p:sld xmlns:a="http://schemas.openxmlformats.org/drawingml/2006/main" xmlns:r="http://schemas.openxmlformats.org/officeDocument/2006/relationships" xmlns:p="http://schemas.openxmlformats.org/presentationml/2006/main">
+  <p:cSld>
+    <p:spTree>
+      <p:nvGrpSpPr>
+        <p:cNvPr id="1" name=""/>
+        <p:cNvGrpSpPr/>
+        <p:nvPr/>
+      </p:nvGrpSpPr>
+      <p:grpSpPr>
+        <a:xfrm>
+          <a:off x="0" y="0"/>
+          <a:ext cx="0" cy="0"/>
+          <a:chOff x="0" y="0"/>
+          <a:chExt cx="0" cy="0"/>
+        </a:xfrm>
+      </p:grpSpPr>
+      <p:sp>
+        <p:nvSpPr>
+          <p:cNvPr id="2" name="Título 1">
+            <a:extLst>
+              <a:ext uri="{FF2B5EF4-FFF2-40B4-BE49-F238E27FC236}">
+                <a16:creationId xmlns:a16="http://schemas.microsoft.com/office/drawing/2014/main" id="{A544CF25-2F8F-BC45-9D5E-B7214CD84D05}"/>
+              </a:ext>
+            </a:extLst>
+          </p:cNvPr>
+          <p:cNvSpPr>
+            <a:spLocks noGrp="1"/>
+          </p:cNvSpPr>
+          <p:nvPr>
+            <p:ph type="title"/>
+          </p:nvPr>
+        </p:nvSpPr>
+        <p:spPr/>
+        <p:txBody>
+          <a:bodyPr/>
+          <a:lstStyle/>
+          <a:p>
+            <a:r>
+              <a:rPr lang="es-CO" dirty="0"/>
+              <a:t>Requerimientos funcionales</a:t>
+            </a:r>
+          </a:p>
+        </p:txBody>
+      </p:sp>
+      <p:graphicFrame>
+        <p:nvGraphicFramePr>
+          <p:cNvPr id="4" name="Tabla 4">
+            <a:extLst>
+              <a:ext uri="{FF2B5EF4-FFF2-40B4-BE49-F238E27FC236}">
+                <a16:creationId xmlns:a16="http://schemas.microsoft.com/office/drawing/2014/main" id="{104B1BC5-C194-6A4D-BF36-86B68BC29C6E}"/>
+              </a:ext>
+            </a:extLst>
+          </p:cNvPr>
+          <p:cNvGraphicFramePr>
+            <a:graphicFrameLocks noGrp="1"/>
+          </p:cNvGraphicFramePr>
+          <p:nvPr>
+            <p:ph idx="1"/>
+          </p:nvPr>
+        </p:nvGraphicFramePr>
+        <p:xfrm>
+          <a:off x="5118100" y="803275"/>
+          <a:ext cx="6281738" cy="5440680"/>
+        </p:xfrm>
+        <a:graphic>
+          <a:graphicData uri="http://schemas.openxmlformats.org/drawingml/2006/table">
+            <a:tbl>
+              <a:tblPr firstRow="1" bandRow="1">
+                <a:tableStyleId>{5C22544A-7EE6-4342-B048-85BDC9FD1C3A}</a:tableStyleId>
+              </a:tblPr>
+              <a:tblGrid>
+                <a:gridCol w="3140869">
+                  <a:extLst>
+                    <a:ext uri="{9D8B030D-6E8A-4147-A177-3AD203B41FA5}">
+                      <a16:colId xmlns:a16="http://schemas.microsoft.com/office/drawing/2014/main" val="1589146686"/>
+                    </a:ext>
+                  </a:extLst>
+                </a:gridCol>
+                <a:gridCol w="3140869">
+                  <a:extLst>
+                    <a:ext uri="{9D8B030D-6E8A-4147-A177-3AD203B41FA5}">
+                      <a16:colId xmlns:a16="http://schemas.microsoft.com/office/drawing/2014/main" val="1463651238"/>
+                    </a:ext>
+                  </a:extLst>
+                </a:gridCol>
+              </a:tblGrid>
+              <a:tr h="370840">
+                <a:tc>
+                  <a:txBody>
+                    <a:bodyPr/>
+                    <a:lstStyle/>
+                    <a:p>
+                      <a:r>
+                        <a:rPr lang="es-CO" sz="1400" dirty="0"/>
+                        <a:t>Identificación del requerimiento</a:t>
+                      </a:r>
+                    </a:p>
+                  </a:txBody>
+                  <a:tcPr/>
+                </a:tc>
+                <a:tc>
+                  <a:txBody>
+                    <a:bodyPr/>
+                    <a:lstStyle/>
+                    <a:p>
+                      <a:r>
+                        <a:rPr lang="es-CO" sz="1400" dirty="0"/>
+                        <a:t>RF12</a:t>
+                      </a:r>
+                    </a:p>
+                  </a:txBody>
+                  <a:tcPr/>
+                </a:tc>
+                <a:extLst>
+                  <a:ext uri="{0D108BD9-81ED-4DB2-BD59-A6C34878D82A}">
+                    <a16:rowId xmlns:a16="http://schemas.microsoft.com/office/drawing/2014/main" val="3568786682"/>
+                  </a:ext>
+                </a:extLst>
+              </a:tr>
+              <a:tr h="370840">
+                <a:tc>
+                  <a:txBody>
+                    <a:bodyPr/>
+                    <a:lstStyle/>
+                    <a:p>
+                      <a:r>
+                        <a:rPr lang="es-CO" sz="1400" dirty="0"/>
+                        <a:t>Nombre del requerimiento</a:t>
+                      </a:r>
+                    </a:p>
+                  </a:txBody>
+                  <a:tcPr/>
+                </a:tc>
+                <a:tc>
+                  <a:txBody>
+                    <a:bodyPr/>
+                    <a:lstStyle/>
+                    <a:p>
+                      <a:r>
+                        <a:rPr lang="es-CO" sz="1400" dirty="0"/>
+                        <a:t>Consultar notas del grupo a cargo</a:t>
+                      </a:r>
+                    </a:p>
+                  </a:txBody>
+                  <a:tcPr/>
+                </a:tc>
+                <a:extLst>
+                  <a:ext uri="{0D108BD9-81ED-4DB2-BD59-A6C34878D82A}">
+                    <a16:rowId xmlns:a16="http://schemas.microsoft.com/office/drawing/2014/main" val="2616514354"/>
+                  </a:ext>
+                </a:extLst>
+              </a:tr>
+              <a:tr h="370840">
+                <a:tc>
+                  <a:txBody>
+                    <a:bodyPr/>
+                    <a:lstStyle/>
+                    <a:p>
+                      <a:r>
+                        <a:rPr lang="es-CO" sz="1400" dirty="0"/>
+                        <a:t>Características</a:t>
+                      </a:r>
+                    </a:p>
+                  </a:txBody>
+                  <a:tcPr/>
+                </a:tc>
+                <a:tc>
+                  <a:txBody>
+                    <a:bodyPr/>
+                    <a:lstStyle/>
+                    <a:p>
+                      <a:r>
+                        <a:rPr lang="es-CO" sz="1400" dirty="0"/>
+                        <a:t>El usuario docente podrá consultar las notas que obtuvieron los estudiantes de su grupo asignado en todas las materias, así como las estadísticas de rendimiento.</a:t>
+                      </a:r>
+                    </a:p>
+                  </a:txBody>
+                  <a:tcPr/>
+                </a:tc>
+                <a:extLst>
+                  <a:ext uri="{0D108BD9-81ED-4DB2-BD59-A6C34878D82A}">
+                    <a16:rowId xmlns:a16="http://schemas.microsoft.com/office/drawing/2014/main" val="1942680024"/>
+                  </a:ext>
+                </a:extLst>
+              </a:tr>
+              <a:tr h="370840">
+                <a:tc>
+                  <a:txBody>
+                    <a:bodyPr/>
+                    <a:lstStyle/>
+                    <a:p>
+                      <a:r>
+                        <a:rPr lang="es-CO" sz="1400" dirty="0"/>
+                        <a:t>Descripción del requerimiento</a:t>
+                      </a:r>
+                    </a:p>
+                  </a:txBody>
+                  <a:tcPr/>
+                </a:tc>
+                <a:tc>
+                  <a:txBody>
+                    <a:bodyPr/>
+                    <a:lstStyle/>
+                    <a:p>
+                      <a:pPr marL="0" marR="0" lvl="0" indent="0" algn="l" defTabSz="914400" rtl="0" eaLnBrk="1" fontAlgn="auto" latinLnBrk="0" hangingPunct="1">
+                        <a:lnSpc>
+                          <a:spcPct val="100000"/>
+                        </a:lnSpc>
+                        <a:spcBef>
+                          <a:spcPts val="0"/>
+                        </a:spcBef>
+                        <a:spcAft>
+                          <a:spcPts val="0"/>
+                        </a:spcAft>
+                        <a:buClrTx/>
+                        <a:buSzTx/>
+                        <a:buFontTx/>
+                        <a:buNone/>
+                        <a:tabLst/>
+                        <a:defRPr/>
+                      </a:pPr>
+                      <a:r>
+                        <a:rPr lang="es-CO" sz="1400" dirty="0"/>
+                        <a:t>El sistema permite al usuario docente consultar las estadísticas de rendimiento de los estudiantes de su grupo a cargo.</a:t>
+                      </a:r>
+                    </a:p>
+                    <a:p>
+                      <a:endParaRPr lang="es-CO" sz="1400" dirty="0"/>
+                    </a:p>
+                  </a:txBody>
+                  <a:tcPr/>
+                </a:tc>
+                <a:extLst>
+                  <a:ext uri="{0D108BD9-81ED-4DB2-BD59-A6C34878D82A}">
+                    <a16:rowId xmlns:a16="http://schemas.microsoft.com/office/drawing/2014/main" val="2968710298"/>
+                  </a:ext>
+                </a:extLst>
+              </a:tr>
+              <a:tr h="370840">
+                <a:tc>
+                  <a:txBody>
+                    <a:bodyPr/>
+                    <a:lstStyle/>
+                    <a:p>
+                      <a:r>
+                        <a:rPr lang="es-CO" sz="1400" dirty="0"/>
+                        <a:t>Requerimientos no funcionales</a:t>
+                      </a:r>
+                    </a:p>
+                  </a:txBody>
+                  <a:tcPr/>
+                </a:tc>
+                <a:tc>
+                  <a:txBody>
+                    <a:bodyPr/>
+                    <a:lstStyle/>
+                    <a:p>
+                      <a:r>
+                        <a:rPr lang="es-CO" sz="1400" dirty="0"/>
+                        <a:t>RNF01</a:t>
+                      </a:r>
+                    </a:p>
+                    <a:p>
+                      <a:r>
+                        <a:rPr lang="es-CO" sz="1400" dirty="0"/>
+                        <a:t>RNF08</a:t>
+                      </a:r>
+                    </a:p>
+                    <a:p>
+                      <a:r>
+                        <a:rPr lang="es-CO" sz="1400" dirty="0"/>
+                        <a:t>RNF09</a:t>
+                      </a:r>
+                    </a:p>
+                    <a:p>
+                      <a:r>
+                        <a:rPr lang="es-CO" sz="1400" dirty="0"/>
+                        <a:t>RNF10</a:t>
+                      </a:r>
+                    </a:p>
+                    <a:p>
+                      <a:r>
+                        <a:rPr lang="es-CO" sz="1400" dirty="0"/>
+                        <a:t>RNF11</a:t>
+                      </a:r>
+                    </a:p>
+                    <a:p>
+                      <a:r>
+                        <a:rPr lang="es-CO" sz="1400" dirty="0"/>
+                        <a:t>RNF13</a:t>
+                      </a:r>
+                    </a:p>
+                    <a:p>
+                      <a:r>
+                        <a:rPr lang="es-CO" sz="1400" dirty="0"/>
+                        <a:t>RNF14</a:t>
+                      </a:r>
+                    </a:p>
+                    <a:p>
+                      <a:r>
+                        <a:rPr lang="es-CO" sz="1400" dirty="0"/>
+                        <a:t>RNF15</a:t>
+                      </a:r>
+                    </a:p>
+                    <a:p>
+                      <a:r>
+                        <a:rPr lang="es-CO" sz="1400" dirty="0"/>
+                        <a:t>RNF16</a:t>
+                      </a:r>
+                    </a:p>
+                  </a:txBody>
+                  <a:tcPr/>
+                </a:tc>
+                <a:extLst>
+                  <a:ext uri="{0D108BD9-81ED-4DB2-BD59-A6C34878D82A}">
+                    <a16:rowId xmlns:a16="http://schemas.microsoft.com/office/drawing/2014/main" val="302045704"/>
+                  </a:ext>
+                </a:extLst>
+              </a:tr>
+              <a:tr h="370840">
+                <a:tc>
+                  <a:txBody>
+                    <a:bodyPr/>
+                    <a:lstStyle/>
+                    <a:p>
+                      <a:r>
+                        <a:rPr lang="es-CO" sz="1400" dirty="0"/>
+                        <a:t>Prioridad del requerimiento</a:t>
+                      </a:r>
+                    </a:p>
+                  </a:txBody>
+                  <a:tcPr/>
+                </a:tc>
+                <a:tc>
+                  <a:txBody>
+                    <a:bodyPr/>
+                    <a:lstStyle/>
+                    <a:p>
+                      <a:r>
+                        <a:rPr lang="es-CO" sz="1400" dirty="0"/>
+                        <a:t>Alta</a:t>
+                      </a:r>
+                    </a:p>
+                  </a:txBody>
+                  <a:tcPr/>
+                </a:tc>
+                <a:extLst>
+                  <a:ext uri="{0D108BD9-81ED-4DB2-BD59-A6C34878D82A}">
+                    <a16:rowId xmlns:a16="http://schemas.microsoft.com/office/drawing/2014/main" val="2916724385"/>
+                  </a:ext>
+                </a:extLst>
+              </a:tr>
+            </a:tbl>
+          </a:graphicData>
+        </a:graphic>
+      </p:graphicFrame>
+    </p:spTree>
+    <p:extLst>
+      <p:ext uri="{BB962C8B-B14F-4D97-AF65-F5344CB8AC3E}">
+        <p14:creationId xmlns:p14="http://schemas.microsoft.com/office/powerpoint/2010/main" val="2025844308"/>
+      </p:ext>
+    </p:extLst>
+  </p:cSld>
+  <p:clrMapOvr>
+    <a:masterClrMapping/>
+  </p:clrMapOvr>
+</p:sld>
+</file>
+
+<file path=ppt/slides/slide43.xml><?xml version="1.0" encoding="utf-8"?>
+<p:sld xmlns:a="http://schemas.openxmlformats.org/drawingml/2006/main" xmlns:r="http://schemas.openxmlformats.org/officeDocument/2006/relationships" xmlns:p="http://schemas.openxmlformats.org/presentationml/2006/main">
+  <p:cSld>
+    <p:spTree>
+      <p:nvGrpSpPr>
+        <p:cNvPr id="1" name=""/>
+        <p:cNvGrpSpPr/>
+        <p:nvPr/>
+      </p:nvGrpSpPr>
+      <p:grpSpPr>
+        <a:xfrm>
+          <a:off x="0" y="0"/>
+          <a:ext cx="0" cy="0"/>
+          <a:chOff x="0" y="0"/>
+          <a:chExt cx="0" cy="0"/>
+        </a:xfrm>
+      </p:grpSpPr>
+      <p:sp>
+        <p:nvSpPr>
+          <p:cNvPr id="2" name="Título 1">
+            <a:extLst>
+              <a:ext uri="{FF2B5EF4-FFF2-40B4-BE49-F238E27FC236}">
+                <a16:creationId xmlns:a16="http://schemas.microsoft.com/office/drawing/2014/main" id="{A544CF25-2F8F-BC45-9D5E-B7214CD84D05}"/>
+              </a:ext>
+            </a:extLst>
+          </p:cNvPr>
+          <p:cNvSpPr>
+            <a:spLocks noGrp="1"/>
+          </p:cNvSpPr>
+          <p:nvPr>
+            <p:ph type="title"/>
+          </p:nvPr>
+        </p:nvSpPr>
+        <p:spPr/>
+        <p:txBody>
+          <a:bodyPr/>
+          <a:lstStyle/>
+          <a:p>
+            <a:r>
+              <a:rPr lang="es-CO" dirty="0"/>
+              <a:t>Requerimientos funcionales</a:t>
+            </a:r>
+          </a:p>
+        </p:txBody>
+      </p:sp>
+      <p:graphicFrame>
+        <p:nvGraphicFramePr>
+          <p:cNvPr id="4" name="Tabla 4">
+            <a:extLst>
+              <a:ext uri="{FF2B5EF4-FFF2-40B4-BE49-F238E27FC236}">
+                <a16:creationId xmlns:a16="http://schemas.microsoft.com/office/drawing/2014/main" id="{104B1BC5-C194-6A4D-BF36-86B68BC29C6E}"/>
+              </a:ext>
+            </a:extLst>
+          </p:cNvPr>
+          <p:cNvGraphicFramePr>
+            <a:graphicFrameLocks noGrp="1"/>
+          </p:cNvGraphicFramePr>
+          <p:nvPr>
+            <p:ph idx="1"/>
+          </p:nvPr>
+        </p:nvGraphicFramePr>
+        <p:xfrm>
+          <a:off x="5118100" y="803275"/>
+          <a:ext cx="6281738" cy="4800600"/>
+        </p:xfrm>
+        <a:graphic>
+          <a:graphicData uri="http://schemas.openxmlformats.org/drawingml/2006/table">
+            <a:tbl>
+              <a:tblPr firstRow="1" bandRow="1">
+                <a:tableStyleId>{5C22544A-7EE6-4342-B048-85BDC9FD1C3A}</a:tableStyleId>
+              </a:tblPr>
+              <a:tblGrid>
+                <a:gridCol w="3140869">
+                  <a:extLst>
+                    <a:ext uri="{9D8B030D-6E8A-4147-A177-3AD203B41FA5}">
+                      <a16:colId xmlns:a16="http://schemas.microsoft.com/office/drawing/2014/main" val="1589146686"/>
+                    </a:ext>
+                  </a:extLst>
+                </a:gridCol>
+                <a:gridCol w="3140869">
+                  <a:extLst>
+                    <a:ext uri="{9D8B030D-6E8A-4147-A177-3AD203B41FA5}">
+                      <a16:colId xmlns:a16="http://schemas.microsoft.com/office/drawing/2014/main" val="1463651238"/>
+                    </a:ext>
+                  </a:extLst>
+                </a:gridCol>
+              </a:tblGrid>
+              <a:tr h="370840">
+                <a:tc>
+                  <a:txBody>
+                    <a:bodyPr/>
+                    <a:lstStyle/>
+                    <a:p>
+                      <a:r>
+                        <a:rPr lang="es-CO" sz="1400" dirty="0"/>
+                        <a:t>Identificación del requerimiento</a:t>
+                      </a:r>
+                    </a:p>
+                  </a:txBody>
+                  <a:tcPr/>
+                </a:tc>
+                <a:tc>
+                  <a:txBody>
+                    <a:bodyPr/>
+                    <a:lstStyle/>
+                    <a:p>
+                      <a:r>
+                        <a:rPr lang="es-CO" sz="1400" dirty="0"/>
+                        <a:t>RF13</a:t>
+                      </a:r>
+                    </a:p>
+                  </a:txBody>
+                  <a:tcPr/>
+                </a:tc>
+                <a:extLst>
+                  <a:ext uri="{0D108BD9-81ED-4DB2-BD59-A6C34878D82A}">
+                    <a16:rowId xmlns:a16="http://schemas.microsoft.com/office/drawing/2014/main" val="3568786682"/>
+                  </a:ext>
+                </a:extLst>
+              </a:tr>
+              <a:tr h="370840">
+                <a:tc>
+                  <a:txBody>
+                    <a:bodyPr/>
+                    <a:lstStyle/>
+                    <a:p>
+                      <a:r>
+                        <a:rPr lang="es-CO" sz="1400" dirty="0"/>
+                        <a:t>Nombre del requerimiento</a:t>
+                      </a:r>
+                    </a:p>
+                  </a:txBody>
+                  <a:tcPr/>
+                </a:tc>
+                <a:tc>
+                  <a:txBody>
+                    <a:bodyPr/>
+                    <a:lstStyle/>
+                    <a:p>
+                      <a:r>
+                        <a:rPr lang="es-CO" sz="1400" dirty="0"/>
+                        <a:t>Descargar informes</a:t>
+                      </a:r>
+                    </a:p>
+                  </a:txBody>
+                  <a:tcPr/>
+                </a:tc>
+                <a:extLst>
+                  <a:ext uri="{0D108BD9-81ED-4DB2-BD59-A6C34878D82A}">
+                    <a16:rowId xmlns:a16="http://schemas.microsoft.com/office/drawing/2014/main" val="2616514354"/>
+                  </a:ext>
+                </a:extLst>
+              </a:tr>
+              <a:tr h="370840">
+                <a:tc>
+                  <a:txBody>
+                    <a:bodyPr/>
+                    <a:lstStyle/>
+                    <a:p>
+                      <a:r>
+                        <a:rPr lang="es-CO" sz="1400" dirty="0"/>
+                        <a:t>Características</a:t>
+                      </a:r>
+                    </a:p>
+                  </a:txBody>
+                  <a:tcPr/>
+                </a:tc>
+                <a:tc>
+                  <a:txBody>
+                    <a:bodyPr/>
+                    <a:lstStyle/>
+                    <a:p>
+                      <a:r>
+                        <a:rPr lang="es-CO" sz="1400" dirty="0"/>
+                        <a:t>Los usuarios podrán descargar en </a:t>
+                      </a:r>
+                      <a:r>
+                        <a:rPr lang="es-CO" sz="1400" dirty="0" err="1"/>
+                        <a:t>pdf</a:t>
+                      </a:r>
+                      <a:r>
+                        <a:rPr lang="es-CO" sz="1400" dirty="0"/>
+                        <a:t> los informes estadísticos que hace el sistema.</a:t>
+                      </a:r>
+                    </a:p>
+                  </a:txBody>
+                  <a:tcPr/>
+                </a:tc>
+                <a:extLst>
+                  <a:ext uri="{0D108BD9-81ED-4DB2-BD59-A6C34878D82A}">
+                    <a16:rowId xmlns:a16="http://schemas.microsoft.com/office/drawing/2014/main" val="1942680024"/>
+                  </a:ext>
+                </a:extLst>
+              </a:tr>
+              <a:tr h="370840">
+                <a:tc>
+                  <a:txBody>
+                    <a:bodyPr/>
+                    <a:lstStyle/>
+                    <a:p>
+                      <a:r>
+                        <a:rPr lang="es-CO" sz="1400" dirty="0"/>
+                        <a:t>Descripción del requerimiento</a:t>
+                      </a:r>
+                    </a:p>
+                  </a:txBody>
+                  <a:tcPr/>
+                </a:tc>
+                <a:tc>
+                  <a:txBody>
+                    <a:bodyPr/>
+                    <a:lstStyle/>
+                    <a:p>
+                      <a:pPr marL="0" marR="0" lvl="0" indent="0" algn="l" defTabSz="914400" rtl="0" eaLnBrk="1" fontAlgn="auto" latinLnBrk="0" hangingPunct="1">
+                        <a:lnSpc>
+                          <a:spcPct val="100000"/>
+                        </a:lnSpc>
+                        <a:spcBef>
+                          <a:spcPts val="0"/>
+                        </a:spcBef>
+                        <a:spcAft>
+                          <a:spcPts val="0"/>
+                        </a:spcAft>
+                        <a:buClrTx/>
+                        <a:buSzTx/>
+                        <a:buFontTx/>
+                        <a:buNone/>
+                        <a:tabLst/>
+                        <a:defRPr/>
+                      </a:pPr>
+                      <a:r>
+                        <a:rPr lang="es-CO" sz="1400" dirty="0"/>
+                        <a:t>El sistema permite a los usuarios </a:t>
+                      </a:r>
+                      <a:r>
+                        <a:rPr lang="es-CO" sz="1400" dirty="0" err="1"/>
+                        <a:t>desacrgar</a:t>
+                      </a:r>
+                      <a:r>
+                        <a:rPr lang="es-CO" sz="1400" dirty="0"/>
+                        <a:t> los informes en formato </a:t>
+                      </a:r>
+                      <a:r>
+                        <a:rPr lang="es-CO" sz="1400" dirty="0" err="1"/>
+                        <a:t>pdf</a:t>
+                      </a:r>
+                      <a:r>
+                        <a:rPr lang="es-CO" sz="1400" dirty="0"/>
+                        <a:t>.</a:t>
+                      </a:r>
+                    </a:p>
+                    <a:p>
+                      <a:endParaRPr lang="es-CO" sz="1400" dirty="0"/>
+                    </a:p>
+                  </a:txBody>
+                  <a:tcPr/>
+                </a:tc>
+                <a:extLst>
+                  <a:ext uri="{0D108BD9-81ED-4DB2-BD59-A6C34878D82A}">
+                    <a16:rowId xmlns:a16="http://schemas.microsoft.com/office/drawing/2014/main" val="2968710298"/>
+                  </a:ext>
+                </a:extLst>
+              </a:tr>
+              <a:tr h="370840">
+                <a:tc>
+                  <a:txBody>
+                    <a:bodyPr/>
+                    <a:lstStyle/>
+                    <a:p>
+                      <a:r>
+                        <a:rPr lang="es-CO" sz="1400" dirty="0"/>
+                        <a:t>Requerimientos no funcionales</a:t>
+                      </a:r>
+                    </a:p>
+                  </a:txBody>
+                  <a:tcPr/>
+                </a:tc>
+                <a:tc>
+                  <a:txBody>
+                    <a:bodyPr/>
+                    <a:lstStyle/>
+                    <a:p>
+                      <a:r>
+                        <a:rPr lang="es-CO" sz="1400" dirty="0"/>
+                        <a:t>RNF01</a:t>
+                      </a:r>
+                    </a:p>
+                    <a:p>
+                      <a:r>
+                        <a:rPr lang="es-CO" sz="1400" dirty="0"/>
+                        <a:t>RNF08</a:t>
+                      </a:r>
+                    </a:p>
+                    <a:p>
+                      <a:r>
+                        <a:rPr lang="es-CO" sz="1400" dirty="0"/>
+                        <a:t>RNF09</a:t>
+                      </a:r>
+                    </a:p>
+                    <a:p>
+                      <a:r>
+                        <a:rPr lang="es-CO" sz="1400" dirty="0"/>
+                        <a:t>RNF10</a:t>
+                      </a:r>
+                    </a:p>
+                    <a:p>
+                      <a:r>
+                        <a:rPr lang="es-CO" sz="1400" dirty="0"/>
+                        <a:t>RNF11</a:t>
+                      </a:r>
+                    </a:p>
+                    <a:p>
+                      <a:r>
+                        <a:rPr lang="es-CO" sz="1400" dirty="0"/>
+                        <a:t>RNF13</a:t>
+                      </a:r>
+                    </a:p>
+                    <a:p>
+                      <a:r>
+                        <a:rPr lang="es-CO" sz="1400" dirty="0"/>
+                        <a:t>RNF14</a:t>
+                      </a:r>
+                    </a:p>
+                    <a:p>
+                      <a:r>
+                        <a:rPr lang="es-CO" sz="1400" dirty="0"/>
+                        <a:t>RNF15</a:t>
+                      </a:r>
+                    </a:p>
+                    <a:p>
+                      <a:r>
+                        <a:rPr lang="es-CO" sz="1400" dirty="0"/>
+                        <a:t>RNF16</a:t>
+                      </a:r>
+                    </a:p>
+                  </a:txBody>
+                  <a:tcPr/>
+                </a:tc>
+                <a:extLst>
+                  <a:ext uri="{0D108BD9-81ED-4DB2-BD59-A6C34878D82A}">
+                    <a16:rowId xmlns:a16="http://schemas.microsoft.com/office/drawing/2014/main" val="302045704"/>
+                  </a:ext>
+                </a:extLst>
+              </a:tr>
+              <a:tr h="370840">
+                <a:tc>
+                  <a:txBody>
+                    <a:bodyPr/>
+                    <a:lstStyle/>
+                    <a:p>
+                      <a:r>
+                        <a:rPr lang="es-CO" sz="1400" dirty="0"/>
+                        <a:t>Prioridad del requerimiento</a:t>
+                      </a:r>
+                    </a:p>
+                  </a:txBody>
+                  <a:tcPr/>
+                </a:tc>
+                <a:tc>
+                  <a:txBody>
+                    <a:bodyPr/>
+                    <a:lstStyle/>
+                    <a:p>
+                      <a:r>
+                        <a:rPr lang="es-CO" sz="1400" dirty="0"/>
+                        <a:t>Alta</a:t>
+                      </a:r>
+                    </a:p>
+                  </a:txBody>
+                  <a:tcPr/>
+                </a:tc>
+                <a:extLst>
+                  <a:ext uri="{0D108BD9-81ED-4DB2-BD59-A6C34878D82A}">
+                    <a16:rowId xmlns:a16="http://schemas.microsoft.com/office/drawing/2014/main" val="2916724385"/>
+                  </a:ext>
+                </a:extLst>
+              </a:tr>
+            </a:tbl>
+          </a:graphicData>
+        </a:graphic>
+      </p:graphicFrame>
+    </p:spTree>
+    <p:extLst>
+      <p:ext uri="{BB962C8B-B14F-4D97-AF65-F5344CB8AC3E}">
+        <p14:creationId xmlns:p14="http://schemas.microsoft.com/office/powerpoint/2010/main" val="3360932463"/>
+      </p:ext>
+    </p:extLst>
+  </p:cSld>
+  <p:clrMapOvr>
+    <a:masterClrMapping/>
+  </p:clrMapOvr>
+</p:sld>
+</file>
+
+<file path=ppt/slides/slide44.xml><?xml version="1.0" encoding="utf-8"?>
+<p:sld xmlns:a="http://schemas.openxmlformats.org/drawingml/2006/main" xmlns:r="http://schemas.openxmlformats.org/officeDocument/2006/relationships" xmlns:p="http://schemas.openxmlformats.org/presentationml/2006/main">
+  <p:cSld>
+    <p:spTree>
+      <p:nvGrpSpPr>
+        <p:cNvPr id="1" name=""/>
+        <p:cNvGrpSpPr/>
+        <p:nvPr/>
+      </p:nvGrpSpPr>
+      <p:grpSpPr>
+        <a:xfrm>
+          <a:off x="0" y="0"/>
+          <a:ext cx="0" cy="0"/>
+          <a:chOff x="0" y="0"/>
+          <a:chExt cx="0" cy="0"/>
+        </a:xfrm>
+      </p:grpSpPr>
+      <p:sp>
+        <p:nvSpPr>
+          <p:cNvPr id="2" name="Título 1">
+            <a:extLst>
+              <a:ext uri="{FF2B5EF4-FFF2-40B4-BE49-F238E27FC236}">
+                <a16:creationId xmlns:a16="http://schemas.microsoft.com/office/drawing/2014/main" id="{A544CF25-2F8F-BC45-9D5E-B7214CD84D05}"/>
+              </a:ext>
+            </a:extLst>
+          </p:cNvPr>
+          <p:cNvSpPr>
+            <a:spLocks noGrp="1"/>
+          </p:cNvSpPr>
+          <p:nvPr>
+            <p:ph type="title"/>
+          </p:nvPr>
+        </p:nvSpPr>
+        <p:spPr/>
+        <p:txBody>
+          <a:bodyPr/>
+          <a:lstStyle/>
+          <a:p>
+            <a:r>
+              <a:rPr lang="es-CO" dirty="0"/>
+              <a:t>Requerimientos funcionales</a:t>
+            </a:r>
+          </a:p>
+        </p:txBody>
+      </p:sp>
+      <p:graphicFrame>
+        <p:nvGraphicFramePr>
+          <p:cNvPr id="4" name="Tabla 4">
+            <a:extLst>
+              <a:ext uri="{FF2B5EF4-FFF2-40B4-BE49-F238E27FC236}">
+                <a16:creationId xmlns:a16="http://schemas.microsoft.com/office/drawing/2014/main" id="{104B1BC5-C194-6A4D-BF36-86B68BC29C6E}"/>
+              </a:ext>
+            </a:extLst>
+          </p:cNvPr>
+          <p:cNvGraphicFramePr>
+            <a:graphicFrameLocks noGrp="1"/>
+          </p:cNvGraphicFramePr>
+          <p:nvPr>
+            <p:ph idx="1"/>
+          </p:nvPr>
+        </p:nvGraphicFramePr>
+        <p:xfrm>
+          <a:off x="5118100" y="803275"/>
+          <a:ext cx="6281738" cy="4800600"/>
+        </p:xfrm>
+        <a:graphic>
+          <a:graphicData uri="http://schemas.openxmlformats.org/drawingml/2006/table">
+            <a:tbl>
+              <a:tblPr firstRow="1" bandRow="1">
+                <a:tableStyleId>{5C22544A-7EE6-4342-B048-85BDC9FD1C3A}</a:tableStyleId>
+              </a:tblPr>
+              <a:tblGrid>
+                <a:gridCol w="3140869">
+                  <a:extLst>
+                    <a:ext uri="{9D8B030D-6E8A-4147-A177-3AD203B41FA5}">
+                      <a16:colId xmlns:a16="http://schemas.microsoft.com/office/drawing/2014/main" val="1589146686"/>
+                    </a:ext>
+                  </a:extLst>
+                </a:gridCol>
+                <a:gridCol w="3140869">
+                  <a:extLst>
+                    <a:ext uri="{9D8B030D-6E8A-4147-A177-3AD203B41FA5}">
+                      <a16:colId xmlns:a16="http://schemas.microsoft.com/office/drawing/2014/main" val="1463651238"/>
+                    </a:ext>
+                  </a:extLst>
+                </a:gridCol>
+              </a:tblGrid>
+              <a:tr h="370840">
+                <a:tc>
+                  <a:txBody>
+                    <a:bodyPr/>
+                    <a:lstStyle/>
+                    <a:p>
+                      <a:r>
+                        <a:rPr lang="es-CO" sz="1400" dirty="0"/>
+                        <a:t>Identificación del requerimiento</a:t>
+                      </a:r>
+                    </a:p>
+                  </a:txBody>
+                  <a:tcPr/>
+                </a:tc>
+                <a:tc>
+                  <a:txBody>
+                    <a:bodyPr/>
+                    <a:lstStyle/>
+                    <a:p>
+                      <a:r>
+                        <a:rPr lang="es-CO" sz="1400" dirty="0"/>
+                        <a:t>RF14</a:t>
+                      </a:r>
+                    </a:p>
+                  </a:txBody>
+                  <a:tcPr/>
+                </a:tc>
+                <a:extLst>
+                  <a:ext uri="{0D108BD9-81ED-4DB2-BD59-A6C34878D82A}">
+                    <a16:rowId xmlns:a16="http://schemas.microsoft.com/office/drawing/2014/main" val="3568786682"/>
+                  </a:ext>
+                </a:extLst>
+              </a:tr>
+              <a:tr h="370840">
+                <a:tc>
+                  <a:txBody>
+                    <a:bodyPr/>
+                    <a:lstStyle/>
+                    <a:p>
+                      <a:r>
+                        <a:rPr lang="es-CO" sz="1400" dirty="0"/>
+                        <a:t>Nombre del requerimiento</a:t>
+                      </a:r>
+                    </a:p>
+                  </a:txBody>
+                  <a:tcPr/>
+                </a:tc>
+                <a:tc>
+                  <a:txBody>
+                    <a:bodyPr/>
+                    <a:lstStyle/>
+                    <a:p>
+                      <a:r>
+                        <a:rPr lang="es-CO" sz="1400" dirty="0"/>
+                        <a:t>Hacer comentarios</a:t>
+                      </a:r>
+                    </a:p>
+                  </a:txBody>
+                  <a:tcPr/>
+                </a:tc>
+                <a:extLst>
+                  <a:ext uri="{0D108BD9-81ED-4DB2-BD59-A6C34878D82A}">
+                    <a16:rowId xmlns:a16="http://schemas.microsoft.com/office/drawing/2014/main" val="2616514354"/>
+                  </a:ext>
+                </a:extLst>
+              </a:tr>
+              <a:tr h="370840">
+                <a:tc>
+                  <a:txBody>
+                    <a:bodyPr/>
+                    <a:lstStyle/>
+                    <a:p>
+                      <a:r>
+                        <a:rPr lang="es-CO" sz="1400" dirty="0"/>
+                        <a:t>Características</a:t>
+                      </a:r>
+                    </a:p>
+                  </a:txBody>
+                  <a:tcPr/>
+                </a:tc>
+                <a:tc>
+                  <a:txBody>
+                    <a:bodyPr/>
+                    <a:lstStyle/>
+                    <a:p>
+                      <a:r>
+                        <a:rPr lang="es-CO" sz="1400" dirty="0"/>
+                        <a:t>El usuario docente podrá hacer comentarios pertinentes al desempeño de los estudiantes.</a:t>
+                      </a:r>
+                    </a:p>
+                  </a:txBody>
+                  <a:tcPr/>
+                </a:tc>
+                <a:extLst>
+                  <a:ext uri="{0D108BD9-81ED-4DB2-BD59-A6C34878D82A}">
+                    <a16:rowId xmlns:a16="http://schemas.microsoft.com/office/drawing/2014/main" val="1942680024"/>
+                  </a:ext>
+                </a:extLst>
+              </a:tr>
+              <a:tr h="370840">
+                <a:tc>
+                  <a:txBody>
+                    <a:bodyPr/>
+                    <a:lstStyle/>
+                    <a:p>
+                      <a:r>
+                        <a:rPr lang="es-CO" sz="1400" dirty="0"/>
+                        <a:t>Descripción del requerimiento</a:t>
+                      </a:r>
+                    </a:p>
+                  </a:txBody>
+                  <a:tcPr/>
+                </a:tc>
+                <a:tc>
+                  <a:txBody>
+                    <a:bodyPr/>
+                    <a:lstStyle/>
+                    <a:p>
+                      <a:pPr marL="0" marR="0" lvl="0" indent="0" algn="l" defTabSz="914400" rtl="0" eaLnBrk="1" fontAlgn="auto" latinLnBrk="0" hangingPunct="1">
+                        <a:lnSpc>
+                          <a:spcPct val="100000"/>
+                        </a:lnSpc>
+                        <a:spcBef>
+                          <a:spcPts val="0"/>
+                        </a:spcBef>
+                        <a:spcAft>
+                          <a:spcPts val="0"/>
+                        </a:spcAft>
+                        <a:buClrTx/>
+                        <a:buSzTx/>
+                        <a:buFontTx/>
+                        <a:buNone/>
+                        <a:tabLst/>
+                        <a:defRPr/>
+                      </a:pPr>
+                      <a:r>
+                        <a:rPr lang="es-CO" sz="1400" dirty="0"/>
+                        <a:t>El sistema permite a los usuarios docentes hacer comentarios sobre el desempeño de los estudiantes.</a:t>
+                      </a:r>
+                    </a:p>
+                    <a:p>
+                      <a:endParaRPr lang="es-CO" sz="1400" dirty="0"/>
+                    </a:p>
+                  </a:txBody>
+                  <a:tcPr/>
+                </a:tc>
+                <a:extLst>
+                  <a:ext uri="{0D108BD9-81ED-4DB2-BD59-A6C34878D82A}">
+                    <a16:rowId xmlns:a16="http://schemas.microsoft.com/office/drawing/2014/main" val="2968710298"/>
+                  </a:ext>
+                </a:extLst>
+              </a:tr>
+              <a:tr h="370840">
+                <a:tc>
+                  <a:txBody>
+                    <a:bodyPr/>
+                    <a:lstStyle/>
+                    <a:p>
+                      <a:r>
+                        <a:rPr lang="es-CO" sz="1400" dirty="0"/>
+                        <a:t>Requerimientos no funcionales</a:t>
+                      </a:r>
+                    </a:p>
+                  </a:txBody>
+                  <a:tcPr/>
+                </a:tc>
+                <a:tc>
+                  <a:txBody>
+                    <a:bodyPr/>
+                    <a:lstStyle/>
+                    <a:p>
+                      <a:r>
+                        <a:rPr lang="es-CO" sz="1400" dirty="0"/>
+                        <a:t>RNF01</a:t>
+                      </a:r>
+                    </a:p>
+                    <a:p>
+                      <a:r>
+                        <a:rPr lang="es-CO" sz="1400" dirty="0"/>
+                        <a:t>RNF08</a:t>
+                      </a:r>
+                    </a:p>
+                    <a:p>
+                      <a:r>
+                        <a:rPr lang="es-CO" sz="1400" dirty="0"/>
+                        <a:t>RNF09</a:t>
+                      </a:r>
+                    </a:p>
+                    <a:p>
+                      <a:r>
+                        <a:rPr lang="es-CO" sz="1400" dirty="0"/>
+                        <a:t>RNF10</a:t>
+                      </a:r>
+                    </a:p>
+                    <a:p>
+                      <a:r>
+                        <a:rPr lang="es-CO" sz="1400" dirty="0"/>
+                        <a:t>RNF11</a:t>
+                      </a:r>
+                    </a:p>
+                    <a:p>
+                      <a:r>
+                        <a:rPr lang="es-CO" sz="1400" dirty="0"/>
+                        <a:t>RNF13</a:t>
+                      </a:r>
+                    </a:p>
+                    <a:p>
+                      <a:r>
+                        <a:rPr lang="es-CO" sz="1400" dirty="0"/>
+                        <a:t>RNF14</a:t>
+                      </a:r>
+                    </a:p>
+                    <a:p>
+                      <a:r>
+                        <a:rPr lang="es-CO" sz="1400" dirty="0"/>
+                        <a:t>RNF15</a:t>
+                      </a:r>
+                    </a:p>
+                    <a:p>
+                      <a:r>
+                        <a:rPr lang="es-CO" sz="1400" dirty="0"/>
+                        <a:t>RNF16</a:t>
+                      </a:r>
+                    </a:p>
+                  </a:txBody>
+                  <a:tcPr/>
+                </a:tc>
+                <a:extLst>
+                  <a:ext uri="{0D108BD9-81ED-4DB2-BD59-A6C34878D82A}">
+                    <a16:rowId xmlns:a16="http://schemas.microsoft.com/office/drawing/2014/main" val="302045704"/>
+                  </a:ext>
+                </a:extLst>
+              </a:tr>
+              <a:tr h="370840">
+                <a:tc>
+                  <a:txBody>
+                    <a:bodyPr/>
+                    <a:lstStyle/>
+                    <a:p>
+                      <a:r>
+                        <a:rPr lang="es-CO" sz="1400" dirty="0"/>
+                        <a:t>Prioridad del requerimiento</a:t>
+                      </a:r>
+                    </a:p>
+                  </a:txBody>
+                  <a:tcPr/>
+                </a:tc>
+                <a:tc>
+                  <a:txBody>
+                    <a:bodyPr/>
+                    <a:lstStyle/>
+                    <a:p>
+                      <a:r>
+                        <a:rPr lang="es-CO" sz="1400" dirty="0"/>
+                        <a:t>Alta</a:t>
+                      </a:r>
+                    </a:p>
+                  </a:txBody>
+                  <a:tcPr/>
+                </a:tc>
+                <a:extLst>
+                  <a:ext uri="{0D108BD9-81ED-4DB2-BD59-A6C34878D82A}">
+                    <a16:rowId xmlns:a16="http://schemas.microsoft.com/office/drawing/2014/main" val="2916724385"/>
+                  </a:ext>
+                </a:extLst>
+              </a:tr>
+            </a:tbl>
+          </a:graphicData>
+        </a:graphic>
+      </p:graphicFrame>
+    </p:spTree>
+    <p:extLst>
+      <p:ext uri="{BB962C8B-B14F-4D97-AF65-F5344CB8AC3E}">
+        <p14:creationId xmlns:p14="http://schemas.microsoft.com/office/powerpoint/2010/main" val="3977369880"/>
+      </p:ext>
+    </p:extLst>
+  </p:cSld>
+  <p:clrMapOvr>
+    <a:masterClrMapping/>
+  </p:clrMapOvr>
+</p:sld>
+</file>
+
+<file path=ppt/slides/slide45.xml><?xml version="1.0" encoding="utf-8"?>
+<p:sld xmlns:a="http://schemas.openxmlformats.org/drawingml/2006/main" xmlns:r="http://schemas.openxmlformats.org/officeDocument/2006/relationships" xmlns:p="http://schemas.openxmlformats.org/presentationml/2006/main">
+  <p:cSld>
+    <p:spTree>
+      <p:nvGrpSpPr>
+        <p:cNvPr id="1" name=""/>
+        <p:cNvGrpSpPr/>
+        <p:nvPr/>
+      </p:nvGrpSpPr>
+      <p:grpSpPr>
+        <a:xfrm>
+          <a:off x="0" y="0"/>
+          <a:ext cx="0" cy="0"/>
+          <a:chOff x="0" y="0"/>
+          <a:chExt cx="0" cy="0"/>
+        </a:xfrm>
+      </p:grpSpPr>
+      <p:sp>
+        <p:nvSpPr>
+          <p:cNvPr id="2" name="Título 1">
+            <a:extLst>
+              <a:ext uri="{FF2B5EF4-FFF2-40B4-BE49-F238E27FC236}">
+                <a16:creationId xmlns:a16="http://schemas.microsoft.com/office/drawing/2014/main" id="{A544CF25-2F8F-BC45-9D5E-B7214CD84D05}"/>
+              </a:ext>
+            </a:extLst>
+          </p:cNvPr>
+          <p:cNvSpPr>
+            <a:spLocks noGrp="1"/>
+          </p:cNvSpPr>
+          <p:nvPr>
+            <p:ph type="title"/>
+          </p:nvPr>
+        </p:nvSpPr>
+        <p:spPr/>
+        <p:txBody>
+          <a:bodyPr/>
+          <a:lstStyle/>
+          <a:p>
+            <a:r>
+              <a:rPr lang="es-CO" dirty="0"/>
+              <a:t>Requerimientos funcionales</a:t>
+            </a:r>
+          </a:p>
+        </p:txBody>
+      </p:sp>
+      <p:graphicFrame>
+        <p:nvGraphicFramePr>
+          <p:cNvPr id="4" name="Tabla 4">
+            <a:extLst>
+              <a:ext uri="{FF2B5EF4-FFF2-40B4-BE49-F238E27FC236}">
+                <a16:creationId xmlns:a16="http://schemas.microsoft.com/office/drawing/2014/main" id="{104B1BC5-C194-6A4D-BF36-86B68BC29C6E}"/>
+              </a:ext>
+            </a:extLst>
+          </p:cNvPr>
+          <p:cNvGraphicFramePr>
+            <a:graphicFrameLocks noGrp="1"/>
+          </p:cNvGraphicFramePr>
+          <p:nvPr>
+            <p:ph idx="1"/>
+          </p:nvPr>
+        </p:nvGraphicFramePr>
+        <p:xfrm>
+          <a:off x="5118100" y="803275"/>
+          <a:ext cx="6281738" cy="4373880"/>
+        </p:xfrm>
+        <a:graphic>
+          <a:graphicData uri="http://schemas.openxmlformats.org/drawingml/2006/table">
+            <a:tbl>
+              <a:tblPr firstRow="1" bandRow="1">
+                <a:tableStyleId>{5C22544A-7EE6-4342-B048-85BDC9FD1C3A}</a:tableStyleId>
+              </a:tblPr>
+              <a:tblGrid>
+                <a:gridCol w="3140869">
+                  <a:extLst>
+                    <a:ext uri="{9D8B030D-6E8A-4147-A177-3AD203B41FA5}">
+                      <a16:colId xmlns:a16="http://schemas.microsoft.com/office/drawing/2014/main" val="1589146686"/>
+                    </a:ext>
+                  </a:extLst>
+                </a:gridCol>
+                <a:gridCol w="3140869">
+                  <a:extLst>
+                    <a:ext uri="{9D8B030D-6E8A-4147-A177-3AD203B41FA5}">
+                      <a16:colId xmlns:a16="http://schemas.microsoft.com/office/drawing/2014/main" val="1463651238"/>
+                    </a:ext>
+                  </a:extLst>
+                </a:gridCol>
+              </a:tblGrid>
+              <a:tr h="370840">
+                <a:tc>
+                  <a:txBody>
+                    <a:bodyPr/>
+                    <a:lstStyle/>
+                    <a:p>
+                      <a:r>
+                        <a:rPr lang="es-CO" sz="1400" dirty="0"/>
+                        <a:t>Identificación del requerimiento</a:t>
+                      </a:r>
+                    </a:p>
+                  </a:txBody>
+                  <a:tcPr/>
+                </a:tc>
+                <a:tc>
+                  <a:txBody>
+                    <a:bodyPr/>
+                    <a:lstStyle/>
+                    <a:p>
+                      <a:r>
+                        <a:rPr lang="es-CO" sz="1400" dirty="0"/>
+                        <a:t>RF15</a:t>
+                      </a:r>
+                    </a:p>
+                  </a:txBody>
+                  <a:tcPr/>
+                </a:tc>
+                <a:extLst>
+                  <a:ext uri="{0D108BD9-81ED-4DB2-BD59-A6C34878D82A}">
+                    <a16:rowId xmlns:a16="http://schemas.microsoft.com/office/drawing/2014/main" val="3568786682"/>
+                  </a:ext>
+                </a:extLst>
+              </a:tr>
+              <a:tr h="370840">
+                <a:tc>
+                  <a:txBody>
+                    <a:bodyPr/>
+                    <a:lstStyle/>
+                    <a:p>
+                      <a:r>
+                        <a:rPr lang="es-CO" sz="1400" dirty="0"/>
+                        <a:t>Nombre del requerimiento</a:t>
+                      </a:r>
+                    </a:p>
+                  </a:txBody>
+                  <a:tcPr/>
+                </a:tc>
+                <a:tc>
+                  <a:txBody>
+                    <a:bodyPr/>
+                    <a:lstStyle/>
+                    <a:p>
+                      <a:r>
+                        <a:rPr lang="es-CO" sz="1400" dirty="0"/>
+                        <a:t>Cerrar sesión</a:t>
+                      </a:r>
+                    </a:p>
+                  </a:txBody>
+                  <a:tcPr/>
+                </a:tc>
+                <a:extLst>
+                  <a:ext uri="{0D108BD9-81ED-4DB2-BD59-A6C34878D82A}">
+                    <a16:rowId xmlns:a16="http://schemas.microsoft.com/office/drawing/2014/main" val="2616514354"/>
+                  </a:ext>
+                </a:extLst>
+              </a:tr>
+              <a:tr h="370840">
+                <a:tc>
+                  <a:txBody>
+                    <a:bodyPr/>
+                    <a:lstStyle/>
+                    <a:p>
+                      <a:r>
+                        <a:rPr lang="es-CO" sz="1400" dirty="0"/>
+                        <a:t>Características</a:t>
+                      </a:r>
+                    </a:p>
+                  </a:txBody>
+                  <a:tcPr/>
+                </a:tc>
+                <a:tc>
+                  <a:txBody>
+                    <a:bodyPr/>
+                    <a:lstStyle/>
+                    <a:p>
+                      <a:r>
+                        <a:rPr lang="es-CO" sz="1400" dirty="0"/>
+                        <a:t>Los usuarios podrán salir del sistema</a:t>
+                      </a:r>
+                    </a:p>
+                  </a:txBody>
+                  <a:tcPr/>
+                </a:tc>
+                <a:extLst>
+                  <a:ext uri="{0D108BD9-81ED-4DB2-BD59-A6C34878D82A}">
+                    <a16:rowId xmlns:a16="http://schemas.microsoft.com/office/drawing/2014/main" val="1942680024"/>
+                  </a:ext>
+                </a:extLst>
+              </a:tr>
+              <a:tr h="370840">
+                <a:tc>
+                  <a:txBody>
+                    <a:bodyPr/>
+                    <a:lstStyle/>
+                    <a:p>
+                      <a:r>
+                        <a:rPr lang="es-CO" sz="1400" dirty="0"/>
+                        <a:t>Descripción del requerimiento</a:t>
+                      </a:r>
+                    </a:p>
+                  </a:txBody>
+                  <a:tcPr/>
+                </a:tc>
+                <a:tc>
+                  <a:txBody>
+                    <a:bodyPr/>
+                    <a:lstStyle/>
+                    <a:p>
+                      <a:pPr marL="0" marR="0" lvl="0" indent="0" algn="l" defTabSz="914400" rtl="0" eaLnBrk="1" fontAlgn="auto" latinLnBrk="0" hangingPunct="1">
+                        <a:lnSpc>
+                          <a:spcPct val="100000"/>
+                        </a:lnSpc>
+                        <a:spcBef>
+                          <a:spcPts val="0"/>
+                        </a:spcBef>
+                        <a:spcAft>
+                          <a:spcPts val="0"/>
+                        </a:spcAft>
+                        <a:buClrTx/>
+                        <a:buSzTx/>
+                        <a:buFontTx/>
+                        <a:buNone/>
+                        <a:tabLst/>
+                        <a:defRPr/>
+                      </a:pPr>
+                      <a:r>
+                        <a:rPr lang="es-CO" sz="1400" dirty="0"/>
+                        <a:t>El sistema permite a los usuarios salir del sistema</a:t>
+                      </a:r>
+                    </a:p>
+                    <a:p>
+                      <a:endParaRPr lang="es-CO" sz="1400" dirty="0"/>
+                    </a:p>
+                  </a:txBody>
+                  <a:tcPr/>
+                </a:tc>
+                <a:extLst>
+                  <a:ext uri="{0D108BD9-81ED-4DB2-BD59-A6C34878D82A}">
+                    <a16:rowId xmlns:a16="http://schemas.microsoft.com/office/drawing/2014/main" val="2968710298"/>
+                  </a:ext>
+                </a:extLst>
+              </a:tr>
+              <a:tr h="370840">
+                <a:tc>
+                  <a:txBody>
+                    <a:bodyPr/>
+                    <a:lstStyle/>
+                    <a:p>
+                      <a:r>
+                        <a:rPr lang="es-CO" sz="1400" dirty="0"/>
+                        <a:t>Requerimientos no funcionales</a:t>
+                      </a:r>
+                    </a:p>
+                  </a:txBody>
+                  <a:tcPr/>
+                </a:tc>
+                <a:tc>
+                  <a:txBody>
+                    <a:bodyPr/>
+                    <a:lstStyle/>
+                    <a:p>
+                      <a:r>
+                        <a:rPr lang="es-CO" sz="1400" dirty="0"/>
+                        <a:t>RNF01</a:t>
+                      </a:r>
+                    </a:p>
+                    <a:p>
+                      <a:r>
+                        <a:rPr lang="es-CO" sz="1400" dirty="0"/>
+                        <a:t>RNF08</a:t>
+                      </a:r>
+                    </a:p>
+                    <a:p>
+                      <a:r>
+                        <a:rPr lang="es-CO" sz="1400" dirty="0"/>
+                        <a:t>RNF09</a:t>
+                      </a:r>
+                    </a:p>
+                    <a:p>
+                      <a:r>
+                        <a:rPr lang="es-CO" sz="1400" dirty="0"/>
+                        <a:t>RNF10</a:t>
+                      </a:r>
+                    </a:p>
+                    <a:p>
+                      <a:r>
+                        <a:rPr lang="es-CO" sz="1400" dirty="0"/>
+                        <a:t>RNF11</a:t>
+                      </a:r>
+                    </a:p>
+                    <a:p>
+                      <a:r>
+                        <a:rPr lang="es-CO" sz="1400" dirty="0"/>
+                        <a:t>RNF13</a:t>
+                      </a:r>
+                    </a:p>
+                    <a:p>
+                      <a:r>
+                        <a:rPr lang="es-CO" sz="1400" dirty="0"/>
+                        <a:t>RNF14</a:t>
+                      </a:r>
+                    </a:p>
+                    <a:p>
+                      <a:r>
+                        <a:rPr lang="es-CO" sz="1400" dirty="0"/>
+                        <a:t>RNF15</a:t>
+                      </a:r>
+                    </a:p>
+                    <a:p>
+                      <a:r>
+                        <a:rPr lang="es-CO" sz="1400" dirty="0"/>
+                        <a:t>RNF16</a:t>
+                      </a:r>
+                    </a:p>
+                  </a:txBody>
+                  <a:tcPr/>
+                </a:tc>
+                <a:extLst>
+                  <a:ext uri="{0D108BD9-81ED-4DB2-BD59-A6C34878D82A}">
+                    <a16:rowId xmlns:a16="http://schemas.microsoft.com/office/drawing/2014/main" val="302045704"/>
+                  </a:ext>
+                </a:extLst>
+              </a:tr>
+              <a:tr h="370840">
+                <a:tc>
+                  <a:txBody>
+                    <a:bodyPr/>
+                    <a:lstStyle/>
+                    <a:p>
+                      <a:r>
+                        <a:rPr lang="es-CO" sz="1400" dirty="0"/>
+                        <a:t>Prioridad del requerimiento</a:t>
+                      </a:r>
+                    </a:p>
+                  </a:txBody>
+                  <a:tcPr/>
+                </a:tc>
+                <a:tc>
+                  <a:txBody>
+                    <a:bodyPr/>
+                    <a:lstStyle/>
+                    <a:p>
+                      <a:r>
+                        <a:rPr lang="es-CO" sz="1400" dirty="0"/>
+                        <a:t>Alta</a:t>
+                      </a:r>
+                    </a:p>
+                  </a:txBody>
+                  <a:tcPr/>
+                </a:tc>
+                <a:extLst>
+                  <a:ext uri="{0D108BD9-81ED-4DB2-BD59-A6C34878D82A}">
+                    <a16:rowId xmlns:a16="http://schemas.microsoft.com/office/drawing/2014/main" val="2916724385"/>
+                  </a:ext>
+                </a:extLst>
+              </a:tr>
+            </a:tbl>
+          </a:graphicData>
+        </a:graphic>
+      </p:graphicFrame>
+    </p:spTree>
+    <p:extLst>
+      <p:ext uri="{BB962C8B-B14F-4D97-AF65-F5344CB8AC3E}">
+        <p14:creationId xmlns:p14="http://schemas.microsoft.com/office/powerpoint/2010/main" val="2665762195"/>
+      </p:ext>
+    </p:extLst>
+  </p:cSld>
+  <p:clrMapOvr>
+    <a:masterClrMapping/>
+  </p:clrMapOvr>
+</p:sld>
+</file>
+
+<file path=ppt/slides/slide46.xml><?xml version="1.0" encoding="utf-8"?>
+<p:sld xmlns:a="http://schemas.openxmlformats.org/drawingml/2006/main" xmlns:r="http://schemas.openxmlformats.org/officeDocument/2006/relationships" xmlns:p="http://schemas.openxmlformats.org/presentationml/2006/main">
+  <p:cSld>
+    <p:spTree>
+      <p:nvGrpSpPr>
+        <p:cNvPr id="1" name=""/>
+        <p:cNvGrpSpPr/>
+        <p:nvPr/>
+      </p:nvGrpSpPr>
+      <p:grpSpPr>
+        <a:xfrm>
+          <a:off x="0" y="0"/>
+          <a:ext cx="0" cy="0"/>
+          <a:chOff x="0" y="0"/>
+          <a:chExt cx="0" cy="0"/>
+        </a:xfrm>
+      </p:grpSpPr>
+      <p:sp>
+        <p:nvSpPr>
+          <p:cNvPr id="2" name="Título 1">
+            <a:extLst>
+              <a:ext uri="{FF2B5EF4-FFF2-40B4-BE49-F238E27FC236}">
+                <a16:creationId xmlns:a16="http://schemas.microsoft.com/office/drawing/2014/main" id="{F309AD44-898D-45CE-85F6-9EECB26B077E}"/>
+              </a:ext>
+            </a:extLst>
+          </p:cNvPr>
+          <p:cNvSpPr>
+            <a:spLocks noGrp="1"/>
+          </p:cNvSpPr>
+          <p:nvPr>
+            <p:ph type="title"/>
+          </p:nvPr>
+        </p:nvSpPr>
+        <p:spPr/>
+        <p:txBody>
+          <a:bodyPr/>
+          <a:lstStyle/>
+          <a:p>
+            <a:r>
+              <a:rPr lang="es-CO" dirty="0"/>
+              <a:t>Requerimientos no funcionales</a:t>
+            </a:r>
+          </a:p>
+        </p:txBody>
+      </p:sp>
+      <p:sp>
+        <p:nvSpPr>
+          <p:cNvPr id="4" name="CuadroTexto 3">
+            <a:extLst>
+              <a:ext uri="{FF2B5EF4-FFF2-40B4-BE49-F238E27FC236}">
+                <a16:creationId xmlns:a16="http://schemas.microsoft.com/office/drawing/2014/main" id="{CA34E6EB-47ED-4468-93F2-D039D755F562}"/>
+              </a:ext>
+            </a:extLst>
+          </p:cNvPr>
+          <p:cNvSpPr txBox="1"/>
+          <p:nvPr/>
+        </p:nvSpPr>
+        <p:spPr>
+          <a:xfrm>
+            <a:off x="4755220" y="2424767"/>
+            <a:ext cx="6231648" cy="923330"/>
+          </a:xfrm>
+          <a:prstGeom prst="rect">
+            <a:avLst/>
+          </a:prstGeom>
+          <a:noFill/>
+        </p:spPr>
+        <p:txBody>
+          <a:bodyPr wrap="square">
+            <a:spAutoFit/>
+          </a:bodyPr>
+          <a:lstStyle/>
+          <a:p>
+            <a:pPr algn="just"/>
+            <a:r>
+              <a:rPr lang="es-CO" dirty="0"/>
+              <a:t>Tienen que ver con características que pueden limitar al sistema, como el rendimiento, la compatibilidad, interfaces, etcétera (</a:t>
+            </a:r>
+            <a:r>
+              <a:rPr lang="es-CO" dirty="0" err="1"/>
+              <a:t>Árias</a:t>
+            </a:r>
+            <a:r>
+              <a:rPr lang="es-CO" dirty="0"/>
+              <a:t> Chaves, 2005).</a:t>
+            </a:r>
+          </a:p>
+        </p:txBody>
+      </p:sp>
+    </p:spTree>
+    <p:extLst>
+      <p:ext uri="{BB962C8B-B14F-4D97-AF65-F5344CB8AC3E}">
+        <p14:creationId xmlns:p14="http://schemas.microsoft.com/office/powerpoint/2010/main" val="254431995"/>
+      </p:ext>
+    </p:extLst>
+  </p:cSld>
+  <p:clrMapOvr>
+    <a:masterClrMapping/>
+  </p:clrMapOvr>
+</p:sld>
+</file>
+
+<file path=ppt/slides/slide47.xml><?xml version="1.0" encoding="utf-8"?>
+<p:sld xmlns:a="http://schemas.openxmlformats.org/drawingml/2006/main" xmlns:r="http://schemas.openxmlformats.org/officeDocument/2006/relationships" xmlns:p="http://schemas.openxmlformats.org/presentationml/2006/main">
+  <p:cSld>
+    <p:spTree>
+      <p:nvGrpSpPr>
+        <p:cNvPr id="1" name=""/>
+        <p:cNvGrpSpPr/>
+        <p:nvPr/>
+      </p:nvGrpSpPr>
+      <p:grpSpPr>
+        <a:xfrm>
+          <a:off x="0" y="0"/>
+          <a:ext cx="0" cy="0"/>
+          <a:chOff x="0" y="0"/>
+          <a:chExt cx="0" cy="0"/>
+        </a:xfrm>
+      </p:grpSpPr>
+      <p:sp>
+        <p:nvSpPr>
+          <p:cNvPr id="2" name="Título 1">
+            <a:extLst>
+              <a:ext uri="{FF2B5EF4-FFF2-40B4-BE49-F238E27FC236}">
+                <a16:creationId xmlns:a16="http://schemas.microsoft.com/office/drawing/2014/main" id="{0DF8FDDE-7FF6-114B-95BB-26E67991BA49}"/>
+              </a:ext>
+            </a:extLst>
+          </p:cNvPr>
+          <p:cNvSpPr>
+            <a:spLocks noGrp="1"/>
+          </p:cNvSpPr>
+          <p:nvPr>
+            <p:ph type="title"/>
+          </p:nvPr>
+        </p:nvSpPr>
+        <p:spPr/>
+        <p:txBody>
+          <a:bodyPr/>
+          <a:lstStyle/>
+          <a:p>
+            <a:r>
+              <a:rPr lang="es-CO" dirty="0"/>
+              <a:t>Requerimientos no funcionales</a:t>
+            </a:r>
+          </a:p>
+        </p:txBody>
+      </p:sp>
+      <p:graphicFrame>
+        <p:nvGraphicFramePr>
+          <p:cNvPr id="4" name="Tabla 4">
+            <a:extLst>
+              <a:ext uri="{FF2B5EF4-FFF2-40B4-BE49-F238E27FC236}">
+                <a16:creationId xmlns:a16="http://schemas.microsoft.com/office/drawing/2014/main" id="{3275B20B-304D-3645-A6E7-687160D9B56D}"/>
+              </a:ext>
+            </a:extLst>
+          </p:cNvPr>
+          <p:cNvGraphicFramePr>
+            <a:graphicFrameLocks noGrp="1"/>
+          </p:cNvGraphicFramePr>
+          <p:nvPr>
+            <p:ph idx="1"/>
+          </p:nvPr>
+        </p:nvGraphicFramePr>
+        <p:xfrm>
+          <a:off x="5118100" y="803275"/>
+          <a:ext cx="6281738" cy="2931160"/>
+        </p:xfrm>
+        <a:graphic>
+          <a:graphicData uri="http://schemas.openxmlformats.org/drawingml/2006/table">
+            <a:tbl>
+              <a:tblPr firstRow="1" bandRow="1">
+                <a:tableStyleId>{5C22544A-7EE6-4342-B048-85BDC9FD1C3A}</a:tableStyleId>
+              </a:tblPr>
+              <a:tblGrid>
+                <a:gridCol w="3140869">
+                  <a:extLst>
+                    <a:ext uri="{9D8B030D-6E8A-4147-A177-3AD203B41FA5}">
+                      <a16:colId xmlns:a16="http://schemas.microsoft.com/office/drawing/2014/main" val="2405063638"/>
+                    </a:ext>
+                  </a:extLst>
+                </a:gridCol>
+                <a:gridCol w="3140869">
+                  <a:extLst>
+                    <a:ext uri="{9D8B030D-6E8A-4147-A177-3AD203B41FA5}">
+                      <a16:colId xmlns:a16="http://schemas.microsoft.com/office/drawing/2014/main" val="3099478781"/>
+                    </a:ext>
+                  </a:extLst>
+                </a:gridCol>
+              </a:tblGrid>
+              <a:tr h="370840">
+                <a:tc>
+                  <a:txBody>
+                    <a:bodyPr/>
+                    <a:lstStyle/>
+                    <a:p>
+                      <a:r>
+                        <a:rPr lang="es-CO" dirty="0"/>
+                        <a:t>Identificación del requerimiento</a:t>
+                      </a:r>
+                    </a:p>
+                  </a:txBody>
+                  <a:tcPr/>
+                </a:tc>
+                <a:tc>
+                  <a:txBody>
+                    <a:bodyPr/>
+                    <a:lstStyle/>
+                    <a:p>
+                      <a:r>
+                        <a:rPr lang="es-CO" dirty="0"/>
+                        <a:t>RNF01</a:t>
+                      </a:r>
+                    </a:p>
+                  </a:txBody>
+                  <a:tcPr/>
+                </a:tc>
+                <a:extLst>
+                  <a:ext uri="{0D108BD9-81ED-4DB2-BD59-A6C34878D82A}">
+                    <a16:rowId xmlns:a16="http://schemas.microsoft.com/office/drawing/2014/main" val="3120795479"/>
+                  </a:ext>
+                </a:extLst>
+              </a:tr>
+              <a:tr h="370840">
+                <a:tc>
+                  <a:txBody>
+                    <a:bodyPr/>
+                    <a:lstStyle/>
+                    <a:p>
+                      <a:r>
+                        <a:rPr lang="es-CO" dirty="0"/>
+                        <a:t>Nombre del requerimiento</a:t>
+                      </a:r>
+                    </a:p>
+                  </a:txBody>
+                  <a:tcPr/>
+                </a:tc>
+                <a:tc>
+                  <a:txBody>
+                    <a:bodyPr/>
+                    <a:lstStyle/>
+                    <a:p>
+                      <a:r>
+                        <a:rPr lang="es-CO" dirty="0"/>
+                        <a:t>Interfaz del sistema</a:t>
+                      </a:r>
+                    </a:p>
+                  </a:txBody>
+                  <a:tcPr/>
+                </a:tc>
+                <a:extLst>
+                  <a:ext uri="{0D108BD9-81ED-4DB2-BD59-A6C34878D82A}">
+                    <a16:rowId xmlns:a16="http://schemas.microsoft.com/office/drawing/2014/main" val="1343925762"/>
+                  </a:ext>
+                </a:extLst>
+              </a:tr>
+              <a:tr h="370840">
+                <a:tc>
+                  <a:txBody>
+                    <a:bodyPr/>
+                    <a:lstStyle/>
+                    <a:p>
+                      <a:r>
+                        <a:rPr lang="es-CO" dirty="0"/>
+                        <a:t>Caracterísitcas</a:t>
+                      </a:r>
+                    </a:p>
+                  </a:txBody>
+                  <a:tcPr/>
+                </a:tc>
+                <a:tc>
+                  <a:txBody>
+                    <a:bodyPr/>
+                    <a:lstStyle/>
+                    <a:p>
+                      <a:r>
+                        <a:rPr lang="es-CO" dirty="0"/>
+                        <a:t>El sistema debe ser sencillo y amigable para el usuario</a:t>
+                      </a:r>
+                    </a:p>
+                  </a:txBody>
+                  <a:tcPr/>
+                </a:tc>
+                <a:extLst>
+                  <a:ext uri="{0D108BD9-81ED-4DB2-BD59-A6C34878D82A}">
+                    <a16:rowId xmlns:a16="http://schemas.microsoft.com/office/drawing/2014/main" val="769886354"/>
+                  </a:ext>
+                </a:extLst>
+              </a:tr>
+              <a:tr h="370840">
+                <a:tc>
+                  <a:txBody>
+                    <a:bodyPr/>
+                    <a:lstStyle/>
+                    <a:p>
+                      <a:r>
+                        <a:rPr lang="es-CO" dirty="0"/>
+                        <a:t>Descripción del requerimiento</a:t>
+                      </a:r>
+                    </a:p>
+                  </a:txBody>
+                  <a:tcPr/>
+                </a:tc>
+                <a:tc>
+                  <a:txBody>
+                    <a:bodyPr/>
+                    <a:lstStyle/>
+                    <a:p>
+                      <a:r>
+                        <a:rPr lang="es-CO" dirty="0"/>
+                        <a:t>La interfaz debe ser sencilla</a:t>
+                      </a:r>
+                    </a:p>
+                  </a:txBody>
+                  <a:tcPr/>
+                </a:tc>
+                <a:extLst>
+                  <a:ext uri="{0D108BD9-81ED-4DB2-BD59-A6C34878D82A}">
+                    <a16:rowId xmlns:a16="http://schemas.microsoft.com/office/drawing/2014/main" val="2397840479"/>
+                  </a:ext>
+                </a:extLst>
+              </a:tr>
+              <a:tr h="370840">
+                <a:tc>
+                  <a:txBody>
+                    <a:bodyPr/>
+                    <a:lstStyle/>
+                    <a:p>
+                      <a:r>
+                        <a:rPr lang="es-CO" dirty="0"/>
+                        <a:t>Prioridad del requerimiento</a:t>
+                      </a:r>
+                    </a:p>
+                  </a:txBody>
+                  <a:tcPr/>
+                </a:tc>
+                <a:tc>
+                  <a:txBody>
+                    <a:bodyPr/>
+                    <a:lstStyle/>
+                    <a:p>
+                      <a:r>
+                        <a:rPr lang="es-CO" dirty="0"/>
+                        <a:t>Alta</a:t>
+                      </a:r>
+                    </a:p>
+                  </a:txBody>
+                  <a:tcPr/>
+                </a:tc>
+                <a:extLst>
+                  <a:ext uri="{0D108BD9-81ED-4DB2-BD59-A6C34878D82A}">
+                    <a16:rowId xmlns:a16="http://schemas.microsoft.com/office/drawing/2014/main" val="1876826554"/>
+                  </a:ext>
+                </a:extLst>
+              </a:tr>
+            </a:tbl>
+          </a:graphicData>
+        </a:graphic>
+      </p:graphicFrame>
+    </p:spTree>
+    <p:extLst>
+      <p:ext uri="{BB962C8B-B14F-4D97-AF65-F5344CB8AC3E}">
+        <p14:creationId xmlns:p14="http://schemas.microsoft.com/office/powerpoint/2010/main" val="3765484493"/>
+      </p:ext>
+    </p:extLst>
+  </p:cSld>
+  <p:clrMapOvr>
+    <a:masterClrMapping/>
+  </p:clrMapOvr>
+</p:sld>
+</file>
+
+<file path=ppt/slides/slide48.xml><?xml version="1.0" encoding="utf-8"?>
+<p:sld xmlns:a="http://schemas.openxmlformats.org/drawingml/2006/main" xmlns:r="http://schemas.openxmlformats.org/officeDocument/2006/relationships" xmlns:p="http://schemas.openxmlformats.org/presentationml/2006/main">
+  <p:cSld>
+    <p:spTree>
+      <p:nvGrpSpPr>
+        <p:cNvPr id="1" name=""/>
+        <p:cNvGrpSpPr/>
+        <p:nvPr/>
+      </p:nvGrpSpPr>
+      <p:grpSpPr>
+        <a:xfrm>
+          <a:off x="0" y="0"/>
+          <a:ext cx="0" cy="0"/>
+          <a:chOff x="0" y="0"/>
+          <a:chExt cx="0" cy="0"/>
+        </a:xfrm>
+      </p:grpSpPr>
+      <p:sp>
+        <p:nvSpPr>
+          <p:cNvPr id="2" name="Título 1">
+            <a:extLst>
+              <a:ext uri="{FF2B5EF4-FFF2-40B4-BE49-F238E27FC236}">
+                <a16:creationId xmlns:a16="http://schemas.microsoft.com/office/drawing/2014/main" id="{0DF8FDDE-7FF6-114B-95BB-26E67991BA49}"/>
+              </a:ext>
+            </a:extLst>
+          </p:cNvPr>
+          <p:cNvSpPr>
+            <a:spLocks noGrp="1"/>
+          </p:cNvSpPr>
+          <p:nvPr>
+            <p:ph type="title"/>
+          </p:nvPr>
+        </p:nvSpPr>
+        <p:spPr/>
+        <p:txBody>
+          <a:bodyPr/>
+          <a:lstStyle/>
+          <a:p>
+            <a:r>
+              <a:rPr lang="es-CO" dirty="0"/>
+              <a:t>Requerimientos no funcionales</a:t>
+            </a:r>
+          </a:p>
+        </p:txBody>
+      </p:sp>
+      <p:graphicFrame>
+        <p:nvGraphicFramePr>
+          <p:cNvPr id="4" name="Tabla 4">
+            <a:extLst>
+              <a:ext uri="{FF2B5EF4-FFF2-40B4-BE49-F238E27FC236}">
+                <a16:creationId xmlns:a16="http://schemas.microsoft.com/office/drawing/2014/main" id="{3275B20B-304D-3645-A6E7-687160D9B56D}"/>
+              </a:ext>
+            </a:extLst>
+          </p:cNvPr>
+          <p:cNvGraphicFramePr>
+            <a:graphicFrameLocks noGrp="1"/>
+          </p:cNvGraphicFramePr>
+          <p:nvPr>
+            <p:ph idx="1"/>
+          </p:nvPr>
+        </p:nvGraphicFramePr>
+        <p:xfrm>
+          <a:off x="5118100" y="803275"/>
+          <a:ext cx="6281738" cy="3205480"/>
+        </p:xfrm>
+        <a:graphic>
+          <a:graphicData uri="http://schemas.openxmlformats.org/drawingml/2006/table">
+            <a:tbl>
+              <a:tblPr firstRow="1" bandRow="1">
+                <a:tableStyleId>{5C22544A-7EE6-4342-B048-85BDC9FD1C3A}</a:tableStyleId>
+              </a:tblPr>
+              <a:tblGrid>
+                <a:gridCol w="3140869">
+                  <a:extLst>
+                    <a:ext uri="{9D8B030D-6E8A-4147-A177-3AD203B41FA5}">
+                      <a16:colId xmlns:a16="http://schemas.microsoft.com/office/drawing/2014/main" val="2405063638"/>
+                    </a:ext>
+                  </a:extLst>
+                </a:gridCol>
+                <a:gridCol w="3140869">
+                  <a:extLst>
+                    <a:ext uri="{9D8B030D-6E8A-4147-A177-3AD203B41FA5}">
+                      <a16:colId xmlns:a16="http://schemas.microsoft.com/office/drawing/2014/main" val="3099478781"/>
+                    </a:ext>
+                  </a:extLst>
+                </a:gridCol>
+              </a:tblGrid>
+              <a:tr h="370840">
+                <a:tc>
+                  <a:txBody>
+                    <a:bodyPr/>
+                    <a:lstStyle/>
+                    <a:p>
+                      <a:r>
+                        <a:rPr lang="es-CO" dirty="0"/>
+                        <a:t>Identificación del requerimiento</a:t>
+                      </a:r>
+                    </a:p>
+                  </a:txBody>
+                  <a:tcPr/>
+                </a:tc>
+                <a:tc>
+                  <a:txBody>
+                    <a:bodyPr/>
+                    <a:lstStyle/>
+                    <a:p>
+                      <a:r>
+                        <a:rPr lang="es-CO" dirty="0"/>
+                        <a:t>RNF02</a:t>
+                      </a:r>
+                    </a:p>
+                  </a:txBody>
+                  <a:tcPr/>
+                </a:tc>
+                <a:extLst>
+                  <a:ext uri="{0D108BD9-81ED-4DB2-BD59-A6C34878D82A}">
+                    <a16:rowId xmlns:a16="http://schemas.microsoft.com/office/drawing/2014/main" val="3120795479"/>
+                  </a:ext>
+                </a:extLst>
+              </a:tr>
+              <a:tr h="370840">
+                <a:tc>
+                  <a:txBody>
+                    <a:bodyPr/>
+                    <a:lstStyle/>
+                    <a:p>
+                      <a:r>
+                        <a:rPr lang="es-CO" dirty="0"/>
+                        <a:t>Nombre del requerimiento</a:t>
+                      </a:r>
+                    </a:p>
+                  </a:txBody>
+                  <a:tcPr/>
+                </a:tc>
+                <a:tc>
+                  <a:txBody>
+                    <a:bodyPr/>
+                    <a:lstStyle/>
+                    <a:p>
+                      <a:r>
+                        <a:rPr lang="es-CO" dirty="0"/>
+                        <a:t>Estilos de interfaz</a:t>
+                      </a:r>
+                    </a:p>
+                  </a:txBody>
+                  <a:tcPr/>
+                </a:tc>
+                <a:extLst>
+                  <a:ext uri="{0D108BD9-81ED-4DB2-BD59-A6C34878D82A}">
+                    <a16:rowId xmlns:a16="http://schemas.microsoft.com/office/drawing/2014/main" val="1343925762"/>
+                  </a:ext>
+                </a:extLst>
+              </a:tr>
+              <a:tr h="370840">
+                <a:tc>
+                  <a:txBody>
+                    <a:bodyPr/>
+                    <a:lstStyle/>
+                    <a:p>
+                      <a:r>
+                        <a:rPr lang="es-CO" dirty="0"/>
+                        <a:t>Caracterísitcas</a:t>
+                      </a:r>
+                    </a:p>
+                  </a:txBody>
+                  <a:tcPr/>
+                </a:tc>
+                <a:tc>
+                  <a:txBody>
+                    <a:bodyPr/>
+                    <a:lstStyle/>
+                    <a:p>
+                      <a:r>
+                        <a:rPr lang="es-CO" dirty="0"/>
+                        <a:t>La interfaz debe tener los colores y los logos de la Gobernación y del colegio.</a:t>
+                      </a:r>
+                    </a:p>
+                  </a:txBody>
+                  <a:tcPr/>
+                </a:tc>
+                <a:extLst>
+                  <a:ext uri="{0D108BD9-81ED-4DB2-BD59-A6C34878D82A}">
+                    <a16:rowId xmlns:a16="http://schemas.microsoft.com/office/drawing/2014/main" val="769886354"/>
+                  </a:ext>
+                </a:extLst>
+              </a:tr>
+              <a:tr h="370840">
+                <a:tc>
+                  <a:txBody>
+                    <a:bodyPr/>
+                    <a:lstStyle/>
+                    <a:p>
+                      <a:r>
+                        <a:rPr lang="es-CO" dirty="0"/>
+                        <a:t>Descripción del requerimiento</a:t>
+                      </a:r>
+                    </a:p>
+                  </a:txBody>
+                  <a:tcPr/>
+                </a:tc>
+                <a:tc>
+                  <a:txBody>
+                    <a:bodyPr/>
+                    <a:lstStyle/>
+                    <a:p>
+                      <a:r>
+                        <a:rPr lang="es-CO" dirty="0"/>
+                        <a:t>La interfaz debe presentar los estilos institucionales.</a:t>
+                      </a:r>
+                    </a:p>
+                  </a:txBody>
+                  <a:tcPr/>
+                </a:tc>
+                <a:extLst>
+                  <a:ext uri="{0D108BD9-81ED-4DB2-BD59-A6C34878D82A}">
+                    <a16:rowId xmlns:a16="http://schemas.microsoft.com/office/drawing/2014/main" val="2397840479"/>
+                  </a:ext>
+                </a:extLst>
+              </a:tr>
+              <a:tr h="370840">
+                <a:tc>
+                  <a:txBody>
+                    <a:bodyPr/>
+                    <a:lstStyle/>
+                    <a:p>
+                      <a:r>
+                        <a:rPr lang="es-CO" dirty="0"/>
+                        <a:t>Prioridad del requerimiento</a:t>
+                      </a:r>
+                    </a:p>
+                  </a:txBody>
+                  <a:tcPr/>
+                </a:tc>
+                <a:tc>
+                  <a:txBody>
+                    <a:bodyPr/>
+                    <a:lstStyle/>
+                    <a:p>
+                      <a:r>
+                        <a:rPr lang="es-CO" dirty="0"/>
+                        <a:t>Alta</a:t>
+                      </a:r>
+                    </a:p>
+                  </a:txBody>
+                  <a:tcPr/>
+                </a:tc>
+                <a:extLst>
+                  <a:ext uri="{0D108BD9-81ED-4DB2-BD59-A6C34878D82A}">
+                    <a16:rowId xmlns:a16="http://schemas.microsoft.com/office/drawing/2014/main" val="1876826554"/>
+                  </a:ext>
+                </a:extLst>
+              </a:tr>
+            </a:tbl>
+          </a:graphicData>
+        </a:graphic>
+      </p:graphicFrame>
+    </p:spTree>
+    <p:extLst>
+      <p:ext uri="{BB962C8B-B14F-4D97-AF65-F5344CB8AC3E}">
+        <p14:creationId xmlns:p14="http://schemas.microsoft.com/office/powerpoint/2010/main" val="1139138037"/>
+      </p:ext>
+    </p:extLst>
+  </p:cSld>
+  <p:clrMapOvr>
+    <a:masterClrMapping/>
+  </p:clrMapOvr>
+</p:sld>
+</file>
+
+<file path=ppt/slides/slide49.xml><?xml version="1.0" encoding="utf-8"?>
+<p:sld xmlns:a="http://schemas.openxmlformats.org/drawingml/2006/main" xmlns:r="http://schemas.openxmlformats.org/officeDocument/2006/relationships" xmlns:p="http://schemas.openxmlformats.org/presentationml/2006/main">
+  <p:cSld>
+    <p:spTree>
+      <p:nvGrpSpPr>
+        <p:cNvPr id="1" name=""/>
+        <p:cNvGrpSpPr/>
+        <p:nvPr/>
+      </p:nvGrpSpPr>
+      <p:grpSpPr>
+        <a:xfrm>
+          <a:off x="0" y="0"/>
+          <a:ext cx="0" cy="0"/>
+          <a:chOff x="0" y="0"/>
+          <a:chExt cx="0" cy="0"/>
+        </a:xfrm>
+      </p:grpSpPr>
+      <p:sp>
+        <p:nvSpPr>
+          <p:cNvPr id="2" name="Título 1">
+            <a:extLst>
+              <a:ext uri="{FF2B5EF4-FFF2-40B4-BE49-F238E27FC236}">
+                <a16:creationId xmlns:a16="http://schemas.microsoft.com/office/drawing/2014/main" id="{0DF8FDDE-7FF6-114B-95BB-26E67991BA49}"/>
+              </a:ext>
+            </a:extLst>
+          </p:cNvPr>
+          <p:cNvSpPr>
+            <a:spLocks noGrp="1"/>
+          </p:cNvSpPr>
+          <p:nvPr>
+            <p:ph type="title"/>
+          </p:nvPr>
+        </p:nvSpPr>
+        <p:spPr/>
+        <p:txBody>
+          <a:bodyPr/>
+          <a:lstStyle/>
+          <a:p>
+            <a:r>
+              <a:rPr lang="es-CO" dirty="0"/>
+              <a:t>Requerimientos no funcionales</a:t>
+            </a:r>
+          </a:p>
+        </p:txBody>
+      </p:sp>
+      <p:graphicFrame>
+        <p:nvGraphicFramePr>
+          <p:cNvPr id="4" name="Tabla 4">
+            <a:extLst>
+              <a:ext uri="{FF2B5EF4-FFF2-40B4-BE49-F238E27FC236}">
+                <a16:creationId xmlns:a16="http://schemas.microsoft.com/office/drawing/2014/main" id="{3275B20B-304D-3645-A6E7-687160D9B56D}"/>
+              </a:ext>
+            </a:extLst>
+          </p:cNvPr>
+          <p:cNvGraphicFramePr>
+            <a:graphicFrameLocks noGrp="1"/>
+          </p:cNvGraphicFramePr>
+          <p:nvPr>
+            <p:ph idx="1"/>
+          </p:nvPr>
+        </p:nvGraphicFramePr>
+        <p:xfrm>
+          <a:off x="5118100" y="803275"/>
+          <a:ext cx="6281738" cy="3754120"/>
+        </p:xfrm>
+        <a:graphic>
+          <a:graphicData uri="http://schemas.openxmlformats.org/drawingml/2006/table">
+            <a:tbl>
+              <a:tblPr firstRow="1" bandRow="1">
+                <a:tableStyleId>{5C22544A-7EE6-4342-B048-85BDC9FD1C3A}</a:tableStyleId>
+              </a:tblPr>
+              <a:tblGrid>
+                <a:gridCol w="3140869">
+                  <a:extLst>
+                    <a:ext uri="{9D8B030D-6E8A-4147-A177-3AD203B41FA5}">
+                      <a16:colId xmlns:a16="http://schemas.microsoft.com/office/drawing/2014/main" val="2405063638"/>
+                    </a:ext>
+                  </a:extLst>
+                </a:gridCol>
+                <a:gridCol w="3140869">
+                  <a:extLst>
+                    <a:ext uri="{9D8B030D-6E8A-4147-A177-3AD203B41FA5}">
+                      <a16:colId xmlns:a16="http://schemas.microsoft.com/office/drawing/2014/main" val="3099478781"/>
+                    </a:ext>
+                  </a:extLst>
+                </a:gridCol>
+              </a:tblGrid>
+              <a:tr h="370840">
+                <a:tc>
+                  <a:txBody>
+                    <a:bodyPr/>
+                    <a:lstStyle/>
+                    <a:p>
+                      <a:r>
+                        <a:rPr lang="es-CO" dirty="0"/>
+                        <a:t>Identificación del requerimiento</a:t>
+                      </a:r>
+                    </a:p>
+                  </a:txBody>
+                  <a:tcPr/>
+                </a:tc>
+                <a:tc>
+                  <a:txBody>
+                    <a:bodyPr/>
+                    <a:lstStyle/>
+                    <a:p>
+                      <a:r>
+                        <a:rPr lang="es-CO" dirty="0"/>
+                        <a:t>RNF03</a:t>
+                      </a:r>
+                    </a:p>
+                  </a:txBody>
+                  <a:tcPr/>
+                </a:tc>
+                <a:extLst>
+                  <a:ext uri="{0D108BD9-81ED-4DB2-BD59-A6C34878D82A}">
+                    <a16:rowId xmlns:a16="http://schemas.microsoft.com/office/drawing/2014/main" val="3120795479"/>
+                  </a:ext>
+                </a:extLst>
+              </a:tr>
+              <a:tr h="370840">
+                <a:tc>
+                  <a:txBody>
+                    <a:bodyPr/>
+                    <a:lstStyle/>
+                    <a:p>
+                      <a:r>
+                        <a:rPr lang="es-CO" dirty="0"/>
+                        <a:t>Nombre del requerimiento</a:t>
+                      </a:r>
+                    </a:p>
+                  </a:txBody>
+                  <a:tcPr/>
+                </a:tc>
+                <a:tc>
+                  <a:txBody>
+                    <a:bodyPr/>
+                    <a:lstStyle/>
+                    <a:p>
+                      <a:r>
+                        <a:rPr lang="es-CO" dirty="0" err="1"/>
+                        <a:t>Frontend</a:t>
+                      </a:r>
+                      <a:endParaRPr lang="es-CO" dirty="0"/>
+                    </a:p>
+                  </a:txBody>
+                  <a:tcPr/>
+                </a:tc>
+                <a:extLst>
+                  <a:ext uri="{0D108BD9-81ED-4DB2-BD59-A6C34878D82A}">
+                    <a16:rowId xmlns:a16="http://schemas.microsoft.com/office/drawing/2014/main" val="1343925762"/>
+                  </a:ext>
+                </a:extLst>
+              </a:tr>
+              <a:tr h="370840">
+                <a:tc>
+                  <a:txBody>
+                    <a:bodyPr/>
+                    <a:lstStyle/>
+                    <a:p>
+                      <a:r>
+                        <a:rPr lang="es-CO" dirty="0"/>
+                        <a:t>Caracterísitcas</a:t>
+                      </a:r>
+                    </a:p>
+                  </a:txBody>
+                  <a:tcPr/>
+                </a:tc>
+                <a:tc>
+                  <a:txBody>
+                    <a:bodyPr/>
+                    <a:lstStyle/>
+                    <a:p>
+                      <a:r>
+                        <a:rPr lang="es-CO" dirty="0"/>
+                        <a:t>El </a:t>
+                      </a:r>
+                      <a:r>
+                        <a:rPr lang="es-CO" dirty="0" err="1"/>
+                        <a:t>frontend</a:t>
+                      </a:r>
+                      <a:r>
+                        <a:rPr lang="es-CO" dirty="0"/>
+                        <a:t> debe estar escrito, al menos, en </a:t>
+                      </a:r>
+                      <a:r>
+                        <a:rPr lang="es-CO" dirty="0" err="1"/>
+                        <a:t>NoteJS</a:t>
+                      </a:r>
+                      <a:r>
+                        <a:rPr lang="es-CO" dirty="0"/>
+                        <a:t> y HTML.</a:t>
+                      </a:r>
+                    </a:p>
+                  </a:txBody>
+                  <a:tcPr/>
+                </a:tc>
+                <a:extLst>
+                  <a:ext uri="{0D108BD9-81ED-4DB2-BD59-A6C34878D82A}">
+                    <a16:rowId xmlns:a16="http://schemas.microsoft.com/office/drawing/2014/main" val="769886354"/>
+                  </a:ext>
+                </a:extLst>
+              </a:tr>
+              <a:tr h="370840">
+                <a:tc>
+                  <a:txBody>
+                    <a:bodyPr/>
+                    <a:lstStyle/>
+                    <a:p>
+                      <a:r>
+                        <a:rPr lang="es-CO" dirty="0"/>
+                        <a:t>Descripción del requerimiento</a:t>
+                      </a:r>
+                    </a:p>
+                  </a:txBody>
+                  <a:tcPr/>
+                </a:tc>
+                <a:tc>
+                  <a:txBody>
+                    <a:bodyPr/>
+                    <a:lstStyle/>
+                    <a:p>
+                      <a:r>
+                        <a:rPr lang="es-CO" dirty="0"/>
+                        <a:t>Se deben utilizar, al menos, los lenguajes </a:t>
+                      </a:r>
+                      <a:r>
+                        <a:rPr lang="es-CO" dirty="0" err="1"/>
+                        <a:t>NoteJS</a:t>
+                      </a:r>
+                      <a:r>
+                        <a:rPr lang="es-CO" dirty="0"/>
+                        <a:t>  y HTML para el diseño frontal del sistema.</a:t>
+                      </a:r>
+                    </a:p>
+                  </a:txBody>
+                  <a:tcPr/>
+                </a:tc>
+                <a:extLst>
+                  <a:ext uri="{0D108BD9-81ED-4DB2-BD59-A6C34878D82A}">
+                    <a16:rowId xmlns:a16="http://schemas.microsoft.com/office/drawing/2014/main" val="2397840479"/>
+                  </a:ext>
+                </a:extLst>
+              </a:tr>
+              <a:tr h="370840">
+                <a:tc>
+                  <a:txBody>
+                    <a:bodyPr/>
+                    <a:lstStyle/>
+                    <a:p>
+                      <a:r>
+                        <a:rPr lang="es-CO" dirty="0"/>
+                        <a:t>Prioridad del requerimiento</a:t>
+                      </a:r>
+                    </a:p>
+                  </a:txBody>
+                  <a:tcPr/>
+                </a:tc>
+                <a:tc>
+                  <a:txBody>
+                    <a:bodyPr/>
+                    <a:lstStyle/>
+                    <a:p>
+                      <a:r>
+                        <a:rPr lang="es-CO" dirty="0"/>
+                        <a:t>Alta</a:t>
+                      </a:r>
+                    </a:p>
+                  </a:txBody>
+                  <a:tcPr/>
+                </a:tc>
+                <a:extLst>
+                  <a:ext uri="{0D108BD9-81ED-4DB2-BD59-A6C34878D82A}">
+                    <a16:rowId xmlns:a16="http://schemas.microsoft.com/office/drawing/2014/main" val="1876826554"/>
+                  </a:ext>
+                </a:extLst>
+              </a:tr>
+            </a:tbl>
+          </a:graphicData>
+        </a:graphic>
+      </p:graphicFrame>
+    </p:spTree>
+    <p:extLst>
+      <p:ext uri="{BB962C8B-B14F-4D97-AF65-F5344CB8AC3E}">
+        <p14:creationId xmlns:p14="http://schemas.microsoft.com/office/powerpoint/2010/main" val="3274729353"/>
+      </p:ext>
+    </p:extLst>
+  </p:cSld>
+  <p:clrMapOvr>
+    <a:masterClrMapping/>
+  </p:clrMapOvr>
+</p:sld>
+</file>
+
+<file path=ppt/slides/slide5.xml><?xml version="1.0" encoding="utf-8"?>
+<p:sld xmlns:a="http://schemas.openxmlformats.org/drawingml/2006/main" xmlns:r="http://schemas.openxmlformats.org/officeDocument/2006/relationships" xmlns:p="http://schemas.openxmlformats.org/presentationml/2006/main">
+  <p:cSld>
+    <p:spTree>
+      <p:nvGrpSpPr>
+        <p:cNvPr id="1" name=""/>
+        <p:cNvGrpSpPr/>
+        <p:nvPr/>
+      </p:nvGrpSpPr>
+      <p:grpSpPr>
+        <a:xfrm>
+          <a:off x="0" y="0"/>
+          <a:ext cx="0" cy="0"/>
+          <a:chOff x="0" y="0"/>
+          <a:chExt cx="0" cy="0"/>
+        </a:xfrm>
+      </p:grpSpPr>
+      <p:sp>
+        <p:nvSpPr>
+          <p:cNvPr id="2" name="Título 1"/>
+          <p:cNvSpPr>
+            <a:spLocks noGrp="1"/>
+          </p:cNvSpPr>
+          <p:nvPr>
+            <p:ph type="title"/>
+          </p:nvPr>
+        </p:nvSpPr>
+        <p:spPr/>
+        <p:txBody>
+          <a:bodyPr/>
+          <a:lstStyle/>
+          <a:p>
+            <a:r>
+              <a:rPr lang="es-CO" dirty="0"/>
+              <a:t>Planteamiento del problema</a:t>
+            </a:r>
+          </a:p>
+        </p:txBody>
+      </p:sp>
+      <p:sp>
+        <p:nvSpPr>
+          <p:cNvPr id="4" name="Marcador de contenido 2">
+            <a:extLst>
+              <a:ext uri="{FF2B5EF4-FFF2-40B4-BE49-F238E27FC236}">
+                <a16:creationId xmlns:a16="http://schemas.microsoft.com/office/drawing/2014/main" id="{0BDF9D16-2075-4746-B574-565873BD05F2}"/>
+              </a:ext>
+            </a:extLst>
+          </p:cNvPr>
+          <p:cNvSpPr>
+            <a:spLocks noGrp="1"/>
+          </p:cNvSpPr>
+          <p:nvPr>
+            <p:ph idx="1"/>
+          </p:nvPr>
+        </p:nvSpPr>
+        <p:spPr>
+          <a:xfrm>
+            <a:off x="5118447" y="803186"/>
+            <a:ext cx="6281873" cy="5248622"/>
+          </a:xfrm>
+        </p:spPr>
+        <p:txBody>
+          <a:bodyPr/>
+          <a:lstStyle/>
+          <a:p>
+            <a:pPr marL="0" indent="0" algn="just">
+              <a:buNone/>
+            </a:pPr>
+            <a:r>
+              <a:rPr lang="es-CO" dirty="0"/>
+              <a:t>En este sentido, el colegio recurre a la plataforma SIGES, programa de la Gobernación de Cundinamarca destinada para tal efecto, cuyo uso y funcionalidad no resultan del todo satisfactorios para los docentes y comunidad académica en general, ya que presenta deficiencias como: no hay usuario para los estudiantes, el registro de notas sólo se hace ingresando la definitiva del bimestre, lo cual hace que sea el docente quien realiza los cálculos; no deja ver el promedio acumulado del estudiante, no presenta estadísticas de rendimiento de los mismos, etcétera (Ramírez Corredor, 2021).</a:t>
+            </a:r>
+          </a:p>
+        </p:txBody>
+      </p:sp>
+    </p:spTree>
+    <p:extLst>
+      <p:ext uri="{BB962C8B-B14F-4D97-AF65-F5344CB8AC3E}">
+        <p14:creationId xmlns:p14="http://schemas.microsoft.com/office/powerpoint/2010/main" val="2855738863"/>
+      </p:ext>
+    </p:extLst>
+  </p:cSld>
+  <p:clrMapOvr>
+    <a:masterClrMapping/>
+  </p:clrMapOvr>
+</p:sld>
+</file>
+
+<file path=ppt/slides/slide50.xml><?xml version="1.0" encoding="utf-8"?>
+<p:sld xmlns:a="http://schemas.openxmlformats.org/drawingml/2006/main" xmlns:r="http://schemas.openxmlformats.org/officeDocument/2006/relationships" xmlns:p="http://schemas.openxmlformats.org/presentationml/2006/main">
+  <p:cSld>
+    <p:spTree>
+      <p:nvGrpSpPr>
+        <p:cNvPr id="1" name=""/>
+        <p:cNvGrpSpPr/>
+        <p:nvPr/>
+      </p:nvGrpSpPr>
+      <p:grpSpPr>
+        <a:xfrm>
+          <a:off x="0" y="0"/>
+          <a:ext cx="0" cy="0"/>
+          <a:chOff x="0" y="0"/>
+          <a:chExt cx="0" cy="0"/>
+        </a:xfrm>
+      </p:grpSpPr>
+      <p:sp>
+        <p:nvSpPr>
+          <p:cNvPr id="2" name="Título 1">
+            <a:extLst>
+              <a:ext uri="{FF2B5EF4-FFF2-40B4-BE49-F238E27FC236}">
+                <a16:creationId xmlns:a16="http://schemas.microsoft.com/office/drawing/2014/main" id="{0DF8FDDE-7FF6-114B-95BB-26E67991BA49}"/>
+              </a:ext>
+            </a:extLst>
+          </p:cNvPr>
+          <p:cNvSpPr>
+            <a:spLocks noGrp="1"/>
+          </p:cNvSpPr>
+          <p:nvPr>
+            <p:ph type="title"/>
+          </p:nvPr>
+        </p:nvSpPr>
+        <p:spPr/>
+        <p:txBody>
+          <a:bodyPr/>
+          <a:lstStyle/>
+          <a:p>
+            <a:r>
+              <a:rPr lang="es-CO" dirty="0"/>
+              <a:t>Requerimientos no funcionales</a:t>
+            </a:r>
+          </a:p>
+        </p:txBody>
+      </p:sp>
+      <p:graphicFrame>
+        <p:nvGraphicFramePr>
+          <p:cNvPr id="4" name="Tabla 4">
+            <a:extLst>
+              <a:ext uri="{FF2B5EF4-FFF2-40B4-BE49-F238E27FC236}">
+                <a16:creationId xmlns:a16="http://schemas.microsoft.com/office/drawing/2014/main" id="{3275B20B-304D-3645-A6E7-687160D9B56D}"/>
+              </a:ext>
+            </a:extLst>
+          </p:cNvPr>
+          <p:cNvGraphicFramePr>
+            <a:graphicFrameLocks noGrp="1"/>
+          </p:cNvGraphicFramePr>
+          <p:nvPr>
+            <p:ph idx="1"/>
+          </p:nvPr>
+        </p:nvGraphicFramePr>
+        <p:xfrm>
+          <a:off x="5118100" y="803275"/>
+          <a:ext cx="6281738" cy="3754120"/>
+        </p:xfrm>
+        <a:graphic>
+          <a:graphicData uri="http://schemas.openxmlformats.org/drawingml/2006/table">
+            <a:tbl>
+              <a:tblPr firstRow="1" bandRow="1">
+                <a:tableStyleId>{5C22544A-7EE6-4342-B048-85BDC9FD1C3A}</a:tableStyleId>
+              </a:tblPr>
+              <a:tblGrid>
+                <a:gridCol w="3140869">
+                  <a:extLst>
+                    <a:ext uri="{9D8B030D-6E8A-4147-A177-3AD203B41FA5}">
+                      <a16:colId xmlns:a16="http://schemas.microsoft.com/office/drawing/2014/main" val="2405063638"/>
+                    </a:ext>
+                  </a:extLst>
+                </a:gridCol>
+                <a:gridCol w="3140869">
+                  <a:extLst>
+                    <a:ext uri="{9D8B030D-6E8A-4147-A177-3AD203B41FA5}">
+                      <a16:colId xmlns:a16="http://schemas.microsoft.com/office/drawing/2014/main" val="3099478781"/>
+                    </a:ext>
+                  </a:extLst>
+                </a:gridCol>
+              </a:tblGrid>
+              <a:tr h="370840">
+                <a:tc>
+                  <a:txBody>
+                    <a:bodyPr/>
+                    <a:lstStyle/>
+                    <a:p>
+                      <a:r>
+                        <a:rPr lang="es-CO" dirty="0"/>
+                        <a:t>Identificación del requerimiento</a:t>
+                      </a:r>
+                    </a:p>
+                  </a:txBody>
+                  <a:tcPr/>
+                </a:tc>
+                <a:tc>
+                  <a:txBody>
+                    <a:bodyPr/>
+                    <a:lstStyle/>
+                    <a:p>
+                      <a:r>
+                        <a:rPr lang="es-CO" dirty="0"/>
+                        <a:t>RNF04</a:t>
+                      </a:r>
+                    </a:p>
+                  </a:txBody>
+                  <a:tcPr/>
+                </a:tc>
+                <a:extLst>
+                  <a:ext uri="{0D108BD9-81ED-4DB2-BD59-A6C34878D82A}">
+                    <a16:rowId xmlns:a16="http://schemas.microsoft.com/office/drawing/2014/main" val="3120795479"/>
+                  </a:ext>
+                </a:extLst>
+              </a:tr>
+              <a:tr h="370840">
+                <a:tc>
+                  <a:txBody>
+                    <a:bodyPr/>
+                    <a:lstStyle/>
+                    <a:p>
+                      <a:r>
+                        <a:rPr lang="es-CO" dirty="0"/>
+                        <a:t>Nombre del requerimiento</a:t>
+                      </a:r>
+                    </a:p>
+                  </a:txBody>
+                  <a:tcPr/>
+                </a:tc>
+                <a:tc>
+                  <a:txBody>
+                    <a:bodyPr/>
+                    <a:lstStyle/>
+                    <a:p>
+                      <a:r>
+                        <a:rPr lang="es-CO" dirty="0" err="1"/>
+                        <a:t>Backend</a:t>
+                      </a:r>
+                      <a:endParaRPr lang="es-CO" dirty="0"/>
+                    </a:p>
+                  </a:txBody>
+                  <a:tcPr/>
+                </a:tc>
+                <a:extLst>
+                  <a:ext uri="{0D108BD9-81ED-4DB2-BD59-A6C34878D82A}">
+                    <a16:rowId xmlns:a16="http://schemas.microsoft.com/office/drawing/2014/main" val="1343925762"/>
+                  </a:ext>
+                </a:extLst>
+              </a:tr>
+              <a:tr h="370840">
+                <a:tc>
+                  <a:txBody>
+                    <a:bodyPr/>
+                    <a:lstStyle/>
+                    <a:p>
+                      <a:r>
+                        <a:rPr lang="es-CO" dirty="0"/>
+                        <a:t>Caracterísitcas</a:t>
+                      </a:r>
+                    </a:p>
+                  </a:txBody>
+                  <a:tcPr/>
+                </a:tc>
+                <a:tc>
+                  <a:txBody>
+                    <a:bodyPr/>
+                    <a:lstStyle/>
+                    <a:p>
+                      <a:r>
+                        <a:rPr lang="es-CO" dirty="0"/>
+                        <a:t>El </a:t>
+                      </a:r>
+                      <a:r>
+                        <a:rPr lang="es-CO" dirty="0" err="1"/>
+                        <a:t>backend</a:t>
+                      </a:r>
+                      <a:r>
+                        <a:rPr lang="es-CO" dirty="0"/>
+                        <a:t> debe estar escrito, al menos, en </a:t>
+                      </a:r>
+                      <a:r>
+                        <a:rPr lang="es-CO" dirty="0" err="1"/>
+                        <a:t>NoteJS</a:t>
+                      </a:r>
+                      <a:r>
+                        <a:rPr lang="es-CO" dirty="0"/>
+                        <a:t> y </a:t>
+                      </a:r>
+                      <a:r>
+                        <a:rPr lang="es-CO" dirty="0" err="1"/>
+                        <a:t>Phyton</a:t>
+                      </a:r>
+                      <a:r>
+                        <a:rPr lang="es-CO" dirty="0"/>
+                        <a:t>.</a:t>
+                      </a:r>
+                    </a:p>
+                  </a:txBody>
+                  <a:tcPr/>
+                </a:tc>
+                <a:extLst>
+                  <a:ext uri="{0D108BD9-81ED-4DB2-BD59-A6C34878D82A}">
+                    <a16:rowId xmlns:a16="http://schemas.microsoft.com/office/drawing/2014/main" val="769886354"/>
+                  </a:ext>
+                </a:extLst>
+              </a:tr>
+              <a:tr h="370840">
+                <a:tc>
+                  <a:txBody>
+                    <a:bodyPr/>
+                    <a:lstStyle/>
+                    <a:p>
+                      <a:r>
+                        <a:rPr lang="es-CO" dirty="0"/>
+                        <a:t>Descripción del requerimiento</a:t>
+                      </a:r>
+                    </a:p>
+                  </a:txBody>
+                  <a:tcPr/>
+                </a:tc>
+                <a:tc>
+                  <a:txBody>
+                    <a:bodyPr/>
+                    <a:lstStyle/>
+                    <a:p>
+                      <a:r>
+                        <a:rPr lang="es-CO" dirty="0"/>
+                        <a:t>Se deben utilizar, al menos, los lenguajes </a:t>
+                      </a:r>
+                      <a:r>
+                        <a:rPr lang="es-CO" dirty="0" err="1"/>
+                        <a:t>NoteJS</a:t>
+                      </a:r>
+                      <a:r>
+                        <a:rPr lang="es-CO" dirty="0"/>
+                        <a:t>  y </a:t>
+                      </a:r>
+                      <a:r>
+                        <a:rPr lang="es-CO" dirty="0" err="1"/>
+                        <a:t>Phyton</a:t>
+                      </a:r>
+                      <a:r>
+                        <a:rPr lang="es-CO" dirty="0"/>
+                        <a:t> para el diseño del sistema.</a:t>
+                      </a:r>
+                    </a:p>
+                  </a:txBody>
+                  <a:tcPr/>
+                </a:tc>
+                <a:extLst>
+                  <a:ext uri="{0D108BD9-81ED-4DB2-BD59-A6C34878D82A}">
+                    <a16:rowId xmlns:a16="http://schemas.microsoft.com/office/drawing/2014/main" val="2397840479"/>
+                  </a:ext>
+                </a:extLst>
+              </a:tr>
+              <a:tr h="370840">
+                <a:tc>
+                  <a:txBody>
+                    <a:bodyPr/>
+                    <a:lstStyle/>
+                    <a:p>
+                      <a:r>
+                        <a:rPr lang="es-CO" dirty="0"/>
+                        <a:t>Prioridad del requerimiento</a:t>
+                      </a:r>
+                    </a:p>
+                  </a:txBody>
+                  <a:tcPr/>
+                </a:tc>
+                <a:tc>
+                  <a:txBody>
+                    <a:bodyPr/>
+                    <a:lstStyle/>
+                    <a:p>
+                      <a:r>
+                        <a:rPr lang="es-CO" dirty="0"/>
+                        <a:t>Alta</a:t>
+                      </a:r>
+                    </a:p>
+                  </a:txBody>
+                  <a:tcPr/>
+                </a:tc>
+                <a:extLst>
+                  <a:ext uri="{0D108BD9-81ED-4DB2-BD59-A6C34878D82A}">
+                    <a16:rowId xmlns:a16="http://schemas.microsoft.com/office/drawing/2014/main" val="1876826554"/>
+                  </a:ext>
+                </a:extLst>
+              </a:tr>
+            </a:tbl>
+          </a:graphicData>
+        </a:graphic>
+      </p:graphicFrame>
+    </p:spTree>
+    <p:extLst>
+      <p:ext uri="{BB962C8B-B14F-4D97-AF65-F5344CB8AC3E}">
+        <p14:creationId xmlns:p14="http://schemas.microsoft.com/office/powerpoint/2010/main" val="1826749358"/>
+      </p:ext>
+    </p:extLst>
+  </p:cSld>
+  <p:clrMapOvr>
+    <a:masterClrMapping/>
+  </p:clrMapOvr>
+</p:sld>
+</file>
+
+<file path=ppt/slides/slide51.xml><?xml version="1.0" encoding="utf-8"?>
+<p:sld xmlns:a="http://schemas.openxmlformats.org/drawingml/2006/main" xmlns:r="http://schemas.openxmlformats.org/officeDocument/2006/relationships" xmlns:p="http://schemas.openxmlformats.org/presentationml/2006/main">
+  <p:cSld>
+    <p:spTree>
+      <p:nvGrpSpPr>
+        <p:cNvPr id="1" name=""/>
+        <p:cNvGrpSpPr/>
+        <p:nvPr/>
+      </p:nvGrpSpPr>
+      <p:grpSpPr>
+        <a:xfrm>
+          <a:off x="0" y="0"/>
+          <a:ext cx="0" cy="0"/>
+          <a:chOff x="0" y="0"/>
+          <a:chExt cx="0" cy="0"/>
+        </a:xfrm>
+      </p:grpSpPr>
+      <p:sp>
+        <p:nvSpPr>
+          <p:cNvPr id="2" name="Título 1">
+            <a:extLst>
+              <a:ext uri="{FF2B5EF4-FFF2-40B4-BE49-F238E27FC236}">
+                <a16:creationId xmlns:a16="http://schemas.microsoft.com/office/drawing/2014/main" id="{0DF8FDDE-7FF6-114B-95BB-26E67991BA49}"/>
+              </a:ext>
+            </a:extLst>
+          </p:cNvPr>
+          <p:cNvSpPr>
+            <a:spLocks noGrp="1"/>
+          </p:cNvSpPr>
+          <p:nvPr>
+            <p:ph type="title"/>
+          </p:nvPr>
+        </p:nvSpPr>
+        <p:spPr/>
+        <p:txBody>
+          <a:bodyPr/>
+          <a:lstStyle/>
+          <a:p>
+            <a:r>
+              <a:rPr lang="es-CO"/>
+              <a:t>Requerimientos </a:t>
+            </a:r>
+            <a:r>
+              <a:rPr lang="es-CO" dirty="0"/>
+              <a:t>no funcionales</a:t>
+            </a:r>
+          </a:p>
+        </p:txBody>
+      </p:sp>
+      <p:graphicFrame>
+        <p:nvGraphicFramePr>
+          <p:cNvPr id="4" name="Tabla 4">
+            <a:extLst>
+              <a:ext uri="{FF2B5EF4-FFF2-40B4-BE49-F238E27FC236}">
+                <a16:creationId xmlns:a16="http://schemas.microsoft.com/office/drawing/2014/main" id="{3275B20B-304D-3645-A6E7-687160D9B56D}"/>
+              </a:ext>
+            </a:extLst>
+          </p:cNvPr>
+          <p:cNvGraphicFramePr>
+            <a:graphicFrameLocks noGrp="1"/>
+          </p:cNvGraphicFramePr>
+          <p:nvPr>
+            <p:ph idx="1"/>
+          </p:nvPr>
+        </p:nvGraphicFramePr>
+        <p:xfrm>
+          <a:off x="5118100" y="803275"/>
+          <a:ext cx="6281738" cy="3479800"/>
+        </p:xfrm>
+        <a:graphic>
+          <a:graphicData uri="http://schemas.openxmlformats.org/drawingml/2006/table">
+            <a:tbl>
+              <a:tblPr firstRow="1" bandRow="1">
+                <a:tableStyleId>{5C22544A-7EE6-4342-B048-85BDC9FD1C3A}</a:tableStyleId>
+              </a:tblPr>
+              <a:tblGrid>
+                <a:gridCol w="3140869">
+                  <a:extLst>
+                    <a:ext uri="{9D8B030D-6E8A-4147-A177-3AD203B41FA5}">
+                      <a16:colId xmlns:a16="http://schemas.microsoft.com/office/drawing/2014/main" val="2405063638"/>
+                    </a:ext>
+                  </a:extLst>
+                </a:gridCol>
+                <a:gridCol w="3140869">
+                  <a:extLst>
+                    <a:ext uri="{9D8B030D-6E8A-4147-A177-3AD203B41FA5}">
+                      <a16:colId xmlns:a16="http://schemas.microsoft.com/office/drawing/2014/main" val="3099478781"/>
+                    </a:ext>
+                  </a:extLst>
+                </a:gridCol>
+              </a:tblGrid>
+              <a:tr h="370840">
+                <a:tc>
+                  <a:txBody>
+                    <a:bodyPr/>
+                    <a:lstStyle/>
+                    <a:p>
+                      <a:r>
+                        <a:rPr lang="es-CO" dirty="0"/>
+                        <a:t>Identificación del requerimiento</a:t>
+                      </a:r>
+                    </a:p>
+                  </a:txBody>
+                  <a:tcPr/>
+                </a:tc>
+                <a:tc>
+                  <a:txBody>
+                    <a:bodyPr/>
+                    <a:lstStyle/>
+                    <a:p>
+                      <a:r>
+                        <a:rPr lang="es-CO" dirty="0"/>
+                        <a:t>RNF005</a:t>
+                      </a:r>
+                    </a:p>
+                  </a:txBody>
+                  <a:tcPr/>
+                </a:tc>
+                <a:extLst>
+                  <a:ext uri="{0D108BD9-81ED-4DB2-BD59-A6C34878D82A}">
+                    <a16:rowId xmlns:a16="http://schemas.microsoft.com/office/drawing/2014/main" val="3120795479"/>
+                  </a:ext>
+                </a:extLst>
+              </a:tr>
+              <a:tr h="370840">
+                <a:tc>
+                  <a:txBody>
+                    <a:bodyPr/>
+                    <a:lstStyle/>
+                    <a:p>
+                      <a:r>
+                        <a:rPr lang="es-CO" dirty="0"/>
+                        <a:t>Nombre del requerimiento</a:t>
+                      </a:r>
+                    </a:p>
+                  </a:txBody>
+                  <a:tcPr/>
+                </a:tc>
+                <a:tc>
+                  <a:txBody>
+                    <a:bodyPr/>
+                    <a:lstStyle/>
+                    <a:p>
+                      <a:r>
+                        <a:rPr lang="es-CO" dirty="0"/>
+                        <a:t>Compatibilidad</a:t>
+                      </a:r>
+                    </a:p>
+                  </a:txBody>
+                  <a:tcPr/>
+                </a:tc>
+                <a:extLst>
+                  <a:ext uri="{0D108BD9-81ED-4DB2-BD59-A6C34878D82A}">
+                    <a16:rowId xmlns:a16="http://schemas.microsoft.com/office/drawing/2014/main" val="1343925762"/>
+                  </a:ext>
+                </a:extLst>
+              </a:tr>
+              <a:tr h="370840">
+                <a:tc>
+                  <a:txBody>
+                    <a:bodyPr/>
+                    <a:lstStyle/>
+                    <a:p>
+                      <a:r>
+                        <a:rPr lang="es-CO" dirty="0"/>
+                        <a:t>Caracterísitcas</a:t>
+                      </a:r>
+                    </a:p>
+                  </a:txBody>
+                  <a:tcPr/>
+                </a:tc>
+                <a:tc>
+                  <a:txBody>
+                    <a:bodyPr/>
+                    <a:lstStyle/>
+                    <a:p>
+                      <a:r>
+                        <a:rPr lang="es-CO" dirty="0"/>
+                        <a:t>El sistema debe funcionar en cualquier sistema operativo</a:t>
+                      </a:r>
+                    </a:p>
+                  </a:txBody>
+                  <a:tcPr/>
+                </a:tc>
+                <a:extLst>
+                  <a:ext uri="{0D108BD9-81ED-4DB2-BD59-A6C34878D82A}">
+                    <a16:rowId xmlns:a16="http://schemas.microsoft.com/office/drawing/2014/main" val="769886354"/>
+                  </a:ext>
+                </a:extLst>
+              </a:tr>
+              <a:tr h="370840">
+                <a:tc>
+                  <a:txBody>
+                    <a:bodyPr/>
+                    <a:lstStyle/>
+                    <a:p>
+                      <a:r>
+                        <a:rPr lang="es-CO" dirty="0"/>
+                        <a:t>Descripción del requerimiento</a:t>
+                      </a:r>
+                    </a:p>
+                  </a:txBody>
+                  <a:tcPr/>
+                </a:tc>
+                <a:tc>
+                  <a:txBody>
+                    <a:bodyPr/>
+                    <a:lstStyle/>
+                    <a:p>
+                      <a:r>
+                        <a:rPr lang="es-CO" dirty="0"/>
+                        <a:t>El sistema debe funcionar en iOS, Android, Mac OS, Windows, Linux, etcétera.</a:t>
+                      </a:r>
+                    </a:p>
+                  </a:txBody>
+                  <a:tcPr/>
+                </a:tc>
+                <a:extLst>
+                  <a:ext uri="{0D108BD9-81ED-4DB2-BD59-A6C34878D82A}">
+                    <a16:rowId xmlns:a16="http://schemas.microsoft.com/office/drawing/2014/main" val="2397840479"/>
+                  </a:ext>
+                </a:extLst>
+              </a:tr>
+              <a:tr h="370840">
+                <a:tc>
+                  <a:txBody>
+                    <a:bodyPr/>
+                    <a:lstStyle/>
+                    <a:p>
+                      <a:r>
+                        <a:rPr lang="es-CO" dirty="0"/>
+                        <a:t>Prioridad del requerimiento</a:t>
+                      </a:r>
+                    </a:p>
+                  </a:txBody>
+                  <a:tcPr/>
+                </a:tc>
+                <a:tc>
+                  <a:txBody>
+                    <a:bodyPr/>
+                    <a:lstStyle/>
+                    <a:p>
+                      <a:r>
+                        <a:rPr lang="es-CO" dirty="0"/>
+                        <a:t>Alta</a:t>
+                      </a:r>
+                    </a:p>
+                  </a:txBody>
+                  <a:tcPr/>
+                </a:tc>
+                <a:extLst>
+                  <a:ext uri="{0D108BD9-81ED-4DB2-BD59-A6C34878D82A}">
+                    <a16:rowId xmlns:a16="http://schemas.microsoft.com/office/drawing/2014/main" val="1876826554"/>
+                  </a:ext>
+                </a:extLst>
+              </a:tr>
+            </a:tbl>
+          </a:graphicData>
+        </a:graphic>
+      </p:graphicFrame>
+    </p:spTree>
+    <p:extLst>
+      <p:ext uri="{BB962C8B-B14F-4D97-AF65-F5344CB8AC3E}">
+        <p14:creationId xmlns:p14="http://schemas.microsoft.com/office/powerpoint/2010/main" val="1357425855"/>
+      </p:ext>
+    </p:extLst>
+  </p:cSld>
+  <p:clrMapOvr>
+    <a:masterClrMapping/>
+  </p:clrMapOvr>
+</p:sld>
+</file>
+
+<file path=ppt/slides/slide52.xml><?xml version="1.0" encoding="utf-8"?>
+<p:sld xmlns:a="http://schemas.openxmlformats.org/drawingml/2006/main" xmlns:r="http://schemas.openxmlformats.org/officeDocument/2006/relationships" xmlns:p="http://schemas.openxmlformats.org/presentationml/2006/main">
+  <p:cSld>
+    <p:spTree>
+      <p:nvGrpSpPr>
+        <p:cNvPr id="1" name=""/>
+        <p:cNvGrpSpPr/>
+        <p:nvPr/>
+      </p:nvGrpSpPr>
+      <p:grpSpPr>
+        <a:xfrm>
+          <a:off x="0" y="0"/>
+          <a:ext cx="0" cy="0"/>
+          <a:chOff x="0" y="0"/>
+          <a:chExt cx="0" cy="0"/>
+        </a:xfrm>
+      </p:grpSpPr>
+      <p:sp>
+        <p:nvSpPr>
+          <p:cNvPr id="2" name="Título 1">
+            <a:extLst>
+              <a:ext uri="{FF2B5EF4-FFF2-40B4-BE49-F238E27FC236}">
+                <a16:creationId xmlns:a16="http://schemas.microsoft.com/office/drawing/2014/main" id="{0DF8FDDE-7FF6-114B-95BB-26E67991BA49}"/>
+              </a:ext>
+            </a:extLst>
+          </p:cNvPr>
+          <p:cNvSpPr>
+            <a:spLocks noGrp="1"/>
+          </p:cNvSpPr>
+          <p:nvPr>
+            <p:ph type="title"/>
+          </p:nvPr>
+        </p:nvSpPr>
+        <p:spPr/>
+        <p:txBody>
+          <a:bodyPr/>
+          <a:lstStyle/>
+          <a:p>
+            <a:r>
+              <a:rPr lang="es-CO"/>
+              <a:t>Requerimientos </a:t>
+            </a:r>
+            <a:r>
+              <a:rPr lang="es-CO" dirty="0"/>
+              <a:t>no funcionales</a:t>
+            </a:r>
+          </a:p>
+        </p:txBody>
+      </p:sp>
+      <p:graphicFrame>
+        <p:nvGraphicFramePr>
+          <p:cNvPr id="4" name="Tabla 4">
+            <a:extLst>
+              <a:ext uri="{FF2B5EF4-FFF2-40B4-BE49-F238E27FC236}">
+                <a16:creationId xmlns:a16="http://schemas.microsoft.com/office/drawing/2014/main" id="{3275B20B-304D-3645-A6E7-687160D9B56D}"/>
+              </a:ext>
+            </a:extLst>
+          </p:cNvPr>
+          <p:cNvGraphicFramePr>
+            <a:graphicFrameLocks noGrp="1"/>
+          </p:cNvGraphicFramePr>
+          <p:nvPr>
+            <p:ph idx="1"/>
+          </p:nvPr>
+        </p:nvGraphicFramePr>
+        <p:xfrm>
+          <a:off x="5118100" y="803275"/>
+          <a:ext cx="6281738" cy="3754120"/>
+        </p:xfrm>
+        <a:graphic>
+          <a:graphicData uri="http://schemas.openxmlformats.org/drawingml/2006/table">
+            <a:tbl>
+              <a:tblPr firstRow="1" bandRow="1">
+                <a:tableStyleId>{5C22544A-7EE6-4342-B048-85BDC9FD1C3A}</a:tableStyleId>
+              </a:tblPr>
+              <a:tblGrid>
+                <a:gridCol w="3140869">
+                  <a:extLst>
+                    <a:ext uri="{9D8B030D-6E8A-4147-A177-3AD203B41FA5}">
+                      <a16:colId xmlns:a16="http://schemas.microsoft.com/office/drawing/2014/main" val="2405063638"/>
+                    </a:ext>
+                  </a:extLst>
+                </a:gridCol>
+                <a:gridCol w="3140869">
+                  <a:extLst>
+                    <a:ext uri="{9D8B030D-6E8A-4147-A177-3AD203B41FA5}">
+                      <a16:colId xmlns:a16="http://schemas.microsoft.com/office/drawing/2014/main" val="3099478781"/>
+                    </a:ext>
+                  </a:extLst>
+                </a:gridCol>
+              </a:tblGrid>
+              <a:tr h="370840">
+                <a:tc>
+                  <a:txBody>
+                    <a:bodyPr/>
+                    <a:lstStyle/>
+                    <a:p>
+                      <a:r>
+                        <a:rPr lang="es-CO" dirty="0"/>
+                        <a:t>Identificación del requerimiento</a:t>
+                      </a:r>
+                    </a:p>
+                  </a:txBody>
+                  <a:tcPr/>
+                </a:tc>
+                <a:tc>
+                  <a:txBody>
+                    <a:bodyPr/>
+                    <a:lstStyle/>
+                    <a:p>
+                      <a:r>
+                        <a:rPr lang="es-CO" dirty="0"/>
+                        <a:t>RNF06</a:t>
+                      </a:r>
+                    </a:p>
+                  </a:txBody>
+                  <a:tcPr/>
+                </a:tc>
+                <a:extLst>
+                  <a:ext uri="{0D108BD9-81ED-4DB2-BD59-A6C34878D82A}">
+                    <a16:rowId xmlns:a16="http://schemas.microsoft.com/office/drawing/2014/main" val="3120795479"/>
+                  </a:ext>
+                </a:extLst>
+              </a:tr>
+              <a:tr h="370840">
+                <a:tc>
+                  <a:txBody>
+                    <a:bodyPr/>
+                    <a:lstStyle/>
+                    <a:p>
+                      <a:r>
+                        <a:rPr lang="es-CO" dirty="0"/>
+                        <a:t>Nombre del requerimiento</a:t>
+                      </a:r>
+                    </a:p>
+                  </a:txBody>
+                  <a:tcPr/>
+                </a:tc>
+                <a:tc>
+                  <a:txBody>
+                    <a:bodyPr/>
+                    <a:lstStyle/>
+                    <a:p>
+                      <a:r>
+                        <a:rPr lang="es-CO" dirty="0"/>
+                        <a:t>Navegabilidad</a:t>
+                      </a:r>
+                    </a:p>
+                  </a:txBody>
+                  <a:tcPr/>
+                </a:tc>
+                <a:extLst>
+                  <a:ext uri="{0D108BD9-81ED-4DB2-BD59-A6C34878D82A}">
+                    <a16:rowId xmlns:a16="http://schemas.microsoft.com/office/drawing/2014/main" val="1343925762"/>
+                  </a:ext>
+                </a:extLst>
+              </a:tr>
+              <a:tr h="370840">
+                <a:tc>
+                  <a:txBody>
+                    <a:bodyPr/>
+                    <a:lstStyle/>
+                    <a:p>
+                      <a:r>
+                        <a:rPr lang="es-CO" dirty="0"/>
+                        <a:t>Caracterísitcas</a:t>
+                      </a:r>
+                    </a:p>
+                  </a:txBody>
+                  <a:tcPr/>
+                </a:tc>
+                <a:tc>
+                  <a:txBody>
+                    <a:bodyPr/>
+                    <a:lstStyle/>
+                    <a:p>
+                      <a:r>
+                        <a:rPr lang="es-CO" dirty="0"/>
+                        <a:t>El sistema debe ser compatible con cualquirre navegador</a:t>
+                      </a:r>
+                    </a:p>
+                  </a:txBody>
+                  <a:tcPr/>
+                </a:tc>
+                <a:extLst>
+                  <a:ext uri="{0D108BD9-81ED-4DB2-BD59-A6C34878D82A}">
+                    <a16:rowId xmlns:a16="http://schemas.microsoft.com/office/drawing/2014/main" val="769886354"/>
+                  </a:ext>
+                </a:extLst>
+              </a:tr>
+              <a:tr h="370840">
+                <a:tc>
+                  <a:txBody>
+                    <a:bodyPr/>
+                    <a:lstStyle/>
+                    <a:p>
+                      <a:r>
+                        <a:rPr lang="es-CO" dirty="0"/>
+                        <a:t>Descripción del requerimiento</a:t>
+                      </a:r>
+                    </a:p>
+                  </a:txBody>
+                  <a:tcPr/>
+                </a:tc>
+                <a:tc>
+                  <a:txBody>
+                    <a:bodyPr/>
+                    <a:lstStyle/>
+                    <a:p>
+                      <a:r>
+                        <a:rPr lang="es-CO" dirty="0"/>
+                        <a:t>El usuario puede navegar a través de safari, Chrome, Yandex, Modzila, Opera, entre otros.</a:t>
+                      </a:r>
+                    </a:p>
+                  </a:txBody>
+                  <a:tcPr/>
+                </a:tc>
+                <a:extLst>
+                  <a:ext uri="{0D108BD9-81ED-4DB2-BD59-A6C34878D82A}">
+                    <a16:rowId xmlns:a16="http://schemas.microsoft.com/office/drawing/2014/main" val="2397840479"/>
+                  </a:ext>
+                </a:extLst>
+              </a:tr>
+              <a:tr h="370840">
+                <a:tc>
+                  <a:txBody>
+                    <a:bodyPr/>
+                    <a:lstStyle/>
+                    <a:p>
+                      <a:r>
+                        <a:rPr lang="es-CO" dirty="0"/>
+                        <a:t>Prioridad del requerimiento</a:t>
+                      </a:r>
+                    </a:p>
+                  </a:txBody>
+                  <a:tcPr/>
+                </a:tc>
+                <a:tc>
+                  <a:txBody>
+                    <a:bodyPr/>
+                    <a:lstStyle/>
+                    <a:p>
+                      <a:r>
+                        <a:rPr lang="es-CO" dirty="0"/>
+                        <a:t>Alta</a:t>
+                      </a:r>
+                    </a:p>
+                  </a:txBody>
+                  <a:tcPr/>
+                </a:tc>
+                <a:extLst>
+                  <a:ext uri="{0D108BD9-81ED-4DB2-BD59-A6C34878D82A}">
+                    <a16:rowId xmlns:a16="http://schemas.microsoft.com/office/drawing/2014/main" val="1876826554"/>
+                  </a:ext>
+                </a:extLst>
+              </a:tr>
+            </a:tbl>
+          </a:graphicData>
+        </a:graphic>
+      </p:graphicFrame>
+    </p:spTree>
+    <p:extLst>
+      <p:ext uri="{BB962C8B-B14F-4D97-AF65-F5344CB8AC3E}">
+        <p14:creationId xmlns:p14="http://schemas.microsoft.com/office/powerpoint/2010/main" val="2937608903"/>
+      </p:ext>
+    </p:extLst>
+  </p:cSld>
+  <p:clrMapOvr>
+    <a:masterClrMapping/>
+  </p:clrMapOvr>
+</p:sld>
+</file>
+
+<file path=ppt/slides/slide53.xml><?xml version="1.0" encoding="utf-8"?>
+<p:sld xmlns:a="http://schemas.openxmlformats.org/drawingml/2006/main" xmlns:r="http://schemas.openxmlformats.org/officeDocument/2006/relationships" xmlns:p="http://schemas.openxmlformats.org/presentationml/2006/main">
+  <p:cSld>
+    <p:spTree>
+      <p:nvGrpSpPr>
+        <p:cNvPr id="1" name=""/>
+        <p:cNvGrpSpPr/>
+        <p:nvPr/>
+      </p:nvGrpSpPr>
+      <p:grpSpPr>
+        <a:xfrm>
+          <a:off x="0" y="0"/>
+          <a:ext cx="0" cy="0"/>
+          <a:chOff x="0" y="0"/>
+          <a:chExt cx="0" cy="0"/>
+        </a:xfrm>
+      </p:grpSpPr>
+      <p:sp>
+        <p:nvSpPr>
+          <p:cNvPr id="2" name="Título 1">
+            <a:extLst>
+              <a:ext uri="{FF2B5EF4-FFF2-40B4-BE49-F238E27FC236}">
                 <a16:creationId xmlns:a16="http://schemas.microsoft.com/office/drawing/2014/main" id="{0DF8FDDE-7FF6-114B-95BB-26E67991BA49}"/>
               </a:ext>
             </a:extLst>
@@ -20609,7 +25523,7 @@
                     <a:p>
                       <a:r>
                         <a:rPr lang="es-CO" dirty="0"/>
-                        <a:t>RNF04</a:t>
+                        <a:t>RNF07</a:t>
                       </a:r>
                     </a:p>
                   </a:txBody>
@@ -20760,7 +25674,7 @@
     </p:spTree>
     <p:extLst>
       <p:ext uri="{BB962C8B-B14F-4D97-AF65-F5344CB8AC3E}">
-        <p14:creationId xmlns:p14="http://schemas.microsoft.com/office/powerpoint/2010/main" val="3610143601"/>
+        <p14:creationId xmlns:p14="http://schemas.microsoft.com/office/powerpoint/2010/main" val="212009857"/>
       </p:ext>
     </p:extLst>
   </p:cSld>
@@ -20770,7 +25684,7 @@
 </p:sld>
 </file>
 
-<file path=ppt/slides/slide41.xml><?xml version="1.0" encoding="utf-8"?>
+<file path=ppt/slides/slide54.xml><?xml version="1.0" encoding="utf-8"?>
 <p:sld xmlns:a="http://schemas.openxmlformats.org/drawingml/2006/main" xmlns:r="http://schemas.openxmlformats.org/officeDocument/2006/relationships" xmlns:p="http://schemas.openxmlformats.org/presentationml/2006/main">
   <p:cSld>
     <p:spTree>
@@ -20882,7 +25796,7 @@
                     <a:p>
                       <a:r>
                         <a:rPr lang="es-CO" dirty="0"/>
-                        <a:t>RNF05</a:t>
+                        <a:t>RNF08</a:t>
                       </a:r>
                     </a:p>
                   </a:txBody>
@@ -21050,7 +25964,7 @@
     </p:spTree>
     <p:extLst>
       <p:ext uri="{BB962C8B-B14F-4D97-AF65-F5344CB8AC3E}">
-        <p14:creationId xmlns:p14="http://schemas.microsoft.com/office/powerpoint/2010/main" val="3187345233"/>
+        <p14:creationId xmlns:p14="http://schemas.microsoft.com/office/powerpoint/2010/main" val="4007938138"/>
       </p:ext>
     </p:extLst>
   </p:cSld>
@@ -21060,7 +25974,1389 @@
 </p:sld>
 </file>
 
-<file path=ppt/slides/slide42.xml><?xml version="1.0" encoding="utf-8"?>
+<file path=ppt/slides/slide55.xml><?xml version="1.0" encoding="utf-8"?>
+<p:sld xmlns:a="http://schemas.openxmlformats.org/drawingml/2006/main" xmlns:r="http://schemas.openxmlformats.org/officeDocument/2006/relationships" xmlns:p="http://schemas.openxmlformats.org/presentationml/2006/main">
+  <p:cSld>
+    <p:spTree>
+      <p:nvGrpSpPr>
+        <p:cNvPr id="1" name=""/>
+        <p:cNvGrpSpPr/>
+        <p:nvPr/>
+      </p:nvGrpSpPr>
+      <p:grpSpPr>
+        <a:xfrm>
+          <a:off x="0" y="0"/>
+          <a:ext cx="0" cy="0"/>
+          <a:chOff x="0" y="0"/>
+          <a:chExt cx="0" cy="0"/>
+        </a:xfrm>
+      </p:grpSpPr>
+      <p:sp>
+        <p:nvSpPr>
+          <p:cNvPr id="2" name="Título 1">
+            <a:extLst>
+              <a:ext uri="{FF2B5EF4-FFF2-40B4-BE49-F238E27FC236}">
+                <a16:creationId xmlns:a16="http://schemas.microsoft.com/office/drawing/2014/main" id="{0DF8FDDE-7FF6-114B-95BB-26E67991BA49}"/>
+              </a:ext>
+            </a:extLst>
+          </p:cNvPr>
+          <p:cNvSpPr>
+            <a:spLocks noGrp="1"/>
+          </p:cNvSpPr>
+          <p:nvPr>
+            <p:ph type="title"/>
+          </p:nvPr>
+        </p:nvSpPr>
+        <p:spPr/>
+        <p:txBody>
+          <a:bodyPr/>
+          <a:lstStyle/>
+          <a:p>
+            <a:r>
+              <a:rPr lang="es-CO"/>
+              <a:t>Requerimientos </a:t>
+            </a:r>
+            <a:r>
+              <a:rPr lang="es-CO" dirty="0"/>
+              <a:t>no funcionales</a:t>
+            </a:r>
+          </a:p>
+        </p:txBody>
+      </p:sp>
+      <p:graphicFrame>
+        <p:nvGraphicFramePr>
+          <p:cNvPr id="4" name="Tabla 4">
+            <a:extLst>
+              <a:ext uri="{FF2B5EF4-FFF2-40B4-BE49-F238E27FC236}">
+                <a16:creationId xmlns:a16="http://schemas.microsoft.com/office/drawing/2014/main" id="{3275B20B-304D-3645-A6E7-687160D9B56D}"/>
+              </a:ext>
+            </a:extLst>
+          </p:cNvPr>
+          <p:cNvGraphicFramePr>
+            <a:graphicFrameLocks noGrp="1"/>
+          </p:cNvGraphicFramePr>
+          <p:nvPr>
+            <p:ph idx="1"/>
+          </p:nvPr>
+        </p:nvGraphicFramePr>
+        <p:xfrm>
+          <a:off x="5118100" y="803275"/>
+          <a:ext cx="6281738" cy="3479800"/>
+        </p:xfrm>
+        <a:graphic>
+          <a:graphicData uri="http://schemas.openxmlformats.org/drawingml/2006/table">
+            <a:tbl>
+              <a:tblPr firstRow="1" bandRow="1">
+                <a:tableStyleId>{5C22544A-7EE6-4342-B048-85BDC9FD1C3A}</a:tableStyleId>
+              </a:tblPr>
+              <a:tblGrid>
+                <a:gridCol w="3140869">
+                  <a:extLst>
+                    <a:ext uri="{9D8B030D-6E8A-4147-A177-3AD203B41FA5}">
+                      <a16:colId xmlns:a16="http://schemas.microsoft.com/office/drawing/2014/main" val="2405063638"/>
+                    </a:ext>
+                  </a:extLst>
+                </a:gridCol>
+                <a:gridCol w="3140869">
+                  <a:extLst>
+                    <a:ext uri="{9D8B030D-6E8A-4147-A177-3AD203B41FA5}">
+                      <a16:colId xmlns:a16="http://schemas.microsoft.com/office/drawing/2014/main" val="3099478781"/>
+                    </a:ext>
+                  </a:extLst>
+                </a:gridCol>
+              </a:tblGrid>
+              <a:tr h="370840">
+                <a:tc>
+                  <a:txBody>
+                    <a:bodyPr/>
+                    <a:lstStyle/>
+                    <a:p>
+                      <a:r>
+                        <a:rPr lang="es-CO" dirty="0"/>
+                        <a:t>Identificación del requerimiento</a:t>
+                      </a:r>
+                    </a:p>
+                  </a:txBody>
+                  <a:tcPr/>
+                </a:tc>
+                <a:tc>
+                  <a:txBody>
+                    <a:bodyPr/>
+                    <a:lstStyle/>
+                    <a:p>
+                      <a:r>
+                        <a:rPr lang="es-CO" dirty="0"/>
+                        <a:t>RNF09</a:t>
+                      </a:r>
+                    </a:p>
+                  </a:txBody>
+                  <a:tcPr/>
+                </a:tc>
+                <a:extLst>
+                  <a:ext uri="{0D108BD9-81ED-4DB2-BD59-A6C34878D82A}">
+                    <a16:rowId xmlns:a16="http://schemas.microsoft.com/office/drawing/2014/main" val="3120795479"/>
+                  </a:ext>
+                </a:extLst>
+              </a:tr>
+              <a:tr h="370840">
+                <a:tc>
+                  <a:txBody>
+                    <a:bodyPr/>
+                    <a:lstStyle/>
+                    <a:p>
+                      <a:r>
+                        <a:rPr lang="es-CO" dirty="0"/>
+                        <a:t>Nombre del requerimiento</a:t>
+                      </a:r>
+                    </a:p>
+                  </a:txBody>
+                  <a:tcPr/>
+                </a:tc>
+                <a:tc>
+                  <a:txBody>
+                    <a:bodyPr/>
+                    <a:lstStyle/>
+                    <a:p>
+                      <a:r>
+                        <a:rPr lang="es-CO" dirty="0"/>
+                        <a:t>Idioma del sistema</a:t>
+                      </a:r>
+                    </a:p>
+                  </a:txBody>
+                  <a:tcPr/>
+                </a:tc>
+                <a:extLst>
+                  <a:ext uri="{0D108BD9-81ED-4DB2-BD59-A6C34878D82A}">
+                    <a16:rowId xmlns:a16="http://schemas.microsoft.com/office/drawing/2014/main" val="1343925762"/>
+                  </a:ext>
+                </a:extLst>
+              </a:tr>
+              <a:tr h="370840">
+                <a:tc>
+                  <a:txBody>
+                    <a:bodyPr/>
+                    <a:lstStyle/>
+                    <a:p>
+                      <a:r>
+                        <a:rPr lang="es-CO" dirty="0"/>
+                        <a:t>Caracterísitcas</a:t>
+                      </a:r>
+                    </a:p>
+                  </a:txBody>
+                  <a:tcPr/>
+                </a:tc>
+                <a:tc>
+                  <a:txBody>
+                    <a:bodyPr/>
+                    <a:lstStyle/>
+                    <a:p>
+                      <a:r>
+                        <a:rPr lang="es-CO" dirty="0"/>
+                        <a:t>El sistema debe estar en inglés y español</a:t>
+                      </a:r>
+                    </a:p>
+                  </a:txBody>
+                  <a:tcPr/>
+                </a:tc>
+                <a:extLst>
+                  <a:ext uri="{0D108BD9-81ED-4DB2-BD59-A6C34878D82A}">
+                    <a16:rowId xmlns:a16="http://schemas.microsoft.com/office/drawing/2014/main" val="769886354"/>
+                  </a:ext>
+                </a:extLst>
+              </a:tr>
+              <a:tr h="370840">
+                <a:tc>
+                  <a:txBody>
+                    <a:bodyPr/>
+                    <a:lstStyle/>
+                    <a:p>
+                      <a:r>
+                        <a:rPr lang="es-CO" dirty="0"/>
+                        <a:t>Descripción del requerimiento</a:t>
+                      </a:r>
+                    </a:p>
+                  </a:txBody>
+                  <a:tcPr/>
+                </a:tc>
+                <a:tc>
+                  <a:txBody>
+                    <a:bodyPr/>
+                    <a:lstStyle/>
+                    <a:p>
+                      <a:pPr marL="0" marR="0" lvl="0" indent="0" algn="l" defTabSz="914400" rtl="0" eaLnBrk="1" fontAlgn="auto" latinLnBrk="0" hangingPunct="1">
+                        <a:lnSpc>
+                          <a:spcPct val="100000"/>
+                        </a:lnSpc>
+                        <a:spcBef>
+                          <a:spcPts val="0"/>
+                        </a:spcBef>
+                        <a:spcAft>
+                          <a:spcPts val="0"/>
+                        </a:spcAft>
+                        <a:buClrTx/>
+                        <a:buSzTx/>
+                        <a:buFontTx/>
+                        <a:buNone/>
+                        <a:tabLst/>
+                        <a:defRPr/>
+                      </a:pPr>
+                      <a:r>
+                        <a:rPr lang="es-CO" dirty="0"/>
+                        <a:t>La información contenida dentro del sistema debe estar en inglés y en español.</a:t>
+                      </a:r>
+                    </a:p>
+                  </a:txBody>
+                  <a:tcPr/>
+                </a:tc>
+                <a:extLst>
+                  <a:ext uri="{0D108BD9-81ED-4DB2-BD59-A6C34878D82A}">
+                    <a16:rowId xmlns:a16="http://schemas.microsoft.com/office/drawing/2014/main" val="2397840479"/>
+                  </a:ext>
+                </a:extLst>
+              </a:tr>
+              <a:tr h="370840">
+                <a:tc>
+                  <a:txBody>
+                    <a:bodyPr/>
+                    <a:lstStyle/>
+                    <a:p>
+                      <a:r>
+                        <a:rPr lang="es-CO" dirty="0"/>
+                        <a:t>Prioridad del requerimiento</a:t>
+                      </a:r>
+                    </a:p>
+                  </a:txBody>
+                  <a:tcPr/>
+                </a:tc>
+                <a:tc>
+                  <a:txBody>
+                    <a:bodyPr/>
+                    <a:lstStyle/>
+                    <a:p>
+                      <a:r>
+                        <a:rPr lang="es-CO" dirty="0"/>
+                        <a:t>Alta</a:t>
+                      </a:r>
+                    </a:p>
+                  </a:txBody>
+                  <a:tcPr/>
+                </a:tc>
+                <a:extLst>
+                  <a:ext uri="{0D108BD9-81ED-4DB2-BD59-A6C34878D82A}">
+                    <a16:rowId xmlns:a16="http://schemas.microsoft.com/office/drawing/2014/main" val="1876826554"/>
+                  </a:ext>
+                </a:extLst>
+              </a:tr>
+            </a:tbl>
+          </a:graphicData>
+        </a:graphic>
+      </p:graphicFrame>
+    </p:spTree>
+    <p:extLst>
+      <p:ext uri="{BB962C8B-B14F-4D97-AF65-F5344CB8AC3E}">
+        <p14:creationId xmlns:p14="http://schemas.microsoft.com/office/powerpoint/2010/main" val="1916914389"/>
+      </p:ext>
+    </p:extLst>
+  </p:cSld>
+  <p:clrMapOvr>
+    <a:masterClrMapping/>
+  </p:clrMapOvr>
+</p:sld>
+</file>
+
+<file path=ppt/slides/slide56.xml><?xml version="1.0" encoding="utf-8"?>
+<p:sld xmlns:a="http://schemas.openxmlformats.org/drawingml/2006/main" xmlns:r="http://schemas.openxmlformats.org/officeDocument/2006/relationships" xmlns:p="http://schemas.openxmlformats.org/presentationml/2006/main">
+  <p:cSld>
+    <p:spTree>
+      <p:nvGrpSpPr>
+        <p:cNvPr id="1" name=""/>
+        <p:cNvGrpSpPr/>
+        <p:nvPr/>
+      </p:nvGrpSpPr>
+      <p:grpSpPr>
+        <a:xfrm>
+          <a:off x="0" y="0"/>
+          <a:ext cx="0" cy="0"/>
+          <a:chOff x="0" y="0"/>
+          <a:chExt cx="0" cy="0"/>
+        </a:xfrm>
+      </p:grpSpPr>
+      <p:sp>
+        <p:nvSpPr>
+          <p:cNvPr id="2" name="Título 1">
+            <a:extLst>
+              <a:ext uri="{FF2B5EF4-FFF2-40B4-BE49-F238E27FC236}">
+                <a16:creationId xmlns:a16="http://schemas.microsoft.com/office/drawing/2014/main" id="{0DF8FDDE-7FF6-114B-95BB-26E67991BA49}"/>
+              </a:ext>
+            </a:extLst>
+          </p:cNvPr>
+          <p:cNvSpPr>
+            <a:spLocks noGrp="1"/>
+          </p:cNvSpPr>
+          <p:nvPr>
+            <p:ph type="title"/>
+          </p:nvPr>
+        </p:nvSpPr>
+        <p:spPr/>
+        <p:txBody>
+          <a:bodyPr/>
+          <a:lstStyle/>
+          <a:p>
+            <a:r>
+              <a:rPr lang="es-CO"/>
+              <a:t>Requerimientos </a:t>
+            </a:r>
+            <a:r>
+              <a:rPr lang="es-CO" dirty="0"/>
+              <a:t>no funcionales</a:t>
+            </a:r>
+          </a:p>
+        </p:txBody>
+      </p:sp>
+      <p:graphicFrame>
+        <p:nvGraphicFramePr>
+          <p:cNvPr id="4" name="Tabla 4">
+            <a:extLst>
+              <a:ext uri="{FF2B5EF4-FFF2-40B4-BE49-F238E27FC236}">
+                <a16:creationId xmlns:a16="http://schemas.microsoft.com/office/drawing/2014/main" id="{3275B20B-304D-3645-A6E7-687160D9B56D}"/>
+              </a:ext>
+            </a:extLst>
+          </p:cNvPr>
+          <p:cNvGraphicFramePr>
+            <a:graphicFrameLocks noGrp="1"/>
+          </p:cNvGraphicFramePr>
+          <p:nvPr>
+            <p:ph idx="1"/>
+          </p:nvPr>
+        </p:nvGraphicFramePr>
+        <p:xfrm>
+          <a:off x="5118100" y="803275"/>
+          <a:ext cx="6281738" cy="3205480"/>
+        </p:xfrm>
+        <a:graphic>
+          <a:graphicData uri="http://schemas.openxmlformats.org/drawingml/2006/table">
+            <a:tbl>
+              <a:tblPr firstRow="1" bandRow="1">
+                <a:tableStyleId>{5C22544A-7EE6-4342-B048-85BDC9FD1C3A}</a:tableStyleId>
+              </a:tblPr>
+              <a:tblGrid>
+                <a:gridCol w="3140869">
+                  <a:extLst>
+                    <a:ext uri="{9D8B030D-6E8A-4147-A177-3AD203B41FA5}">
+                      <a16:colId xmlns:a16="http://schemas.microsoft.com/office/drawing/2014/main" val="2405063638"/>
+                    </a:ext>
+                  </a:extLst>
+                </a:gridCol>
+                <a:gridCol w="3140869">
+                  <a:extLst>
+                    <a:ext uri="{9D8B030D-6E8A-4147-A177-3AD203B41FA5}">
+                      <a16:colId xmlns:a16="http://schemas.microsoft.com/office/drawing/2014/main" val="3099478781"/>
+                    </a:ext>
+                  </a:extLst>
+                </a:gridCol>
+              </a:tblGrid>
+              <a:tr h="370840">
+                <a:tc>
+                  <a:txBody>
+                    <a:bodyPr/>
+                    <a:lstStyle/>
+                    <a:p>
+                      <a:r>
+                        <a:rPr lang="es-CO" dirty="0"/>
+                        <a:t>Identificación del requerimiento</a:t>
+                      </a:r>
+                    </a:p>
+                  </a:txBody>
+                  <a:tcPr/>
+                </a:tc>
+                <a:tc>
+                  <a:txBody>
+                    <a:bodyPr/>
+                    <a:lstStyle/>
+                    <a:p>
+                      <a:r>
+                        <a:rPr lang="es-CO" dirty="0"/>
+                        <a:t>RNF010</a:t>
+                      </a:r>
+                    </a:p>
+                  </a:txBody>
+                  <a:tcPr/>
+                </a:tc>
+                <a:extLst>
+                  <a:ext uri="{0D108BD9-81ED-4DB2-BD59-A6C34878D82A}">
+                    <a16:rowId xmlns:a16="http://schemas.microsoft.com/office/drawing/2014/main" val="3120795479"/>
+                  </a:ext>
+                </a:extLst>
+              </a:tr>
+              <a:tr h="370840">
+                <a:tc>
+                  <a:txBody>
+                    <a:bodyPr/>
+                    <a:lstStyle/>
+                    <a:p>
+                      <a:r>
+                        <a:rPr lang="es-CO" dirty="0"/>
+                        <a:t>Nombre del requerimiento</a:t>
+                      </a:r>
+                    </a:p>
+                  </a:txBody>
+                  <a:tcPr/>
+                </a:tc>
+                <a:tc>
+                  <a:txBody>
+                    <a:bodyPr/>
+                    <a:lstStyle/>
+                    <a:p>
+                      <a:r>
+                        <a:rPr lang="es-CO" dirty="0"/>
+                        <a:t>Extensibilidad</a:t>
+                      </a:r>
+                    </a:p>
+                  </a:txBody>
+                  <a:tcPr/>
+                </a:tc>
+                <a:extLst>
+                  <a:ext uri="{0D108BD9-81ED-4DB2-BD59-A6C34878D82A}">
+                    <a16:rowId xmlns:a16="http://schemas.microsoft.com/office/drawing/2014/main" val="1343925762"/>
+                  </a:ext>
+                </a:extLst>
+              </a:tr>
+              <a:tr h="370840">
+                <a:tc>
+                  <a:txBody>
+                    <a:bodyPr/>
+                    <a:lstStyle/>
+                    <a:p>
+                      <a:r>
+                        <a:rPr lang="es-CO" dirty="0"/>
+                        <a:t>Caracterísitcas</a:t>
+                      </a:r>
+                    </a:p>
+                  </a:txBody>
+                  <a:tcPr/>
+                </a:tc>
+                <a:tc>
+                  <a:txBody>
+                    <a:bodyPr/>
+                    <a:lstStyle/>
+                    <a:p>
+                      <a:r>
+                        <a:rPr lang="es-CO" dirty="0"/>
+                        <a:t>El sistema debe aceptar  cambios.</a:t>
+                      </a:r>
+                    </a:p>
+                  </a:txBody>
+                  <a:tcPr/>
+                </a:tc>
+                <a:extLst>
+                  <a:ext uri="{0D108BD9-81ED-4DB2-BD59-A6C34878D82A}">
+                    <a16:rowId xmlns:a16="http://schemas.microsoft.com/office/drawing/2014/main" val="769886354"/>
+                  </a:ext>
+                </a:extLst>
+              </a:tr>
+              <a:tr h="370840">
+                <a:tc>
+                  <a:txBody>
+                    <a:bodyPr/>
+                    <a:lstStyle/>
+                    <a:p>
+                      <a:r>
+                        <a:rPr lang="es-CO" dirty="0"/>
+                        <a:t>Descripción del requerimiento</a:t>
+                      </a:r>
+                    </a:p>
+                  </a:txBody>
+                  <a:tcPr/>
+                </a:tc>
+                <a:tc>
+                  <a:txBody>
+                    <a:bodyPr/>
+                    <a:lstStyle/>
+                    <a:p>
+                      <a:r>
+                        <a:rPr lang="es-CO" dirty="0"/>
+                        <a:t>El usuario administrador podrá incluir nuevas funciones del sistema.</a:t>
+                      </a:r>
+                    </a:p>
+                  </a:txBody>
+                  <a:tcPr/>
+                </a:tc>
+                <a:extLst>
+                  <a:ext uri="{0D108BD9-81ED-4DB2-BD59-A6C34878D82A}">
+                    <a16:rowId xmlns:a16="http://schemas.microsoft.com/office/drawing/2014/main" val="2397840479"/>
+                  </a:ext>
+                </a:extLst>
+              </a:tr>
+              <a:tr h="370840">
+                <a:tc>
+                  <a:txBody>
+                    <a:bodyPr/>
+                    <a:lstStyle/>
+                    <a:p>
+                      <a:r>
+                        <a:rPr lang="es-CO" dirty="0"/>
+                        <a:t>Prioridad del requerimiento</a:t>
+                      </a:r>
+                    </a:p>
+                  </a:txBody>
+                  <a:tcPr/>
+                </a:tc>
+                <a:tc>
+                  <a:txBody>
+                    <a:bodyPr/>
+                    <a:lstStyle/>
+                    <a:p>
+                      <a:r>
+                        <a:rPr lang="es-CO" dirty="0"/>
+                        <a:t>Media</a:t>
+                      </a:r>
+                    </a:p>
+                  </a:txBody>
+                  <a:tcPr/>
+                </a:tc>
+                <a:extLst>
+                  <a:ext uri="{0D108BD9-81ED-4DB2-BD59-A6C34878D82A}">
+                    <a16:rowId xmlns:a16="http://schemas.microsoft.com/office/drawing/2014/main" val="1876826554"/>
+                  </a:ext>
+                </a:extLst>
+              </a:tr>
+            </a:tbl>
+          </a:graphicData>
+        </a:graphic>
+      </p:graphicFrame>
+    </p:spTree>
+    <p:extLst>
+      <p:ext uri="{BB962C8B-B14F-4D97-AF65-F5344CB8AC3E}">
+        <p14:creationId xmlns:p14="http://schemas.microsoft.com/office/powerpoint/2010/main" val="966399419"/>
+      </p:ext>
+    </p:extLst>
+  </p:cSld>
+  <p:clrMapOvr>
+    <a:masterClrMapping/>
+  </p:clrMapOvr>
+</p:sld>
+</file>
+
+<file path=ppt/slides/slide57.xml><?xml version="1.0" encoding="utf-8"?>
+<p:sld xmlns:a="http://schemas.openxmlformats.org/drawingml/2006/main" xmlns:r="http://schemas.openxmlformats.org/officeDocument/2006/relationships" xmlns:p="http://schemas.openxmlformats.org/presentationml/2006/main">
+  <p:cSld>
+    <p:spTree>
+      <p:nvGrpSpPr>
+        <p:cNvPr id="1" name=""/>
+        <p:cNvGrpSpPr/>
+        <p:nvPr/>
+      </p:nvGrpSpPr>
+      <p:grpSpPr>
+        <a:xfrm>
+          <a:off x="0" y="0"/>
+          <a:ext cx="0" cy="0"/>
+          <a:chOff x="0" y="0"/>
+          <a:chExt cx="0" cy="0"/>
+        </a:xfrm>
+      </p:grpSpPr>
+      <p:sp>
+        <p:nvSpPr>
+          <p:cNvPr id="2" name="Título 1">
+            <a:extLst>
+              <a:ext uri="{FF2B5EF4-FFF2-40B4-BE49-F238E27FC236}">
+                <a16:creationId xmlns:a16="http://schemas.microsoft.com/office/drawing/2014/main" id="{0DF8FDDE-7FF6-114B-95BB-26E67991BA49}"/>
+              </a:ext>
+            </a:extLst>
+          </p:cNvPr>
+          <p:cNvSpPr>
+            <a:spLocks noGrp="1"/>
+          </p:cNvSpPr>
+          <p:nvPr>
+            <p:ph type="title"/>
+          </p:nvPr>
+        </p:nvSpPr>
+        <p:spPr/>
+        <p:txBody>
+          <a:bodyPr/>
+          <a:lstStyle/>
+          <a:p>
+            <a:r>
+              <a:rPr lang="es-CO"/>
+              <a:t>Requerimientos </a:t>
+            </a:r>
+            <a:r>
+              <a:rPr lang="es-CO" dirty="0"/>
+              <a:t>no funcionales</a:t>
+            </a:r>
+          </a:p>
+        </p:txBody>
+      </p:sp>
+      <p:graphicFrame>
+        <p:nvGraphicFramePr>
+          <p:cNvPr id="4" name="Tabla 4">
+            <a:extLst>
+              <a:ext uri="{FF2B5EF4-FFF2-40B4-BE49-F238E27FC236}">
+                <a16:creationId xmlns:a16="http://schemas.microsoft.com/office/drawing/2014/main" id="{3275B20B-304D-3645-A6E7-687160D9B56D}"/>
+              </a:ext>
+            </a:extLst>
+          </p:cNvPr>
+          <p:cNvGraphicFramePr>
+            <a:graphicFrameLocks noGrp="1"/>
+          </p:cNvGraphicFramePr>
+          <p:nvPr>
+            <p:ph idx="1"/>
+          </p:nvPr>
+        </p:nvGraphicFramePr>
+        <p:xfrm>
+          <a:off x="5118100" y="803275"/>
+          <a:ext cx="6281738" cy="3754120"/>
+        </p:xfrm>
+        <a:graphic>
+          <a:graphicData uri="http://schemas.openxmlformats.org/drawingml/2006/table">
+            <a:tbl>
+              <a:tblPr firstRow="1" bandRow="1">
+                <a:tableStyleId>{5C22544A-7EE6-4342-B048-85BDC9FD1C3A}</a:tableStyleId>
+              </a:tblPr>
+              <a:tblGrid>
+                <a:gridCol w="3140869">
+                  <a:extLst>
+                    <a:ext uri="{9D8B030D-6E8A-4147-A177-3AD203B41FA5}">
+                      <a16:colId xmlns:a16="http://schemas.microsoft.com/office/drawing/2014/main" val="2405063638"/>
+                    </a:ext>
+                  </a:extLst>
+                </a:gridCol>
+                <a:gridCol w="3140869">
+                  <a:extLst>
+                    <a:ext uri="{9D8B030D-6E8A-4147-A177-3AD203B41FA5}">
+                      <a16:colId xmlns:a16="http://schemas.microsoft.com/office/drawing/2014/main" val="3099478781"/>
+                    </a:ext>
+                  </a:extLst>
+                </a:gridCol>
+              </a:tblGrid>
+              <a:tr h="370840">
+                <a:tc>
+                  <a:txBody>
+                    <a:bodyPr/>
+                    <a:lstStyle/>
+                    <a:p>
+                      <a:r>
+                        <a:rPr lang="es-CO" dirty="0"/>
+                        <a:t>Identificación del requerimiento</a:t>
+                      </a:r>
+                    </a:p>
+                  </a:txBody>
+                  <a:tcPr/>
+                </a:tc>
+                <a:tc>
+                  <a:txBody>
+                    <a:bodyPr/>
+                    <a:lstStyle/>
+                    <a:p>
+                      <a:r>
+                        <a:rPr lang="es-CO" dirty="0"/>
+                        <a:t>RNF11</a:t>
+                      </a:r>
+                    </a:p>
+                  </a:txBody>
+                  <a:tcPr/>
+                </a:tc>
+                <a:extLst>
+                  <a:ext uri="{0D108BD9-81ED-4DB2-BD59-A6C34878D82A}">
+                    <a16:rowId xmlns:a16="http://schemas.microsoft.com/office/drawing/2014/main" val="3120795479"/>
+                  </a:ext>
+                </a:extLst>
+              </a:tr>
+              <a:tr h="370840">
+                <a:tc>
+                  <a:txBody>
+                    <a:bodyPr/>
+                    <a:lstStyle/>
+                    <a:p>
+                      <a:r>
+                        <a:rPr lang="es-CO" dirty="0"/>
+                        <a:t>Nombre del requerimiento</a:t>
+                      </a:r>
+                    </a:p>
+                  </a:txBody>
+                  <a:tcPr/>
+                </a:tc>
+                <a:tc>
+                  <a:txBody>
+                    <a:bodyPr/>
+                    <a:lstStyle/>
+                    <a:p>
+                      <a:r>
+                        <a:rPr lang="es-CO" dirty="0"/>
+                        <a:t>Seguridad</a:t>
+                      </a:r>
+                    </a:p>
+                  </a:txBody>
+                  <a:tcPr/>
+                </a:tc>
+                <a:extLst>
+                  <a:ext uri="{0D108BD9-81ED-4DB2-BD59-A6C34878D82A}">
+                    <a16:rowId xmlns:a16="http://schemas.microsoft.com/office/drawing/2014/main" val="1343925762"/>
+                  </a:ext>
+                </a:extLst>
+              </a:tr>
+              <a:tr h="370840">
+                <a:tc>
+                  <a:txBody>
+                    <a:bodyPr/>
+                    <a:lstStyle/>
+                    <a:p>
+                      <a:r>
+                        <a:rPr lang="es-CO" dirty="0"/>
+                        <a:t>Caracterísitcas</a:t>
+                      </a:r>
+                    </a:p>
+                  </a:txBody>
+                  <a:tcPr/>
+                </a:tc>
+                <a:tc>
+                  <a:txBody>
+                    <a:bodyPr/>
+                    <a:lstStyle/>
+                    <a:p>
+                      <a:r>
+                        <a:rPr lang="es-CO" dirty="0"/>
+                        <a:t>El sistema sólo podrá ser consultado por los usuarios registrados.</a:t>
+                      </a:r>
+                    </a:p>
+                  </a:txBody>
+                  <a:tcPr/>
+                </a:tc>
+                <a:extLst>
+                  <a:ext uri="{0D108BD9-81ED-4DB2-BD59-A6C34878D82A}">
+                    <a16:rowId xmlns:a16="http://schemas.microsoft.com/office/drawing/2014/main" val="769886354"/>
+                  </a:ext>
+                </a:extLst>
+              </a:tr>
+              <a:tr h="370840">
+                <a:tc>
+                  <a:txBody>
+                    <a:bodyPr/>
+                    <a:lstStyle/>
+                    <a:p>
+                      <a:r>
+                        <a:rPr lang="es-CO" dirty="0"/>
+                        <a:t>Descripción del requerimiento</a:t>
+                      </a:r>
+                    </a:p>
+                  </a:txBody>
+                  <a:tcPr/>
+                </a:tc>
+                <a:tc>
+                  <a:txBody>
+                    <a:bodyPr/>
+                    <a:lstStyle/>
+                    <a:p>
+                      <a:r>
+                        <a:rPr lang="es-CO" dirty="0"/>
+                        <a:t>Ninguna persona ajena a la comunidad académica podrá consultar la información del sistema.</a:t>
+                      </a:r>
+                    </a:p>
+                  </a:txBody>
+                  <a:tcPr/>
+                </a:tc>
+                <a:extLst>
+                  <a:ext uri="{0D108BD9-81ED-4DB2-BD59-A6C34878D82A}">
+                    <a16:rowId xmlns:a16="http://schemas.microsoft.com/office/drawing/2014/main" val="2397840479"/>
+                  </a:ext>
+                </a:extLst>
+              </a:tr>
+              <a:tr h="370840">
+                <a:tc>
+                  <a:txBody>
+                    <a:bodyPr/>
+                    <a:lstStyle/>
+                    <a:p>
+                      <a:r>
+                        <a:rPr lang="es-CO" dirty="0"/>
+                        <a:t>Prioridad del requerimiento</a:t>
+                      </a:r>
+                    </a:p>
+                  </a:txBody>
+                  <a:tcPr/>
+                </a:tc>
+                <a:tc>
+                  <a:txBody>
+                    <a:bodyPr/>
+                    <a:lstStyle/>
+                    <a:p>
+                      <a:r>
+                        <a:rPr lang="es-CO" dirty="0"/>
+                        <a:t>Alta</a:t>
+                      </a:r>
+                    </a:p>
+                  </a:txBody>
+                  <a:tcPr/>
+                </a:tc>
+                <a:extLst>
+                  <a:ext uri="{0D108BD9-81ED-4DB2-BD59-A6C34878D82A}">
+                    <a16:rowId xmlns:a16="http://schemas.microsoft.com/office/drawing/2014/main" val="1876826554"/>
+                  </a:ext>
+                </a:extLst>
+              </a:tr>
+            </a:tbl>
+          </a:graphicData>
+        </a:graphic>
+      </p:graphicFrame>
+    </p:spTree>
+    <p:extLst>
+      <p:ext uri="{BB962C8B-B14F-4D97-AF65-F5344CB8AC3E}">
+        <p14:creationId xmlns:p14="http://schemas.microsoft.com/office/powerpoint/2010/main" val="3469410659"/>
+      </p:ext>
+    </p:extLst>
+  </p:cSld>
+  <p:clrMapOvr>
+    <a:masterClrMapping/>
+  </p:clrMapOvr>
+</p:sld>
+</file>
+
+<file path=ppt/slides/slide58.xml><?xml version="1.0" encoding="utf-8"?>
+<p:sld xmlns:a="http://schemas.openxmlformats.org/drawingml/2006/main" xmlns:r="http://schemas.openxmlformats.org/officeDocument/2006/relationships" xmlns:p="http://schemas.openxmlformats.org/presentationml/2006/main">
+  <p:cSld>
+    <p:spTree>
+      <p:nvGrpSpPr>
+        <p:cNvPr id="1" name=""/>
+        <p:cNvGrpSpPr/>
+        <p:nvPr/>
+      </p:nvGrpSpPr>
+      <p:grpSpPr>
+        <a:xfrm>
+          <a:off x="0" y="0"/>
+          <a:ext cx="0" cy="0"/>
+          <a:chOff x="0" y="0"/>
+          <a:chExt cx="0" cy="0"/>
+        </a:xfrm>
+      </p:grpSpPr>
+      <p:sp>
+        <p:nvSpPr>
+          <p:cNvPr id="2" name="Título 1">
+            <a:extLst>
+              <a:ext uri="{FF2B5EF4-FFF2-40B4-BE49-F238E27FC236}">
+                <a16:creationId xmlns:a16="http://schemas.microsoft.com/office/drawing/2014/main" id="{0DF8FDDE-7FF6-114B-95BB-26E67991BA49}"/>
+              </a:ext>
+            </a:extLst>
+          </p:cNvPr>
+          <p:cNvSpPr>
+            <a:spLocks noGrp="1"/>
+          </p:cNvSpPr>
+          <p:nvPr>
+            <p:ph type="title"/>
+          </p:nvPr>
+        </p:nvSpPr>
+        <p:spPr/>
+        <p:txBody>
+          <a:bodyPr/>
+          <a:lstStyle/>
+          <a:p>
+            <a:r>
+              <a:rPr lang="es-CO"/>
+              <a:t>Requerimientos </a:t>
+            </a:r>
+            <a:r>
+              <a:rPr lang="es-CO" dirty="0"/>
+              <a:t>no funcionales</a:t>
+            </a:r>
+          </a:p>
+        </p:txBody>
+      </p:sp>
+      <p:graphicFrame>
+        <p:nvGraphicFramePr>
+          <p:cNvPr id="4" name="Tabla 4">
+            <a:extLst>
+              <a:ext uri="{FF2B5EF4-FFF2-40B4-BE49-F238E27FC236}">
+                <a16:creationId xmlns:a16="http://schemas.microsoft.com/office/drawing/2014/main" id="{3275B20B-304D-3645-A6E7-687160D9B56D}"/>
+              </a:ext>
+            </a:extLst>
+          </p:cNvPr>
+          <p:cNvGraphicFramePr>
+            <a:graphicFrameLocks noGrp="1"/>
+          </p:cNvGraphicFramePr>
+          <p:nvPr>
+            <p:ph idx="1"/>
+          </p:nvPr>
+        </p:nvGraphicFramePr>
+        <p:xfrm>
+          <a:off x="5118100" y="803275"/>
+          <a:ext cx="6281738" cy="3754120"/>
+        </p:xfrm>
+        <a:graphic>
+          <a:graphicData uri="http://schemas.openxmlformats.org/drawingml/2006/table">
+            <a:tbl>
+              <a:tblPr firstRow="1" bandRow="1">
+                <a:tableStyleId>{5C22544A-7EE6-4342-B048-85BDC9FD1C3A}</a:tableStyleId>
+              </a:tblPr>
+              <a:tblGrid>
+                <a:gridCol w="3140869">
+                  <a:extLst>
+                    <a:ext uri="{9D8B030D-6E8A-4147-A177-3AD203B41FA5}">
+                      <a16:colId xmlns:a16="http://schemas.microsoft.com/office/drawing/2014/main" val="2405063638"/>
+                    </a:ext>
+                  </a:extLst>
+                </a:gridCol>
+                <a:gridCol w="3140869">
+                  <a:extLst>
+                    <a:ext uri="{9D8B030D-6E8A-4147-A177-3AD203B41FA5}">
+                      <a16:colId xmlns:a16="http://schemas.microsoft.com/office/drawing/2014/main" val="3099478781"/>
+                    </a:ext>
+                  </a:extLst>
+                </a:gridCol>
+              </a:tblGrid>
+              <a:tr h="370840">
+                <a:tc>
+                  <a:txBody>
+                    <a:bodyPr/>
+                    <a:lstStyle/>
+                    <a:p>
+                      <a:r>
+                        <a:rPr lang="es-CO" dirty="0"/>
+                        <a:t>Identificación del requerimiento</a:t>
+                      </a:r>
+                    </a:p>
+                  </a:txBody>
+                  <a:tcPr/>
+                </a:tc>
+                <a:tc>
+                  <a:txBody>
+                    <a:bodyPr/>
+                    <a:lstStyle/>
+                    <a:p>
+                      <a:r>
+                        <a:rPr lang="es-CO" dirty="0"/>
+                        <a:t>RNF12</a:t>
+                      </a:r>
+                    </a:p>
+                  </a:txBody>
+                  <a:tcPr/>
+                </a:tc>
+                <a:extLst>
+                  <a:ext uri="{0D108BD9-81ED-4DB2-BD59-A6C34878D82A}">
+                    <a16:rowId xmlns:a16="http://schemas.microsoft.com/office/drawing/2014/main" val="3120795479"/>
+                  </a:ext>
+                </a:extLst>
+              </a:tr>
+              <a:tr h="370840">
+                <a:tc>
+                  <a:txBody>
+                    <a:bodyPr/>
+                    <a:lstStyle/>
+                    <a:p>
+                      <a:r>
+                        <a:rPr lang="es-CO" dirty="0"/>
+                        <a:t>Nombre del requerimiento</a:t>
+                      </a:r>
+                    </a:p>
+                  </a:txBody>
+                  <a:tcPr/>
+                </a:tc>
+                <a:tc>
+                  <a:txBody>
+                    <a:bodyPr/>
+                    <a:lstStyle/>
+                    <a:p>
+                      <a:r>
+                        <a:rPr lang="es-CO" dirty="0"/>
+                        <a:t>Privacidad</a:t>
+                      </a:r>
+                    </a:p>
+                  </a:txBody>
+                  <a:tcPr/>
+                </a:tc>
+                <a:extLst>
+                  <a:ext uri="{0D108BD9-81ED-4DB2-BD59-A6C34878D82A}">
+                    <a16:rowId xmlns:a16="http://schemas.microsoft.com/office/drawing/2014/main" val="1343925762"/>
+                  </a:ext>
+                </a:extLst>
+              </a:tr>
+              <a:tr h="370840">
+                <a:tc>
+                  <a:txBody>
+                    <a:bodyPr/>
+                    <a:lstStyle/>
+                    <a:p>
+                      <a:r>
+                        <a:rPr lang="es-CO" dirty="0"/>
+                        <a:t>Caracterísitcas</a:t>
+                      </a:r>
+                    </a:p>
+                  </a:txBody>
+                  <a:tcPr/>
+                </a:tc>
+                <a:tc>
+                  <a:txBody>
+                    <a:bodyPr/>
+                    <a:lstStyle/>
+                    <a:p>
+                      <a:r>
+                        <a:rPr lang="es-CO" dirty="0"/>
+                        <a:t>El sistema permitirá a cada usuario ver sólo la información pertinente para él.</a:t>
+                      </a:r>
+                    </a:p>
+                  </a:txBody>
+                  <a:tcPr/>
+                </a:tc>
+                <a:extLst>
+                  <a:ext uri="{0D108BD9-81ED-4DB2-BD59-A6C34878D82A}">
+                    <a16:rowId xmlns:a16="http://schemas.microsoft.com/office/drawing/2014/main" val="769886354"/>
+                  </a:ext>
+                </a:extLst>
+              </a:tr>
+              <a:tr h="370840">
+                <a:tc>
+                  <a:txBody>
+                    <a:bodyPr/>
+                    <a:lstStyle/>
+                    <a:p>
+                      <a:r>
+                        <a:rPr lang="es-CO" dirty="0"/>
+                        <a:t>Descripción del requerimiento</a:t>
+                      </a:r>
+                    </a:p>
+                  </a:txBody>
+                  <a:tcPr/>
+                </a:tc>
+                <a:tc>
+                  <a:txBody>
+                    <a:bodyPr/>
+                    <a:lstStyle/>
+                    <a:p>
+                      <a:r>
+                        <a:rPr lang="es-CO" dirty="0"/>
+                        <a:t>Cada usuario sólo podrá consultar la información de interés según su rol.</a:t>
+                      </a:r>
+                    </a:p>
+                  </a:txBody>
+                  <a:tcPr/>
+                </a:tc>
+                <a:extLst>
+                  <a:ext uri="{0D108BD9-81ED-4DB2-BD59-A6C34878D82A}">
+                    <a16:rowId xmlns:a16="http://schemas.microsoft.com/office/drawing/2014/main" val="2397840479"/>
+                  </a:ext>
+                </a:extLst>
+              </a:tr>
+              <a:tr h="370840">
+                <a:tc>
+                  <a:txBody>
+                    <a:bodyPr/>
+                    <a:lstStyle/>
+                    <a:p>
+                      <a:r>
+                        <a:rPr lang="es-CO" dirty="0"/>
+                        <a:t>Prioridad del requerimiento</a:t>
+                      </a:r>
+                    </a:p>
+                  </a:txBody>
+                  <a:tcPr/>
+                </a:tc>
+                <a:tc>
+                  <a:txBody>
+                    <a:bodyPr/>
+                    <a:lstStyle/>
+                    <a:p>
+                      <a:r>
+                        <a:rPr lang="es-CO" dirty="0"/>
+                        <a:t>Alta</a:t>
+                      </a:r>
+                    </a:p>
+                  </a:txBody>
+                  <a:tcPr/>
+                </a:tc>
+                <a:extLst>
+                  <a:ext uri="{0D108BD9-81ED-4DB2-BD59-A6C34878D82A}">
+                    <a16:rowId xmlns:a16="http://schemas.microsoft.com/office/drawing/2014/main" val="1876826554"/>
+                  </a:ext>
+                </a:extLst>
+              </a:tr>
+            </a:tbl>
+          </a:graphicData>
+        </a:graphic>
+      </p:graphicFrame>
+    </p:spTree>
+    <p:extLst>
+      <p:ext uri="{BB962C8B-B14F-4D97-AF65-F5344CB8AC3E}">
+        <p14:creationId xmlns:p14="http://schemas.microsoft.com/office/powerpoint/2010/main" val="1915646667"/>
+      </p:ext>
+    </p:extLst>
+  </p:cSld>
+  <p:clrMapOvr>
+    <a:masterClrMapping/>
+  </p:clrMapOvr>
+</p:sld>
+</file>
+
+<file path=ppt/slides/slide59.xml><?xml version="1.0" encoding="utf-8"?>
+<p:sld xmlns:a="http://schemas.openxmlformats.org/drawingml/2006/main" xmlns:r="http://schemas.openxmlformats.org/officeDocument/2006/relationships" xmlns:p="http://schemas.openxmlformats.org/presentationml/2006/main">
+  <p:cSld>
+    <p:spTree>
+      <p:nvGrpSpPr>
+        <p:cNvPr id="1" name=""/>
+        <p:cNvGrpSpPr/>
+        <p:nvPr/>
+      </p:nvGrpSpPr>
+      <p:grpSpPr>
+        <a:xfrm>
+          <a:off x="0" y="0"/>
+          <a:ext cx="0" cy="0"/>
+          <a:chOff x="0" y="0"/>
+          <a:chExt cx="0" cy="0"/>
+        </a:xfrm>
+      </p:grpSpPr>
+      <p:sp>
+        <p:nvSpPr>
+          <p:cNvPr id="2" name="Título 1">
+            <a:extLst>
+              <a:ext uri="{FF2B5EF4-FFF2-40B4-BE49-F238E27FC236}">
+                <a16:creationId xmlns:a16="http://schemas.microsoft.com/office/drawing/2014/main" id="{0DF8FDDE-7FF6-114B-95BB-26E67991BA49}"/>
+              </a:ext>
+            </a:extLst>
+          </p:cNvPr>
+          <p:cNvSpPr>
+            <a:spLocks noGrp="1"/>
+          </p:cNvSpPr>
+          <p:nvPr>
+            <p:ph type="title"/>
+          </p:nvPr>
+        </p:nvSpPr>
+        <p:spPr/>
+        <p:txBody>
+          <a:bodyPr/>
+          <a:lstStyle/>
+          <a:p>
+            <a:r>
+              <a:rPr lang="es-CO"/>
+              <a:t>Requerimientos </a:t>
+            </a:r>
+            <a:r>
+              <a:rPr lang="es-CO" dirty="0"/>
+              <a:t>no funcionales</a:t>
+            </a:r>
+          </a:p>
+        </p:txBody>
+      </p:sp>
+      <p:graphicFrame>
+        <p:nvGraphicFramePr>
+          <p:cNvPr id="4" name="Tabla 4">
+            <a:extLst>
+              <a:ext uri="{FF2B5EF4-FFF2-40B4-BE49-F238E27FC236}">
+                <a16:creationId xmlns:a16="http://schemas.microsoft.com/office/drawing/2014/main" id="{3275B20B-304D-3645-A6E7-687160D9B56D}"/>
+              </a:ext>
+            </a:extLst>
+          </p:cNvPr>
+          <p:cNvGraphicFramePr>
+            <a:graphicFrameLocks noGrp="1"/>
+          </p:cNvGraphicFramePr>
+          <p:nvPr>
+            <p:ph idx="1"/>
+          </p:nvPr>
+        </p:nvGraphicFramePr>
+        <p:xfrm>
+          <a:off x="5118100" y="803275"/>
+          <a:ext cx="6281738" cy="3205480"/>
+        </p:xfrm>
+        <a:graphic>
+          <a:graphicData uri="http://schemas.openxmlformats.org/drawingml/2006/table">
+            <a:tbl>
+              <a:tblPr firstRow="1" bandRow="1">
+                <a:tableStyleId>{5C22544A-7EE6-4342-B048-85BDC9FD1C3A}</a:tableStyleId>
+              </a:tblPr>
+              <a:tblGrid>
+                <a:gridCol w="3140869">
+                  <a:extLst>
+                    <a:ext uri="{9D8B030D-6E8A-4147-A177-3AD203B41FA5}">
+                      <a16:colId xmlns:a16="http://schemas.microsoft.com/office/drawing/2014/main" val="2405063638"/>
+                    </a:ext>
+                  </a:extLst>
+                </a:gridCol>
+                <a:gridCol w="3140869">
+                  <a:extLst>
+                    <a:ext uri="{9D8B030D-6E8A-4147-A177-3AD203B41FA5}">
+                      <a16:colId xmlns:a16="http://schemas.microsoft.com/office/drawing/2014/main" val="3099478781"/>
+                    </a:ext>
+                  </a:extLst>
+                </a:gridCol>
+              </a:tblGrid>
+              <a:tr h="370840">
+                <a:tc>
+                  <a:txBody>
+                    <a:bodyPr/>
+                    <a:lstStyle/>
+                    <a:p>
+                      <a:r>
+                        <a:rPr lang="es-CO" dirty="0"/>
+                        <a:t>Identificación del requerimiento</a:t>
+                      </a:r>
+                    </a:p>
+                  </a:txBody>
+                  <a:tcPr/>
+                </a:tc>
+                <a:tc>
+                  <a:txBody>
+                    <a:bodyPr/>
+                    <a:lstStyle/>
+                    <a:p>
+                      <a:r>
+                        <a:rPr lang="es-CO" dirty="0"/>
+                        <a:t>RNF13</a:t>
+                      </a:r>
+                    </a:p>
+                  </a:txBody>
+                  <a:tcPr/>
+                </a:tc>
+                <a:extLst>
+                  <a:ext uri="{0D108BD9-81ED-4DB2-BD59-A6C34878D82A}">
+                    <a16:rowId xmlns:a16="http://schemas.microsoft.com/office/drawing/2014/main" val="3120795479"/>
+                  </a:ext>
+                </a:extLst>
+              </a:tr>
+              <a:tr h="370840">
+                <a:tc>
+                  <a:txBody>
+                    <a:bodyPr/>
+                    <a:lstStyle/>
+                    <a:p>
+                      <a:r>
+                        <a:rPr lang="es-CO" dirty="0"/>
+                        <a:t>Nombre del requerimiento</a:t>
+                      </a:r>
+                    </a:p>
+                  </a:txBody>
+                  <a:tcPr/>
+                </a:tc>
+                <a:tc>
+                  <a:txBody>
+                    <a:bodyPr/>
+                    <a:lstStyle/>
+                    <a:p>
+                      <a:r>
+                        <a:rPr lang="es-CO" dirty="0"/>
+                        <a:t>Durabilidad</a:t>
+                      </a:r>
+                    </a:p>
+                  </a:txBody>
+                  <a:tcPr/>
+                </a:tc>
+                <a:extLst>
+                  <a:ext uri="{0D108BD9-81ED-4DB2-BD59-A6C34878D82A}">
+                    <a16:rowId xmlns:a16="http://schemas.microsoft.com/office/drawing/2014/main" val="1343925762"/>
+                  </a:ext>
+                </a:extLst>
+              </a:tr>
+              <a:tr h="370840">
+                <a:tc>
+                  <a:txBody>
+                    <a:bodyPr/>
+                    <a:lstStyle/>
+                    <a:p>
+                      <a:r>
+                        <a:rPr lang="es-CO" dirty="0"/>
+                        <a:t>Caracterísitcas</a:t>
+                      </a:r>
+                    </a:p>
+                  </a:txBody>
+                  <a:tcPr/>
+                </a:tc>
+                <a:tc>
+                  <a:txBody>
+                    <a:bodyPr/>
+                    <a:lstStyle/>
+                    <a:p>
+                      <a:r>
+                        <a:rPr lang="es-CO" dirty="0"/>
+                        <a:t>El sistema debe funcionar, al menos, cinco años.</a:t>
+                      </a:r>
+                    </a:p>
+                  </a:txBody>
+                  <a:tcPr/>
+                </a:tc>
+                <a:extLst>
+                  <a:ext uri="{0D108BD9-81ED-4DB2-BD59-A6C34878D82A}">
+                    <a16:rowId xmlns:a16="http://schemas.microsoft.com/office/drawing/2014/main" val="769886354"/>
+                  </a:ext>
+                </a:extLst>
+              </a:tr>
+              <a:tr h="370840">
+                <a:tc>
+                  <a:txBody>
+                    <a:bodyPr/>
+                    <a:lstStyle/>
+                    <a:p>
+                      <a:r>
+                        <a:rPr lang="es-CO" dirty="0"/>
+                        <a:t>Descripción del requerimiento</a:t>
+                      </a:r>
+                    </a:p>
+                  </a:txBody>
+                  <a:tcPr/>
+                </a:tc>
+                <a:tc>
+                  <a:txBody>
+                    <a:bodyPr/>
+                    <a:lstStyle/>
+                    <a:p>
+                      <a:r>
+                        <a:rPr lang="es-CO" dirty="0"/>
+                        <a:t>El periodo de actualización del sistema será de cada cinco años.</a:t>
+                      </a:r>
+                    </a:p>
+                  </a:txBody>
+                  <a:tcPr/>
+                </a:tc>
+                <a:extLst>
+                  <a:ext uri="{0D108BD9-81ED-4DB2-BD59-A6C34878D82A}">
+                    <a16:rowId xmlns:a16="http://schemas.microsoft.com/office/drawing/2014/main" val="2397840479"/>
+                  </a:ext>
+                </a:extLst>
+              </a:tr>
+              <a:tr h="370840">
+                <a:tc>
+                  <a:txBody>
+                    <a:bodyPr/>
+                    <a:lstStyle/>
+                    <a:p>
+                      <a:r>
+                        <a:rPr lang="es-CO" dirty="0"/>
+                        <a:t>Prioridad del requerimiento</a:t>
+                      </a:r>
+                    </a:p>
+                  </a:txBody>
+                  <a:tcPr/>
+                </a:tc>
+                <a:tc>
+                  <a:txBody>
+                    <a:bodyPr/>
+                    <a:lstStyle/>
+                    <a:p>
+                      <a:r>
+                        <a:rPr lang="es-CO" dirty="0"/>
+                        <a:t>Media</a:t>
+                      </a:r>
+                    </a:p>
+                  </a:txBody>
+                  <a:tcPr/>
+                </a:tc>
+                <a:extLst>
+                  <a:ext uri="{0D108BD9-81ED-4DB2-BD59-A6C34878D82A}">
+                    <a16:rowId xmlns:a16="http://schemas.microsoft.com/office/drawing/2014/main" val="1876826554"/>
+                  </a:ext>
+                </a:extLst>
+              </a:tr>
+            </a:tbl>
+          </a:graphicData>
+        </a:graphic>
+      </p:graphicFrame>
+    </p:spTree>
+    <p:extLst>
+      <p:ext uri="{BB962C8B-B14F-4D97-AF65-F5344CB8AC3E}">
+        <p14:creationId xmlns:p14="http://schemas.microsoft.com/office/powerpoint/2010/main" val="2540038314"/>
+      </p:ext>
+    </p:extLst>
+  </p:cSld>
+  <p:clrMapOvr>
+    <a:masterClrMapping/>
+  </p:clrMapOvr>
+</p:sld>
+</file>
+
+<file path=ppt/slides/slide6.xml><?xml version="1.0" encoding="utf-8"?>
 <p:sld xmlns:a="http://schemas.openxmlformats.org/drawingml/2006/main" xmlns:r="http://schemas.openxmlformats.org/officeDocument/2006/relationships" xmlns:p="http://schemas.openxmlformats.org/presentationml/2006/main">
   <p:cSld>
     <p:spTree>
@@ -21093,50 +27389,52 @@
           <a:lstStyle/>
           <a:p>
             <a:r>
-              <a:rPr lang="es-CO" dirty="0" err="1"/>
-              <a:t>Versionamento</a:t>
-            </a:r>
-            <a:r>
               <a:rPr lang="es-CO" dirty="0"/>
-              <a:t>  GitHub Desktop</a:t>
+              <a:t>Pregunta de investigación</a:t>
             </a:r>
           </a:p>
         </p:txBody>
       </p:sp>
       <p:sp>
         <p:nvSpPr>
-          <p:cNvPr id="3" name="CuadroTexto 2"/>
-          <p:cNvSpPr txBox="1"/>
-          <p:nvPr/>
+          <p:cNvPr id="4" name="Marcador de contenido 2">
+            <a:extLst>
+              <a:ext uri="{FF2B5EF4-FFF2-40B4-BE49-F238E27FC236}">
+                <a16:creationId xmlns:a16="http://schemas.microsoft.com/office/drawing/2014/main" id="{2D3D8CCB-441A-F548-95BA-41165A51A6CC}"/>
+              </a:ext>
+            </a:extLst>
+          </p:cNvPr>
+          <p:cNvSpPr>
+            <a:spLocks noGrp="1"/>
+          </p:cNvSpPr>
+          <p:nvPr>
+            <p:ph idx="1"/>
+          </p:nvPr>
         </p:nvSpPr>
         <p:spPr>
           <a:xfrm>
-            <a:off x="5181600" y="2216727"/>
-            <a:ext cx="4267200" cy="646331"/>
+            <a:off x="5118447" y="803186"/>
+            <a:ext cx="6281873" cy="5248622"/>
           </a:xfrm>
-          <a:prstGeom prst="rect">
-            <a:avLst/>
-          </a:prstGeom>
-          <a:noFill/>
         </p:spPr>
         <p:txBody>
-          <a:bodyPr wrap="square" rtlCol="0">
-            <a:spAutoFit/>
-          </a:bodyPr>
+          <a:bodyPr/>
           <a:lstStyle/>
           <a:p>
+            <a:pPr marL="0" indent="0" algn="just">
+              <a:buNone/>
+            </a:pPr>
             <a:r>
-              <a:rPr lang="es-CO" dirty="0" smtClean="0"/>
-              <a:t>Etapas de un proyecto a lo largo de su desarrollo.</a:t>
+              <a:rPr lang="es-CO" dirty="0"/>
+              <a:t>Bajo este orden de ideas, surge la siguiente pregunta de investigación: ¿Qué carácterísticas debe tener un sistema de información para satisfacer las necesidades que la Institución Educativa Enrique Santos Montejo tiene en el registro y gestión de las calificaciones de sus estudiantes?</a:t>
             </a:r>
-            <a:endParaRPr lang="es-CO" dirty="0"/>
           </a:p>
         </p:txBody>
       </p:sp>
     </p:spTree>
     <p:extLst>
       <p:ext uri="{BB962C8B-B14F-4D97-AF65-F5344CB8AC3E}">
-        <p14:creationId xmlns:p14="http://schemas.microsoft.com/office/powerpoint/2010/main" val="1250494816"/>
+        <p14:creationId xmlns:p14="http://schemas.microsoft.com/office/powerpoint/2010/main" val="1889876429"/>
       </p:ext>
     </p:extLst>
   </p:cSld>
@@ -21146,7 +27444,553 @@
 </p:sld>
 </file>
 
-<file path=ppt/slides/slide43.xml><?xml version="1.0" encoding="utf-8"?>
+<file path=ppt/slides/slide60.xml><?xml version="1.0" encoding="utf-8"?>
+<p:sld xmlns:a="http://schemas.openxmlformats.org/drawingml/2006/main" xmlns:r="http://schemas.openxmlformats.org/officeDocument/2006/relationships" xmlns:p="http://schemas.openxmlformats.org/presentationml/2006/main">
+  <p:cSld>
+    <p:spTree>
+      <p:nvGrpSpPr>
+        <p:cNvPr id="1" name=""/>
+        <p:cNvGrpSpPr/>
+        <p:nvPr/>
+      </p:nvGrpSpPr>
+      <p:grpSpPr>
+        <a:xfrm>
+          <a:off x="0" y="0"/>
+          <a:ext cx="0" cy="0"/>
+          <a:chOff x="0" y="0"/>
+          <a:chExt cx="0" cy="0"/>
+        </a:xfrm>
+      </p:grpSpPr>
+      <p:sp>
+        <p:nvSpPr>
+          <p:cNvPr id="2" name="Título 1">
+            <a:extLst>
+              <a:ext uri="{FF2B5EF4-FFF2-40B4-BE49-F238E27FC236}">
+                <a16:creationId xmlns:a16="http://schemas.microsoft.com/office/drawing/2014/main" id="{0DF8FDDE-7FF6-114B-95BB-26E67991BA49}"/>
+              </a:ext>
+            </a:extLst>
+          </p:cNvPr>
+          <p:cNvSpPr>
+            <a:spLocks noGrp="1"/>
+          </p:cNvSpPr>
+          <p:nvPr>
+            <p:ph type="title"/>
+          </p:nvPr>
+        </p:nvSpPr>
+        <p:spPr/>
+        <p:txBody>
+          <a:bodyPr/>
+          <a:lstStyle/>
+          <a:p>
+            <a:r>
+              <a:rPr lang="es-CO"/>
+              <a:t>Requerimientos </a:t>
+            </a:r>
+            <a:r>
+              <a:rPr lang="es-CO" dirty="0"/>
+              <a:t>no funcionales</a:t>
+            </a:r>
+          </a:p>
+        </p:txBody>
+      </p:sp>
+      <p:graphicFrame>
+        <p:nvGraphicFramePr>
+          <p:cNvPr id="4" name="Tabla 4">
+            <a:extLst>
+              <a:ext uri="{FF2B5EF4-FFF2-40B4-BE49-F238E27FC236}">
+                <a16:creationId xmlns:a16="http://schemas.microsoft.com/office/drawing/2014/main" id="{3275B20B-304D-3645-A6E7-687160D9B56D}"/>
+              </a:ext>
+            </a:extLst>
+          </p:cNvPr>
+          <p:cNvGraphicFramePr>
+            <a:graphicFrameLocks noGrp="1"/>
+          </p:cNvGraphicFramePr>
+          <p:nvPr>
+            <p:ph idx="1"/>
+          </p:nvPr>
+        </p:nvGraphicFramePr>
+        <p:xfrm>
+          <a:off x="5118100" y="803275"/>
+          <a:ext cx="6281738" cy="3754120"/>
+        </p:xfrm>
+        <a:graphic>
+          <a:graphicData uri="http://schemas.openxmlformats.org/drawingml/2006/table">
+            <a:tbl>
+              <a:tblPr firstRow="1" bandRow="1">
+                <a:tableStyleId>{5C22544A-7EE6-4342-B048-85BDC9FD1C3A}</a:tableStyleId>
+              </a:tblPr>
+              <a:tblGrid>
+                <a:gridCol w="3140869">
+                  <a:extLst>
+                    <a:ext uri="{9D8B030D-6E8A-4147-A177-3AD203B41FA5}">
+                      <a16:colId xmlns:a16="http://schemas.microsoft.com/office/drawing/2014/main" val="2405063638"/>
+                    </a:ext>
+                  </a:extLst>
+                </a:gridCol>
+                <a:gridCol w="3140869">
+                  <a:extLst>
+                    <a:ext uri="{9D8B030D-6E8A-4147-A177-3AD203B41FA5}">
+                      <a16:colId xmlns:a16="http://schemas.microsoft.com/office/drawing/2014/main" val="3099478781"/>
+                    </a:ext>
+                  </a:extLst>
+                </a:gridCol>
+              </a:tblGrid>
+              <a:tr h="370840">
+                <a:tc>
+                  <a:txBody>
+                    <a:bodyPr/>
+                    <a:lstStyle/>
+                    <a:p>
+                      <a:r>
+                        <a:rPr lang="es-CO" dirty="0"/>
+                        <a:t>Identificación del requerimiento</a:t>
+                      </a:r>
+                    </a:p>
+                  </a:txBody>
+                  <a:tcPr/>
+                </a:tc>
+                <a:tc>
+                  <a:txBody>
+                    <a:bodyPr/>
+                    <a:lstStyle/>
+                    <a:p>
+                      <a:r>
+                        <a:rPr lang="es-CO" dirty="0"/>
+                        <a:t>RNF14</a:t>
+                      </a:r>
+                    </a:p>
+                  </a:txBody>
+                  <a:tcPr/>
+                </a:tc>
+                <a:extLst>
+                  <a:ext uri="{0D108BD9-81ED-4DB2-BD59-A6C34878D82A}">
+                    <a16:rowId xmlns:a16="http://schemas.microsoft.com/office/drawing/2014/main" val="3120795479"/>
+                  </a:ext>
+                </a:extLst>
+              </a:tr>
+              <a:tr h="370840">
+                <a:tc>
+                  <a:txBody>
+                    <a:bodyPr/>
+                    <a:lstStyle/>
+                    <a:p>
+                      <a:r>
+                        <a:rPr lang="es-CO" dirty="0"/>
+                        <a:t>Nombre del requerimiento</a:t>
+                      </a:r>
+                    </a:p>
+                  </a:txBody>
+                  <a:tcPr/>
+                </a:tc>
+                <a:tc>
+                  <a:txBody>
+                    <a:bodyPr/>
+                    <a:lstStyle/>
+                    <a:p>
+                      <a:r>
+                        <a:rPr lang="es-CO" dirty="0"/>
+                        <a:t>Mantenibilidad</a:t>
+                      </a:r>
+                    </a:p>
+                  </a:txBody>
+                  <a:tcPr/>
+                </a:tc>
+                <a:extLst>
+                  <a:ext uri="{0D108BD9-81ED-4DB2-BD59-A6C34878D82A}">
+                    <a16:rowId xmlns:a16="http://schemas.microsoft.com/office/drawing/2014/main" val="1343925762"/>
+                  </a:ext>
+                </a:extLst>
+              </a:tr>
+              <a:tr h="370840">
+                <a:tc>
+                  <a:txBody>
+                    <a:bodyPr/>
+                    <a:lstStyle/>
+                    <a:p>
+                      <a:r>
+                        <a:rPr lang="es-CO" dirty="0"/>
+                        <a:t>Caracterísitcas</a:t>
+                      </a:r>
+                    </a:p>
+                  </a:txBody>
+                  <a:tcPr/>
+                </a:tc>
+                <a:tc>
+                  <a:txBody>
+                    <a:bodyPr/>
+                    <a:lstStyle/>
+                    <a:p>
+                      <a:r>
+                        <a:rPr lang="es-CO" dirty="0"/>
+                        <a:t>El sistema no perderá la información después del mantenimiento</a:t>
+                      </a:r>
+                    </a:p>
+                  </a:txBody>
+                  <a:tcPr/>
+                </a:tc>
+                <a:extLst>
+                  <a:ext uri="{0D108BD9-81ED-4DB2-BD59-A6C34878D82A}">
+                    <a16:rowId xmlns:a16="http://schemas.microsoft.com/office/drawing/2014/main" val="769886354"/>
+                  </a:ext>
+                </a:extLst>
+              </a:tr>
+              <a:tr h="370840">
+                <a:tc>
+                  <a:txBody>
+                    <a:bodyPr/>
+                    <a:lstStyle/>
+                    <a:p>
+                      <a:r>
+                        <a:rPr lang="es-CO" dirty="0"/>
+                        <a:t>Descripción del requerimiento</a:t>
+                      </a:r>
+                    </a:p>
+                  </a:txBody>
+                  <a:tcPr/>
+                </a:tc>
+                <a:tc>
+                  <a:txBody>
+                    <a:bodyPr/>
+                    <a:lstStyle/>
+                    <a:p>
+                      <a:r>
+                        <a:rPr lang="es-CO" dirty="0"/>
+                        <a:t>Se podrá hacer mantenimiento del sistema sin riesgo de pérdida de información.</a:t>
+                      </a:r>
+                    </a:p>
+                  </a:txBody>
+                  <a:tcPr/>
+                </a:tc>
+                <a:extLst>
+                  <a:ext uri="{0D108BD9-81ED-4DB2-BD59-A6C34878D82A}">
+                    <a16:rowId xmlns:a16="http://schemas.microsoft.com/office/drawing/2014/main" val="2397840479"/>
+                  </a:ext>
+                </a:extLst>
+              </a:tr>
+              <a:tr h="370840">
+                <a:tc>
+                  <a:txBody>
+                    <a:bodyPr/>
+                    <a:lstStyle/>
+                    <a:p>
+                      <a:r>
+                        <a:rPr lang="es-CO" dirty="0"/>
+                        <a:t>Prioridad del requerimiento</a:t>
+                      </a:r>
+                    </a:p>
+                  </a:txBody>
+                  <a:tcPr/>
+                </a:tc>
+                <a:tc>
+                  <a:txBody>
+                    <a:bodyPr/>
+                    <a:lstStyle/>
+                    <a:p>
+                      <a:r>
+                        <a:rPr lang="es-CO" dirty="0"/>
+                        <a:t>Alta</a:t>
+                      </a:r>
+                    </a:p>
+                  </a:txBody>
+                  <a:tcPr/>
+                </a:tc>
+                <a:extLst>
+                  <a:ext uri="{0D108BD9-81ED-4DB2-BD59-A6C34878D82A}">
+                    <a16:rowId xmlns:a16="http://schemas.microsoft.com/office/drawing/2014/main" val="1876826554"/>
+                  </a:ext>
+                </a:extLst>
+              </a:tr>
+            </a:tbl>
+          </a:graphicData>
+        </a:graphic>
+      </p:graphicFrame>
+    </p:spTree>
+    <p:extLst>
+      <p:ext uri="{BB962C8B-B14F-4D97-AF65-F5344CB8AC3E}">
+        <p14:creationId xmlns:p14="http://schemas.microsoft.com/office/powerpoint/2010/main" val="714436262"/>
+      </p:ext>
+    </p:extLst>
+  </p:cSld>
+  <p:clrMapOvr>
+    <a:masterClrMapping/>
+  </p:clrMapOvr>
+</p:sld>
+</file>
+
+<file path=ppt/slides/slide61.xml><?xml version="1.0" encoding="utf-8"?>
+<p:sld xmlns:a="http://schemas.openxmlformats.org/drawingml/2006/main" xmlns:r="http://schemas.openxmlformats.org/officeDocument/2006/relationships" xmlns:p="http://schemas.openxmlformats.org/presentationml/2006/main">
+  <p:cSld>
+    <p:spTree>
+      <p:nvGrpSpPr>
+        <p:cNvPr id="1" name=""/>
+        <p:cNvGrpSpPr/>
+        <p:nvPr/>
+      </p:nvGrpSpPr>
+      <p:grpSpPr>
+        <a:xfrm>
+          <a:off x="0" y="0"/>
+          <a:ext cx="0" cy="0"/>
+          <a:chOff x="0" y="0"/>
+          <a:chExt cx="0" cy="0"/>
+        </a:xfrm>
+      </p:grpSpPr>
+      <p:sp>
+        <p:nvSpPr>
+          <p:cNvPr id="2" name="Título 1">
+            <a:extLst>
+              <a:ext uri="{FF2B5EF4-FFF2-40B4-BE49-F238E27FC236}">
+                <a16:creationId xmlns:a16="http://schemas.microsoft.com/office/drawing/2014/main" id="{0DF8FDDE-7FF6-114B-95BB-26E67991BA49}"/>
+              </a:ext>
+            </a:extLst>
+          </p:cNvPr>
+          <p:cNvSpPr>
+            <a:spLocks noGrp="1"/>
+          </p:cNvSpPr>
+          <p:nvPr>
+            <p:ph type="title"/>
+          </p:nvPr>
+        </p:nvSpPr>
+        <p:spPr/>
+        <p:txBody>
+          <a:bodyPr/>
+          <a:lstStyle/>
+          <a:p>
+            <a:r>
+              <a:rPr lang="es-CO"/>
+              <a:t>Requerimientos </a:t>
+            </a:r>
+            <a:r>
+              <a:rPr lang="es-CO" dirty="0"/>
+              <a:t>no funcionales</a:t>
+            </a:r>
+          </a:p>
+        </p:txBody>
+      </p:sp>
+      <p:graphicFrame>
+        <p:nvGraphicFramePr>
+          <p:cNvPr id="4" name="Tabla 4">
+            <a:extLst>
+              <a:ext uri="{FF2B5EF4-FFF2-40B4-BE49-F238E27FC236}">
+                <a16:creationId xmlns:a16="http://schemas.microsoft.com/office/drawing/2014/main" id="{3275B20B-304D-3645-A6E7-687160D9B56D}"/>
+              </a:ext>
+            </a:extLst>
+          </p:cNvPr>
+          <p:cNvGraphicFramePr>
+            <a:graphicFrameLocks noGrp="1"/>
+          </p:cNvGraphicFramePr>
+          <p:nvPr>
+            <p:ph idx="1"/>
+          </p:nvPr>
+        </p:nvGraphicFramePr>
+        <p:xfrm>
+          <a:off x="5118100" y="803275"/>
+          <a:ext cx="6281738" cy="3479800"/>
+        </p:xfrm>
+        <a:graphic>
+          <a:graphicData uri="http://schemas.openxmlformats.org/drawingml/2006/table">
+            <a:tbl>
+              <a:tblPr firstRow="1" bandRow="1">
+                <a:tableStyleId>{5C22544A-7EE6-4342-B048-85BDC9FD1C3A}</a:tableStyleId>
+              </a:tblPr>
+              <a:tblGrid>
+                <a:gridCol w="3140869">
+                  <a:extLst>
+                    <a:ext uri="{9D8B030D-6E8A-4147-A177-3AD203B41FA5}">
+                      <a16:colId xmlns:a16="http://schemas.microsoft.com/office/drawing/2014/main" val="2405063638"/>
+                    </a:ext>
+                  </a:extLst>
+                </a:gridCol>
+                <a:gridCol w="3140869">
+                  <a:extLst>
+                    <a:ext uri="{9D8B030D-6E8A-4147-A177-3AD203B41FA5}">
+                      <a16:colId xmlns:a16="http://schemas.microsoft.com/office/drawing/2014/main" val="3099478781"/>
+                    </a:ext>
+                  </a:extLst>
+                </a:gridCol>
+              </a:tblGrid>
+              <a:tr h="370840">
+                <a:tc>
+                  <a:txBody>
+                    <a:bodyPr/>
+                    <a:lstStyle/>
+                    <a:p>
+                      <a:r>
+                        <a:rPr lang="es-CO" dirty="0"/>
+                        <a:t>Identificación del requerimiento</a:t>
+                      </a:r>
+                    </a:p>
+                  </a:txBody>
+                  <a:tcPr/>
+                </a:tc>
+                <a:tc>
+                  <a:txBody>
+                    <a:bodyPr/>
+                    <a:lstStyle/>
+                    <a:p>
+                      <a:r>
+                        <a:rPr lang="es-CO" dirty="0"/>
+                        <a:t>RNF15</a:t>
+                      </a:r>
+                    </a:p>
+                  </a:txBody>
+                  <a:tcPr/>
+                </a:tc>
+                <a:extLst>
+                  <a:ext uri="{0D108BD9-81ED-4DB2-BD59-A6C34878D82A}">
+                    <a16:rowId xmlns:a16="http://schemas.microsoft.com/office/drawing/2014/main" val="3120795479"/>
+                  </a:ext>
+                </a:extLst>
+              </a:tr>
+              <a:tr h="370840">
+                <a:tc>
+                  <a:txBody>
+                    <a:bodyPr/>
+                    <a:lstStyle/>
+                    <a:p>
+                      <a:r>
+                        <a:rPr lang="es-CO" dirty="0"/>
+                        <a:t>Nombre del requerimiento</a:t>
+                      </a:r>
+                    </a:p>
+                  </a:txBody>
+                  <a:tcPr/>
+                </a:tc>
+                <a:tc>
+                  <a:txBody>
+                    <a:bodyPr/>
+                    <a:lstStyle/>
+                    <a:p>
+                      <a:r>
+                        <a:rPr lang="es-CO" dirty="0"/>
+                        <a:t>Manual de usuario</a:t>
+                      </a:r>
+                    </a:p>
+                  </a:txBody>
+                  <a:tcPr/>
+                </a:tc>
+                <a:extLst>
+                  <a:ext uri="{0D108BD9-81ED-4DB2-BD59-A6C34878D82A}">
+                    <a16:rowId xmlns:a16="http://schemas.microsoft.com/office/drawing/2014/main" val="1343925762"/>
+                  </a:ext>
+                </a:extLst>
+              </a:tr>
+              <a:tr h="370840">
+                <a:tc>
+                  <a:txBody>
+                    <a:bodyPr/>
+                    <a:lstStyle/>
+                    <a:p>
+                      <a:r>
+                        <a:rPr lang="es-CO" dirty="0"/>
+                        <a:t>Caracterísitcas</a:t>
+                      </a:r>
+                    </a:p>
+                  </a:txBody>
+                  <a:tcPr/>
+                </a:tc>
+                <a:tc>
+                  <a:txBody>
+                    <a:bodyPr/>
+                    <a:lstStyle/>
+                    <a:p>
+                      <a:r>
+                        <a:rPr lang="es-CO" dirty="0"/>
+                        <a:t>El sistema debe contar con un documento que contiene las instruciones para su uso.</a:t>
+                      </a:r>
+                    </a:p>
+                  </a:txBody>
+                  <a:tcPr/>
+                </a:tc>
+                <a:extLst>
+                  <a:ext uri="{0D108BD9-81ED-4DB2-BD59-A6C34878D82A}">
+                    <a16:rowId xmlns:a16="http://schemas.microsoft.com/office/drawing/2014/main" val="769886354"/>
+                  </a:ext>
+                </a:extLst>
+              </a:tr>
+              <a:tr h="370840">
+                <a:tc>
+                  <a:txBody>
+                    <a:bodyPr/>
+                    <a:lstStyle/>
+                    <a:p>
+                      <a:r>
+                        <a:rPr lang="es-CO" dirty="0"/>
+                        <a:t>Descripción del requerimiento</a:t>
+                      </a:r>
+                    </a:p>
+                  </a:txBody>
+                  <a:tcPr/>
+                </a:tc>
+                <a:tc>
+                  <a:txBody>
+                    <a:bodyPr/>
+                    <a:lstStyle/>
+                    <a:p>
+                      <a:r>
+                        <a:rPr lang="es-CO" dirty="0"/>
+                        <a:t>El usuario podrá visualizar un manual para el uso del sistema.</a:t>
+                      </a:r>
+                    </a:p>
+                  </a:txBody>
+                  <a:tcPr/>
+                </a:tc>
+                <a:extLst>
+                  <a:ext uri="{0D108BD9-81ED-4DB2-BD59-A6C34878D82A}">
+                    <a16:rowId xmlns:a16="http://schemas.microsoft.com/office/drawing/2014/main" val="2397840479"/>
+                  </a:ext>
+                </a:extLst>
+              </a:tr>
+              <a:tr h="370840">
+                <a:tc>
+                  <a:txBody>
+                    <a:bodyPr/>
+                    <a:lstStyle/>
+                    <a:p>
+                      <a:r>
+                        <a:rPr lang="es-CO" dirty="0"/>
+                        <a:t>Prioridad del requerimiento</a:t>
+                      </a:r>
+                    </a:p>
+                  </a:txBody>
+                  <a:tcPr/>
+                </a:tc>
+                <a:tc>
+                  <a:txBody>
+                    <a:bodyPr/>
+                    <a:lstStyle/>
+                    <a:p>
+                      <a:r>
+                        <a:rPr lang="es-CO" dirty="0"/>
+                        <a:t>Alta</a:t>
+                      </a:r>
+                    </a:p>
+                  </a:txBody>
+                  <a:tcPr/>
+                </a:tc>
+                <a:extLst>
+                  <a:ext uri="{0D108BD9-81ED-4DB2-BD59-A6C34878D82A}">
+                    <a16:rowId xmlns:a16="http://schemas.microsoft.com/office/drawing/2014/main" val="1876826554"/>
+                  </a:ext>
+                </a:extLst>
+              </a:tr>
+            </a:tbl>
+          </a:graphicData>
+        </a:graphic>
+      </p:graphicFrame>
+    </p:spTree>
+    <p:extLst>
+      <p:ext uri="{BB962C8B-B14F-4D97-AF65-F5344CB8AC3E}">
+        <p14:creationId xmlns:p14="http://schemas.microsoft.com/office/powerpoint/2010/main" val="2036241728"/>
+      </p:ext>
+    </p:extLst>
+  </p:cSld>
+  <p:clrMapOvr>
+    <a:masterClrMapping/>
+  </p:clrMapOvr>
+</p:sld>
+</file>
+
+<file path=ppt/slides/slide62.xml><?xml version="1.0" encoding="utf-8"?>
 <p:sld xmlns:a="http://schemas.openxmlformats.org/drawingml/2006/main" xmlns:r="http://schemas.openxmlformats.org/officeDocument/2006/relationships" xmlns:p="http://schemas.openxmlformats.org/presentationml/2006/main">
   <p:cSld>
     <p:spTree>
@@ -21199,7 +28043,7 @@
 </p:sld>
 </file>
 
-<file path=ppt/slides/slide44.xml><?xml version="1.0" encoding="utf-8"?>
+<file path=ppt/slides/slide63.xml><?xml version="1.0" encoding="utf-8"?>
 <p:sld xmlns:a="http://schemas.openxmlformats.org/drawingml/2006/main" xmlns:r="http://schemas.openxmlformats.org/officeDocument/2006/relationships" xmlns:p="http://schemas.openxmlformats.org/presentationml/2006/main">
   <p:cSld>
     <p:spTree>
@@ -21252,7 +28096,7 @@
 </p:sld>
 </file>
 
-<file path=ppt/slides/slide45.xml><?xml version="1.0" encoding="utf-8"?>
+<file path=ppt/slides/slide64.xml><?xml version="1.0" encoding="utf-8"?>
 <p:sld xmlns:a="http://schemas.openxmlformats.org/drawingml/2006/main" xmlns:r="http://schemas.openxmlformats.org/officeDocument/2006/relationships" xmlns:p="http://schemas.openxmlformats.org/presentationml/2006/main">
   <p:cSld>
     <p:spTree>
@@ -21285,10 +28129,9 @@
           <a:lstStyle/>
           <a:p>
             <a:r>
-              <a:rPr lang="es-CO" dirty="0" smtClean="0"/>
+              <a:rPr lang="es-CO" dirty="0"/>
               <a:t>Bibliografía</a:t>
             </a:r>
-            <a:endParaRPr lang="es-CO" dirty="0"/>
           </a:p>
         </p:txBody>
       </p:sp>
@@ -21351,13 +28194,8 @@
             </a:r>
             <a:r>
               <a:rPr lang="es-CO" dirty="0"/>
-              <a:t> 1-13</a:t>
+              <a:t> 1-13.</a:t>
             </a:r>
-            <a:r>
-              <a:rPr lang="es-CO" dirty="0" smtClean="0"/>
-              <a:t>.</a:t>
-            </a:r>
-            <a:endParaRPr lang="es-CO" dirty="0"/>
           </a:p>
           <a:p>
             <a:pPr marL="0" indent="0">
@@ -21394,13 +28232,8 @@
             </a:r>
             <a:r>
               <a:rPr lang="es-CO" dirty="0"/>
-              <a:t>: http://</a:t>
+              <a:t>: http://www.tenjo-cundinamarca.gov.co/Paginas/default.aspx</a:t>
             </a:r>
-            <a:r>
-              <a:rPr lang="es-CO" dirty="0" smtClean="0"/>
-              <a:t>www.tenjo-cundinamarca.gov.co/Paginas/default.aspx</a:t>
-            </a:r>
-            <a:endParaRPr lang="es-CO" dirty="0"/>
           </a:p>
           <a:p>
             <a:pPr marL="0" indent="0">
@@ -21417,13 +28250,8 @@
             </a:pPr>
             <a:r>
               <a:rPr lang="es-CO" dirty="0"/>
-              <a:t>Enrique Santos Montero. (A. Duque Escobar, Entrevistador</a:t>
+              <a:t>Enrique Santos Montero. (A. Duque Escobar, Entrevistador)</a:t>
             </a:r>
-            <a:r>
-              <a:rPr lang="es-CO" dirty="0" smtClean="0"/>
-              <a:t>)</a:t>
-            </a:r>
-            <a:endParaRPr lang="es-CO" dirty="0"/>
           </a:p>
           <a:p>
             <a:pPr marL="0" indent="0">
@@ -21457,13 +28285,8 @@
             </a:pPr>
             <a:r>
               <a:rPr lang="es-CO" dirty="0"/>
-              <a:t>Hill</a:t>
+              <a:t>Hill.</a:t>
             </a:r>
-            <a:r>
-              <a:rPr lang="es-CO" dirty="0" smtClean="0"/>
-              <a:t>.</a:t>
-            </a:r>
-            <a:endParaRPr lang="es-CO" dirty="0"/>
           </a:p>
           <a:p>
             <a:pPr marL="0" indent="0">
@@ -21471,13 +28294,8 @@
             </a:pPr>
             <a:r>
               <a:rPr lang="es-CO" dirty="0"/>
-              <a:t>Portocarrero, D. (2021). Archivo personal</a:t>
+              <a:t>Portocarrero, D. (2021). Archivo personal.</a:t>
             </a:r>
-            <a:r>
-              <a:rPr lang="es-CO" dirty="0" smtClean="0"/>
-              <a:t>.</a:t>
-            </a:r>
-            <a:endParaRPr lang="es-CO" dirty="0"/>
           </a:p>
           <a:p>
             <a:pPr marL="0" indent="0">
@@ -21516,7 +28334,7 @@
               <a:t>. Lima. </a:t>
             </a:r>
             <a:r>
-              <a:rPr lang="es-CO" dirty="0" err="1" smtClean="0"/>
+              <a:rPr lang="es-CO" dirty="0" err="1"/>
               <a:t>LibrosDigitales.Net</a:t>
             </a:r>
             <a:endParaRPr lang="es-CO" dirty="0"/>
@@ -21570,182 +28388,6 @@
     <p:extLst>
       <p:ext uri="{BB962C8B-B14F-4D97-AF65-F5344CB8AC3E}">
         <p14:creationId xmlns:p14="http://schemas.microsoft.com/office/powerpoint/2010/main" val="1000145200"/>
-      </p:ext>
-    </p:extLst>
-  </p:cSld>
-  <p:clrMapOvr>
-    <a:masterClrMapping/>
-  </p:clrMapOvr>
-</p:sld>
-</file>
-
-<file path=ppt/slides/slide5.xml><?xml version="1.0" encoding="utf-8"?>
-<p:sld xmlns:a="http://schemas.openxmlformats.org/drawingml/2006/main" xmlns:r="http://schemas.openxmlformats.org/officeDocument/2006/relationships" xmlns:p="http://schemas.openxmlformats.org/presentationml/2006/main">
-  <p:cSld>
-    <p:spTree>
-      <p:nvGrpSpPr>
-        <p:cNvPr id="1" name=""/>
-        <p:cNvGrpSpPr/>
-        <p:nvPr/>
-      </p:nvGrpSpPr>
-      <p:grpSpPr>
-        <a:xfrm>
-          <a:off x="0" y="0"/>
-          <a:ext cx="0" cy="0"/>
-          <a:chOff x="0" y="0"/>
-          <a:chExt cx="0" cy="0"/>
-        </a:xfrm>
-      </p:grpSpPr>
-      <p:sp>
-        <p:nvSpPr>
-          <p:cNvPr id="2" name="Título 1"/>
-          <p:cNvSpPr>
-            <a:spLocks noGrp="1"/>
-          </p:cNvSpPr>
-          <p:nvPr>
-            <p:ph type="title"/>
-          </p:nvPr>
-        </p:nvSpPr>
-        <p:spPr/>
-        <p:txBody>
-          <a:bodyPr/>
-          <a:lstStyle/>
-          <a:p>
-            <a:r>
-              <a:rPr lang="es-CO" dirty="0"/>
-              <a:t>Planteamiento del problema</a:t>
-            </a:r>
-          </a:p>
-        </p:txBody>
-      </p:sp>
-      <p:sp>
-        <p:nvSpPr>
-          <p:cNvPr id="4" name="Marcador de contenido 2">
-            <a:extLst>
-              <a:ext uri="{FF2B5EF4-FFF2-40B4-BE49-F238E27FC236}">
-                <a16:creationId xmlns:a16="http://schemas.microsoft.com/office/drawing/2014/main" id="{0BDF9D16-2075-4746-B574-565873BD05F2}"/>
-              </a:ext>
-            </a:extLst>
-          </p:cNvPr>
-          <p:cNvSpPr>
-            <a:spLocks noGrp="1"/>
-          </p:cNvSpPr>
-          <p:nvPr>
-            <p:ph idx="1"/>
-          </p:nvPr>
-        </p:nvSpPr>
-        <p:spPr>
-          <a:xfrm>
-            <a:off x="5118447" y="803186"/>
-            <a:ext cx="6281873" cy="5248622"/>
-          </a:xfrm>
-        </p:spPr>
-        <p:txBody>
-          <a:bodyPr/>
-          <a:lstStyle/>
-          <a:p>
-            <a:pPr marL="0" indent="0" algn="just">
-              <a:buNone/>
-            </a:pPr>
-            <a:r>
-              <a:rPr lang="es-CO" dirty="0"/>
-              <a:t>En este sentido, el colegio recurre a la plataforma SIGES, programa de la Gobernación de Cundinamarca destinada para tal efecto, cuyo uso y funcionalidad no resultan del todo satisfactorios para los docentes y comunidad académica en general, ya que presenta deficiencias como: no hay usuario para los estudiantes, el registro de notas sólo se hace ingresando la definitiva del bimestre, lo cual hace que sea el docente quien realiza los cálculos; no deja ver el promedio acumulado del estudiante, no presenta estadísticas de rendimiento de los mismos, etcétera (Ramírez Corredor, 2021).</a:t>
-            </a:r>
-          </a:p>
-        </p:txBody>
-      </p:sp>
-    </p:spTree>
-    <p:extLst>
-      <p:ext uri="{BB962C8B-B14F-4D97-AF65-F5344CB8AC3E}">
-        <p14:creationId xmlns:p14="http://schemas.microsoft.com/office/powerpoint/2010/main" val="2855738863"/>
-      </p:ext>
-    </p:extLst>
-  </p:cSld>
-  <p:clrMapOvr>
-    <a:masterClrMapping/>
-  </p:clrMapOvr>
-</p:sld>
-</file>
-
-<file path=ppt/slides/slide6.xml><?xml version="1.0" encoding="utf-8"?>
-<p:sld xmlns:a="http://schemas.openxmlformats.org/drawingml/2006/main" xmlns:r="http://schemas.openxmlformats.org/officeDocument/2006/relationships" xmlns:p="http://schemas.openxmlformats.org/presentationml/2006/main">
-  <p:cSld>
-    <p:spTree>
-      <p:nvGrpSpPr>
-        <p:cNvPr id="1" name=""/>
-        <p:cNvGrpSpPr/>
-        <p:nvPr/>
-      </p:nvGrpSpPr>
-      <p:grpSpPr>
-        <a:xfrm>
-          <a:off x="0" y="0"/>
-          <a:ext cx="0" cy="0"/>
-          <a:chOff x="0" y="0"/>
-          <a:chExt cx="0" cy="0"/>
-        </a:xfrm>
-      </p:grpSpPr>
-      <p:sp>
-        <p:nvSpPr>
-          <p:cNvPr id="2" name="Título 1"/>
-          <p:cNvSpPr>
-            <a:spLocks noGrp="1"/>
-          </p:cNvSpPr>
-          <p:nvPr>
-            <p:ph type="title"/>
-          </p:nvPr>
-        </p:nvSpPr>
-        <p:spPr/>
-        <p:txBody>
-          <a:bodyPr/>
-          <a:lstStyle/>
-          <a:p>
-            <a:r>
-              <a:rPr lang="es-CO" dirty="0"/>
-              <a:t>Pregunta de investigación</a:t>
-            </a:r>
-          </a:p>
-        </p:txBody>
-      </p:sp>
-      <p:sp>
-        <p:nvSpPr>
-          <p:cNvPr id="4" name="Marcador de contenido 2">
-            <a:extLst>
-              <a:ext uri="{FF2B5EF4-FFF2-40B4-BE49-F238E27FC236}">
-                <a16:creationId xmlns:a16="http://schemas.microsoft.com/office/drawing/2014/main" id="{2D3D8CCB-441A-F548-95BA-41165A51A6CC}"/>
-              </a:ext>
-            </a:extLst>
-          </p:cNvPr>
-          <p:cNvSpPr>
-            <a:spLocks noGrp="1"/>
-          </p:cNvSpPr>
-          <p:nvPr>
-            <p:ph idx="1"/>
-          </p:nvPr>
-        </p:nvSpPr>
-        <p:spPr>
-          <a:xfrm>
-            <a:off x="5118447" y="803186"/>
-            <a:ext cx="6281873" cy="5248622"/>
-          </a:xfrm>
-        </p:spPr>
-        <p:txBody>
-          <a:bodyPr/>
-          <a:lstStyle/>
-          <a:p>
-            <a:pPr marL="0" indent="0" algn="just">
-              <a:buNone/>
-            </a:pPr>
-            <a:r>
-              <a:rPr lang="es-CO" dirty="0"/>
-              <a:t>Bajo este orden de ideas, surge la siguiente pregunta de investigación: ¿Qué carácterísticas debe tener un sistema de información para satisfacer las necesidades que la Institución Educativa Enrique Santos Montejo tiene en el registro y gestión de las calificaciones de sus estudiantes?</a:t>
-            </a:r>
-          </a:p>
-        </p:txBody>
-      </p:sp>
-    </p:spTree>
-    <p:extLst>
-      <p:ext uri="{BB962C8B-B14F-4D97-AF65-F5344CB8AC3E}">
-        <p14:creationId xmlns:p14="http://schemas.microsoft.com/office/powerpoint/2010/main" val="1889876429"/>
       </p:ext>
     </p:extLst>
   </p:cSld>

--- a/PLANTEAMIENTO_DEL_PROBLEMA.pptx
+++ b/PLANTEAMIENTO_DEL_PROBLEMA.pptx
@@ -1584,7 +1584,7 @@
           <a:p>
             <a:fld id="{D253BB75-C9F5-8342-9D8A-C2F31092015F}" type="datetimeFigureOut">
               <a:rPr lang="es-CO" smtClean="0"/>
-              <a:t>17/04/21</a:t>
+              <a:t>17/04/2021</a:t>
             </a:fld>
             <a:endParaRPr lang="es-CO"/>
           </a:p>
@@ -3043,7 +3043,7 @@
           <a:p>
             <a:fld id="{D253BB75-C9F5-8342-9D8A-C2F31092015F}" type="datetimeFigureOut">
               <a:rPr lang="es-CO" smtClean="0"/>
-              <a:t>17/04/21</a:t>
+              <a:t>17/04/2021</a:t>
             </a:fld>
             <a:endParaRPr lang="es-CO"/>
           </a:p>
@@ -4496,7 +4496,7 @@
           <a:p>
             <a:fld id="{D253BB75-C9F5-8342-9D8A-C2F31092015F}" type="datetimeFigureOut">
               <a:rPr lang="es-CO" smtClean="0"/>
-              <a:t>17/04/21</a:t>
+              <a:t>17/04/2021</a:t>
             </a:fld>
             <a:endParaRPr lang="es-CO"/>
           </a:p>
@@ -5951,7 +5951,7 @@
           <a:p>
             <a:fld id="{D253BB75-C9F5-8342-9D8A-C2F31092015F}" type="datetimeFigureOut">
               <a:rPr lang="es-CO" smtClean="0"/>
-              <a:t>17/04/21</a:t>
+              <a:t>17/04/2021</a:t>
             </a:fld>
             <a:endParaRPr lang="es-CO"/>
           </a:p>
@@ -7459,7 +7459,7 @@
           <a:p>
             <a:fld id="{D253BB75-C9F5-8342-9D8A-C2F31092015F}" type="datetimeFigureOut">
               <a:rPr lang="es-CO" smtClean="0"/>
-              <a:t>17/04/21</a:t>
+              <a:t>17/04/2021</a:t>
             </a:fld>
             <a:endParaRPr lang="es-CO"/>
           </a:p>
@@ -8980,7 +8980,7 @@
           <a:p>
             <a:fld id="{D253BB75-C9F5-8342-9D8A-C2F31092015F}" type="datetimeFigureOut">
               <a:rPr lang="es-CO" smtClean="0"/>
-              <a:t>17/04/21</a:t>
+              <a:t>17/04/2021</a:t>
             </a:fld>
             <a:endParaRPr lang="es-CO"/>
           </a:p>
@@ -10645,7 +10645,7 @@
           <a:p>
             <a:fld id="{D253BB75-C9F5-8342-9D8A-C2F31092015F}" type="datetimeFigureOut">
               <a:rPr lang="es-CO" smtClean="0"/>
-              <a:t>17/04/21</a:t>
+              <a:t>17/04/2021</a:t>
             </a:fld>
             <a:endParaRPr lang="es-CO"/>
           </a:p>
@@ -12043,7 +12043,7 @@
           <a:p>
             <a:fld id="{D253BB75-C9F5-8342-9D8A-C2F31092015F}" type="datetimeFigureOut">
               <a:rPr lang="es-CO" smtClean="0"/>
-              <a:t>17/04/21</a:t>
+              <a:t>17/04/2021</a:t>
             </a:fld>
             <a:endParaRPr lang="es-CO"/>
           </a:p>
@@ -12143,7 +12143,7 @@
           <a:p>
             <a:fld id="{D253BB75-C9F5-8342-9D8A-C2F31092015F}" type="datetimeFigureOut">
               <a:rPr lang="es-CO" smtClean="0"/>
-              <a:t>17/04/21</a:t>
+              <a:t>17/04/2021</a:t>
             </a:fld>
             <a:endParaRPr lang="es-CO"/>
           </a:p>
@@ -13669,7 +13669,7 @@
           <a:p>
             <a:fld id="{D253BB75-C9F5-8342-9D8A-C2F31092015F}" type="datetimeFigureOut">
               <a:rPr lang="es-CO" smtClean="0"/>
-              <a:t>17/04/21</a:t>
+              <a:t>17/04/2021</a:t>
             </a:fld>
             <a:endParaRPr lang="es-CO"/>
           </a:p>
@@ -15205,7 +15205,7 @@
           <a:p>
             <a:fld id="{D253BB75-C9F5-8342-9D8A-C2F31092015F}" type="datetimeFigureOut">
               <a:rPr lang="es-CO" smtClean="0"/>
-              <a:t>17/04/21</a:t>
+              <a:t>17/04/2021</a:t>
             </a:fld>
             <a:endParaRPr lang="es-CO"/>
           </a:p>
@@ -15428,7 +15428,7 @@
           <a:p>
             <a:fld id="{D253BB75-C9F5-8342-9D8A-C2F31092015F}" type="datetimeFigureOut">
               <a:rPr lang="es-CO" smtClean="0"/>
-              <a:t>17/04/21</a:t>
+              <a:t>17/04/2021</a:t>
             </a:fld>
             <a:endParaRPr lang="es-CO"/>
           </a:p>
@@ -17707,7 +17707,7 @@
       </p:grpSpPr>
       <p:pic>
         <p:nvPicPr>
-          <p:cNvPr id="8" name="Imagen 7"/>
+          <p:cNvPr id="2" name="Imagen 1"/>
           <p:cNvPicPr>
             <a:picLocks noChangeAspect="1"/>
           </p:cNvPicPr>
@@ -17727,8 +17727,8 @@
         </p:blipFill>
         <p:spPr>
           <a:xfrm>
-            <a:off x="805728" y="0"/>
-            <a:ext cx="9610725" cy="6838950"/>
+            <a:off x="803564" y="0"/>
+            <a:ext cx="10634807" cy="6848243"/>
           </a:xfrm>
           <a:prstGeom prst="rect">
             <a:avLst/>
@@ -17737,13 +17737,13 @@
       </p:pic>
       <p:sp>
         <p:nvSpPr>
-          <p:cNvPr id="9" name="CuadroTexto 8"/>
+          <p:cNvPr id="6" name="CuadroTexto 5"/>
           <p:cNvSpPr txBox="1"/>
           <p:nvPr/>
         </p:nvSpPr>
         <p:spPr>
           <a:xfrm>
-            <a:off x="7730836" y="6580769"/>
+            <a:off x="8104909" y="6581001"/>
             <a:ext cx="3200400" cy="276999"/>
           </a:xfrm>
           <a:prstGeom prst="rect">

--- a/PLANTEAMIENTO_DEL_PROBLEMA.pptx
+++ b/PLANTEAMIENTO_DEL_PROBLEMA.pptx
@@ -31,44 +31,45 @@
     <p:sldId id="280" r:id="rId25"/>
     <p:sldId id="281" r:id="rId26"/>
     <p:sldId id="282" r:id="rId27"/>
-    <p:sldId id="290" r:id="rId28"/>
-    <p:sldId id="283" r:id="rId29"/>
-    <p:sldId id="284" r:id="rId30"/>
-    <p:sldId id="285" r:id="rId31"/>
-    <p:sldId id="322" r:id="rId32"/>
-    <p:sldId id="327" r:id="rId33"/>
-    <p:sldId id="311" r:id="rId34"/>
-    <p:sldId id="328" r:id="rId35"/>
-    <p:sldId id="329" r:id="rId36"/>
-    <p:sldId id="330" r:id="rId37"/>
-    <p:sldId id="325" r:id="rId38"/>
-    <p:sldId id="333" r:id="rId39"/>
-    <p:sldId id="334" r:id="rId40"/>
-    <p:sldId id="335" r:id="rId41"/>
-    <p:sldId id="336" r:id="rId42"/>
-    <p:sldId id="331" r:id="rId43"/>
-    <p:sldId id="332" r:id="rId44"/>
-    <p:sldId id="337" r:id="rId45"/>
-    <p:sldId id="338" r:id="rId46"/>
-    <p:sldId id="293" r:id="rId47"/>
-    <p:sldId id="296" r:id="rId48"/>
-    <p:sldId id="339" r:id="rId49"/>
-    <p:sldId id="340" r:id="rId50"/>
-    <p:sldId id="341" r:id="rId51"/>
-    <p:sldId id="297" r:id="rId52"/>
-    <p:sldId id="299" r:id="rId53"/>
-    <p:sldId id="300" r:id="rId54"/>
-    <p:sldId id="298" r:id="rId55"/>
-    <p:sldId id="342" r:id="rId56"/>
-    <p:sldId id="343" r:id="rId57"/>
-    <p:sldId id="344" r:id="rId58"/>
-    <p:sldId id="304" r:id="rId59"/>
-    <p:sldId id="307" r:id="rId60"/>
-    <p:sldId id="308" r:id="rId61"/>
-    <p:sldId id="309" r:id="rId62"/>
-    <p:sldId id="302" r:id="rId63"/>
-    <p:sldId id="301" r:id="rId64"/>
-    <p:sldId id="303" r:id="rId65"/>
+    <p:sldId id="345" r:id="rId28"/>
+    <p:sldId id="290" r:id="rId29"/>
+    <p:sldId id="283" r:id="rId30"/>
+    <p:sldId id="284" r:id="rId31"/>
+    <p:sldId id="285" r:id="rId32"/>
+    <p:sldId id="322" r:id="rId33"/>
+    <p:sldId id="327" r:id="rId34"/>
+    <p:sldId id="311" r:id="rId35"/>
+    <p:sldId id="328" r:id="rId36"/>
+    <p:sldId id="329" r:id="rId37"/>
+    <p:sldId id="330" r:id="rId38"/>
+    <p:sldId id="325" r:id="rId39"/>
+    <p:sldId id="333" r:id="rId40"/>
+    <p:sldId id="334" r:id="rId41"/>
+    <p:sldId id="335" r:id="rId42"/>
+    <p:sldId id="336" r:id="rId43"/>
+    <p:sldId id="331" r:id="rId44"/>
+    <p:sldId id="332" r:id="rId45"/>
+    <p:sldId id="337" r:id="rId46"/>
+    <p:sldId id="338" r:id="rId47"/>
+    <p:sldId id="293" r:id="rId48"/>
+    <p:sldId id="296" r:id="rId49"/>
+    <p:sldId id="339" r:id="rId50"/>
+    <p:sldId id="340" r:id="rId51"/>
+    <p:sldId id="341" r:id="rId52"/>
+    <p:sldId id="297" r:id="rId53"/>
+    <p:sldId id="299" r:id="rId54"/>
+    <p:sldId id="300" r:id="rId55"/>
+    <p:sldId id="298" r:id="rId56"/>
+    <p:sldId id="342" r:id="rId57"/>
+    <p:sldId id="343" r:id="rId58"/>
+    <p:sldId id="344" r:id="rId59"/>
+    <p:sldId id="304" r:id="rId60"/>
+    <p:sldId id="307" r:id="rId61"/>
+    <p:sldId id="308" r:id="rId62"/>
+    <p:sldId id="309" r:id="rId63"/>
+    <p:sldId id="302" r:id="rId64"/>
+    <p:sldId id="301" r:id="rId65"/>
+    <p:sldId id="303" r:id="rId66"/>
   </p:sldIdLst>
   <p:sldSz cx="12192000" cy="6858000"/>
   <p:notesSz cx="6858000" cy="9144000"/>
@@ -1584,7 +1585,7 @@
           <a:p>
             <a:fld id="{D253BB75-C9F5-8342-9D8A-C2F31092015F}" type="datetimeFigureOut">
               <a:rPr lang="es-CO" smtClean="0"/>
-              <a:t>17/04/2021</a:t>
+              <a:t>18/04/2021</a:t>
             </a:fld>
             <a:endParaRPr lang="es-CO"/>
           </a:p>
@@ -3043,7 +3044,7 @@
           <a:p>
             <a:fld id="{D253BB75-C9F5-8342-9D8A-C2F31092015F}" type="datetimeFigureOut">
               <a:rPr lang="es-CO" smtClean="0"/>
-              <a:t>17/04/2021</a:t>
+              <a:t>18/04/2021</a:t>
             </a:fld>
             <a:endParaRPr lang="es-CO"/>
           </a:p>
@@ -4496,7 +4497,7 @@
           <a:p>
             <a:fld id="{D253BB75-C9F5-8342-9D8A-C2F31092015F}" type="datetimeFigureOut">
               <a:rPr lang="es-CO" smtClean="0"/>
-              <a:t>17/04/2021</a:t>
+              <a:t>18/04/2021</a:t>
             </a:fld>
             <a:endParaRPr lang="es-CO"/>
           </a:p>
@@ -5951,7 +5952,7 @@
           <a:p>
             <a:fld id="{D253BB75-C9F5-8342-9D8A-C2F31092015F}" type="datetimeFigureOut">
               <a:rPr lang="es-CO" smtClean="0"/>
-              <a:t>17/04/2021</a:t>
+              <a:t>18/04/2021</a:t>
             </a:fld>
             <a:endParaRPr lang="es-CO"/>
           </a:p>
@@ -7459,7 +7460,7 @@
           <a:p>
             <a:fld id="{D253BB75-C9F5-8342-9D8A-C2F31092015F}" type="datetimeFigureOut">
               <a:rPr lang="es-CO" smtClean="0"/>
-              <a:t>17/04/2021</a:t>
+              <a:t>18/04/2021</a:t>
             </a:fld>
             <a:endParaRPr lang="es-CO"/>
           </a:p>
@@ -8980,7 +8981,7 @@
           <a:p>
             <a:fld id="{D253BB75-C9F5-8342-9D8A-C2F31092015F}" type="datetimeFigureOut">
               <a:rPr lang="es-CO" smtClean="0"/>
-              <a:t>17/04/2021</a:t>
+              <a:t>18/04/2021</a:t>
             </a:fld>
             <a:endParaRPr lang="es-CO"/>
           </a:p>
@@ -10645,7 +10646,7 @@
           <a:p>
             <a:fld id="{D253BB75-C9F5-8342-9D8A-C2F31092015F}" type="datetimeFigureOut">
               <a:rPr lang="es-CO" smtClean="0"/>
-              <a:t>17/04/2021</a:t>
+              <a:t>18/04/2021</a:t>
             </a:fld>
             <a:endParaRPr lang="es-CO"/>
           </a:p>
@@ -12043,7 +12044,7 @@
           <a:p>
             <a:fld id="{D253BB75-C9F5-8342-9D8A-C2F31092015F}" type="datetimeFigureOut">
               <a:rPr lang="es-CO" smtClean="0"/>
-              <a:t>17/04/2021</a:t>
+              <a:t>18/04/2021</a:t>
             </a:fld>
             <a:endParaRPr lang="es-CO"/>
           </a:p>
@@ -12143,7 +12144,7 @@
           <a:p>
             <a:fld id="{D253BB75-C9F5-8342-9D8A-C2F31092015F}" type="datetimeFigureOut">
               <a:rPr lang="es-CO" smtClean="0"/>
-              <a:t>17/04/2021</a:t>
+              <a:t>18/04/2021</a:t>
             </a:fld>
             <a:endParaRPr lang="es-CO"/>
           </a:p>
@@ -13669,7 +13670,7 @@
           <a:p>
             <a:fld id="{D253BB75-C9F5-8342-9D8A-C2F31092015F}" type="datetimeFigureOut">
               <a:rPr lang="es-CO" smtClean="0"/>
-              <a:t>17/04/2021</a:t>
+              <a:t>18/04/2021</a:t>
             </a:fld>
             <a:endParaRPr lang="es-CO"/>
           </a:p>
@@ -15205,7 +15206,7 @@
           <a:p>
             <a:fld id="{D253BB75-C9F5-8342-9D8A-C2F31092015F}" type="datetimeFigureOut">
               <a:rPr lang="es-CO" smtClean="0"/>
-              <a:t>17/04/2021</a:t>
+              <a:t>18/04/2021</a:t>
             </a:fld>
             <a:endParaRPr lang="es-CO"/>
           </a:p>
@@ -15428,7 +15429,7 @@
           <a:p>
             <a:fld id="{D253BB75-C9F5-8342-9D8A-C2F31092015F}" type="datetimeFigureOut">
               <a:rPr lang="es-CO" smtClean="0"/>
-              <a:t>17/04/2021</a:t>
+              <a:t>18/04/2021</a:t>
             </a:fld>
             <a:endParaRPr lang="es-CO"/>
           </a:p>
@@ -17436,30 +17437,27 @@
       </p:grpSpPr>
       <p:pic>
         <p:nvPicPr>
-          <p:cNvPr id="4" name="Marcador de contenido 4">
-            <a:extLst>
-              <a:ext uri="{FF2B5EF4-FFF2-40B4-BE49-F238E27FC236}">
-                <a16:creationId xmlns:a16="http://schemas.microsoft.com/office/drawing/2014/main" id="{0705C287-6193-E540-B1C5-BF0EEC65E628}"/>
-              </a:ext>
-            </a:extLst>
-          </p:cNvPr>
+          <p:cNvPr id="3" name="Imagen 2"/>
           <p:cNvPicPr>
-            <a:picLocks noGrp="1" noChangeAspect="1"/>
+            <a:picLocks noChangeAspect="1"/>
           </p:cNvPicPr>
-          <p:nvPr>
-            <p:ph idx="1"/>
-          </p:nvPr>
+          <p:nvPr/>
         </p:nvPicPr>
-        <p:blipFill>
-          <a:blip r:embed="rId2"/>
-          <a:stretch>
-            <a:fillRect/>
-          </a:stretch>
+        <p:blipFill rotWithShape="1">
+          <a:blip r:embed="rId2">
+            <a:extLst>
+              <a:ext uri="{28A0092B-C50C-407E-A947-70E740481C1C}">
+                <a14:useLocalDpi xmlns:a14="http://schemas.microsoft.com/office/drawing/2010/main" val="0"/>
+              </a:ext>
+            </a:extLst>
+          </a:blip>
+          <a:srcRect l="1127" t="-403" b="74545"/>
+          <a:stretch/>
         </p:blipFill>
         <p:spPr>
           <a:xfrm>
-            <a:off x="374073" y="304800"/>
-            <a:ext cx="11507351" cy="6289964"/>
+            <a:off x="0" y="1177637"/>
+            <a:ext cx="11993946" cy="4239490"/>
           </a:xfrm>
           <a:prstGeom prst="rect">
             <a:avLst/>
@@ -17480,6 +17478,65 @@
 </file>
 
 <file path=ppt/slides/slide27.xml><?xml version="1.0" encoding="utf-8"?>
+<p:sld xmlns:a="http://schemas.openxmlformats.org/drawingml/2006/main" xmlns:r="http://schemas.openxmlformats.org/officeDocument/2006/relationships" xmlns:p="http://schemas.openxmlformats.org/presentationml/2006/main">
+  <p:cSld>
+    <p:spTree>
+      <p:nvGrpSpPr>
+        <p:cNvPr id="1" name=""/>
+        <p:cNvGrpSpPr/>
+        <p:nvPr/>
+      </p:nvGrpSpPr>
+      <p:grpSpPr>
+        <a:xfrm>
+          <a:off x="0" y="0"/>
+          <a:ext cx="0" cy="0"/>
+          <a:chOff x="0" y="0"/>
+          <a:chExt cx="0" cy="0"/>
+        </a:xfrm>
+      </p:grpSpPr>
+      <p:pic>
+        <p:nvPicPr>
+          <p:cNvPr id="4" name="Imagen 3"/>
+          <p:cNvPicPr>
+            <a:picLocks noChangeAspect="1"/>
+          </p:cNvPicPr>
+          <p:nvPr/>
+        </p:nvPicPr>
+        <p:blipFill rotWithShape="1">
+          <a:blip r:embed="rId2">
+            <a:extLst>
+              <a:ext uri="{28A0092B-C50C-407E-A947-70E740481C1C}">
+                <a14:useLocalDpi xmlns:a14="http://schemas.microsoft.com/office/drawing/2010/main" val="0"/>
+              </a:ext>
+            </a:extLst>
+          </a:blip>
+          <a:srcRect l="580" t="27273" r="1217" b="3232"/>
+          <a:stretch/>
+        </p:blipFill>
+        <p:spPr>
+          <a:xfrm>
+            <a:off x="1696532" y="0"/>
+            <a:ext cx="7059541" cy="6751964"/>
+          </a:xfrm>
+          <a:prstGeom prst="rect">
+            <a:avLst/>
+          </a:prstGeom>
+        </p:spPr>
+      </p:pic>
+    </p:spTree>
+    <p:extLst>
+      <p:ext uri="{BB962C8B-B14F-4D97-AF65-F5344CB8AC3E}">
+        <p14:creationId xmlns:p14="http://schemas.microsoft.com/office/powerpoint/2010/main" val="668909990"/>
+      </p:ext>
+    </p:extLst>
+  </p:cSld>
+  <p:clrMapOvr>
+    <a:masterClrMapping/>
+  </p:clrMapOvr>
+</p:sld>
+</file>
+
+<file path=ppt/slides/slide28.xml><?xml version="1.0" encoding="utf-8"?>
 <p:sld xmlns:a="http://schemas.openxmlformats.org/drawingml/2006/main" xmlns:r="http://schemas.openxmlformats.org/officeDocument/2006/relationships" xmlns:p="http://schemas.openxmlformats.org/presentationml/2006/main">
   <p:cSld>
     <p:spTree>
@@ -17601,7 +17658,7 @@
 </p:sld>
 </file>
 
-<file path=ppt/slides/slide28.xml><?xml version="1.0" encoding="utf-8"?>
+<file path=ppt/slides/slide29.xml><?xml version="1.0" encoding="utf-8"?>
 <p:sld xmlns:a="http://schemas.openxmlformats.org/drawingml/2006/main" xmlns:r="http://schemas.openxmlformats.org/officeDocument/2006/relationships" xmlns:p="http://schemas.openxmlformats.org/presentationml/2006/main">
   <p:cSld>
     <p:spTree>
@@ -17679,109 +17736,6 @@
     <p:extLst>
       <p:ext uri="{BB962C8B-B14F-4D97-AF65-F5344CB8AC3E}">
         <p14:creationId xmlns:p14="http://schemas.microsoft.com/office/powerpoint/2010/main" val="1547825825"/>
-      </p:ext>
-    </p:extLst>
-  </p:cSld>
-  <p:clrMapOvr>
-    <a:masterClrMapping/>
-  </p:clrMapOvr>
-</p:sld>
-</file>
-
-<file path=ppt/slides/slide29.xml><?xml version="1.0" encoding="utf-8"?>
-<p:sld xmlns:a="http://schemas.openxmlformats.org/drawingml/2006/main" xmlns:r="http://schemas.openxmlformats.org/officeDocument/2006/relationships" xmlns:p="http://schemas.openxmlformats.org/presentationml/2006/main">
-  <p:cSld>
-    <p:spTree>
-      <p:nvGrpSpPr>
-        <p:cNvPr id="1" name=""/>
-        <p:cNvGrpSpPr/>
-        <p:nvPr/>
-      </p:nvGrpSpPr>
-      <p:grpSpPr>
-        <a:xfrm>
-          <a:off x="0" y="0"/>
-          <a:ext cx="0" cy="0"/>
-          <a:chOff x="0" y="0"/>
-          <a:chExt cx="0" cy="0"/>
-        </a:xfrm>
-      </p:grpSpPr>
-      <p:pic>
-        <p:nvPicPr>
-          <p:cNvPr id="2" name="Imagen 1"/>
-          <p:cNvPicPr>
-            <a:picLocks noChangeAspect="1"/>
-          </p:cNvPicPr>
-          <p:nvPr/>
-        </p:nvPicPr>
-        <p:blipFill>
-          <a:blip r:embed="rId2">
-            <a:extLst>
-              <a:ext uri="{28A0092B-C50C-407E-A947-70E740481C1C}">
-                <a14:useLocalDpi xmlns:a14="http://schemas.microsoft.com/office/drawing/2010/main" val="0"/>
-              </a:ext>
-            </a:extLst>
-          </a:blip>
-          <a:stretch>
-            <a:fillRect/>
-          </a:stretch>
-        </p:blipFill>
-        <p:spPr>
-          <a:xfrm>
-            <a:off x="803564" y="0"/>
-            <a:ext cx="10634807" cy="6848243"/>
-          </a:xfrm>
-          <a:prstGeom prst="rect">
-            <a:avLst/>
-          </a:prstGeom>
-        </p:spPr>
-      </p:pic>
-      <p:sp>
-        <p:nvSpPr>
-          <p:cNvPr id="6" name="CuadroTexto 5"/>
-          <p:cNvSpPr txBox="1"/>
-          <p:nvPr/>
-        </p:nvSpPr>
-        <p:spPr>
-          <a:xfrm>
-            <a:off x="8104909" y="6581001"/>
-            <a:ext cx="3200400" cy="276999"/>
-          </a:xfrm>
-          <a:prstGeom prst="rect">
-            <a:avLst/>
-          </a:prstGeom>
-          <a:noFill/>
-        </p:spPr>
-        <p:txBody>
-          <a:bodyPr wrap="square" rtlCol="0">
-            <a:spAutoFit/>
-          </a:bodyPr>
-          <a:lstStyle/>
-          <a:p>
-            <a:r>
-              <a:rPr lang="es-CO" sz="1200" dirty="0">
-                <a:latin typeface="Times New Roman" panose="02020603050405020304" pitchFamily="18" charset="0"/>
-                <a:cs typeface="Times New Roman" panose="02020603050405020304" pitchFamily="18" charset="0"/>
-              </a:rPr>
-              <a:t>Fuente: Construcción propia en Visual </a:t>
-            </a:r>
-            <a:r>
-              <a:rPr lang="es-CO" sz="1200" dirty="0" err="1">
-                <a:latin typeface="Times New Roman" panose="02020603050405020304" pitchFamily="18" charset="0"/>
-                <a:cs typeface="Times New Roman" panose="02020603050405020304" pitchFamily="18" charset="0"/>
-              </a:rPr>
-              <a:t>Paradigm</a:t>
-            </a:r>
-            <a:endParaRPr lang="es-CO" sz="1200" dirty="0">
-              <a:latin typeface="Times New Roman" panose="02020603050405020304" pitchFamily="18" charset="0"/>
-              <a:cs typeface="Times New Roman" panose="02020603050405020304" pitchFamily="18" charset="0"/>
-            </a:endParaRPr>
-          </a:p>
-        </p:txBody>
-      </p:sp>
-    </p:spTree>
-    <p:extLst>
-      <p:ext uri="{BB962C8B-B14F-4D97-AF65-F5344CB8AC3E}">
-        <p14:creationId xmlns:p14="http://schemas.microsoft.com/office/powerpoint/2010/main" val="3397706953"/>
       </p:ext>
     </p:extLst>
   </p:cSld>
@@ -17908,6 +17862,109 @@
       </p:grpSpPr>
       <p:sp>
         <p:nvSpPr>
+          <p:cNvPr id="6" name="CuadroTexto 5"/>
+          <p:cNvSpPr txBox="1"/>
+          <p:nvPr/>
+        </p:nvSpPr>
+        <p:spPr>
+          <a:xfrm>
+            <a:off x="8104909" y="6581001"/>
+            <a:ext cx="3200400" cy="276999"/>
+          </a:xfrm>
+          <a:prstGeom prst="rect">
+            <a:avLst/>
+          </a:prstGeom>
+          <a:noFill/>
+        </p:spPr>
+        <p:txBody>
+          <a:bodyPr wrap="square" rtlCol="0">
+            <a:spAutoFit/>
+          </a:bodyPr>
+          <a:lstStyle/>
+          <a:p>
+            <a:r>
+              <a:rPr lang="es-CO" sz="1200" dirty="0">
+                <a:latin typeface="Times New Roman" panose="02020603050405020304" pitchFamily="18" charset="0"/>
+                <a:cs typeface="Times New Roman" panose="02020603050405020304" pitchFamily="18" charset="0"/>
+              </a:rPr>
+              <a:t>Fuente: Construcción propia en Visual </a:t>
+            </a:r>
+            <a:r>
+              <a:rPr lang="es-CO" sz="1200" dirty="0" err="1">
+                <a:latin typeface="Times New Roman" panose="02020603050405020304" pitchFamily="18" charset="0"/>
+                <a:cs typeface="Times New Roman" panose="02020603050405020304" pitchFamily="18" charset="0"/>
+              </a:rPr>
+              <a:t>Paradigm</a:t>
+            </a:r>
+            <a:endParaRPr lang="es-CO" sz="1200" dirty="0">
+              <a:latin typeface="Times New Roman" panose="02020603050405020304" pitchFamily="18" charset="0"/>
+              <a:cs typeface="Times New Roman" panose="02020603050405020304" pitchFamily="18" charset="0"/>
+            </a:endParaRPr>
+          </a:p>
+        </p:txBody>
+      </p:sp>
+      <p:pic>
+        <p:nvPicPr>
+          <p:cNvPr id="3" name="Imagen 2"/>
+          <p:cNvPicPr>
+            <a:picLocks noChangeAspect="1"/>
+          </p:cNvPicPr>
+          <p:nvPr/>
+        </p:nvPicPr>
+        <p:blipFill>
+          <a:blip r:embed="rId2">
+            <a:extLst>
+              <a:ext uri="{28A0092B-C50C-407E-A947-70E740481C1C}">
+                <a14:useLocalDpi xmlns:a14="http://schemas.microsoft.com/office/drawing/2010/main" val="0"/>
+              </a:ext>
+            </a:extLst>
+          </a:blip>
+          <a:stretch>
+            <a:fillRect/>
+          </a:stretch>
+        </p:blipFill>
+        <p:spPr>
+          <a:xfrm>
+            <a:off x="785812" y="96982"/>
+            <a:ext cx="10219788" cy="6373091"/>
+          </a:xfrm>
+          <a:prstGeom prst="rect">
+            <a:avLst/>
+          </a:prstGeom>
+        </p:spPr>
+      </p:pic>
+    </p:spTree>
+    <p:extLst>
+      <p:ext uri="{BB962C8B-B14F-4D97-AF65-F5344CB8AC3E}">
+        <p14:creationId xmlns:p14="http://schemas.microsoft.com/office/powerpoint/2010/main" val="3397706953"/>
+      </p:ext>
+    </p:extLst>
+  </p:cSld>
+  <p:clrMapOvr>
+    <a:masterClrMapping/>
+  </p:clrMapOvr>
+</p:sld>
+</file>
+
+<file path=ppt/slides/slide31.xml><?xml version="1.0" encoding="utf-8"?>
+<p:sld xmlns:a="http://schemas.openxmlformats.org/drawingml/2006/main" xmlns:r="http://schemas.openxmlformats.org/officeDocument/2006/relationships" xmlns:p="http://schemas.openxmlformats.org/presentationml/2006/main">
+  <p:cSld>
+    <p:spTree>
+      <p:nvGrpSpPr>
+        <p:cNvPr id="1" name=""/>
+        <p:cNvGrpSpPr/>
+        <p:nvPr/>
+      </p:nvGrpSpPr>
+      <p:grpSpPr>
+        <a:xfrm>
+          <a:off x="0" y="0"/>
+          <a:ext cx="0" cy="0"/>
+          <a:chOff x="0" y="0"/>
+          <a:chExt cx="0" cy="0"/>
+        </a:xfrm>
+      </p:grpSpPr>
+      <p:sp>
+        <p:nvSpPr>
           <p:cNvPr id="2" name="Título 1">
             <a:extLst>
               <a:ext uri="{FF2B5EF4-FFF2-40B4-BE49-F238E27FC236}">
@@ -17986,7 +18043,7 @@
 </p:sld>
 </file>
 
-<file path=ppt/slides/slide31.xml><?xml version="1.0" encoding="utf-8"?>
+<file path=ppt/slides/slide32.xml><?xml version="1.0" encoding="utf-8"?>
 <p:sld xmlns:a="http://schemas.openxmlformats.org/drawingml/2006/main" xmlns:r="http://schemas.openxmlformats.org/officeDocument/2006/relationships" xmlns:p="http://schemas.openxmlformats.org/presentationml/2006/main">
   <p:cSld>
     <p:spTree>
@@ -18324,7 +18381,7 @@
 </p:sld>
 </file>
 
-<file path=ppt/slides/slide32.xml><?xml version="1.0" encoding="utf-8"?>
+<file path=ppt/slides/slide33.xml><?xml version="1.0" encoding="utf-8"?>
 <p:sld xmlns:a="http://schemas.openxmlformats.org/drawingml/2006/main" xmlns:r="http://schemas.openxmlformats.org/officeDocument/2006/relationships" xmlns:p="http://schemas.openxmlformats.org/presentationml/2006/main">
   <p:cSld>
     <p:spTree>
@@ -18662,7 +18719,7 @@
 </p:sld>
 </file>
 
-<file path=ppt/slides/slide33.xml><?xml version="1.0" encoding="utf-8"?>
+<file path=ppt/slides/slide34.xml><?xml version="1.0" encoding="utf-8"?>
 <p:sld xmlns:a="http://schemas.openxmlformats.org/drawingml/2006/main" xmlns:r="http://schemas.openxmlformats.org/officeDocument/2006/relationships" xmlns:p="http://schemas.openxmlformats.org/presentationml/2006/main">
   <p:cSld>
     <p:spTree>
@@ -19012,7 +19069,7 @@
 </p:sld>
 </file>
 
-<file path=ppt/slides/slide34.xml><?xml version="1.0" encoding="utf-8"?>
+<file path=ppt/slides/slide35.xml><?xml version="1.0" encoding="utf-8"?>
 <p:sld xmlns:a="http://schemas.openxmlformats.org/drawingml/2006/main" xmlns:r="http://schemas.openxmlformats.org/officeDocument/2006/relationships" xmlns:p="http://schemas.openxmlformats.org/presentationml/2006/main">
   <p:cSld>
     <p:spTree>
@@ -19350,7 +19407,7 @@
 </p:sld>
 </file>
 
-<file path=ppt/slides/slide35.xml><?xml version="1.0" encoding="utf-8"?>
+<file path=ppt/slides/slide36.xml><?xml version="1.0" encoding="utf-8"?>
 <p:sld xmlns:a="http://schemas.openxmlformats.org/drawingml/2006/main" xmlns:r="http://schemas.openxmlformats.org/officeDocument/2006/relationships" xmlns:p="http://schemas.openxmlformats.org/presentationml/2006/main">
   <p:cSld>
     <p:spTree>
@@ -19700,7 +19757,7 @@
 </p:sld>
 </file>
 
-<file path=ppt/slides/slide36.xml><?xml version="1.0" encoding="utf-8"?>
+<file path=ppt/slides/slide37.xml><?xml version="1.0" encoding="utf-8"?>
 <p:sld xmlns:a="http://schemas.openxmlformats.org/drawingml/2006/main" xmlns:r="http://schemas.openxmlformats.org/officeDocument/2006/relationships" xmlns:p="http://schemas.openxmlformats.org/presentationml/2006/main">
   <p:cSld>
     <p:spTree>
@@ -20070,7 +20127,7 @@
 </p:sld>
 </file>
 
-<file path=ppt/slides/slide37.xml><?xml version="1.0" encoding="utf-8"?>
+<file path=ppt/slides/slide38.xml><?xml version="1.0" encoding="utf-8"?>
 <p:sld xmlns:a="http://schemas.openxmlformats.org/drawingml/2006/main" xmlns:r="http://schemas.openxmlformats.org/officeDocument/2006/relationships" xmlns:p="http://schemas.openxmlformats.org/presentationml/2006/main">
   <p:cSld>
     <p:spTree>
@@ -20440,7 +20497,7 @@
 </p:sld>
 </file>
 
-<file path=ppt/slides/slide38.xml><?xml version="1.0" encoding="utf-8"?>
+<file path=ppt/slides/slide39.xml><?xml version="1.0" encoding="utf-8"?>
 <p:sld xmlns:a="http://schemas.openxmlformats.org/drawingml/2006/main" xmlns:r="http://schemas.openxmlformats.org/officeDocument/2006/relationships" xmlns:p="http://schemas.openxmlformats.org/presentationml/2006/main">
   <p:cSld>
     <p:spTree>
@@ -20801,376 +20858,6 @@
     <p:extLst>
       <p:ext uri="{BB962C8B-B14F-4D97-AF65-F5344CB8AC3E}">
         <p14:creationId xmlns:p14="http://schemas.microsoft.com/office/powerpoint/2010/main" val="2645603914"/>
-      </p:ext>
-    </p:extLst>
-  </p:cSld>
-  <p:clrMapOvr>
-    <a:masterClrMapping/>
-  </p:clrMapOvr>
-</p:sld>
-</file>
-
-<file path=ppt/slides/slide39.xml><?xml version="1.0" encoding="utf-8"?>
-<p:sld xmlns:a="http://schemas.openxmlformats.org/drawingml/2006/main" xmlns:r="http://schemas.openxmlformats.org/officeDocument/2006/relationships" xmlns:p="http://schemas.openxmlformats.org/presentationml/2006/main">
-  <p:cSld>
-    <p:spTree>
-      <p:nvGrpSpPr>
-        <p:cNvPr id="1" name=""/>
-        <p:cNvGrpSpPr/>
-        <p:nvPr/>
-      </p:nvGrpSpPr>
-      <p:grpSpPr>
-        <a:xfrm>
-          <a:off x="0" y="0"/>
-          <a:ext cx="0" cy="0"/>
-          <a:chOff x="0" y="0"/>
-          <a:chExt cx="0" cy="0"/>
-        </a:xfrm>
-      </p:grpSpPr>
-      <p:sp>
-        <p:nvSpPr>
-          <p:cNvPr id="2" name="Título 1">
-            <a:extLst>
-              <a:ext uri="{FF2B5EF4-FFF2-40B4-BE49-F238E27FC236}">
-                <a16:creationId xmlns:a16="http://schemas.microsoft.com/office/drawing/2014/main" id="{A544CF25-2F8F-BC45-9D5E-B7214CD84D05}"/>
-              </a:ext>
-            </a:extLst>
-          </p:cNvPr>
-          <p:cNvSpPr>
-            <a:spLocks noGrp="1"/>
-          </p:cNvSpPr>
-          <p:nvPr>
-            <p:ph type="title"/>
-          </p:nvPr>
-        </p:nvSpPr>
-        <p:spPr/>
-        <p:txBody>
-          <a:bodyPr/>
-          <a:lstStyle/>
-          <a:p>
-            <a:r>
-              <a:rPr lang="es-CO" dirty="0"/>
-              <a:t>Requerimientos funcionales</a:t>
-            </a:r>
-          </a:p>
-        </p:txBody>
-      </p:sp>
-      <p:graphicFrame>
-        <p:nvGraphicFramePr>
-          <p:cNvPr id="4" name="Tabla 4">
-            <a:extLst>
-              <a:ext uri="{FF2B5EF4-FFF2-40B4-BE49-F238E27FC236}">
-                <a16:creationId xmlns:a16="http://schemas.microsoft.com/office/drawing/2014/main" id="{104B1BC5-C194-6A4D-BF36-86B68BC29C6E}"/>
-              </a:ext>
-            </a:extLst>
-          </p:cNvPr>
-          <p:cNvGraphicFramePr>
-            <a:graphicFrameLocks noGrp="1"/>
-          </p:cNvGraphicFramePr>
-          <p:nvPr>
-            <p:ph idx="1"/>
-          </p:nvPr>
-        </p:nvGraphicFramePr>
-        <p:xfrm>
-          <a:off x="5118100" y="803275"/>
-          <a:ext cx="6281738" cy="5227320"/>
-        </p:xfrm>
-        <a:graphic>
-          <a:graphicData uri="http://schemas.openxmlformats.org/drawingml/2006/table">
-            <a:tbl>
-              <a:tblPr firstRow="1" bandRow="1">
-                <a:tableStyleId>{5C22544A-7EE6-4342-B048-85BDC9FD1C3A}</a:tableStyleId>
-              </a:tblPr>
-              <a:tblGrid>
-                <a:gridCol w="3140869">
-                  <a:extLst>
-                    <a:ext uri="{9D8B030D-6E8A-4147-A177-3AD203B41FA5}">
-                      <a16:colId xmlns:a16="http://schemas.microsoft.com/office/drawing/2014/main" val="1589146686"/>
-                    </a:ext>
-                  </a:extLst>
-                </a:gridCol>
-                <a:gridCol w="3140869">
-                  <a:extLst>
-                    <a:ext uri="{9D8B030D-6E8A-4147-A177-3AD203B41FA5}">
-                      <a16:colId xmlns:a16="http://schemas.microsoft.com/office/drawing/2014/main" val="1463651238"/>
-                    </a:ext>
-                  </a:extLst>
-                </a:gridCol>
-              </a:tblGrid>
-              <a:tr h="370840">
-                <a:tc>
-                  <a:txBody>
-                    <a:bodyPr/>
-                    <a:lstStyle/>
-                    <a:p>
-                      <a:r>
-                        <a:rPr lang="es-CO" sz="1400" dirty="0"/>
-                        <a:t>Identificación del requerimiento</a:t>
-                      </a:r>
-                    </a:p>
-                  </a:txBody>
-                  <a:tcPr/>
-                </a:tc>
-                <a:tc>
-                  <a:txBody>
-                    <a:bodyPr/>
-                    <a:lstStyle/>
-                    <a:p>
-                      <a:r>
-                        <a:rPr lang="es-CO" sz="1400" dirty="0"/>
-                        <a:t>RF09</a:t>
-                      </a:r>
-                    </a:p>
-                  </a:txBody>
-                  <a:tcPr/>
-                </a:tc>
-                <a:extLst>
-                  <a:ext uri="{0D108BD9-81ED-4DB2-BD59-A6C34878D82A}">
-                    <a16:rowId xmlns:a16="http://schemas.microsoft.com/office/drawing/2014/main" val="3568786682"/>
-                  </a:ext>
-                </a:extLst>
-              </a:tr>
-              <a:tr h="370840">
-                <a:tc>
-                  <a:txBody>
-                    <a:bodyPr/>
-                    <a:lstStyle/>
-                    <a:p>
-                      <a:r>
-                        <a:rPr lang="es-CO" sz="1400" dirty="0"/>
-                        <a:t>Nombre del requerimiento</a:t>
-                      </a:r>
-                    </a:p>
-                  </a:txBody>
-                  <a:tcPr/>
-                </a:tc>
-                <a:tc>
-                  <a:txBody>
-                    <a:bodyPr/>
-                    <a:lstStyle/>
-                    <a:p>
-                      <a:r>
-                        <a:rPr lang="es-CO" sz="1400" dirty="0"/>
-                        <a:t>Consultar notas</a:t>
-                      </a:r>
-                    </a:p>
-                  </a:txBody>
-                  <a:tcPr/>
-                </a:tc>
-                <a:extLst>
-                  <a:ext uri="{0D108BD9-81ED-4DB2-BD59-A6C34878D82A}">
-                    <a16:rowId xmlns:a16="http://schemas.microsoft.com/office/drawing/2014/main" val="2616514354"/>
-                  </a:ext>
-                </a:extLst>
-              </a:tr>
-              <a:tr h="370840">
-                <a:tc>
-                  <a:txBody>
-                    <a:bodyPr/>
-                    <a:lstStyle/>
-                    <a:p>
-                      <a:r>
-                        <a:rPr lang="es-CO" sz="1400" dirty="0"/>
-                        <a:t>Características</a:t>
-                      </a:r>
-                    </a:p>
-                  </a:txBody>
-                  <a:tcPr/>
-                </a:tc>
-                <a:tc>
-                  <a:txBody>
-                    <a:bodyPr/>
-                    <a:lstStyle/>
-                    <a:p>
-                      <a:r>
-                        <a:rPr lang="es-CO" sz="1400" dirty="0"/>
-                        <a:t>El usuario estudiante podrá consultar su boletín de calificaciones y sus estadísticas de rendimiento</a:t>
-                      </a:r>
-                    </a:p>
-                  </a:txBody>
-                  <a:tcPr/>
-                </a:tc>
-                <a:extLst>
-                  <a:ext uri="{0D108BD9-81ED-4DB2-BD59-A6C34878D82A}">
-                    <a16:rowId xmlns:a16="http://schemas.microsoft.com/office/drawing/2014/main" val="1942680024"/>
-                  </a:ext>
-                </a:extLst>
-              </a:tr>
-              <a:tr h="370840">
-                <a:tc>
-                  <a:txBody>
-                    <a:bodyPr/>
-                    <a:lstStyle/>
-                    <a:p>
-                      <a:r>
-                        <a:rPr lang="es-CO" sz="1400" dirty="0"/>
-                        <a:t>Descripción del requerimiento</a:t>
-                      </a:r>
-                    </a:p>
-                  </a:txBody>
-                  <a:tcPr/>
-                </a:tc>
-                <a:tc>
-                  <a:txBody>
-                    <a:bodyPr/>
-                    <a:lstStyle/>
-                    <a:p>
-                      <a:pPr marL="0" marR="0" lvl="0" indent="0" algn="l" defTabSz="914400" rtl="0" eaLnBrk="1" fontAlgn="auto" latinLnBrk="0" hangingPunct="1">
-                        <a:lnSpc>
-                          <a:spcPct val="100000"/>
-                        </a:lnSpc>
-                        <a:spcBef>
-                          <a:spcPts val="0"/>
-                        </a:spcBef>
-                        <a:spcAft>
-                          <a:spcPts val="0"/>
-                        </a:spcAft>
-                        <a:buClrTx/>
-                        <a:buSzTx/>
-                        <a:buFontTx/>
-                        <a:buNone/>
-                        <a:tabLst/>
-                        <a:defRPr/>
-                      </a:pPr>
-                      <a:r>
-                        <a:rPr lang="es-CO" sz="1400" dirty="0"/>
-                        <a:t>El sistema permite al usuario estudiante la consulta de su boletín bimestral y sus estadísticas de rendimiento.</a:t>
-                      </a:r>
-                    </a:p>
-                    <a:p>
-                      <a:endParaRPr lang="es-CO" sz="1400" dirty="0"/>
-                    </a:p>
-                  </a:txBody>
-                  <a:tcPr/>
-                </a:tc>
-                <a:extLst>
-                  <a:ext uri="{0D108BD9-81ED-4DB2-BD59-A6C34878D82A}">
-                    <a16:rowId xmlns:a16="http://schemas.microsoft.com/office/drawing/2014/main" val="2968710298"/>
-                  </a:ext>
-                </a:extLst>
-              </a:tr>
-              <a:tr h="370840">
-                <a:tc>
-                  <a:txBody>
-                    <a:bodyPr/>
-                    <a:lstStyle/>
-                    <a:p>
-                      <a:r>
-                        <a:rPr lang="es-CO" sz="1400" dirty="0"/>
-                        <a:t>Requerimientos no funcionales</a:t>
-                      </a:r>
-                    </a:p>
-                  </a:txBody>
-                  <a:tcPr/>
-                </a:tc>
-                <a:tc>
-                  <a:txBody>
-                    <a:bodyPr/>
-                    <a:lstStyle/>
-                    <a:p>
-                      <a:r>
-                        <a:rPr lang="es-CO" sz="1400" dirty="0"/>
-                        <a:t>RNF01</a:t>
-                      </a:r>
-                    </a:p>
-                    <a:p>
-                      <a:r>
-                        <a:rPr lang="es-CO" sz="1400" dirty="0"/>
-                        <a:t>RNF08</a:t>
-                      </a:r>
-                    </a:p>
-                    <a:p>
-                      <a:r>
-                        <a:rPr lang="es-CO" sz="1400" dirty="0"/>
-                        <a:t>RNF09</a:t>
-                      </a:r>
-                    </a:p>
-                    <a:p>
-                      <a:r>
-                        <a:rPr lang="es-CO" sz="1400" dirty="0"/>
-                        <a:t>RNF10</a:t>
-                      </a:r>
-                    </a:p>
-                    <a:p>
-                      <a:r>
-                        <a:rPr lang="es-CO" sz="1400" dirty="0"/>
-                        <a:t>RNF11</a:t>
-                      </a:r>
-                    </a:p>
-                    <a:p>
-                      <a:r>
-                        <a:rPr lang="es-CO" sz="1400" dirty="0"/>
-                        <a:t>RNF13</a:t>
-                      </a:r>
-                    </a:p>
-                    <a:p>
-                      <a:r>
-                        <a:rPr lang="es-CO" sz="1400" dirty="0"/>
-                        <a:t>RNF14</a:t>
-                      </a:r>
-                    </a:p>
-                    <a:p>
-                      <a:r>
-                        <a:rPr lang="es-CO" sz="1400" dirty="0"/>
-                        <a:t>RNF15</a:t>
-                      </a:r>
-                    </a:p>
-                    <a:p>
-                      <a:r>
-                        <a:rPr lang="es-CO" sz="1400" dirty="0"/>
-                        <a:t>RNF16</a:t>
-                      </a:r>
-                    </a:p>
-                  </a:txBody>
-                  <a:tcPr/>
-                </a:tc>
-                <a:extLst>
-                  <a:ext uri="{0D108BD9-81ED-4DB2-BD59-A6C34878D82A}">
-                    <a16:rowId xmlns:a16="http://schemas.microsoft.com/office/drawing/2014/main" val="302045704"/>
-                  </a:ext>
-                </a:extLst>
-              </a:tr>
-              <a:tr h="370840">
-                <a:tc>
-                  <a:txBody>
-                    <a:bodyPr/>
-                    <a:lstStyle/>
-                    <a:p>
-                      <a:r>
-                        <a:rPr lang="es-CO" sz="1400" dirty="0"/>
-                        <a:t>Prioridad del requerimiento</a:t>
-                      </a:r>
-                    </a:p>
-                  </a:txBody>
-                  <a:tcPr/>
-                </a:tc>
-                <a:tc>
-                  <a:txBody>
-                    <a:bodyPr/>
-                    <a:lstStyle/>
-                    <a:p>
-                      <a:r>
-                        <a:rPr lang="es-CO" sz="1400" dirty="0"/>
-                        <a:t>Alta</a:t>
-                      </a:r>
-                    </a:p>
-                  </a:txBody>
-                  <a:tcPr/>
-                </a:tc>
-                <a:extLst>
-                  <a:ext uri="{0D108BD9-81ED-4DB2-BD59-A6C34878D82A}">
-                    <a16:rowId xmlns:a16="http://schemas.microsoft.com/office/drawing/2014/main" val="2916724385"/>
-                  </a:ext>
-                </a:extLst>
-              </a:tr>
-            </a:tbl>
-          </a:graphicData>
-        </a:graphic>
-      </p:graphicFrame>
-    </p:spTree>
-    <p:extLst>
-      <p:ext uri="{BB962C8B-B14F-4D97-AF65-F5344CB8AC3E}">
-        <p14:creationId xmlns:p14="http://schemas.microsoft.com/office/powerpoint/2010/main" val="10977141"/>
       </p:ext>
     </p:extLst>
   </p:cSld>
@@ -21352,6 +21039,376 @@
         </p:nvGraphicFramePr>
         <p:xfrm>
           <a:off x="5118100" y="803275"/>
+          <a:ext cx="6281738" cy="5227320"/>
+        </p:xfrm>
+        <a:graphic>
+          <a:graphicData uri="http://schemas.openxmlformats.org/drawingml/2006/table">
+            <a:tbl>
+              <a:tblPr firstRow="1" bandRow="1">
+                <a:tableStyleId>{5C22544A-7EE6-4342-B048-85BDC9FD1C3A}</a:tableStyleId>
+              </a:tblPr>
+              <a:tblGrid>
+                <a:gridCol w="3140869">
+                  <a:extLst>
+                    <a:ext uri="{9D8B030D-6E8A-4147-A177-3AD203B41FA5}">
+                      <a16:colId xmlns:a16="http://schemas.microsoft.com/office/drawing/2014/main" val="1589146686"/>
+                    </a:ext>
+                  </a:extLst>
+                </a:gridCol>
+                <a:gridCol w="3140869">
+                  <a:extLst>
+                    <a:ext uri="{9D8B030D-6E8A-4147-A177-3AD203B41FA5}">
+                      <a16:colId xmlns:a16="http://schemas.microsoft.com/office/drawing/2014/main" val="1463651238"/>
+                    </a:ext>
+                  </a:extLst>
+                </a:gridCol>
+              </a:tblGrid>
+              <a:tr h="370840">
+                <a:tc>
+                  <a:txBody>
+                    <a:bodyPr/>
+                    <a:lstStyle/>
+                    <a:p>
+                      <a:r>
+                        <a:rPr lang="es-CO" sz="1400" dirty="0"/>
+                        <a:t>Identificación del requerimiento</a:t>
+                      </a:r>
+                    </a:p>
+                  </a:txBody>
+                  <a:tcPr/>
+                </a:tc>
+                <a:tc>
+                  <a:txBody>
+                    <a:bodyPr/>
+                    <a:lstStyle/>
+                    <a:p>
+                      <a:r>
+                        <a:rPr lang="es-CO" sz="1400" dirty="0"/>
+                        <a:t>RF09</a:t>
+                      </a:r>
+                    </a:p>
+                  </a:txBody>
+                  <a:tcPr/>
+                </a:tc>
+                <a:extLst>
+                  <a:ext uri="{0D108BD9-81ED-4DB2-BD59-A6C34878D82A}">
+                    <a16:rowId xmlns:a16="http://schemas.microsoft.com/office/drawing/2014/main" val="3568786682"/>
+                  </a:ext>
+                </a:extLst>
+              </a:tr>
+              <a:tr h="370840">
+                <a:tc>
+                  <a:txBody>
+                    <a:bodyPr/>
+                    <a:lstStyle/>
+                    <a:p>
+                      <a:r>
+                        <a:rPr lang="es-CO" sz="1400" dirty="0"/>
+                        <a:t>Nombre del requerimiento</a:t>
+                      </a:r>
+                    </a:p>
+                  </a:txBody>
+                  <a:tcPr/>
+                </a:tc>
+                <a:tc>
+                  <a:txBody>
+                    <a:bodyPr/>
+                    <a:lstStyle/>
+                    <a:p>
+                      <a:r>
+                        <a:rPr lang="es-CO" sz="1400" dirty="0"/>
+                        <a:t>Consultar notas</a:t>
+                      </a:r>
+                    </a:p>
+                  </a:txBody>
+                  <a:tcPr/>
+                </a:tc>
+                <a:extLst>
+                  <a:ext uri="{0D108BD9-81ED-4DB2-BD59-A6C34878D82A}">
+                    <a16:rowId xmlns:a16="http://schemas.microsoft.com/office/drawing/2014/main" val="2616514354"/>
+                  </a:ext>
+                </a:extLst>
+              </a:tr>
+              <a:tr h="370840">
+                <a:tc>
+                  <a:txBody>
+                    <a:bodyPr/>
+                    <a:lstStyle/>
+                    <a:p>
+                      <a:r>
+                        <a:rPr lang="es-CO" sz="1400" dirty="0"/>
+                        <a:t>Características</a:t>
+                      </a:r>
+                    </a:p>
+                  </a:txBody>
+                  <a:tcPr/>
+                </a:tc>
+                <a:tc>
+                  <a:txBody>
+                    <a:bodyPr/>
+                    <a:lstStyle/>
+                    <a:p>
+                      <a:r>
+                        <a:rPr lang="es-CO" sz="1400" dirty="0"/>
+                        <a:t>El usuario estudiante podrá consultar su boletín de calificaciones y sus estadísticas de rendimiento</a:t>
+                      </a:r>
+                    </a:p>
+                  </a:txBody>
+                  <a:tcPr/>
+                </a:tc>
+                <a:extLst>
+                  <a:ext uri="{0D108BD9-81ED-4DB2-BD59-A6C34878D82A}">
+                    <a16:rowId xmlns:a16="http://schemas.microsoft.com/office/drawing/2014/main" val="1942680024"/>
+                  </a:ext>
+                </a:extLst>
+              </a:tr>
+              <a:tr h="370840">
+                <a:tc>
+                  <a:txBody>
+                    <a:bodyPr/>
+                    <a:lstStyle/>
+                    <a:p>
+                      <a:r>
+                        <a:rPr lang="es-CO" sz="1400" dirty="0"/>
+                        <a:t>Descripción del requerimiento</a:t>
+                      </a:r>
+                    </a:p>
+                  </a:txBody>
+                  <a:tcPr/>
+                </a:tc>
+                <a:tc>
+                  <a:txBody>
+                    <a:bodyPr/>
+                    <a:lstStyle/>
+                    <a:p>
+                      <a:pPr marL="0" marR="0" lvl="0" indent="0" algn="l" defTabSz="914400" rtl="0" eaLnBrk="1" fontAlgn="auto" latinLnBrk="0" hangingPunct="1">
+                        <a:lnSpc>
+                          <a:spcPct val="100000"/>
+                        </a:lnSpc>
+                        <a:spcBef>
+                          <a:spcPts val="0"/>
+                        </a:spcBef>
+                        <a:spcAft>
+                          <a:spcPts val="0"/>
+                        </a:spcAft>
+                        <a:buClrTx/>
+                        <a:buSzTx/>
+                        <a:buFontTx/>
+                        <a:buNone/>
+                        <a:tabLst/>
+                        <a:defRPr/>
+                      </a:pPr>
+                      <a:r>
+                        <a:rPr lang="es-CO" sz="1400" dirty="0"/>
+                        <a:t>El sistema permite al usuario estudiante la consulta de su boletín bimestral y sus estadísticas de rendimiento.</a:t>
+                      </a:r>
+                    </a:p>
+                    <a:p>
+                      <a:endParaRPr lang="es-CO" sz="1400" dirty="0"/>
+                    </a:p>
+                  </a:txBody>
+                  <a:tcPr/>
+                </a:tc>
+                <a:extLst>
+                  <a:ext uri="{0D108BD9-81ED-4DB2-BD59-A6C34878D82A}">
+                    <a16:rowId xmlns:a16="http://schemas.microsoft.com/office/drawing/2014/main" val="2968710298"/>
+                  </a:ext>
+                </a:extLst>
+              </a:tr>
+              <a:tr h="370840">
+                <a:tc>
+                  <a:txBody>
+                    <a:bodyPr/>
+                    <a:lstStyle/>
+                    <a:p>
+                      <a:r>
+                        <a:rPr lang="es-CO" sz="1400" dirty="0"/>
+                        <a:t>Requerimientos no funcionales</a:t>
+                      </a:r>
+                    </a:p>
+                  </a:txBody>
+                  <a:tcPr/>
+                </a:tc>
+                <a:tc>
+                  <a:txBody>
+                    <a:bodyPr/>
+                    <a:lstStyle/>
+                    <a:p>
+                      <a:r>
+                        <a:rPr lang="es-CO" sz="1400" dirty="0"/>
+                        <a:t>RNF01</a:t>
+                      </a:r>
+                    </a:p>
+                    <a:p>
+                      <a:r>
+                        <a:rPr lang="es-CO" sz="1400" dirty="0"/>
+                        <a:t>RNF08</a:t>
+                      </a:r>
+                    </a:p>
+                    <a:p>
+                      <a:r>
+                        <a:rPr lang="es-CO" sz="1400" dirty="0"/>
+                        <a:t>RNF09</a:t>
+                      </a:r>
+                    </a:p>
+                    <a:p>
+                      <a:r>
+                        <a:rPr lang="es-CO" sz="1400" dirty="0"/>
+                        <a:t>RNF10</a:t>
+                      </a:r>
+                    </a:p>
+                    <a:p>
+                      <a:r>
+                        <a:rPr lang="es-CO" sz="1400" dirty="0"/>
+                        <a:t>RNF11</a:t>
+                      </a:r>
+                    </a:p>
+                    <a:p>
+                      <a:r>
+                        <a:rPr lang="es-CO" sz="1400" dirty="0"/>
+                        <a:t>RNF13</a:t>
+                      </a:r>
+                    </a:p>
+                    <a:p>
+                      <a:r>
+                        <a:rPr lang="es-CO" sz="1400" dirty="0"/>
+                        <a:t>RNF14</a:t>
+                      </a:r>
+                    </a:p>
+                    <a:p>
+                      <a:r>
+                        <a:rPr lang="es-CO" sz="1400" dirty="0"/>
+                        <a:t>RNF15</a:t>
+                      </a:r>
+                    </a:p>
+                    <a:p>
+                      <a:r>
+                        <a:rPr lang="es-CO" sz="1400" dirty="0"/>
+                        <a:t>RNF16</a:t>
+                      </a:r>
+                    </a:p>
+                  </a:txBody>
+                  <a:tcPr/>
+                </a:tc>
+                <a:extLst>
+                  <a:ext uri="{0D108BD9-81ED-4DB2-BD59-A6C34878D82A}">
+                    <a16:rowId xmlns:a16="http://schemas.microsoft.com/office/drawing/2014/main" val="302045704"/>
+                  </a:ext>
+                </a:extLst>
+              </a:tr>
+              <a:tr h="370840">
+                <a:tc>
+                  <a:txBody>
+                    <a:bodyPr/>
+                    <a:lstStyle/>
+                    <a:p>
+                      <a:r>
+                        <a:rPr lang="es-CO" sz="1400" dirty="0"/>
+                        <a:t>Prioridad del requerimiento</a:t>
+                      </a:r>
+                    </a:p>
+                  </a:txBody>
+                  <a:tcPr/>
+                </a:tc>
+                <a:tc>
+                  <a:txBody>
+                    <a:bodyPr/>
+                    <a:lstStyle/>
+                    <a:p>
+                      <a:r>
+                        <a:rPr lang="es-CO" sz="1400" dirty="0"/>
+                        <a:t>Alta</a:t>
+                      </a:r>
+                    </a:p>
+                  </a:txBody>
+                  <a:tcPr/>
+                </a:tc>
+                <a:extLst>
+                  <a:ext uri="{0D108BD9-81ED-4DB2-BD59-A6C34878D82A}">
+                    <a16:rowId xmlns:a16="http://schemas.microsoft.com/office/drawing/2014/main" val="2916724385"/>
+                  </a:ext>
+                </a:extLst>
+              </a:tr>
+            </a:tbl>
+          </a:graphicData>
+        </a:graphic>
+      </p:graphicFrame>
+    </p:spTree>
+    <p:extLst>
+      <p:ext uri="{BB962C8B-B14F-4D97-AF65-F5344CB8AC3E}">
+        <p14:creationId xmlns:p14="http://schemas.microsoft.com/office/powerpoint/2010/main" val="10977141"/>
+      </p:ext>
+    </p:extLst>
+  </p:cSld>
+  <p:clrMapOvr>
+    <a:masterClrMapping/>
+  </p:clrMapOvr>
+</p:sld>
+</file>
+
+<file path=ppt/slides/slide41.xml><?xml version="1.0" encoding="utf-8"?>
+<p:sld xmlns:a="http://schemas.openxmlformats.org/drawingml/2006/main" xmlns:r="http://schemas.openxmlformats.org/officeDocument/2006/relationships" xmlns:p="http://schemas.openxmlformats.org/presentationml/2006/main">
+  <p:cSld>
+    <p:spTree>
+      <p:nvGrpSpPr>
+        <p:cNvPr id="1" name=""/>
+        <p:cNvGrpSpPr/>
+        <p:nvPr/>
+      </p:nvGrpSpPr>
+      <p:grpSpPr>
+        <a:xfrm>
+          <a:off x="0" y="0"/>
+          <a:ext cx="0" cy="0"/>
+          <a:chOff x="0" y="0"/>
+          <a:chExt cx="0" cy="0"/>
+        </a:xfrm>
+      </p:grpSpPr>
+      <p:sp>
+        <p:nvSpPr>
+          <p:cNvPr id="2" name="Título 1">
+            <a:extLst>
+              <a:ext uri="{FF2B5EF4-FFF2-40B4-BE49-F238E27FC236}">
+                <a16:creationId xmlns:a16="http://schemas.microsoft.com/office/drawing/2014/main" id="{A544CF25-2F8F-BC45-9D5E-B7214CD84D05}"/>
+              </a:ext>
+            </a:extLst>
+          </p:cNvPr>
+          <p:cNvSpPr>
+            <a:spLocks noGrp="1"/>
+          </p:cNvSpPr>
+          <p:nvPr>
+            <p:ph type="title"/>
+          </p:nvPr>
+        </p:nvSpPr>
+        <p:spPr/>
+        <p:txBody>
+          <a:bodyPr/>
+          <a:lstStyle/>
+          <a:p>
+            <a:r>
+              <a:rPr lang="es-CO" dirty="0"/>
+              <a:t>Requerimientos funcionales</a:t>
+            </a:r>
+          </a:p>
+        </p:txBody>
+      </p:sp>
+      <p:graphicFrame>
+        <p:nvGraphicFramePr>
+          <p:cNvPr id="4" name="Tabla 4">
+            <a:extLst>
+              <a:ext uri="{FF2B5EF4-FFF2-40B4-BE49-F238E27FC236}">
+                <a16:creationId xmlns:a16="http://schemas.microsoft.com/office/drawing/2014/main" id="{104B1BC5-C194-6A4D-BF36-86B68BC29C6E}"/>
+              </a:ext>
+            </a:extLst>
+          </p:cNvPr>
+          <p:cNvGraphicFramePr>
+            <a:graphicFrameLocks noGrp="1"/>
+          </p:cNvGraphicFramePr>
+          <p:nvPr>
+            <p:ph idx="1"/>
+          </p:nvPr>
+        </p:nvGraphicFramePr>
+        <p:xfrm>
+          <a:off x="5118100" y="803275"/>
           <a:ext cx="6281738" cy="4800600"/>
         </p:xfrm>
         <a:graphic>
@@ -21659,7 +21716,7 @@
 </p:sld>
 </file>
 
-<file path=ppt/slides/slide41.xml><?xml version="1.0" encoding="utf-8"?>
+<file path=ppt/slides/slide42.xml><?xml version="1.0" encoding="utf-8"?>
 <p:sld xmlns:a="http://schemas.openxmlformats.org/drawingml/2006/main" xmlns:r="http://schemas.openxmlformats.org/officeDocument/2006/relationships" xmlns:p="http://schemas.openxmlformats.org/presentationml/2006/main">
   <p:cSld>
     <p:spTree>
@@ -22029,7 +22086,7 @@
 </p:sld>
 </file>
 
-<file path=ppt/slides/slide42.xml><?xml version="1.0" encoding="utf-8"?>
+<file path=ppt/slides/slide43.xml><?xml version="1.0" encoding="utf-8"?>
 <p:sld xmlns:a="http://schemas.openxmlformats.org/drawingml/2006/main" xmlns:r="http://schemas.openxmlformats.org/officeDocument/2006/relationships" xmlns:p="http://schemas.openxmlformats.org/presentationml/2006/main">
   <p:cSld>
     <p:spTree>
@@ -22399,7 +22456,7 @@
 </p:sld>
 </file>
 
-<file path=ppt/slides/slide43.xml><?xml version="1.0" encoding="utf-8"?>
+<file path=ppt/slides/slide44.xml><?xml version="1.0" encoding="utf-8"?>
 <p:sld xmlns:a="http://schemas.openxmlformats.org/drawingml/2006/main" xmlns:r="http://schemas.openxmlformats.org/officeDocument/2006/relationships" xmlns:p="http://schemas.openxmlformats.org/presentationml/2006/main">
   <p:cSld>
     <p:spTree>
@@ -22793,7 +22850,7 @@
 </p:sld>
 </file>
 
-<file path=ppt/slides/slide44.xml><?xml version="1.0" encoding="utf-8"?>
+<file path=ppt/slides/slide45.xml><?xml version="1.0" encoding="utf-8"?>
 <p:sld xmlns:a="http://schemas.openxmlformats.org/drawingml/2006/main" xmlns:r="http://schemas.openxmlformats.org/officeDocument/2006/relationships" xmlns:p="http://schemas.openxmlformats.org/presentationml/2006/main">
   <p:cSld>
     <p:spTree>
@@ -23163,7 +23220,7 @@
 </p:sld>
 </file>
 
-<file path=ppt/slides/slide45.xml><?xml version="1.0" encoding="utf-8"?>
+<file path=ppt/slides/slide46.xml><?xml version="1.0" encoding="utf-8"?>
 <p:sld xmlns:a="http://schemas.openxmlformats.org/drawingml/2006/main" xmlns:r="http://schemas.openxmlformats.org/officeDocument/2006/relationships" xmlns:p="http://schemas.openxmlformats.org/presentationml/2006/main">
   <p:cSld>
     <p:spTree>
@@ -23533,7 +23590,7 @@
 </p:sld>
 </file>
 
-<file path=ppt/slides/slide46.xml><?xml version="1.0" encoding="utf-8"?>
+<file path=ppt/slides/slide47.xml><?xml version="1.0" encoding="utf-8"?>
 <p:sld xmlns:a="http://schemas.openxmlformats.org/drawingml/2006/main" xmlns:r="http://schemas.openxmlformats.org/officeDocument/2006/relationships" xmlns:p="http://schemas.openxmlformats.org/presentationml/2006/main">
   <p:cSld>
     <p:spTree>
@@ -23635,7 +23692,7 @@
 </p:sld>
 </file>
 
-<file path=ppt/slides/slide47.xml><?xml version="1.0" encoding="utf-8"?>
+<file path=ppt/slides/slide48.xml><?xml version="1.0" encoding="utf-8"?>
 <p:sld xmlns:a="http://schemas.openxmlformats.org/drawingml/2006/main" xmlns:r="http://schemas.openxmlformats.org/officeDocument/2006/relationships" xmlns:p="http://schemas.openxmlformats.org/presentationml/2006/main">
   <p:cSld>
     <p:spTree>
@@ -23904,7 +23961,7 @@
 </p:sld>
 </file>
 
-<file path=ppt/slides/slide48.xml><?xml version="1.0" encoding="utf-8"?>
+<file path=ppt/slides/slide49.xml><?xml version="1.0" encoding="utf-8"?>
 <p:sld xmlns:a="http://schemas.openxmlformats.org/drawingml/2006/main" xmlns:r="http://schemas.openxmlformats.org/officeDocument/2006/relationships" xmlns:p="http://schemas.openxmlformats.org/presentationml/2006/main">
   <p:cSld>
     <p:spTree>
@@ -24164,300 +24221,6 @@
     <p:extLst>
       <p:ext uri="{BB962C8B-B14F-4D97-AF65-F5344CB8AC3E}">
         <p14:creationId xmlns:p14="http://schemas.microsoft.com/office/powerpoint/2010/main" val="1139138037"/>
-      </p:ext>
-    </p:extLst>
-  </p:cSld>
-  <p:clrMapOvr>
-    <a:masterClrMapping/>
-  </p:clrMapOvr>
-</p:sld>
-</file>
-
-<file path=ppt/slides/slide49.xml><?xml version="1.0" encoding="utf-8"?>
-<p:sld xmlns:a="http://schemas.openxmlformats.org/drawingml/2006/main" xmlns:r="http://schemas.openxmlformats.org/officeDocument/2006/relationships" xmlns:p="http://schemas.openxmlformats.org/presentationml/2006/main">
-  <p:cSld>
-    <p:spTree>
-      <p:nvGrpSpPr>
-        <p:cNvPr id="1" name=""/>
-        <p:cNvGrpSpPr/>
-        <p:nvPr/>
-      </p:nvGrpSpPr>
-      <p:grpSpPr>
-        <a:xfrm>
-          <a:off x="0" y="0"/>
-          <a:ext cx="0" cy="0"/>
-          <a:chOff x="0" y="0"/>
-          <a:chExt cx="0" cy="0"/>
-        </a:xfrm>
-      </p:grpSpPr>
-      <p:sp>
-        <p:nvSpPr>
-          <p:cNvPr id="2" name="Título 1">
-            <a:extLst>
-              <a:ext uri="{FF2B5EF4-FFF2-40B4-BE49-F238E27FC236}">
-                <a16:creationId xmlns:a16="http://schemas.microsoft.com/office/drawing/2014/main" id="{0DF8FDDE-7FF6-114B-95BB-26E67991BA49}"/>
-              </a:ext>
-            </a:extLst>
-          </p:cNvPr>
-          <p:cNvSpPr>
-            <a:spLocks noGrp="1"/>
-          </p:cNvSpPr>
-          <p:nvPr>
-            <p:ph type="title"/>
-          </p:nvPr>
-        </p:nvSpPr>
-        <p:spPr/>
-        <p:txBody>
-          <a:bodyPr/>
-          <a:lstStyle/>
-          <a:p>
-            <a:r>
-              <a:rPr lang="es-CO" dirty="0"/>
-              <a:t>Requerimientos no funcionales</a:t>
-            </a:r>
-          </a:p>
-        </p:txBody>
-      </p:sp>
-      <p:graphicFrame>
-        <p:nvGraphicFramePr>
-          <p:cNvPr id="4" name="Tabla 4">
-            <a:extLst>
-              <a:ext uri="{FF2B5EF4-FFF2-40B4-BE49-F238E27FC236}">
-                <a16:creationId xmlns:a16="http://schemas.microsoft.com/office/drawing/2014/main" id="{3275B20B-304D-3645-A6E7-687160D9B56D}"/>
-              </a:ext>
-            </a:extLst>
-          </p:cNvPr>
-          <p:cNvGraphicFramePr>
-            <a:graphicFrameLocks noGrp="1"/>
-          </p:cNvGraphicFramePr>
-          <p:nvPr>
-            <p:ph idx="1"/>
-          </p:nvPr>
-        </p:nvGraphicFramePr>
-        <p:xfrm>
-          <a:off x="5118100" y="803275"/>
-          <a:ext cx="6281738" cy="3754120"/>
-        </p:xfrm>
-        <a:graphic>
-          <a:graphicData uri="http://schemas.openxmlformats.org/drawingml/2006/table">
-            <a:tbl>
-              <a:tblPr firstRow="1" bandRow="1">
-                <a:tableStyleId>{5C22544A-7EE6-4342-B048-85BDC9FD1C3A}</a:tableStyleId>
-              </a:tblPr>
-              <a:tblGrid>
-                <a:gridCol w="3140869">
-                  <a:extLst>
-                    <a:ext uri="{9D8B030D-6E8A-4147-A177-3AD203B41FA5}">
-                      <a16:colId xmlns:a16="http://schemas.microsoft.com/office/drawing/2014/main" val="2405063638"/>
-                    </a:ext>
-                  </a:extLst>
-                </a:gridCol>
-                <a:gridCol w="3140869">
-                  <a:extLst>
-                    <a:ext uri="{9D8B030D-6E8A-4147-A177-3AD203B41FA5}">
-                      <a16:colId xmlns:a16="http://schemas.microsoft.com/office/drawing/2014/main" val="3099478781"/>
-                    </a:ext>
-                  </a:extLst>
-                </a:gridCol>
-              </a:tblGrid>
-              <a:tr h="370840">
-                <a:tc>
-                  <a:txBody>
-                    <a:bodyPr/>
-                    <a:lstStyle/>
-                    <a:p>
-                      <a:r>
-                        <a:rPr lang="es-CO" dirty="0"/>
-                        <a:t>Identificación del requerimiento</a:t>
-                      </a:r>
-                    </a:p>
-                  </a:txBody>
-                  <a:tcPr/>
-                </a:tc>
-                <a:tc>
-                  <a:txBody>
-                    <a:bodyPr/>
-                    <a:lstStyle/>
-                    <a:p>
-                      <a:r>
-                        <a:rPr lang="es-CO" dirty="0"/>
-                        <a:t>RNF03</a:t>
-                      </a:r>
-                    </a:p>
-                  </a:txBody>
-                  <a:tcPr/>
-                </a:tc>
-                <a:extLst>
-                  <a:ext uri="{0D108BD9-81ED-4DB2-BD59-A6C34878D82A}">
-                    <a16:rowId xmlns:a16="http://schemas.microsoft.com/office/drawing/2014/main" val="3120795479"/>
-                  </a:ext>
-                </a:extLst>
-              </a:tr>
-              <a:tr h="370840">
-                <a:tc>
-                  <a:txBody>
-                    <a:bodyPr/>
-                    <a:lstStyle/>
-                    <a:p>
-                      <a:r>
-                        <a:rPr lang="es-CO" dirty="0"/>
-                        <a:t>Nombre del requerimiento</a:t>
-                      </a:r>
-                    </a:p>
-                  </a:txBody>
-                  <a:tcPr/>
-                </a:tc>
-                <a:tc>
-                  <a:txBody>
-                    <a:bodyPr/>
-                    <a:lstStyle/>
-                    <a:p>
-                      <a:r>
-                        <a:rPr lang="es-CO" dirty="0" err="1"/>
-                        <a:t>Frontend</a:t>
-                      </a:r>
-                      <a:endParaRPr lang="es-CO" dirty="0"/>
-                    </a:p>
-                  </a:txBody>
-                  <a:tcPr/>
-                </a:tc>
-                <a:extLst>
-                  <a:ext uri="{0D108BD9-81ED-4DB2-BD59-A6C34878D82A}">
-                    <a16:rowId xmlns:a16="http://schemas.microsoft.com/office/drawing/2014/main" val="1343925762"/>
-                  </a:ext>
-                </a:extLst>
-              </a:tr>
-              <a:tr h="370840">
-                <a:tc>
-                  <a:txBody>
-                    <a:bodyPr/>
-                    <a:lstStyle/>
-                    <a:p>
-                      <a:r>
-                        <a:rPr lang="es-CO" dirty="0"/>
-                        <a:t>Caracterísitcas</a:t>
-                      </a:r>
-                    </a:p>
-                  </a:txBody>
-                  <a:tcPr/>
-                </a:tc>
-                <a:tc>
-                  <a:txBody>
-                    <a:bodyPr/>
-                    <a:lstStyle/>
-                    <a:p>
-                      <a:r>
-                        <a:rPr lang="es-CO" dirty="0"/>
-                        <a:t>El </a:t>
-                      </a:r>
-                      <a:r>
-                        <a:rPr lang="es-CO" dirty="0" err="1"/>
-                        <a:t>frontend</a:t>
-                      </a:r>
-                      <a:r>
-                        <a:rPr lang="es-CO" dirty="0"/>
-                        <a:t> debe estar escrito, al menos, en </a:t>
-                      </a:r>
-                      <a:r>
-                        <a:rPr lang="es-CO" dirty="0" err="1"/>
-                        <a:t>NoteJS</a:t>
-                      </a:r>
-                      <a:r>
-                        <a:rPr lang="es-CO" dirty="0"/>
-                        <a:t> y HTML.</a:t>
-                      </a:r>
-                    </a:p>
-                  </a:txBody>
-                  <a:tcPr/>
-                </a:tc>
-                <a:extLst>
-                  <a:ext uri="{0D108BD9-81ED-4DB2-BD59-A6C34878D82A}">
-                    <a16:rowId xmlns:a16="http://schemas.microsoft.com/office/drawing/2014/main" val="769886354"/>
-                  </a:ext>
-                </a:extLst>
-              </a:tr>
-              <a:tr h="370840">
-                <a:tc>
-                  <a:txBody>
-                    <a:bodyPr/>
-                    <a:lstStyle/>
-                    <a:p>
-                      <a:r>
-                        <a:rPr lang="es-CO" dirty="0"/>
-                        <a:t>Descripción del requerimiento</a:t>
-                      </a:r>
-                    </a:p>
-                  </a:txBody>
-                  <a:tcPr/>
-                </a:tc>
-                <a:tc>
-                  <a:txBody>
-                    <a:bodyPr/>
-                    <a:lstStyle/>
-                    <a:p>
-                      <a:r>
-                        <a:rPr lang="es-CO" dirty="0"/>
-                        <a:t>Se deben utilizar, al menos, los lenguajes </a:t>
-                      </a:r>
-                      <a:r>
-                        <a:rPr lang="es-CO" dirty="0" err="1"/>
-                        <a:t>NoteJS</a:t>
-                      </a:r>
-                      <a:r>
-                        <a:rPr lang="es-CO" dirty="0"/>
-                        <a:t>  y HTML para el diseño frontal del sistema.</a:t>
-                      </a:r>
-                    </a:p>
-                  </a:txBody>
-                  <a:tcPr/>
-                </a:tc>
-                <a:extLst>
-                  <a:ext uri="{0D108BD9-81ED-4DB2-BD59-A6C34878D82A}">
-                    <a16:rowId xmlns:a16="http://schemas.microsoft.com/office/drawing/2014/main" val="2397840479"/>
-                  </a:ext>
-                </a:extLst>
-              </a:tr>
-              <a:tr h="370840">
-                <a:tc>
-                  <a:txBody>
-                    <a:bodyPr/>
-                    <a:lstStyle/>
-                    <a:p>
-                      <a:r>
-                        <a:rPr lang="es-CO" dirty="0"/>
-                        <a:t>Prioridad del requerimiento</a:t>
-                      </a:r>
-                    </a:p>
-                  </a:txBody>
-                  <a:tcPr/>
-                </a:tc>
-                <a:tc>
-                  <a:txBody>
-                    <a:bodyPr/>
-                    <a:lstStyle/>
-                    <a:p>
-                      <a:r>
-                        <a:rPr lang="es-CO" dirty="0"/>
-                        <a:t>Alta</a:t>
-                      </a:r>
-                    </a:p>
-                  </a:txBody>
-                  <a:tcPr/>
-                </a:tc>
-                <a:extLst>
-                  <a:ext uri="{0D108BD9-81ED-4DB2-BD59-A6C34878D82A}">
-                    <a16:rowId xmlns:a16="http://schemas.microsoft.com/office/drawing/2014/main" val="1876826554"/>
-                  </a:ext>
-                </a:extLst>
-              </a:tr>
-            </a:tbl>
-          </a:graphicData>
-        </a:graphic>
-      </p:graphicFrame>
-    </p:spTree>
-    <p:extLst>
-      <p:ext uri="{BB962C8B-B14F-4D97-AF65-F5344CB8AC3E}">
-        <p14:creationId xmlns:p14="http://schemas.microsoft.com/office/powerpoint/2010/main" val="3274729353"/>
       </p:ext>
     </p:extLst>
   </p:cSld>
@@ -24663,6 +24426,300 @@
                     <a:p>
                       <a:r>
                         <a:rPr lang="es-CO" dirty="0"/>
+                        <a:t>RNF03</a:t>
+                      </a:r>
+                    </a:p>
+                  </a:txBody>
+                  <a:tcPr/>
+                </a:tc>
+                <a:extLst>
+                  <a:ext uri="{0D108BD9-81ED-4DB2-BD59-A6C34878D82A}">
+                    <a16:rowId xmlns:a16="http://schemas.microsoft.com/office/drawing/2014/main" val="3120795479"/>
+                  </a:ext>
+                </a:extLst>
+              </a:tr>
+              <a:tr h="370840">
+                <a:tc>
+                  <a:txBody>
+                    <a:bodyPr/>
+                    <a:lstStyle/>
+                    <a:p>
+                      <a:r>
+                        <a:rPr lang="es-CO" dirty="0"/>
+                        <a:t>Nombre del requerimiento</a:t>
+                      </a:r>
+                    </a:p>
+                  </a:txBody>
+                  <a:tcPr/>
+                </a:tc>
+                <a:tc>
+                  <a:txBody>
+                    <a:bodyPr/>
+                    <a:lstStyle/>
+                    <a:p>
+                      <a:r>
+                        <a:rPr lang="es-CO" dirty="0" err="1"/>
+                        <a:t>Frontend</a:t>
+                      </a:r>
+                      <a:endParaRPr lang="es-CO" dirty="0"/>
+                    </a:p>
+                  </a:txBody>
+                  <a:tcPr/>
+                </a:tc>
+                <a:extLst>
+                  <a:ext uri="{0D108BD9-81ED-4DB2-BD59-A6C34878D82A}">
+                    <a16:rowId xmlns:a16="http://schemas.microsoft.com/office/drawing/2014/main" val="1343925762"/>
+                  </a:ext>
+                </a:extLst>
+              </a:tr>
+              <a:tr h="370840">
+                <a:tc>
+                  <a:txBody>
+                    <a:bodyPr/>
+                    <a:lstStyle/>
+                    <a:p>
+                      <a:r>
+                        <a:rPr lang="es-CO" dirty="0"/>
+                        <a:t>Caracterísitcas</a:t>
+                      </a:r>
+                    </a:p>
+                  </a:txBody>
+                  <a:tcPr/>
+                </a:tc>
+                <a:tc>
+                  <a:txBody>
+                    <a:bodyPr/>
+                    <a:lstStyle/>
+                    <a:p>
+                      <a:r>
+                        <a:rPr lang="es-CO" dirty="0"/>
+                        <a:t>El </a:t>
+                      </a:r>
+                      <a:r>
+                        <a:rPr lang="es-CO" dirty="0" err="1"/>
+                        <a:t>frontend</a:t>
+                      </a:r>
+                      <a:r>
+                        <a:rPr lang="es-CO" dirty="0"/>
+                        <a:t> debe estar escrito, al menos, en </a:t>
+                      </a:r>
+                      <a:r>
+                        <a:rPr lang="es-CO" dirty="0" err="1"/>
+                        <a:t>NoteJS</a:t>
+                      </a:r>
+                      <a:r>
+                        <a:rPr lang="es-CO" dirty="0"/>
+                        <a:t> y HTML.</a:t>
+                      </a:r>
+                    </a:p>
+                  </a:txBody>
+                  <a:tcPr/>
+                </a:tc>
+                <a:extLst>
+                  <a:ext uri="{0D108BD9-81ED-4DB2-BD59-A6C34878D82A}">
+                    <a16:rowId xmlns:a16="http://schemas.microsoft.com/office/drawing/2014/main" val="769886354"/>
+                  </a:ext>
+                </a:extLst>
+              </a:tr>
+              <a:tr h="370840">
+                <a:tc>
+                  <a:txBody>
+                    <a:bodyPr/>
+                    <a:lstStyle/>
+                    <a:p>
+                      <a:r>
+                        <a:rPr lang="es-CO" dirty="0"/>
+                        <a:t>Descripción del requerimiento</a:t>
+                      </a:r>
+                    </a:p>
+                  </a:txBody>
+                  <a:tcPr/>
+                </a:tc>
+                <a:tc>
+                  <a:txBody>
+                    <a:bodyPr/>
+                    <a:lstStyle/>
+                    <a:p>
+                      <a:r>
+                        <a:rPr lang="es-CO" dirty="0"/>
+                        <a:t>Se deben utilizar, al menos, los lenguajes </a:t>
+                      </a:r>
+                      <a:r>
+                        <a:rPr lang="es-CO" dirty="0" err="1"/>
+                        <a:t>NoteJS</a:t>
+                      </a:r>
+                      <a:r>
+                        <a:rPr lang="es-CO" dirty="0"/>
+                        <a:t>  y HTML para el diseño frontal del sistema.</a:t>
+                      </a:r>
+                    </a:p>
+                  </a:txBody>
+                  <a:tcPr/>
+                </a:tc>
+                <a:extLst>
+                  <a:ext uri="{0D108BD9-81ED-4DB2-BD59-A6C34878D82A}">
+                    <a16:rowId xmlns:a16="http://schemas.microsoft.com/office/drawing/2014/main" val="2397840479"/>
+                  </a:ext>
+                </a:extLst>
+              </a:tr>
+              <a:tr h="370840">
+                <a:tc>
+                  <a:txBody>
+                    <a:bodyPr/>
+                    <a:lstStyle/>
+                    <a:p>
+                      <a:r>
+                        <a:rPr lang="es-CO" dirty="0"/>
+                        <a:t>Prioridad del requerimiento</a:t>
+                      </a:r>
+                    </a:p>
+                  </a:txBody>
+                  <a:tcPr/>
+                </a:tc>
+                <a:tc>
+                  <a:txBody>
+                    <a:bodyPr/>
+                    <a:lstStyle/>
+                    <a:p>
+                      <a:r>
+                        <a:rPr lang="es-CO" dirty="0"/>
+                        <a:t>Alta</a:t>
+                      </a:r>
+                    </a:p>
+                  </a:txBody>
+                  <a:tcPr/>
+                </a:tc>
+                <a:extLst>
+                  <a:ext uri="{0D108BD9-81ED-4DB2-BD59-A6C34878D82A}">
+                    <a16:rowId xmlns:a16="http://schemas.microsoft.com/office/drawing/2014/main" val="1876826554"/>
+                  </a:ext>
+                </a:extLst>
+              </a:tr>
+            </a:tbl>
+          </a:graphicData>
+        </a:graphic>
+      </p:graphicFrame>
+    </p:spTree>
+    <p:extLst>
+      <p:ext uri="{BB962C8B-B14F-4D97-AF65-F5344CB8AC3E}">
+        <p14:creationId xmlns:p14="http://schemas.microsoft.com/office/powerpoint/2010/main" val="3274729353"/>
+      </p:ext>
+    </p:extLst>
+  </p:cSld>
+  <p:clrMapOvr>
+    <a:masterClrMapping/>
+  </p:clrMapOvr>
+</p:sld>
+</file>
+
+<file path=ppt/slides/slide51.xml><?xml version="1.0" encoding="utf-8"?>
+<p:sld xmlns:a="http://schemas.openxmlformats.org/drawingml/2006/main" xmlns:r="http://schemas.openxmlformats.org/officeDocument/2006/relationships" xmlns:p="http://schemas.openxmlformats.org/presentationml/2006/main">
+  <p:cSld>
+    <p:spTree>
+      <p:nvGrpSpPr>
+        <p:cNvPr id="1" name=""/>
+        <p:cNvGrpSpPr/>
+        <p:nvPr/>
+      </p:nvGrpSpPr>
+      <p:grpSpPr>
+        <a:xfrm>
+          <a:off x="0" y="0"/>
+          <a:ext cx="0" cy="0"/>
+          <a:chOff x="0" y="0"/>
+          <a:chExt cx="0" cy="0"/>
+        </a:xfrm>
+      </p:grpSpPr>
+      <p:sp>
+        <p:nvSpPr>
+          <p:cNvPr id="2" name="Título 1">
+            <a:extLst>
+              <a:ext uri="{FF2B5EF4-FFF2-40B4-BE49-F238E27FC236}">
+                <a16:creationId xmlns:a16="http://schemas.microsoft.com/office/drawing/2014/main" id="{0DF8FDDE-7FF6-114B-95BB-26E67991BA49}"/>
+              </a:ext>
+            </a:extLst>
+          </p:cNvPr>
+          <p:cNvSpPr>
+            <a:spLocks noGrp="1"/>
+          </p:cNvSpPr>
+          <p:nvPr>
+            <p:ph type="title"/>
+          </p:nvPr>
+        </p:nvSpPr>
+        <p:spPr/>
+        <p:txBody>
+          <a:bodyPr/>
+          <a:lstStyle/>
+          <a:p>
+            <a:r>
+              <a:rPr lang="es-CO" dirty="0"/>
+              <a:t>Requerimientos no funcionales</a:t>
+            </a:r>
+          </a:p>
+        </p:txBody>
+      </p:sp>
+      <p:graphicFrame>
+        <p:nvGraphicFramePr>
+          <p:cNvPr id="4" name="Tabla 4">
+            <a:extLst>
+              <a:ext uri="{FF2B5EF4-FFF2-40B4-BE49-F238E27FC236}">
+                <a16:creationId xmlns:a16="http://schemas.microsoft.com/office/drawing/2014/main" id="{3275B20B-304D-3645-A6E7-687160D9B56D}"/>
+              </a:ext>
+            </a:extLst>
+          </p:cNvPr>
+          <p:cNvGraphicFramePr>
+            <a:graphicFrameLocks noGrp="1"/>
+          </p:cNvGraphicFramePr>
+          <p:nvPr>
+            <p:ph idx="1"/>
+          </p:nvPr>
+        </p:nvGraphicFramePr>
+        <p:xfrm>
+          <a:off x="5118100" y="803275"/>
+          <a:ext cx="6281738" cy="3754120"/>
+        </p:xfrm>
+        <a:graphic>
+          <a:graphicData uri="http://schemas.openxmlformats.org/drawingml/2006/table">
+            <a:tbl>
+              <a:tblPr firstRow="1" bandRow="1">
+                <a:tableStyleId>{5C22544A-7EE6-4342-B048-85BDC9FD1C3A}</a:tableStyleId>
+              </a:tblPr>
+              <a:tblGrid>
+                <a:gridCol w="3140869">
+                  <a:extLst>
+                    <a:ext uri="{9D8B030D-6E8A-4147-A177-3AD203B41FA5}">
+                      <a16:colId xmlns:a16="http://schemas.microsoft.com/office/drawing/2014/main" val="2405063638"/>
+                    </a:ext>
+                  </a:extLst>
+                </a:gridCol>
+                <a:gridCol w="3140869">
+                  <a:extLst>
+                    <a:ext uri="{9D8B030D-6E8A-4147-A177-3AD203B41FA5}">
+                      <a16:colId xmlns:a16="http://schemas.microsoft.com/office/drawing/2014/main" val="3099478781"/>
+                    </a:ext>
+                  </a:extLst>
+                </a:gridCol>
+              </a:tblGrid>
+              <a:tr h="370840">
+                <a:tc>
+                  <a:txBody>
+                    <a:bodyPr/>
+                    <a:lstStyle/>
+                    <a:p>
+                      <a:r>
+                        <a:rPr lang="es-CO" dirty="0"/>
+                        <a:t>Identificación del requerimiento</a:t>
+                      </a:r>
+                    </a:p>
+                  </a:txBody>
+                  <a:tcPr/>
+                </a:tc>
+                <a:tc>
+                  <a:txBody>
+                    <a:bodyPr/>
+                    <a:lstStyle/>
+                    <a:p>
+                      <a:r>
+                        <a:rPr lang="es-CO" dirty="0"/>
                         <a:t>RNF04</a:t>
                       </a:r>
                     </a:p>
@@ -24865,7 +24922,7 @@
 </p:sld>
 </file>
 
-<file path=ppt/slides/slide51.xml><?xml version="1.0" encoding="utf-8"?>
+<file path=ppt/slides/slide52.xml><?xml version="1.0" encoding="utf-8"?>
 <p:sld xmlns:a="http://schemas.openxmlformats.org/drawingml/2006/main" xmlns:r="http://schemas.openxmlformats.org/officeDocument/2006/relationships" xmlns:p="http://schemas.openxmlformats.org/presentationml/2006/main">
   <p:cSld>
     <p:spTree>
@@ -25138,7 +25195,7 @@
 </p:sld>
 </file>
 
-<file path=ppt/slides/slide52.xml><?xml version="1.0" encoding="utf-8"?>
+<file path=ppt/slides/slide53.xml><?xml version="1.0" encoding="utf-8"?>
 <p:sld xmlns:a="http://schemas.openxmlformats.org/drawingml/2006/main" xmlns:r="http://schemas.openxmlformats.org/officeDocument/2006/relationships" xmlns:p="http://schemas.openxmlformats.org/presentationml/2006/main">
   <p:cSld>
     <p:spTree>
@@ -25411,7 +25468,7 @@
 </p:sld>
 </file>
 
-<file path=ppt/slides/slide53.xml><?xml version="1.0" encoding="utf-8"?>
+<file path=ppt/slides/slide54.xml><?xml version="1.0" encoding="utf-8"?>
 <p:sld xmlns:a="http://schemas.openxmlformats.org/drawingml/2006/main" xmlns:r="http://schemas.openxmlformats.org/officeDocument/2006/relationships" xmlns:p="http://schemas.openxmlformats.org/presentationml/2006/main">
   <p:cSld>
     <p:spTree>
@@ -25684,7 +25741,7 @@
 </p:sld>
 </file>
 
-<file path=ppt/slides/slide54.xml><?xml version="1.0" encoding="utf-8"?>
+<file path=ppt/slides/slide55.xml><?xml version="1.0" encoding="utf-8"?>
 <p:sld xmlns:a="http://schemas.openxmlformats.org/drawingml/2006/main" xmlns:r="http://schemas.openxmlformats.org/officeDocument/2006/relationships" xmlns:p="http://schemas.openxmlformats.org/presentationml/2006/main">
   <p:cSld>
     <p:spTree>
@@ -25974,7 +26031,7 @@
 </p:sld>
 </file>
 
-<file path=ppt/slides/slide55.xml><?xml version="1.0" encoding="utf-8"?>
+<file path=ppt/slides/slide56.xml><?xml version="1.0" encoding="utf-8"?>
 <p:sld xmlns:a="http://schemas.openxmlformats.org/drawingml/2006/main" xmlns:r="http://schemas.openxmlformats.org/officeDocument/2006/relationships" xmlns:p="http://schemas.openxmlformats.org/presentationml/2006/main">
   <p:cSld>
     <p:spTree>
@@ -26264,7 +26321,7 @@
 </p:sld>
 </file>
 
-<file path=ppt/slides/slide56.xml><?xml version="1.0" encoding="utf-8"?>
+<file path=ppt/slides/slide57.xml><?xml version="1.0" encoding="utf-8"?>
 <p:sld xmlns:a="http://schemas.openxmlformats.org/drawingml/2006/main" xmlns:r="http://schemas.openxmlformats.org/officeDocument/2006/relationships" xmlns:p="http://schemas.openxmlformats.org/presentationml/2006/main">
   <p:cSld>
     <p:spTree>
@@ -26537,7 +26594,7 @@
 </p:sld>
 </file>
 
-<file path=ppt/slides/slide57.xml><?xml version="1.0" encoding="utf-8"?>
+<file path=ppt/slides/slide58.xml><?xml version="1.0" encoding="utf-8"?>
 <p:sld xmlns:a="http://schemas.openxmlformats.org/drawingml/2006/main" xmlns:r="http://schemas.openxmlformats.org/officeDocument/2006/relationships" xmlns:p="http://schemas.openxmlformats.org/presentationml/2006/main">
   <p:cSld>
     <p:spTree>
@@ -26810,7 +26867,7 @@
 </p:sld>
 </file>
 
-<file path=ppt/slides/slide58.xml><?xml version="1.0" encoding="utf-8"?>
+<file path=ppt/slides/slide59.xml><?xml version="1.0" encoding="utf-8"?>
 <p:sld xmlns:a="http://schemas.openxmlformats.org/drawingml/2006/main" xmlns:r="http://schemas.openxmlformats.org/officeDocument/2006/relationships" xmlns:p="http://schemas.openxmlformats.org/presentationml/2006/main">
   <p:cSld>
     <p:spTree>
@@ -27074,279 +27131,6 @@
     <p:extLst>
       <p:ext uri="{BB962C8B-B14F-4D97-AF65-F5344CB8AC3E}">
         <p14:creationId xmlns:p14="http://schemas.microsoft.com/office/powerpoint/2010/main" val="1915646667"/>
-      </p:ext>
-    </p:extLst>
-  </p:cSld>
-  <p:clrMapOvr>
-    <a:masterClrMapping/>
-  </p:clrMapOvr>
-</p:sld>
-</file>
-
-<file path=ppt/slides/slide59.xml><?xml version="1.0" encoding="utf-8"?>
-<p:sld xmlns:a="http://schemas.openxmlformats.org/drawingml/2006/main" xmlns:r="http://schemas.openxmlformats.org/officeDocument/2006/relationships" xmlns:p="http://schemas.openxmlformats.org/presentationml/2006/main">
-  <p:cSld>
-    <p:spTree>
-      <p:nvGrpSpPr>
-        <p:cNvPr id="1" name=""/>
-        <p:cNvGrpSpPr/>
-        <p:nvPr/>
-      </p:nvGrpSpPr>
-      <p:grpSpPr>
-        <a:xfrm>
-          <a:off x="0" y="0"/>
-          <a:ext cx="0" cy="0"/>
-          <a:chOff x="0" y="0"/>
-          <a:chExt cx="0" cy="0"/>
-        </a:xfrm>
-      </p:grpSpPr>
-      <p:sp>
-        <p:nvSpPr>
-          <p:cNvPr id="2" name="Título 1">
-            <a:extLst>
-              <a:ext uri="{FF2B5EF4-FFF2-40B4-BE49-F238E27FC236}">
-                <a16:creationId xmlns:a16="http://schemas.microsoft.com/office/drawing/2014/main" id="{0DF8FDDE-7FF6-114B-95BB-26E67991BA49}"/>
-              </a:ext>
-            </a:extLst>
-          </p:cNvPr>
-          <p:cNvSpPr>
-            <a:spLocks noGrp="1"/>
-          </p:cNvSpPr>
-          <p:nvPr>
-            <p:ph type="title"/>
-          </p:nvPr>
-        </p:nvSpPr>
-        <p:spPr/>
-        <p:txBody>
-          <a:bodyPr/>
-          <a:lstStyle/>
-          <a:p>
-            <a:r>
-              <a:rPr lang="es-CO"/>
-              <a:t>Requerimientos </a:t>
-            </a:r>
-            <a:r>
-              <a:rPr lang="es-CO" dirty="0"/>
-              <a:t>no funcionales</a:t>
-            </a:r>
-          </a:p>
-        </p:txBody>
-      </p:sp>
-      <p:graphicFrame>
-        <p:nvGraphicFramePr>
-          <p:cNvPr id="4" name="Tabla 4">
-            <a:extLst>
-              <a:ext uri="{FF2B5EF4-FFF2-40B4-BE49-F238E27FC236}">
-                <a16:creationId xmlns:a16="http://schemas.microsoft.com/office/drawing/2014/main" id="{3275B20B-304D-3645-A6E7-687160D9B56D}"/>
-              </a:ext>
-            </a:extLst>
-          </p:cNvPr>
-          <p:cNvGraphicFramePr>
-            <a:graphicFrameLocks noGrp="1"/>
-          </p:cNvGraphicFramePr>
-          <p:nvPr>
-            <p:ph idx="1"/>
-          </p:nvPr>
-        </p:nvGraphicFramePr>
-        <p:xfrm>
-          <a:off x="5118100" y="803275"/>
-          <a:ext cx="6281738" cy="3205480"/>
-        </p:xfrm>
-        <a:graphic>
-          <a:graphicData uri="http://schemas.openxmlformats.org/drawingml/2006/table">
-            <a:tbl>
-              <a:tblPr firstRow="1" bandRow="1">
-                <a:tableStyleId>{5C22544A-7EE6-4342-B048-85BDC9FD1C3A}</a:tableStyleId>
-              </a:tblPr>
-              <a:tblGrid>
-                <a:gridCol w="3140869">
-                  <a:extLst>
-                    <a:ext uri="{9D8B030D-6E8A-4147-A177-3AD203B41FA5}">
-                      <a16:colId xmlns:a16="http://schemas.microsoft.com/office/drawing/2014/main" val="2405063638"/>
-                    </a:ext>
-                  </a:extLst>
-                </a:gridCol>
-                <a:gridCol w="3140869">
-                  <a:extLst>
-                    <a:ext uri="{9D8B030D-6E8A-4147-A177-3AD203B41FA5}">
-                      <a16:colId xmlns:a16="http://schemas.microsoft.com/office/drawing/2014/main" val="3099478781"/>
-                    </a:ext>
-                  </a:extLst>
-                </a:gridCol>
-              </a:tblGrid>
-              <a:tr h="370840">
-                <a:tc>
-                  <a:txBody>
-                    <a:bodyPr/>
-                    <a:lstStyle/>
-                    <a:p>
-                      <a:r>
-                        <a:rPr lang="es-CO" dirty="0"/>
-                        <a:t>Identificación del requerimiento</a:t>
-                      </a:r>
-                    </a:p>
-                  </a:txBody>
-                  <a:tcPr/>
-                </a:tc>
-                <a:tc>
-                  <a:txBody>
-                    <a:bodyPr/>
-                    <a:lstStyle/>
-                    <a:p>
-                      <a:r>
-                        <a:rPr lang="es-CO" dirty="0"/>
-                        <a:t>RNF13</a:t>
-                      </a:r>
-                    </a:p>
-                  </a:txBody>
-                  <a:tcPr/>
-                </a:tc>
-                <a:extLst>
-                  <a:ext uri="{0D108BD9-81ED-4DB2-BD59-A6C34878D82A}">
-                    <a16:rowId xmlns:a16="http://schemas.microsoft.com/office/drawing/2014/main" val="3120795479"/>
-                  </a:ext>
-                </a:extLst>
-              </a:tr>
-              <a:tr h="370840">
-                <a:tc>
-                  <a:txBody>
-                    <a:bodyPr/>
-                    <a:lstStyle/>
-                    <a:p>
-                      <a:r>
-                        <a:rPr lang="es-CO" dirty="0"/>
-                        <a:t>Nombre del requerimiento</a:t>
-                      </a:r>
-                    </a:p>
-                  </a:txBody>
-                  <a:tcPr/>
-                </a:tc>
-                <a:tc>
-                  <a:txBody>
-                    <a:bodyPr/>
-                    <a:lstStyle/>
-                    <a:p>
-                      <a:r>
-                        <a:rPr lang="es-CO" dirty="0"/>
-                        <a:t>Durabilidad</a:t>
-                      </a:r>
-                    </a:p>
-                  </a:txBody>
-                  <a:tcPr/>
-                </a:tc>
-                <a:extLst>
-                  <a:ext uri="{0D108BD9-81ED-4DB2-BD59-A6C34878D82A}">
-                    <a16:rowId xmlns:a16="http://schemas.microsoft.com/office/drawing/2014/main" val="1343925762"/>
-                  </a:ext>
-                </a:extLst>
-              </a:tr>
-              <a:tr h="370840">
-                <a:tc>
-                  <a:txBody>
-                    <a:bodyPr/>
-                    <a:lstStyle/>
-                    <a:p>
-                      <a:r>
-                        <a:rPr lang="es-CO" dirty="0"/>
-                        <a:t>Caracterísitcas</a:t>
-                      </a:r>
-                    </a:p>
-                  </a:txBody>
-                  <a:tcPr/>
-                </a:tc>
-                <a:tc>
-                  <a:txBody>
-                    <a:bodyPr/>
-                    <a:lstStyle/>
-                    <a:p>
-                      <a:r>
-                        <a:rPr lang="es-CO" dirty="0"/>
-                        <a:t>El sistema debe funcionar, al menos, cinco años.</a:t>
-                      </a:r>
-                    </a:p>
-                  </a:txBody>
-                  <a:tcPr/>
-                </a:tc>
-                <a:extLst>
-                  <a:ext uri="{0D108BD9-81ED-4DB2-BD59-A6C34878D82A}">
-                    <a16:rowId xmlns:a16="http://schemas.microsoft.com/office/drawing/2014/main" val="769886354"/>
-                  </a:ext>
-                </a:extLst>
-              </a:tr>
-              <a:tr h="370840">
-                <a:tc>
-                  <a:txBody>
-                    <a:bodyPr/>
-                    <a:lstStyle/>
-                    <a:p>
-                      <a:r>
-                        <a:rPr lang="es-CO" dirty="0"/>
-                        <a:t>Descripción del requerimiento</a:t>
-                      </a:r>
-                    </a:p>
-                  </a:txBody>
-                  <a:tcPr/>
-                </a:tc>
-                <a:tc>
-                  <a:txBody>
-                    <a:bodyPr/>
-                    <a:lstStyle/>
-                    <a:p>
-                      <a:r>
-                        <a:rPr lang="es-CO" dirty="0"/>
-                        <a:t>El periodo de actualización del sistema será de cada cinco años.</a:t>
-                      </a:r>
-                    </a:p>
-                  </a:txBody>
-                  <a:tcPr/>
-                </a:tc>
-                <a:extLst>
-                  <a:ext uri="{0D108BD9-81ED-4DB2-BD59-A6C34878D82A}">
-                    <a16:rowId xmlns:a16="http://schemas.microsoft.com/office/drawing/2014/main" val="2397840479"/>
-                  </a:ext>
-                </a:extLst>
-              </a:tr>
-              <a:tr h="370840">
-                <a:tc>
-                  <a:txBody>
-                    <a:bodyPr/>
-                    <a:lstStyle/>
-                    <a:p>
-                      <a:r>
-                        <a:rPr lang="es-CO" dirty="0"/>
-                        <a:t>Prioridad del requerimiento</a:t>
-                      </a:r>
-                    </a:p>
-                  </a:txBody>
-                  <a:tcPr/>
-                </a:tc>
-                <a:tc>
-                  <a:txBody>
-                    <a:bodyPr/>
-                    <a:lstStyle/>
-                    <a:p>
-                      <a:r>
-                        <a:rPr lang="es-CO" dirty="0"/>
-                        <a:t>Media</a:t>
-                      </a:r>
-                    </a:p>
-                  </a:txBody>
-                  <a:tcPr/>
-                </a:tc>
-                <a:extLst>
-                  <a:ext uri="{0D108BD9-81ED-4DB2-BD59-A6C34878D82A}">
-                    <a16:rowId xmlns:a16="http://schemas.microsoft.com/office/drawing/2014/main" val="1876826554"/>
-                  </a:ext>
-                </a:extLst>
-              </a:tr>
-            </a:tbl>
-          </a:graphicData>
-        </a:graphic>
-      </p:graphicFrame>
-    </p:spTree>
-    <p:extLst>
-      <p:ext uri="{BB962C8B-B14F-4D97-AF65-F5344CB8AC3E}">
-        <p14:creationId xmlns:p14="http://schemas.microsoft.com/office/powerpoint/2010/main" val="2540038314"/>
       </p:ext>
     </p:extLst>
   </p:cSld>
@@ -27511,6 +27295,279 @@
         </p:nvGraphicFramePr>
         <p:xfrm>
           <a:off x="5118100" y="803275"/>
+          <a:ext cx="6281738" cy="3205480"/>
+        </p:xfrm>
+        <a:graphic>
+          <a:graphicData uri="http://schemas.openxmlformats.org/drawingml/2006/table">
+            <a:tbl>
+              <a:tblPr firstRow="1" bandRow="1">
+                <a:tableStyleId>{5C22544A-7EE6-4342-B048-85BDC9FD1C3A}</a:tableStyleId>
+              </a:tblPr>
+              <a:tblGrid>
+                <a:gridCol w="3140869">
+                  <a:extLst>
+                    <a:ext uri="{9D8B030D-6E8A-4147-A177-3AD203B41FA5}">
+                      <a16:colId xmlns:a16="http://schemas.microsoft.com/office/drawing/2014/main" val="2405063638"/>
+                    </a:ext>
+                  </a:extLst>
+                </a:gridCol>
+                <a:gridCol w="3140869">
+                  <a:extLst>
+                    <a:ext uri="{9D8B030D-6E8A-4147-A177-3AD203B41FA5}">
+                      <a16:colId xmlns:a16="http://schemas.microsoft.com/office/drawing/2014/main" val="3099478781"/>
+                    </a:ext>
+                  </a:extLst>
+                </a:gridCol>
+              </a:tblGrid>
+              <a:tr h="370840">
+                <a:tc>
+                  <a:txBody>
+                    <a:bodyPr/>
+                    <a:lstStyle/>
+                    <a:p>
+                      <a:r>
+                        <a:rPr lang="es-CO" dirty="0"/>
+                        <a:t>Identificación del requerimiento</a:t>
+                      </a:r>
+                    </a:p>
+                  </a:txBody>
+                  <a:tcPr/>
+                </a:tc>
+                <a:tc>
+                  <a:txBody>
+                    <a:bodyPr/>
+                    <a:lstStyle/>
+                    <a:p>
+                      <a:r>
+                        <a:rPr lang="es-CO" dirty="0"/>
+                        <a:t>RNF13</a:t>
+                      </a:r>
+                    </a:p>
+                  </a:txBody>
+                  <a:tcPr/>
+                </a:tc>
+                <a:extLst>
+                  <a:ext uri="{0D108BD9-81ED-4DB2-BD59-A6C34878D82A}">
+                    <a16:rowId xmlns:a16="http://schemas.microsoft.com/office/drawing/2014/main" val="3120795479"/>
+                  </a:ext>
+                </a:extLst>
+              </a:tr>
+              <a:tr h="370840">
+                <a:tc>
+                  <a:txBody>
+                    <a:bodyPr/>
+                    <a:lstStyle/>
+                    <a:p>
+                      <a:r>
+                        <a:rPr lang="es-CO" dirty="0"/>
+                        <a:t>Nombre del requerimiento</a:t>
+                      </a:r>
+                    </a:p>
+                  </a:txBody>
+                  <a:tcPr/>
+                </a:tc>
+                <a:tc>
+                  <a:txBody>
+                    <a:bodyPr/>
+                    <a:lstStyle/>
+                    <a:p>
+                      <a:r>
+                        <a:rPr lang="es-CO" dirty="0"/>
+                        <a:t>Durabilidad</a:t>
+                      </a:r>
+                    </a:p>
+                  </a:txBody>
+                  <a:tcPr/>
+                </a:tc>
+                <a:extLst>
+                  <a:ext uri="{0D108BD9-81ED-4DB2-BD59-A6C34878D82A}">
+                    <a16:rowId xmlns:a16="http://schemas.microsoft.com/office/drawing/2014/main" val="1343925762"/>
+                  </a:ext>
+                </a:extLst>
+              </a:tr>
+              <a:tr h="370840">
+                <a:tc>
+                  <a:txBody>
+                    <a:bodyPr/>
+                    <a:lstStyle/>
+                    <a:p>
+                      <a:r>
+                        <a:rPr lang="es-CO" dirty="0"/>
+                        <a:t>Caracterísitcas</a:t>
+                      </a:r>
+                    </a:p>
+                  </a:txBody>
+                  <a:tcPr/>
+                </a:tc>
+                <a:tc>
+                  <a:txBody>
+                    <a:bodyPr/>
+                    <a:lstStyle/>
+                    <a:p>
+                      <a:r>
+                        <a:rPr lang="es-CO" dirty="0"/>
+                        <a:t>El sistema debe funcionar, al menos, cinco años.</a:t>
+                      </a:r>
+                    </a:p>
+                  </a:txBody>
+                  <a:tcPr/>
+                </a:tc>
+                <a:extLst>
+                  <a:ext uri="{0D108BD9-81ED-4DB2-BD59-A6C34878D82A}">
+                    <a16:rowId xmlns:a16="http://schemas.microsoft.com/office/drawing/2014/main" val="769886354"/>
+                  </a:ext>
+                </a:extLst>
+              </a:tr>
+              <a:tr h="370840">
+                <a:tc>
+                  <a:txBody>
+                    <a:bodyPr/>
+                    <a:lstStyle/>
+                    <a:p>
+                      <a:r>
+                        <a:rPr lang="es-CO" dirty="0"/>
+                        <a:t>Descripción del requerimiento</a:t>
+                      </a:r>
+                    </a:p>
+                  </a:txBody>
+                  <a:tcPr/>
+                </a:tc>
+                <a:tc>
+                  <a:txBody>
+                    <a:bodyPr/>
+                    <a:lstStyle/>
+                    <a:p>
+                      <a:r>
+                        <a:rPr lang="es-CO" dirty="0"/>
+                        <a:t>El periodo de actualización del sistema será de cada cinco años.</a:t>
+                      </a:r>
+                    </a:p>
+                  </a:txBody>
+                  <a:tcPr/>
+                </a:tc>
+                <a:extLst>
+                  <a:ext uri="{0D108BD9-81ED-4DB2-BD59-A6C34878D82A}">
+                    <a16:rowId xmlns:a16="http://schemas.microsoft.com/office/drawing/2014/main" val="2397840479"/>
+                  </a:ext>
+                </a:extLst>
+              </a:tr>
+              <a:tr h="370840">
+                <a:tc>
+                  <a:txBody>
+                    <a:bodyPr/>
+                    <a:lstStyle/>
+                    <a:p>
+                      <a:r>
+                        <a:rPr lang="es-CO" dirty="0"/>
+                        <a:t>Prioridad del requerimiento</a:t>
+                      </a:r>
+                    </a:p>
+                  </a:txBody>
+                  <a:tcPr/>
+                </a:tc>
+                <a:tc>
+                  <a:txBody>
+                    <a:bodyPr/>
+                    <a:lstStyle/>
+                    <a:p>
+                      <a:r>
+                        <a:rPr lang="es-CO" dirty="0"/>
+                        <a:t>Media</a:t>
+                      </a:r>
+                    </a:p>
+                  </a:txBody>
+                  <a:tcPr/>
+                </a:tc>
+                <a:extLst>
+                  <a:ext uri="{0D108BD9-81ED-4DB2-BD59-A6C34878D82A}">
+                    <a16:rowId xmlns:a16="http://schemas.microsoft.com/office/drawing/2014/main" val="1876826554"/>
+                  </a:ext>
+                </a:extLst>
+              </a:tr>
+            </a:tbl>
+          </a:graphicData>
+        </a:graphic>
+      </p:graphicFrame>
+    </p:spTree>
+    <p:extLst>
+      <p:ext uri="{BB962C8B-B14F-4D97-AF65-F5344CB8AC3E}">
+        <p14:creationId xmlns:p14="http://schemas.microsoft.com/office/powerpoint/2010/main" val="2540038314"/>
+      </p:ext>
+    </p:extLst>
+  </p:cSld>
+  <p:clrMapOvr>
+    <a:masterClrMapping/>
+  </p:clrMapOvr>
+</p:sld>
+</file>
+
+<file path=ppt/slides/slide61.xml><?xml version="1.0" encoding="utf-8"?>
+<p:sld xmlns:a="http://schemas.openxmlformats.org/drawingml/2006/main" xmlns:r="http://schemas.openxmlformats.org/officeDocument/2006/relationships" xmlns:p="http://schemas.openxmlformats.org/presentationml/2006/main">
+  <p:cSld>
+    <p:spTree>
+      <p:nvGrpSpPr>
+        <p:cNvPr id="1" name=""/>
+        <p:cNvGrpSpPr/>
+        <p:nvPr/>
+      </p:nvGrpSpPr>
+      <p:grpSpPr>
+        <a:xfrm>
+          <a:off x="0" y="0"/>
+          <a:ext cx="0" cy="0"/>
+          <a:chOff x="0" y="0"/>
+          <a:chExt cx="0" cy="0"/>
+        </a:xfrm>
+      </p:grpSpPr>
+      <p:sp>
+        <p:nvSpPr>
+          <p:cNvPr id="2" name="Título 1">
+            <a:extLst>
+              <a:ext uri="{FF2B5EF4-FFF2-40B4-BE49-F238E27FC236}">
+                <a16:creationId xmlns:a16="http://schemas.microsoft.com/office/drawing/2014/main" id="{0DF8FDDE-7FF6-114B-95BB-26E67991BA49}"/>
+              </a:ext>
+            </a:extLst>
+          </p:cNvPr>
+          <p:cNvSpPr>
+            <a:spLocks noGrp="1"/>
+          </p:cNvSpPr>
+          <p:nvPr>
+            <p:ph type="title"/>
+          </p:nvPr>
+        </p:nvSpPr>
+        <p:spPr/>
+        <p:txBody>
+          <a:bodyPr/>
+          <a:lstStyle/>
+          <a:p>
+            <a:r>
+              <a:rPr lang="es-CO"/>
+              <a:t>Requerimientos </a:t>
+            </a:r>
+            <a:r>
+              <a:rPr lang="es-CO" dirty="0"/>
+              <a:t>no funcionales</a:t>
+            </a:r>
+          </a:p>
+        </p:txBody>
+      </p:sp>
+      <p:graphicFrame>
+        <p:nvGraphicFramePr>
+          <p:cNvPr id="4" name="Tabla 4">
+            <a:extLst>
+              <a:ext uri="{FF2B5EF4-FFF2-40B4-BE49-F238E27FC236}">
+                <a16:creationId xmlns:a16="http://schemas.microsoft.com/office/drawing/2014/main" id="{3275B20B-304D-3645-A6E7-687160D9B56D}"/>
+              </a:ext>
+            </a:extLst>
+          </p:cNvPr>
+          <p:cNvGraphicFramePr>
+            <a:graphicFrameLocks noGrp="1"/>
+          </p:cNvGraphicFramePr>
+          <p:nvPr>
+            <p:ph idx="1"/>
+          </p:nvPr>
+        </p:nvGraphicFramePr>
+        <p:xfrm>
+          <a:off x="5118100" y="803275"/>
           <a:ext cx="6281738" cy="3754120"/>
         </p:xfrm>
         <a:graphic>
@@ -27717,7 +27774,7 @@
 </p:sld>
 </file>
 
-<file path=ppt/slides/slide61.xml><?xml version="1.0" encoding="utf-8"?>
+<file path=ppt/slides/slide62.xml><?xml version="1.0" encoding="utf-8"?>
 <p:sld xmlns:a="http://schemas.openxmlformats.org/drawingml/2006/main" xmlns:r="http://schemas.openxmlformats.org/officeDocument/2006/relationships" xmlns:p="http://schemas.openxmlformats.org/presentationml/2006/main">
   <p:cSld>
     <p:spTree>
@@ -27990,7 +28047,7 @@
 </p:sld>
 </file>
 
-<file path=ppt/slides/slide62.xml><?xml version="1.0" encoding="utf-8"?>
+<file path=ppt/slides/slide63.xml><?xml version="1.0" encoding="utf-8"?>
 <p:sld xmlns:a="http://schemas.openxmlformats.org/drawingml/2006/main" xmlns:r="http://schemas.openxmlformats.org/officeDocument/2006/relationships" xmlns:p="http://schemas.openxmlformats.org/presentationml/2006/main">
   <p:cSld>
     <p:spTree>
@@ -28043,7 +28100,7 @@
 </p:sld>
 </file>
 
-<file path=ppt/slides/slide63.xml><?xml version="1.0" encoding="utf-8"?>
+<file path=ppt/slides/slide64.xml><?xml version="1.0" encoding="utf-8"?>
 <p:sld xmlns:a="http://schemas.openxmlformats.org/drawingml/2006/main" xmlns:r="http://schemas.openxmlformats.org/officeDocument/2006/relationships" xmlns:p="http://schemas.openxmlformats.org/presentationml/2006/main">
   <p:cSld>
     <p:spTree>
@@ -28096,7 +28153,7 @@
 </p:sld>
 </file>
 
-<file path=ppt/slides/slide64.xml><?xml version="1.0" encoding="utf-8"?>
+<file path=ppt/slides/slide65.xml><?xml version="1.0" encoding="utf-8"?>
 <p:sld xmlns:a="http://schemas.openxmlformats.org/drawingml/2006/main" xmlns:r="http://schemas.openxmlformats.org/officeDocument/2006/relationships" xmlns:p="http://schemas.openxmlformats.org/presentationml/2006/main">
   <p:cSld>
     <p:spTree>

--- a/PLANTEAMIENTO_DEL_PROBLEMA.pptx
+++ b/PLANTEAMIENTO_DEL_PROBLEMA.pptx
@@ -1585,7 +1585,7 @@
           <a:p>
             <a:fld id="{D253BB75-C9F5-8342-9D8A-C2F31092015F}" type="datetimeFigureOut">
               <a:rPr lang="es-CO" smtClean="0"/>
-              <a:t>18/04/2021</a:t>
+              <a:t>25/04/2021</a:t>
             </a:fld>
             <a:endParaRPr lang="es-CO"/>
           </a:p>
@@ -3044,7 +3044,7 @@
           <a:p>
             <a:fld id="{D253BB75-C9F5-8342-9D8A-C2F31092015F}" type="datetimeFigureOut">
               <a:rPr lang="es-CO" smtClean="0"/>
-              <a:t>18/04/2021</a:t>
+              <a:t>25/04/2021</a:t>
             </a:fld>
             <a:endParaRPr lang="es-CO"/>
           </a:p>
@@ -4497,7 +4497,7 @@
           <a:p>
             <a:fld id="{D253BB75-C9F5-8342-9D8A-C2F31092015F}" type="datetimeFigureOut">
               <a:rPr lang="es-CO" smtClean="0"/>
-              <a:t>18/04/2021</a:t>
+              <a:t>25/04/2021</a:t>
             </a:fld>
             <a:endParaRPr lang="es-CO"/>
           </a:p>
@@ -5952,7 +5952,7 @@
           <a:p>
             <a:fld id="{D253BB75-C9F5-8342-9D8A-C2F31092015F}" type="datetimeFigureOut">
               <a:rPr lang="es-CO" smtClean="0"/>
-              <a:t>18/04/2021</a:t>
+              <a:t>25/04/2021</a:t>
             </a:fld>
             <a:endParaRPr lang="es-CO"/>
           </a:p>
@@ -7460,7 +7460,7 @@
           <a:p>
             <a:fld id="{D253BB75-C9F5-8342-9D8A-C2F31092015F}" type="datetimeFigureOut">
               <a:rPr lang="es-CO" smtClean="0"/>
-              <a:t>18/04/2021</a:t>
+              <a:t>25/04/2021</a:t>
             </a:fld>
             <a:endParaRPr lang="es-CO"/>
           </a:p>
@@ -8981,7 +8981,7 @@
           <a:p>
             <a:fld id="{D253BB75-C9F5-8342-9D8A-C2F31092015F}" type="datetimeFigureOut">
               <a:rPr lang="es-CO" smtClean="0"/>
-              <a:t>18/04/2021</a:t>
+              <a:t>25/04/2021</a:t>
             </a:fld>
             <a:endParaRPr lang="es-CO"/>
           </a:p>
@@ -10646,7 +10646,7 @@
           <a:p>
             <a:fld id="{D253BB75-C9F5-8342-9D8A-C2F31092015F}" type="datetimeFigureOut">
               <a:rPr lang="es-CO" smtClean="0"/>
-              <a:t>18/04/2021</a:t>
+              <a:t>25/04/2021</a:t>
             </a:fld>
             <a:endParaRPr lang="es-CO"/>
           </a:p>
@@ -12044,7 +12044,7 @@
           <a:p>
             <a:fld id="{D253BB75-C9F5-8342-9D8A-C2F31092015F}" type="datetimeFigureOut">
               <a:rPr lang="es-CO" smtClean="0"/>
-              <a:t>18/04/2021</a:t>
+              <a:t>25/04/2021</a:t>
             </a:fld>
             <a:endParaRPr lang="es-CO"/>
           </a:p>
@@ -12144,7 +12144,7 @@
           <a:p>
             <a:fld id="{D253BB75-C9F5-8342-9D8A-C2F31092015F}" type="datetimeFigureOut">
               <a:rPr lang="es-CO" smtClean="0"/>
-              <a:t>18/04/2021</a:t>
+              <a:t>25/04/2021</a:t>
             </a:fld>
             <a:endParaRPr lang="es-CO"/>
           </a:p>
@@ -13670,7 +13670,7 @@
           <a:p>
             <a:fld id="{D253BB75-C9F5-8342-9D8A-C2F31092015F}" type="datetimeFigureOut">
               <a:rPr lang="es-CO" smtClean="0"/>
-              <a:t>18/04/2021</a:t>
+              <a:t>25/04/2021</a:t>
             </a:fld>
             <a:endParaRPr lang="es-CO"/>
           </a:p>
@@ -15206,7 +15206,7 @@
           <a:p>
             <a:fld id="{D253BB75-C9F5-8342-9D8A-C2F31092015F}" type="datetimeFigureOut">
               <a:rPr lang="es-CO" smtClean="0"/>
-              <a:t>18/04/2021</a:t>
+              <a:t>25/04/2021</a:t>
             </a:fld>
             <a:endParaRPr lang="es-CO"/>
           </a:p>
@@ -15429,7 +15429,7 @@
           <a:p>
             <a:fld id="{D253BB75-C9F5-8342-9D8A-C2F31092015F}" type="datetimeFigureOut">
               <a:rPr lang="es-CO" smtClean="0"/>
-              <a:t>18/04/2021</a:t>
+              <a:t>25/04/2021</a:t>
             </a:fld>
             <a:endParaRPr lang="es-CO"/>
           </a:p>
@@ -17742,6 +17742,13 @@
   <p:clrMapOvr>
     <a:masterClrMapping/>
   </p:clrMapOvr>
+  <p:timing>
+    <p:tnLst>
+      <p:par>
+        <p:cTn id="1" dur="indefinite" restart="never" nodeType="tmRoot"/>
+      </p:par>
+    </p:tnLst>
+  </p:timing>
 </p:sld>
 </file>
 
@@ -17860,15 +17867,45 @@
           <a:chExt cx="0" cy="0"/>
         </a:xfrm>
       </p:grpSpPr>
+      <p:pic>
+        <p:nvPicPr>
+          <p:cNvPr id="2" name="Imagen 1"/>
+          <p:cNvPicPr>
+            <a:picLocks noChangeAspect="1"/>
+          </p:cNvPicPr>
+          <p:nvPr/>
+        </p:nvPicPr>
+        <p:blipFill>
+          <a:blip r:embed="rId2">
+            <a:extLst>
+              <a:ext uri="{28A0092B-C50C-407E-A947-70E740481C1C}">
+                <a14:useLocalDpi xmlns:a14="http://schemas.microsoft.com/office/drawing/2010/main" val="0"/>
+              </a:ext>
+            </a:extLst>
+          </a:blip>
+          <a:stretch>
+            <a:fillRect/>
+          </a:stretch>
+        </p:blipFill>
+        <p:spPr>
+          <a:xfrm>
+            <a:off x="0" y="0"/>
+            <a:ext cx="12099991" cy="6858002"/>
+          </a:xfrm>
+          <a:prstGeom prst="rect">
+            <a:avLst/>
+          </a:prstGeom>
+        </p:spPr>
+      </p:pic>
       <p:sp>
         <p:nvSpPr>
-          <p:cNvPr id="6" name="CuadroTexto 5"/>
+          <p:cNvPr id="5" name="CuadroTexto 4"/>
           <p:cNvSpPr txBox="1"/>
           <p:nvPr/>
         </p:nvSpPr>
         <p:spPr>
           <a:xfrm>
-            <a:off x="8104909" y="6581001"/>
+            <a:off x="8991600" y="6470161"/>
             <a:ext cx="3200400" cy="276999"/>
           </a:xfrm>
           <a:prstGeom prst="rect">
@@ -17903,36 +17940,6 @@
           </a:p>
         </p:txBody>
       </p:sp>
-      <p:pic>
-        <p:nvPicPr>
-          <p:cNvPr id="3" name="Imagen 2"/>
-          <p:cNvPicPr>
-            <a:picLocks noChangeAspect="1"/>
-          </p:cNvPicPr>
-          <p:nvPr/>
-        </p:nvPicPr>
-        <p:blipFill>
-          <a:blip r:embed="rId2">
-            <a:extLst>
-              <a:ext uri="{28A0092B-C50C-407E-A947-70E740481C1C}">
-                <a14:useLocalDpi xmlns:a14="http://schemas.microsoft.com/office/drawing/2010/main" val="0"/>
-              </a:ext>
-            </a:extLst>
-          </a:blip>
-          <a:stretch>
-            <a:fillRect/>
-          </a:stretch>
-        </p:blipFill>
-        <p:spPr>
-          <a:xfrm>
-            <a:off x="785812" y="96982"/>
-            <a:ext cx="10219788" cy="6373091"/>
-          </a:xfrm>
-          <a:prstGeom prst="rect">
-            <a:avLst/>
-          </a:prstGeom>
-        </p:spPr>
-      </p:pic>
     </p:spTree>
     <p:extLst>
       <p:ext uri="{BB962C8B-B14F-4D97-AF65-F5344CB8AC3E}">
@@ -17943,6 +17950,13 @@
   <p:clrMapOvr>
     <a:masterClrMapping/>
   </p:clrMapOvr>
+  <p:timing>
+    <p:tnLst>
+      <p:par>
+        <p:cTn id="1" dur="indefinite" restart="never" nodeType="tmRoot"/>
+      </p:par>
+    </p:tnLst>
+  </p:timing>
 </p:sld>
 </file>
 
@@ -18040,6 +18054,13 @@
   <p:clrMapOvr>
     <a:masterClrMapping/>
   </p:clrMapOvr>
+  <p:timing>
+    <p:tnLst>
+      <p:par>
+        <p:cTn id="1" dur="indefinite" restart="never" nodeType="tmRoot"/>
+      </p:par>
+    </p:tnLst>
+  </p:timing>
 </p:sld>
 </file>
 
@@ -18378,6 +18399,13 @@
   <p:clrMapOvr>
     <a:masterClrMapping/>
   </p:clrMapOvr>
+  <p:timing>
+    <p:tnLst>
+      <p:par>
+        <p:cTn id="1" dur="indefinite" restart="never" nodeType="tmRoot"/>
+      </p:par>
+    </p:tnLst>
+  </p:timing>
 </p:sld>
 </file>
 

--- a/PLANTEAMIENTO_DEL_PROBLEMA.pptx
+++ b/PLANTEAMIENTO_DEL_PROBLEMA.pptx
@@ -1585,7 +1585,7 @@
           <a:p>
             <a:fld id="{D253BB75-C9F5-8342-9D8A-C2F31092015F}" type="datetimeFigureOut">
               <a:rPr lang="es-CO" smtClean="0"/>
-              <a:t>25/04/2021</a:t>
+              <a:t>22/05/2021</a:t>
             </a:fld>
             <a:endParaRPr lang="es-CO"/>
           </a:p>
@@ -3044,7 +3044,7 @@
           <a:p>
             <a:fld id="{D253BB75-C9F5-8342-9D8A-C2F31092015F}" type="datetimeFigureOut">
               <a:rPr lang="es-CO" smtClean="0"/>
-              <a:t>25/04/2021</a:t>
+              <a:t>22/05/2021</a:t>
             </a:fld>
             <a:endParaRPr lang="es-CO"/>
           </a:p>
@@ -4497,7 +4497,7 @@
           <a:p>
             <a:fld id="{D253BB75-C9F5-8342-9D8A-C2F31092015F}" type="datetimeFigureOut">
               <a:rPr lang="es-CO" smtClean="0"/>
-              <a:t>25/04/2021</a:t>
+              <a:t>22/05/2021</a:t>
             </a:fld>
             <a:endParaRPr lang="es-CO"/>
           </a:p>
@@ -5952,7 +5952,7 @@
           <a:p>
             <a:fld id="{D253BB75-C9F5-8342-9D8A-C2F31092015F}" type="datetimeFigureOut">
               <a:rPr lang="es-CO" smtClean="0"/>
-              <a:t>25/04/2021</a:t>
+              <a:t>22/05/2021</a:t>
             </a:fld>
             <a:endParaRPr lang="es-CO"/>
           </a:p>
@@ -7460,7 +7460,7 @@
           <a:p>
             <a:fld id="{D253BB75-C9F5-8342-9D8A-C2F31092015F}" type="datetimeFigureOut">
               <a:rPr lang="es-CO" smtClean="0"/>
-              <a:t>25/04/2021</a:t>
+              <a:t>22/05/2021</a:t>
             </a:fld>
             <a:endParaRPr lang="es-CO"/>
           </a:p>
@@ -8981,7 +8981,7 @@
           <a:p>
             <a:fld id="{D253BB75-C9F5-8342-9D8A-C2F31092015F}" type="datetimeFigureOut">
               <a:rPr lang="es-CO" smtClean="0"/>
-              <a:t>25/04/2021</a:t>
+              <a:t>22/05/2021</a:t>
             </a:fld>
             <a:endParaRPr lang="es-CO"/>
           </a:p>
@@ -10646,7 +10646,7 @@
           <a:p>
             <a:fld id="{D253BB75-C9F5-8342-9D8A-C2F31092015F}" type="datetimeFigureOut">
               <a:rPr lang="es-CO" smtClean="0"/>
-              <a:t>25/04/2021</a:t>
+              <a:t>22/05/2021</a:t>
             </a:fld>
             <a:endParaRPr lang="es-CO"/>
           </a:p>
@@ -12044,7 +12044,7 @@
           <a:p>
             <a:fld id="{D253BB75-C9F5-8342-9D8A-C2F31092015F}" type="datetimeFigureOut">
               <a:rPr lang="es-CO" smtClean="0"/>
-              <a:t>25/04/2021</a:t>
+              <a:t>22/05/2021</a:t>
             </a:fld>
             <a:endParaRPr lang="es-CO"/>
           </a:p>
@@ -12144,7 +12144,7 @@
           <a:p>
             <a:fld id="{D253BB75-C9F5-8342-9D8A-C2F31092015F}" type="datetimeFigureOut">
               <a:rPr lang="es-CO" smtClean="0"/>
-              <a:t>25/04/2021</a:t>
+              <a:t>22/05/2021</a:t>
             </a:fld>
             <a:endParaRPr lang="es-CO"/>
           </a:p>
@@ -13670,7 +13670,7 @@
           <a:p>
             <a:fld id="{D253BB75-C9F5-8342-9D8A-C2F31092015F}" type="datetimeFigureOut">
               <a:rPr lang="es-CO" smtClean="0"/>
-              <a:t>25/04/2021</a:t>
+              <a:t>22/05/2021</a:t>
             </a:fld>
             <a:endParaRPr lang="es-CO"/>
           </a:p>
@@ -15206,7 +15206,7 @@
           <a:p>
             <a:fld id="{D253BB75-C9F5-8342-9D8A-C2F31092015F}" type="datetimeFigureOut">
               <a:rPr lang="es-CO" smtClean="0"/>
-              <a:t>25/04/2021</a:t>
+              <a:t>22/05/2021</a:t>
             </a:fld>
             <a:endParaRPr lang="es-CO"/>
           </a:p>
@@ -15429,7 +15429,7 @@
           <a:p>
             <a:fld id="{D253BB75-C9F5-8342-9D8A-C2F31092015F}" type="datetimeFigureOut">
               <a:rPr lang="es-CO" smtClean="0"/>
-              <a:t>25/04/2021</a:t>
+              <a:t>22/05/2021</a:t>
             </a:fld>
             <a:endParaRPr lang="es-CO"/>
           </a:p>
@@ -17869,7 +17869,7 @@
       </p:grpSpPr>
       <p:pic>
         <p:nvPicPr>
-          <p:cNvPr id="2" name="Imagen 1"/>
+          <p:cNvPr id="3" name="Imagen 2"/>
           <p:cNvPicPr>
             <a:picLocks noChangeAspect="1"/>
           </p:cNvPicPr>
@@ -17890,7 +17890,7 @@
         <p:spPr>
           <a:xfrm>
             <a:off x="0" y="0"/>
-            <a:ext cx="12099991" cy="6858002"/>
+            <a:ext cx="12191999" cy="6858000"/>
           </a:xfrm>
           <a:prstGeom prst="rect">
             <a:avLst/>
@@ -17899,13 +17899,13 @@
       </p:pic>
       <p:sp>
         <p:nvSpPr>
-          <p:cNvPr id="5" name="CuadroTexto 4"/>
+          <p:cNvPr id="6" name="CuadroTexto 5"/>
           <p:cNvSpPr txBox="1"/>
           <p:nvPr/>
         </p:nvSpPr>
         <p:spPr>
           <a:xfrm>
-            <a:off x="8991600" y="6470161"/>
+            <a:off x="8991600" y="6545019"/>
             <a:ext cx="3200400" cy="276999"/>
           </a:xfrm>
           <a:prstGeom prst="rect">
@@ -17924,12 +17924,21 @@
                 <a:latin typeface="Times New Roman" panose="02020603050405020304" pitchFamily="18" charset="0"/>
                 <a:cs typeface="Times New Roman" panose="02020603050405020304" pitchFamily="18" charset="0"/>
               </a:rPr>
-              <a:t>Fuente: Construcción propia en Visual </a:t>
+              <a:t>Fuente: </a:t>
+            </a:r>
+            <a:r>
+              <a:rPr lang="es-CO" sz="1200" dirty="0">
+                <a:latin typeface="Times New Roman" panose="02020603050405020304" pitchFamily="18" charset="0"/>
+                <a:cs typeface="Times New Roman" panose="02020603050405020304" pitchFamily="18" charset="0"/>
+                <a:hlinkClick r:id="rId3"/>
+              </a:rPr>
+              <a:t>Construcción propia en Visual </a:t>
             </a:r>
             <a:r>
               <a:rPr lang="es-CO" sz="1200" dirty="0" err="1">
                 <a:latin typeface="Times New Roman" panose="02020603050405020304" pitchFamily="18" charset="0"/>
                 <a:cs typeface="Times New Roman" panose="02020603050405020304" pitchFamily="18" charset="0"/>
+                <a:hlinkClick r:id="rId3"/>
               </a:rPr>
               <a:t>Paradigm</a:t>
             </a:r>

--- a/PLANTEAMIENTO_DEL_PROBLEMA.pptx
+++ b/PLANTEAMIENTO_DEL_PROBLEMA.pptx
@@ -41,35 +41,36 @@
     <p:sldId id="311" r:id="rId35"/>
     <p:sldId id="328" r:id="rId36"/>
     <p:sldId id="329" r:id="rId37"/>
-    <p:sldId id="330" r:id="rId38"/>
-    <p:sldId id="325" r:id="rId39"/>
-    <p:sldId id="333" r:id="rId40"/>
-    <p:sldId id="334" r:id="rId41"/>
-    <p:sldId id="335" r:id="rId42"/>
-    <p:sldId id="336" r:id="rId43"/>
-    <p:sldId id="331" r:id="rId44"/>
-    <p:sldId id="332" r:id="rId45"/>
-    <p:sldId id="337" r:id="rId46"/>
-    <p:sldId id="338" r:id="rId47"/>
-    <p:sldId id="293" r:id="rId48"/>
-    <p:sldId id="296" r:id="rId49"/>
-    <p:sldId id="339" r:id="rId50"/>
-    <p:sldId id="340" r:id="rId51"/>
-    <p:sldId id="341" r:id="rId52"/>
-    <p:sldId id="297" r:id="rId53"/>
-    <p:sldId id="299" r:id="rId54"/>
-    <p:sldId id="300" r:id="rId55"/>
-    <p:sldId id="298" r:id="rId56"/>
-    <p:sldId id="342" r:id="rId57"/>
-    <p:sldId id="343" r:id="rId58"/>
-    <p:sldId id="344" r:id="rId59"/>
-    <p:sldId id="304" r:id="rId60"/>
-    <p:sldId id="307" r:id="rId61"/>
-    <p:sldId id="308" r:id="rId62"/>
-    <p:sldId id="309" r:id="rId63"/>
-    <p:sldId id="302" r:id="rId64"/>
-    <p:sldId id="301" r:id="rId65"/>
-    <p:sldId id="303" r:id="rId66"/>
+    <p:sldId id="346" r:id="rId38"/>
+    <p:sldId id="330" r:id="rId39"/>
+    <p:sldId id="325" r:id="rId40"/>
+    <p:sldId id="333" r:id="rId41"/>
+    <p:sldId id="334" r:id="rId42"/>
+    <p:sldId id="335" r:id="rId43"/>
+    <p:sldId id="336" r:id="rId44"/>
+    <p:sldId id="331" r:id="rId45"/>
+    <p:sldId id="332" r:id="rId46"/>
+    <p:sldId id="337" r:id="rId47"/>
+    <p:sldId id="338" r:id="rId48"/>
+    <p:sldId id="293" r:id="rId49"/>
+    <p:sldId id="296" r:id="rId50"/>
+    <p:sldId id="339" r:id="rId51"/>
+    <p:sldId id="340" r:id="rId52"/>
+    <p:sldId id="341" r:id="rId53"/>
+    <p:sldId id="297" r:id="rId54"/>
+    <p:sldId id="299" r:id="rId55"/>
+    <p:sldId id="300" r:id="rId56"/>
+    <p:sldId id="298" r:id="rId57"/>
+    <p:sldId id="342" r:id="rId58"/>
+    <p:sldId id="343" r:id="rId59"/>
+    <p:sldId id="344" r:id="rId60"/>
+    <p:sldId id="304" r:id="rId61"/>
+    <p:sldId id="307" r:id="rId62"/>
+    <p:sldId id="308" r:id="rId63"/>
+    <p:sldId id="309" r:id="rId64"/>
+    <p:sldId id="302" r:id="rId65"/>
+    <p:sldId id="301" r:id="rId66"/>
+    <p:sldId id="303" r:id="rId67"/>
   </p:sldIdLst>
   <p:sldSz cx="12192000" cy="6858000"/>
   <p:notesSz cx="6858000" cy="9144000"/>
@@ -1585,7 +1586,7 @@
           <a:p>
             <a:fld id="{D253BB75-C9F5-8342-9D8A-C2F31092015F}" type="datetimeFigureOut">
               <a:rPr lang="es-CO" smtClean="0"/>
-              <a:t>22/05/2021</a:t>
+              <a:t>22/05/21</a:t>
             </a:fld>
             <a:endParaRPr lang="es-CO"/>
           </a:p>
@@ -3044,7 +3045,7 @@
           <a:p>
             <a:fld id="{D253BB75-C9F5-8342-9D8A-C2F31092015F}" type="datetimeFigureOut">
               <a:rPr lang="es-CO" smtClean="0"/>
-              <a:t>22/05/2021</a:t>
+              <a:t>22/05/21</a:t>
             </a:fld>
             <a:endParaRPr lang="es-CO"/>
           </a:p>
@@ -4497,7 +4498,7 @@
           <a:p>
             <a:fld id="{D253BB75-C9F5-8342-9D8A-C2F31092015F}" type="datetimeFigureOut">
               <a:rPr lang="es-CO" smtClean="0"/>
-              <a:t>22/05/2021</a:t>
+              <a:t>22/05/21</a:t>
             </a:fld>
             <a:endParaRPr lang="es-CO"/>
           </a:p>
@@ -5952,7 +5953,7 @@
           <a:p>
             <a:fld id="{D253BB75-C9F5-8342-9D8A-C2F31092015F}" type="datetimeFigureOut">
               <a:rPr lang="es-CO" smtClean="0"/>
-              <a:t>22/05/2021</a:t>
+              <a:t>22/05/21</a:t>
             </a:fld>
             <a:endParaRPr lang="es-CO"/>
           </a:p>
@@ -7460,7 +7461,7 @@
           <a:p>
             <a:fld id="{D253BB75-C9F5-8342-9D8A-C2F31092015F}" type="datetimeFigureOut">
               <a:rPr lang="es-CO" smtClean="0"/>
-              <a:t>22/05/2021</a:t>
+              <a:t>22/05/21</a:t>
             </a:fld>
             <a:endParaRPr lang="es-CO"/>
           </a:p>
@@ -8981,7 +8982,7 @@
           <a:p>
             <a:fld id="{D253BB75-C9F5-8342-9D8A-C2F31092015F}" type="datetimeFigureOut">
               <a:rPr lang="es-CO" smtClean="0"/>
-              <a:t>22/05/2021</a:t>
+              <a:t>22/05/21</a:t>
             </a:fld>
             <a:endParaRPr lang="es-CO"/>
           </a:p>
@@ -10646,7 +10647,7 @@
           <a:p>
             <a:fld id="{D253BB75-C9F5-8342-9D8A-C2F31092015F}" type="datetimeFigureOut">
               <a:rPr lang="es-CO" smtClean="0"/>
-              <a:t>22/05/2021</a:t>
+              <a:t>22/05/21</a:t>
             </a:fld>
             <a:endParaRPr lang="es-CO"/>
           </a:p>
@@ -12044,7 +12045,7 @@
           <a:p>
             <a:fld id="{D253BB75-C9F5-8342-9D8A-C2F31092015F}" type="datetimeFigureOut">
               <a:rPr lang="es-CO" smtClean="0"/>
-              <a:t>22/05/2021</a:t>
+              <a:t>22/05/21</a:t>
             </a:fld>
             <a:endParaRPr lang="es-CO"/>
           </a:p>
@@ -12144,7 +12145,7 @@
           <a:p>
             <a:fld id="{D253BB75-C9F5-8342-9D8A-C2F31092015F}" type="datetimeFigureOut">
               <a:rPr lang="es-CO" smtClean="0"/>
-              <a:t>22/05/2021</a:t>
+              <a:t>22/05/21</a:t>
             </a:fld>
             <a:endParaRPr lang="es-CO"/>
           </a:p>
@@ -13670,7 +13671,7 @@
           <a:p>
             <a:fld id="{D253BB75-C9F5-8342-9D8A-C2F31092015F}" type="datetimeFigureOut">
               <a:rPr lang="es-CO" smtClean="0"/>
-              <a:t>22/05/2021</a:t>
+              <a:t>22/05/21</a:t>
             </a:fld>
             <a:endParaRPr lang="es-CO"/>
           </a:p>
@@ -15206,7 +15207,7 @@
           <a:p>
             <a:fld id="{D253BB75-C9F5-8342-9D8A-C2F31092015F}" type="datetimeFigureOut">
               <a:rPr lang="es-CO" smtClean="0"/>
-              <a:t>22/05/2021</a:t>
+              <a:t>22/05/21</a:t>
             </a:fld>
             <a:endParaRPr lang="es-CO"/>
           </a:p>
@@ -15429,7 +15430,7 @@
           <a:p>
             <a:fld id="{D253BB75-C9F5-8342-9D8A-C2F31092015F}" type="datetimeFigureOut">
               <a:rPr lang="es-CO" smtClean="0"/>
-              <a:t>22/05/2021</a:t>
+              <a:t>22/05/21</a:t>
             </a:fld>
             <a:endParaRPr lang="es-CO"/>
           </a:p>
@@ -17742,13 +17743,6 @@
   <p:clrMapOvr>
     <a:masterClrMapping/>
   </p:clrMapOvr>
-  <p:timing>
-    <p:tnLst>
-      <p:par>
-        <p:cTn id="1" dur="indefinite" restart="never" nodeType="tmRoot"/>
-      </p:par>
-    </p:tnLst>
-  </p:timing>
 </p:sld>
 </file>
 
@@ -17867,36 +17861,6 @@
           <a:chExt cx="0" cy="0"/>
         </a:xfrm>
       </p:grpSpPr>
-      <p:pic>
-        <p:nvPicPr>
-          <p:cNvPr id="3" name="Imagen 2"/>
-          <p:cNvPicPr>
-            <a:picLocks noChangeAspect="1"/>
-          </p:cNvPicPr>
-          <p:nvPr/>
-        </p:nvPicPr>
-        <p:blipFill>
-          <a:blip r:embed="rId2">
-            <a:extLst>
-              <a:ext uri="{28A0092B-C50C-407E-A947-70E740481C1C}">
-                <a14:useLocalDpi xmlns:a14="http://schemas.microsoft.com/office/drawing/2010/main" val="0"/>
-              </a:ext>
-            </a:extLst>
-          </a:blip>
-          <a:stretch>
-            <a:fillRect/>
-          </a:stretch>
-        </p:blipFill>
-        <p:spPr>
-          <a:xfrm>
-            <a:off x="0" y="0"/>
-            <a:ext cx="12191999" cy="6858000"/>
-          </a:xfrm>
-          <a:prstGeom prst="rect">
-            <a:avLst/>
-          </a:prstGeom>
-        </p:spPr>
-      </p:pic>
       <p:sp>
         <p:nvSpPr>
           <p:cNvPr id="6" name="CuadroTexto 5"/>
@@ -17905,7 +17869,7 @@
         </p:nvSpPr>
         <p:spPr>
           <a:xfrm>
-            <a:off x="8991600" y="6545019"/>
+            <a:off x="8104909" y="6581001"/>
             <a:ext cx="3200400" cy="276999"/>
           </a:xfrm>
           <a:prstGeom prst="rect">
@@ -17924,21 +17888,12 @@
                 <a:latin typeface="Times New Roman" panose="02020603050405020304" pitchFamily="18" charset="0"/>
                 <a:cs typeface="Times New Roman" panose="02020603050405020304" pitchFamily="18" charset="0"/>
               </a:rPr>
-              <a:t>Fuente: </a:t>
-            </a:r>
-            <a:r>
-              <a:rPr lang="es-CO" sz="1200" dirty="0">
-                <a:latin typeface="Times New Roman" panose="02020603050405020304" pitchFamily="18" charset="0"/>
-                <a:cs typeface="Times New Roman" panose="02020603050405020304" pitchFamily="18" charset="0"/>
-                <a:hlinkClick r:id="rId3"/>
-              </a:rPr>
-              <a:t>Construcción propia en Visual </a:t>
+              <a:t>Fuente: Construcción propia en Visual </a:t>
             </a:r>
             <a:r>
               <a:rPr lang="es-CO" sz="1200" dirty="0" err="1">
                 <a:latin typeface="Times New Roman" panose="02020603050405020304" pitchFamily="18" charset="0"/>
                 <a:cs typeface="Times New Roman" panose="02020603050405020304" pitchFamily="18" charset="0"/>
-                <a:hlinkClick r:id="rId3"/>
               </a:rPr>
               <a:t>Paradigm</a:t>
             </a:r>
@@ -17949,6 +17904,36 @@
           </a:p>
         </p:txBody>
       </p:sp>
+      <p:pic>
+        <p:nvPicPr>
+          <p:cNvPr id="3" name="Imagen 2"/>
+          <p:cNvPicPr>
+            <a:picLocks noChangeAspect="1"/>
+          </p:cNvPicPr>
+          <p:nvPr/>
+        </p:nvPicPr>
+        <p:blipFill>
+          <a:blip r:embed="rId2">
+            <a:extLst>
+              <a:ext uri="{28A0092B-C50C-407E-A947-70E740481C1C}">
+                <a14:useLocalDpi xmlns:a14="http://schemas.microsoft.com/office/drawing/2010/main" val="0"/>
+              </a:ext>
+            </a:extLst>
+          </a:blip>
+          <a:stretch>
+            <a:fillRect/>
+          </a:stretch>
+        </p:blipFill>
+        <p:spPr>
+          <a:xfrm>
+            <a:off x="785812" y="96982"/>
+            <a:ext cx="10219788" cy="6373091"/>
+          </a:xfrm>
+          <a:prstGeom prst="rect">
+            <a:avLst/>
+          </a:prstGeom>
+        </p:spPr>
+      </p:pic>
     </p:spTree>
     <p:extLst>
       <p:ext uri="{BB962C8B-B14F-4D97-AF65-F5344CB8AC3E}">
@@ -17959,13 +17944,6 @@
   <p:clrMapOvr>
     <a:masterClrMapping/>
   </p:clrMapOvr>
-  <p:timing>
-    <p:tnLst>
-      <p:par>
-        <p:cTn id="1" dur="indefinite" restart="never" nodeType="tmRoot"/>
-      </p:par>
-    </p:tnLst>
-  </p:timing>
 </p:sld>
 </file>
 
@@ -18063,13 +18041,6 @@
   <p:clrMapOvr>
     <a:masterClrMapping/>
   </p:clrMapOvr>
-  <p:timing>
-    <p:tnLst>
-      <p:par>
-        <p:cTn id="1" dur="indefinite" restart="never" nodeType="tmRoot"/>
-      </p:par>
-    </p:tnLst>
-  </p:timing>
 </p:sld>
 </file>
 
@@ -18132,6 +18103,11 @@
           </p:cNvGraphicFramePr>
           <p:nvPr>
             <p:ph idx="1"/>
+            <p:extLst>
+              <p:ext uri="{D42A27DB-BD31-4B8C-83A1-F6EECF244321}">
+                <p14:modId xmlns:p14="http://schemas.microsoft.com/office/powerpoint/2010/main" val="3724057812"/>
+              </p:ext>
+            </p:extLst>
           </p:nvPr>
         </p:nvGraphicFramePr>
         <p:xfrm>
@@ -18181,7 +18157,7 @@
                     <a:p>
                       <a:r>
                         <a:rPr lang="es-CO" sz="1400" dirty="0"/>
-                        <a:t>RF01</a:t>
+                        <a:t>RF001</a:t>
                       </a:r>
                     </a:p>
                   </a:txBody>
@@ -18214,7 +18190,7 @@
                     <a:p>
                       <a:r>
                         <a:rPr lang="es-CO" sz="1400" dirty="0"/>
-                        <a:t>Ingreso de  usuario </a:t>
+                        <a:t>Ingresar al sistema </a:t>
                       </a:r>
                     </a:p>
                   </a:txBody>
@@ -18408,13 +18384,6 @@
   <p:clrMapOvr>
     <a:masterClrMapping/>
   </p:clrMapOvr>
-  <p:timing>
-    <p:tnLst>
-      <p:par>
-        <p:cTn id="1" dur="indefinite" restart="never" nodeType="tmRoot"/>
-      </p:par>
-    </p:tnLst>
-  </p:timing>
 </p:sld>
 </file>
 
@@ -18477,6 +18446,11 @@
           </p:cNvGraphicFramePr>
           <p:nvPr>
             <p:ph idx="1"/>
+            <p:extLst>
+              <p:ext uri="{D42A27DB-BD31-4B8C-83A1-F6EECF244321}">
+                <p14:modId xmlns:p14="http://schemas.microsoft.com/office/powerpoint/2010/main" val="3523325714"/>
+              </p:ext>
+            </p:extLst>
           </p:nvPr>
         </p:nvGraphicFramePr>
         <p:xfrm>
@@ -18526,7 +18500,7 @@
                     <a:p>
                       <a:r>
                         <a:rPr lang="es-CO" sz="1400" dirty="0"/>
-                        <a:t>RF02</a:t>
+                        <a:t>RF002</a:t>
                       </a:r>
                     </a:p>
                   </a:txBody>
@@ -18815,6 +18789,11 @@
           </p:cNvGraphicFramePr>
           <p:nvPr>
             <p:ph idx="1"/>
+            <p:extLst>
+              <p:ext uri="{D42A27DB-BD31-4B8C-83A1-F6EECF244321}">
+                <p14:modId xmlns:p14="http://schemas.microsoft.com/office/powerpoint/2010/main" val="3249710834"/>
+              </p:ext>
+            </p:extLst>
           </p:nvPr>
         </p:nvGraphicFramePr>
         <p:xfrm>
@@ -18864,7 +18843,7 @@
                     <a:p>
                       <a:r>
                         <a:rPr lang="es-CO" sz="1400" dirty="0"/>
-                        <a:t>RF03</a:t>
+                        <a:t>RF003</a:t>
                       </a:r>
                     </a:p>
                   </a:txBody>
@@ -19165,6 +19144,11 @@
           </p:cNvGraphicFramePr>
           <p:nvPr>
             <p:ph idx="1"/>
+            <p:extLst>
+              <p:ext uri="{D42A27DB-BD31-4B8C-83A1-F6EECF244321}">
+                <p14:modId xmlns:p14="http://schemas.microsoft.com/office/powerpoint/2010/main" val="3214936071"/>
+              </p:ext>
+            </p:extLst>
           </p:nvPr>
         </p:nvGraphicFramePr>
         <p:xfrm>
@@ -19214,7 +19198,7 @@
                     <a:p>
                       <a:r>
                         <a:rPr lang="es-CO" sz="1400" dirty="0"/>
-                        <a:t>RF04</a:t>
+                        <a:t>RF004</a:t>
                       </a:r>
                     </a:p>
                   </a:txBody>
@@ -19503,6 +19487,11 @@
           </p:cNvGraphicFramePr>
           <p:nvPr>
             <p:ph idx="1"/>
+            <p:extLst>
+              <p:ext uri="{D42A27DB-BD31-4B8C-83A1-F6EECF244321}">
+                <p14:modId xmlns:p14="http://schemas.microsoft.com/office/powerpoint/2010/main" val="3014549437"/>
+              </p:ext>
+            </p:extLst>
           </p:nvPr>
         </p:nvGraphicFramePr>
         <p:xfrm>
@@ -19552,7 +19541,7 @@
                     <a:p>
                       <a:r>
                         <a:rPr lang="es-CO" sz="1400" dirty="0"/>
-                        <a:t>RF05</a:t>
+                        <a:t>RF005</a:t>
                       </a:r>
                     </a:p>
                   </a:txBody>
@@ -19816,7 +19805,7 @@
           <p:cNvPr id="2" name="Título 1">
             <a:extLst>
               <a:ext uri="{FF2B5EF4-FFF2-40B4-BE49-F238E27FC236}">
-                <a16:creationId xmlns:a16="http://schemas.microsoft.com/office/drawing/2014/main" id="{A544CF25-2F8F-BC45-9D5E-B7214CD84D05}"/>
+                <a16:creationId xmlns:a16="http://schemas.microsoft.com/office/drawing/2014/main" id="{ADA63A5C-3352-984D-AACB-2159402FE71B}"/>
               </a:ext>
             </a:extLst>
           </p:cNvPr>
@@ -19844,7 +19833,7 @@
           <p:cNvPr id="4" name="Tabla 4">
             <a:extLst>
               <a:ext uri="{FF2B5EF4-FFF2-40B4-BE49-F238E27FC236}">
-                <a16:creationId xmlns:a16="http://schemas.microsoft.com/office/drawing/2014/main" id="{104B1BC5-C194-6A4D-BF36-86B68BC29C6E}"/>
+                <a16:creationId xmlns:a16="http://schemas.microsoft.com/office/drawing/2014/main" id="{7000E52E-6886-8F43-A5E4-226AD35C6346}"/>
               </a:ext>
             </a:extLst>
           </p:cNvPr>
@@ -19853,6 +19842,354 @@
           </p:cNvGraphicFramePr>
           <p:nvPr>
             <p:ph idx="1"/>
+            <p:extLst>
+              <p:ext uri="{D42A27DB-BD31-4B8C-83A1-F6EECF244321}">
+                <p14:modId xmlns:p14="http://schemas.microsoft.com/office/powerpoint/2010/main" val="3461044718"/>
+              </p:ext>
+            </p:extLst>
+          </p:nvPr>
+        </p:nvGraphicFramePr>
+        <p:xfrm>
+          <a:off x="5118100" y="803275"/>
+          <a:ext cx="6281738" cy="3947160"/>
+        </p:xfrm>
+        <a:graphic>
+          <a:graphicData uri="http://schemas.openxmlformats.org/drawingml/2006/table">
+            <a:tbl>
+              <a:tblPr firstRow="1" bandRow="1">
+                <a:tableStyleId>{5C22544A-7EE6-4342-B048-85BDC9FD1C3A}</a:tableStyleId>
+              </a:tblPr>
+              <a:tblGrid>
+                <a:gridCol w="3140869">
+                  <a:extLst>
+                    <a:ext uri="{9D8B030D-6E8A-4147-A177-3AD203B41FA5}">
+                      <a16:colId xmlns:a16="http://schemas.microsoft.com/office/drawing/2014/main" val="4051387547"/>
+                    </a:ext>
+                  </a:extLst>
+                </a:gridCol>
+                <a:gridCol w="3140869">
+                  <a:extLst>
+                    <a:ext uri="{9D8B030D-6E8A-4147-A177-3AD203B41FA5}">
+                      <a16:colId xmlns:a16="http://schemas.microsoft.com/office/drawing/2014/main" val="4188552159"/>
+                    </a:ext>
+                  </a:extLst>
+                </a:gridCol>
+              </a:tblGrid>
+              <a:tr h="370840">
+                <a:tc>
+                  <a:txBody>
+                    <a:bodyPr/>
+                    <a:lstStyle/>
+                    <a:p>
+                      <a:r>
+                        <a:rPr lang="es-CO" sz="1400" dirty="0"/>
+                        <a:t>Identificación del requerimiento</a:t>
+                      </a:r>
+                    </a:p>
+                  </a:txBody>
+                  <a:tcPr/>
+                </a:tc>
+                <a:tc>
+                  <a:txBody>
+                    <a:bodyPr/>
+                    <a:lstStyle/>
+                    <a:p>
+                      <a:r>
+                        <a:rPr lang="es-CO" sz="1400" dirty="0"/>
+                        <a:t>RF006</a:t>
+                      </a:r>
+                    </a:p>
+                  </a:txBody>
+                  <a:tcPr/>
+                </a:tc>
+                <a:extLst>
+                  <a:ext uri="{0D108BD9-81ED-4DB2-BD59-A6C34878D82A}">
+                    <a16:rowId xmlns:a16="http://schemas.microsoft.com/office/drawing/2014/main" val="637406872"/>
+                  </a:ext>
+                </a:extLst>
+              </a:tr>
+              <a:tr h="370840">
+                <a:tc>
+                  <a:txBody>
+                    <a:bodyPr/>
+                    <a:lstStyle/>
+                    <a:p>
+                      <a:r>
+                        <a:rPr lang="es-CO" sz="1400" dirty="0"/>
+                        <a:t>Nombre del requerimiento</a:t>
+                      </a:r>
+                    </a:p>
+                  </a:txBody>
+                  <a:tcPr/>
+                </a:tc>
+                <a:tc>
+                  <a:txBody>
+                    <a:bodyPr/>
+                    <a:lstStyle/>
+                    <a:p>
+                      <a:r>
+                        <a:rPr lang="es-CO" sz="1400" dirty="0"/>
+                        <a:t>Gestionar cursos</a:t>
+                      </a:r>
+                    </a:p>
+                  </a:txBody>
+                  <a:tcPr/>
+                </a:tc>
+                <a:extLst>
+                  <a:ext uri="{0D108BD9-81ED-4DB2-BD59-A6C34878D82A}">
+                    <a16:rowId xmlns:a16="http://schemas.microsoft.com/office/drawing/2014/main" val="185286241"/>
+                  </a:ext>
+                </a:extLst>
+              </a:tr>
+              <a:tr h="370840">
+                <a:tc>
+                  <a:txBody>
+                    <a:bodyPr/>
+                    <a:lstStyle/>
+                    <a:p>
+                      <a:r>
+                        <a:rPr lang="es-CO" sz="1400" dirty="0"/>
+                        <a:t>Características</a:t>
+                      </a:r>
+                    </a:p>
+                  </a:txBody>
+                  <a:tcPr/>
+                </a:tc>
+                <a:tc>
+                  <a:txBody>
+                    <a:bodyPr/>
+                    <a:lstStyle/>
+                    <a:p>
+                      <a:r>
+                        <a:rPr lang="es-CO" sz="1400" dirty="0"/>
+                        <a:t>El usuario administrador puede crear los cursos.</a:t>
+                      </a:r>
+                    </a:p>
+                  </a:txBody>
+                  <a:tcPr/>
+                </a:tc>
+                <a:extLst>
+                  <a:ext uri="{0D108BD9-81ED-4DB2-BD59-A6C34878D82A}">
+                    <a16:rowId xmlns:a16="http://schemas.microsoft.com/office/drawing/2014/main" val="4023864318"/>
+                  </a:ext>
+                </a:extLst>
+              </a:tr>
+              <a:tr h="370840">
+                <a:tc>
+                  <a:txBody>
+                    <a:bodyPr/>
+                    <a:lstStyle/>
+                    <a:p>
+                      <a:r>
+                        <a:rPr lang="es-CO" sz="1400" dirty="0"/>
+                        <a:t>Descripción del requerimiento</a:t>
+                      </a:r>
+                    </a:p>
+                  </a:txBody>
+                  <a:tcPr/>
+                </a:tc>
+                <a:tc>
+                  <a:txBody>
+                    <a:bodyPr/>
+                    <a:lstStyle/>
+                    <a:p>
+                      <a:r>
+                        <a:rPr lang="es-CO" sz="1400" dirty="0"/>
+                        <a:t>El sistema permitirá al usuario administrador la creación de los cursos.</a:t>
+                      </a:r>
+                    </a:p>
+                  </a:txBody>
+                  <a:tcPr/>
+                </a:tc>
+                <a:extLst>
+                  <a:ext uri="{0D108BD9-81ED-4DB2-BD59-A6C34878D82A}">
+                    <a16:rowId xmlns:a16="http://schemas.microsoft.com/office/drawing/2014/main" val="821924514"/>
+                  </a:ext>
+                </a:extLst>
+              </a:tr>
+              <a:tr h="370840">
+                <a:tc>
+                  <a:txBody>
+                    <a:bodyPr/>
+                    <a:lstStyle/>
+                    <a:p>
+                      <a:r>
+                        <a:rPr lang="es-CO" sz="1400" dirty="0"/>
+                        <a:t>Requerimientos no funcionales</a:t>
+                      </a:r>
+                    </a:p>
+                  </a:txBody>
+                  <a:tcPr/>
+                </a:tc>
+                <a:tc>
+                  <a:txBody>
+                    <a:bodyPr/>
+                    <a:lstStyle/>
+                    <a:p>
+                      <a:r>
+                        <a:rPr lang="es-CO" sz="1400" dirty="0"/>
+                        <a:t>RNF06</a:t>
+                      </a:r>
+                    </a:p>
+                    <a:p>
+                      <a:r>
+                        <a:rPr lang="es-CO" sz="1400" dirty="0"/>
+                        <a:t>RNF08</a:t>
+                      </a:r>
+                    </a:p>
+                    <a:p>
+                      <a:r>
+                        <a:rPr lang="es-CO" sz="1400" dirty="0"/>
+                        <a:t>RNF09</a:t>
+                      </a:r>
+                    </a:p>
+                    <a:p>
+                      <a:r>
+                        <a:rPr lang="es-CO" sz="1400" dirty="0"/>
+                        <a:t>RNF13</a:t>
+                      </a:r>
+                    </a:p>
+                    <a:p>
+                      <a:r>
+                        <a:rPr lang="es-CO" sz="1400" dirty="0"/>
+                        <a:t>RNF14</a:t>
+                      </a:r>
+                    </a:p>
+                    <a:p>
+                      <a:r>
+                        <a:rPr lang="es-CO" sz="1400" dirty="0"/>
+                        <a:t>RNF15</a:t>
+                      </a:r>
+                    </a:p>
+                    <a:p>
+                      <a:r>
+                        <a:rPr lang="es-CO" sz="1400" dirty="0"/>
+                        <a:t>RNF16</a:t>
+                      </a:r>
+                    </a:p>
+                  </a:txBody>
+                  <a:tcPr/>
+                </a:tc>
+                <a:extLst>
+                  <a:ext uri="{0D108BD9-81ED-4DB2-BD59-A6C34878D82A}">
+                    <a16:rowId xmlns:a16="http://schemas.microsoft.com/office/drawing/2014/main" val="2890632905"/>
+                  </a:ext>
+                </a:extLst>
+              </a:tr>
+              <a:tr h="370840">
+                <a:tc>
+                  <a:txBody>
+                    <a:bodyPr/>
+                    <a:lstStyle/>
+                    <a:p>
+                      <a:r>
+                        <a:rPr lang="es-CO" sz="1400" dirty="0"/>
+                        <a:t>Prioridad del requerimiento</a:t>
+                      </a:r>
+                    </a:p>
+                  </a:txBody>
+                  <a:tcPr/>
+                </a:tc>
+                <a:tc>
+                  <a:txBody>
+                    <a:bodyPr/>
+                    <a:lstStyle/>
+                    <a:p>
+                      <a:r>
+                        <a:rPr lang="es-CO" sz="1400" dirty="0"/>
+                        <a:t>Alta</a:t>
+                      </a:r>
+                    </a:p>
+                  </a:txBody>
+                  <a:tcPr/>
+                </a:tc>
+                <a:extLst>
+                  <a:ext uri="{0D108BD9-81ED-4DB2-BD59-A6C34878D82A}">
+                    <a16:rowId xmlns:a16="http://schemas.microsoft.com/office/drawing/2014/main" val="1092200181"/>
+                  </a:ext>
+                </a:extLst>
+              </a:tr>
+            </a:tbl>
+          </a:graphicData>
+        </a:graphic>
+      </p:graphicFrame>
+    </p:spTree>
+    <p:extLst>
+      <p:ext uri="{BB962C8B-B14F-4D97-AF65-F5344CB8AC3E}">
+        <p14:creationId xmlns:p14="http://schemas.microsoft.com/office/powerpoint/2010/main" val="3527941286"/>
+      </p:ext>
+    </p:extLst>
+  </p:cSld>
+  <p:clrMapOvr>
+    <a:masterClrMapping/>
+  </p:clrMapOvr>
+</p:sld>
+</file>
+
+<file path=ppt/slides/slide38.xml><?xml version="1.0" encoding="utf-8"?>
+<p:sld xmlns:a="http://schemas.openxmlformats.org/drawingml/2006/main" xmlns:r="http://schemas.openxmlformats.org/officeDocument/2006/relationships" xmlns:p="http://schemas.openxmlformats.org/presentationml/2006/main">
+  <p:cSld>
+    <p:spTree>
+      <p:nvGrpSpPr>
+        <p:cNvPr id="1" name=""/>
+        <p:cNvGrpSpPr/>
+        <p:nvPr/>
+      </p:nvGrpSpPr>
+      <p:grpSpPr>
+        <a:xfrm>
+          <a:off x="0" y="0"/>
+          <a:ext cx="0" cy="0"/>
+          <a:chOff x="0" y="0"/>
+          <a:chExt cx="0" cy="0"/>
+        </a:xfrm>
+      </p:grpSpPr>
+      <p:sp>
+        <p:nvSpPr>
+          <p:cNvPr id="2" name="Título 1">
+            <a:extLst>
+              <a:ext uri="{FF2B5EF4-FFF2-40B4-BE49-F238E27FC236}">
+                <a16:creationId xmlns:a16="http://schemas.microsoft.com/office/drawing/2014/main" id="{A544CF25-2F8F-BC45-9D5E-B7214CD84D05}"/>
+              </a:ext>
+            </a:extLst>
+          </p:cNvPr>
+          <p:cNvSpPr>
+            <a:spLocks noGrp="1"/>
+          </p:cNvSpPr>
+          <p:nvPr>
+            <p:ph type="title"/>
+          </p:nvPr>
+        </p:nvSpPr>
+        <p:spPr/>
+        <p:txBody>
+          <a:bodyPr/>
+          <a:lstStyle/>
+          <a:p>
+            <a:r>
+              <a:rPr lang="es-CO" dirty="0"/>
+              <a:t>Requerimientos funcionales</a:t>
+            </a:r>
+          </a:p>
+        </p:txBody>
+      </p:sp>
+      <p:graphicFrame>
+        <p:nvGraphicFramePr>
+          <p:cNvPr id="4" name="Tabla 4">
+            <a:extLst>
+              <a:ext uri="{FF2B5EF4-FFF2-40B4-BE49-F238E27FC236}">
+                <a16:creationId xmlns:a16="http://schemas.microsoft.com/office/drawing/2014/main" id="{104B1BC5-C194-6A4D-BF36-86B68BC29C6E}"/>
+              </a:ext>
+            </a:extLst>
+          </p:cNvPr>
+          <p:cNvGraphicFramePr>
+            <a:graphicFrameLocks noGrp="1"/>
+          </p:cNvGraphicFramePr>
+          <p:nvPr>
+            <p:ph idx="1"/>
+            <p:extLst>
+              <p:ext uri="{D42A27DB-BD31-4B8C-83A1-F6EECF244321}">
+                <p14:modId xmlns:p14="http://schemas.microsoft.com/office/powerpoint/2010/main" val="4293041513"/>
+              </p:ext>
+            </p:extLst>
           </p:nvPr>
         </p:nvGraphicFramePr>
         <p:xfrm>
@@ -19902,7 +20239,7 @@
                     <a:p>
                       <a:r>
                         <a:rPr lang="es-CO" sz="1400" dirty="0"/>
-                        <a:t>RF06</a:t>
+                        <a:t>RF007</a:t>
                       </a:r>
                     </a:p>
                   </a:txBody>
@@ -20164,7 +20501,7 @@
 </p:sld>
 </file>
 
-<file path=ppt/slides/slide38.xml><?xml version="1.0" encoding="utf-8"?>
+<file path=ppt/slides/slide39.xml><?xml version="1.0" encoding="utf-8"?>
 <p:sld xmlns:a="http://schemas.openxmlformats.org/drawingml/2006/main" xmlns:r="http://schemas.openxmlformats.org/officeDocument/2006/relationships" xmlns:p="http://schemas.openxmlformats.org/presentationml/2006/main">
   <p:cSld>
     <p:spTree>
@@ -20223,6 +20560,11 @@
           </p:cNvGraphicFramePr>
           <p:nvPr>
             <p:ph idx="1"/>
+            <p:extLst>
+              <p:ext uri="{D42A27DB-BD31-4B8C-83A1-F6EECF244321}">
+                <p14:modId xmlns:p14="http://schemas.microsoft.com/office/powerpoint/2010/main" val="3090622858"/>
+              </p:ext>
+            </p:extLst>
           </p:nvPr>
         </p:nvGraphicFramePr>
         <p:xfrm>
@@ -20272,7 +20614,7 @@
                     <a:p>
                       <a:r>
                         <a:rPr lang="es-CO" sz="1400" dirty="0"/>
-                        <a:t>RF07</a:t>
+                        <a:t>RF008</a:t>
                       </a:r>
                     </a:p>
                   </a:txBody>
@@ -20525,376 +20867,6 @@
     <p:extLst>
       <p:ext uri="{BB962C8B-B14F-4D97-AF65-F5344CB8AC3E}">
         <p14:creationId xmlns:p14="http://schemas.microsoft.com/office/powerpoint/2010/main" val="3573408142"/>
-      </p:ext>
-    </p:extLst>
-  </p:cSld>
-  <p:clrMapOvr>
-    <a:masterClrMapping/>
-  </p:clrMapOvr>
-</p:sld>
-</file>
-
-<file path=ppt/slides/slide39.xml><?xml version="1.0" encoding="utf-8"?>
-<p:sld xmlns:a="http://schemas.openxmlformats.org/drawingml/2006/main" xmlns:r="http://schemas.openxmlformats.org/officeDocument/2006/relationships" xmlns:p="http://schemas.openxmlformats.org/presentationml/2006/main">
-  <p:cSld>
-    <p:spTree>
-      <p:nvGrpSpPr>
-        <p:cNvPr id="1" name=""/>
-        <p:cNvGrpSpPr/>
-        <p:nvPr/>
-      </p:nvGrpSpPr>
-      <p:grpSpPr>
-        <a:xfrm>
-          <a:off x="0" y="0"/>
-          <a:ext cx="0" cy="0"/>
-          <a:chOff x="0" y="0"/>
-          <a:chExt cx="0" cy="0"/>
-        </a:xfrm>
-      </p:grpSpPr>
-      <p:sp>
-        <p:nvSpPr>
-          <p:cNvPr id="2" name="Título 1">
-            <a:extLst>
-              <a:ext uri="{FF2B5EF4-FFF2-40B4-BE49-F238E27FC236}">
-                <a16:creationId xmlns:a16="http://schemas.microsoft.com/office/drawing/2014/main" id="{A544CF25-2F8F-BC45-9D5E-B7214CD84D05}"/>
-              </a:ext>
-            </a:extLst>
-          </p:cNvPr>
-          <p:cNvSpPr>
-            <a:spLocks noGrp="1"/>
-          </p:cNvSpPr>
-          <p:nvPr>
-            <p:ph type="title"/>
-          </p:nvPr>
-        </p:nvSpPr>
-        <p:spPr/>
-        <p:txBody>
-          <a:bodyPr/>
-          <a:lstStyle/>
-          <a:p>
-            <a:r>
-              <a:rPr lang="es-CO" dirty="0"/>
-              <a:t>Requerimientos funcionales</a:t>
-            </a:r>
-          </a:p>
-        </p:txBody>
-      </p:sp>
-      <p:graphicFrame>
-        <p:nvGraphicFramePr>
-          <p:cNvPr id="4" name="Tabla 4">
-            <a:extLst>
-              <a:ext uri="{FF2B5EF4-FFF2-40B4-BE49-F238E27FC236}">
-                <a16:creationId xmlns:a16="http://schemas.microsoft.com/office/drawing/2014/main" id="{104B1BC5-C194-6A4D-BF36-86B68BC29C6E}"/>
-              </a:ext>
-            </a:extLst>
-          </p:cNvPr>
-          <p:cNvGraphicFramePr>
-            <a:graphicFrameLocks noGrp="1"/>
-          </p:cNvGraphicFramePr>
-          <p:nvPr>
-            <p:ph idx="1"/>
-          </p:nvPr>
-        </p:nvGraphicFramePr>
-        <p:xfrm>
-          <a:off x="5118100" y="803275"/>
-          <a:ext cx="6281738" cy="4800600"/>
-        </p:xfrm>
-        <a:graphic>
-          <a:graphicData uri="http://schemas.openxmlformats.org/drawingml/2006/table">
-            <a:tbl>
-              <a:tblPr firstRow="1" bandRow="1">
-                <a:tableStyleId>{5C22544A-7EE6-4342-B048-85BDC9FD1C3A}</a:tableStyleId>
-              </a:tblPr>
-              <a:tblGrid>
-                <a:gridCol w="3140869">
-                  <a:extLst>
-                    <a:ext uri="{9D8B030D-6E8A-4147-A177-3AD203B41FA5}">
-                      <a16:colId xmlns:a16="http://schemas.microsoft.com/office/drawing/2014/main" val="1589146686"/>
-                    </a:ext>
-                  </a:extLst>
-                </a:gridCol>
-                <a:gridCol w="3140869">
-                  <a:extLst>
-                    <a:ext uri="{9D8B030D-6E8A-4147-A177-3AD203B41FA5}">
-                      <a16:colId xmlns:a16="http://schemas.microsoft.com/office/drawing/2014/main" val="1463651238"/>
-                    </a:ext>
-                  </a:extLst>
-                </a:gridCol>
-              </a:tblGrid>
-              <a:tr h="370840">
-                <a:tc>
-                  <a:txBody>
-                    <a:bodyPr/>
-                    <a:lstStyle/>
-                    <a:p>
-                      <a:r>
-                        <a:rPr lang="es-CO" sz="1400" dirty="0"/>
-                        <a:t>Identificación del requerimiento</a:t>
-                      </a:r>
-                    </a:p>
-                  </a:txBody>
-                  <a:tcPr/>
-                </a:tc>
-                <a:tc>
-                  <a:txBody>
-                    <a:bodyPr/>
-                    <a:lstStyle/>
-                    <a:p>
-                      <a:r>
-                        <a:rPr lang="es-CO" sz="1400" dirty="0"/>
-                        <a:t>RF08</a:t>
-                      </a:r>
-                    </a:p>
-                  </a:txBody>
-                  <a:tcPr/>
-                </a:tc>
-                <a:extLst>
-                  <a:ext uri="{0D108BD9-81ED-4DB2-BD59-A6C34878D82A}">
-                    <a16:rowId xmlns:a16="http://schemas.microsoft.com/office/drawing/2014/main" val="3568786682"/>
-                  </a:ext>
-                </a:extLst>
-              </a:tr>
-              <a:tr h="370840">
-                <a:tc>
-                  <a:txBody>
-                    <a:bodyPr/>
-                    <a:lstStyle/>
-                    <a:p>
-                      <a:r>
-                        <a:rPr lang="es-CO" sz="1400" dirty="0"/>
-                        <a:t>Nombre del requerimiento</a:t>
-                      </a:r>
-                    </a:p>
-                  </a:txBody>
-                  <a:tcPr/>
-                </a:tc>
-                <a:tc>
-                  <a:txBody>
-                    <a:bodyPr/>
-                    <a:lstStyle/>
-                    <a:p>
-                      <a:r>
-                        <a:rPr lang="es-CO" sz="1400" dirty="0"/>
-                        <a:t>Filtrar información</a:t>
-                      </a:r>
-                    </a:p>
-                  </a:txBody>
-                  <a:tcPr/>
-                </a:tc>
-                <a:extLst>
-                  <a:ext uri="{0D108BD9-81ED-4DB2-BD59-A6C34878D82A}">
-                    <a16:rowId xmlns:a16="http://schemas.microsoft.com/office/drawing/2014/main" val="2616514354"/>
-                  </a:ext>
-                </a:extLst>
-              </a:tr>
-              <a:tr h="370840">
-                <a:tc>
-                  <a:txBody>
-                    <a:bodyPr/>
-                    <a:lstStyle/>
-                    <a:p>
-                      <a:r>
-                        <a:rPr lang="es-CO" sz="1400" dirty="0"/>
-                        <a:t>Características</a:t>
-                      </a:r>
-                    </a:p>
-                  </a:txBody>
-                  <a:tcPr/>
-                </a:tc>
-                <a:tc>
-                  <a:txBody>
-                    <a:bodyPr/>
-                    <a:lstStyle/>
-                    <a:p>
-                      <a:r>
-                        <a:rPr lang="es-CO" sz="1400" dirty="0"/>
-                        <a:t>El usuario especificar el tipo de información a la cual quiere acceder.</a:t>
-                      </a:r>
-                    </a:p>
-                  </a:txBody>
-                  <a:tcPr/>
-                </a:tc>
-                <a:extLst>
-                  <a:ext uri="{0D108BD9-81ED-4DB2-BD59-A6C34878D82A}">
-                    <a16:rowId xmlns:a16="http://schemas.microsoft.com/office/drawing/2014/main" val="1942680024"/>
-                  </a:ext>
-                </a:extLst>
-              </a:tr>
-              <a:tr h="370840">
-                <a:tc>
-                  <a:txBody>
-                    <a:bodyPr/>
-                    <a:lstStyle/>
-                    <a:p>
-                      <a:r>
-                        <a:rPr lang="es-CO" sz="1400" dirty="0"/>
-                        <a:t>Descripción del requerimiento</a:t>
-                      </a:r>
-                    </a:p>
-                  </a:txBody>
-                  <a:tcPr/>
-                </a:tc>
-                <a:tc>
-                  <a:txBody>
-                    <a:bodyPr/>
-                    <a:lstStyle/>
-                    <a:p>
-                      <a:pPr marL="0" marR="0" lvl="0" indent="0" algn="l" defTabSz="914400" rtl="0" eaLnBrk="1" fontAlgn="auto" latinLnBrk="0" hangingPunct="1">
-                        <a:lnSpc>
-                          <a:spcPct val="100000"/>
-                        </a:lnSpc>
-                        <a:spcBef>
-                          <a:spcPts val="0"/>
-                        </a:spcBef>
-                        <a:spcAft>
-                          <a:spcPts val="0"/>
-                        </a:spcAft>
-                        <a:buClrTx/>
-                        <a:buSzTx/>
-                        <a:buFontTx/>
-                        <a:buNone/>
-                        <a:tabLst/>
-                        <a:defRPr/>
-                      </a:pPr>
-                      <a:r>
-                        <a:rPr lang="es-CO" sz="1400" dirty="0"/>
-                        <a:t>El sistema permite al usuario la búsqueda de información específica según el interés de este.</a:t>
-                      </a:r>
-                    </a:p>
-                    <a:p>
-                      <a:endParaRPr lang="es-CO" sz="1400" dirty="0"/>
-                    </a:p>
-                  </a:txBody>
-                  <a:tcPr/>
-                </a:tc>
-                <a:extLst>
-                  <a:ext uri="{0D108BD9-81ED-4DB2-BD59-A6C34878D82A}">
-                    <a16:rowId xmlns:a16="http://schemas.microsoft.com/office/drawing/2014/main" val="2968710298"/>
-                  </a:ext>
-                </a:extLst>
-              </a:tr>
-              <a:tr h="370840">
-                <a:tc>
-                  <a:txBody>
-                    <a:bodyPr/>
-                    <a:lstStyle/>
-                    <a:p>
-                      <a:r>
-                        <a:rPr lang="es-CO" sz="1400" dirty="0"/>
-                        <a:t>Requerimientos no funcionales</a:t>
-                      </a:r>
-                    </a:p>
-                  </a:txBody>
-                  <a:tcPr/>
-                </a:tc>
-                <a:tc>
-                  <a:txBody>
-                    <a:bodyPr/>
-                    <a:lstStyle/>
-                    <a:p>
-                      <a:r>
-                        <a:rPr lang="es-CO" sz="1400" dirty="0"/>
-                        <a:t>RNF01</a:t>
-                      </a:r>
-                    </a:p>
-                    <a:p>
-                      <a:r>
-                        <a:rPr lang="es-CO" sz="1400" dirty="0"/>
-                        <a:t>RNF08</a:t>
-                      </a:r>
-                    </a:p>
-                    <a:p>
-                      <a:r>
-                        <a:rPr lang="es-CO" sz="1400" dirty="0"/>
-                        <a:t>RNF09</a:t>
-                      </a:r>
-                    </a:p>
-                    <a:p>
-                      <a:r>
-                        <a:rPr lang="es-CO" sz="1400" dirty="0"/>
-                        <a:t>RNF10</a:t>
-                      </a:r>
-                    </a:p>
-                    <a:p>
-                      <a:r>
-                        <a:rPr lang="es-CO" sz="1400" dirty="0"/>
-                        <a:t>RNF11</a:t>
-                      </a:r>
-                    </a:p>
-                    <a:p>
-                      <a:r>
-                        <a:rPr lang="es-CO" sz="1400" dirty="0"/>
-                        <a:t>RNF13</a:t>
-                      </a:r>
-                    </a:p>
-                    <a:p>
-                      <a:r>
-                        <a:rPr lang="es-CO" sz="1400" dirty="0"/>
-                        <a:t>RNF14</a:t>
-                      </a:r>
-                    </a:p>
-                    <a:p>
-                      <a:r>
-                        <a:rPr lang="es-CO" sz="1400" dirty="0"/>
-                        <a:t>RNF15</a:t>
-                      </a:r>
-                    </a:p>
-                    <a:p>
-                      <a:r>
-                        <a:rPr lang="es-CO" sz="1400" dirty="0"/>
-                        <a:t>RNF16</a:t>
-                      </a:r>
-                    </a:p>
-                  </a:txBody>
-                  <a:tcPr/>
-                </a:tc>
-                <a:extLst>
-                  <a:ext uri="{0D108BD9-81ED-4DB2-BD59-A6C34878D82A}">
-                    <a16:rowId xmlns:a16="http://schemas.microsoft.com/office/drawing/2014/main" val="302045704"/>
-                  </a:ext>
-                </a:extLst>
-              </a:tr>
-              <a:tr h="370840">
-                <a:tc>
-                  <a:txBody>
-                    <a:bodyPr/>
-                    <a:lstStyle/>
-                    <a:p>
-                      <a:r>
-                        <a:rPr lang="es-CO" sz="1400" dirty="0"/>
-                        <a:t>Prioridad del requerimiento</a:t>
-                      </a:r>
-                    </a:p>
-                  </a:txBody>
-                  <a:tcPr/>
-                </a:tc>
-                <a:tc>
-                  <a:txBody>
-                    <a:bodyPr/>
-                    <a:lstStyle/>
-                    <a:p>
-                      <a:r>
-                        <a:rPr lang="es-CO" sz="1400" dirty="0"/>
-                        <a:t>Alta</a:t>
-                      </a:r>
-                    </a:p>
-                  </a:txBody>
-                  <a:tcPr/>
-                </a:tc>
-                <a:extLst>
-                  <a:ext uri="{0D108BD9-81ED-4DB2-BD59-A6C34878D82A}">
-                    <a16:rowId xmlns:a16="http://schemas.microsoft.com/office/drawing/2014/main" val="2916724385"/>
-                  </a:ext>
-                </a:extLst>
-              </a:tr>
-            </a:tbl>
-          </a:graphicData>
-        </a:graphic>
-      </p:graphicFrame>
-    </p:spTree>
-    <p:extLst>
-      <p:ext uri="{BB962C8B-B14F-4D97-AF65-F5344CB8AC3E}">
-        <p14:creationId xmlns:p14="http://schemas.microsoft.com/office/powerpoint/2010/main" val="2645603914"/>
       </p:ext>
     </p:extLst>
   </p:cSld>
@@ -21072,6 +21044,386 @@
           </p:cNvGraphicFramePr>
           <p:nvPr>
             <p:ph idx="1"/>
+            <p:extLst>
+              <p:ext uri="{D42A27DB-BD31-4B8C-83A1-F6EECF244321}">
+                <p14:modId xmlns:p14="http://schemas.microsoft.com/office/powerpoint/2010/main" val="942110947"/>
+              </p:ext>
+            </p:extLst>
+          </p:nvPr>
+        </p:nvGraphicFramePr>
+        <p:xfrm>
+          <a:off x="5118100" y="803275"/>
+          <a:ext cx="6281738" cy="4800600"/>
+        </p:xfrm>
+        <a:graphic>
+          <a:graphicData uri="http://schemas.openxmlformats.org/drawingml/2006/table">
+            <a:tbl>
+              <a:tblPr firstRow="1" bandRow="1">
+                <a:tableStyleId>{5C22544A-7EE6-4342-B048-85BDC9FD1C3A}</a:tableStyleId>
+              </a:tblPr>
+              <a:tblGrid>
+                <a:gridCol w="3140869">
+                  <a:extLst>
+                    <a:ext uri="{9D8B030D-6E8A-4147-A177-3AD203B41FA5}">
+                      <a16:colId xmlns:a16="http://schemas.microsoft.com/office/drawing/2014/main" val="1589146686"/>
+                    </a:ext>
+                  </a:extLst>
+                </a:gridCol>
+                <a:gridCol w="3140869">
+                  <a:extLst>
+                    <a:ext uri="{9D8B030D-6E8A-4147-A177-3AD203B41FA5}">
+                      <a16:colId xmlns:a16="http://schemas.microsoft.com/office/drawing/2014/main" val="1463651238"/>
+                    </a:ext>
+                  </a:extLst>
+                </a:gridCol>
+              </a:tblGrid>
+              <a:tr h="370840">
+                <a:tc>
+                  <a:txBody>
+                    <a:bodyPr/>
+                    <a:lstStyle/>
+                    <a:p>
+                      <a:r>
+                        <a:rPr lang="es-CO" sz="1400" dirty="0"/>
+                        <a:t>Identificación del requerimiento</a:t>
+                      </a:r>
+                    </a:p>
+                  </a:txBody>
+                  <a:tcPr/>
+                </a:tc>
+                <a:tc>
+                  <a:txBody>
+                    <a:bodyPr/>
+                    <a:lstStyle/>
+                    <a:p>
+                      <a:r>
+                        <a:rPr lang="es-CO" sz="1400" dirty="0"/>
+                        <a:t>RF009</a:t>
+                      </a:r>
+                    </a:p>
+                  </a:txBody>
+                  <a:tcPr/>
+                </a:tc>
+                <a:extLst>
+                  <a:ext uri="{0D108BD9-81ED-4DB2-BD59-A6C34878D82A}">
+                    <a16:rowId xmlns:a16="http://schemas.microsoft.com/office/drawing/2014/main" val="3568786682"/>
+                  </a:ext>
+                </a:extLst>
+              </a:tr>
+              <a:tr h="370840">
+                <a:tc>
+                  <a:txBody>
+                    <a:bodyPr/>
+                    <a:lstStyle/>
+                    <a:p>
+                      <a:r>
+                        <a:rPr lang="es-CO" sz="1400" dirty="0"/>
+                        <a:t>Nombre del requerimiento</a:t>
+                      </a:r>
+                    </a:p>
+                  </a:txBody>
+                  <a:tcPr/>
+                </a:tc>
+                <a:tc>
+                  <a:txBody>
+                    <a:bodyPr/>
+                    <a:lstStyle/>
+                    <a:p>
+                      <a:r>
+                        <a:rPr lang="es-CO" sz="1400" dirty="0"/>
+                        <a:t>Filtrar información</a:t>
+                      </a:r>
+                    </a:p>
+                  </a:txBody>
+                  <a:tcPr/>
+                </a:tc>
+                <a:extLst>
+                  <a:ext uri="{0D108BD9-81ED-4DB2-BD59-A6C34878D82A}">
+                    <a16:rowId xmlns:a16="http://schemas.microsoft.com/office/drawing/2014/main" val="2616514354"/>
+                  </a:ext>
+                </a:extLst>
+              </a:tr>
+              <a:tr h="370840">
+                <a:tc>
+                  <a:txBody>
+                    <a:bodyPr/>
+                    <a:lstStyle/>
+                    <a:p>
+                      <a:r>
+                        <a:rPr lang="es-CO" sz="1400" dirty="0"/>
+                        <a:t>Características</a:t>
+                      </a:r>
+                    </a:p>
+                  </a:txBody>
+                  <a:tcPr/>
+                </a:tc>
+                <a:tc>
+                  <a:txBody>
+                    <a:bodyPr/>
+                    <a:lstStyle/>
+                    <a:p>
+                      <a:r>
+                        <a:rPr lang="es-CO" sz="1400" dirty="0"/>
+                        <a:t>El usuario especificar el tipo de información a la cual quiere acceder.</a:t>
+                      </a:r>
+                    </a:p>
+                  </a:txBody>
+                  <a:tcPr/>
+                </a:tc>
+                <a:extLst>
+                  <a:ext uri="{0D108BD9-81ED-4DB2-BD59-A6C34878D82A}">
+                    <a16:rowId xmlns:a16="http://schemas.microsoft.com/office/drawing/2014/main" val="1942680024"/>
+                  </a:ext>
+                </a:extLst>
+              </a:tr>
+              <a:tr h="370840">
+                <a:tc>
+                  <a:txBody>
+                    <a:bodyPr/>
+                    <a:lstStyle/>
+                    <a:p>
+                      <a:r>
+                        <a:rPr lang="es-CO" sz="1400" dirty="0"/>
+                        <a:t>Descripción del requerimiento</a:t>
+                      </a:r>
+                    </a:p>
+                  </a:txBody>
+                  <a:tcPr/>
+                </a:tc>
+                <a:tc>
+                  <a:txBody>
+                    <a:bodyPr/>
+                    <a:lstStyle/>
+                    <a:p>
+                      <a:pPr marL="0" marR="0" lvl="0" indent="0" algn="l" defTabSz="914400" rtl="0" eaLnBrk="1" fontAlgn="auto" latinLnBrk="0" hangingPunct="1">
+                        <a:lnSpc>
+                          <a:spcPct val="100000"/>
+                        </a:lnSpc>
+                        <a:spcBef>
+                          <a:spcPts val="0"/>
+                        </a:spcBef>
+                        <a:spcAft>
+                          <a:spcPts val="0"/>
+                        </a:spcAft>
+                        <a:buClrTx/>
+                        <a:buSzTx/>
+                        <a:buFontTx/>
+                        <a:buNone/>
+                        <a:tabLst/>
+                        <a:defRPr/>
+                      </a:pPr>
+                      <a:r>
+                        <a:rPr lang="es-CO" sz="1400" dirty="0"/>
+                        <a:t>El sistema permite al usuario la búsqueda de información específica según el interés de este.</a:t>
+                      </a:r>
+                    </a:p>
+                    <a:p>
+                      <a:endParaRPr lang="es-CO" sz="1400" dirty="0"/>
+                    </a:p>
+                  </a:txBody>
+                  <a:tcPr/>
+                </a:tc>
+                <a:extLst>
+                  <a:ext uri="{0D108BD9-81ED-4DB2-BD59-A6C34878D82A}">
+                    <a16:rowId xmlns:a16="http://schemas.microsoft.com/office/drawing/2014/main" val="2968710298"/>
+                  </a:ext>
+                </a:extLst>
+              </a:tr>
+              <a:tr h="370840">
+                <a:tc>
+                  <a:txBody>
+                    <a:bodyPr/>
+                    <a:lstStyle/>
+                    <a:p>
+                      <a:r>
+                        <a:rPr lang="es-CO" sz="1400" dirty="0"/>
+                        <a:t>Requerimientos no funcionales</a:t>
+                      </a:r>
+                    </a:p>
+                  </a:txBody>
+                  <a:tcPr/>
+                </a:tc>
+                <a:tc>
+                  <a:txBody>
+                    <a:bodyPr/>
+                    <a:lstStyle/>
+                    <a:p>
+                      <a:r>
+                        <a:rPr lang="es-CO" sz="1400" dirty="0"/>
+                        <a:t>RNF01</a:t>
+                      </a:r>
+                    </a:p>
+                    <a:p>
+                      <a:r>
+                        <a:rPr lang="es-CO" sz="1400" dirty="0"/>
+                        <a:t>RNF08</a:t>
+                      </a:r>
+                    </a:p>
+                    <a:p>
+                      <a:r>
+                        <a:rPr lang="es-CO" sz="1400" dirty="0"/>
+                        <a:t>RNF09</a:t>
+                      </a:r>
+                    </a:p>
+                    <a:p>
+                      <a:r>
+                        <a:rPr lang="es-CO" sz="1400" dirty="0"/>
+                        <a:t>RNF10</a:t>
+                      </a:r>
+                    </a:p>
+                    <a:p>
+                      <a:r>
+                        <a:rPr lang="es-CO" sz="1400" dirty="0"/>
+                        <a:t>RNF11</a:t>
+                      </a:r>
+                    </a:p>
+                    <a:p>
+                      <a:r>
+                        <a:rPr lang="es-CO" sz="1400" dirty="0"/>
+                        <a:t>RNF13</a:t>
+                      </a:r>
+                    </a:p>
+                    <a:p>
+                      <a:r>
+                        <a:rPr lang="es-CO" sz="1400" dirty="0"/>
+                        <a:t>RNF14</a:t>
+                      </a:r>
+                    </a:p>
+                    <a:p>
+                      <a:r>
+                        <a:rPr lang="es-CO" sz="1400" dirty="0"/>
+                        <a:t>RNF15</a:t>
+                      </a:r>
+                    </a:p>
+                    <a:p>
+                      <a:r>
+                        <a:rPr lang="es-CO" sz="1400" dirty="0"/>
+                        <a:t>RNF16</a:t>
+                      </a:r>
+                    </a:p>
+                  </a:txBody>
+                  <a:tcPr/>
+                </a:tc>
+                <a:extLst>
+                  <a:ext uri="{0D108BD9-81ED-4DB2-BD59-A6C34878D82A}">
+                    <a16:rowId xmlns:a16="http://schemas.microsoft.com/office/drawing/2014/main" val="302045704"/>
+                  </a:ext>
+                </a:extLst>
+              </a:tr>
+              <a:tr h="370840">
+                <a:tc>
+                  <a:txBody>
+                    <a:bodyPr/>
+                    <a:lstStyle/>
+                    <a:p>
+                      <a:r>
+                        <a:rPr lang="es-CO" sz="1400" dirty="0"/>
+                        <a:t>Prioridad del requerimiento</a:t>
+                      </a:r>
+                    </a:p>
+                  </a:txBody>
+                  <a:tcPr/>
+                </a:tc>
+                <a:tc>
+                  <a:txBody>
+                    <a:bodyPr/>
+                    <a:lstStyle/>
+                    <a:p>
+                      <a:r>
+                        <a:rPr lang="es-CO" sz="1400" dirty="0"/>
+                        <a:t>Alta</a:t>
+                      </a:r>
+                    </a:p>
+                  </a:txBody>
+                  <a:tcPr/>
+                </a:tc>
+                <a:extLst>
+                  <a:ext uri="{0D108BD9-81ED-4DB2-BD59-A6C34878D82A}">
+                    <a16:rowId xmlns:a16="http://schemas.microsoft.com/office/drawing/2014/main" val="2916724385"/>
+                  </a:ext>
+                </a:extLst>
+              </a:tr>
+            </a:tbl>
+          </a:graphicData>
+        </a:graphic>
+      </p:graphicFrame>
+    </p:spTree>
+    <p:extLst>
+      <p:ext uri="{BB962C8B-B14F-4D97-AF65-F5344CB8AC3E}">
+        <p14:creationId xmlns:p14="http://schemas.microsoft.com/office/powerpoint/2010/main" val="2645603914"/>
+      </p:ext>
+    </p:extLst>
+  </p:cSld>
+  <p:clrMapOvr>
+    <a:masterClrMapping/>
+  </p:clrMapOvr>
+</p:sld>
+</file>
+
+<file path=ppt/slides/slide41.xml><?xml version="1.0" encoding="utf-8"?>
+<p:sld xmlns:a="http://schemas.openxmlformats.org/drawingml/2006/main" xmlns:r="http://schemas.openxmlformats.org/officeDocument/2006/relationships" xmlns:p="http://schemas.openxmlformats.org/presentationml/2006/main">
+  <p:cSld>
+    <p:spTree>
+      <p:nvGrpSpPr>
+        <p:cNvPr id="1" name=""/>
+        <p:cNvGrpSpPr/>
+        <p:nvPr/>
+      </p:nvGrpSpPr>
+      <p:grpSpPr>
+        <a:xfrm>
+          <a:off x="0" y="0"/>
+          <a:ext cx="0" cy="0"/>
+          <a:chOff x="0" y="0"/>
+          <a:chExt cx="0" cy="0"/>
+        </a:xfrm>
+      </p:grpSpPr>
+      <p:sp>
+        <p:nvSpPr>
+          <p:cNvPr id="2" name="Título 1">
+            <a:extLst>
+              <a:ext uri="{FF2B5EF4-FFF2-40B4-BE49-F238E27FC236}">
+                <a16:creationId xmlns:a16="http://schemas.microsoft.com/office/drawing/2014/main" id="{A544CF25-2F8F-BC45-9D5E-B7214CD84D05}"/>
+              </a:ext>
+            </a:extLst>
+          </p:cNvPr>
+          <p:cNvSpPr>
+            <a:spLocks noGrp="1"/>
+          </p:cNvSpPr>
+          <p:nvPr>
+            <p:ph type="title"/>
+          </p:nvPr>
+        </p:nvSpPr>
+        <p:spPr/>
+        <p:txBody>
+          <a:bodyPr/>
+          <a:lstStyle/>
+          <a:p>
+            <a:r>
+              <a:rPr lang="es-CO" dirty="0"/>
+              <a:t>Requerimientos funcionales</a:t>
+            </a:r>
+          </a:p>
+        </p:txBody>
+      </p:sp>
+      <p:graphicFrame>
+        <p:nvGraphicFramePr>
+          <p:cNvPr id="4" name="Tabla 4">
+            <a:extLst>
+              <a:ext uri="{FF2B5EF4-FFF2-40B4-BE49-F238E27FC236}">
+                <a16:creationId xmlns:a16="http://schemas.microsoft.com/office/drawing/2014/main" id="{104B1BC5-C194-6A4D-BF36-86B68BC29C6E}"/>
+              </a:ext>
+            </a:extLst>
+          </p:cNvPr>
+          <p:cNvGraphicFramePr>
+            <a:graphicFrameLocks noGrp="1"/>
+          </p:cNvGraphicFramePr>
+          <p:nvPr>
+            <p:ph idx="1"/>
+            <p:extLst>
+              <p:ext uri="{D42A27DB-BD31-4B8C-83A1-F6EECF244321}">
+                <p14:modId xmlns:p14="http://schemas.microsoft.com/office/powerpoint/2010/main" val="2594450083"/>
+              </p:ext>
+            </p:extLst>
           </p:nvPr>
         </p:nvGraphicFramePr>
         <p:xfrm>
@@ -21121,7 +21473,7 @@
                     <a:p>
                       <a:r>
                         <a:rPr lang="es-CO" sz="1400" dirty="0"/>
-                        <a:t>RF09</a:t>
+                        <a:t>RF010</a:t>
                       </a:r>
                     </a:p>
                   </a:txBody>
@@ -21383,7 +21735,7 @@
 </p:sld>
 </file>
 
-<file path=ppt/slides/slide41.xml><?xml version="1.0" encoding="utf-8"?>
+<file path=ppt/slides/slide42.xml><?xml version="1.0" encoding="utf-8"?>
 <p:sld xmlns:a="http://schemas.openxmlformats.org/drawingml/2006/main" xmlns:r="http://schemas.openxmlformats.org/officeDocument/2006/relationships" xmlns:p="http://schemas.openxmlformats.org/presentationml/2006/main">
   <p:cSld>
     <p:spTree>
@@ -21442,6 +21794,11 @@
           </p:cNvGraphicFramePr>
           <p:nvPr>
             <p:ph idx="1"/>
+            <p:extLst>
+              <p:ext uri="{D42A27DB-BD31-4B8C-83A1-F6EECF244321}">
+                <p14:modId xmlns:p14="http://schemas.microsoft.com/office/powerpoint/2010/main" val="1156093661"/>
+              </p:ext>
+            </p:extLst>
           </p:nvPr>
         </p:nvGraphicFramePr>
         <p:xfrm>
@@ -21491,7 +21848,7 @@
                     <a:p>
                       <a:r>
                         <a:rPr lang="es-CO" sz="1400" dirty="0"/>
-                        <a:t>RF10</a:t>
+                        <a:t>RF011</a:t>
                       </a:r>
                     </a:p>
                   </a:txBody>
@@ -21753,7 +22110,7 @@
 </p:sld>
 </file>
 
-<file path=ppt/slides/slide42.xml><?xml version="1.0" encoding="utf-8"?>
+<file path=ppt/slides/slide43.xml><?xml version="1.0" encoding="utf-8"?>
 <p:sld xmlns:a="http://schemas.openxmlformats.org/drawingml/2006/main" xmlns:r="http://schemas.openxmlformats.org/officeDocument/2006/relationships" xmlns:p="http://schemas.openxmlformats.org/presentationml/2006/main">
   <p:cSld>
     <p:spTree>
@@ -21812,6 +22169,11 @@
           </p:cNvGraphicFramePr>
           <p:nvPr>
             <p:ph idx="1"/>
+            <p:extLst>
+              <p:ext uri="{D42A27DB-BD31-4B8C-83A1-F6EECF244321}">
+                <p14:modId xmlns:p14="http://schemas.microsoft.com/office/powerpoint/2010/main" val="1392332237"/>
+              </p:ext>
+            </p:extLst>
           </p:nvPr>
         </p:nvGraphicFramePr>
         <p:xfrm>
@@ -21861,7 +22223,7 @@
                     <a:p>
                       <a:r>
                         <a:rPr lang="es-CO" sz="1400" dirty="0"/>
-                        <a:t>RF11</a:t>
+                        <a:t>RF012</a:t>
                       </a:r>
                     </a:p>
                   </a:txBody>
@@ -22123,7 +22485,7 @@
 </p:sld>
 </file>
 
-<file path=ppt/slides/slide43.xml><?xml version="1.0" encoding="utf-8"?>
+<file path=ppt/slides/slide44.xml><?xml version="1.0" encoding="utf-8"?>
 <p:sld xmlns:a="http://schemas.openxmlformats.org/drawingml/2006/main" xmlns:r="http://schemas.openxmlformats.org/officeDocument/2006/relationships" xmlns:p="http://schemas.openxmlformats.org/presentationml/2006/main">
   <p:cSld>
     <p:spTree>
@@ -22182,6 +22544,11 @@
           </p:cNvGraphicFramePr>
           <p:nvPr>
             <p:ph idx="1"/>
+            <p:extLst>
+              <p:ext uri="{D42A27DB-BD31-4B8C-83A1-F6EECF244321}">
+                <p14:modId xmlns:p14="http://schemas.microsoft.com/office/powerpoint/2010/main" val="42865537"/>
+              </p:ext>
+            </p:extLst>
           </p:nvPr>
         </p:nvGraphicFramePr>
         <p:xfrm>
@@ -22231,7 +22598,7 @@
                     <a:p>
                       <a:r>
                         <a:rPr lang="es-CO" sz="1400" dirty="0"/>
-                        <a:t>RF12</a:t>
+                        <a:t>RF013</a:t>
                       </a:r>
                     </a:p>
                   </a:txBody>
@@ -22493,7 +22860,7 @@
 </p:sld>
 </file>
 
-<file path=ppt/slides/slide44.xml><?xml version="1.0" encoding="utf-8"?>
+<file path=ppt/slides/slide45.xml><?xml version="1.0" encoding="utf-8"?>
 <p:sld xmlns:a="http://schemas.openxmlformats.org/drawingml/2006/main" xmlns:r="http://schemas.openxmlformats.org/officeDocument/2006/relationships" xmlns:p="http://schemas.openxmlformats.org/presentationml/2006/main">
   <p:cSld>
     <p:spTree>
@@ -22552,6 +22919,11 @@
           </p:cNvGraphicFramePr>
           <p:nvPr>
             <p:ph idx="1"/>
+            <p:extLst>
+              <p:ext uri="{D42A27DB-BD31-4B8C-83A1-F6EECF244321}">
+                <p14:modId xmlns:p14="http://schemas.microsoft.com/office/powerpoint/2010/main" val="1826061499"/>
+              </p:ext>
+            </p:extLst>
           </p:nvPr>
         </p:nvGraphicFramePr>
         <p:xfrm>
@@ -22601,7 +22973,7 @@
                     <a:p>
                       <a:r>
                         <a:rPr lang="es-CO" sz="1400" dirty="0"/>
-                        <a:t>RF13</a:t>
+                        <a:t>RF014</a:t>
                       </a:r>
                     </a:p>
                   </a:txBody>
@@ -22887,7 +23259,7 @@
 </p:sld>
 </file>
 
-<file path=ppt/slides/slide45.xml><?xml version="1.0" encoding="utf-8"?>
+<file path=ppt/slides/slide46.xml><?xml version="1.0" encoding="utf-8"?>
 <p:sld xmlns:a="http://schemas.openxmlformats.org/drawingml/2006/main" xmlns:r="http://schemas.openxmlformats.org/officeDocument/2006/relationships" xmlns:p="http://schemas.openxmlformats.org/presentationml/2006/main">
   <p:cSld>
     <p:spTree>
@@ -22946,6 +23318,11 @@
           </p:cNvGraphicFramePr>
           <p:nvPr>
             <p:ph idx="1"/>
+            <p:extLst>
+              <p:ext uri="{D42A27DB-BD31-4B8C-83A1-F6EECF244321}">
+                <p14:modId xmlns:p14="http://schemas.microsoft.com/office/powerpoint/2010/main" val="3263001146"/>
+              </p:ext>
+            </p:extLst>
           </p:nvPr>
         </p:nvGraphicFramePr>
         <p:xfrm>
@@ -22995,7 +23372,7 @@
                     <a:p>
                       <a:r>
                         <a:rPr lang="es-CO" sz="1400" dirty="0"/>
-                        <a:t>RF14</a:t>
+                        <a:t>RF015</a:t>
                       </a:r>
                     </a:p>
                   </a:txBody>
@@ -23257,7 +23634,7 @@
 </p:sld>
 </file>
 
-<file path=ppt/slides/slide46.xml><?xml version="1.0" encoding="utf-8"?>
+<file path=ppt/slides/slide47.xml><?xml version="1.0" encoding="utf-8"?>
 <p:sld xmlns:a="http://schemas.openxmlformats.org/drawingml/2006/main" xmlns:r="http://schemas.openxmlformats.org/officeDocument/2006/relationships" xmlns:p="http://schemas.openxmlformats.org/presentationml/2006/main">
   <p:cSld>
     <p:spTree>
@@ -23316,6 +23693,11 @@
           </p:cNvGraphicFramePr>
           <p:nvPr>
             <p:ph idx="1"/>
+            <p:extLst>
+              <p:ext uri="{D42A27DB-BD31-4B8C-83A1-F6EECF244321}">
+                <p14:modId xmlns:p14="http://schemas.microsoft.com/office/powerpoint/2010/main" val="3922815373"/>
+              </p:ext>
+            </p:extLst>
           </p:nvPr>
         </p:nvGraphicFramePr>
         <p:xfrm>
@@ -23365,7 +23747,7 @@
                     <a:p>
                       <a:r>
                         <a:rPr lang="es-CO" sz="1400" dirty="0"/>
-                        <a:t>RF15</a:t>
+                        <a:t>RF016</a:t>
                       </a:r>
                     </a:p>
                   </a:txBody>
@@ -23627,7 +24009,7 @@
 </p:sld>
 </file>
 
-<file path=ppt/slides/slide47.xml><?xml version="1.0" encoding="utf-8"?>
+<file path=ppt/slides/slide48.xml><?xml version="1.0" encoding="utf-8"?>
 <p:sld xmlns:a="http://schemas.openxmlformats.org/drawingml/2006/main" xmlns:r="http://schemas.openxmlformats.org/officeDocument/2006/relationships" xmlns:p="http://schemas.openxmlformats.org/presentationml/2006/main">
   <p:cSld>
     <p:spTree>
@@ -23729,7 +24111,7 @@
 </p:sld>
 </file>
 
-<file path=ppt/slides/slide48.xml><?xml version="1.0" encoding="utf-8"?>
+<file path=ppt/slides/slide49.xml><?xml version="1.0" encoding="utf-8"?>
 <p:sld xmlns:a="http://schemas.openxmlformats.org/drawingml/2006/main" xmlns:r="http://schemas.openxmlformats.org/officeDocument/2006/relationships" xmlns:p="http://schemas.openxmlformats.org/presentationml/2006/main">
   <p:cSld>
     <p:spTree>
@@ -23989,275 +24371,6 @@
     <p:extLst>
       <p:ext uri="{BB962C8B-B14F-4D97-AF65-F5344CB8AC3E}">
         <p14:creationId xmlns:p14="http://schemas.microsoft.com/office/powerpoint/2010/main" val="3765484493"/>
-      </p:ext>
-    </p:extLst>
-  </p:cSld>
-  <p:clrMapOvr>
-    <a:masterClrMapping/>
-  </p:clrMapOvr>
-</p:sld>
-</file>
-
-<file path=ppt/slides/slide49.xml><?xml version="1.0" encoding="utf-8"?>
-<p:sld xmlns:a="http://schemas.openxmlformats.org/drawingml/2006/main" xmlns:r="http://schemas.openxmlformats.org/officeDocument/2006/relationships" xmlns:p="http://schemas.openxmlformats.org/presentationml/2006/main">
-  <p:cSld>
-    <p:spTree>
-      <p:nvGrpSpPr>
-        <p:cNvPr id="1" name=""/>
-        <p:cNvGrpSpPr/>
-        <p:nvPr/>
-      </p:nvGrpSpPr>
-      <p:grpSpPr>
-        <a:xfrm>
-          <a:off x="0" y="0"/>
-          <a:ext cx="0" cy="0"/>
-          <a:chOff x="0" y="0"/>
-          <a:chExt cx="0" cy="0"/>
-        </a:xfrm>
-      </p:grpSpPr>
-      <p:sp>
-        <p:nvSpPr>
-          <p:cNvPr id="2" name="Título 1">
-            <a:extLst>
-              <a:ext uri="{FF2B5EF4-FFF2-40B4-BE49-F238E27FC236}">
-                <a16:creationId xmlns:a16="http://schemas.microsoft.com/office/drawing/2014/main" id="{0DF8FDDE-7FF6-114B-95BB-26E67991BA49}"/>
-              </a:ext>
-            </a:extLst>
-          </p:cNvPr>
-          <p:cNvSpPr>
-            <a:spLocks noGrp="1"/>
-          </p:cNvSpPr>
-          <p:nvPr>
-            <p:ph type="title"/>
-          </p:nvPr>
-        </p:nvSpPr>
-        <p:spPr/>
-        <p:txBody>
-          <a:bodyPr/>
-          <a:lstStyle/>
-          <a:p>
-            <a:r>
-              <a:rPr lang="es-CO" dirty="0"/>
-              <a:t>Requerimientos no funcionales</a:t>
-            </a:r>
-          </a:p>
-        </p:txBody>
-      </p:sp>
-      <p:graphicFrame>
-        <p:nvGraphicFramePr>
-          <p:cNvPr id="4" name="Tabla 4">
-            <a:extLst>
-              <a:ext uri="{FF2B5EF4-FFF2-40B4-BE49-F238E27FC236}">
-                <a16:creationId xmlns:a16="http://schemas.microsoft.com/office/drawing/2014/main" id="{3275B20B-304D-3645-A6E7-687160D9B56D}"/>
-              </a:ext>
-            </a:extLst>
-          </p:cNvPr>
-          <p:cNvGraphicFramePr>
-            <a:graphicFrameLocks noGrp="1"/>
-          </p:cNvGraphicFramePr>
-          <p:nvPr>
-            <p:ph idx="1"/>
-          </p:nvPr>
-        </p:nvGraphicFramePr>
-        <p:xfrm>
-          <a:off x="5118100" y="803275"/>
-          <a:ext cx="6281738" cy="3205480"/>
-        </p:xfrm>
-        <a:graphic>
-          <a:graphicData uri="http://schemas.openxmlformats.org/drawingml/2006/table">
-            <a:tbl>
-              <a:tblPr firstRow="1" bandRow="1">
-                <a:tableStyleId>{5C22544A-7EE6-4342-B048-85BDC9FD1C3A}</a:tableStyleId>
-              </a:tblPr>
-              <a:tblGrid>
-                <a:gridCol w="3140869">
-                  <a:extLst>
-                    <a:ext uri="{9D8B030D-6E8A-4147-A177-3AD203B41FA5}">
-                      <a16:colId xmlns:a16="http://schemas.microsoft.com/office/drawing/2014/main" val="2405063638"/>
-                    </a:ext>
-                  </a:extLst>
-                </a:gridCol>
-                <a:gridCol w="3140869">
-                  <a:extLst>
-                    <a:ext uri="{9D8B030D-6E8A-4147-A177-3AD203B41FA5}">
-                      <a16:colId xmlns:a16="http://schemas.microsoft.com/office/drawing/2014/main" val="3099478781"/>
-                    </a:ext>
-                  </a:extLst>
-                </a:gridCol>
-              </a:tblGrid>
-              <a:tr h="370840">
-                <a:tc>
-                  <a:txBody>
-                    <a:bodyPr/>
-                    <a:lstStyle/>
-                    <a:p>
-                      <a:r>
-                        <a:rPr lang="es-CO" dirty="0"/>
-                        <a:t>Identificación del requerimiento</a:t>
-                      </a:r>
-                    </a:p>
-                  </a:txBody>
-                  <a:tcPr/>
-                </a:tc>
-                <a:tc>
-                  <a:txBody>
-                    <a:bodyPr/>
-                    <a:lstStyle/>
-                    <a:p>
-                      <a:r>
-                        <a:rPr lang="es-CO" dirty="0"/>
-                        <a:t>RNF02</a:t>
-                      </a:r>
-                    </a:p>
-                  </a:txBody>
-                  <a:tcPr/>
-                </a:tc>
-                <a:extLst>
-                  <a:ext uri="{0D108BD9-81ED-4DB2-BD59-A6C34878D82A}">
-                    <a16:rowId xmlns:a16="http://schemas.microsoft.com/office/drawing/2014/main" val="3120795479"/>
-                  </a:ext>
-                </a:extLst>
-              </a:tr>
-              <a:tr h="370840">
-                <a:tc>
-                  <a:txBody>
-                    <a:bodyPr/>
-                    <a:lstStyle/>
-                    <a:p>
-                      <a:r>
-                        <a:rPr lang="es-CO" dirty="0"/>
-                        <a:t>Nombre del requerimiento</a:t>
-                      </a:r>
-                    </a:p>
-                  </a:txBody>
-                  <a:tcPr/>
-                </a:tc>
-                <a:tc>
-                  <a:txBody>
-                    <a:bodyPr/>
-                    <a:lstStyle/>
-                    <a:p>
-                      <a:r>
-                        <a:rPr lang="es-CO" dirty="0"/>
-                        <a:t>Estilos de interfaz</a:t>
-                      </a:r>
-                    </a:p>
-                  </a:txBody>
-                  <a:tcPr/>
-                </a:tc>
-                <a:extLst>
-                  <a:ext uri="{0D108BD9-81ED-4DB2-BD59-A6C34878D82A}">
-                    <a16:rowId xmlns:a16="http://schemas.microsoft.com/office/drawing/2014/main" val="1343925762"/>
-                  </a:ext>
-                </a:extLst>
-              </a:tr>
-              <a:tr h="370840">
-                <a:tc>
-                  <a:txBody>
-                    <a:bodyPr/>
-                    <a:lstStyle/>
-                    <a:p>
-                      <a:r>
-                        <a:rPr lang="es-CO" dirty="0"/>
-                        <a:t>Caracterísitcas</a:t>
-                      </a:r>
-                    </a:p>
-                  </a:txBody>
-                  <a:tcPr/>
-                </a:tc>
-                <a:tc>
-                  <a:txBody>
-                    <a:bodyPr/>
-                    <a:lstStyle/>
-                    <a:p>
-                      <a:r>
-                        <a:rPr lang="es-CO" dirty="0"/>
-                        <a:t>La interfaz debe tener los colores y los logos de la Gobernación y del colegio.</a:t>
-                      </a:r>
-                    </a:p>
-                  </a:txBody>
-                  <a:tcPr/>
-                </a:tc>
-                <a:extLst>
-                  <a:ext uri="{0D108BD9-81ED-4DB2-BD59-A6C34878D82A}">
-                    <a16:rowId xmlns:a16="http://schemas.microsoft.com/office/drawing/2014/main" val="769886354"/>
-                  </a:ext>
-                </a:extLst>
-              </a:tr>
-              <a:tr h="370840">
-                <a:tc>
-                  <a:txBody>
-                    <a:bodyPr/>
-                    <a:lstStyle/>
-                    <a:p>
-                      <a:r>
-                        <a:rPr lang="es-CO" dirty="0"/>
-                        <a:t>Descripción del requerimiento</a:t>
-                      </a:r>
-                    </a:p>
-                  </a:txBody>
-                  <a:tcPr/>
-                </a:tc>
-                <a:tc>
-                  <a:txBody>
-                    <a:bodyPr/>
-                    <a:lstStyle/>
-                    <a:p>
-                      <a:r>
-                        <a:rPr lang="es-CO" dirty="0"/>
-                        <a:t>La interfaz debe presentar los estilos institucionales.</a:t>
-                      </a:r>
-                    </a:p>
-                  </a:txBody>
-                  <a:tcPr/>
-                </a:tc>
-                <a:extLst>
-                  <a:ext uri="{0D108BD9-81ED-4DB2-BD59-A6C34878D82A}">
-                    <a16:rowId xmlns:a16="http://schemas.microsoft.com/office/drawing/2014/main" val="2397840479"/>
-                  </a:ext>
-                </a:extLst>
-              </a:tr>
-              <a:tr h="370840">
-                <a:tc>
-                  <a:txBody>
-                    <a:bodyPr/>
-                    <a:lstStyle/>
-                    <a:p>
-                      <a:r>
-                        <a:rPr lang="es-CO" dirty="0"/>
-                        <a:t>Prioridad del requerimiento</a:t>
-                      </a:r>
-                    </a:p>
-                  </a:txBody>
-                  <a:tcPr/>
-                </a:tc>
-                <a:tc>
-                  <a:txBody>
-                    <a:bodyPr/>
-                    <a:lstStyle/>
-                    <a:p>
-                      <a:r>
-                        <a:rPr lang="es-CO" dirty="0"/>
-                        <a:t>Alta</a:t>
-                      </a:r>
-                    </a:p>
-                  </a:txBody>
-                  <a:tcPr/>
-                </a:tc>
-                <a:extLst>
-                  <a:ext uri="{0D108BD9-81ED-4DB2-BD59-A6C34878D82A}">
-                    <a16:rowId xmlns:a16="http://schemas.microsoft.com/office/drawing/2014/main" val="1876826554"/>
-                  </a:ext>
-                </a:extLst>
-              </a:tr>
-            </a:tbl>
-          </a:graphicData>
-        </a:graphic>
-      </p:graphicFrame>
-    </p:spTree>
-    <p:extLst>
-      <p:ext uri="{BB962C8B-B14F-4D97-AF65-F5344CB8AC3E}">
-        <p14:creationId xmlns:p14="http://schemas.microsoft.com/office/powerpoint/2010/main" val="1139138037"/>
       </p:ext>
     </p:extLst>
   </p:cSld>
@@ -24418,7 +24531,7 @@
         </p:nvGraphicFramePr>
         <p:xfrm>
           <a:off x="5118100" y="803275"/>
-          <a:ext cx="6281738" cy="3754120"/>
+          <a:ext cx="6281738" cy="3205480"/>
         </p:xfrm>
         <a:graphic>
           <a:graphicData uri="http://schemas.openxmlformats.org/drawingml/2006/table">
@@ -24463,7 +24576,7 @@
                     <a:p>
                       <a:r>
                         <a:rPr lang="es-CO" dirty="0"/>
-                        <a:t>RNF03</a:t>
+                        <a:t>RNF02</a:t>
                       </a:r>
                     </a:p>
                   </a:txBody>
@@ -24495,10 +24608,9 @@
                     <a:lstStyle/>
                     <a:p>
                       <a:r>
-                        <a:rPr lang="es-CO" dirty="0" err="1"/>
-                        <a:t>Frontend</a:t>
-                      </a:r>
-                      <a:endParaRPr lang="es-CO" dirty="0"/>
+                        <a:rPr lang="es-CO" dirty="0"/>
+                        <a:t>Estilos de interfaz</a:t>
+                      </a:r>
                     </a:p>
                   </a:txBody>
                   <a:tcPr/>
@@ -24530,23 +24642,7 @@
                     <a:p>
                       <a:r>
                         <a:rPr lang="es-CO" dirty="0"/>
-                        <a:t>El </a:t>
-                      </a:r>
-                      <a:r>
-                        <a:rPr lang="es-CO" dirty="0" err="1"/>
-                        <a:t>frontend</a:t>
-                      </a:r>
-                      <a:r>
-                        <a:rPr lang="es-CO" dirty="0"/>
-                        <a:t> debe estar escrito, al menos, en </a:t>
-                      </a:r>
-                      <a:r>
-                        <a:rPr lang="es-CO" dirty="0" err="1"/>
-                        <a:t>NoteJS</a:t>
-                      </a:r>
-                      <a:r>
-                        <a:rPr lang="es-CO" dirty="0"/>
-                        <a:t> y HTML.</a:t>
+                        <a:t>La interfaz debe tener los colores y los logos de la Gobernación y del colegio.</a:t>
                       </a:r>
                     </a:p>
                   </a:txBody>
@@ -24579,15 +24675,7 @@
                     <a:p>
                       <a:r>
                         <a:rPr lang="es-CO" dirty="0"/>
-                        <a:t>Se deben utilizar, al menos, los lenguajes </a:t>
-                      </a:r>
-                      <a:r>
-                        <a:rPr lang="es-CO" dirty="0" err="1"/>
-                        <a:t>NoteJS</a:t>
-                      </a:r>
-                      <a:r>
-                        <a:rPr lang="es-CO" dirty="0"/>
-                        <a:t>  y HTML para el diseño frontal del sistema.</a:t>
+                        <a:t>La interfaz debe presentar los estilos institucionales.</a:t>
                       </a:r>
                     </a:p>
                   </a:txBody>
@@ -24639,7 +24727,7 @@
     </p:spTree>
     <p:extLst>
       <p:ext uri="{BB962C8B-B14F-4D97-AF65-F5344CB8AC3E}">
-        <p14:creationId xmlns:p14="http://schemas.microsoft.com/office/powerpoint/2010/main" val="3274729353"/>
+        <p14:creationId xmlns:p14="http://schemas.microsoft.com/office/powerpoint/2010/main" val="1139138037"/>
       </p:ext>
     </p:extLst>
   </p:cSld>
@@ -24757,6 +24845,300 @@
                     <a:p>
                       <a:r>
                         <a:rPr lang="es-CO" dirty="0"/>
+                        <a:t>RNF03</a:t>
+                      </a:r>
+                    </a:p>
+                  </a:txBody>
+                  <a:tcPr/>
+                </a:tc>
+                <a:extLst>
+                  <a:ext uri="{0D108BD9-81ED-4DB2-BD59-A6C34878D82A}">
+                    <a16:rowId xmlns:a16="http://schemas.microsoft.com/office/drawing/2014/main" val="3120795479"/>
+                  </a:ext>
+                </a:extLst>
+              </a:tr>
+              <a:tr h="370840">
+                <a:tc>
+                  <a:txBody>
+                    <a:bodyPr/>
+                    <a:lstStyle/>
+                    <a:p>
+                      <a:r>
+                        <a:rPr lang="es-CO" dirty="0"/>
+                        <a:t>Nombre del requerimiento</a:t>
+                      </a:r>
+                    </a:p>
+                  </a:txBody>
+                  <a:tcPr/>
+                </a:tc>
+                <a:tc>
+                  <a:txBody>
+                    <a:bodyPr/>
+                    <a:lstStyle/>
+                    <a:p>
+                      <a:r>
+                        <a:rPr lang="es-CO" dirty="0" err="1"/>
+                        <a:t>Frontend</a:t>
+                      </a:r>
+                      <a:endParaRPr lang="es-CO" dirty="0"/>
+                    </a:p>
+                  </a:txBody>
+                  <a:tcPr/>
+                </a:tc>
+                <a:extLst>
+                  <a:ext uri="{0D108BD9-81ED-4DB2-BD59-A6C34878D82A}">
+                    <a16:rowId xmlns:a16="http://schemas.microsoft.com/office/drawing/2014/main" val="1343925762"/>
+                  </a:ext>
+                </a:extLst>
+              </a:tr>
+              <a:tr h="370840">
+                <a:tc>
+                  <a:txBody>
+                    <a:bodyPr/>
+                    <a:lstStyle/>
+                    <a:p>
+                      <a:r>
+                        <a:rPr lang="es-CO" dirty="0"/>
+                        <a:t>Caracterísitcas</a:t>
+                      </a:r>
+                    </a:p>
+                  </a:txBody>
+                  <a:tcPr/>
+                </a:tc>
+                <a:tc>
+                  <a:txBody>
+                    <a:bodyPr/>
+                    <a:lstStyle/>
+                    <a:p>
+                      <a:r>
+                        <a:rPr lang="es-CO" dirty="0"/>
+                        <a:t>El </a:t>
+                      </a:r>
+                      <a:r>
+                        <a:rPr lang="es-CO" dirty="0" err="1"/>
+                        <a:t>frontend</a:t>
+                      </a:r>
+                      <a:r>
+                        <a:rPr lang="es-CO" dirty="0"/>
+                        <a:t> debe estar escrito, al menos, en </a:t>
+                      </a:r>
+                      <a:r>
+                        <a:rPr lang="es-CO" dirty="0" err="1"/>
+                        <a:t>NoteJS</a:t>
+                      </a:r>
+                      <a:r>
+                        <a:rPr lang="es-CO" dirty="0"/>
+                        <a:t> y HTML.</a:t>
+                      </a:r>
+                    </a:p>
+                  </a:txBody>
+                  <a:tcPr/>
+                </a:tc>
+                <a:extLst>
+                  <a:ext uri="{0D108BD9-81ED-4DB2-BD59-A6C34878D82A}">
+                    <a16:rowId xmlns:a16="http://schemas.microsoft.com/office/drawing/2014/main" val="769886354"/>
+                  </a:ext>
+                </a:extLst>
+              </a:tr>
+              <a:tr h="370840">
+                <a:tc>
+                  <a:txBody>
+                    <a:bodyPr/>
+                    <a:lstStyle/>
+                    <a:p>
+                      <a:r>
+                        <a:rPr lang="es-CO" dirty="0"/>
+                        <a:t>Descripción del requerimiento</a:t>
+                      </a:r>
+                    </a:p>
+                  </a:txBody>
+                  <a:tcPr/>
+                </a:tc>
+                <a:tc>
+                  <a:txBody>
+                    <a:bodyPr/>
+                    <a:lstStyle/>
+                    <a:p>
+                      <a:r>
+                        <a:rPr lang="es-CO" dirty="0"/>
+                        <a:t>Se deben utilizar, al menos, los lenguajes </a:t>
+                      </a:r>
+                      <a:r>
+                        <a:rPr lang="es-CO" dirty="0" err="1"/>
+                        <a:t>NoteJS</a:t>
+                      </a:r>
+                      <a:r>
+                        <a:rPr lang="es-CO" dirty="0"/>
+                        <a:t>  y HTML para el diseño frontal del sistema.</a:t>
+                      </a:r>
+                    </a:p>
+                  </a:txBody>
+                  <a:tcPr/>
+                </a:tc>
+                <a:extLst>
+                  <a:ext uri="{0D108BD9-81ED-4DB2-BD59-A6C34878D82A}">
+                    <a16:rowId xmlns:a16="http://schemas.microsoft.com/office/drawing/2014/main" val="2397840479"/>
+                  </a:ext>
+                </a:extLst>
+              </a:tr>
+              <a:tr h="370840">
+                <a:tc>
+                  <a:txBody>
+                    <a:bodyPr/>
+                    <a:lstStyle/>
+                    <a:p>
+                      <a:r>
+                        <a:rPr lang="es-CO" dirty="0"/>
+                        <a:t>Prioridad del requerimiento</a:t>
+                      </a:r>
+                    </a:p>
+                  </a:txBody>
+                  <a:tcPr/>
+                </a:tc>
+                <a:tc>
+                  <a:txBody>
+                    <a:bodyPr/>
+                    <a:lstStyle/>
+                    <a:p>
+                      <a:r>
+                        <a:rPr lang="es-CO" dirty="0"/>
+                        <a:t>Alta</a:t>
+                      </a:r>
+                    </a:p>
+                  </a:txBody>
+                  <a:tcPr/>
+                </a:tc>
+                <a:extLst>
+                  <a:ext uri="{0D108BD9-81ED-4DB2-BD59-A6C34878D82A}">
+                    <a16:rowId xmlns:a16="http://schemas.microsoft.com/office/drawing/2014/main" val="1876826554"/>
+                  </a:ext>
+                </a:extLst>
+              </a:tr>
+            </a:tbl>
+          </a:graphicData>
+        </a:graphic>
+      </p:graphicFrame>
+    </p:spTree>
+    <p:extLst>
+      <p:ext uri="{BB962C8B-B14F-4D97-AF65-F5344CB8AC3E}">
+        <p14:creationId xmlns:p14="http://schemas.microsoft.com/office/powerpoint/2010/main" val="3274729353"/>
+      </p:ext>
+    </p:extLst>
+  </p:cSld>
+  <p:clrMapOvr>
+    <a:masterClrMapping/>
+  </p:clrMapOvr>
+</p:sld>
+</file>
+
+<file path=ppt/slides/slide52.xml><?xml version="1.0" encoding="utf-8"?>
+<p:sld xmlns:a="http://schemas.openxmlformats.org/drawingml/2006/main" xmlns:r="http://schemas.openxmlformats.org/officeDocument/2006/relationships" xmlns:p="http://schemas.openxmlformats.org/presentationml/2006/main">
+  <p:cSld>
+    <p:spTree>
+      <p:nvGrpSpPr>
+        <p:cNvPr id="1" name=""/>
+        <p:cNvGrpSpPr/>
+        <p:nvPr/>
+      </p:nvGrpSpPr>
+      <p:grpSpPr>
+        <a:xfrm>
+          <a:off x="0" y="0"/>
+          <a:ext cx="0" cy="0"/>
+          <a:chOff x="0" y="0"/>
+          <a:chExt cx="0" cy="0"/>
+        </a:xfrm>
+      </p:grpSpPr>
+      <p:sp>
+        <p:nvSpPr>
+          <p:cNvPr id="2" name="Título 1">
+            <a:extLst>
+              <a:ext uri="{FF2B5EF4-FFF2-40B4-BE49-F238E27FC236}">
+                <a16:creationId xmlns:a16="http://schemas.microsoft.com/office/drawing/2014/main" id="{0DF8FDDE-7FF6-114B-95BB-26E67991BA49}"/>
+              </a:ext>
+            </a:extLst>
+          </p:cNvPr>
+          <p:cNvSpPr>
+            <a:spLocks noGrp="1"/>
+          </p:cNvSpPr>
+          <p:nvPr>
+            <p:ph type="title"/>
+          </p:nvPr>
+        </p:nvSpPr>
+        <p:spPr/>
+        <p:txBody>
+          <a:bodyPr/>
+          <a:lstStyle/>
+          <a:p>
+            <a:r>
+              <a:rPr lang="es-CO" dirty="0"/>
+              <a:t>Requerimientos no funcionales</a:t>
+            </a:r>
+          </a:p>
+        </p:txBody>
+      </p:sp>
+      <p:graphicFrame>
+        <p:nvGraphicFramePr>
+          <p:cNvPr id="4" name="Tabla 4">
+            <a:extLst>
+              <a:ext uri="{FF2B5EF4-FFF2-40B4-BE49-F238E27FC236}">
+                <a16:creationId xmlns:a16="http://schemas.microsoft.com/office/drawing/2014/main" id="{3275B20B-304D-3645-A6E7-687160D9B56D}"/>
+              </a:ext>
+            </a:extLst>
+          </p:cNvPr>
+          <p:cNvGraphicFramePr>
+            <a:graphicFrameLocks noGrp="1"/>
+          </p:cNvGraphicFramePr>
+          <p:nvPr>
+            <p:ph idx="1"/>
+          </p:nvPr>
+        </p:nvGraphicFramePr>
+        <p:xfrm>
+          <a:off x="5118100" y="803275"/>
+          <a:ext cx="6281738" cy="3754120"/>
+        </p:xfrm>
+        <a:graphic>
+          <a:graphicData uri="http://schemas.openxmlformats.org/drawingml/2006/table">
+            <a:tbl>
+              <a:tblPr firstRow="1" bandRow="1">
+                <a:tableStyleId>{5C22544A-7EE6-4342-B048-85BDC9FD1C3A}</a:tableStyleId>
+              </a:tblPr>
+              <a:tblGrid>
+                <a:gridCol w="3140869">
+                  <a:extLst>
+                    <a:ext uri="{9D8B030D-6E8A-4147-A177-3AD203B41FA5}">
+                      <a16:colId xmlns:a16="http://schemas.microsoft.com/office/drawing/2014/main" val="2405063638"/>
+                    </a:ext>
+                  </a:extLst>
+                </a:gridCol>
+                <a:gridCol w="3140869">
+                  <a:extLst>
+                    <a:ext uri="{9D8B030D-6E8A-4147-A177-3AD203B41FA5}">
+                      <a16:colId xmlns:a16="http://schemas.microsoft.com/office/drawing/2014/main" val="3099478781"/>
+                    </a:ext>
+                  </a:extLst>
+                </a:gridCol>
+              </a:tblGrid>
+              <a:tr h="370840">
+                <a:tc>
+                  <a:txBody>
+                    <a:bodyPr/>
+                    <a:lstStyle/>
+                    <a:p>
+                      <a:r>
+                        <a:rPr lang="es-CO" dirty="0"/>
+                        <a:t>Identificación del requerimiento</a:t>
+                      </a:r>
+                    </a:p>
+                  </a:txBody>
+                  <a:tcPr/>
+                </a:tc>
+                <a:tc>
+                  <a:txBody>
+                    <a:bodyPr/>
+                    <a:lstStyle/>
+                    <a:p>
+                      <a:r>
+                        <a:rPr lang="es-CO" dirty="0"/>
                         <a:t>RNF04</a:t>
                       </a:r>
                     </a:p>
@@ -24959,7 +25341,7 @@
 </p:sld>
 </file>
 
-<file path=ppt/slides/slide52.xml><?xml version="1.0" encoding="utf-8"?>
+<file path=ppt/slides/slide53.xml><?xml version="1.0" encoding="utf-8"?>
 <p:sld xmlns:a="http://schemas.openxmlformats.org/drawingml/2006/main" xmlns:r="http://schemas.openxmlformats.org/officeDocument/2006/relationships" xmlns:p="http://schemas.openxmlformats.org/presentationml/2006/main">
   <p:cSld>
     <p:spTree>
@@ -25232,7 +25614,7 @@
 </p:sld>
 </file>
 
-<file path=ppt/slides/slide53.xml><?xml version="1.0" encoding="utf-8"?>
+<file path=ppt/slides/slide54.xml><?xml version="1.0" encoding="utf-8"?>
 <p:sld xmlns:a="http://schemas.openxmlformats.org/drawingml/2006/main" xmlns:r="http://schemas.openxmlformats.org/officeDocument/2006/relationships" xmlns:p="http://schemas.openxmlformats.org/presentationml/2006/main">
   <p:cSld>
     <p:spTree>
@@ -25505,7 +25887,7 @@
 </p:sld>
 </file>
 
-<file path=ppt/slides/slide54.xml><?xml version="1.0" encoding="utf-8"?>
+<file path=ppt/slides/slide55.xml><?xml version="1.0" encoding="utf-8"?>
 <p:sld xmlns:a="http://schemas.openxmlformats.org/drawingml/2006/main" xmlns:r="http://schemas.openxmlformats.org/officeDocument/2006/relationships" xmlns:p="http://schemas.openxmlformats.org/presentationml/2006/main">
   <p:cSld>
     <p:spTree>
@@ -25778,7 +26160,7 @@
 </p:sld>
 </file>
 
-<file path=ppt/slides/slide55.xml><?xml version="1.0" encoding="utf-8"?>
+<file path=ppt/slides/slide56.xml><?xml version="1.0" encoding="utf-8"?>
 <p:sld xmlns:a="http://schemas.openxmlformats.org/drawingml/2006/main" xmlns:r="http://schemas.openxmlformats.org/officeDocument/2006/relationships" xmlns:p="http://schemas.openxmlformats.org/presentationml/2006/main">
   <p:cSld>
     <p:spTree>
@@ -26068,7 +26450,7 @@
 </p:sld>
 </file>
 
-<file path=ppt/slides/slide56.xml><?xml version="1.0" encoding="utf-8"?>
+<file path=ppt/slides/slide57.xml><?xml version="1.0" encoding="utf-8"?>
 <p:sld xmlns:a="http://schemas.openxmlformats.org/drawingml/2006/main" xmlns:r="http://schemas.openxmlformats.org/officeDocument/2006/relationships" xmlns:p="http://schemas.openxmlformats.org/presentationml/2006/main">
   <p:cSld>
     <p:spTree>
@@ -26358,7 +26740,7 @@
 </p:sld>
 </file>
 
-<file path=ppt/slides/slide57.xml><?xml version="1.0" encoding="utf-8"?>
+<file path=ppt/slides/slide58.xml><?xml version="1.0" encoding="utf-8"?>
 <p:sld xmlns:a="http://schemas.openxmlformats.org/drawingml/2006/main" xmlns:r="http://schemas.openxmlformats.org/officeDocument/2006/relationships" xmlns:p="http://schemas.openxmlformats.org/presentationml/2006/main">
   <p:cSld>
     <p:spTree>
@@ -26631,7 +27013,7 @@
 </p:sld>
 </file>
 
-<file path=ppt/slides/slide58.xml><?xml version="1.0" encoding="utf-8"?>
+<file path=ppt/slides/slide59.xml><?xml version="1.0" encoding="utf-8"?>
 <p:sld xmlns:a="http://schemas.openxmlformats.org/drawingml/2006/main" xmlns:r="http://schemas.openxmlformats.org/officeDocument/2006/relationships" xmlns:p="http://schemas.openxmlformats.org/presentationml/2006/main">
   <p:cSld>
     <p:spTree>
@@ -26895,279 +27277,6 @@
     <p:extLst>
       <p:ext uri="{BB962C8B-B14F-4D97-AF65-F5344CB8AC3E}">
         <p14:creationId xmlns:p14="http://schemas.microsoft.com/office/powerpoint/2010/main" val="3469410659"/>
-      </p:ext>
-    </p:extLst>
-  </p:cSld>
-  <p:clrMapOvr>
-    <a:masterClrMapping/>
-  </p:clrMapOvr>
-</p:sld>
-</file>
-
-<file path=ppt/slides/slide59.xml><?xml version="1.0" encoding="utf-8"?>
-<p:sld xmlns:a="http://schemas.openxmlformats.org/drawingml/2006/main" xmlns:r="http://schemas.openxmlformats.org/officeDocument/2006/relationships" xmlns:p="http://schemas.openxmlformats.org/presentationml/2006/main">
-  <p:cSld>
-    <p:spTree>
-      <p:nvGrpSpPr>
-        <p:cNvPr id="1" name=""/>
-        <p:cNvGrpSpPr/>
-        <p:nvPr/>
-      </p:nvGrpSpPr>
-      <p:grpSpPr>
-        <a:xfrm>
-          <a:off x="0" y="0"/>
-          <a:ext cx="0" cy="0"/>
-          <a:chOff x="0" y="0"/>
-          <a:chExt cx="0" cy="0"/>
-        </a:xfrm>
-      </p:grpSpPr>
-      <p:sp>
-        <p:nvSpPr>
-          <p:cNvPr id="2" name="Título 1">
-            <a:extLst>
-              <a:ext uri="{FF2B5EF4-FFF2-40B4-BE49-F238E27FC236}">
-                <a16:creationId xmlns:a16="http://schemas.microsoft.com/office/drawing/2014/main" id="{0DF8FDDE-7FF6-114B-95BB-26E67991BA49}"/>
-              </a:ext>
-            </a:extLst>
-          </p:cNvPr>
-          <p:cNvSpPr>
-            <a:spLocks noGrp="1"/>
-          </p:cNvSpPr>
-          <p:nvPr>
-            <p:ph type="title"/>
-          </p:nvPr>
-        </p:nvSpPr>
-        <p:spPr/>
-        <p:txBody>
-          <a:bodyPr/>
-          <a:lstStyle/>
-          <a:p>
-            <a:r>
-              <a:rPr lang="es-CO"/>
-              <a:t>Requerimientos </a:t>
-            </a:r>
-            <a:r>
-              <a:rPr lang="es-CO" dirty="0"/>
-              <a:t>no funcionales</a:t>
-            </a:r>
-          </a:p>
-        </p:txBody>
-      </p:sp>
-      <p:graphicFrame>
-        <p:nvGraphicFramePr>
-          <p:cNvPr id="4" name="Tabla 4">
-            <a:extLst>
-              <a:ext uri="{FF2B5EF4-FFF2-40B4-BE49-F238E27FC236}">
-                <a16:creationId xmlns:a16="http://schemas.microsoft.com/office/drawing/2014/main" id="{3275B20B-304D-3645-A6E7-687160D9B56D}"/>
-              </a:ext>
-            </a:extLst>
-          </p:cNvPr>
-          <p:cNvGraphicFramePr>
-            <a:graphicFrameLocks noGrp="1"/>
-          </p:cNvGraphicFramePr>
-          <p:nvPr>
-            <p:ph idx="1"/>
-          </p:nvPr>
-        </p:nvGraphicFramePr>
-        <p:xfrm>
-          <a:off x="5118100" y="803275"/>
-          <a:ext cx="6281738" cy="3754120"/>
-        </p:xfrm>
-        <a:graphic>
-          <a:graphicData uri="http://schemas.openxmlformats.org/drawingml/2006/table">
-            <a:tbl>
-              <a:tblPr firstRow="1" bandRow="1">
-                <a:tableStyleId>{5C22544A-7EE6-4342-B048-85BDC9FD1C3A}</a:tableStyleId>
-              </a:tblPr>
-              <a:tblGrid>
-                <a:gridCol w="3140869">
-                  <a:extLst>
-                    <a:ext uri="{9D8B030D-6E8A-4147-A177-3AD203B41FA5}">
-                      <a16:colId xmlns:a16="http://schemas.microsoft.com/office/drawing/2014/main" val="2405063638"/>
-                    </a:ext>
-                  </a:extLst>
-                </a:gridCol>
-                <a:gridCol w="3140869">
-                  <a:extLst>
-                    <a:ext uri="{9D8B030D-6E8A-4147-A177-3AD203B41FA5}">
-                      <a16:colId xmlns:a16="http://schemas.microsoft.com/office/drawing/2014/main" val="3099478781"/>
-                    </a:ext>
-                  </a:extLst>
-                </a:gridCol>
-              </a:tblGrid>
-              <a:tr h="370840">
-                <a:tc>
-                  <a:txBody>
-                    <a:bodyPr/>
-                    <a:lstStyle/>
-                    <a:p>
-                      <a:r>
-                        <a:rPr lang="es-CO" dirty="0"/>
-                        <a:t>Identificación del requerimiento</a:t>
-                      </a:r>
-                    </a:p>
-                  </a:txBody>
-                  <a:tcPr/>
-                </a:tc>
-                <a:tc>
-                  <a:txBody>
-                    <a:bodyPr/>
-                    <a:lstStyle/>
-                    <a:p>
-                      <a:r>
-                        <a:rPr lang="es-CO" dirty="0"/>
-                        <a:t>RNF12</a:t>
-                      </a:r>
-                    </a:p>
-                  </a:txBody>
-                  <a:tcPr/>
-                </a:tc>
-                <a:extLst>
-                  <a:ext uri="{0D108BD9-81ED-4DB2-BD59-A6C34878D82A}">
-                    <a16:rowId xmlns:a16="http://schemas.microsoft.com/office/drawing/2014/main" val="3120795479"/>
-                  </a:ext>
-                </a:extLst>
-              </a:tr>
-              <a:tr h="370840">
-                <a:tc>
-                  <a:txBody>
-                    <a:bodyPr/>
-                    <a:lstStyle/>
-                    <a:p>
-                      <a:r>
-                        <a:rPr lang="es-CO" dirty="0"/>
-                        <a:t>Nombre del requerimiento</a:t>
-                      </a:r>
-                    </a:p>
-                  </a:txBody>
-                  <a:tcPr/>
-                </a:tc>
-                <a:tc>
-                  <a:txBody>
-                    <a:bodyPr/>
-                    <a:lstStyle/>
-                    <a:p>
-                      <a:r>
-                        <a:rPr lang="es-CO" dirty="0"/>
-                        <a:t>Privacidad</a:t>
-                      </a:r>
-                    </a:p>
-                  </a:txBody>
-                  <a:tcPr/>
-                </a:tc>
-                <a:extLst>
-                  <a:ext uri="{0D108BD9-81ED-4DB2-BD59-A6C34878D82A}">
-                    <a16:rowId xmlns:a16="http://schemas.microsoft.com/office/drawing/2014/main" val="1343925762"/>
-                  </a:ext>
-                </a:extLst>
-              </a:tr>
-              <a:tr h="370840">
-                <a:tc>
-                  <a:txBody>
-                    <a:bodyPr/>
-                    <a:lstStyle/>
-                    <a:p>
-                      <a:r>
-                        <a:rPr lang="es-CO" dirty="0"/>
-                        <a:t>Caracterísitcas</a:t>
-                      </a:r>
-                    </a:p>
-                  </a:txBody>
-                  <a:tcPr/>
-                </a:tc>
-                <a:tc>
-                  <a:txBody>
-                    <a:bodyPr/>
-                    <a:lstStyle/>
-                    <a:p>
-                      <a:r>
-                        <a:rPr lang="es-CO" dirty="0"/>
-                        <a:t>El sistema permitirá a cada usuario ver sólo la información pertinente para él.</a:t>
-                      </a:r>
-                    </a:p>
-                  </a:txBody>
-                  <a:tcPr/>
-                </a:tc>
-                <a:extLst>
-                  <a:ext uri="{0D108BD9-81ED-4DB2-BD59-A6C34878D82A}">
-                    <a16:rowId xmlns:a16="http://schemas.microsoft.com/office/drawing/2014/main" val="769886354"/>
-                  </a:ext>
-                </a:extLst>
-              </a:tr>
-              <a:tr h="370840">
-                <a:tc>
-                  <a:txBody>
-                    <a:bodyPr/>
-                    <a:lstStyle/>
-                    <a:p>
-                      <a:r>
-                        <a:rPr lang="es-CO" dirty="0"/>
-                        <a:t>Descripción del requerimiento</a:t>
-                      </a:r>
-                    </a:p>
-                  </a:txBody>
-                  <a:tcPr/>
-                </a:tc>
-                <a:tc>
-                  <a:txBody>
-                    <a:bodyPr/>
-                    <a:lstStyle/>
-                    <a:p>
-                      <a:r>
-                        <a:rPr lang="es-CO" dirty="0"/>
-                        <a:t>Cada usuario sólo podrá consultar la información de interés según su rol.</a:t>
-                      </a:r>
-                    </a:p>
-                  </a:txBody>
-                  <a:tcPr/>
-                </a:tc>
-                <a:extLst>
-                  <a:ext uri="{0D108BD9-81ED-4DB2-BD59-A6C34878D82A}">
-                    <a16:rowId xmlns:a16="http://schemas.microsoft.com/office/drawing/2014/main" val="2397840479"/>
-                  </a:ext>
-                </a:extLst>
-              </a:tr>
-              <a:tr h="370840">
-                <a:tc>
-                  <a:txBody>
-                    <a:bodyPr/>
-                    <a:lstStyle/>
-                    <a:p>
-                      <a:r>
-                        <a:rPr lang="es-CO" dirty="0"/>
-                        <a:t>Prioridad del requerimiento</a:t>
-                      </a:r>
-                    </a:p>
-                  </a:txBody>
-                  <a:tcPr/>
-                </a:tc>
-                <a:tc>
-                  <a:txBody>
-                    <a:bodyPr/>
-                    <a:lstStyle/>
-                    <a:p>
-                      <a:r>
-                        <a:rPr lang="es-CO" dirty="0"/>
-                        <a:t>Alta</a:t>
-                      </a:r>
-                    </a:p>
-                  </a:txBody>
-                  <a:tcPr/>
-                </a:tc>
-                <a:extLst>
-                  <a:ext uri="{0D108BD9-81ED-4DB2-BD59-A6C34878D82A}">
-                    <a16:rowId xmlns:a16="http://schemas.microsoft.com/office/drawing/2014/main" val="1876826554"/>
-                  </a:ext>
-                </a:extLst>
-              </a:tr>
-            </a:tbl>
-          </a:graphicData>
-        </a:graphic>
-      </p:graphicFrame>
-    </p:spTree>
-    <p:extLst>
-      <p:ext uri="{BB962C8B-B14F-4D97-AF65-F5344CB8AC3E}">
-        <p14:creationId xmlns:p14="http://schemas.microsoft.com/office/powerpoint/2010/main" val="1915646667"/>
       </p:ext>
     </p:extLst>
   </p:cSld>
@@ -27332,6 +27441,279 @@
         </p:nvGraphicFramePr>
         <p:xfrm>
           <a:off x="5118100" y="803275"/>
+          <a:ext cx="6281738" cy="3754120"/>
+        </p:xfrm>
+        <a:graphic>
+          <a:graphicData uri="http://schemas.openxmlformats.org/drawingml/2006/table">
+            <a:tbl>
+              <a:tblPr firstRow="1" bandRow="1">
+                <a:tableStyleId>{5C22544A-7EE6-4342-B048-85BDC9FD1C3A}</a:tableStyleId>
+              </a:tblPr>
+              <a:tblGrid>
+                <a:gridCol w="3140869">
+                  <a:extLst>
+                    <a:ext uri="{9D8B030D-6E8A-4147-A177-3AD203B41FA5}">
+                      <a16:colId xmlns:a16="http://schemas.microsoft.com/office/drawing/2014/main" val="2405063638"/>
+                    </a:ext>
+                  </a:extLst>
+                </a:gridCol>
+                <a:gridCol w="3140869">
+                  <a:extLst>
+                    <a:ext uri="{9D8B030D-6E8A-4147-A177-3AD203B41FA5}">
+                      <a16:colId xmlns:a16="http://schemas.microsoft.com/office/drawing/2014/main" val="3099478781"/>
+                    </a:ext>
+                  </a:extLst>
+                </a:gridCol>
+              </a:tblGrid>
+              <a:tr h="370840">
+                <a:tc>
+                  <a:txBody>
+                    <a:bodyPr/>
+                    <a:lstStyle/>
+                    <a:p>
+                      <a:r>
+                        <a:rPr lang="es-CO" dirty="0"/>
+                        <a:t>Identificación del requerimiento</a:t>
+                      </a:r>
+                    </a:p>
+                  </a:txBody>
+                  <a:tcPr/>
+                </a:tc>
+                <a:tc>
+                  <a:txBody>
+                    <a:bodyPr/>
+                    <a:lstStyle/>
+                    <a:p>
+                      <a:r>
+                        <a:rPr lang="es-CO" dirty="0"/>
+                        <a:t>RNF12</a:t>
+                      </a:r>
+                    </a:p>
+                  </a:txBody>
+                  <a:tcPr/>
+                </a:tc>
+                <a:extLst>
+                  <a:ext uri="{0D108BD9-81ED-4DB2-BD59-A6C34878D82A}">
+                    <a16:rowId xmlns:a16="http://schemas.microsoft.com/office/drawing/2014/main" val="3120795479"/>
+                  </a:ext>
+                </a:extLst>
+              </a:tr>
+              <a:tr h="370840">
+                <a:tc>
+                  <a:txBody>
+                    <a:bodyPr/>
+                    <a:lstStyle/>
+                    <a:p>
+                      <a:r>
+                        <a:rPr lang="es-CO" dirty="0"/>
+                        <a:t>Nombre del requerimiento</a:t>
+                      </a:r>
+                    </a:p>
+                  </a:txBody>
+                  <a:tcPr/>
+                </a:tc>
+                <a:tc>
+                  <a:txBody>
+                    <a:bodyPr/>
+                    <a:lstStyle/>
+                    <a:p>
+                      <a:r>
+                        <a:rPr lang="es-CO" dirty="0"/>
+                        <a:t>Privacidad</a:t>
+                      </a:r>
+                    </a:p>
+                  </a:txBody>
+                  <a:tcPr/>
+                </a:tc>
+                <a:extLst>
+                  <a:ext uri="{0D108BD9-81ED-4DB2-BD59-A6C34878D82A}">
+                    <a16:rowId xmlns:a16="http://schemas.microsoft.com/office/drawing/2014/main" val="1343925762"/>
+                  </a:ext>
+                </a:extLst>
+              </a:tr>
+              <a:tr h="370840">
+                <a:tc>
+                  <a:txBody>
+                    <a:bodyPr/>
+                    <a:lstStyle/>
+                    <a:p>
+                      <a:r>
+                        <a:rPr lang="es-CO" dirty="0"/>
+                        <a:t>Caracterísitcas</a:t>
+                      </a:r>
+                    </a:p>
+                  </a:txBody>
+                  <a:tcPr/>
+                </a:tc>
+                <a:tc>
+                  <a:txBody>
+                    <a:bodyPr/>
+                    <a:lstStyle/>
+                    <a:p>
+                      <a:r>
+                        <a:rPr lang="es-CO" dirty="0"/>
+                        <a:t>El sistema permitirá a cada usuario ver sólo la información pertinente para él.</a:t>
+                      </a:r>
+                    </a:p>
+                  </a:txBody>
+                  <a:tcPr/>
+                </a:tc>
+                <a:extLst>
+                  <a:ext uri="{0D108BD9-81ED-4DB2-BD59-A6C34878D82A}">
+                    <a16:rowId xmlns:a16="http://schemas.microsoft.com/office/drawing/2014/main" val="769886354"/>
+                  </a:ext>
+                </a:extLst>
+              </a:tr>
+              <a:tr h="370840">
+                <a:tc>
+                  <a:txBody>
+                    <a:bodyPr/>
+                    <a:lstStyle/>
+                    <a:p>
+                      <a:r>
+                        <a:rPr lang="es-CO" dirty="0"/>
+                        <a:t>Descripción del requerimiento</a:t>
+                      </a:r>
+                    </a:p>
+                  </a:txBody>
+                  <a:tcPr/>
+                </a:tc>
+                <a:tc>
+                  <a:txBody>
+                    <a:bodyPr/>
+                    <a:lstStyle/>
+                    <a:p>
+                      <a:r>
+                        <a:rPr lang="es-CO" dirty="0"/>
+                        <a:t>Cada usuario sólo podrá consultar la información de interés según su rol.</a:t>
+                      </a:r>
+                    </a:p>
+                  </a:txBody>
+                  <a:tcPr/>
+                </a:tc>
+                <a:extLst>
+                  <a:ext uri="{0D108BD9-81ED-4DB2-BD59-A6C34878D82A}">
+                    <a16:rowId xmlns:a16="http://schemas.microsoft.com/office/drawing/2014/main" val="2397840479"/>
+                  </a:ext>
+                </a:extLst>
+              </a:tr>
+              <a:tr h="370840">
+                <a:tc>
+                  <a:txBody>
+                    <a:bodyPr/>
+                    <a:lstStyle/>
+                    <a:p>
+                      <a:r>
+                        <a:rPr lang="es-CO" dirty="0"/>
+                        <a:t>Prioridad del requerimiento</a:t>
+                      </a:r>
+                    </a:p>
+                  </a:txBody>
+                  <a:tcPr/>
+                </a:tc>
+                <a:tc>
+                  <a:txBody>
+                    <a:bodyPr/>
+                    <a:lstStyle/>
+                    <a:p>
+                      <a:r>
+                        <a:rPr lang="es-CO" dirty="0"/>
+                        <a:t>Alta</a:t>
+                      </a:r>
+                    </a:p>
+                  </a:txBody>
+                  <a:tcPr/>
+                </a:tc>
+                <a:extLst>
+                  <a:ext uri="{0D108BD9-81ED-4DB2-BD59-A6C34878D82A}">
+                    <a16:rowId xmlns:a16="http://schemas.microsoft.com/office/drawing/2014/main" val="1876826554"/>
+                  </a:ext>
+                </a:extLst>
+              </a:tr>
+            </a:tbl>
+          </a:graphicData>
+        </a:graphic>
+      </p:graphicFrame>
+    </p:spTree>
+    <p:extLst>
+      <p:ext uri="{BB962C8B-B14F-4D97-AF65-F5344CB8AC3E}">
+        <p14:creationId xmlns:p14="http://schemas.microsoft.com/office/powerpoint/2010/main" val="1915646667"/>
+      </p:ext>
+    </p:extLst>
+  </p:cSld>
+  <p:clrMapOvr>
+    <a:masterClrMapping/>
+  </p:clrMapOvr>
+</p:sld>
+</file>
+
+<file path=ppt/slides/slide61.xml><?xml version="1.0" encoding="utf-8"?>
+<p:sld xmlns:a="http://schemas.openxmlformats.org/drawingml/2006/main" xmlns:r="http://schemas.openxmlformats.org/officeDocument/2006/relationships" xmlns:p="http://schemas.openxmlformats.org/presentationml/2006/main">
+  <p:cSld>
+    <p:spTree>
+      <p:nvGrpSpPr>
+        <p:cNvPr id="1" name=""/>
+        <p:cNvGrpSpPr/>
+        <p:nvPr/>
+      </p:nvGrpSpPr>
+      <p:grpSpPr>
+        <a:xfrm>
+          <a:off x="0" y="0"/>
+          <a:ext cx="0" cy="0"/>
+          <a:chOff x="0" y="0"/>
+          <a:chExt cx="0" cy="0"/>
+        </a:xfrm>
+      </p:grpSpPr>
+      <p:sp>
+        <p:nvSpPr>
+          <p:cNvPr id="2" name="Título 1">
+            <a:extLst>
+              <a:ext uri="{FF2B5EF4-FFF2-40B4-BE49-F238E27FC236}">
+                <a16:creationId xmlns:a16="http://schemas.microsoft.com/office/drawing/2014/main" id="{0DF8FDDE-7FF6-114B-95BB-26E67991BA49}"/>
+              </a:ext>
+            </a:extLst>
+          </p:cNvPr>
+          <p:cNvSpPr>
+            <a:spLocks noGrp="1"/>
+          </p:cNvSpPr>
+          <p:nvPr>
+            <p:ph type="title"/>
+          </p:nvPr>
+        </p:nvSpPr>
+        <p:spPr/>
+        <p:txBody>
+          <a:bodyPr/>
+          <a:lstStyle/>
+          <a:p>
+            <a:r>
+              <a:rPr lang="es-CO"/>
+              <a:t>Requerimientos </a:t>
+            </a:r>
+            <a:r>
+              <a:rPr lang="es-CO" dirty="0"/>
+              <a:t>no funcionales</a:t>
+            </a:r>
+          </a:p>
+        </p:txBody>
+      </p:sp>
+      <p:graphicFrame>
+        <p:nvGraphicFramePr>
+          <p:cNvPr id="4" name="Tabla 4">
+            <a:extLst>
+              <a:ext uri="{FF2B5EF4-FFF2-40B4-BE49-F238E27FC236}">
+                <a16:creationId xmlns:a16="http://schemas.microsoft.com/office/drawing/2014/main" id="{3275B20B-304D-3645-A6E7-687160D9B56D}"/>
+              </a:ext>
+            </a:extLst>
+          </p:cNvPr>
+          <p:cNvGraphicFramePr>
+            <a:graphicFrameLocks noGrp="1"/>
+          </p:cNvGraphicFramePr>
+          <p:nvPr>
+            <p:ph idx="1"/>
+          </p:nvPr>
+        </p:nvGraphicFramePr>
+        <p:xfrm>
+          <a:off x="5118100" y="803275"/>
           <a:ext cx="6281738" cy="3205480"/>
         </p:xfrm>
         <a:graphic>
@@ -27538,7 +27920,7 @@
 </p:sld>
 </file>
 
-<file path=ppt/slides/slide61.xml><?xml version="1.0" encoding="utf-8"?>
+<file path=ppt/slides/slide62.xml><?xml version="1.0" encoding="utf-8"?>
 <p:sld xmlns:a="http://schemas.openxmlformats.org/drawingml/2006/main" xmlns:r="http://schemas.openxmlformats.org/officeDocument/2006/relationships" xmlns:p="http://schemas.openxmlformats.org/presentationml/2006/main">
   <p:cSld>
     <p:spTree>
@@ -27811,7 +28193,7 @@
 </p:sld>
 </file>
 
-<file path=ppt/slides/slide62.xml><?xml version="1.0" encoding="utf-8"?>
+<file path=ppt/slides/slide63.xml><?xml version="1.0" encoding="utf-8"?>
 <p:sld xmlns:a="http://schemas.openxmlformats.org/drawingml/2006/main" xmlns:r="http://schemas.openxmlformats.org/officeDocument/2006/relationships" xmlns:p="http://schemas.openxmlformats.org/presentationml/2006/main">
   <p:cSld>
     <p:spTree>
@@ -28084,7 +28466,7 @@
 </p:sld>
 </file>
 
-<file path=ppt/slides/slide63.xml><?xml version="1.0" encoding="utf-8"?>
+<file path=ppt/slides/slide64.xml><?xml version="1.0" encoding="utf-8"?>
 <p:sld xmlns:a="http://schemas.openxmlformats.org/drawingml/2006/main" xmlns:r="http://schemas.openxmlformats.org/officeDocument/2006/relationships" xmlns:p="http://schemas.openxmlformats.org/presentationml/2006/main">
   <p:cSld>
     <p:spTree>
@@ -28137,7 +28519,7 @@
 </p:sld>
 </file>
 
-<file path=ppt/slides/slide64.xml><?xml version="1.0" encoding="utf-8"?>
+<file path=ppt/slides/slide65.xml><?xml version="1.0" encoding="utf-8"?>
 <p:sld xmlns:a="http://schemas.openxmlformats.org/drawingml/2006/main" xmlns:r="http://schemas.openxmlformats.org/officeDocument/2006/relationships" xmlns:p="http://schemas.openxmlformats.org/presentationml/2006/main">
   <p:cSld>
     <p:spTree>
@@ -28190,7 +28572,7 @@
 </p:sld>
 </file>
 
-<file path=ppt/slides/slide65.xml><?xml version="1.0" encoding="utf-8"?>
+<file path=ppt/slides/slide66.xml><?xml version="1.0" encoding="utf-8"?>
 <p:sld xmlns:a="http://schemas.openxmlformats.org/drawingml/2006/main" xmlns:r="http://schemas.openxmlformats.org/officeDocument/2006/relationships" xmlns:p="http://schemas.openxmlformats.org/presentationml/2006/main">
   <p:cSld>
     <p:spTree>

--- a/PLANTEAMIENTO_DEL_PROBLEMA.pptx
+++ b/PLANTEAMIENTO_DEL_PROBLEMA.pptx
@@ -35,42 +35,44 @@
     <p:sldId id="290" r:id="rId29"/>
     <p:sldId id="283" r:id="rId30"/>
     <p:sldId id="284" r:id="rId31"/>
-    <p:sldId id="285" r:id="rId32"/>
-    <p:sldId id="322" r:id="rId33"/>
-    <p:sldId id="327" r:id="rId34"/>
-    <p:sldId id="311" r:id="rId35"/>
-    <p:sldId id="328" r:id="rId36"/>
-    <p:sldId id="329" r:id="rId37"/>
-    <p:sldId id="346" r:id="rId38"/>
-    <p:sldId id="330" r:id="rId39"/>
-    <p:sldId id="325" r:id="rId40"/>
-    <p:sldId id="333" r:id="rId41"/>
-    <p:sldId id="334" r:id="rId42"/>
-    <p:sldId id="335" r:id="rId43"/>
-    <p:sldId id="336" r:id="rId44"/>
-    <p:sldId id="331" r:id="rId45"/>
-    <p:sldId id="332" r:id="rId46"/>
-    <p:sldId id="337" r:id="rId47"/>
-    <p:sldId id="338" r:id="rId48"/>
-    <p:sldId id="293" r:id="rId49"/>
-    <p:sldId id="296" r:id="rId50"/>
-    <p:sldId id="339" r:id="rId51"/>
-    <p:sldId id="340" r:id="rId52"/>
-    <p:sldId id="341" r:id="rId53"/>
-    <p:sldId id="297" r:id="rId54"/>
-    <p:sldId id="299" r:id="rId55"/>
-    <p:sldId id="300" r:id="rId56"/>
-    <p:sldId id="298" r:id="rId57"/>
-    <p:sldId id="342" r:id="rId58"/>
-    <p:sldId id="343" r:id="rId59"/>
-    <p:sldId id="344" r:id="rId60"/>
-    <p:sldId id="304" r:id="rId61"/>
-    <p:sldId id="307" r:id="rId62"/>
-    <p:sldId id="308" r:id="rId63"/>
-    <p:sldId id="309" r:id="rId64"/>
-    <p:sldId id="302" r:id="rId65"/>
-    <p:sldId id="301" r:id="rId66"/>
-    <p:sldId id="303" r:id="rId67"/>
+    <p:sldId id="347" r:id="rId32"/>
+    <p:sldId id="348" r:id="rId33"/>
+    <p:sldId id="285" r:id="rId34"/>
+    <p:sldId id="322" r:id="rId35"/>
+    <p:sldId id="327" r:id="rId36"/>
+    <p:sldId id="311" r:id="rId37"/>
+    <p:sldId id="328" r:id="rId38"/>
+    <p:sldId id="329" r:id="rId39"/>
+    <p:sldId id="346" r:id="rId40"/>
+    <p:sldId id="330" r:id="rId41"/>
+    <p:sldId id="325" r:id="rId42"/>
+    <p:sldId id="333" r:id="rId43"/>
+    <p:sldId id="334" r:id="rId44"/>
+    <p:sldId id="335" r:id="rId45"/>
+    <p:sldId id="336" r:id="rId46"/>
+    <p:sldId id="331" r:id="rId47"/>
+    <p:sldId id="332" r:id="rId48"/>
+    <p:sldId id="337" r:id="rId49"/>
+    <p:sldId id="338" r:id="rId50"/>
+    <p:sldId id="293" r:id="rId51"/>
+    <p:sldId id="296" r:id="rId52"/>
+    <p:sldId id="339" r:id="rId53"/>
+    <p:sldId id="340" r:id="rId54"/>
+    <p:sldId id="341" r:id="rId55"/>
+    <p:sldId id="297" r:id="rId56"/>
+    <p:sldId id="299" r:id="rId57"/>
+    <p:sldId id="300" r:id="rId58"/>
+    <p:sldId id="298" r:id="rId59"/>
+    <p:sldId id="342" r:id="rId60"/>
+    <p:sldId id="343" r:id="rId61"/>
+    <p:sldId id="344" r:id="rId62"/>
+    <p:sldId id="304" r:id="rId63"/>
+    <p:sldId id="307" r:id="rId64"/>
+    <p:sldId id="308" r:id="rId65"/>
+    <p:sldId id="309" r:id="rId66"/>
+    <p:sldId id="302" r:id="rId67"/>
+    <p:sldId id="301" r:id="rId68"/>
+    <p:sldId id="303" r:id="rId69"/>
   </p:sldIdLst>
   <p:sldSz cx="12192000" cy="6858000"/>
   <p:notesSz cx="6858000" cy="9144000"/>
@@ -175,6 +177,66 @@
     </p:ext>
   </p:extLst>
 </p:presentation>
+</file>
+
+<file path=ppt/changesInfos/changesInfo1.xml><?xml version="1.0" encoding="utf-8"?>
+<pc:chgInfo xmlns:a="http://schemas.openxmlformats.org/drawingml/2006/main" xmlns:r="http://schemas.openxmlformats.org/officeDocument/2006/relationships" xmlns:ac="http://schemas.microsoft.com/office/drawing/2013/main/command" xmlns:pc="http://schemas.microsoft.com/office/powerpoint/2013/main/command">
+  <pc:docChgLst>
+    <pc:chgData name="Santiago Rojas" userId="6f1404c97ad8162e" providerId="LiveId" clId="{471572B1-9B8F-4042-8F80-E3CA06DF6461}"/>
+    <pc:docChg chg="custSel addSld modSld">
+      <pc:chgData name="Santiago Rojas" userId="6f1404c97ad8162e" providerId="LiveId" clId="{471572B1-9B8F-4042-8F80-E3CA06DF6461}" dt="2021-05-23T22:53:01.093" v="151" actId="14100"/>
+      <pc:docMkLst>
+        <pc:docMk/>
+      </pc:docMkLst>
+      <pc:sldChg chg="modSp new mod">
+        <pc:chgData name="Santiago Rojas" userId="6f1404c97ad8162e" providerId="LiveId" clId="{471572B1-9B8F-4042-8F80-E3CA06DF6461}" dt="2021-05-23T22:51:25.284" v="136" actId="20577"/>
+        <pc:sldMkLst>
+          <pc:docMk/>
+          <pc:sldMk cId="3749372832" sldId="347"/>
+        </pc:sldMkLst>
+        <pc:spChg chg="mod">
+          <ac:chgData name="Santiago Rojas" userId="6f1404c97ad8162e" providerId="LiveId" clId="{471572B1-9B8F-4042-8F80-E3CA06DF6461}" dt="2021-05-23T22:50:43.838" v="18" actId="20577"/>
+          <ac:spMkLst>
+            <pc:docMk/>
+            <pc:sldMk cId="3749372832" sldId="347"/>
+            <ac:spMk id="2" creationId="{75CDA050-FB5D-4A7F-BFF7-868DDA5F1A55}"/>
+          </ac:spMkLst>
+        </pc:spChg>
+        <pc:spChg chg="mod">
+          <ac:chgData name="Santiago Rojas" userId="6f1404c97ad8162e" providerId="LiveId" clId="{471572B1-9B8F-4042-8F80-E3CA06DF6461}" dt="2021-05-23T22:51:25.284" v="136" actId="20577"/>
+          <ac:spMkLst>
+            <pc:docMk/>
+            <pc:sldMk cId="3749372832" sldId="347"/>
+            <ac:spMk id="3" creationId="{77D5B6F4-B7EA-421B-9AE2-B47BE34DB96B}"/>
+          </ac:spMkLst>
+        </pc:spChg>
+      </pc:sldChg>
+      <pc:sldChg chg="addSp delSp modSp new mod">
+        <pc:chgData name="Santiago Rojas" userId="6f1404c97ad8162e" providerId="LiveId" clId="{471572B1-9B8F-4042-8F80-E3CA06DF6461}" dt="2021-05-23T22:53:01.093" v="151" actId="14100"/>
+        <pc:sldMkLst>
+          <pc:docMk/>
+          <pc:sldMk cId="2601945053" sldId="348"/>
+        </pc:sldMkLst>
+        <pc:spChg chg="del">
+          <ac:chgData name="Santiago Rojas" userId="6f1404c97ad8162e" providerId="LiveId" clId="{471572B1-9B8F-4042-8F80-E3CA06DF6461}" dt="2021-05-23T22:52:35.822" v="145" actId="478"/>
+          <ac:spMkLst>
+            <pc:docMk/>
+            <pc:sldMk cId="2601945053" sldId="348"/>
+            <ac:spMk id="3" creationId="{312AF28D-AB32-4BAE-8D79-4DB791225FCC}"/>
+          </ac:spMkLst>
+        </pc:spChg>
+        <pc:picChg chg="add mod modCrop">
+          <ac:chgData name="Santiago Rojas" userId="6f1404c97ad8162e" providerId="LiveId" clId="{471572B1-9B8F-4042-8F80-E3CA06DF6461}" dt="2021-05-23T22:53:01.093" v="151" actId="14100"/>
+          <ac:picMkLst>
+            <pc:docMk/>
+            <pc:sldMk cId="2601945053" sldId="348"/>
+            <ac:picMk id="5" creationId="{D078E2FA-855C-44CD-BDFD-69F688ACA377}"/>
+          </ac:picMkLst>
+        </pc:picChg>
+      </pc:sldChg>
+    </pc:docChg>
+  </pc:docChgLst>
+</pc:chgInfo>
 </file>
 
 <file path=ppt/slideLayouts/slideLayout1.xml><?xml version="1.0" encoding="utf-8"?>
@@ -1586,7 +1648,7 @@
           <a:p>
             <a:fld id="{D253BB75-C9F5-8342-9D8A-C2F31092015F}" type="datetimeFigureOut">
               <a:rPr lang="es-CO" smtClean="0"/>
-              <a:t>22/05/21</a:t>
+              <a:t>23/05/2021</a:t>
             </a:fld>
             <a:endParaRPr lang="es-CO"/>
           </a:p>
@@ -3045,7 +3107,7 @@
           <a:p>
             <a:fld id="{D253BB75-C9F5-8342-9D8A-C2F31092015F}" type="datetimeFigureOut">
               <a:rPr lang="es-CO" smtClean="0"/>
-              <a:t>22/05/21</a:t>
+              <a:t>23/05/2021</a:t>
             </a:fld>
             <a:endParaRPr lang="es-CO"/>
           </a:p>
@@ -4498,7 +4560,7 @@
           <a:p>
             <a:fld id="{D253BB75-C9F5-8342-9D8A-C2F31092015F}" type="datetimeFigureOut">
               <a:rPr lang="es-CO" smtClean="0"/>
-              <a:t>22/05/21</a:t>
+              <a:t>23/05/2021</a:t>
             </a:fld>
             <a:endParaRPr lang="es-CO"/>
           </a:p>
@@ -5953,7 +6015,7 @@
           <a:p>
             <a:fld id="{D253BB75-C9F5-8342-9D8A-C2F31092015F}" type="datetimeFigureOut">
               <a:rPr lang="es-CO" smtClean="0"/>
-              <a:t>22/05/21</a:t>
+              <a:t>23/05/2021</a:t>
             </a:fld>
             <a:endParaRPr lang="es-CO"/>
           </a:p>
@@ -7461,7 +7523,7 @@
           <a:p>
             <a:fld id="{D253BB75-C9F5-8342-9D8A-C2F31092015F}" type="datetimeFigureOut">
               <a:rPr lang="es-CO" smtClean="0"/>
-              <a:t>22/05/21</a:t>
+              <a:t>23/05/2021</a:t>
             </a:fld>
             <a:endParaRPr lang="es-CO"/>
           </a:p>
@@ -8982,7 +9044,7 @@
           <a:p>
             <a:fld id="{D253BB75-C9F5-8342-9D8A-C2F31092015F}" type="datetimeFigureOut">
               <a:rPr lang="es-CO" smtClean="0"/>
-              <a:t>22/05/21</a:t>
+              <a:t>23/05/2021</a:t>
             </a:fld>
             <a:endParaRPr lang="es-CO"/>
           </a:p>
@@ -10647,7 +10709,7 @@
           <a:p>
             <a:fld id="{D253BB75-C9F5-8342-9D8A-C2F31092015F}" type="datetimeFigureOut">
               <a:rPr lang="es-CO" smtClean="0"/>
-              <a:t>22/05/21</a:t>
+              <a:t>23/05/2021</a:t>
             </a:fld>
             <a:endParaRPr lang="es-CO"/>
           </a:p>
@@ -12045,7 +12107,7 @@
           <a:p>
             <a:fld id="{D253BB75-C9F5-8342-9D8A-C2F31092015F}" type="datetimeFigureOut">
               <a:rPr lang="es-CO" smtClean="0"/>
-              <a:t>22/05/21</a:t>
+              <a:t>23/05/2021</a:t>
             </a:fld>
             <a:endParaRPr lang="es-CO"/>
           </a:p>
@@ -12145,7 +12207,7 @@
           <a:p>
             <a:fld id="{D253BB75-C9F5-8342-9D8A-C2F31092015F}" type="datetimeFigureOut">
               <a:rPr lang="es-CO" smtClean="0"/>
-              <a:t>22/05/21</a:t>
+              <a:t>23/05/2021</a:t>
             </a:fld>
             <a:endParaRPr lang="es-CO"/>
           </a:p>
@@ -13671,7 +13733,7 @@
           <a:p>
             <a:fld id="{D253BB75-C9F5-8342-9D8A-C2F31092015F}" type="datetimeFigureOut">
               <a:rPr lang="es-CO" smtClean="0"/>
-              <a:t>22/05/21</a:t>
+              <a:t>23/05/2021</a:t>
             </a:fld>
             <a:endParaRPr lang="es-CO"/>
           </a:p>
@@ -15207,7 +15269,7 @@
           <a:p>
             <a:fld id="{D253BB75-C9F5-8342-9D8A-C2F31092015F}" type="datetimeFigureOut">
               <a:rPr lang="es-CO" smtClean="0"/>
-              <a:t>22/05/21</a:t>
+              <a:t>23/05/2021</a:t>
             </a:fld>
             <a:endParaRPr lang="es-CO"/>
           </a:p>
@@ -15430,7 +15492,7 @@
           <a:p>
             <a:fld id="{D253BB75-C9F5-8342-9D8A-C2F31092015F}" type="datetimeFigureOut">
               <a:rPr lang="es-CO" smtClean="0"/>
-              <a:t>22/05/21</a:t>
+              <a:t>23/05/2021</a:t>
             </a:fld>
             <a:endParaRPr lang="es-CO"/>
           </a:p>
@@ -17969,6 +18031,176 @@
           <p:cNvPr id="2" name="Título 1">
             <a:extLst>
               <a:ext uri="{FF2B5EF4-FFF2-40B4-BE49-F238E27FC236}">
+                <a16:creationId xmlns:a16="http://schemas.microsoft.com/office/drawing/2014/main" id="{75CDA050-FB5D-4A7F-BFF7-868DDA5F1A55}"/>
+              </a:ext>
+            </a:extLst>
+          </p:cNvPr>
+          <p:cNvSpPr>
+            <a:spLocks noGrp="1"/>
+          </p:cNvSpPr>
+          <p:nvPr>
+            <p:ph type="title"/>
+          </p:nvPr>
+        </p:nvSpPr>
+        <p:spPr/>
+        <p:txBody>
+          <a:bodyPr/>
+          <a:lstStyle/>
+          <a:p>
+            <a:r>
+              <a:rPr lang="es-CO" dirty="0"/>
+              <a:t>Diagrama de clases</a:t>
+            </a:r>
+          </a:p>
+        </p:txBody>
+      </p:sp>
+      <p:sp>
+        <p:nvSpPr>
+          <p:cNvPr id="3" name="Marcador de contenido 2">
+            <a:extLst>
+              <a:ext uri="{FF2B5EF4-FFF2-40B4-BE49-F238E27FC236}">
+                <a16:creationId xmlns:a16="http://schemas.microsoft.com/office/drawing/2014/main" id="{77D5B6F4-B7EA-421B-9AE2-B47BE34DB96B}"/>
+              </a:ext>
+            </a:extLst>
+          </p:cNvPr>
+          <p:cNvSpPr>
+            <a:spLocks noGrp="1"/>
+          </p:cNvSpPr>
+          <p:nvPr>
+            <p:ph idx="1"/>
+          </p:nvPr>
+        </p:nvSpPr>
+        <p:spPr/>
+        <p:txBody>
+          <a:bodyPr/>
+          <a:lstStyle/>
+          <a:p>
+            <a:r>
+              <a:rPr lang="es-CO" dirty="0"/>
+              <a:t>El diagrama de clases es una representación visual de las entidades dentro de una entidad de relación.</a:t>
+            </a:r>
+          </a:p>
+        </p:txBody>
+      </p:sp>
+    </p:spTree>
+    <p:extLst>
+      <p:ext uri="{BB962C8B-B14F-4D97-AF65-F5344CB8AC3E}">
+        <p14:creationId xmlns:p14="http://schemas.microsoft.com/office/powerpoint/2010/main" val="3749372832"/>
+      </p:ext>
+    </p:extLst>
+  </p:cSld>
+  <p:clrMapOvr>
+    <a:masterClrMapping/>
+  </p:clrMapOvr>
+</p:sld>
+</file>
+
+<file path=ppt/slides/slide32.xml><?xml version="1.0" encoding="utf-8"?>
+<p:sld xmlns:a="http://schemas.openxmlformats.org/drawingml/2006/main" xmlns:r="http://schemas.openxmlformats.org/officeDocument/2006/relationships" xmlns:p="http://schemas.openxmlformats.org/presentationml/2006/main">
+  <p:cSld>
+    <p:spTree>
+      <p:nvGrpSpPr>
+        <p:cNvPr id="1" name=""/>
+        <p:cNvGrpSpPr/>
+        <p:nvPr/>
+      </p:nvGrpSpPr>
+      <p:grpSpPr>
+        <a:xfrm>
+          <a:off x="0" y="0"/>
+          <a:ext cx="0" cy="0"/>
+          <a:chOff x="0" y="0"/>
+          <a:chExt cx="0" cy="0"/>
+        </a:xfrm>
+      </p:grpSpPr>
+      <p:sp>
+        <p:nvSpPr>
+          <p:cNvPr id="2" name="Título 1">
+            <a:extLst>
+              <a:ext uri="{FF2B5EF4-FFF2-40B4-BE49-F238E27FC236}">
+                <a16:creationId xmlns:a16="http://schemas.microsoft.com/office/drawing/2014/main" id="{F0C88613-8517-43C6-B974-859665C3AA5E}"/>
+              </a:ext>
+            </a:extLst>
+          </p:cNvPr>
+          <p:cNvSpPr>
+            <a:spLocks noGrp="1"/>
+          </p:cNvSpPr>
+          <p:nvPr>
+            <p:ph type="title"/>
+          </p:nvPr>
+        </p:nvSpPr>
+        <p:spPr/>
+        <p:txBody>
+          <a:bodyPr/>
+          <a:lstStyle/>
+          <a:p>
+            <a:endParaRPr lang="es-CO"/>
+          </a:p>
+        </p:txBody>
+      </p:sp>
+      <p:pic>
+        <p:nvPicPr>
+          <p:cNvPr id="5" name="Imagen 4">
+            <a:extLst>
+              <a:ext uri="{FF2B5EF4-FFF2-40B4-BE49-F238E27FC236}">
+                <a16:creationId xmlns:a16="http://schemas.microsoft.com/office/drawing/2014/main" id="{D078E2FA-855C-44CD-BDFD-69F688ACA377}"/>
+              </a:ext>
+            </a:extLst>
+          </p:cNvPr>
+          <p:cNvPicPr>
+            <a:picLocks noChangeAspect="1"/>
+          </p:cNvPicPr>
+          <p:nvPr/>
+        </p:nvPicPr>
+        <p:blipFill rotWithShape="1">
+          <a:blip r:embed="rId2"/>
+          <a:srcRect l="3146" t="13530" r="33346" b="15897"/>
+          <a:stretch/>
+        </p:blipFill>
+        <p:spPr>
+          <a:xfrm>
+            <a:off x="-2" y="-1"/>
+            <a:ext cx="12192002" cy="6858001"/>
+          </a:xfrm>
+          <a:prstGeom prst="rect">
+            <a:avLst/>
+          </a:prstGeom>
+        </p:spPr>
+      </p:pic>
+    </p:spTree>
+    <p:extLst>
+      <p:ext uri="{BB962C8B-B14F-4D97-AF65-F5344CB8AC3E}">
+        <p14:creationId xmlns:p14="http://schemas.microsoft.com/office/powerpoint/2010/main" val="2601945053"/>
+      </p:ext>
+    </p:extLst>
+  </p:cSld>
+  <p:clrMapOvr>
+    <a:masterClrMapping/>
+  </p:clrMapOvr>
+</p:sld>
+</file>
+
+<file path=ppt/slides/slide33.xml><?xml version="1.0" encoding="utf-8"?>
+<p:sld xmlns:a="http://schemas.openxmlformats.org/drawingml/2006/main" xmlns:r="http://schemas.openxmlformats.org/officeDocument/2006/relationships" xmlns:p="http://schemas.openxmlformats.org/presentationml/2006/main">
+  <p:cSld>
+    <p:spTree>
+      <p:nvGrpSpPr>
+        <p:cNvPr id="1" name=""/>
+        <p:cNvGrpSpPr/>
+        <p:nvPr/>
+      </p:nvGrpSpPr>
+      <p:grpSpPr>
+        <a:xfrm>
+          <a:off x="0" y="0"/>
+          <a:ext cx="0" cy="0"/>
+          <a:chOff x="0" y="0"/>
+          <a:chExt cx="0" cy="0"/>
+        </a:xfrm>
+      </p:grpSpPr>
+      <p:sp>
+        <p:nvSpPr>
+          <p:cNvPr id="2" name="Título 1">
+            <a:extLst>
+              <a:ext uri="{FF2B5EF4-FFF2-40B4-BE49-F238E27FC236}">
                 <a16:creationId xmlns:a16="http://schemas.microsoft.com/office/drawing/2014/main" id="{D6C951AD-ADB4-4520-8EF2-0D457F9FBAEC}"/>
               </a:ext>
             </a:extLst>
@@ -18044,7 +18276,7 @@
 </p:sld>
 </file>
 
-<file path=ppt/slides/slide32.xml><?xml version="1.0" encoding="utf-8"?>
+<file path=ppt/slides/slide34.xml><?xml version="1.0" encoding="utf-8"?>
 <p:sld xmlns:a="http://schemas.openxmlformats.org/drawingml/2006/main" xmlns:r="http://schemas.openxmlformats.org/officeDocument/2006/relationships" xmlns:p="http://schemas.openxmlformats.org/presentationml/2006/main">
   <p:cSld>
     <p:spTree>
@@ -18387,7 +18619,7 @@
 </p:sld>
 </file>
 
-<file path=ppt/slides/slide33.xml><?xml version="1.0" encoding="utf-8"?>
+<file path=ppt/slides/slide35.xml><?xml version="1.0" encoding="utf-8"?>
 <p:sld xmlns:a="http://schemas.openxmlformats.org/drawingml/2006/main" xmlns:r="http://schemas.openxmlformats.org/officeDocument/2006/relationships" xmlns:p="http://schemas.openxmlformats.org/presentationml/2006/main">
   <p:cSld>
     <p:spTree>
@@ -18730,7 +18962,7 @@
 </p:sld>
 </file>
 
-<file path=ppt/slides/slide34.xml><?xml version="1.0" encoding="utf-8"?>
+<file path=ppt/slides/slide36.xml><?xml version="1.0" encoding="utf-8"?>
 <p:sld xmlns:a="http://schemas.openxmlformats.org/drawingml/2006/main" xmlns:r="http://schemas.openxmlformats.org/officeDocument/2006/relationships" xmlns:p="http://schemas.openxmlformats.org/presentationml/2006/main">
   <p:cSld>
     <p:spTree>
@@ -19085,7 +19317,7 @@
 </p:sld>
 </file>
 
-<file path=ppt/slides/slide35.xml><?xml version="1.0" encoding="utf-8"?>
+<file path=ppt/slides/slide37.xml><?xml version="1.0" encoding="utf-8"?>
 <p:sld xmlns:a="http://schemas.openxmlformats.org/drawingml/2006/main" xmlns:r="http://schemas.openxmlformats.org/officeDocument/2006/relationships" xmlns:p="http://schemas.openxmlformats.org/presentationml/2006/main">
   <p:cSld>
     <p:spTree>
@@ -19428,7 +19660,7 @@
 </p:sld>
 </file>
 
-<file path=ppt/slides/slide36.xml><?xml version="1.0" encoding="utf-8"?>
+<file path=ppt/slides/slide38.xml><?xml version="1.0" encoding="utf-8"?>
 <p:sld xmlns:a="http://schemas.openxmlformats.org/drawingml/2006/main" xmlns:r="http://schemas.openxmlformats.org/officeDocument/2006/relationships" xmlns:p="http://schemas.openxmlformats.org/presentationml/2006/main">
   <p:cSld>
     <p:spTree>
@@ -19783,7 +20015,7 @@
 </p:sld>
 </file>
 
-<file path=ppt/slides/slide37.xml><?xml version="1.0" encoding="utf-8"?>
+<file path=ppt/slides/slide39.xml><?xml version="1.0" encoding="utf-8"?>
 <p:sld xmlns:a="http://schemas.openxmlformats.org/drawingml/2006/main" xmlns:r="http://schemas.openxmlformats.org/officeDocument/2006/relationships" xmlns:p="http://schemas.openxmlformats.org/presentationml/2006/main">
   <p:cSld>
     <p:spTree>
@@ -20117,756 +20349,6 @@
     <p:extLst>
       <p:ext uri="{BB962C8B-B14F-4D97-AF65-F5344CB8AC3E}">
         <p14:creationId xmlns:p14="http://schemas.microsoft.com/office/powerpoint/2010/main" val="3527941286"/>
-      </p:ext>
-    </p:extLst>
-  </p:cSld>
-  <p:clrMapOvr>
-    <a:masterClrMapping/>
-  </p:clrMapOvr>
-</p:sld>
-</file>
-
-<file path=ppt/slides/slide38.xml><?xml version="1.0" encoding="utf-8"?>
-<p:sld xmlns:a="http://schemas.openxmlformats.org/drawingml/2006/main" xmlns:r="http://schemas.openxmlformats.org/officeDocument/2006/relationships" xmlns:p="http://schemas.openxmlformats.org/presentationml/2006/main">
-  <p:cSld>
-    <p:spTree>
-      <p:nvGrpSpPr>
-        <p:cNvPr id="1" name=""/>
-        <p:cNvGrpSpPr/>
-        <p:nvPr/>
-      </p:nvGrpSpPr>
-      <p:grpSpPr>
-        <a:xfrm>
-          <a:off x="0" y="0"/>
-          <a:ext cx="0" cy="0"/>
-          <a:chOff x="0" y="0"/>
-          <a:chExt cx="0" cy="0"/>
-        </a:xfrm>
-      </p:grpSpPr>
-      <p:sp>
-        <p:nvSpPr>
-          <p:cNvPr id="2" name="Título 1">
-            <a:extLst>
-              <a:ext uri="{FF2B5EF4-FFF2-40B4-BE49-F238E27FC236}">
-                <a16:creationId xmlns:a16="http://schemas.microsoft.com/office/drawing/2014/main" id="{A544CF25-2F8F-BC45-9D5E-B7214CD84D05}"/>
-              </a:ext>
-            </a:extLst>
-          </p:cNvPr>
-          <p:cNvSpPr>
-            <a:spLocks noGrp="1"/>
-          </p:cNvSpPr>
-          <p:nvPr>
-            <p:ph type="title"/>
-          </p:nvPr>
-        </p:nvSpPr>
-        <p:spPr/>
-        <p:txBody>
-          <a:bodyPr/>
-          <a:lstStyle/>
-          <a:p>
-            <a:r>
-              <a:rPr lang="es-CO" dirty="0"/>
-              <a:t>Requerimientos funcionales</a:t>
-            </a:r>
-          </a:p>
-        </p:txBody>
-      </p:sp>
-      <p:graphicFrame>
-        <p:nvGraphicFramePr>
-          <p:cNvPr id="4" name="Tabla 4">
-            <a:extLst>
-              <a:ext uri="{FF2B5EF4-FFF2-40B4-BE49-F238E27FC236}">
-                <a16:creationId xmlns:a16="http://schemas.microsoft.com/office/drawing/2014/main" id="{104B1BC5-C194-6A4D-BF36-86B68BC29C6E}"/>
-              </a:ext>
-            </a:extLst>
-          </p:cNvPr>
-          <p:cNvGraphicFramePr>
-            <a:graphicFrameLocks noGrp="1"/>
-          </p:cNvGraphicFramePr>
-          <p:nvPr>
-            <p:ph idx="1"/>
-            <p:extLst>
-              <p:ext uri="{D42A27DB-BD31-4B8C-83A1-F6EECF244321}">
-                <p14:modId xmlns:p14="http://schemas.microsoft.com/office/powerpoint/2010/main" val="4293041513"/>
-              </p:ext>
-            </p:extLst>
-          </p:nvPr>
-        </p:nvGraphicFramePr>
-        <p:xfrm>
-          <a:off x="5118100" y="803275"/>
-          <a:ext cx="6281738" cy="5013960"/>
-        </p:xfrm>
-        <a:graphic>
-          <a:graphicData uri="http://schemas.openxmlformats.org/drawingml/2006/table">
-            <a:tbl>
-              <a:tblPr firstRow="1" bandRow="1">
-                <a:tableStyleId>{5C22544A-7EE6-4342-B048-85BDC9FD1C3A}</a:tableStyleId>
-              </a:tblPr>
-              <a:tblGrid>
-                <a:gridCol w="3140869">
-                  <a:extLst>
-                    <a:ext uri="{9D8B030D-6E8A-4147-A177-3AD203B41FA5}">
-                      <a16:colId xmlns:a16="http://schemas.microsoft.com/office/drawing/2014/main" val="1589146686"/>
-                    </a:ext>
-                  </a:extLst>
-                </a:gridCol>
-                <a:gridCol w="3140869">
-                  <a:extLst>
-                    <a:ext uri="{9D8B030D-6E8A-4147-A177-3AD203B41FA5}">
-                      <a16:colId xmlns:a16="http://schemas.microsoft.com/office/drawing/2014/main" val="1463651238"/>
-                    </a:ext>
-                  </a:extLst>
-                </a:gridCol>
-              </a:tblGrid>
-              <a:tr h="370840">
-                <a:tc>
-                  <a:txBody>
-                    <a:bodyPr/>
-                    <a:lstStyle/>
-                    <a:p>
-                      <a:r>
-                        <a:rPr lang="es-CO" sz="1400" dirty="0"/>
-                        <a:t>Identificación del requerimiento</a:t>
-                      </a:r>
-                    </a:p>
-                  </a:txBody>
-                  <a:tcPr/>
-                </a:tc>
-                <a:tc>
-                  <a:txBody>
-                    <a:bodyPr/>
-                    <a:lstStyle/>
-                    <a:p>
-                      <a:r>
-                        <a:rPr lang="es-CO" sz="1400" dirty="0"/>
-                        <a:t>RF007</a:t>
-                      </a:r>
-                    </a:p>
-                  </a:txBody>
-                  <a:tcPr/>
-                </a:tc>
-                <a:extLst>
-                  <a:ext uri="{0D108BD9-81ED-4DB2-BD59-A6C34878D82A}">
-                    <a16:rowId xmlns:a16="http://schemas.microsoft.com/office/drawing/2014/main" val="3568786682"/>
-                  </a:ext>
-                </a:extLst>
-              </a:tr>
-              <a:tr h="370840">
-                <a:tc>
-                  <a:txBody>
-                    <a:bodyPr/>
-                    <a:lstStyle/>
-                    <a:p>
-                      <a:r>
-                        <a:rPr lang="es-CO" sz="1400" dirty="0"/>
-                        <a:t>Nombre del requerimiento</a:t>
-                      </a:r>
-                    </a:p>
-                  </a:txBody>
-                  <a:tcPr/>
-                </a:tc>
-                <a:tc>
-                  <a:txBody>
-                    <a:bodyPr/>
-                    <a:lstStyle/>
-                    <a:p>
-                      <a:r>
-                        <a:rPr lang="es-CO" sz="1400" dirty="0"/>
-                        <a:t>Realizar modificaciones</a:t>
-                      </a:r>
-                    </a:p>
-                  </a:txBody>
-                  <a:tcPr/>
-                </a:tc>
-                <a:extLst>
-                  <a:ext uri="{0D108BD9-81ED-4DB2-BD59-A6C34878D82A}">
-                    <a16:rowId xmlns:a16="http://schemas.microsoft.com/office/drawing/2014/main" val="2616514354"/>
-                  </a:ext>
-                </a:extLst>
-              </a:tr>
-              <a:tr h="370840">
-                <a:tc>
-                  <a:txBody>
-                    <a:bodyPr/>
-                    <a:lstStyle/>
-                    <a:p>
-                      <a:r>
-                        <a:rPr lang="es-CO" sz="1400" dirty="0"/>
-                        <a:t>Características</a:t>
-                      </a:r>
-                    </a:p>
-                  </a:txBody>
-                  <a:tcPr/>
-                </a:tc>
-                <a:tc>
-                  <a:txBody>
-                    <a:bodyPr/>
-                    <a:lstStyle/>
-                    <a:p>
-                      <a:r>
-                        <a:rPr lang="es-CO" sz="1400" dirty="0"/>
-                        <a:t>El usuario administrador puede modificar información de los usuarios docente y estudiante.</a:t>
-                      </a:r>
-                    </a:p>
-                  </a:txBody>
-                  <a:tcPr/>
-                </a:tc>
-                <a:extLst>
-                  <a:ext uri="{0D108BD9-81ED-4DB2-BD59-A6C34878D82A}">
-                    <a16:rowId xmlns:a16="http://schemas.microsoft.com/office/drawing/2014/main" val="1942680024"/>
-                  </a:ext>
-                </a:extLst>
-              </a:tr>
-              <a:tr h="370840">
-                <a:tc>
-                  <a:txBody>
-                    <a:bodyPr/>
-                    <a:lstStyle/>
-                    <a:p>
-                      <a:r>
-                        <a:rPr lang="es-CO" sz="1400" dirty="0"/>
-                        <a:t>Descripción del requerimiento</a:t>
-                      </a:r>
-                    </a:p>
-                  </a:txBody>
-                  <a:tcPr/>
-                </a:tc>
-                <a:tc>
-                  <a:txBody>
-                    <a:bodyPr/>
-                    <a:lstStyle/>
-                    <a:p>
-                      <a:pPr marL="0" marR="0" lvl="0" indent="0" algn="l" defTabSz="914400" rtl="0" eaLnBrk="1" fontAlgn="auto" latinLnBrk="0" hangingPunct="1">
-                        <a:lnSpc>
-                          <a:spcPct val="100000"/>
-                        </a:lnSpc>
-                        <a:spcBef>
-                          <a:spcPts val="0"/>
-                        </a:spcBef>
-                        <a:spcAft>
-                          <a:spcPts val="0"/>
-                        </a:spcAft>
-                        <a:buClrTx/>
-                        <a:buSzTx/>
-                        <a:buFontTx/>
-                        <a:buNone/>
-                        <a:tabLst/>
-                        <a:defRPr/>
-                      </a:pPr>
-                      <a:r>
-                        <a:rPr lang="es-CO" sz="1400" dirty="0"/>
-                        <a:t>El sistema permite al usuario administrador modificar información de los usuarios docente y estudiante.</a:t>
-                      </a:r>
-                    </a:p>
-                    <a:p>
-                      <a:endParaRPr lang="es-CO" sz="1400" dirty="0"/>
-                    </a:p>
-                  </a:txBody>
-                  <a:tcPr/>
-                </a:tc>
-                <a:extLst>
-                  <a:ext uri="{0D108BD9-81ED-4DB2-BD59-A6C34878D82A}">
-                    <a16:rowId xmlns:a16="http://schemas.microsoft.com/office/drawing/2014/main" val="2968710298"/>
-                  </a:ext>
-                </a:extLst>
-              </a:tr>
-              <a:tr h="370840">
-                <a:tc>
-                  <a:txBody>
-                    <a:bodyPr/>
-                    <a:lstStyle/>
-                    <a:p>
-                      <a:r>
-                        <a:rPr lang="es-CO" sz="1400" dirty="0"/>
-                        <a:t>Requerimientos no funcionales</a:t>
-                      </a:r>
-                    </a:p>
-                  </a:txBody>
-                  <a:tcPr/>
-                </a:tc>
-                <a:tc>
-                  <a:txBody>
-                    <a:bodyPr/>
-                    <a:lstStyle/>
-                    <a:p>
-                      <a:r>
-                        <a:rPr lang="es-CO" sz="1400" dirty="0"/>
-                        <a:t>RNF01</a:t>
-                      </a:r>
-                    </a:p>
-                    <a:p>
-                      <a:r>
-                        <a:rPr lang="es-CO" sz="1400" dirty="0"/>
-                        <a:t>RNF08</a:t>
-                      </a:r>
-                    </a:p>
-                    <a:p>
-                      <a:r>
-                        <a:rPr lang="es-CO" sz="1400" dirty="0"/>
-                        <a:t>RNF09</a:t>
-                      </a:r>
-                    </a:p>
-                    <a:p>
-                      <a:r>
-                        <a:rPr lang="es-CO" sz="1400" dirty="0"/>
-                        <a:t>RNF10</a:t>
-                      </a:r>
-                    </a:p>
-                    <a:p>
-                      <a:r>
-                        <a:rPr lang="es-CO" sz="1400" dirty="0"/>
-                        <a:t>RNF11</a:t>
-                      </a:r>
-                    </a:p>
-                    <a:p>
-                      <a:r>
-                        <a:rPr lang="es-CO" sz="1400" dirty="0"/>
-                        <a:t>RNF13</a:t>
-                      </a:r>
-                    </a:p>
-                    <a:p>
-                      <a:r>
-                        <a:rPr lang="es-CO" sz="1400" dirty="0"/>
-                        <a:t>RNF14</a:t>
-                      </a:r>
-                    </a:p>
-                    <a:p>
-                      <a:r>
-                        <a:rPr lang="es-CO" sz="1400" dirty="0"/>
-                        <a:t>RNF15</a:t>
-                      </a:r>
-                    </a:p>
-                    <a:p>
-                      <a:r>
-                        <a:rPr lang="es-CO" sz="1400" dirty="0"/>
-                        <a:t>RNF16</a:t>
-                      </a:r>
-                    </a:p>
-                  </a:txBody>
-                  <a:tcPr/>
-                </a:tc>
-                <a:extLst>
-                  <a:ext uri="{0D108BD9-81ED-4DB2-BD59-A6C34878D82A}">
-                    <a16:rowId xmlns:a16="http://schemas.microsoft.com/office/drawing/2014/main" val="302045704"/>
-                  </a:ext>
-                </a:extLst>
-              </a:tr>
-              <a:tr h="370840">
-                <a:tc>
-                  <a:txBody>
-                    <a:bodyPr/>
-                    <a:lstStyle/>
-                    <a:p>
-                      <a:r>
-                        <a:rPr lang="es-CO" sz="1400" dirty="0"/>
-                        <a:t>Prioridad del requerimiento</a:t>
-                      </a:r>
-                    </a:p>
-                  </a:txBody>
-                  <a:tcPr/>
-                </a:tc>
-                <a:tc>
-                  <a:txBody>
-                    <a:bodyPr/>
-                    <a:lstStyle/>
-                    <a:p>
-                      <a:r>
-                        <a:rPr lang="es-CO" sz="1400" dirty="0"/>
-                        <a:t>Alta</a:t>
-                      </a:r>
-                    </a:p>
-                  </a:txBody>
-                  <a:tcPr/>
-                </a:tc>
-                <a:extLst>
-                  <a:ext uri="{0D108BD9-81ED-4DB2-BD59-A6C34878D82A}">
-                    <a16:rowId xmlns:a16="http://schemas.microsoft.com/office/drawing/2014/main" val="2916724385"/>
-                  </a:ext>
-                </a:extLst>
-              </a:tr>
-            </a:tbl>
-          </a:graphicData>
-        </a:graphic>
-      </p:graphicFrame>
-    </p:spTree>
-    <p:extLst>
-      <p:ext uri="{BB962C8B-B14F-4D97-AF65-F5344CB8AC3E}">
-        <p14:creationId xmlns:p14="http://schemas.microsoft.com/office/powerpoint/2010/main" val="1548600038"/>
-      </p:ext>
-    </p:extLst>
-  </p:cSld>
-  <p:clrMapOvr>
-    <a:masterClrMapping/>
-  </p:clrMapOvr>
-</p:sld>
-</file>
-
-<file path=ppt/slides/slide39.xml><?xml version="1.0" encoding="utf-8"?>
-<p:sld xmlns:a="http://schemas.openxmlformats.org/drawingml/2006/main" xmlns:r="http://schemas.openxmlformats.org/officeDocument/2006/relationships" xmlns:p="http://schemas.openxmlformats.org/presentationml/2006/main">
-  <p:cSld>
-    <p:spTree>
-      <p:nvGrpSpPr>
-        <p:cNvPr id="1" name=""/>
-        <p:cNvGrpSpPr/>
-        <p:nvPr/>
-      </p:nvGrpSpPr>
-      <p:grpSpPr>
-        <a:xfrm>
-          <a:off x="0" y="0"/>
-          <a:ext cx="0" cy="0"/>
-          <a:chOff x="0" y="0"/>
-          <a:chExt cx="0" cy="0"/>
-        </a:xfrm>
-      </p:grpSpPr>
-      <p:sp>
-        <p:nvSpPr>
-          <p:cNvPr id="2" name="Título 1">
-            <a:extLst>
-              <a:ext uri="{FF2B5EF4-FFF2-40B4-BE49-F238E27FC236}">
-                <a16:creationId xmlns:a16="http://schemas.microsoft.com/office/drawing/2014/main" id="{A544CF25-2F8F-BC45-9D5E-B7214CD84D05}"/>
-              </a:ext>
-            </a:extLst>
-          </p:cNvPr>
-          <p:cNvSpPr>
-            <a:spLocks noGrp="1"/>
-          </p:cNvSpPr>
-          <p:nvPr>
-            <p:ph type="title"/>
-          </p:nvPr>
-        </p:nvSpPr>
-        <p:spPr/>
-        <p:txBody>
-          <a:bodyPr/>
-          <a:lstStyle/>
-          <a:p>
-            <a:r>
-              <a:rPr lang="es-CO" dirty="0"/>
-              <a:t>Requerimientos funcionales</a:t>
-            </a:r>
-          </a:p>
-        </p:txBody>
-      </p:sp>
-      <p:graphicFrame>
-        <p:nvGraphicFramePr>
-          <p:cNvPr id="4" name="Tabla 4">
-            <a:extLst>
-              <a:ext uri="{FF2B5EF4-FFF2-40B4-BE49-F238E27FC236}">
-                <a16:creationId xmlns:a16="http://schemas.microsoft.com/office/drawing/2014/main" id="{104B1BC5-C194-6A4D-BF36-86B68BC29C6E}"/>
-              </a:ext>
-            </a:extLst>
-          </p:cNvPr>
-          <p:cNvGraphicFramePr>
-            <a:graphicFrameLocks noGrp="1"/>
-          </p:cNvGraphicFramePr>
-          <p:nvPr>
-            <p:ph idx="1"/>
-            <p:extLst>
-              <p:ext uri="{D42A27DB-BD31-4B8C-83A1-F6EECF244321}">
-                <p14:modId xmlns:p14="http://schemas.microsoft.com/office/powerpoint/2010/main" val="3090622858"/>
-              </p:ext>
-            </p:extLst>
-          </p:nvPr>
-        </p:nvGraphicFramePr>
-        <p:xfrm>
-          <a:off x="5118100" y="803275"/>
-          <a:ext cx="6281738" cy="5440680"/>
-        </p:xfrm>
-        <a:graphic>
-          <a:graphicData uri="http://schemas.openxmlformats.org/drawingml/2006/table">
-            <a:tbl>
-              <a:tblPr firstRow="1" bandRow="1">
-                <a:tableStyleId>{5C22544A-7EE6-4342-B048-85BDC9FD1C3A}</a:tableStyleId>
-              </a:tblPr>
-              <a:tblGrid>
-                <a:gridCol w="3140869">
-                  <a:extLst>
-                    <a:ext uri="{9D8B030D-6E8A-4147-A177-3AD203B41FA5}">
-                      <a16:colId xmlns:a16="http://schemas.microsoft.com/office/drawing/2014/main" val="1589146686"/>
-                    </a:ext>
-                  </a:extLst>
-                </a:gridCol>
-                <a:gridCol w="3140869">
-                  <a:extLst>
-                    <a:ext uri="{9D8B030D-6E8A-4147-A177-3AD203B41FA5}">
-                      <a16:colId xmlns:a16="http://schemas.microsoft.com/office/drawing/2014/main" val="1463651238"/>
-                    </a:ext>
-                  </a:extLst>
-                </a:gridCol>
-              </a:tblGrid>
-              <a:tr h="370840">
-                <a:tc>
-                  <a:txBody>
-                    <a:bodyPr/>
-                    <a:lstStyle/>
-                    <a:p>
-                      <a:r>
-                        <a:rPr lang="es-CO" sz="1400" dirty="0"/>
-                        <a:t>Identificación del requerimiento</a:t>
-                      </a:r>
-                    </a:p>
-                  </a:txBody>
-                  <a:tcPr/>
-                </a:tc>
-                <a:tc>
-                  <a:txBody>
-                    <a:bodyPr/>
-                    <a:lstStyle/>
-                    <a:p>
-                      <a:r>
-                        <a:rPr lang="es-CO" sz="1400" dirty="0"/>
-                        <a:t>RF008</a:t>
-                      </a:r>
-                    </a:p>
-                  </a:txBody>
-                  <a:tcPr/>
-                </a:tc>
-                <a:extLst>
-                  <a:ext uri="{0D108BD9-81ED-4DB2-BD59-A6C34878D82A}">
-                    <a16:rowId xmlns:a16="http://schemas.microsoft.com/office/drawing/2014/main" val="3568786682"/>
-                  </a:ext>
-                </a:extLst>
-              </a:tr>
-              <a:tr h="370840">
-                <a:tc>
-                  <a:txBody>
-                    <a:bodyPr/>
-                    <a:lstStyle/>
-                    <a:p>
-                      <a:r>
-                        <a:rPr lang="es-CO" sz="1400" dirty="0"/>
-                        <a:t>Nombre del requerimiento</a:t>
-                      </a:r>
-                    </a:p>
-                  </a:txBody>
-                  <a:tcPr/>
-                </a:tc>
-                <a:tc>
-                  <a:txBody>
-                    <a:bodyPr/>
-                    <a:lstStyle/>
-                    <a:p>
-                      <a:r>
-                        <a:rPr lang="es-CO" sz="1400" dirty="0"/>
-                        <a:t>Habilitar el sistema</a:t>
-                      </a:r>
-                    </a:p>
-                  </a:txBody>
-                  <a:tcPr/>
-                </a:tc>
-                <a:extLst>
-                  <a:ext uri="{0D108BD9-81ED-4DB2-BD59-A6C34878D82A}">
-                    <a16:rowId xmlns:a16="http://schemas.microsoft.com/office/drawing/2014/main" val="2616514354"/>
-                  </a:ext>
-                </a:extLst>
-              </a:tr>
-              <a:tr h="370840">
-                <a:tc>
-                  <a:txBody>
-                    <a:bodyPr/>
-                    <a:lstStyle/>
-                    <a:p>
-                      <a:r>
-                        <a:rPr lang="es-CO" sz="1400" dirty="0"/>
-                        <a:t>Características</a:t>
-                      </a:r>
-                    </a:p>
-                  </a:txBody>
-                  <a:tcPr/>
-                </a:tc>
-                <a:tc>
-                  <a:txBody>
-                    <a:bodyPr/>
-                    <a:lstStyle/>
-                    <a:p>
-                      <a:r>
-                        <a:rPr lang="es-CO" sz="1400" dirty="0"/>
-                        <a:t>El usuario administrador puede habilitar el funcionamiento del sistema para los usuarios docente y estudiante.</a:t>
-                      </a:r>
-                    </a:p>
-                  </a:txBody>
-                  <a:tcPr/>
-                </a:tc>
-                <a:extLst>
-                  <a:ext uri="{0D108BD9-81ED-4DB2-BD59-A6C34878D82A}">
-                    <a16:rowId xmlns:a16="http://schemas.microsoft.com/office/drawing/2014/main" val="1942680024"/>
-                  </a:ext>
-                </a:extLst>
-              </a:tr>
-              <a:tr h="370840">
-                <a:tc>
-                  <a:txBody>
-                    <a:bodyPr/>
-                    <a:lstStyle/>
-                    <a:p>
-                      <a:r>
-                        <a:rPr lang="es-CO" sz="1400" dirty="0"/>
-                        <a:t>Descripción del requerimiento</a:t>
-                      </a:r>
-                    </a:p>
-                  </a:txBody>
-                  <a:tcPr/>
-                </a:tc>
-                <a:tc>
-                  <a:txBody>
-                    <a:bodyPr/>
-                    <a:lstStyle/>
-                    <a:p>
-                      <a:pPr marL="0" marR="0" lvl="0" indent="0" algn="l" defTabSz="914400" rtl="0" eaLnBrk="1" fontAlgn="auto" latinLnBrk="0" hangingPunct="1">
-                        <a:lnSpc>
-                          <a:spcPct val="100000"/>
-                        </a:lnSpc>
-                        <a:spcBef>
-                          <a:spcPts val="0"/>
-                        </a:spcBef>
-                        <a:spcAft>
-                          <a:spcPts val="0"/>
-                        </a:spcAft>
-                        <a:buClrTx/>
-                        <a:buSzTx/>
-                        <a:buFontTx/>
-                        <a:buNone/>
-                        <a:tabLst/>
-                        <a:defRPr/>
-                      </a:pPr>
-                      <a:r>
-                        <a:rPr lang="es-CO" sz="1400" dirty="0"/>
-                        <a:t>El sistema permite al usuario administrador habilitar y deshabilitar el funcionamiento del sistema para los usuarios docente y estudiante.</a:t>
-                      </a:r>
-                    </a:p>
-                    <a:p>
-                      <a:endParaRPr lang="es-CO" sz="1400" dirty="0"/>
-                    </a:p>
-                  </a:txBody>
-                  <a:tcPr/>
-                </a:tc>
-                <a:extLst>
-                  <a:ext uri="{0D108BD9-81ED-4DB2-BD59-A6C34878D82A}">
-                    <a16:rowId xmlns:a16="http://schemas.microsoft.com/office/drawing/2014/main" val="2968710298"/>
-                  </a:ext>
-                </a:extLst>
-              </a:tr>
-              <a:tr h="370840">
-                <a:tc>
-                  <a:txBody>
-                    <a:bodyPr/>
-                    <a:lstStyle/>
-                    <a:p>
-                      <a:r>
-                        <a:rPr lang="es-CO" sz="1400" dirty="0"/>
-                        <a:t>Requerimientos no funcionales</a:t>
-                      </a:r>
-                    </a:p>
-                  </a:txBody>
-                  <a:tcPr/>
-                </a:tc>
-                <a:tc>
-                  <a:txBody>
-                    <a:bodyPr/>
-                    <a:lstStyle/>
-                    <a:p>
-                      <a:r>
-                        <a:rPr lang="es-CO" sz="1400" dirty="0"/>
-                        <a:t>RNF01</a:t>
-                      </a:r>
-                    </a:p>
-                    <a:p>
-                      <a:r>
-                        <a:rPr lang="es-CO" sz="1400" dirty="0"/>
-                        <a:t>RNF08</a:t>
-                      </a:r>
-                    </a:p>
-                    <a:p>
-                      <a:r>
-                        <a:rPr lang="es-CO" sz="1400" dirty="0"/>
-                        <a:t>RNF09</a:t>
-                      </a:r>
-                    </a:p>
-                    <a:p>
-                      <a:r>
-                        <a:rPr lang="es-CO" sz="1400" dirty="0"/>
-                        <a:t>RNF10</a:t>
-                      </a:r>
-                    </a:p>
-                    <a:p>
-                      <a:r>
-                        <a:rPr lang="es-CO" sz="1400" dirty="0"/>
-                        <a:t>RNF11</a:t>
-                      </a:r>
-                    </a:p>
-                    <a:p>
-                      <a:r>
-                        <a:rPr lang="es-CO" sz="1400" dirty="0"/>
-                        <a:t>RNF13</a:t>
-                      </a:r>
-                    </a:p>
-                    <a:p>
-                      <a:r>
-                        <a:rPr lang="es-CO" sz="1400" dirty="0"/>
-                        <a:t>RNF14</a:t>
-                      </a:r>
-                    </a:p>
-                    <a:p>
-                      <a:r>
-                        <a:rPr lang="es-CO" sz="1400" dirty="0"/>
-                        <a:t>RNF15</a:t>
-                      </a:r>
-                    </a:p>
-                    <a:p>
-                      <a:r>
-                        <a:rPr lang="es-CO" sz="1400" dirty="0"/>
-                        <a:t>RNF16</a:t>
-                      </a:r>
-                    </a:p>
-                  </a:txBody>
-                  <a:tcPr/>
-                </a:tc>
-                <a:extLst>
-                  <a:ext uri="{0D108BD9-81ED-4DB2-BD59-A6C34878D82A}">
-                    <a16:rowId xmlns:a16="http://schemas.microsoft.com/office/drawing/2014/main" val="302045704"/>
-                  </a:ext>
-                </a:extLst>
-              </a:tr>
-              <a:tr h="370840">
-                <a:tc>
-                  <a:txBody>
-                    <a:bodyPr/>
-                    <a:lstStyle/>
-                    <a:p>
-                      <a:r>
-                        <a:rPr lang="es-CO" sz="1400" dirty="0"/>
-                        <a:t>Prioridad del requerimiento</a:t>
-                      </a:r>
-                    </a:p>
-                  </a:txBody>
-                  <a:tcPr/>
-                </a:tc>
-                <a:tc>
-                  <a:txBody>
-                    <a:bodyPr/>
-                    <a:lstStyle/>
-                    <a:p>
-                      <a:r>
-                        <a:rPr lang="es-CO" sz="1400" dirty="0"/>
-                        <a:t>Alta</a:t>
-                      </a:r>
-                    </a:p>
-                  </a:txBody>
-                  <a:tcPr/>
-                </a:tc>
-                <a:extLst>
-                  <a:ext uri="{0D108BD9-81ED-4DB2-BD59-A6C34878D82A}">
-                    <a16:rowId xmlns:a16="http://schemas.microsoft.com/office/drawing/2014/main" val="2916724385"/>
-                  </a:ext>
-                </a:extLst>
-              </a:tr>
-            </a:tbl>
-          </a:graphicData>
-        </a:graphic>
-      </p:graphicFrame>
-    </p:spTree>
-    <p:extLst>
-      <p:ext uri="{BB962C8B-B14F-4D97-AF65-F5344CB8AC3E}">
-        <p14:creationId xmlns:p14="http://schemas.microsoft.com/office/powerpoint/2010/main" val="3573408142"/>
       </p:ext>
     </p:extLst>
   </p:cSld>
@@ -21046,6 +20528,756 @@
             <p:ph idx="1"/>
             <p:extLst>
               <p:ext uri="{D42A27DB-BD31-4B8C-83A1-F6EECF244321}">
+                <p14:modId xmlns:p14="http://schemas.microsoft.com/office/powerpoint/2010/main" val="4293041513"/>
+              </p:ext>
+            </p:extLst>
+          </p:nvPr>
+        </p:nvGraphicFramePr>
+        <p:xfrm>
+          <a:off x="5118100" y="803275"/>
+          <a:ext cx="6281738" cy="5013960"/>
+        </p:xfrm>
+        <a:graphic>
+          <a:graphicData uri="http://schemas.openxmlformats.org/drawingml/2006/table">
+            <a:tbl>
+              <a:tblPr firstRow="1" bandRow="1">
+                <a:tableStyleId>{5C22544A-7EE6-4342-B048-85BDC9FD1C3A}</a:tableStyleId>
+              </a:tblPr>
+              <a:tblGrid>
+                <a:gridCol w="3140869">
+                  <a:extLst>
+                    <a:ext uri="{9D8B030D-6E8A-4147-A177-3AD203B41FA5}">
+                      <a16:colId xmlns:a16="http://schemas.microsoft.com/office/drawing/2014/main" val="1589146686"/>
+                    </a:ext>
+                  </a:extLst>
+                </a:gridCol>
+                <a:gridCol w="3140869">
+                  <a:extLst>
+                    <a:ext uri="{9D8B030D-6E8A-4147-A177-3AD203B41FA5}">
+                      <a16:colId xmlns:a16="http://schemas.microsoft.com/office/drawing/2014/main" val="1463651238"/>
+                    </a:ext>
+                  </a:extLst>
+                </a:gridCol>
+              </a:tblGrid>
+              <a:tr h="370840">
+                <a:tc>
+                  <a:txBody>
+                    <a:bodyPr/>
+                    <a:lstStyle/>
+                    <a:p>
+                      <a:r>
+                        <a:rPr lang="es-CO" sz="1400" dirty="0"/>
+                        <a:t>Identificación del requerimiento</a:t>
+                      </a:r>
+                    </a:p>
+                  </a:txBody>
+                  <a:tcPr/>
+                </a:tc>
+                <a:tc>
+                  <a:txBody>
+                    <a:bodyPr/>
+                    <a:lstStyle/>
+                    <a:p>
+                      <a:r>
+                        <a:rPr lang="es-CO" sz="1400" dirty="0"/>
+                        <a:t>RF007</a:t>
+                      </a:r>
+                    </a:p>
+                  </a:txBody>
+                  <a:tcPr/>
+                </a:tc>
+                <a:extLst>
+                  <a:ext uri="{0D108BD9-81ED-4DB2-BD59-A6C34878D82A}">
+                    <a16:rowId xmlns:a16="http://schemas.microsoft.com/office/drawing/2014/main" val="3568786682"/>
+                  </a:ext>
+                </a:extLst>
+              </a:tr>
+              <a:tr h="370840">
+                <a:tc>
+                  <a:txBody>
+                    <a:bodyPr/>
+                    <a:lstStyle/>
+                    <a:p>
+                      <a:r>
+                        <a:rPr lang="es-CO" sz="1400" dirty="0"/>
+                        <a:t>Nombre del requerimiento</a:t>
+                      </a:r>
+                    </a:p>
+                  </a:txBody>
+                  <a:tcPr/>
+                </a:tc>
+                <a:tc>
+                  <a:txBody>
+                    <a:bodyPr/>
+                    <a:lstStyle/>
+                    <a:p>
+                      <a:r>
+                        <a:rPr lang="es-CO" sz="1400" dirty="0"/>
+                        <a:t>Realizar modificaciones</a:t>
+                      </a:r>
+                    </a:p>
+                  </a:txBody>
+                  <a:tcPr/>
+                </a:tc>
+                <a:extLst>
+                  <a:ext uri="{0D108BD9-81ED-4DB2-BD59-A6C34878D82A}">
+                    <a16:rowId xmlns:a16="http://schemas.microsoft.com/office/drawing/2014/main" val="2616514354"/>
+                  </a:ext>
+                </a:extLst>
+              </a:tr>
+              <a:tr h="370840">
+                <a:tc>
+                  <a:txBody>
+                    <a:bodyPr/>
+                    <a:lstStyle/>
+                    <a:p>
+                      <a:r>
+                        <a:rPr lang="es-CO" sz="1400" dirty="0"/>
+                        <a:t>Características</a:t>
+                      </a:r>
+                    </a:p>
+                  </a:txBody>
+                  <a:tcPr/>
+                </a:tc>
+                <a:tc>
+                  <a:txBody>
+                    <a:bodyPr/>
+                    <a:lstStyle/>
+                    <a:p>
+                      <a:r>
+                        <a:rPr lang="es-CO" sz="1400" dirty="0"/>
+                        <a:t>El usuario administrador puede modificar información de los usuarios docente y estudiante.</a:t>
+                      </a:r>
+                    </a:p>
+                  </a:txBody>
+                  <a:tcPr/>
+                </a:tc>
+                <a:extLst>
+                  <a:ext uri="{0D108BD9-81ED-4DB2-BD59-A6C34878D82A}">
+                    <a16:rowId xmlns:a16="http://schemas.microsoft.com/office/drawing/2014/main" val="1942680024"/>
+                  </a:ext>
+                </a:extLst>
+              </a:tr>
+              <a:tr h="370840">
+                <a:tc>
+                  <a:txBody>
+                    <a:bodyPr/>
+                    <a:lstStyle/>
+                    <a:p>
+                      <a:r>
+                        <a:rPr lang="es-CO" sz="1400" dirty="0"/>
+                        <a:t>Descripción del requerimiento</a:t>
+                      </a:r>
+                    </a:p>
+                  </a:txBody>
+                  <a:tcPr/>
+                </a:tc>
+                <a:tc>
+                  <a:txBody>
+                    <a:bodyPr/>
+                    <a:lstStyle/>
+                    <a:p>
+                      <a:pPr marL="0" marR="0" lvl="0" indent="0" algn="l" defTabSz="914400" rtl="0" eaLnBrk="1" fontAlgn="auto" latinLnBrk="0" hangingPunct="1">
+                        <a:lnSpc>
+                          <a:spcPct val="100000"/>
+                        </a:lnSpc>
+                        <a:spcBef>
+                          <a:spcPts val="0"/>
+                        </a:spcBef>
+                        <a:spcAft>
+                          <a:spcPts val="0"/>
+                        </a:spcAft>
+                        <a:buClrTx/>
+                        <a:buSzTx/>
+                        <a:buFontTx/>
+                        <a:buNone/>
+                        <a:tabLst/>
+                        <a:defRPr/>
+                      </a:pPr>
+                      <a:r>
+                        <a:rPr lang="es-CO" sz="1400" dirty="0"/>
+                        <a:t>El sistema permite al usuario administrador modificar información de los usuarios docente y estudiante.</a:t>
+                      </a:r>
+                    </a:p>
+                    <a:p>
+                      <a:endParaRPr lang="es-CO" sz="1400" dirty="0"/>
+                    </a:p>
+                  </a:txBody>
+                  <a:tcPr/>
+                </a:tc>
+                <a:extLst>
+                  <a:ext uri="{0D108BD9-81ED-4DB2-BD59-A6C34878D82A}">
+                    <a16:rowId xmlns:a16="http://schemas.microsoft.com/office/drawing/2014/main" val="2968710298"/>
+                  </a:ext>
+                </a:extLst>
+              </a:tr>
+              <a:tr h="370840">
+                <a:tc>
+                  <a:txBody>
+                    <a:bodyPr/>
+                    <a:lstStyle/>
+                    <a:p>
+                      <a:r>
+                        <a:rPr lang="es-CO" sz="1400" dirty="0"/>
+                        <a:t>Requerimientos no funcionales</a:t>
+                      </a:r>
+                    </a:p>
+                  </a:txBody>
+                  <a:tcPr/>
+                </a:tc>
+                <a:tc>
+                  <a:txBody>
+                    <a:bodyPr/>
+                    <a:lstStyle/>
+                    <a:p>
+                      <a:r>
+                        <a:rPr lang="es-CO" sz="1400" dirty="0"/>
+                        <a:t>RNF01</a:t>
+                      </a:r>
+                    </a:p>
+                    <a:p>
+                      <a:r>
+                        <a:rPr lang="es-CO" sz="1400" dirty="0"/>
+                        <a:t>RNF08</a:t>
+                      </a:r>
+                    </a:p>
+                    <a:p>
+                      <a:r>
+                        <a:rPr lang="es-CO" sz="1400" dirty="0"/>
+                        <a:t>RNF09</a:t>
+                      </a:r>
+                    </a:p>
+                    <a:p>
+                      <a:r>
+                        <a:rPr lang="es-CO" sz="1400" dirty="0"/>
+                        <a:t>RNF10</a:t>
+                      </a:r>
+                    </a:p>
+                    <a:p>
+                      <a:r>
+                        <a:rPr lang="es-CO" sz="1400" dirty="0"/>
+                        <a:t>RNF11</a:t>
+                      </a:r>
+                    </a:p>
+                    <a:p>
+                      <a:r>
+                        <a:rPr lang="es-CO" sz="1400" dirty="0"/>
+                        <a:t>RNF13</a:t>
+                      </a:r>
+                    </a:p>
+                    <a:p>
+                      <a:r>
+                        <a:rPr lang="es-CO" sz="1400" dirty="0"/>
+                        <a:t>RNF14</a:t>
+                      </a:r>
+                    </a:p>
+                    <a:p>
+                      <a:r>
+                        <a:rPr lang="es-CO" sz="1400" dirty="0"/>
+                        <a:t>RNF15</a:t>
+                      </a:r>
+                    </a:p>
+                    <a:p>
+                      <a:r>
+                        <a:rPr lang="es-CO" sz="1400" dirty="0"/>
+                        <a:t>RNF16</a:t>
+                      </a:r>
+                    </a:p>
+                  </a:txBody>
+                  <a:tcPr/>
+                </a:tc>
+                <a:extLst>
+                  <a:ext uri="{0D108BD9-81ED-4DB2-BD59-A6C34878D82A}">
+                    <a16:rowId xmlns:a16="http://schemas.microsoft.com/office/drawing/2014/main" val="302045704"/>
+                  </a:ext>
+                </a:extLst>
+              </a:tr>
+              <a:tr h="370840">
+                <a:tc>
+                  <a:txBody>
+                    <a:bodyPr/>
+                    <a:lstStyle/>
+                    <a:p>
+                      <a:r>
+                        <a:rPr lang="es-CO" sz="1400" dirty="0"/>
+                        <a:t>Prioridad del requerimiento</a:t>
+                      </a:r>
+                    </a:p>
+                  </a:txBody>
+                  <a:tcPr/>
+                </a:tc>
+                <a:tc>
+                  <a:txBody>
+                    <a:bodyPr/>
+                    <a:lstStyle/>
+                    <a:p>
+                      <a:r>
+                        <a:rPr lang="es-CO" sz="1400" dirty="0"/>
+                        <a:t>Alta</a:t>
+                      </a:r>
+                    </a:p>
+                  </a:txBody>
+                  <a:tcPr/>
+                </a:tc>
+                <a:extLst>
+                  <a:ext uri="{0D108BD9-81ED-4DB2-BD59-A6C34878D82A}">
+                    <a16:rowId xmlns:a16="http://schemas.microsoft.com/office/drawing/2014/main" val="2916724385"/>
+                  </a:ext>
+                </a:extLst>
+              </a:tr>
+            </a:tbl>
+          </a:graphicData>
+        </a:graphic>
+      </p:graphicFrame>
+    </p:spTree>
+    <p:extLst>
+      <p:ext uri="{BB962C8B-B14F-4D97-AF65-F5344CB8AC3E}">
+        <p14:creationId xmlns:p14="http://schemas.microsoft.com/office/powerpoint/2010/main" val="1548600038"/>
+      </p:ext>
+    </p:extLst>
+  </p:cSld>
+  <p:clrMapOvr>
+    <a:masterClrMapping/>
+  </p:clrMapOvr>
+</p:sld>
+</file>
+
+<file path=ppt/slides/slide41.xml><?xml version="1.0" encoding="utf-8"?>
+<p:sld xmlns:a="http://schemas.openxmlformats.org/drawingml/2006/main" xmlns:r="http://schemas.openxmlformats.org/officeDocument/2006/relationships" xmlns:p="http://schemas.openxmlformats.org/presentationml/2006/main">
+  <p:cSld>
+    <p:spTree>
+      <p:nvGrpSpPr>
+        <p:cNvPr id="1" name=""/>
+        <p:cNvGrpSpPr/>
+        <p:nvPr/>
+      </p:nvGrpSpPr>
+      <p:grpSpPr>
+        <a:xfrm>
+          <a:off x="0" y="0"/>
+          <a:ext cx="0" cy="0"/>
+          <a:chOff x="0" y="0"/>
+          <a:chExt cx="0" cy="0"/>
+        </a:xfrm>
+      </p:grpSpPr>
+      <p:sp>
+        <p:nvSpPr>
+          <p:cNvPr id="2" name="Título 1">
+            <a:extLst>
+              <a:ext uri="{FF2B5EF4-FFF2-40B4-BE49-F238E27FC236}">
+                <a16:creationId xmlns:a16="http://schemas.microsoft.com/office/drawing/2014/main" id="{A544CF25-2F8F-BC45-9D5E-B7214CD84D05}"/>
+              </a:ext>
+            </a:extLst>
+          </p:cNvPr>
+          <p:cNvSpPr>
+            <a:spLocks noGrp="1"/>
+          </p:cNvSpPr>
+          <p:nvPr>
+            <p:ph type="title"/>
+          </p:nvPr>
+        </p:nvSpPr>
+        <p:spPr/>
+        <p:txBody>
+          <a:bodyPr/>
+          <a:lstStyle/>
+          <a:p>
+            <a:r>
+              <a:rPr lang="es-CO" dirty="0"/>
+              <a:t>Requerimientos funcionales</a:t>
+            </a:r>
+          </a:p>
+        </p:txBody>
+      </p:sp>
+      <p:graphicFrame>
+        <p:nvGraphicFramePr>
+          <p:cNvPr id="4" name="Tabla 4">
+            <a:extLst>
+              <a:ext uri="{FF2B5EF4-FFF2-40B4-BE49-F238E27FC236}">
+                <a16:creationId xmlns:a16="http://schemas.microsoft.com/office/drawing/2014/main" id="{104B1BC5-C194-6A4D-BF36-86B68BC29C6E}"/>
+              </a:ext>
+            </a:extLst>
+          </p:cNvPr>
+          <p:cNvGraphicFramePr>
+            <a:graphicFrameLocks noGrp="1"/>
+          </p:cNvGraphicFramePr>
+          <p:nvPr>
+            <p:ph idx="1"/>
+            <p:extLst>
+              <p:ext uri="{D42A27DB-BD31-4B8C-83A1-F6EECF244321}">
+                <p14:modId xmlns:p14="http://schemas.microsoft.com/office/powerpoint/2010/main" val="3090622858"/>
+              </p:ext>
+            </p:extLst>
+          </p:nvPr>
+        </p:nvGraphicFramePr>
+        <p:xfrm>
+          <a:off x="5118100" y="803275"/>
+          <a:ext cx="6281738" cy="5440680"/>
+        </p:xfrm>
+        <a:graphic>
+          <a:graphicData uri="http://schemas.openxmlformats.org/drawingml/2006/table">
+            <a:tbl>
+              <a:tblPr firstRow="1" bandRow="1">
+                <a:tableStyleId>{5C22544A-7EE6-4342-B048-85BDC9FD1C3A}</a:tableStyleId>
+              </a:tblPr>
+              <a:tblGrid>
+                <a:gridCol w="3140869">
+                  <a:extLst>
+                    <a:ext uri="{9D8B030D-6E8A-4147-A177-3AD203B41FA5}">
+                      <a16:colId xmlns:a16="http://schemas.microsoft.com/office/drawing/2014/main" val="1589146686"/>
+                    </a:ext>
+                  </a:extLst>
+                </a:gridCol>
+                <a:gridCol w="3140869">
+                  <a:extLst>
+                    <a:ext uri="{9D8B030D-6E8A-4147-A177-3AD203B41FA5}">
+                      <a16:colId xmlns:a16="http://schemas.microsoft.com/office/drawing/2014/main" val="1463651238"/>
+                    </a:ext>
+                  </a:extLst>
+                </a:gridCol>
+              </a:tblGrid>
+              <a:tr h="370840">
+                <a:tc>
+                  <a:txBody>
+                    <a:bodyPr/>
+                    <a:lstStyle/>
+                    <a:p>
+                      <a:r>
+                        <a:rPr lang="es-CO" sz="1400" dirty="0"/>
+                        <a:t>Identificación del requerimiento</a:t>
+                      </a:r>
+                    </a:p>
+                  </a:txBody>
+                  <a:tcPr/>
+                </a:tc>
+                <a:tc>
+                  <a:txBody>
+                    <a:bodyPr/>
+                    <a:lstStyle/>
+                    <a:p>
+                      <a:r>
+                        <a:rPr lang="es-CO" sz="1400" dirty="0"/>
+                        <a:t>RF008</a:t>
+                      </a:r>
+                    </a:p>
+                  </a:txBody>
+                  <a:tcPr/>
+                </a:tc>
+                <a:extLst>
+                  <a:ext uri="{0D108BD9-81ED-4DB2-BD59-A6C34878D82A}">
+                    <a16:rowId xmlns:a16="http://schemas.microsoft.com/office/drawing/2014/main" val="3568786682"/>
+                  </a:ext>
+                </a:extLst>
+              </a:tr>
+              <a:tr h="370840">
+                <a:tc>
+                  <a:txBody>
+                    <a:bodyPr/>
+                    <a:lstStyle/>
+                    <a:p>
+                      <a:r>
+                        <a:rPr lang="es-CO" sz="1400" dirty="0"/>
+                        <a:t>Nombre del requerimiento</a:t>
+                      </a:r>
+                    </a:p>
+                  </a:txBody>
+                  <a:tcPr/>
+                </a:tc>
+                <a:tc>
+                  <a:txBody>
+                    <a:bodyPr/>
+                    <a:lstStyle/>
+                    <a:p>
+                      <a:r>
+                        <a:rPr lang="es-CO" sz="1400" dirty="0"/>
+                        <a:t>Habilitar el sistema</a:t>
+                      </a:r>
+                    </a:p>
+                  </a:txBody>
+                  <a:tcPr/>
+                </a:tc>
+                <a:extLst>
+                  <a:ext uri="{0D108BD9-81ED-4DB2-BD59-A6C34878D82A}">
+                    <a16:rowId xmlns:a16="http://schemas.microsoft.com/office/drawing/2014/main" val="2616514354"/>
+                  </a:ext>
+                </a:extLst>
+              </a:tr>
+              <a:tr h="370840">
+                <a:tc>
+                  <a:txBody>
+                    <a:bodyPr/>
+                    <a:lstStyle/>
+                    <a:p>
+                      <a:r>
+                        <a:rPr lang="es-CO" sz="1400" dirty="0"/>
+                        <a:t>Características</a:t>
+                      </a:r>
+                    </a:p>
+                  </a:txBody>
+                  <a:tcPr/>
+                </a:tc>
+                <a:tc>
+                  <a:txBody>
+                    <a:bodyPr/>
+                    <a:lstStyle/>
+                    <a:p>
+                      <a:r>
+                        <a:rPr lang="es-CO" sz="1400" dirty="0"/>
+                        <a:t>El usuario administrador puede habilitar el funcionamiento del sistema para los usuarios docente y estudiante.</a:t>
+                      </a:r>
+                    </a:p>
+                  </a:txBody>
+                  <a:tcPr/>
+                </a:tc>
+                <a:extLst>
+                  <a:ext uri="{0D108BD9-81ED-4DB2-BD59-A6C34878D82A}">
+                    <a16:rowId xmlns:a16="http://schemas.microsoft.com/office/drawing/2014/main" val="1942680024"/>
+                  </a:ext>
+                </a:extLst>
+              </a:tr>
+              <a:tr h="370840">
+                <a:tc>
+                  <a:txBody>
+                    <a:bodyPr/>
+                    <a:lstStyle/>
+                    <a:p>
+                      <a:r>
+                        <a:rPr lang="es-CO" sz="1400" dirty="0"/>
+                        <a:t>Descripción del requerimiento</a:t>
+                      </a:r>
+                    </a:p>
+                  </a:txBody>
+                  <a:tcPr/>
+                </a:tc>
+                <a:tc>
+                  <a:txBody>
+                    <a:bodyPr/>
+                    <a:lstStyle/>
+                    <a:p>
+                      <a:pPr marL="0" marR="0" lvl="0" indent="0" algn="l" defTabSz="914400" rtl="0" eaLnBrk="1" fontAlgn="auto" latinLnBrk="0" hangingPunct="1">
+                        <a:lnSpc>
+                          <a:spcPct val="100000"/>
+                        </a:lnSpc>
+                        <a:spcBef>
+                          <a:spcPts val="0"/>
+                        </a:spcBef>
+                        <a:spcAft>
+                          <a:spcPts val="0"/>
+                        </a:spcAft>
+                        <a:buClrTx/>
+                        <a:buSzTx/>
+                        <a:buFontTx/>
+                        <a:buNone/>
+                        <a:tabLst/>
+                        <a:defRPr/>
+                      </a:pPr>
+                      <a:r>
+                        <a:rPr lang="es-CO" sz="1400" dirty="0"/>
+                        <a:t>El sistema permite al usuario administrador habilitar y deshabilitar el funcionamiento del sistema para los usuarios docente y estudiante.</a:t>
+                      </a:r>
+                    </a:p>
+                    <a:p>
+                      <a:endParaRPr lang="es-CO" sz="1400" dirty="0"/>
+                    </a:p>
+                  </a:txBody>
+                  <a:tcPr/>
+                </a:tc>
+                <a:extLst>
+                  <a:ext uri="{0D108BD9-81ED-4DB2-BD59-A6C34878D82A}">
+                    <a16:rowId xmlns:a16="http://schemas.microsoft.com/office/drawing/2014/main" val="2968710298"/>
+                  </a:ext>
+                </a:extLst>
+              </a:tr>
+              <a:tr h="370840">
+                <a:tc>
+                  <a:txBody>
+                    <a:bodyPr/>
+                    <a:lstStyle/>
+                    <a:p>
+                      <a:r>
+                        <a:rPr lang="es-CO" sz="1400" dirty="0"/>
+                        <a:t>Requerimientos no funcionales</a:t>
+                      </a:r>
+                    </a:p>
+                  </a:txBody>
+                  <a:tcPr/>
+                </a:tc>
+                <a:tc>
+                  <a:txBody>
+                    <a:bodyPr/>
+                    <a:lstStyle/>
+                    <a:p>
+                      <a:r>
+                        <a:rPr lang="es-CO" sz="1400" dirty="0"/>
+                        <a:t>RNF01</a:t>
+                      </a:r>
+                    </a:p>
+                    <a:p>
+                      <a:r>
+                        <a:rPr lang="es-CO" sz="1400" dirty="0"/>
+                        <a:t>RNF08</a:t>
+                      </a:r>
+                    </a:p>
+                    <a:p>
+                      <a:r>
+                        <a:rPr lang="es-CO" sz="1400" dirty="0"/>
+                        <a:t>RNF09</a:t>
+                      </a:r>
+                    </a:p>
+                    <a:p>
+                      <a:r>
+                        <a:rPr lang="es-CO" sz="1400" dirty="0"/>
+                        <a:t>RNF10</a:t>
+                      </a:r>
+                    </a:p>
+                    <a:p>
+                      <a:r>
+                        <a:rPr lang="es-CO" sz="1400" dirty="0"/>
+                        <a:t>RNF11</a:t>
+                      </a:r>
+                    </a:p>
+                    <a:p>
+                      <a:r>
+                        <a:rPr lang="es-CO" sz="1400" dirty="0"/>
+                        <a:t>RNF13</a:t>
+                      </a:r>
+                    </a:p>
+                    <a:p>
+                      <a:r>
+                        <a:rPr lang="es-CO" sz="1400" dirty="0"/>
+                        <a:t>RNF14</a:t>
+                      </a:r>
+                    </a:p>
+                    <a:p>
+                      <a:r>
+                        <a:rPr lang="es-CO" sz="1400" dirty="0"/>
+                        <a:t>RNF15</a:t>
+                      </a:r>
+                    </a:p>
+                    <a:p>
+                      <a:r>
+                        <a:rPr lang="es-CO" sz="1400" dirty="0"/>
+                        <a:t>RNF16</a:t>
+                      </a:r>
+                    </a:p>
+                  </a:txBody>
+                  <a:tcPr/>
+                </a:tc>
+                <a:extLst>
+                  <a:ext uri="{0D108BD9-81ED-4DB2-BD59-A6C34878D82A}">
+                    <a16:rowId xmlns:a16="http://schemas.microsoft.com/office/drawing/2014/main" val="302045704"/>
+                  </a:ext>
+                </a:extLst>
+              </a:tr>
+              <a:tr h="370840">
+                <a:tc>
+                  <a:txBody>
+                    <a:bodyPr/>
+                    <a:lstStyle/>
+                    <a:p>
+                      <a:r>
+                        <a:rPr lang="es-CO" sz="1400" dirty="0"/>
+                        <a:t>Prioridad del requerimiento</a:t>
+                      </a:r>
+                    </a:p>
+                  </a:txBody>
+                  <a:tcPr/>
+                </a:tc>
+                <a:tc>
+                  <a:txBody>
+                    <a:bodyPr/>
+                    <a:lstStyle/>
+                    <a:p>
+                      <a:r>
+                        <a:rPr lang="es-CO" sz="1400" dirty="0"/>
+                        <a:t>Alta</a:t>
+                      </a:r>
+                    </a:p>
+                  </a:txBody>
+                  <a:tcPr/>
+                </a:tc>
+                <a:extLst>
+                  <a:ext uri="{0D108BD9-81ED-4DB2-BD59-A6C34878D82A}">
+                    <a16:rowId xmlns:a16="http://schemas.microsoft.com/office/drawing/2014/main" val="2916724385"/>
+                  </a:ext>
+                </a:extLst>
+              </a:tr>
+            </a:tbl>
+          </a:graphicData>
+        </a:graphic>
+      </p:graphicFrame>
+    </p:spTree>
+    <p:extLst>
+      <p:ext uri="{BB962C8B-B14F-4D97-AF65-F5344CB8AC3E}">
+        <p14:creationId xmlns:p14="http://schemas.microsoft.com/office/powerpoint/2010/main" val="3573408142"/>
+      </p:ext>
+    </p:extLst>
+  </p:cSld>
+  <p:clrMapOvr>
+    <a:masterClrMapping/>
+  </p:clrMapOvr>
+</p:sld>
+</file>
+
+<file path=ppt/slides/slide42.xml><?xml version="1.0" encoding="utf-8"?>
+<p:sld xmlns:a="http://schemas.openxmlformats.org/drawingml/2006/main" xmlns:r="http://schemas.openxmlformats.org/officeDocument/2006/relationships" xmlns:p="http://schemas.openxmlformats.org/presentationml/2006/main">
+  <p:cSld>
+    <p:spTree>
+      <p:nvGrpSpPr>
+        <p:cNvPr id="1" name=""/>
+        <p:cNvGrpSpPr/>
+        <p:nvPr/>
+      </p:nvGrpSpPr>
+      <p:grpSpPr>
+        <a:xfrm>
+          <a:off x="0" y="0"/>
+          <a:ext cx="0" cy="0"/>
+          <a:chOff x="0" y="0"/>
+          <a:chExt cx="0" cy="0"/>
+        </a:xfrm>
+      </p:grpSpPr>
+      <p:sp>
+        <p:nvSpPr>
+          <p:cNvPr id="2" name="Título 1">
+            <a:extLst>
+              <a:ext uri="{FF2B5EF4-FFF2-40B4-BE49-F238E27FC236}">
+                <a16:creationId xmlns:a16="http://schemas.microsoft.com/office/drawing/2014/main" id="{A544CF25-2F8F-BC45-9D5E-B7214CD84D05}"/>
+              </a:ext>
+            </a:extLst>
+          </p:cNvPr>
+          <p:cNvSpPr>
+            <a:spLocks noGrp="1"/>
+          </p:cNvSpPr>
+          <p:nvPr>
+            <p:ph type="title"/>
+          </p:nvPr>
+        </p:nvSpPr>
+        <p:spPr/>
+        <p:txBody>
+          <a:bodyPr/>
+          <a:lstStyle/>
+          <a:p>
+            <a:r>
+              <a:rPr lang="es-CO" dirty="0"/>
+              <a:t>Requerimientos funcionales</a:t>
+            </a:r>
+          </a:p>
+        </p:txBody>
+      </p:sp>
+      <p:graphicFrame>
+        <p:nvGraphicFramePr>
+          <p:cNvPr id="4" name="Tabla 4">
+            <a:extLst>
+              <a:ext uri="{FF2B5EF4-FFF2-40B4-BE49-F238E27FC236}">
+                <a16:creationId xmlns:a16="http://schemas.microsoft.com/office/drawing/2014/main" id="{104B1BC5-C194-6A4D-BF36-86B68BC29C6E}"/>
+              </a:ext>
+            </a:extLst>
+          </p:cNvPr>
+          <p:cNvGraphicFramePr>
+            <a:graphicFrameLocks noGrp="1"/>
+          </p:cNvGraphicFramePr>
+          <p:nvPr>
+            <p:ph idx="1"/>
+            <p:extLst>
+              <p:ext uri="{D42A27DB-BD31-4B8C-83A1-F6EECF244321}">
                 <p14:modId xmlns:p14="http://schemas.microsoft.com/office/powerpoint/2010/main" val="942110947"/>
               </p:ext>
             </p:extLst>
@@ -21360,7 +21592,7 @@
 </p:sld>
 </file>
 
-<file path=ppt/slides/slide41.xml><?xml version="1.0" encoding="utf-8"?>
+<file path=ppt/slides/slide43.xml><?xml version="1.0" encoding="utf-8"?>
 <p:sld xmlns:a="http://schemas.openxmlformats.org/drawingml/2006/main" xmlns:r="http://schemas.openxmlformats.org/officeDocument/2006/relationships" xmlns:p="http://schemas.openxmlformats.org/presentationml/2006/main">
   <p:cSld>
     <p:spTree>
@@ -21735,7 +21967,7 @@
 </p:sld>
 </file>
 
-<file path=ppt/slides/slide42.xml><?xml version="1.0" encoding="utf-8"?>
+<file path=ppt/slides/slide44.xml><?xml version="1.0" encoding="utf-8"?>
 <p:sld xmlns:a="http://schemas.openxmlformats.org/drawingml/2006/main" xmlns:r="http://schemas.openxmlformats.org/officeDocument/2006/relationships" xmlns:p="http://schemas.openxmlformats.org/presentationml/2006/main">
   <p:cSld>
     <p:spTree>
@@ -22110,7 +22342,7 @@
 </p:sld>
 </file>
 
-<file path=ppt/slides/slide43.xml><?xml version="1.0" encoding="utf-8"?>
+<file path=ppt/slides/slide45.xml><?xml version="1.0" encoding="utf-8"?>
 <p:sld xmlns:a="http://schemas.openxmlformats.org/drawingml/2006/main" xmlns:r="http://schemas.openxmlformats.org/officeDocument/2006/relationships" xmlns:p="http://schemas.openxmlformats.org/presentationml/2006/main">
   <p:cSld>
     <p:spTree>
@@ -22485,7 +22717,7 @@
 </p:sld>
 </file>
 
-<file path=ppt/slides/slide44.xml><?xml version="1.0" encoding="utf-8"?>
+<file path=ppt/slides/slide46.xml><?xml version="1.0" encoding="utf-8"?>
 <p:sld xmlns:a="http://schemas.openxmlformats.org/drawingml/2006/main" xmlns:r="http://schemas.openxmlformats.org/officeDocument/2006/relationships" xmlns:p="http://schemas.openxmlformats.org/presentationml/2006/main">
   <p:cSld>
     <p:spTree>
@@ -22860,7 +23092,7 @@
 </p:sld>
 </file>
 
-<file path=ppt/slides/slide45.xml><?xml version="1.0" encoding="utf-8"?>
+<file path=ppt/slides/slide47.xml><?xml version="1.0" encoding="utf-8"?>
 <p:sld xmlns:a="http://schemas.openxmlformats.org/drawingml/2006/main" xmlns:r="http://schemas.openxmlformats.org/officeDocument/2006/relationships" xmlns:p="http://schemas.openxmlformats.org/presentationml/2006/main">
   <p:cSld>
     <p:spTree>
@@ -23259,7 +23491,7 @@
 </p:sld>
 </file>
 
-<file path=ppt/slides/slide46.xml><?xml version="1.0" encoding="utf-8"?>
+<file path=ppt/slides/slide48.xml><?xml version="1.0" encoding="utf-8"?>
 <p:sld xmlns:a="http://schemas.openxmlformats.org/drawingml/2006/main" xmlns:r="http://schemas.openxmlformats.org/officeDocument/2006/relationships" xmlns:p="http://schemas.openxmlformats.org/presentationml/2006/main">
   <p:cSld>
     <p:spTree>
@@ -23634,7 +23866,7 @@
 </p:sld>
 </file>
 
-<file path=ppt/slides/slide47.xml><?xml version="1.0" encoding="utf-8"?>
+<file path=ppt/slides/slide49.xml><?xml version="1.0" encoding="utf-8"?>
 <p:sld xmlns:a="http://schemas.openxmlformats.org/drawingml/2006/main" xmlns:r="http://schemas.openxmlformats.org/officeDocument/2006/relationships" xmlns:p="http://schemas.openxmlformats.org/presentationml/2006/main">
   <p:cSld>
     <p:spTree>
@@ -24000,377 +24232,6 @@
     <p:extLst>
       <p:ext uri="{BB962C8B-B14F-4D97-AF65-F5344CB8AC3E}">
         <p14:creationId xmlns:p14="http://schemas.microsoft.com/office/powerpoint/2010/main" val="2665762195"/>
-      </p:ext>
-    </p:extLst>
-  </p:cSld>
-  <p:clrMapOvr>
-    <a:masterClrMapping/>
-  </p:clrMapOvr>
-</p:sld>
-</file>
-
-<file path=ppt/slides/slide48.xml><?xml version="1.0" encoding="utf-8"?>
-<p:sld xmlns:a="http://schemas.openxmlformats.org/drawingml/2006/main" xmlns:r="http://schemas.openxmlformats.org/officeDocument/2006/relationships" xmlns:p="http://schemas.openxmlformats.org/presentationml/2006/main">
-  <p:cSld>
-    <p:spTree>
-      <p:nvGrpSpPr>
-        <p:cNvPr id="1" name=""/>
-        <p:cNvGrpSpPr/>
-        <p:nvPr/>
-      </p:nvGrpSpPr>
-      <p:grpSpPr>
-        <a:xfrm>
-          <a:off x="0" y="0"/>
-          <a:ext cx="0" cy="0"/>
-          <a:chOff x="0" y="0"/>
-          <a:chExt cx="0" cy="0"/>
-        </a:xfrm>
-      </p:grpSpPr>
-      <p:sp>
-        <p:nvSpPr>
-          <p:cNvPr id="2" name="Título 1">
-            <a:extLst>
-              <a:ext uri="{FF2B5EF4-FFF2-40B4-BE49-F238E27FC236}">
-                <a16:creationId xmlns:a16="http://schemas.microsoft.com/office/drawing/2014/main" id="{F309AD44-898D-45CE-85F6-9EECB26B077E}"/>
-              </a:ext>
-            </a:extLst>
-          </p:cNvPr>
-          <p:cNvSpPr>
-            <a:spLocks noGrp="1"/>
-          </p:cNvSpPr>
-          <p:nvPr>
-            <p:ph type="title"/>
-          </p:nvPr>
-        </p:nvSpPr>
-        <p:spPr/>
-        <p:txBody>
-          <a:bodyPr/>
-          <a:lstStyle/>
-          <a:p>
-            <a:r>
-              <a:rPr lang="es-CO" dirty="0"/>
-              <a:t>Requerimientos no funcionales</a:t>
-            </a:r>
-          </a:p>
-        </p:txBody>
-      </p:sp>
-      <p:sp>
-        <p:nvSpPr>
-          <p:cNvPr id="4" name="CuadroTexto 3">
-            <a:extLst>
-              <a:ext uri="{FF2B5EF4-FFF2-40B4-BE49-F238E27FC236}">
-                <a16:creationId xmlns:a16="http://schemas.microsoft.com/office/drawing/2014/main" id="{CA34E6EB-47ED-4468-93F2-D039D755F562}"/>
-              </a:ext>
-            </a:extLst>
-          </p:cNvPr>
-          <p:cNvSpPr txBox="1"/>
-          <p:nvPr/>
-        </p:nvSpPr>
-        <p:spPr>
-          <a:xfrm>
-            <a:off x="4755220" y="2424767"/>
-            <a:ext cx="6231648" cy="923330"/>
-          </a:xfrm>
-          <a:prstGeom prst="rect">
-            <a:avLst/>
-          </a:prstGeom>
-          <a:noFill/>
-        </p:spPr>
-        <p:txBody>
-          <a:bodyPr wrap="square">
-            <a:spAutoFit/>
-          </a:bodyPr>
-          <a:lstStyle/>
-          <a:p>
-            <a:pPr algn="just"/>
-            <a:r>
-              <a:rPr lang="es-CO" dirty="0"/>
-              <a:t>Tienen que ver con características que pueden limitar al sistema, como el rendimiento, la compatibilidad, interfaces, etcétera (</a:t>
-            </a:r>
-            <a:r>
-              <a:rPr lang="es-CO" dirty="0" err="1"/>
-              <a:t>Árias</a:t>
-            </a:r>
-            <a:r>
-              <a:rPr lang="es-CO" dirty="0"/>
-              <a:t> Chaves, 2005).</a:t>
-            </a:r>
-          </a:p>
-        </p:txBody>
-      </p:sp>
-    </p:spTree>
-    <p:extLst>
-      <p:ext uri="{BB962C8B-B14F-4D97-AF65-F5344CB8AC3E}">
-        <p14:creationId xmlns:p14="http://schemas.microsoft.com/office/powerpoint/2010/main" val="254431995"/>
-      </p:ext>
-    </p:extLst>
-  </p:cSld>
-  <p:clrMapOvr>
-    <a:masterClrMapping/>
-  </p:clrMapOvr>
-</p:sld>
-</file>
-
-<file path=ppt/slides/slide49.xml><?xml version="1.0" encoding="utf-8"?>
-<p:sld xmlns:a="http://schemas.openxmlformats.org/drawingml/2006/main" xmlns:r="http://schemas.openxmlformats.org/officeDocument/2006/relationships" xmlns:p="http://schemas.openxmlformats.org/presentationml/2006/main">
-  <p:cSld>
-    <p:spTree>
-      <p:nvGrpSpPr>
-        <p:cNvPr id="1" name=""/>
-        <p:cNvGrpSpPr/>
-        <p:nvPr/>
-      </p:nvGrpSpPr>
-      <p:grpSpPr>
-        <a:xfrm>
-          <a:off x="0" y="0"/>
-          <a:ext cx="0" cy="0"/>
-          <a:chOff x="0" y="0"/>
-          <a:chExt cx="0" cy="0"/>
-        </a:xfrm>
-      </p:grpSpPr>
-      <p:sp>
-        <p:nvSpPr>
-          <p:cNvPr id="2" name="Título 1">
-            <a:extLst>
-              <a:ext uri="{FF2B5EF4-FFF2-40B4-BE49-F238E27FC236}">
-                <a16:creationId xmlns:a16="http://schemas.microsoft.com/office/drawing/2014/main" id="{0DF8FDDE-7FF6-114B-95BB-26E67991BA49}"/>
-              </a:ext>
-            </a:extLst>
-          </p:cNvPr>
-          <p:cNvSpPr>
-            <a:spLocks noGrp="1"/>
-          </p:cNvSpPr>
-          <p:nvPr>
-            <p:ph type="title"/>
-          </p:nvPr>
-        </p:nvSpPr>
-        <p:spPr/>
-        <p:txBody>
-          <a:bodyPr/>
-          <a:lstStyle/>
-          <a:p>
-            <a:r>
-              <a:rPr lang="es-CO" dirty="0"/>
-              <a:t>Requerimientos no funcionales</a:t>
-            </a:r>
-          </a:p>
-        </p:txBody>
-      </p:sp>
-      <p:graphicFrame>
-        <p:nvGraphicFramePr>
-          <p:cNvPr id="4" name="Tabla 4">
-            <a:extLst>
-              <a:ext uri="{FF2B5EF4-FFF2-40B4-BE49-F238E27FC236}">
-                <a16:creationId xmlns:a16="http://schemas.microsoft.com/office/drawing/2014/main" id="{3275B20B-304D-3645-A6E7-687160D9B56D}"/>
-              </a:ext>
-            </a:extLst>
-          </p:cNvPr>
-          <p:cNvGraphicFramePr>
-            <a:graphicFrameLocks noGrp="1"/>
-          </p:cNvGraphicFramePr>
-          <p:nvPr>
-            <p:ph idx="1"/>
-          </p:nvPr>
-        </p:nvGraphicFramePr>
-        <p:xfrm>
-          <a:off x="5118100" y="803275"/>
-          <a:ext cx="6281738" cy="2931160"/>
-        </p:xfrm>
-        <a:graphic>
-          <a:graphicData uri="http://schemas.openxmlformats.org/drawingml/2006/table">
-            <a:tbl>
-              <a:tblPr firstRow="1" bandRow="1">
-                <a:tableStyleId>{5C22544A-7EE6-4342-B048-85BDC9FD1C3A}</a:tableStyleId>
-              </a:tblPr>
-              <a:tblGrid>
-                <a:gridCol w="3140869">
-                  <a:extLst>
-                    <a:ext uri="{9D8B030D-6E8A-4147-A177-3AD203B41FA5}">
-                      <a16:colId xmlns:a16="http://schemas.microsoft.com/office/drawing/2014/main" val="2405063638"/>
-                    </a:ext>
-                  </a:extLst>
-                </a:gridCol>
-                <a:gridCol w="3140869">
-                  <a:extLst>
-                    <a:ext uri="{9D8B030D-6E8A-4147-A177-3AD203B41FA5}">
-                      <a16:colId xmlns:a16="http://schemas.microsoft.com/office/drawing/2014/main" val="3099478781"/>
-                    </a:ext>
-                  </a:extLst>
-                </a:gridCol>
-              </a:tblGrid>
-              <a:tr h="370840">
-                <a:tc>
-                  <a:txBody>
-                    <a:bodyPr/>
-                    <a:lstStyle/>
-                    <a:p>
-                      <a:r>
-                        <a:rPr lang="es-CO" dirty="0"/>
-                        <a:t>Identificación del requerimiento</a:t>
-                      </a:r>
-                    </a:p>
-                  </a:txBody>
-                  <a:tcPr/>
-                </a:tc>
-                <a:tc>
-                  <a:txBody>
-                    <a:bodyPr/>
-                    <a:lstStyle/>
-                    <a:p>
-                      <a:r>
-                        <a:rPr lang="es-CO" dirty="0"/>
-                        <a:t>RNF01</a:t>
-                      </a:r>
-                    </a:p>
-                  </a:txBody>
-                  <a:tcPr/>
-                </a:tc>
-                <a:extLst>
-                  <a:ext uri="{0D108BD9-81ED-4DB2-BD59-A6C34878D82A}">
-                    <a16:rowId xmlns:a16="http://schemas.microsoft.com/office/drawing/2014/main" val="3120795479"/>
-                  </a:ext>
-                </a:extLst>
-              </a:tr>
-              <a:tr h="370840">
-                <a:tc>
-                  <a:txBody>
-                    <a:bodyPr/>
-                    <a:lstStyle/>
-                    <a:p>
-                      <a:r>
-                        <a:rPr lang="es-CO" dirty="0"/>
-                        <a:t>Nombre del requerimiento</a:t>
-                      </a:r>
-                    </a:p>
-                  </a:txBody>
-                  <a:tcPr/>
-                </a:tc>
-                <a:tc>
-                  <a:txBody>
-                    <a:bodyPr/>
-                    <a:lstStyle/>
-                    <a:p>
-                      <a:r>
-                        <a:rPr lang="es-CO" dirty="0"/>
-                        <a:t>Interfaz del sistema</a:t>
-                      </a:r>
-                    </a:p>
-                  </a:txBody>
-                  <a:tcPr/>
-                </a:tc>
-                <a:extLst>
-                  <a:ext uri="{0D108BD9-81ED-4DB2-BD59-A6C34878D82A}">
-                    <a16:rowId xmlns:a16="http://schemas.microsoft.com/office/drawing/2014/main" val="1343925762"/>
-                  </a:ext>
-                </a:extLst>
-              </a:tr>
-              <a:tr h="370840">
-                <a:tc>
-                  <a:txBody>
-                    <a:bodyPr/>
-                    <a:lstStyle/>
-                    <a:p>
-                      <a:r>
-                        <a:rPr lang="es-CO" dirty="0"/>
-                        <a:t>Caracterísitcas</a:t>
-                      </a:r>
-                    </a:p>
-                  </a:txBody>
-                  <a:tcPr/>
-                </a:tc>
-                <a:tc>
-                  <a:txBody>
-                    <a:bodyPr/>
-                    <a:lstStyle/>
-                    <a:p>
-                      <a:r>
-                        <a:rPr lang="es-CO" dirty="0"/>
-                        <a:t>El sistema debe ser sencillo y amigable para el usuario</a:t>
-                      </a:r>
-                    </a:p>
-                  </a:txBody>
-                  <a:tcPr/>
-                </a:tc>
-                <a:extLst>
-                  <a:ext uri="{0D108BD9-81ED-4DB2-BD59-A6C34878D82A}">
-                    <a16:rowId xmlns:a16="http://schemas.microsoft.com/office/drawing/2014/main" val="769886354"/>
-                  </a:ext>
-                </a:extLst>
-              </a:tr>
-              <a:tr h="370840">
-                <a:tc>
-                  <a:txBody>
-                    <a:bodyPr/>
-                    <a:lstStyle/>
-                    <a:p>
-                      <a:r>
-                        <a:rPr lang="es-CO" dirty="0"/>
-                        <a:t>Descripción del requerimiento</a:t>
-                      </a:r>
-                    </a:p>
-                  </a:txBody>
-                  <a:tcPr/>
-                </a:tc>
-                <a:tc>
-                  <a:txBody>
-                    <a:bodyPr/>
-                    <a:lstStyle/>
-                    <a:p>
-                      <a:r>
-                        <a:rPr lang="es-CO" dirty="0"/>
-                        <a:t>La interfaz debe ser sencilla</a:t>
-                      </a:r>
-                    </a:p>
-                  </a:txBody>
-                  <a:tcPr/>
-                </a:tc>
-                <a:extLst>
-                  <a:ext uri="{0D108BD9-81ED-4DB2-BD59-A6C34878D82A}">
-                    <a16:rowId xmlns:a16="http://schemas.microsoft.com/office/drawing/2014/main" val="2397840479"/>
-                  </a:ext>
-                </a:extLst>
-              </a:tr>
-              <a:tr h="370840">
-                <a:tc>
-                  <a:txBody>
-                    <a:bodyPr/>
-                    <a:lstStyle/>
-                    <a:p>
-                      <a:r>
-                        <a:rPr lang="es-CO" dirty="0"/>
-                        <a:t>Prioridad del requerimiento</a:t>
-                      </a:r>
-                    </a:p>
-                  </a:txBody>
-                  <a:tcPr/>
-                </a:tc>
-                <a:tc>
-                  <a:txBody>
-                    <a:bodyPr/>
-                    <a:lstStyle/>
-                    <a:p>
-                      <a:r>
-                        <a:rPr lang="es-CO" dirty="0"/>
-                        <a:t>Alta</a:t>
-                      </a:r>
-                    </a:p>
-                  </a:txBody>
-                  <a:tcPr/>
-                </a:tc>
-                <a:extLst>
-                  <a:ext uri="{0D108BD9-81ED-4DB2-BD59-A6C34878D82A}">
-                    <a16:rowId xmlns:a16="http://schemas.microsoft.com/office/drawing/2014/main" val="1876826554"/>
-                  </a:ext>
-                </a:extLst>
-              </a:tr>
-            </a:tbl>
-          </a:graphicData>
-        </a:graphic>
-      </p:graphicFrame>
-    </p:spTree>
-    <p:extLst>
-      <p:ext uri="{BB962C8B-B14F-4D97-AF65-F5344CB8AC3E}">
-        <p14:creationId xmlns:p14="http://schemas.microsoft.com/office/powerpoint/2010/main" val="3765484493"/>
       </p:ext>
     </p:extLst>
   </p:cSld>
@@ -24490,6 +24351,377 @@
           <p:cNvPr id="2" name="Título 1">
             <a:extLst>
               <a:ext uri="{FF2B5EF4-FFF2-40B4-BE49-F238E27FC236}">
+                <a16:creationId xmlns:a16="http://schemas.microsoft.com/office/drawing/2014/main" id="{F309AD44-898D-45CE-85F6-9EECB26B077E}"/>
+              </a:ext>
+            </a:extLst>
+          </p:cNvPr>
+          <p:cNvSpPr>
+            <a:spLocks noGrp="1"/>
+          </p:cNvSpPr>
+          <p:nvPr>
+            <p:ph type="title"/>
+          </p:nvPr>
+        </p:nvSpPr>
+        <p:spPr/>
+        <p:txBody>
+          <a:bodyPr/>
+          <a:lstStyle/>
+          <a:p>
+            <a:r>
+              <a:rPr lang="es-CO" dirty="0"/>
+              <a:t>Requerimientos no funcionales</a:t>
+            </a:r>
+          </a:p>
+        </p:txBody>
+      </p:sp>
+      <p:sp>
+        <p:nvSpPr>
+          <p:cNvPr id="4" name="CuadroTexto 3">
+            <a:extLst>
+              <a:ext uri="{FF2B5EF4-FFF2-40B4-BE49-F238E27FC236}">
+                <a16:creationId xmlns:a16="http://schemas.microsoft.com/office/drawing/2014/main" id="{CA34E6EB-47ED-4468-93F2-D039D755F562}"/>
+              </a:ext>
+            </a:extLst>
+          </p:cNvPr>
+          <p:cNvSpPr txBox="1"/>
+          <p:nvPr/>
+        </p:nvSpPr>
+        <p:spPr>
+          <a:xfrm>
+            <a:off x="4755220" y="2424767"/>
+            <a:ext cx="6231648" cy="923330"/>
+          </a:xfrm>
+          <a:prstGeom prst="rect">
+            <a:avLst/>
+          </a:prstGeom>
+          <a:noFill/>
+        </p:spPr>
+        <p:txBody>
+          <a:bodyPr wrap="square">
+            <a:spAutoFit/>
+          </a:bodyPr>
+          <a:lstStyle/>
+          <a:p>
+            <a:pPr algn="just"/>
+            <a:r>
+              <a:rPr lang="es-CO" dirty="0"/>
+              <a:t>Tienen que ver con características que pueden limitar al sistema, como el rendimiento, la compatibilidad, interfaces, etcétera (</a:t>
+            </a:r>
+            <a:r>
+              <a:rPr lang="es-CO" dirty="0" err="1"/>
+              <a:t>Árias</a:t>
+            </a:r>
+            <a:r>
+              <a:rPr lang="es-CO" dirty="0"/>
+              <a:t> Chaves, 2005).</a:t>
+            </a:r>
+          </a:p>
+        </p:txBody>
+      </p:sp>
+    </p:spTree>
+    <p:extLst>
+      <p:ext uri="{BB962C8B-B14F-4D97-AF65-F5344CB8AC3E}">
+        <p14:creationId xmlns:p14="http://schemas.microsoft.com/office/powerpoint/2010/main" val="254431995"/>
+      </p:ext>
+    </p:extLst>
+  </p:cSld>
+  <p:clrMapOvr>
+    <a:masterClrMapping/>
+  </p:clrMapOvr>
+</p:sld>
+</file>
+
+<file path=ppt/slides/slide51.xml><?xml version="1.0" encoding="utf-8"?>
+<p:sld xmlns:a="http://schemas.openxmlformats.org/drawingml/2006/main" xmlns:r="http://schemas.openxmlformats.org/officeDocument/2006/relationships" xmlns:p="http://schemas.openxmlformats.org/presentationml/2006/main">
+  <p:cSld>
+    <p:spTree>
+      <p:nvGrpSpPr>
+        <p:cNvPr id="1" name=""/>
+        <p:cNvGrpSpPr/>
+        <p:nvPr/>
+      </p:nvGrpSpPr>
+      <p:grpSpPr>
+        <a:xfrm>
+          <a:off x="0" y="0"/>
+          <a:ext cx="0" cy="0"/>
+          <a:chOff x="0" y="0"/>
+          <a:chExt cx="0" cy="0"/>
+        </a:xfrm>
+      </p:grpSpPr>
+      <p:sp>
+        <p:nvSpPr>
+          <p:cNvPr id="2" name="Título 1">
+            <a:extLst>
+              <a:ext uri="{FF2B5EF4-FFF2-40B4-BE49-F238E27FC236}">
+                <a16:creationId xmlns:a16="http://schemas.microsoft.com/office/drawing/2014/main" id="{0DF8FDDE-7FF6-114B-95BB-26E67991BA49}"/>
+              </a:ext>
+            </a:extLst>
+          </p:cNvPr>
+          <p:cNvSpPr>
+            <a:spLocks noGrp="1"/>
+          </p:cNvSpPr>
+          <p:nvPr>
+            <p:ph type="title"/>
+          </p:nvPr>
+        </p:nvSpPr>
+        <p:spPr/>
+        <p:txBody>
+          <a:bodyPr/>
+          <a:lstStyle/>
+          <a:p>
+            <a:r>
+              <a:rPr lang="es-CO" dirty="0"/>
+              <a:t>Requerimientos no funcionales</a:t>
+            </a:r>
+          </a:p>
+        </p:txBody>
+      </p:sp>
+      <p:graphicFrame>
+        <p:nvGraphicFramePr>
+          <p:cNvPr id="4" name="Tabla 4">
+            <a:extLst>
+              <a:ext uri="{FF2B5EF4-FFF2-40B4-BE49-F238E27FC236}">
+                <a16:creationId xmlns:a16="http://schemas.microsoft.com/office/drawing/2014/main" id="{3275B20B-304D-3645-A6E7-687160D9B56D}"/>
+              </a:ext>
+            </a:extLst>
+          </p:cNvPr>
+          <p:cNvGraphicFramePr>
+            <a:graphicFrameLocks noGrp="1"/>
+          </p:cNvGraphicFramePr>
+          <p:nvPr>
+            <p:ph idx="1"/>
+          </p:nvPr>
+        </p:nvGraphicFramePr>
+        <p:xfrm>
+          <a:off x="5118100" y="803275"/>
+          <a:ext cx="6281738" cy="2931160"/>
+        </p:xfrm>
+        <a:graphic>
+          <a:graphicData uri="http://schemas.openxmlformats.org/drawingml/2006/table">
+            <a:tbl>
+              <a:tblPr firstRow="1" bandRow="1">
+                <a:tableStyleId>{5C22544A-7EE6-4342-B048-85BDC9FD1C3A}</a:tableStyleId>
+              </a:tblPr>
+              <a:tblGrid>
+                <a:gridCol w="3140869">
+                  <a:extLst>
+                    <a:ext uri="{9D8B030D-6E8A-4147-A177-3AD203B41FA5}">
+                      <a16:colId xmlns:a16="http://schemas.microsoft.com/office/drawing/2014/main" val="2405063638"/>
+                    </a:ext>
+                  </a:extLst>
+                </a:gridCol>
+                <a:gridCol w="3140869">
+                  <a:extLst>
+                    <a:ext uri="{9D8B030D-6E8A-4147-A177-3AD203B41FA5}">
+                      <a16:colId xmlns:a16="http://schemas.microsoft.com/office/drawing/2014/main" val="3099478781"/>
+                    </a:ext>
+                  </a:extLst>
+                </a:gridCol>
+              </a:tblGrid>
+              <a:tr h="370840">
+                <a:tc>
+                  <a:txBody>
+                    <a:bodyPr/>
+                    <a:lstStyle/>
+                    <a:p>
+                      <a:r>
+                        <a:rPr lang="es-CO" dirty="0"/>
+                        <a:t>Identificación del requerimiento</a:t>
+                      </a:r>
+                    </a:p>
+                  </a:txBody>
+                  <a:tcPr/>
+                </a:tc>
+                <a:tc>
+                  <a:txBody>
+                    <a:bodyPr/>
+                    <a:lstStyle/>
+                    <a:p>
+                      <a:r>
+                        <a:rPr lang="es-CO" dirty="0"/>
+                        <a:t>RNF01</a:t>
+                      </a:r>
+                    </a:p>
+                  </a:txBody>
+                  <a:tcPr/>
+                </a:tc>
+                <a:extLst>
+                  <a:ext uri="{0D108BD9-81ED-4DB2-BD59-A6C34878D82A}">
+                    <a16:rowId xmlns:a16="http://schemas.microsoft.com/office/drawing/2014/main" val="3120795479"/>
+                  </a:ext>
+                </a:extLst>
+              </a:tr>
+              <a:tr h="370840">
+                <a:tc>
+                  <a:txBody>
+                    <a:bodyPr/>
+                    <a:lstStyle/>
+                    <a:p>
+                      <a:r>
+                        <a:rPr lang="es-CO" dirty="0"/>
+                        <a:t>Nombre del requerimiento</a:t>
+                      </a:r>
+                    </a:p>
+                  </a:txBody>
+                  <a:tcPr/>
+                </a:tc>
+                <a:tc>
+                  <a:txBody>
+                    <a:bodyPr/>
+                    <a:lstStyle/>
+                    <a:p>
+                      <a:r>
+                        <a:rPr lang="es-CO" dirty="0"/>
+                        <a:t>Interfaz del sistema</a:t>
+                      </a:r>
+                    </a:p>
+                  </a:txBody>
+                  <a:tcPr/>
+                </a:tc>
+                <a:extLst>
+                  <a:ext uri="{0D108BD9-81ED-4DB2-BD59-A6C34878D82A}">
+                    <a16:rowId xmlns:a16="http://schemas.microsoft.com/office/drawing/2014/main" val="1343925762"/>
+                  </a:ext>
+                </a:extLst>
+              </a:tr>
+              <a:tr h="370840">
+                <a:tc>
+                  <a:txBody>
+                    <a:bodyPr/>
+                    <a:lstStyle/>
+                    <a:p>
+                      <a:r>
+                        <a:rPr lang="es-CO" dirty="0"/>
+                        <a:t>Caracterísitcas</a:t>
+                      </a:r>
+                    </a:p>
+                  </a:txBody>
+                  <a:tcPr/>
+                </a:tc>
+                <a:tc>
+                  <a:txBody>
+                    <a:bodyPr/>
+                    <a:lstStyle/>
+                    <a:p>
+                      <a:r>
+                        <a:rPr lang="es-CO" dirty="0"/>
+                        <a:t>El sistema debe ser sencillo y amigable para el usuario</a:t>
+                      </a:r>
+                    </a:p>
+                  </a:txBody>
+                  <a:tcPr/>
+                </a:tc>
+                <a:extLst>
+                  <a:ext uri="{0D108BD9-81ED-4DB2-BD59-A6C34878D82A}">
+                    <a16:rowId xmlns:a16="http://schemas.microsoft.com/office/drawing/2014/main" val="769886354"/>
+                  </a:ext>
+                </a:extLst>
+              </a:tr>
+              <a:tr h="370840">
+                <a:tc>
+                  <a:txBody>
+                    <a:bodyPr/>
+                    <a:lstStyle/>
+                    <a:p>
+                      <a:r>
+                        <a:rPr lang="es-CO" dirty="0"/>
+                        <a:t>Descripción del requerimiento</a:t>
+                      </a:r>
+                    </a:p>
+                  </a:txBody>
+                  <a:tcPr/>
+                </a:tc>
+                <a:tc>
+                  <a:txBody>
+                    <a:bodyPr/>
+                    <a:lstStyle/>
+                    <a:p>
+                      <a:r>
+                        <a:rPr lang="es-CO" dirty="0"/>
+                        <a:t>La interfaz debe ser sencilla</a:t>
+                      </a:r>
+                    </a:p>
+                  </a:txBody>
+                  <a:tcPr/>
+                </a:tc>
+                <a:extLst>
+                  <a:ext uri="{0D108BD9-81ED-4DB2-BD59-A6C34878D82A}">
+                    <a16:rowId xmlns:a16="http://schemas.microsoft.com/office/drawing/2014/main" val="2397840479"/>
+                  </a:ext>
+                </a:extLst>
+              </a:tr>
+              <a:tr h="370840">
+                <a:tc>
+                  <a:txBody>
+                    <a:bodyPr/>
+                    <a:lstStyle/>
+                    <a:p>
+                      <a:r>
+                        <a:rPr lang="es-CO" dirty="0"/>
+                        <a:t>Prioridad del requerimiento</a:t>
+                      </a:r>
+                    </a:p>
+                  </a:txBody>
+                  <a:tcPr/>
+                </a:tc>
+                <a:tc>
+                  <a:txBody>
+                    <a:bodyPr/>
+                    <a:lstStyle/>
+                    <a:p>
+                      <a:r>
+                        <a:rPr lang="es-CO" dirty="0"/>
+                        <a:t>Alta</a:t>
+                      </a:r>
+                    </a:p>
+                  </a:txBody>
+                  <a:tcPr/>
+                </a:tc>
+                <a:extLst>
+                  <a:ext uri="{0D108BD9-81ED-4DB2-BD59-A6C34878D82A}">
+                    <a16:rowId xmlns:a16="http://schemas.microsoft.com/office/drawing/2014/main" val="1876826554"/>
+                  </a:ext>
+                </a:extLst>
+              </a:tr>
+            </a:tbl>
+          </a:graphicData>
+        </a:graphic>
+      </p:graphicFrame>
+    </p:spTree>
+    <p:extLst>
+      <p:ext uri="{BB962C8B-B14F-4D97-AF65-F5344CB8AC3E}">
+        <p14:creationId xmlns:p14="http://schemas.microsoft.com/office/powerpoint/2010/main" val="3765484493"/>
+      </p:ext>
+    </p:extLst>
+  </p:cSld>
+  <p:clrMapOvr>
+    <a:masterClrMapping/>
+  </p:clrMapOvr>
+</p:sld>
+</file>
+
+<file path=ppt/slides/slide52.xml><?xml version="1.0" encoding="utf-8"?>
+<p:sld xmlns:a="http://schemas.openxmlformats.org/drawingml/2006/main" xmlns:r="http://schemas.openxmlformats.org/officeDocument/2006/relationships" xmlns:p="http://schemas.openxmlformats.org/presentationml/2006/main">
+  <p:cSld>
+    <p:spTree>
+      <p:nvGrpSpPr>
+        <p:cNvPr id="1" name=""/>
+        <p:cNvGrpSpPr/>
+        <p:nvPr/>
+      </p:nvGrpSpPr>
+      <p:grpSpPr>
+        <a:xfrm>
+          <a:off x="0" y="0"/>
+          <a:ext cx="0" cy="0"/>
+          <a:chOff x="0" y="0"/>
+          <a:chExt cx="0" cy="0"/>
+        </a:xfrm>
+      </p:grpSpPr>
+      <p:sp>
+        <p:nvSpPr>
+          <p:cNvPr id="2" name="Título 1">
+            <a:extLst>
+              <a:ext uri="{FF2B5EF4-FFF2-40B4-BE49-F238E27FC236}">
                 <a16:creationId xmlns:a16="http://schemas.microsoft.com/office/drawing/2014/main" id="{0DF8FDDE-7FF6-114B-95BB-26E67991BA49}"/>
               </a:ext>
             </a:extLst>
@@ -24737,7 +24969,7 @@
 </p:sld>
 </file>
 
-<file path=ppt/slides/slide51.xml><?xml version="1.0" encoding="utf-8"?>
+<file path=ppt/slides/slide53.xml><?xml version="1.0" encoding="utf-8"?>
 <p:sld xmlns:a="http://schemas.openxmlformats.org/drawingml/2006/main" xmlns:r="http://schemas.openxmlformats.org/officeDocument/2006/relationships" xmlns:p="http://schemas.openxmlformats.org/presentationml/2006/main">
   <p:cSld>
     <p:spTree>
@@ -25031,7 +25263,7 @@
 </p:sld>
 </file>
 
-<file path=ppt/slides/slide52.xml><?xml version="1.0" encoding="utf-8"?>
+<file path=ppt/slides/slide54.xml><?xml version="1.0" encoding="utf-8"?>
 <p:sld xmlns:a="http://schemas.openxmlformats.org/drawingml/2006/main" xmlns:r="http://schemas.openxmlformats.org/officeDocument/2006/relationships" xmlns:p="http://schemas.openxmlformats.org/presentationml/2006/main">
   <p:cSld>
     <p:spTree>
@@ -25341,7 +25573,7 @@
 </p:sld>
 </file>
 
-<file path=ppt/slides/slide53.xml><?xml version="1.0" encoding="utf-8"?>
+<file path=ppt/slides/slide55.xml><?xml version="1.0" encoding="utf-8"?>
 <p:sld xmlns:a="http://schemas.openxmlformats.org/drawingml/2006/main" xmlns:r="http://schemas.openxmlformats.org/officeDocument/2006/relationships" xmlns:p="http://schemas.openxmlformats.org/presentationml/2006/main">
   <p:cSld>
     <p:spTree>
@@ -25614,7 +25846,7 @@
 </p:sld>
 </file>
 
-<file path=ppt/slides/slide54.xml><?xml version="1.0" encoding="utf-8"?>
+<file path=ppt/slides/slide56.xml><?xml version="1.0" encoding="utf-8"?>
 <p:sld xmlns:a="http://schemas.openxmlformats.org/drawingml/2006/main" xmlns:r="http://schemas.openxmlformats.org/officeDocument/2006/relationships" xmlns:p="http://schemas.openxmlformats.org/presentationml/2006/main">
   <p:cSld>
     <p:spTree>
@@ -25887,7 +26119,7 @@
 </p:sld>
 </file>
 
-<file path=ppt/slides/slide55.xml><?xml version="1.0" encoding="utf-8"?>
+<file path=ppt/slides/slide57.xml><?xml version="1.0" encoding="utf-8"?>
 <p:sld xmlns:a="http://schemas.openxmlformats.org/drawingml/2006/main" xmlns:r="http://schemas.openxmlformats.org/officeDocument/2006/relationships" xmlns:p="http://schemas.openxmlformats.org/presentationml/2006/main">
   <p:cSld>
     <p:spTree>
@@ -26160,7 +26392,7 @@
 </p:sld>
 </file>
 
-<file path=ppt/slides/slide56.xml><?xml version="1.0" encoding="utf-8"?>
+<file path=ppt/slides/slide58.xml><?xml version="1.0" encoding="utf-8"?>
 <p:sld xmlns:a="http://schemas.openxmlformats.org/drawingml/2006/main" xmlns:r="http://schemas.openxmlformats.org/officeDocument/2006/relationships" xmlns:p="http://schemas.openxmlformats.org/presentationml/2006/main">
   <p:cSld>
     <p:spTree>
@@ -26450,7 +26682,7 @@
 </p:sld>
 </file>
 
-<file path=ppt/slides/slide57.xml><?xml version="1.0" encoding="utf-8"?>
+<file path=ppt/slides/slide59.xml><?xml version="1.0" encoding="utf-8"?>
 <p:sld xmlns:a="http://schemas.openxmlformats.org/drawingml/2006/main" xmlns:r="http://schemas.openxmlformats.org/officeDocument/2006/relationships" xmlns:p="http://schemas.openxmlformats.org/presentationml/2006/main">
   <p:cSld>
     <p:spTree>
@@ -26731,552 +26963,6 @@
     <p:extLst>
       <p:ext uri="{BB962C8B-B14F-4D97-AF65-F5344CB8AC3E}">
         <p14:creationId xmlns:p14="http://schemas.microsoft.com/office/powerpoint/2010/main" val="1916914389"/>
-      </p:ext>
-    </p:extLst>
-  </p:cSld>
-  <p:clrMapOvr>
-    <a:masterClrMapping/>
-  </p:clrMapOvr>
-</p:sld>
-</file>
-
-<file path=ppt/slides/slide58.xml><?xml version="1.0" encoding="utf-8"?>
-<p:sld xmlns:a="http://schemas.openxmlformats.org/drawingml/2006/main" xmlns:r="http://schemas.openxmlformats.org/officeDocument/2006/relationships" xmlns:p="http://schemas.openxmlformats.org/presentationml/2006/main">
-  <p:cSld>
-    <p:spTree>
-      <p:nvGrpSpPr>
-        <p:cNvPr id="1" name=""/>
-        <p:cNvGrpSpPr/>
-        <p:nvPr/>
-      </p:nvGrpSpPr>
-      <p:grpSpPr>
-        <a:xfrm>
-          <a:off x="0" y="0"/>
-          <a:ext cx="0" cy="0"/>
-          <a:chOff x="0" y="0"/>
-          <a:chExt cx="0" cy="0"/>
-        </a:xfrm>
-      </p:grpSpPr>
-      <p:sp>
-        <p:nvSpPr>
-          <p:cNvPr id="2" name="Título 1">
-            <a:extLst>
-              <a:ext uri="{FF2B5EF4-FFF2-40B4-BE49-F238E27FC236}">
-                <a16:creationId xmlns:a16="http://schemas.microsoft.com/office/drawing/2014/main" id="{0DF8FDDE-7FF6-114B-95BB-26E67991BA49}"/>
-              </a:ext>
-            </a:extLst>
-          </p:cNvPr>
-          <p:cNvSpPr>
-            <a:spLocks noGrp="1"/>
-          </p:cNvSpPr>
-          <p:nvPr>
-            <p:ph type="title"/>
-          </p:nvPr>
-        </p:nvSpPr>
-        <p:spPr/>
-        <p:txBody>
-          <a:bodyPr/>
-          <a:lstStyle/>
-          <a:p>
-            <a:r>
-              <a:rPr lang="es-CO"/>
-              <a:t>Requerimientos </a:t>
-            </a:r>
-            <a:r>
-              <a:rPr lang="es-CO" dirty="0"/>
-              <a:t>no funcionales</a:t>
-            </a:r>
-          </a:p>
-        </p:txBody>
-      </p:sp>
-      <p:graphicFrame>
-        <p:nvGraphicFramePr>
-          <p:cNvPr id="4" name="Tabla 4">
-            <a:extLst>
-              <a:ext uri="{FF2B5EF4-FFF2-40B4-BE49-F238E27FC236}">
-                <a16:creationId xmlns:a16="http://schemas.microsoft.com/office/drawing/2014/main" id="{3275B20B-304D-3645-A6E7-687160D9B56D}"/>
-              </a:ext>
-            </a:extLst>
-          </p:cNvPr>
-          <p:cNvGraphicFramePr>
-            <a:graphicFrameLocks noGrp="1"/>
-          </p:cNvGraphicFramePr>
-          <p:nvPr>
-            <p:ph idx="1"/>
-          </p:nvPr>
-        </p:nvGraphicFramePr>
-        <p:xfrm>
-          <a:off x="5118100" y="803275"/>
-          <a:ext cx="6281738" cy="3205480"/>
-        </p:xfrm>
-        <a:graphic>
-          <a:graphicData uri="http://schemas.openxmlformats.org/drawingml/2006/table">
-            <a:tbl>
-              <a:tblPr firstRow="1" bandRow="1">
-                <a:tableStyleId>{5C22544A-7EE6-4342-B048-85BDC9FD1C3A}</a:tableStyleId>
-              </a:tblPr>
-              <a:tblGrid>
-                <a:gridCol w="3140869">
-                  <a:extLst>
-                    <a:ext uri="{9D8B030D-6E8A-4147-A177-3AD203B41FA5}">
-                      <a16:colId xmlns:a16="http://schemas.microsoft.com/office/drawing/2014/main" val="2405063638"/>
-                    </a:ext>
-                  </a:extLst>
-                </a:gridCol>
-                <a:gridCol w="3140869">
-                  <a:extLst>
-                    <a:ext uri="{9D8B030D-6E8A-4147-A177-3AD203B41FA5}">
-                      <a16:colId xmlns:a16="http://schemas.microsoft.com/office/drawing/2014/main" val="3099478781"/>
-                    </a:ext>
-                  </a:extLst>
-                </a:gridCol>
-              </a:tblGrid>
-              <a:tr h="370840">
-                <a:tc>
-                  <a:txBody>
-                    <a:bodyPr/>
-                    <a:lstStyle/>
-                    <a:p>
-                      <a:r>
-                        <a:rPr lang="es-CO" dirty="0"/>
-                        <a:t>Identificación del requerimiento</a:t>
-                      </a:r>
-                    </a:p>
-                  </a:txBody>
-                  <a:tcPr/>
-                </a:tc>
-                <a:tc>
-                  <a:txBody>
-                    <a:bodyPr/>
-                    <a:lstStyle/>
-                    <a:p>
-                      <a:r>
-                        <a:rPr lang="es-CO" dirty="0"/>
-                        <a:t>RNF010</a:t>
-                      </a:r>
-                    </a:p>
-                  </a:txBody>
-                  <a:tcPr/>
-                </a:tc>
-                <a:extLst>
-                  <a:ext uri="{0D108BD9-81ED-4DB2-BD59-A6C34878D82A}">
-                    <a16:rowId xmlns:a16="http://schemas.microsoft.com/office/drawing/2014/main" val="3120795479"/>
-                  </a:ext>
-                </a:extLst>
-              </a:tr>
-              <a:tr h="370840">
-                <a:tc>
-                  <a:txBody>
-                    <a:bodyPr/>
-                    <a:lstStyle/>
-                    <a:p>
-                      <a:r>
-                        <a:rPr lang="es-CO" dirty="0"/>
-                        <a:t>Nombre del requerimiento</a:t>
-                      </a:r>
-                    </a:p>
-                  </a:txBody>
-                  <a:tcPr/>
-                </a:tc>
-                <a:tc>
-                  <a:txBody>
-                    <a:bodyPr/>
-                    <a:lstStyle/>
-                    <a:p>
-                      <a:r>
-                        <a:rPr lang="es-CO" dirty="0"/>
-                        <a:t>Extensibilidad</a:t>
-                      </a:r>
-                    </a:p>
-                  </a:txBody>
-                  <a:tcPr/>
-                </a:tc>
-                <a:extLst>
-                  <a:ext uri="{0D108BD9-81ED-4DB2-BD59-A6C34878D82A}">
-                    <a16:rowId xmlns:a16="http://schemas.microsoft.com/office/drawing/2014/main" val="1343925762"/>
-                  </a:ext>
-                </a:extLst>
-              </a:tr>
-              <a:tr h="370840">
-                <a:tc>
-                  <a:txBody>
-                    <a:bodyPr/>
-                    <a:lstStyle/>
-                    <a:p>
-                      <a:r>
-                        <a:rPr lang="es-CO" dirty="0"/>
-                        <a:t>Caracterísitcas</a:t>
-                      </a:r>
-                    </a:p>
-                  </a:txBody>
-                  <a:tcPr/>
-                </a:tc>
-                <a:tc>
-                  <a:txBody>
-                    <a:bodyPr/>
-                    <a:lstStyle/>
-                    <a:p>
-                      <a:r>
-                        <a:rPr lang="es-CO" dirty="0"/>
-                        <a:t>El sistema debe aceptar  cambios.</a:t>
-                      </a:r>
-                    </a:p>
-                  </a:txBody>
-                  <a:tcPr/>
-                </a:tc>
-                <a:extLst>
-                  <a:ext uri="{0D108BD9-81ED-4DB2-BD59-A6C34878D82A}">
-                    <a16:rowId xmlns:a16="http://schemas.microsoft.com/office/drawing/2014/main" val="769886354"/>
-                  </a:ext>
-                </a:extLst>
-              </a:tr>
-              <a:tr h="370840">
-                <a:tc>
-                  <a:txBody>
-                    <a:bodyPr/>
-                    <a:lstStyle/>
-                    <a:p>
-                      <a:r>
-                        <a:rPr lang="es-CO" dirty="0"/>
-                        <a:t>Descripción del requerimiento</a:t>
-                      </a:r>
-                    </a:p>
-                  </a:txBody>
-                  <a:tcPr/>
-                </a:tc>
-                <a:tc>
-                  <a:txBody>
-                    <a:bodyPr/>
-                    <a:lstStyle/>
-                    <a:p>
-                      <a:r>
-                        <a:rPr lang="es-CO" dirty="0"/>
-                        <a:t>El usuario administrador podrá incluir nuevas funciones del sistema.</a:t>
-                      </a:r>
-                    </a:p>
-                  </a:txBody>
-                  <a:tcPr/>
-                </a:tc>
-                <a:extLst>
-                  <a:ext uri="{0D108BD9-81ED-4DB2-BD59-A6C34878D82A}">
-                    <a16:rowId xmlns:a16="http://schemas.microsoft.com/office/drawing/2014/main" val="2397840479"/>
-                  </a:ext>
-                </a:extLst>
-              </a:tr>
-              <a:tr h="370840">
-                <a:tc>
-                  <a:txBody>
-                    <a:bodyPr/>
-                    <a:lstStyle/>
-                    <a:p>
-                      <a:r>
-                        <a:rPr lang="es-CO" dirty="0"/>
-                        <a:t>Prioridad del requerimiento</a:t>
-                      </a:r>
-                    </a:p>
-                  </a:txBody>
-                  <a:tcPr/>
-                </a:tc>
-                <a:tc>
-                  <a:txBody>
-                    <a:bodyPr/>
-                    <a:lstStyle/>
-                    <a:p>
-                      <a:r>
-                        <a:rPr lang="es-CO" dirty="0"/>
-                        <a:t>Media</a:t>
-                      </a:r>
-                    </a:p>
-                  </a:txBody>
-                  <a:tcPr/>
-                </a:tc>
-                <a:extLst>
-                  <a:ext uri="{0D108BD9-81ED-4DB2-BD59-A6C34878D82A}">
-                    <a16:rowId xmlns:a16="http://schemas.microsoft.com/office/drawing/2014/main" val="1876826554"/>
-                  </a:ext>
-                </a:extLst>
-              </a:tr>
-            </a:tbl>
-          </a:graphicData>
-        </a:graphic>
-      </p:graphicFrame>
-    </p:spTree>
-    <p:extLst>
-      <p:ext uri="{BB962C8B-B14F-4D97-AF65-F5344CB8AC3E}">
-        <p14:creationId xmlns:p14="http://schemas.microsoft.com/office/powerpoint/2010/main" val="966399419"/>
-      </p:ext>
-    </p:extLst>
-  </p:cSld>
-  <p:clrMapOvr>
-    <a:masterClrMapping/>
-  </p:clrMapOvr>
-</p:sld>
-</file>
-
-<file path=ppt/slides/slide59.xml><?xml version="1.0" encoding="utf-8"?>
-<p:sld xmlns:a="http://schemas.openxmlformats.org/drawingml/2006/main" xmlns:r="http://schemas.openxmlformats.org/officeDocument/2006/relationships" xmlns:p="http://schemas.openxmlformats.org/presentationml/2006/main">
-  <p:cSld>
-    <p:spTree>
-      <p:nvGrpSpPr>
-        <p:cNvPr id="1" name=""/>
-        <p:cNvGrpSpPr/>
-        <p:nvPr/>
-      </p:nvGrpSpPr>
-      <p:grpSpPr>
-        <a:xfrm>
-          <a:off x="0" y="0"/>
-          <a:ext cx="0" cy="0"/>
-          <a:chOff x="0" y="0"/>
-          <a:chExt cx="0" cy="0"/>
-        </a:xfrm>
-      </p:grpSpPr>
-      <p:sp>
-        <p:nvSpPr>
-          <p:cNvPr id="2" name="Título 1">
-            <a:extLst>
-              <a:ext uri="{FF2B5EF4-FFF2-40B4-BE49-F238E27FC236}">
-                <a16:creationId xmlns:a16="http://schemas.microsoft.com/office/drawing/2014/main" id="{0DF8FDDE-7FF6-114B-95BB-26E67991BA49}"/>
-              </a:ext>
-            </a:extLst>
-          </p:cNvPr>
-          <p:cNvSpPr>
-            <a:spLocks noGrp="1"/>
-          </p:cNvSpPr>
-          <p:nvPr>
-            <p:ph type="title"/>
-          </p:nvPr>
-        </p:nvSpPr>
-        <p:spPr/>
-        <p:txBody>
-          <a:bodyPr/>
-          <a:lstStyle/>
-          <a:p>
-            <a:r>
-              <a:rPr lang="es-CO"/>
-              <a:t>Requerimientos </a:t>
-            </a:r>
-            <a:r>
-              <a:rPr lang="es-CO" dirty="0"/>
-              <a:t>no funcionales</a:t>
-            </a:r>
-          </a:p>
-        </p:txBody>
-      </p:sp>
-      <p:graphicFrame>
-        <p:nvGraphicFramePr>
-          <p:cNvPr id="4" name="Tabla 4">
-            <a:extLst>
-              <a:ext uri="{FF2B5EF4-FFF2-40B4-BE49-F238E27FC236}">
-                <a16:creationId xmlns:a16="http://schemas.microsoft.com/office/drawing/2014/main" id="{3275B20B-304D-3645-A6E7-687160D9B56D}"/>
-              </a:ext>
-            </a:extLst>
-          </p:cNvPr>
-          <p:cNvGraphicFramePr>
-            <a:graphicFrameLocks noGrp="1"/>
-          </p:cNvGraphicFramePr>
-          <p:nvPr>
-            <p:ph idx="1"/>
-          </p:nvPr>
-        </p:nvGraphicFramePr>
-        <p:xfrm>
-          <a:off x="5118100" y="803275"/>
-          <a:ext cx="6281738" cy="3754120"/>
-        </p:xfrm>
-        <a:graphic>
-          <a:graphicData uri="http://schemas.openxmlformats.org/drawingml/2006/table">
-            <a:tbl>
-              <a:tblPr firstRow="1" bandRow="1">
-                <a:tableStyleId>{5C22544A-7EE6-4342-B048-85BDC9FD1C3A}</a:tableStyleId>
-              </a:tblPr>
-              <a:tblGrid>
-                <a:gridCol w="3140869">
-                  <a:extLst>
-                    <a:ext uri="{9D8B030D-6E8A-4147-A177-3AD203B41FA5}">
-                      <a16:colId xmlns:a16="http://schemas.microsoft.com/office/drawing/2014/main" val="2405063638"/>
-                    </a:ext>
-                  </a:extLst>
-                </a:gridCol>
-                <a:gridCol w="3140869">
-                  <a:extLst>
-                    <a:ext uri="{9D8B030D-6E8A-4147-A177-3AD203B41FA5}">
-                      <a16:colId xmlns:a16="http://schemas.microsoft.com/office/drawing/2014/main" val="3099478781"/>
-                    </a:ext>
-                  </a:extLst>
-                </a:gridCol>
-              </a:tblGrid>
-              <a:tr h="370840">
-                <a:tc>
-                  <a:txBody>
-                    <a:bodyPr/>
-                    <a:lstStyle/>
-                    <a:p>
-                      <a:r>
-                        <a:rPr lang="es-CO" dirty="0"/>
-                        <a:t>Identificación del requerimiento</a:t>
-                      </a:r>
-                    </a:p>
-                  </a:txBody>
-                  <a:tcPr/>
-                </a:tc>
-                <a:tc>
-                  <a:txBody>
-                    <a:bodyPr/>
-                    <a:lstStyle/>
-                    <a:p>
-                      <a:r>
-                        <a:rPr lang="es-CO" dirty="0"/>
-                        <a:t>RNF11</a:t>
-                      </a:r>
-                    </a:p>
-                  </a:txBody>
-                  <a:tcPr/>
-                </a:tc>
-                <a:extLst>
-                  <a:ext uri="{0D108BD9-81ED-4DB2-BD59-A6C34878D82A}">
-                    <a16:rowId xmlns:a16="http://schemas.microsoft.com/office/drawing/2014/main" val="3120795479"/>
-                  </a:ext>
-                </a:extLst>
-              </a:tr>
-              <a:tr h="370840">
-                <a:tc>
-                  <a:txBody>
-                    <a:bodyPr/>
-                    <a:lstStyle/>
-                    <a:p>
-                      <a:r>
-                        <a:rPr lang="es-CO" dirty="0"/>
-                        <a:t>Nombre del requerimiento</a:t>
-                      </a:r>
-                    </a:p>
-                  </a:txBody>
-                  <a:tcPr/>
-                </a:tc>
-                <a:tc>
-                  <a:txBody>
-                    <a:bodyPr/>
-                    <a:lstStyle/>
-                    <a:p>
-                      <a:r>
-                        <a:rPr lang="es-CO" dirty="0"/>
-                        <a:t>Seguridad</a:t>
-                      </a:r>
-                    </a:p>
-                  </a:txBody>
-                  <a:tcPr/>
-                </a:tc>
-                <a:extLst>
-                  <a:ext uri="{0D108BD9-81ED-4DB2-BD59-A6C34878D82A}">
-                    <a16:rowId xmlns:a16="http://schemas.microsoft.com/office/drawing/2014/main" val="1343925762"/>
-                  </a:ext>
-                </a:extLst>
-              </a:tr>
-              <a:tr h="370840">
-                <a:tc>
-                  <a:txBody>
-                    <a:bodyPr/>
-                    <a:lstStyle/>
-                    <a:p>
-                      <a:r>
-                        <a:rPr lang="es-CO" dirty="0"/>
-                        <a:t>Caracterísitcas</a:t>
-                      </a:r>
-                    </a:p>
-                  </a:txBody>
-                  <a:tcPr/>
-                </a:tc>
-                <a:tc>
-                  <a:txBody>
-                    <a:bodyPr/>
-                    <a:lstStyle/>
-                    <a:p>
-                      <a:r>
-                        <a:rPr lang="es-CO" dirty="0"/>
-                        <a:t>El sistema sólo podrá ser consultado por los usuarios registrados.</a:t>
-                      </a:r>
-                    </a:p>
-                  </a:txBody>
-                  <a:tcPr/>
-                </a:tc>
-                <a:extLst>
-                  <a:ext uri="{0D108BD9-81ED-4DB2-BD59-A6C34878D82A}">
-                    <a16:rowId xmlns:a16="http://schemas.microsoft.com/office/drawing/2014/main" val="769886354"/>
-                  </a:ext>
-                </a:extLst>
-              </a:tr>
-              <a:tr h="370840">
-                <a:tc>
-                  <a:txBody>
-                    <a:bodyPr/>
-                    <a:lstStyle/>
-                    <a:p>
-                      <a:r>
-                        <a:rPr lang="es-CO" dirty="0"/>
-                        <a:t>Descripción del requerimiento</a:t>
-                      </a:r>
-                    </a:p>
-                  </a:txBody>
-                  <a:tcPr/>
-                </a:tc>
-                <a:tc>
-                  <a:txBody>
-                    <a:bodyPr/>
-                    <a:lstStyle/>
-                    <a:p>
-                      <a:r>
-                        <a:rPr lang="es-CO" dirty="0"/>
-                        <a:t>Ninguna persona ajena a la comunidad académica podrá consultar la información del sistema.</a:t>
-                      </a:r>
-                    </a:p>
-                  </a:txBody>
-                  <a:tcPr/>
-                </a:tc>
-                <a:extLst>
-                  <a:ext uri="{0D108BD9-81ED-4DB2-BD59-A6C34878D82A}">
-                    <a16:rowId xmlns:a16="http://schemas.microsoft.com/office/drawing/2014/main" val="2397840479"/>
-                  </a:ext>
-                </a:extLst>
-              </a:tr>
-              <a:tr h="370840">
-                <a:tc>
-                  <a:txBody>
-                    <a:bodyPr/>
-                    <a:lstStyle/>
-                    <a:p>
-                      <a:r>
-                        <a:rPr lang="es-CO" dirty="0"/>
-                        <a:t>Prioridad del requerimiento</a:t>
-                      </a:r>
-                    </a:p>
-                  </a:txBody>
-                  <a:tcPr/>
-                </a:tc>
-                <a:tc>
-                  <a:txBody>
-                    <a:bodyPr/>
-                    <a:lstStyle/>
-                    <a:p>
-                      <a:r>
-                        <a:rPr lang="es-CO" dirty="0"/>
-                        <a:t>Alta</a:t>
-                      </a:r>
-                    </a:p>
-                  </a:txBody>
-                  <a:tcPr/>
-                </a:tc>
-                <a:extLst>
-                  <a:ext uri="{0D108BD9-81ED-4DB2-BD59-A6C34878D82A}">
-                    <a16:rowId xmlns:a16="http://schemas.microsoft.com/office/drawing/2014/main" val="1876826554"/>
-                  </a:ext>
-                </a:extLst>
-              </a:tr>
-            </a:tbl>
-          </a:graphicData>
-        </a:graphic>
-      </p:graphicFrame>
-    </p:spTree>
-    <p:extLst>
-      <p:ext uri="{BB962C8B-B14F-4D97-AF65-F5344CB8AC3E}">
-        <p14:creationId xmlns:p14="http://schemas.microsoft.com/office/powerpoint/2010/main" val="3469410659"/>
       </p:ext>
     </p:extLst>
   </p:cSld>
@@ -27441,6 +27127,279 @@
         </p:nvGraphicFramePr>
         <p:xfrm>
           <a:off x="5118100" y="803275"/>
+          <a:ext cx="6281738" cy="3205480"/>
+        </p:xfrm>
+        <a:graphic>
+          <a:graphicData uri="http://schemas.openxmlformats.org/drawingml/2006/table">
+            <a:tbl>
+              <a:tblPr firstRow="1" bandRow="1">
+                <a:tableStyleId>{5C22544A-7EE6-4342-B048-85BDC9FD1C3A}</a:tableStyleId>
+              </a:tblPr>
+              <a:tblGrid>
+                <a:gridCol w="3140869">
+                  <a:extLst>
+                    <a:ext uri="{9D8B030D-6E8A-4147-A177-3AD203B41FA5}">
+                      <a16:colId xmlns:a16="http://schemas.microsoft.com/office/drawing/2014/main" val="2405063638"/>
+                    </a:ext>
+                  </a:extLst>
+                </a:gridCol>
+                <a:gridCol w="3140869">
+                  <a:extLst>
+                    <a:ext uri="{9D8B030D-6E8A-4147-A177-3AD203B41FA5}">
+                      <a16:colId xmlns:a16="http://schemas.microsoft.com/office/drawing/2014/main" val="3099478781"/>
+                    </a:ext>
+                  </a:extLst>
+                </a:gridCol>
+              </a:tblGrid>
+              <a:tr h="370840">
+                <a:tc>
+                  <a:txBody>
+                    <a:bodyPr/>
+                    <a:lstStyle/>
+                    <a:p>
+                      <a:r>
+                        <a:rPr lang="es-CO" dirty="0"/>
+                        <a:t>Identificación del requerimiento</a:t>
+                      </a:r>
+                    </a:p>
+                  </a:txBody>
+                  <a:tcPr/>
+                </a:tc>
+                <a:tc>
+                  <a:txBody>
+                    <a:bodyPr/>
+                    <a:lstStyle/>
+                    <a:p>
+                      <a:r>
+                        <a:rPr lang="es-CO" dirty="0"/>
+                        <a:t>RNF010</a:t>
+                      </a:r>
+                    </a:p>
+                  </a:txBody>
+                  <a:tcPr/>
+                </a:tc>
+                <a:extLst>
+                  <a:ext uri="{0D108BD9-81ED-4DB2-BD59-A6C34878D82A}">
+                    <a16:rowId xmlns:a16="http://schemas.microsoft.com/office/drawing/2014/main" val="3120795479"/>
+                  </a:ext>
+                </a:extLst>
+              </a:tr>
+              <a:tr h="370840">
+                <a:tc>
+                  <a:txBody>
+                    <a:bodyPr/>
+                    <a:lstStyle/>
+                    <a:p>
+                      <a:r>
+                        <a:rPr lang="es-CO" dirty="0"/>
+                        <a:t>Nombre del requerimiento</a:t>
+                      </a:r>
+                    </a:p>
+                  </a:txBody>
+                  <a:tcPr/>
+                </a:tc>
+                <a:tc>
+                  <a:txBody>
+                    <a:bodyPr/>
+                    <a:lstStyle/>
+                    <a:p>
+                      <a:r>
+                        <a:rPr lang="es-CO" dirty="0"/>
+                        <a:t>Extensibilidad</a:t>
+                      </a:r>
+                    </a:p>
+                  </a:txBody>
+                  <a:tcPr/>
+                </a:tc>
+                <a:extLst>
+                  <a:ext uri="{0D108BD9-81ED-4DB2-BD59-A6C34878D82A}">
+                    <a16:rowId xmlns:a16="http://schemas.microsoft.com/office/drawing/2014/main" val="1343925762"/>
+                  </a:ext>
+                </a:extLst>
+              </a:tr>
+              <a:tr h="370840">
+                <a:tc>
+                  <a:txBody>
+                    <a:bodyPr/>
+                    <a:lstStyle/>
+                    <a:p>
+                      <a:r>
+                        <a:rPr lang="es-CO" dirty="0"/>
+                        <a:t>Caracterísitcas</a:t>
+                      </a:r>
+                    </a:p>
+                  </a:txBody>
+                  <a:tcPr/>
+                </a:tc>
+                <a:tc>
+                  <a:txBody>
+                    <a:bodyPr/>
+                    <a:lstStyle/>
+                    <a:p>
+                      <a:r>
+                        <a:rPr lang="es-CO" dirty="0"/>
+                        <a:t>El sistema debe aceptar  cambios.</a:t>
+                      </a:r>
+                    </a:p>
+                  </a:txBody>
+                  <a:tcPr/>
+                </a:tc>
+                <a:extLst>
+                  <a:ext uri="{0D108BD9-81ED-4DB2-BD59-A6C34878D82A}">
+                    <a16:rowId xmlns:a16="http://schemas.microsoft.com/office/drawing/2014/main" val="769886354"/>
+                  </a:ext>
+                </a:extLst>
+              </a:tr>
+              <a:tr h="370840">
+                <a:tc>
+                  <a:txBody>
+                    <a:bodyPr/>
+                    <a:lstStyle/>
+                    <a:p>
+                      <a:r>
+                        <a:rPr lang="es-CO" dirty="0"/>
+                        <a:t>Descripción del requerimiento</a:t>
+                      </a:r>
+                    </a:p>
+                  </a:txBody>
+                  <a:tcPr/>
+                </a:tc>
+                <a:tc>
+                  <a:txBody>
+                    <a:bodyPr/>
+                    <a:lstStyle/>
+                    <a:p>
+                      <a:r>
+                        <a:rPr lang="es-CO" dirty="0"/>
+                        <a:t>El usuario administrador podrá incluir nuevas funciones del sistema.</a:t>
+                      </a:r>
+                    </a:p>
+                  </a:txBody>
+                  <a:tcPr/>
+                </a:tc>
+                <a:extLst>
+                  <a:ext uri="{0D108BD9-81ED-4DB2-BD59-A6C34878D82A}">
+                    <a16:rowId xmlns:a16="http://schemas.microsoft.com/office/drawing/2014/main" val="2397840479"/>
+                  </a:ext>
+                </a:extLst>
+              </a:tr>
+              <a:tr h="370840">
+                <a:tc>
+                  <a:txBody>
+                    <a:bodyPr/>
+                    <a:lstStyle/>
+                    <a:p>
+                      <a:r>
+                        <a:rPr lang="es-CO" dirty="0"/>
+                        <a:t>Prioridad del requerimiento</a:t>
+                      </a:r>
+                    </a:p>
+                  </a:txBody>
+                  <a:tcPr/>
+                </a:tc>
+                <a:tc>
+                  <a:txBody>
+                    <a:bodyPr/>
+                    <a:lstStyle/>
+                    <a:p>
+                      <a:r>
+                        <a:rPr lang="es-CO" dirty="0"/>
+                        <a:t>Media</a:t>
+                      </a:r>
+                    </a:p>
+                  </a:txBody>
+                  <a:tcPr/>
+                </a:tc>
+                <a:extLst>
+                  <a:ext uri="{0D108BD9-81ED-4DB2-BD59-A6C34878D82A}">
+                    <a16:rowId xmlns:a16="http://schemas.microsoft.com/office/drawing/2014/main" val="1876826554"/>
+                  </a:ext>
+                </a:extLst>
+              </a:tr>
+            </a:tbl>
+          </a:graphicData>
+        </a:graphic>
+      </p:graphicFrame>
+    </p:spTree>
+    <p:extLst>
+      <p:ext uri="{BB962C8B-B14F-4D97-AF65-F5344CB8AC3E}">
+        <p14:creationId xmlns:p14="http://schemas.microsoft.com/office/powerpoint/2010/main" val="966399419"/>
+      </p:ext>
+    </p:extLst>
+  </p:cSld>
+  <p:clrMapOvr>
+    <a:masterClrMapping/>
+  </p:clrMapOvr>
+</p:sld>
+</file>
+
+<file path=ppt/slides/slide61.xml><?xml version="1.0" encoding="utf-8"?>
+<p:sld xmlns:a="http://schemas.openxmlformats.org/drawingml/2006/main" xmlns:r="http://schemas.openxmlformats.org/officeDocument/2006/relationships" xmlns:p="http://schemas.openxmlformats.org/presentationml/2006/main">
+  <p:cSld>
+    <p:spTree>
+      <p:nvGrpSpPr>
+        <p:cNvPr id="1" name=""/>
+        <p:cNvGrpSpPr/>
+        <p:nvPr/>
+      </p:nvGrpSpPr>
+      <p:grpSpPr>
+        <a:xfrm>
+          <a:off x="0" y="0"/>
+          <a:ext cx="0" cy="0"/>
+          <a:chOff x="0" y="0"/>
+          <a:chExt cx="0" cy="0"/>
+        </a:xfrm>
+      </p:grpSpPr>
+      <p:sp>
+        <p:nvSpPr>
+          <p:cNvPr id="2" name="Título 1">
+            <a:extLst>
+              <a:ext uri="{FF2B5EF4-FFF2-40B4-BE49-F238E27FC236}">
+                <a16:creationId xmlns:a16="http://schemas.microsoft.com/office/drawing/2014/main" id="{0DF8FDDE-7FF6-114B-95BB-26E67991BA49}"/>
+              </a:ext>
+            </a:extLst>
+          </p:cNvPr>
+          <p:cNvSpPr>
+            <a:spLocks noGrp="1"/>
+          </p:cNvSpPr>
+          <p:nvPr>
+            <p:ph type="title"/>
+          </p:nvPr>
+        </p:nvSpPr>
+        <p:spPr/>
+        <p:txBody>
+          <a:bodyPr/>
+          <a:lstStyle/>
+          <a:p>
+            <a:r>
+              <a:rPr lang="es-CO"/>
+              <a:t>Requerimientos </a:t>
+            </a:r>
+            <a:r>
+              <a:rPr lang="es-CO" dirty="0"/>
+              <a:t>no funcionales</a:t>
+            </a:r>
+          </a:p>
+        </p:txBody>
+      </p:sp>
+      <p:graphicFrame>
+        <p:nvGraphicFramePr>
+          <p:cNvPr id="4" name="Tabla 4">
+            <a:extLst>
+              <a:ext uri="{FF2B5EF4-FFF2-40B4-BE49-F238E27FC236}">
+                <a16:creationId xmlns:a16="http://schemas.microsoft.com/office/drawing/2014/main" id="{3275B20B-304D-3645-A6E7-687160D9B56D}"/>
+              </a:ext>
+            </a:extLst>
+          </p:cNvPr>
+          <p:cNvGraphicFramePr>
+            <a:graphicFrameLocks noGrp="1"/>
+          </p:cNvGraphicFramePr>
+          <p:nvPr>
+            <p:ph idx="1"/>
+          </p:nvPr>
+        </p:nvGraphicFramePr>
+        <p:xfrm>
+          <a:off x="5118100" y="803275"/>
           <a:ext cx="6281738" cy="3754120"/>
         </p:xfrm>
         <a:graphic>
@@ -27486,6 +27445,279 @@
                     <a:p>
                       <a:r>
                         <a:rPr lang="es-CO" dirty="0"/>
+                        <a:t>RNF11</a:t>
+                      </a:r>
+                    </a:p>
+                  </a:txBody>
+                  <a:tcPr/>
+                </a:tc>
+                <a:extLst>
+                  <a:ext uri="{0D108BD9-81ED-4DB2-BD59-A6C34878D82A}">
+                    <a16:rowId xmlns:a16="http://schemas.microsoft.com/office/drawing/2014/main" val="3120795479"/>
+                  </a:ext>
+                </a:extLst>
+              </a:tr>
+              <a:tr h="370840">
+                <a:tc>
+                  <a:txBody>
+                    <a:bodyPr/>
+                    <a:lstStyle/>
+                    <a:p>
+                      <a:r>
+                        <a:rPr lang="es-CO" dirty="0"/>
+                        <a:t>Nombre del requerimiento</a:t>
+                      </a:r>
+                    </a:p>
+                  </a:txBody>
+                  <a:tcPr/>
+                </a:tc>
+                <a:tc>
+                  <a:txBody>
+                    <a:bodyPr/>
+                    <a:lstStyle/>
+                    <a:p>
+                      <a:r>
+                        <a:rPr lang="es-CO" dirty="0"/>
+                        <a:t>Seguridad</a:t>
+                      </a:r>
+                    </a:p>
+                  </a:txBody>
+                  <a:tcPr/>
+                </a:tc>
+                <a:extLst>
+                  <a:ext uri="{0D108BD9-81ED-4DB2-BD59-A6C34878D82A}">
+                    <a16:rowId xmlns:a16="http://schemas.microsoft.com/office/drawing/2014/main" val="1343925762"/>
+                  </a:ext>
+                </a:extLst>
+              </a:tr>
+              <a:tr h="370840">
+                <a:tc>
+                  <a:txBody>
+                    <a:bodyPr/>
+                    <a:lstStyle/>
+                    <a:p>
+                      <a:r>
+                        <a:rPr lang="es-CO" dirty="0"/>
+                        <a:t>Caracterísitcas</a:t>
+                      </a:r>
+                    </a:p>
+                  </a:txBody>
+                  <a:tcPr/>
+                </a:tc>
+                <a:tc>
+                  <a:txBody>
+                    <a:bodyPr/>
+                    <a:lstStyle/>
+                    <a:p>
+                      <a:r>
+                        <a:rPr lang="es-CO" dirty="0"/>
+                        <a:t>El sistema sólo podrá ser consultado por los usuarios registrados.</a:t>
+                      </a:r>
+                    </a:p>
+                  </a:txBody>
+                  <a:tcPr/>
+                </a:tc>
+                <a:extLst>
+                  <a:ext uri="{0D108BD9-81ED-4DB2-BD59-A6C34878D82A}">
+                    <a16:rowId xmlns:a16="http://schemas.microsoft.com/office/drawing/2014/main" val="769886354"/>
+                  </a:ext>
+                </a:extLst>
+              </a:tr>
+              <a:tr h="370840">
+                <a:tc>
+                  <a:txBody>
+                    <a:bodyPr/>
+                    <a:lstStyle/>
+                    <a:p>
+                      <a:r>
+                        <a:rPr lang="es-CO" dirty="0"/>
+                        <a:t>Descripción del requerimiento</a:t>
+                      </a:r>
+                    </a:p>
+                  </a:txBody>
+                  <a:tcPr/>
+                </a:tc>
+                <a:tc>
+                  <a:txBody>
+                    <a:bodyPr/>
+                    <a:lstStyle/>
+                    <a:p>
+                      <a:r>
+                        <a:rPr lang="es-CO" dirty="0"/>
+                        <a:t>Ninguna persona ajena a la comunidad académica podrá consultar la información del sistema.</a:t>
+                      </a:r>
+                    </a:p>
+                  </a:txBody>
+                  <a:tcPr/>
+                </a:tc>
+                <a:extLst>
+                  <a:ext uri="{0D108BD9-81ED-4DB2-BD59-A6C34878D82A}">
+                    <a16:rowId xmlns:a16="http://schemas.microsoft.com/office/drawing/2014/main" val="2397840479"/>
+                  </a:ext>
+                </a:extLst>
+              </a:tr>
+              <a:tr h="370840">
+                <a:tc>
+                  <a:txBody>
+                    <a:bodyPr/>
+                    <a:lstStyle/>
+                    <a:p>
+                      <a:r>
+                        <a:rPr lang="es-CO" dirty="0"/>
+                        <a:t>Prioridad del requerimiento</a:t>
+                      </a:r>
+                    </a:p>
+                  </a:txBody>
+                  <a:tcPr/>
+                </a:tc>
+                <a:tc>
+                  <a:txBody>
+                    <a:bodyPr/>
+                    <a:lstStyle/>
+                    <a:p>
+                      <a:r>
+                        <a:rPr lang="es-CO" dirty="0"/>
+                        <a:t>Alta</a:t>
+                      </a:r>
+                    </a:p>
+                  </a:txBody>
+                  <a:tcPr/>
+                </a:tc>
+                <a:extLst>
+                  <a:ext uri="{0D108BD9-81ED-4DB2-BD59-A6C34878D82A}">
+                    <a16:rowId xmlns:a16="http://schemas.microsoft.com/office/drawing/2014/main" val="1876826554"/>
+                  </a:ext>
+                </a:extLst>
+              </a:tr>
+            </a:tbl>
+          </a:graphicData>
+        </a:graphic>
+      </p:graphicFrame>
+    </p:spTree>
+    <p:extLst>
+      <p:ext uri="{BB962C8B-B14F-4D97-AF65-F5344CB8AC3E}">
+        <p14:creationId xmlns:p14="http://schemas.microsoft.com/office/powerpoint/2010/main" val="3469410659"/>
+      </p:ext>
+    </p:extLst>
+  </p:cSld>
+  <p:clrMapOvr>
+    <a:masterClrMapping/>
+  </p:clrMapOvr>
+</p:sld>
+</file>
+
+<file path=ppt/slides/slide62.xml><?xml version="1.0" encoding="utf-8"?>
+<p:sld xmlns:a="http://schemas.openxmlformats.org/drawingml/2006/main" xmlns:r="http://schemas.openxmlformats.org/officeDocument/2006/relationships" xmlns:p="http://schemas.openxmlformats.org/presentationml/2006/main">
+  <p:cSld>
+    <p:spTree>
+      <p:nvGrpSpPr>
+        <p:cNvPr id="1" name=""/>
+        <p:cNvGrpSpPr/>
+        <p:nvPr/>
+      </p:nvGrpSpPr>
+      <p:grpSpPr>
+        <a:xfrm>
+          <a:off x="0" y="0"/>
+          <a:ext cx="0" cy="0"/>
+          <a:chOff x="0" y="0"/>
+          <a:chExt cx="0" cy="0"/>
+        </a:xfrm>
+      </p:grpSpPr>
+      <p:sp>
+        <p:nvSpPr>
+          <p:cNvPr id="2" name="Título 1">
+            <a:extLst>
+              <a:ext uri="{FF2B5EF4-FFF2-40B4-BE49-F238E27FC236}">
+                <a16:creationId xmlns:a16="http://schemas.microsoft.com/office/drawing/2014/main" id="{0DF8FDDE-7FF6-114B-95BB-26E67991BA49}"/>
+              </a:ext>
+            </a:extLst>
+          </p:cNvPr>
+          <p:cNvSpPr>
+            <a:spLocks noGrp="1"/>
+          </p:cNvSpPr>
+          <p:nvPr>
+            <p:ph type="title"/>
+          </p:nvPr>
+        </p:nvSpPr>
+        <p:spPr/>
+        <p:txBody>
+          <a:bodyPr/>
+          <a:lstStyle/>
+          <a:p>
+            <a:r>
+              <a:rPr lang="es-CO"/>
+              <a:t>Requerimientos </a:t>
+            </a:r>
+            <a:r>
+              <a:rPr lang="es-CO" dirty="0"/>
+              <a:t>no funcionales</a:t>
+            </a:r>
+          </a:p>
+        </p:txBody>
+      </p:sp>
+      <p:graphicFrame>
+        <p:nvGraphicFramePr>
+          <p:cNvPr id="4" name="Tabla 4">
+            <a:extLst>
+              <a:ext uri="{FF2B5EF4-FFF2-40B4-BE49-F238E27FC236}">
+                <a16:creationId xmlns:a16="http://schemas.microsoft.com/office/drawing/2014/main" id="{3275B20B-304D-3645-A6E7-687160D9B56D}"/>
+              </a:ext>
+            </a:extLst>
+          </p:cNvPr>
+          <p:cNvGraphicFramePr>
+            <a:graphicFrameLocks noGrp="1"/>
+          </p:cNvGraphicFramePr>
+          <p:nvPr>
+            <p:ph idx="1"/>
+          </p:nvPr>
+        </p:nvGraphicFramePr>
+        <p:xfrm>
+          <a:off x="5118100" y="803275"/>
+          <a:ext cx="6281738" cy="3754120"/>
+        </p:xfrm>
+        <a:graphic>
+          <a:graphicData uri="http://schemas.openxmlformats.org/drawingml/2006/table">
+            <a:tbl>
+              <a:tblPr firstRow="1" bandRow="1">
+                <a:tableStyleId>{5C22544A-7EE6-4342-B048-85BDC9FD1C3A}</a:tableStyleId>
+              </a:tblPr>
+              <a:tblGrid>
+                <a:gridCol w="3140869">
+                  <a:extLst>
+                    <a:ext uri="{9D8B030D-6E8A-4147-A177-3AD203B41FA5}">
+                      <a16:colId xmlns:a16="http://schemas.microsoft.com/office/drawing/2014/main" val="2405063638"/>
+                    </a:ext>
+                  </a:extLst>
+                </a:gridCol>
+                <a:gridCol w="3140869">
+                  <a:extLst>
+                    <a:ext uri="{9D8B030D-6E8A-4147-A177-3AD203B41FA5}">
+                      <a16:colId xmlns:a16="http://schemas.microsoft.com/office/drawing/2014/main" val="3099478781"/>
+                    </a:ext>
+                  </a:extLst>
+                </a:gridCol>
+              </a:tblGrid>
+              <a:tr h="370840">
+                <a:tc>
+                  <a:txBody>
+                    <a:bodyPr/>
+                    <a:lstStyle/>
+                    <a:p>
+                      <a:r>
+                        <a:rPr lang="es-CO" dirty="0"/>
+                        <a:t>Identificación del requerimiento</a:t>
+                      </a:r>
+                    </a:p>
+                  </a:txBody>
+                  <a:tcPr/>
+                </a:tc>
+                <a:tc>
+                  <a:txBody>
+                    <a:bodyPr/>
+                    <a:lstStyle/>
+                    <a:p>
+                      <a:r>
+                        <a:rPr lang="es-CO" dirty="0"/>
                         <a:t>RNF12</a:t>
                       </a:r>
                     </a:p>
@@ -27647,7 +27879,7 @@
 </p:sld>
 </file>
 
-<file path=ppt/slides/slide61.xml><?xml version="1.0" encoding="utf-8"?>
+<file path=ppt/slides/slide63.xml><?xml version="1.0" encoding="utf-8"?>
 <p:sld xmlns:a="http://schemas.openxmlformats.org/drawingml/2006/main" xmlns:r="http://schemas.openxmlformats.org/officeDocument/2006/relationships" xmlns:p="http://schemas.openxmlformats.org/presentationml/2006/main">
   <p:cSld>
     <p:spTree>
@@ -27920,7 +28152,7 @@
 </p:sld>
 </file>
 
-<file path=ppt/slides/slide62.xml><?xml version="1.0" encoding="utf-8"?>
+<file path=ppt/slides/slide64.xml><?xml version="1.0" encoding="utf-8"?>
 <p:sld xmlns:a="http://schemas.openxmlformats.org/drawingml/2006/main" xmlns:r="http://schemas.openxmlformats.org/officeDocument/2006/relationships" xmlns:p="http://schemas.openxmlformats.org/presentationml/2006/main">
   <p:cSld>
     <p:spTree>
@@ -28193,7 +28425,7 @@
 </p:sld>
 </file>
 
-<file path=ppt/slides/slide63.xml><?xml version="1.0" encoding="utf-8"?>
+<file path=ppt/slides/slide65.xml><?xml version="1.0" encoding="utf-8"?>
 <p:sld xmlns:a="http://schemas.openxmlformats.org/drawingml/2006/main" xmlns:r="http://schemas.openxmlformats.org/officeDocument/2006/relationships" xmlns:p="http://schemas.openxmlformats.org/presentationml/2006/main">
   <p:cSld>
     <p:spTree>
@@ -28466,7 +28698,7 @@
 </p:sld>
 </file>
 
-<file path=ppt/slides/slide64.xml><?xml version="1.0" encoding="utf-8"?>
+<file path=ppt/slides/slide66.xml><?xml version="1.0" encoding="utf-8"?>
 <p:sld xmlns:a="http://schemas.openxmlformats.org/drawingml/2006/main" xmlns:r="http://schemas.openxmlformats.org/officeDocument/2006/relationships" xmlns:p="http://schemas.openxmlformats.org/presentationml/2006/main">
   <p:cSld>
     <p:spTree>
@@ -28519,7 +28751,7 @@
 </p:sld>
 </file>
 
-<file path=ppt/slides/slide65.xml><?xml version="1.0" encoding="utf-8"?>
+<file path=ppt/slides/slide67.xml><?xml version="1.0" encoding="utf-8"?>
 <p:sld xmlns:a="http://schemas.openxmlformats.org/drawingml/2006/main" xmlns:r="http://schemas.openxmlformats.org/officeDocument/2006/relationships" xmlns:p="http://schemas.openxmlformats.org/presentationml/2006/main">
   <p:cSld>
     <p:spTree>
@@ -28572,7 +28804,7 @@
 </p:sld>
 </file>
 
-<file path=ppt/slides/slide66.xml><?xml version="1.0" encoding="utf-8"?>
+<file path=ppt/slides/slide68.xml><?xml version="1.0" encoding="utf-8"?>
 <p:sld xmlns:a="http://schemas.openxmlformats.org/drawingml/2006/main" xmlns:r="http://schemas.openxmlformats.org/officeDocument/2006/relationships" xmlns:p="http://schemas.openxmlformats.org/presentationml/2006/main">
   <p:cSld>
     <p:spTree>

--- a/PLANTEAMIENTO_DEL_PROBLEMA.pptx
+++ b/PLANTEAMIENTO_DEL_PROBLEMA.pptx
@@ -179,15 +179,38 @@
 </p:presentation>
 </file>
 
+<file path=ppt/revisionInfo.xml><?xml version="1.0" encoding="utf-8"?>
+<p1510:revInfo xmlns:a="http://schemas.openxmlformats.org/drawingml/2006/main" xmlns:r="http://schemas.openxmlformats.org/officeDocument/2006/relationships" xmlns:p1510="http://schemas.microsoft.com/office/powerpoint/2015/10/main">
+  <p1510:revLst>
+    <p1510:client id="{471572B1-9B8F-4042-8F80-E3CA06DF6461}" v="2" dt="2021-05-23T23:35:30.745"/>
+  </p1510:revLst>
+</p1510:revInfo>
+</file>
+
 <file path=ppt/changesInfos/changesInfo1.xml><?xml version="1.0" encoding="utf-8"?>
 <pc:chgInfo xmlns:a="http://schemas.openxmlformats.org/drawingml/2006/main" xmlns:r="http://schemas.openxmlformats.org/officeDocument/2006/relationships" xmlns:ac="http://schemas.microsoft.com/office/drawing/2013/main/command" xmlns:pc="http://schemas.microsoft.com/office/powerpoint/2013/main/command">
   <pc:docChgLst>
     <pc:chgData name="Santiago Rojas" userId="6f1404c97ad8162e" providerId="LiveId" clId="{471572B1-9B8F-4042-8F80-E3CA06DF6461}"/>
     <pc:docChg chg="custSel addSld modSld">
-      <pc:chgData name="Santiago Rojas" userId="6f1404c97ad8162e" providerId="LiveId" clId="{471572B1-9B8F-4042-8F80-E3CA06DF6461}" dt="2021-05-23T22:53:01.093" v="151" actId="14100"/>
+      <pc:chgData name="Santiago Rojas" userId="6f1404c97ad8162e" providerId="LiveId" clId="{471572B1-9B8F-4042-8F80-E3CA06DF6461}" dt="2021-05-23T23:35:28.061" v="152" actId="20578"/>
       <pc:docMkLst>
         <pc:docMk/>
       </pc:docMkLst>
+      <pc:sldChg chg="modSp">
+        <pc:chgData name="Santiago Rojas" userId="6f1404c97ad8162e" providerId="LiveId" clId="{471572B1-9B8F-4042-8F80-E3CA06DF6461}" dt="2021-05-23T23:35:28.061" v="152" actId="20578"/>
+        <pc:sldMkLst>
+          <pc:docMk/>
+          <pc:sldMk cId="3360932463" sldId="332"/>
+        </pc:sldMkLst>
+        <pc:graphicFrameChg chg="mod">
+          <ac:chgData name="Santiago Rojas" userId="6f1404c97ad8162e" providerId="LiveId" clId="{471572B1-9B8F-4042-8F80-E3CA06DF6461}" dt="2021-05-23T23:35:28.061" v="152" actId="20578"/>
+          <ac:graphicFrameMkLst>
+            <pc:docMk/>
+            <pc:sldMk cId="3360932463" sldId="332"/>
+            <ac:graphicFrameMk id="4" creationId="{104B1BC5-C194-6A4D-BF36-86B68BC29C6E}"/>
+          </ac:graphicFrameMkLst>
+        </pc:graphicFrameChg>
+      </pc:sldChg>
       <pc:sldChg chg="modSp new mod">
         <pc:chgData name="Santiago Rojas" userId="6f1404c97ad8162e" providerId="LiveId" clId="{471572B1-9B8F-4042-8F80-E3CA06DF6461}" dt="2021-05-23T22:51:25.284" v="136" actId="20577"/>
         <pc:sldMkLst>

--- a/PLANTEAMIENTO_DEL_PROBLEMA.pptx
+++ b/PLANTEAMIENTO_DEL_PROBLEMA.pptx
@@ -1671,7 +1671,7 @@
           <a:p>
             <a:fld id="{D253BB75-C9F5-8342-9D8A-C2F31092015F}" type="datetimeFigureOut">
               <a:rPr lang="es-CO" smtClean="0"/>
-              <a:t>23/05/2021</a:t>
+              <a:t>26/07/2021</a:t>
             </a:fld>
             <a:endParaRPr lang="es-CO"/>
           </a:p>
@@ -3130,7 +3130,7 @@
           <a:p>
             <a:fld id="{D253BB75-C9F5-8342-9D8A-C2F31092015F}" type="datetimeFigureOut">
               <a:rPr lang="es-CO" smtClean="0"/>
-              <a:t>23/05/2021</a:t>
+              <a:t>26/07/2021</a:t>
             </a:fld>
             <a:endParaRPr lang="es-CO"/>
           </a:p>
@@ -4583,7 +4583,7 @@
           <a:p>
             <a:fld id="{D253BB75-C9F5-8342-9D8A-C2F31092015F}" type="datetimeFigureOut">
               <a:rPr lang="es-CO" smtClean="0"/>
-              <a:t>23/05/2021</a:t>
+              <a:t>26/07/2021</a:t>
             </a:fld>
             <a:endParaRPr lang="es-CO"/>
           </a:p>
@@ -6038,7 +6038,7 @@
           <a:p>
             <a:fld id="{D253BB75-C9F5-8342-9D8A-C2F31092015F}" type="datetimeFigureOut">
               <a:rPr lang="es-CO" smtClean="0"/>
-              <a:t>23/05/2021</a:t>
+              <a:t>26/07/2021</a:t>
             </a:fld>
             <a:endParaRPr lang="es-CO"/>
           </a:p>
@@ -7546,7 +7546,7 @@
           <a:p>
             <a:fld id="{D253BB75-C9F5-8342-9D8A-C2F31092015F}" type="datetimeFigureOut">
               <a:rPr lang="es-CO" smtClean="0"/>
-              <a:t>23/05/2021</a:t>
+              <a:t>26/07/2021</a:t>
             </a:fld>
             <a:endParaRPr lang="es-CO"/>
           </a:p>
@@ -9067,7 +9067,7 @@
           <a:p>
             <a:fld id="{D253BB75-C9F5-8342-9D8A-C2F31092015F}" type="datetimeFigureOut">
               <a:rPr lang="es-CO" smtClean="0"/>
-              <a:t>23/05/2021</a:t>
+              <a:t>26/07/2021</a:t>
             </a:fld>
             <a:endParaRPr lang="es-CO"/>
           </a:p>
@@ -10732,7 +10732,7 @@
           <a:p>
             <a:fld id="{D253BB75-C9F5-8342-9D8A-C2F31092015F}" type="datetimeFigureOut">
               <a:rPr lang="es-CO" smtClean="0"/>
-              <a:t>23/05/2021</a:t>
+              <a:t>26/07/2021</a:t>
             </a:fld>
             <a:endParaRPr lang="es-CO"/>
           </a:p>
@@ -12130,7 +12130,7 @@
           <a:p>
             <a:fld id="{D253BB75-C9F5-8342-9D8A-C2F31092015F}" type="datetimeFigureOut">
               <a:rPr lang="es-CO" smtClean="0"/>
-              <a:t>23/05/2021</a:t>
+              <a:t>26/07/2021</a:t>
             </a:fld>
             <a:endParaRPr lang="es-CO"/>
           </a:p>
@@ -12230,7 +12230,7 @@
           <a:p>
             <a:fld id="{D253BB75-C9F5-8342-9D8A-C2F31092015F}" type="datetimeFigureOut">
               <a:rPr lang="es-CO" smtClean="0"/>
-              <a:t>23/05/2021</a:t>
+              <a:t>26/07/2021</a:t>
             </a:fld>
             <a:endParaRPr lang="es-CO"/>
           </a:p>
@@ -13756,7 +13756,7 @@
           <a:p>
             <a:fld id="{D253BB75-C9F5-8342-9D8A-C2F31092015F}" type="datetimeFigureOut">
               <a:rPr lang="es-CO" smtClean="0"/>
-              <a:t>23/05/2021</a:t>
+              <a:t>26/07/2021</a:t>
             </a:fld>
             <a:endParaRPr lang="es-CO"/>
           </a:p>
@@ -15292,7 +15292,7 @@
           <a:p>
             <a:fld id="{D253BB75-C9F5-8342-9D8A-C2F31092015F}" type="datetimeFigureOut">
               <a:rPr lang="es-CO" smtClean="0"/>
-              <a:t>23/05/2021</a:t>
+              <a:t>26/07/2021</a:t>
             </a:fld>
             <a:endParaRPr lang="es-CO"/>
           </a:p>
@@ -15515,7 +15515,7 @@
           <a:p>
             <a:fld id="{D253BB75-C9F5-8342-9D8A-C2F31092015F}" type="datetimeFigureOut">
               <a:rPr lang="es-CO" smtClean="0"/>
-              <a:t>23/05/2021</a:t>
+              <a:t>26/07/2021</a:t>
             </a:fld>
             <a:endParaRPr lang="es-CO"/>
           </a:p>
@@ -22426,14 +22426,14 @@
             <p:ph idx="1"/>
             <p:extLst>
               <p:ext uri="{D42A27DB-BD31-4B8C-83A1-F6EECF244321}">
-                <p14:modId xmlns:p14="http://schemas.microsoft.com/office/powerpoint/2010/main" val="1392332237"/>
+                <p14:modId xmlns:p14="http://schemas.microsoft.com/office/powerpoint/2010/main" val="1960201103"/>
               </p:ext>
             </p:extLst>
           </p:nvPr>
         </p:nvGraphicFramePr>
         <p:xfrm>
           <a:off x="5118100" y="803275"/>
-          <a:ext cx="6281738" cy="5227320"/>
+          <a:ext cx="6281738" cy="4800600"/>
         </p:xfrm>
         <a:graphic>
           <a:graphicData uri="http://schemas.openxmlformats.org/drawingml/2006/table">
@@ -22510,9 +22510,14 @@
                     <a:lstStyle/>
                     <a:p>
                       <a:r>
-                        <a:rPr lang="es-CO" sz="1400" dirty="0"/>
-                        <a:t>Consultar notas de asignaturas</a:t>
-                      </a:r>
+                        <a:rPr lang="es-CO" sz="1400" dirty="0" smtClean="0"/>
+                        <a:t>Seleccionar</a:t>
+                      </a:r>
+                      <a:r>
+                        <a:rPr lang="es-CO" sz="1400" baseline="0" dirty="0" smtClean="0"/>
+                        <a:t> Idioma</a:t>
+                      </a:r>
+                      <a:endParaRPr lang="es-CO" sz="1400" dirty="0"/>
                     </a:p>
                   </a:txBody>
                   <a:tcPr/>
@@ -22543,9 +22548,18 @@
                     <a:lstStyle/>
                     <a:p>
                       <a:r>
-                        <a:rPr lang="es-CO" sz="1400" dirty="0"/>
-                        <a:t>El usuario docente podrá consultar las notas que obtuvieron los estudiantes en sus materias, así como las estadísticas de rendimiento de las mismas.</a:t>
-                      </a:r>
+                        <a:rPr lang="es-CO" sz="1400" dirty="0" smtClean="0"/>
+                        <a:t>El usuario podrá</a:t>
+                      </a:r>
+                      <a:r>
+                        <a:rPr lang="es-CO" sz="1400" baseline="0" dirty="0" smtClean="0"/>
+                        <a:t> escoger entre dos idiomas en sistema que son el español y el ingles</a:t>
+                      </a:r>
+                      <a:r>
+                        <a:rPr lang="es-CO" sz="1400" dirty="0" smtClean="0"/>
+                        <a:t>.</a:t>
+                      </a:r>
+                      <a:endParaRPr lang="es-CO" sz="1400" dirty="0"/>
                     </a:p>
                   </a:txBody>
                   <a:tcPr/>
@@ -22593,9 +22607,18 @@
                         <a:defRPr/>
                       </a:pPr>
                       <a:r>
-                        <a:rPr lang="es-CO" sz="1400" dirty="0"/>
-                        <a:t>El sistema permite al usuario docente consultar las estadísticas de rendimiento en sus asignaturas.</a:t>
-                      </a:r>
+                        <a:rPr lang="es-CO" sz="1400" dirty="0" smtClean="0"/>
+                        <a:t>El sistema</a:t>
+                      </a:r>
+                      <a:r>
+                        <a:rPr lang="es-CO" sz="1400" baseline="0" dirty="0" smtClean="0"/>
+                        <a:t> mostrara al usuario la opción de Idioma para que el usuario escoja</a:t>
+                      </a:r>
+                      <a:r>
+                        <a:rPr lang="es-CO" sz="1400" dirty="0" smtClean="0"/>
+                        <a:t>.</a:t>
+                      </a:r>
+                      <a:endParaRPr lang="es-CO" sz="1400" dirty="0"/>
                     </a:p>
                     <a:p>
                       <a:endParaRPr lang="es-CO" sz="1400" dirty="0"/>
@@ -22710,9 +22733,10 @@
                     <a:lstStyle/>
                     <a:p>
                       <a:r>
-                        <a:rPr lang="es-CO" sz="1400" dirty="0"/>
-                        <a:t>Alta</a:t>
-                      </a:r>
+                        <a:rPr lang="es-CO" sz="1400" dirty="0" smtClean="0"/>
+                        <a:t>Media</a:t>
+                      </a:r>
+                      <a:endParaRPr lang="es-CO" sz="1400" dirty="0"/>
                     </a:p>
                   </a:txBody>
                   <a:tcPr/>
@@ -22801,14 +22825,14 @@
             <p:ph idx="1"/>
             <p:extLst>
               <p:ext uri="{D42A27DB-BD31-4B8C-83A1-F6EECF244321}">
-                <p14:modId xmlns:p14="http://schemas.microsoft.com/office/powerpoint/2010/main" val="42865537"/>
+                <p14:modId xmlns:p14="http://schemas.microsoft.com/office/powerpoint/2010/main" val="2266240822"/>
               </p:ext>
             </p:extLst>
           </p:nvPr>
         </p:nvGraphicFramePr>
         <p:xfrm>
           <a:off x="5118100" y="803275"/>
-          <a:ext cx="6281738" cy="5440680"/>
+          <a:ext cx="6281738" cy="5227320"/>
         </p:xfrm>
         <a:graphic>
           <a:graphicData uri="http://schemas.openxmlformats.org/drawingml/2006/table">
@@ -22885,9 +22909,14 @@
                     <a:lstStyle/>
                     <a:p>
                       <a:r>
-                        <a:rPr lang="es-CO" sz="1400" dirty="0"/>
-                        <a:t>Consultar notas del grupo a cargo</a:t>
-                      </a:r>
+                        <a:rPr lang="es-CO" sz="1400" dirty="0" smtClean="0"/>
+                        <a:t>Actualizar</a:t>
+                      </a:r>
+                      <a:r>
+                        <a:rPr lang="es-CO" sz="1400" baseline="0" dirty="0" smtClean="0"/>
+                        <a:t> datos</a:t>
+                      </a:r>
+                      <a:endParaRPr lang="es-CO" sz="1400" dirty="0"/>
                     </a:p>
                   </a:txBody>
                   <a:tcPr/>
@@ -22918,9 +22947,14 @@
                     <a:lstStyle/>
                     <a:p>
                       <a:r>
-                        <a:rPr lang="es-CO" sz="1400" dirty="0"/>
-                        <a:t>El usuario docente podrá consultar las notas que obtuvieron los estudiantes de su grupo asignado en todas las materias, así como las estadísticas de rendimiento.</a:t>
-                      </a:r>
+                        <a:rPr lang="es-CO" sz="1400" dirty="0" smtClean="0"/>
+                        <a:t>El usuario podrá actualizar datos personales</a:t>
+                      </a:r>
+                      <a:r>
+                        <a:rPr lang="es-CO" sz="1400" baseline="0" dirty="0" smtClean="0"/>
+                        <a:t> de contacto que van cambiando constantemente desde su perfil.</a:t>
+                      </a:r>
+                      <a:endParaRPr lang="es-CO" sz="1400" dirty="0"/>
                     </a:p>
                   </a:txBody>
                   <a:tcPr/>
@@ -22950,29 +22984,14 @@
                     <a:bodyPr/>
                     <a:lstStyle/>
                     <a:p>
-                      <a:pPr marL="0" marR="0" lvl="0" indent="0" algn="l" defTabSz="914400" rtl="0" eaLnBrk="1" fontAlgn="auto" latinLnBrk="0" hangingPunct="1">
-                        <a:lnSpc>
-                          <a:spcPct val="100000"/>
-                        </a:lnSpc>
-                        <a:spcBef>
-                          <a:spcPts val="0"/>
-                        </a:spcBef>
-                        <a:spcAft>
-                          <a:spcPts val="0"/>
-                        </a:spcAft>
-                        <a:buClrTx/>
-                        <a:buSzTx/>
-                        <a:buFontTx/>
-                        <a:buNone/>
-                        <a:tabLst/>
-                        <a:defRPr/>
-                      </a:pPr>
-                      <a:r>
-                        <a:rPr lang="es-CO" sz="1400" dirty="0"/>
-                        <a:t>El sistema permite al usuario docente consultar las estadísticas de rendimiento de los estudiantes de su grupo a cargo.</a:t>
-                      </a:r>
-                    </a:p>
-                    <a:p>
+                      <a:r>
+                        <a:rPr lang="es-CO" sz="1400" dirty="0" smtClean="0"/>
+                        <a:t>El sistema</a:t>
+                      </a:r>
+                      <a:r>
+                        <a:rPr lang="es-CO" sz="1400" baseline="0" dirty="0" smtClean="0"/>
+                        <a:t> mostrar en la opción de mi perfil actualizar datos y le  desplegara un formulario con sus datos, permitiéndole actualizar solo unos datos flexibles.</a:t>
+                      </a:r>
                       <a:endParaRPr lang="es-CO" sz="1400" dirty="0"/>
                     </a:p>
                   </a:txBody>

--- a/PLANTEAMIENTO_DEL_PROBLEMA.pptx
+++ b/PLANTEAMIENTO_DEL_PROBLEMA.pptx
@@ -54,25 +54,27 @@
     <p:sldId id="332" r:id="rId48"/>
     <p:sldId id="337" r:id="rId49"/>
     <p:sldId id="338" r:id="rId50"/>
-    <p:sldId id="293" r:id="rId51"/>
-    <p:sldId id="296" r:id="rId52"/>
-    <p:sldId id="339" r:id="rId53"/>
-    <p:sldId id="340" r:id="rId54"/>
-    <p:sldId id="341" r:id="rId55"/>
-    <p:sldId id="297" r:id="rId56"/>
-    <p:sldId id="299" r:id="rId57"/>
-    <p:sldId id="300" r:id="rId58"/>
-    <p:sldId id="298" r:id="rId59"/>
-    <p:sldId id="342" r:id="rId60"/>
-    <p:sldId id="343" r:id="rId61"/>
-    <p:sldId id="344" r:id="rId62"/>
-    <p:sldId id="304" r:id="rId63"/>
-    <p:sldId id="307" r:id="rId64"/>
-    <p:sldId id="308" r:id="rId65"/>
-    <p:sldId id="309" r:id="rId66"/>
-    <p:sldId id="302" r:id="rId67"/>
-    <p:sldId id="301" r:id="rId68"/>
-    <p:sldId id="303" r:id="rId69"/>
+    <p:sldId id="350" r:id="rId51"/>
+    <p:sldId id="351" r:id="rId52"/>
+    <p:sldId id="293" r:id="rId53"/>
+    <p:sldId id="296" r:id="rId54"/>
+    <p:sldId id="339" r:id="rId55"/>
+    <p:sldId id="340" r:id="rId56"/>
+    <p:sldId id="341" r:id="rId57"/>
+    <p:sldId id="297" r:id="rId58"/>
+    <p:sldId id="299" r:id="rId59"/>
+    <p:sldId id="300" r:id="rId60"/>
+    <p:sldId id="298" r:id="rId61"/>
+    <p:sldId id="342" r:id="rId62"/>
+    <p:sldId id="343" r:id="rId63"/>
+    <p:sldId id="344" r:id="rId64"/>
+    <p:sldId id="304" r:id="rId65"/>
+    <p:sldId id="307" r:id="rId66"/>
+    <p:sldId id="308" r:id="rId67"/>
+    <p:sldId id="309" r:id="rId68"/>
+    <p:sldId id="302" r:id="rId69"/>
+    <p:sldId id="301" r:id="rId70"/>
+    <p:sldId id="303" r:id="rId71"/>
   </p:sldIdLst>
   <p:sldSz cx="12192000" cy="6858000"/>
   <p:notesSz cx="6858000" cy="9144000"/>
@@ -182,13 +184,66 @@
 <file path=ppt/revisionInfo.xml><?xml version="1.0" encoding="utf-8"?>
 <p1510:revInfo xmlns:a="http://schemas.openxmlformats.org/drawingml/2006/main" xmlns:r="http://schemas.openxmlformats.org/officeDocument/2006/relationships" xmlns:p1510="http://schemas.microsoft.com/office/powerpoint/2015/10/main">
   <p1510:revLst>
-    <p1510:client id="{471572B1-9B8F-4042-8F80-E3CA06DF6461}" v="2" dt="2021-05-23T23:35:30.745"/>
+    <p1510:client id="{E62E924F-0D6E-49BB-BBAC-E95CB330623F}" v="2" dt="2021-07-29T02:05:44.369"/>
   </p1510:revLst>
 </p1510:revInfo>
 </file>
 
 <file path=ppt/changesInfos/changesInfo1.xml><?xml version="1.0" encoding="utf-8"?>
 <pc:chgInfo xmlns:a="http://schemas.openxmlformats.org/drawingml/2006/main" xmlns:r="http://schemas.openxmlformats.org/officeDocument/2006/relationships" xmlns:ac="http://schemas.microsoft.com/office/drawing/2013/main/command" xmlns:pc="http://schemas.microsoft.com/office/powerpoint/2013/main/command">
+  <pc:docChgLst>
+    <pc:chgData name="Santiago Rojas" userId="6f1404c97ad8162e" providerId="LiveId" clId="{E62E924F-0D6E-49BB-BBAC-E95CB330623F}"/>
+    <pc:docChg chg="custSel addSld delSld modSld sldOrd">
+      <pc:chgData name="Santiago Rojas" userId="6f1404c97ad8162e" providerId="LiveId" clId="{E62E924F-0D6E-49BB-BBAC-E95CB330623F}" dt="2021-07-29T02:10:32.055" v="407" actId="20577"/>
+      <pc:docMkLst>
+        <pc:docMk/>
+      </pc:docMkLst>
+      <pc:sldChg chg="new del">
+        <pc:chgData name="Santiago Rojas" userId="6f1404c97ad8162e" providerId="LiveId" clId="{E62E924F-0D6E-49BB-BBAC-E95CB330623F}" dt="2021-07-29T02:05:37.177" v="2" actId="47"/>
+        <pc:sldMkLst>
+          <pc:docMk/>
+          <pc:sldMk cId="3173066859" sldId="349"/>
+        </pc:sldMkLst>
+      </pc:sldChg>
+      <pc:sldChg chg="modSp add mod">
+        <pc:chgData name="Santiago Rojas" userId="6f1404c97ad8162e" providerId="LiveId" clId="{E62E924F-0D6E-49BB-BBAC-E95CB330623F}" dt="2021-07-29T02:08:54.834" v="229" actId="20577"/>
+        <pc:sldMkLst>
+          <pc:docMk/>
+          <pc:sldMk cId="3337784037" sldId="350"/>
+        </pc:sldMkLst>
+        <pc:graphicFrameChg chg="modGraphic">
+          <ac:chgData name="Santiago Rojas" userId="6f1404c97ad8162e" providerId="LiveId" clId="{E62E924F-0D6E-49BB-BBAC-E95CB330623F}" dt="2021-07-29T02:08:54.834" v="229" actId="20577"/>
+          <ac:graphicFrameMkLst>
+            <pc:docMk/>
+            <pc:sldMk cId="3337784037" sldId="350"/>
+            <ac:graphicFrameMk id="4" creationId="{104B1BC5-C194-6A4D-BF36-86B68BC29C6E}"/>
+          </ac:graphicFrameMkLst>
+        </pc:graphicFrameChg>
+      </pc:sldChg>
+      <pc:sldChg chg="new del">
+        <pc:chgData name="Santiago Rojas" userId="6f1404c97ad8162e" providerId="LiveId" clId="{E62E924F-0D6E-49BB-BBAC-E95CB330623F}" dt="2021-07-29T02:05:42.637" v="4" actId="47"/>
+        <pc:sldMkLst>
+          <pc:docMk/>
+          <pc:sldMk cId="2645747106" sldId="351"/>
+        </pc:sldMkLst>
+      </pc:sldChg>
+      <pc:sldChg chg="modSp add mod ord">
+        <pc:chgData name="Santiago Rojas" userId="6f1404c97ad8162e" providerId="LiveId" clId="{E62E924F-0D6E-49BB-BBAC-E95CB330623F}" dt="2021-07-29T02:10:32.055" v="407" actId="20577"/>
+        <pc:sldMkLst>
+          <pc:docMk/>
+          <pc:sldMk cId="3841520591" sldId="351"/>
+        </pc:sldMkLst>
+        <pc:graphicFrameChg chg="modGraphic">
+          <ac:chgData name="Santiago Rojas" userId="6f1404c97ad8162e" providerId="LiveId" clId="{E62E924F-0D6E-49BB-BBAC-E95CB330623F}" dt="2021-07-29T02:10:32.055" v="407" actId="20577"/>
+          <ac:graphicFrameMkLst>
+            <pc:docMk/>
+            <pc:sldMk cId="3841520591" sldId="351"/>
+            <ac:graphicFrameMk id="4" creationId="{104B1BC5-C194-6A4D-BF36-86B68BC29C6E}"/>
+          </ac:graphicFrameMkLst>
+        </pc:graphicFrameChg>
+      </pc:sldChg>
+    </pc:docChg>
+  </pc:docChgLst>
   <pc:docChgLst>
     <pc:chgData name="Santiago Rojas" userId="6f1404c97ad8162e" providerId="LiveId" clId="{471572B1-9B8F-4042-8F80-E3CA06DF6461}"/>
     <pc:docChg chg="custSel addSld modSld">
@@ -1671,7 +1726,7 @@
           <a:p>
             <a:fld id="{D253BB75-C9F5-8342-9D8A-C2F31092015F}" type="datetimeFigureOut">
               <a:rPr lang="es-CO" smtClean="0"/>
-              <a:t>26/07/2021</a:t>
+              <a:t>28/07/2021</a:t>
             </a:fld>
             <a:endParaRPr lang="es-CO"/>
           </a:p>
@@ -3130,7 +3185,7 @@
           <a:p>
             <a:fld id="{D253BB75-C9F5-8342-9D8A-C2F31092015F}" type="datetimeFigureOut">
               <a:rPr lang="es-CO" smtClean="0"/>
-              <a:t>26/07/2021</a:t>
+              <a:t>28/07/2021</a:t>
             </a:fld>
             <a:endParaRPr lang="es-CO"/>
           </a:p>
@@ -4583,7 +4638,7 @@
           <a:p>
             <a:fld id="{D253BB75-C9F5-8342-9D8A-C2F31092015F}" type="datetimeFigureOut">
               <a:rPr lang="es-CO" smtClean="0"/>
-              <a:t>26/07/2021</a:t>
+              <a:t>28/07/2021</a:t>
             </a:fld>
             <a:endParaRPr lang="es-CO"/>
           </a:p>
@@ -6038,7 +6093,7 @@
           <a:p>
             <a:fld id="{D253BB75-C9F5-8342-9D8A-C2F31092015F}" type="datetimeFigureOut">
               <a:rPr lang="es-CO" smtClean="0"/>
-              <a:t>26/07/2021</a:t>
+              <a:t>28/07/2021</a:t>
             </a:fld>
             <a:endParaRPr lang="es-CO"/>
           </a:p>
@@ -7546,7 +7601,7 @@
           <a:p>
             <a:fld id="{D253BB75-C9F5-8342-9D8A-C2F31092015F}" type="datetimeFigureOut">
               <a:rPr lang="es-CO" smtClean="0"/>
-              <a:t>26/07/2021</a:t>
+              <a:t>28/07/2021</a:t>
             </a:fld>
             <a:endParaRPr lang="es-CO"/>
           </a:p>
@@ -9067,7 +9122,7 @@
           <a:p>
             <a:fld id="{D253BB75-C9F5-8342-9D8A-C2F31092015F}" type="datetimeFigureOut">
               <a:rPr lang="es-CO" smtClean="0"/>
-              <a:t>26/07/2021</a:t>
+              <a:t>28/07/2021</a:t>
             </a:fld>
             <a:endParaRPr lang="es-CO"/>
           </a:p>
@@ -10732,7 +10787,7 @@
           <a:p>
             <a:fld id="{D253BB75-C9F5-8342-9D8A-C2F31092015F}" type="datetimeFigureOut">
               <a:rPr lang="es-CO" smtClean="0"/>
-              <a:t>26/07/2021</a:t>
+              <a:t>28/07/2021</a:t>
             </a:fld>
             <a:endParaRPr lang="es-CO"/>
           </a:p>
@@ -12130,7 +12185,7 @@
           <a:p>
             <a:fld id="{D253BB75-C9F5-8342-9D8A-C2F31092015F}" type="datetimeFigureOut">
               <a:rPr lang="es-CO" smtClean="0"/>
-              <a:t>26/07/2021</a:t>
+              <a:t>28/07/2021</a:t>
             </a:fld>
             <a:endParaRPr lang="es-CO"/>
           </a:p>
@@ -12230,7 +12285,7 @@
           <a:p>
             <a:fld id="{D253BB75-C9F5-8342-9D8A-C2F31092015F}" type="datetimeFigureOut">
               <a:rPr lang="es-CO" smtClean="0"/>
-              <a:t>26/07/2021</a:t>
+              <a:t>28/07/2021</a:t>
             </a:fld>
             <a:endParaRPr lang="es-CO"/>
           </a:p>
@@ -13756,7 +13811,7 @@
           <a:p>
             <a:fld id="{D253BB75-C9F5-8342-9D8A-C2F31092015F}" type="datetimeFigureOut">
               <a:rPr lang="es-CO" smtClean="0"/>
-              <a:t>26/07/2021</a:t>
+              <a:t>28/07/2021</a:t>
             </a:fld>
             <a:endParaRPr lang="es-CO"/>
           </a:p>
@@ -15292,7 +15347,7 @@
           <a:p>
             <a:fld id="{D253BB75-C9F5-8342-9D8A-C2F31092015F}" type="datetimeFigureOut">
               <a:rPr lang="es-CO" smtClean="0"/>
-              <a:t>26/07/2021</a:t>
+              <a:t>28/07/2021</a:t>
             </a:fld>
             <a:endParaRPr lang="es-CO"/>
           </a:p>
@@ -15515,7 +15570,7 @@
           <a:p>
             <a:fld id="{D253BB75-C9F5-8342-9D8A-C2F31092015F}" type="datetimeFigureOut">
               <a:rPr lang="es-CO" smtClean="0"/>
-              <a:t>26/07/2021</a:t>
+              <a:t>28/07/2021</a:t>
             </a:fld>
             <a:endParaRPr lang="es-CO"/>
           </a:p>
@@ -22510,11 +22565,11 @@
                     <a:lstStyle/>
                     <a:p>
                       <a:r>
-                        <a:rPr lang="es-CO" sz="1400" dirty="0" smtClean="0"/>
+                        <a:rPr lang="es-CO" sz="1400" dirty="0"/>
                         <a:t>Seleccionar</a:t>
                       </a:r>
                       <a:r>
-                        <a:rPr lang="es-CO" sz="1400" baseline="0" dirty="0" smtClean="0"/>
+                        <a:rPr lang="es-CO" sz="1400" baseline="0" dirty="0"/>
                         <a:t> Idioma</a:t>
                       </a:r>
                       <a:endParaRPr lang="es-CO" sz="1400" dirty="0"/>
@@ -22548,18 +22603,17 @@
                     <a:lstStyle/>
                     <a:p>
                       <a:r>
-                        <a:rPr lang="es-CO" sz="1400" dirty="0" smtClean="0"/>
+                        <a:rPr lang="es-CO" sz="1400" dirty="0"/>
                         <a:t>El usuario podrá</a:t>
                       </a:r>
                       <a:r>
-                        <a:rPr lang="es-CO" sz="1400" baseline="0" dirty="0" smtClean="0"/>
+                        <a:rPr lang="es-CO" sz="1400" baseline="0" dirty="0"/>
                         <a:t> escoger entre dos idiomas en sistema que son el español y el ingles</a:t>
                       </a:r>
                       <a:r>
-                        <a:rPr lang="es-CO" sz="1400" dirty="0" smtClean="0"/>
+                        <a:rPr lang="es-CO" sz="1400" dirty="0"/>
                         <a:t>.</a:t>
                       </a:r>
-                      <a:endParaRPr lang="es-CO" sz="1400" dirty="0"/>
                     </a:p>
                   </a:txBody>
                   <a:tcPr/>
@@ -22607,18 +22661,17 @@
                         <a:defRPr/>
                       </a:pPr>
                       <a:r>
-                        <a:rPr lang="es-CO" sz="1400" dirty="0" smtClean="0"/>
+                        <a:rPr lang="es-CO" sz="1400" dirty="0"/>
                         <a:t>El sistema</a:t>
                       </a:r>
                       <a:r>
-                        <a:rPr lang="es-CO" sz="1400" baseline="0" dirty="0" smtClean="0"/>
+                        <a:rPr lang="es-CO" sz="1400" baseline="0" dirty="0"/>
                         <a:t> mostrara al usuario la opción de Idioma para que el usuario escoja</a:t>
                       </a:r>
                       <a:r>
-                        <a:rPr lang="es-CO" sz="1400" dirty="0" smtClean="0"/>
+                        <a:rPr lang="es-CO" sz="1400" dirty="0"/>
                         <a:t>.</a:t>
                       </a:r>
-                      <a:endParaRPr lang="es-CO" sz="1400" dirty="0"/>
                     </a:p>
                     <a:p>
                       <a:endParaRPr lang="es-CO" sz="1400" dirty="0"/>
@@ -22733,10 +22786,9 @@
                     <a:lstStyle/>
                     <a:p>
                       <a:r>
-                        <a:rPr lang="es-CO" sz="1400" dirty="0" smtClean="0"/>
+                        <a:rPr lang="es-CO" sz="1400" dirty="0"/>
                         <a:t>Media</a:t>
                       </a:r>
-                      <a:endParaRPr lang="es-CO" sz="1400" dirty="0"/>
                     </a:p>
                   </a:txBody>
                   <a:tcPr/>
@@ -22909,11 +22961,11 @@
                     <a:lstStyle/>
                     <a:p>
                       <a:r>
-                        <a:rPr lang="es-CO" sz="1400" dirty="0" smtClean="0"/>
+                        <a:rPr lang="es-CO" sz="1400" dirty="0"/>
                         <a:t>Actualizar</a:t>
                       </a:r>
                       <a:r>
-                        <a:rPr lang="es-CO" sz="1400" baseline="0" dirty="0" smtClean="0"/>
+                        <a:rPr lang="es-CO" sz="1400" baseline="0" dirty="0"/>
                         <a:t> datos</a:t>
                       </a:r>
                       <a:endParaRPr lang="es-CO" sz="1400" dirty="0"/>
@@ -22947,11 +22999,11 @@
                     <a:lstStyle/>
                     <a:p>
                       <a:r>
-                        <a:rPr lang="es-CO" sz="1400" dirty="0" smtClean="0"/>
+                        <a:rPr lang="es-CO" sz="1400" dirty="0"/>
                         <a:t>El usuario podrá actualizar datos personales</a:t>
                       </a:r>
                       <a:r>
-                        <a:rPr lang="es-CO" sz="1400" baseline="0" dirty="0" smtClean="0"/>
+                        <a:rPr lang="es-CO" sz="1400" baseline="0" dirty="0"/>
                         <a:t> de contacto que van cambiando constantemente desde su perfil.</a:t>
                       </a:r>
                       <a:endParaRPr lang="es-CO" sz="1400" dirty="0"/>
@@ -22985,11 +23037,11 @@
                     <a:lstStyle/>
                     <a:p>
                       <a:r>
-                        <a:rPr lang="es-CO" sz="1400" dirty="0" smtClean="0"/>
+                        <a:rPr lang="es-CO" sz="1400" dirty="0"/>
                         <a:t>El sistema</a:t>
                       </a:r>
                       <a:r>
-                        <a:rPr lang="es-CO" sz="1400" baseline="0" dirty="0" smtClean="0"/>
+                        <a:rPr lang="es-CO" sz="1400" baseline="0" dirty="0"/>
                         <a:t> mostrar en la opción de mi perfil actualizar datos y le  desplegara un formulario con sus datos, permitiéndole actualizar solo unos datos flexibles.</a:t>
                       </a:r>
                       <a:endParaRPr lang="es-CO" sz="1400" dirty="0"/>
@@ -24393,6 +24445,722 @@
           <p:cNvPr id="2" name="Título 1">
             <a:extLst>
               <a:ext uri="{FF2B5EF4-FFF2-40B4-BE49-F238E27FC236}">
+                <a16:creationId xmlns:a16="http://schemas.microsoft.com/office/drawing/2014/main" id="{A544CF25-2F8F-BC45-9D5E-B7214CD84D05}"/>
+              </a:ext>
+            </a:extLst>
+          </p:cNvPr>
+          <p:cNvSpPr>
+            <a:spLocks noGrp="1"/>
+          </p:cNvSpPr>
+          <p:nvPr>
+            <p:ph type="title"/>
+          </p:nvPr>
+        </p:nvSpPr>
+        <p:spPr/>
+        <p:txBody>
+          <a:bodyPr/>
+          <a:lstStyle/>
+          <a:p>
+            <a:r>
+              <a:rPr lang="es-CO" dirty="0"/>
+              <a:t>Requerimientos funcionales</a:t>
+            </a:r>
+          </a:p>
+        </p:txBody>
+      </p:sp>
+      <p:graphicFrame>
+        <p:nvGraphicFramePr>
+          <p:cNvPr id="4" name="Tabla 4">
+            <a:extLst>
+              <a:ext uri="{FF2B5EF4-FFF2-40B4-BE49-F238E27FC236}">
+                <a16:creationId xmlns:a16="http://schemas.microsoft.com/office/drawing/2014/main" id="{104B1BC5-C194-6A4D-BF36-86B68BC29C6E}"/>
+              </a:ext>
+            </a:extLst>
+          </p:cNvPr>
+          <p:cNvGraphicFramePr>
+            <a:graphicFrameLocks noGrp="1"/>
+          </p:cNvGraphicFramePr>
+          <p:nvPr>
+            <p:ph idx="1"/>
+            <p:extLst>
+              <p:ext uri="{D42A27DB-BD31-4B8C-83A1-F6EECF244321}">
+                <p14:modId xmlns:p14="http://schemas.microsoft.com/office/powerpoint/2010/main" val="3601881386"/>
+              </p:ext>
+            </p:extLst>
+          </p:nvPr>
+        </p:nvGraphicFramePr>
+        <p:xfrm>
+          <a:off x="5118100" y="803275"/>
+          <a:ext cx="6281738" cy="4373880"/>
+        </p:xfrm>
+        <a:graphic>
+          <a:graphicData uri="http://schemas.openxmlformats.org/drawingml/2006/table">
+            <a:tbl>
+              <a:tblPr firstRow="1" bandRow="1">
+                <a:tableStyleId>{5C22544A-7EE6-4342-B048-85BDC9FD1C3A}</a:tableStyleId>
+              </a:tblPr>
+              <a:tblGrid>
+                <a:gridCol w="3140869">
+                  <a:extLst>
+                    <a:ext uri="{9D8B030D-6E8A-4147-A177-3AD203B41FA5}">
+                      <a16:colId xmlns:a16="http://schemas.microsoft.com/office/drawing/2014/main" val="1589146686"/>
+                    </a:ext>
+                  </a:extLst>
+                </a:gridCol>
+                <a:gridCol w="3140869">
+                  <a:extLst>
+                    <a:ext uri="{9D8B030D-6E8A-4147-A177-3AD203B41FA5}">
+                      <a16:colId xmlns:a16="http://schemas.microsoft.com/office/drawing/2014/main" val="1463651238"/>
+                    </a:ext>
+                  </a:extLst>
+                </a:gridCol>
+              </a:tblGrid>
+              <a:tr h="370840">
+                <a:tc>
+                  <a:txBody>
+                    <a:bodyPr/>
+                    <a:lstStyle/>
+                    <a:p>
+                      <a:r>
+                        <a:rPr lang="es-CO" sz="1400" dirty="0"/>
+                        <a:t>Identificación del requerimiento</a:t>
+                      </a:r>
+                    </a:p>
+                  </a:txBody>
+                  <a:tcPr/>
+                </a:tc>
+                <a:tc>
+                  <a:txBody>
+                    <a:bodyPr/>
+                    <a:lstStyle/>
+                    <a:p>
+                      <a:r>
+                        <a:rPr lang="es-CO" sz="1400" dirty="0"/>
+                        <a:t>RF017</a:t>
+                      </a:r>
+                    </a:p>
+                  </a:txBody>
+                  <a:tcPr/>
+                </a:tc>
+                <a:extLst>
+                  <a:ext uri="{0D108BD9-81ED-4DB2-BD59-A6C34878D82A}">
+                    <a16:rowId xmlns:a16="http://schemas.microsoft.com/office/drawing/2014/main" val="3568786682"/>
+                  </a:ext>
+                </a:extLst>
+              </a:tr>
+              <a:tr h="370840">
+                <a:tc>
+                  <a:txBody>
+                    <a:bodyPr/>
+                    <a:lstStyle/>
+                    <a:p>
+                      <a:r>
+                        <a:rPr lang="es-CO" sz="1400" dirty="0"/>
+                        <a:t>Nombre del requerimiento</a:t>
+                      </a:r>
+                    </a:p>
+                  </a:txBody>
+                  <a:tcPr/>
+                </a:tc>
+                <a:tc>
+                  <a:txBody>
+                    <a:bodyPr/>
+                    <a:lstStyle/>
+                    <a:p>
+                      <a:r>
+                        <a:rPr lang="es-ES" sz="1400" dirty="0"/>
+                        <a:t>Exportar</a:t>
+                      </a:r>
+                      <a:endParaRPr lang="es-CO" sz="1400" dirty="0"/>
+                    </a:p>
+                  </a:txBody>
+                  <a:tcPr/>
+                </a:tc>
+                <a:extLst>
+                  <a:ext uri="{0D108BD9-81ED-4DB2-BD59-A6C34878D82A}">
+                    <a16:rowId xmlns:a16="http://schemas.microsoft.com/office/drawing/2014/main" val="2616514354"/>
+                  </a:ext>
+                </a:extLst>
+              </a:tr>
+              <a:tr h="370840">
+                <a:tc>
+                  <a:txBody>
+                    <a:bodyPr/>
+                    <a:lstStyle/>
+                    <a:p>
+                      <a:r>
+                        <a:rPr lang="es-CO" sz="1400" dirty="0"/>
+                        <a:t>Características</a:t>
+                      </a:r>
+                    </a:p>
+                  </a:txBody>
+                  <a:tcPr/>
+                </a:tc>
+                <a:tc>
+                  <a:txBody>
+                    <a:bodyPr/>
+                    <a:lstStyle/>
+                    <a:p>
+                      <a:r>
+                        <a:rPr lang="es-ES" sz="1400" dirty="0"/>
+                        <a:t>Exportar una plantilla de Excel para llenar los datos personales de los usuarios</a:t>
+                      </a:r>
+                      <a:endParaRPr lang="es-CO" sz="1400" dirty="0"/>
+                    </a:p>
+                  </a:txBody>
+                  <a:tcPr/>
+                </a:tc>
+                <a:extLst>
+                  <a:ext uri="{0D108BD9-81ED-4DB2-BD59-A6C34878D82A}">
+                    <a16:rowId xmlns:a16="http://schemas.microsoft.com/office/drawing/2014/main" val="1942680024"/>
+                  </a:ext>
+                </a:extLst>
+              </a:tr>
+              <a:tr h="370840">
+                <a:tc>
+                  <a:txBody>
+                    <a:bodyPr/>
+                    <a:lstStyle/>
+                    <a:p>
+                      <a:r>
+                        <a:rPr lang="es-CO" sz="1400" dirty="0"/>
+                        <a:t>Descripción del requerimiento</a:t>
+                      </a:r>
+                    </a:p>
+                  </a:txBody>
+                  <a:tcPr/>
+                </a:tc>
+                <a:tc>
+                  <a:txBody>
+                    <a:bodyPr/>
+                    <a:lstStyle/>
+                    <a:p>
+                      <a:r>
+                        <a:rPr lang="es-ES" sz="1400" dirty="0"/>
+                        <a:t>El usuario podrá exportar el archivo para llenar sus datos personales .</a:t>
+                      </a:r>
+                      <a:endParaRPr lang="es-CO" sz="1400" dirty="0"/>
+                    </a:p>
+                  </a:txBody>
+                  <a:tcPr/>
+                </a:tc>
+                <a:extLst>
+                  <a:ext uri="{0D108BD9-81ED-4DB2-BD59-A6C34878D82A}">
+                    <a16:rowId xmlns:a16="http://schemas.microsoft.com/office/drawing/2014/main" val="2968710298"/>
+                  </a:ext>
+                </a:extLst>
+              </a:tr>
+              <a:tr h="370840">
+                <a:tc>
+                  <a:txBody>
+                    <a:bodyPr/>
+                    <a:lstStyle/>
+                    <a:p>
+                      <a:r>
+                        <a:rPr lang="es-CO" sz="1400" dirty="0"/>
+                        <a:t>Requerimientos no funcionales</a:t>
+                      </a:r>
+                    </a:p>
+                  </a:txBody>
+                  <a:tcPr/>
+                </a:tc>
+                <a:tc>
+                  <a:txBody>
+                    <a:bodyPr/>
+                    <a:lstStyle/>
+                    <a:p>
+                      <a:r>
+                        <a:rPr lang="es-CO" sz="1400" dirty="0"/>
+                        <a:t>RNF01</a:t>
+                      </a:r>
+                    </a:p>
+                    <a:p>
+                      <a:r>
+                        <a:rPr lang="es-CO" sz="1400" dirty="0"/>
+                        <a:t>RNF08</a:t>
+                      </a:r>
+                    </a:p>
+                    <a:p>
+                      <a:r>
+                        <a:rPr lang="es-CO" sz="1400" dirty="0"/>
+                        <a:t>RNF09</a:t>
+                      </a:r>
+                    </a:p>
+                    <a:p>
+                      <a:r>
+                        <a:rPr lang="es-CO" sz="1400" dirty="0"/>
+                        <a:t>RNF10</a:t>
+                      </a:r>
+                    </a:p>
+                    <a:p>
+                      <a:r>
+                        <a:rPr lang="es-CO" sz="1400" dirty="0"/>
+                        <a:t>RNF11</a:t>
+                      </a:r>
+                    </a:p>
+                    <a:p>
+                      <a:r>
+                        <a:rPr lang="es-CO" sz="1400" dirty="0"/>
+                        <a:t>RNF13</a:t>
+                      </a:r>
+                    </a:p>
+                    <a:p>
+                      <a:r>
+                        <a:rPr lang="es-CO" sz="1400" dirty="0"/>
+                        <a:t>RNF14</a:t>
+                      </a:r>
+                    </a:p>
+                    <a:p>
+                      <a:r>
+                        <a:rPr lang="es-CO" sz="1400" dirty="0"/>
+                        <a:t>RNF15</a:t>
+                      </a:r>
+                    </a:p>
+                    <a:p>
+                      <a:r>
+                        <a:rPr lang="es-CO" sz="1400" dirty="0"/>
+                        <a:t>RNF16</a:t>
+                      </a:r>
+                    </a:p>
+                  </a:txBody>
+                  <a:tcPr/>
+                </a:tc>
+                <a:extLst>
+                  <a:ext uri="{0D108BD9-81ED-4DB2-BD59-A6C34878D82A}">
+                    <a16:rowId xmlns:a16="http://schemas.microsoft.com/office/drawing/2014/main" val="302045704"/>
+                  </a:ext>
+                </a:extLst>
+              </a:tr>
+              <a:tr h="370840">
+                <a:tc>
+                  <a:txBody>
+                    <a:bodyPr/>
+                    <a:lstStyle/>
+                    <a:p>
+                      <a:r>
+                        <a:rPr lang="es-CO" sz="1400" dirty="0"/>
+                        <a:t>Prioridad del requerimiento</a:t>
+                      </a:r>
+                    </a:p>
+                  </a:txBody>
+                  <a:tcPr/>
+                </a:tc>
+                <a:tc>
+                  <a:txBody>
+                    <a:bodyPr/>
+                    <a:lstStyle/>
+                    <a:p>
+                      <a:r>
+                        <a:rPr lang="es-CO" sz="1400" dirty="0"/>
+                        <a:t>Alta</a:t>
+                      </a:r>
+                    </a:p>
+                  </a:txBody>
+                  <a:tcPr/>
+                </a:tc>
+                <a:extLst>
+                  <a:ext uri="{0D108BD9-81ED-4DB2-BD59-A6C34878D82A}">
+                    <a16:rowId xmlns:a16="http://schemas.microsoft.com/office/drawing/2014/main" val="2916724385"/>
+                  </a:ext>
+                </a:extLst>
+              </a:tr>
+            </a:tbl>
+          </a:graphicData>
+        </a:graphic>
+      </p:graphicFrame>
+    </p:spTree>
+    <p:extLst>
+      <p:ext uri="{BB962C8B-B14F-4D97-AF65-F5344CB8AC3E}">
+        <p14:creationId xmlns:p14="http://schemas.microsoft.com/office/powerpoint/2010/main" val="3337784037"/>
+      </p:ext>
+    </p:extLst>
+  </p:cSld>
+  <p:clrMapOvr>
+    <a:masterClrMapping/>
+  </p:clrMapOvr>
+</p:sld>
+</file>
+
+<file path=ppt/slides/slide51.xml><?xml version="1.0" encoding="utf-8"?>
+<p:sld xmlns:a="http://schemas.openxmlformats.org/drawingml/2006/main" xmlns:r="http://schemas.openxmlformats.org/officeDocument/2006/relationships" xmlns:p="http://schemas.openxmlformats.org/presentationml/2006/main">
+  <p:cSld>
+    <p:spTree>
+      <p:nvGrpSpPr>
+        <p:cNvPr id="1" name=""/>
+        <p:cNvGrpSpPr/>
+        <p:nvPr/>
+      </p:nvGrpSpPr>
+      <p:grpSpPr>
+        <a:xfrm>
+          <a:off x="0" y="0"/>
+          <a:ext cx="0" cy="0"/>
+          <a:chOff x="0" y="0"/>
+          <a:chExt cx="0" cy="0"/>
+        </a:xfrm>
+      </p:grpSpPr>
+      <p:sp>
+        <p:nvSpPr>
+          <p:cNvPr id="2" name="Título 1">
+            <a:extLst>
+              <a:ext uri="{FF2B5EF4-FFF2-40B4-BE49-F238E27FC236}">
+                <a16:creationId xmlns:a16="http://schemas.microsoft.com/office/drawing/2014/main" id="{A544CF25-2F8F-BC45-9D5E-B7214CD84D05}"/>
+              </a:ext>
+            </a:extLst>
+          </p:cNvPr>
+          <p:cNvSpPr>
+            <a:spLocks noGrp="1"/>
+          </p:cNvSpPr>
+          <p:nvPr>
+            <p:ph type="title"/>
+          </p:nvPr>
+        </p:nvSpPr>
+        <p:spPr/>
+        <p:txBody>
+          <a:bodyPr/>
+          <a:lstStyle/>
+          <a:p>
+            <a:r>
+              <a:rPr lang="es-CO" dirty="0"/>
+              <a:t>Requerimientos funcionales</a:t>
+            </a:r>
+          </a:p>
+        </p:txBody>
+      </p:sp>
+      <p:graphicFrame>
+        <p:nvGraphicFramePr>
+          <p:cNvPr id="4" name="Tabla 4">
+            <a:extLst>
+              <a:ext uri="{FF2B5EF4-FFF2-40B4-BE49-F238E27FC236}">
+                <a16:creationId xmlns:a16="http://schemas.microsoft.com/office/drawing/2014/main" id="{104B1BC5-C194-6A4D-BF36-86B68BC29C6E}"/>
+              </a:ext>
+            </a:extLst>
+          </p:cNvPr>
+          <p:cNvGraphicFramePr>
+            <a:graphicFrameLocks noGrp="1"/>
+          </p:cNvGraphicFramePr>
+          <p:nvPr>
+            <p:ph idx="1"/>
+            <p:extLst>
+              <p:ext uri="{D42A27DB-BD31-4B8C-83A1-F6EECF244321}">
+                <p14:modId xmlns:p14="http://schemas.microsoft.com/office/powerpoint/2010/main" val="320036357"/>
+              </p:ext>
+            </p:extLst>
+          </p:nvPr>
+        </p:nvGraphicFramePr>
+        <p:xfrm>
+          <a:off x="5118100" y="803275"/>
+          <a:ext cx="6281738" cy="4587240"/>
+        </p:xfrm>
+        <a:graphic>
+          <a:graphicData uri="http://schemas.openxmlformats.org/drawingml/2006/table">
+            <a:tbl>
+              <a:tblPr firstRow="1" bandRow="1">
+                <a:tableStyleId>{5C22544A-7EE6-4342-B048-85BDC9FD1C3A}</a:tableStyleId>
+              </a:tblPr>
+              <a:tblGrid>
+                <a:gridCol w="3140869">
+                  <a:extLst>
+                    <a:ext uri="{9D8B030D-6E8A-4147-A177-3AD203B41FA5}">
+                      <a16:colId xmlns:a16="http://schemas.microsoft.com/office/drawing/2014/main" val="1589146686"/>
+                    </a:ext>
+                  </a:extLst>
+                </a:gridCol>
+                <a:gridCol w="3140869">
+                  <a:extLst>
+                    <a:ext uri="{9D8B030D-6E8A-4147-A177-3AD203B41FA5}">
+                      <a16:colId xmlns:a16="http://schemas.microsoft.com/office/drawing/2014/main" val="1463651238"/>
+                    </a:ext>
+                  </a:extLst>
+                </a:gridCol>
+              </a:tblGrid>
+              <a:tr h="370840">
+                <a:tc>
+                  <a:txBody>
+                    <a:bodyPr/>
+                    <a:lstStyle/>
+                    <a:p>
+                      <a:r>
+                        <a:rPr lang="es-CO" sz="1400" dirty="0"/>
+                        <a:t>Identificación del requerimiento</a:t>
+                      </a:r>
+                    </a:p>
+                  </a:txBody>
+                  <a:tcPr/>
+                </a:tc>
+                <a:tc>
+                  <a:txBody>
+                    <a:bodyPr/>
+                    <a:lstStyle/>
+                    <a:p>
+                      <a:r>
+                        <a:rPr lang="es-CO" sz="1400" dirty="0"/>
+                        <a:t>RF018</a:t>
+                      </a:r>
+                    </a:p>
+                  </a:txBody>
+                  <a:tcPr/>
+                </a:tc>
+                <a:extLst>
+                  <a:ext uri="{0D108BD9-81ED-4DB2-BD59-A6C34878D82A}">
+                    <a16:rowId xmlns:a16="http://schemas.microsoft.com/office/drawing/2014/main" val="3568786682"/>
+                  </a:ext>
+                </a:extLst>
+              </a:tr>
+              <a:tr h="370840">
+                <a:tc>
+                  <a:txBody>
+                    <a:bodyPr/>
+                    <a:lstStyle/>
+                    <a:p>
+                      <a:r>
+                        <a:rPr lang="es-CO" sz="1400" dirty="0"/>
+                        <a:t>Nombre del requerimiento</a:t>
+                      </a:r>
+                    </a:p>
+                  </a:txBody>
+                  <a:tcPr/>
+                </a:tc>
+                <a:tc>
+                  <a:txBody>
+                    <a:bodyPr/>
+                    <a:lstStyle/>
+                    <a:p>
+                      <a:r>
+                        <a:rPr lang="es-ES" sz="1400" dirty="0"/>
+                        <a:t>Importar</a:t>
+                      </a:r>
+                      <a:endParaRPr lang="es-CO" sz="1400" dirty="0"/>
+                    </a:p>
+                  </a:txBody>
+                  <a:tcPr/>
+                </a:tc>
+                <a:extLst>
+                  <a:ext uri="{0D108BD9-81ED-4DB2-BD59-A6C34878D82A}">
+                    <a16:rowId xmlns:a16="http://schemas.microsoft.com/office/drawing/2014/main" val="2616514354"/>
+                  </a:ext>
+                </a:extLst>
+              </a:tr>
+              <a:tr h="370840">
+                <a:tc>
+                  <a:txBody>
+                    <a:bodyPr/>
+                    <a:lstStyle/>
+                    <a:p>
+                      <a:r>
+                        <a:rPr lang="es-CO" sz="1400" dirty="0"/>
+                        <a:t>Características</a:t>
+                      </a:r>
+                    </a:p>
+                  </a:txBody>
+                  <a:tcPr/>
+                </a:tc>
+                <a:tc>
+                  <a:txBody>
+                    <a:bodyPr/>
+                    <a:lstStyle/>
+                    <a:p>
+                      <a:r>
+                        <a:rPr lang="es-ES" sz="1400" dirty="0"/>
+                        <a:t>El administrador importa los archivos al sistema SIGC.</a:t>
+                      </a:r>
+                      <a:endParaRPr lang="es-CO" sz="1400" dirty="0"/>
+                    </a:p>
+                  </a:txBody>
+                  <a:tcPr/>
+                </a:tc>
+                <a:extLst>
+                  <a:ext uri="{0D108BD9-81ED-4DB2-BD59-A6C34878D82A}">
+                    <a16:rowId xmlns:a16="http://schemas.microsoft.com/office/drawing/2014/main" val="1942680024"/>
+                  </a:ext>
+                </a:extLst>
+              </a:tr>
+              <a:tr h="370840">
+                <a:tc>
+                  <a:txBody>
+                    <a:bodyPr/>
+                    <a:lstStyle/>
+                    <a:p>
+                      <a:r>
+                        <a:rPr lang="es-CO" sz="1400" dirty="0"/>
+                        <a:t>Descripción del requerimiento</a:t>
+                      </a:r>
+                    </a:p>
+                  </a:txBody>
+                  <a:tcPr/>
+                </a:tc>
+                <a:tc>
+                  <a:txBody>
+                    <a:bodyPr/>
+                    <a:lstStyle/>
+                    <a:p>
+                      <a:r>
+                        <a:rPr lang="es-ES" sz="1400" dirty="0"/>
+                        <a:t>Importara el archivo Exel para que los usuarios puedan estar registrados y actualizados en la plataforma SIGC.</a:t>
+                      </a:r>
+                      <a:endParaRPr lang="es-CO" sz="1400" dirty="0"/>
+                    </a:p>
+                  </a:txBody>
+                  <a:tcPr/>
+                </a:tc>
+                <a:extLst>
+                  <a:ext uri="{0D108BD9-81ED-4DB2-BD59-A6C34878D82A}">
+                    <a16:rowId xmlns:a16="http://schemas.microsoft.com/office/drawing/2014/main" val="2968710298"/>
+                  </a:ext>
+                </a:extLst>
+              </a:tr>
+              <a:tr h="370840">
+                <a:tc>
+                  <a:txBody>
+                    <a:bodyPr/>
+                    <a:lstStyle/>
+                    <a:p>
+                      <a:r>
+                        <a:rPr lang="es-CO" sz="1400" dirty="0"/>
+                        <a:t>Requerimientos no funcionales</a:t>
+                      </a:r>
+                    </a:p>
+                  </a:txBody>
+                  <a:tcPr/>
+                </a:tc>
+                <a:tc>
+                  <a:txBody>
+                    <a:bodyPr/>
+                    <a:lstStyle/>
+                    <a:p>
+                      <a:r>
+                        <a:rPr lang="es-CO" sz="1400" dirty="0"/>
+                        <a:t>RNF01</a:t>
+                      </a:r>
+                    </a:p>
+                    <a:p>
+                      <a:r>
+                        <a:rPr lang="es-CO" sz="1400" dirty="0"/>
+                        <a:t>RNF08</a:t>
+                      </a:r>
+                    </a:p>
+                    <a:p>
+                      <a:r>
+                        <a:rPr lang="es-CO" sz="1400" dirty="0"/>
+                        <a:t>RNF09</a:t>
+                      </a:r>
+                    </a:p>
+                    <a:p>
+                      <a:r>
+                        <a:rPr lang="es-CO" sz="1400" dirty="0"/>
+                        <a:t>RNF10</a:t>
+                      </a:r>
+                    </a:p>
+                    <a:p>
+                      <a:r>
+                        <a:rPr lang="es-CO" sz="1400" dirty="0"/>
+                        <a:t>RNF11</a:t>
+                      </a:r>
+                    </a:p>
+                    <a:p>
+                      <a:r>
+                        <a:rPr lang="es-CO" sz="1400" dirty="0"/>
+                        <a:t>RNF13</a:t>
+                      </a:r>
+                    </a:p>
+                    <a:p>
+                      <a:r>
+                        <a:rPr lang="es-CO" sz="1400" dirty="0"/>
+                        <a:t>RNF14</a:t>
+                      </a:r>
+                    </a:p>
+                    <a:p>
+                      <a:r>
+                        <a:rPr lang="es-CO" sz="1400" dirty="0"/>
+                        <a:t>RNF15</a:t>
+                      </a:r>
+                    </a:p>
+                    <a:p>
+                      <a:r>
+                        <a:rPr lang="es-CO" sz="1400" dirty="0"/>
+                        <a:t>RNF16</a:t>
+                      </a:r>
+                    </a:p>
+                  </a:txBody>
+                  <a:tcPr/>
+                </a:tc>
+                <a:extLst>
+                  <a:ext uri="{0D108BD9-81ED-4DB2-BD59-A6C34878D82A}">
+                    <a16:rowId xmlns:a16="http://schemas.microsoft.com/office/drawing/2014/main" val="302045704"/>
+                  </a:ext>
+                </a:extLst>
+              </a:tr>
+              <a:tr h="370840">
+                <a:tc>
+                  <a:txBody>
+                    <a:bodyPr/>
+                    <a:lstStyle/>
+                    <a:p>
+                      <a:r>
+                        <a:rPr lang="es-CO" sz="1400" dirty="0"/>
+                        <a:t>Prioridad del requerimiento</a:t>
+                      </a:r>
+                    </a:p>
+                  </a:txBody>
+                  <a:tcPr/>
+                </a:tc>
+                <a:tc>
+                  <a:txBody>
+                    <a:bodyPr/>
+                    <a:lstStyle/>
+                    <a:p>
+                      <a:r>
+                        <a:rPr lang="es-CO" sz="1400" dirty="0"/>
+                        <a:t>Alta</a:t>
+                      </a:r>
+                    </a:p>
+                  </a:txBody>
+                  <a:tcPr/>
+                </a:tc>
+                <a:extLst>
+                  <a:ext uri="{0D108BD9-81ED-4DB2-BD59-A6C34878D82A}">
+                    <a16:rowId xmlns:a16="http://schemas.microsoft.com/office/drawing/2014/main" val="2916724385"/>
+                  </a:ext>
+                </a:extLst>
+              </a:tr>
+            </a:tbl>
+          </a:graphicData>
+        </a:graphic>
+      </p:graphicFrame>
+    </p:spTree>
+    <p:extLst>
+      <p:ext uri="{BB962C8B-B14F-4D97-AF65-F5344CB8AC3E}">
+        <p14:creationId xmlns:p14="http://schemas.microsoft.com/office/powerpoint/2010/main" val="3841520591"/>
+      </p:ext>
+    </p:extLst>
+  </p:cSld>
+  <p:clrMapOvr>
+    <a:masterClrMapping/>
+  </p:clrMapOvr>
+</p:sld>
+</file>
+
+<file path=ppt/slides/slide52.xml><?xml version="1.0" encoding="utf-8"?>
+<p:sld xmlns:a="http://schemas.openxmlformats.org/drawingml/2006/main" xmlns:r="http://schemas.openxmlformats.org/officeDocument/2006/relationships" xmlns:p="http://schemas.openxmlformats.org/presentationml/2006/main">
+  <p:cSld>
+    <p:spTree>
+      <p:nvGrpSpPr>
+        <p:cNvPr id="1" name=""/>
+        <p:cNvGrpSpPr/>
+        <p:nvPr/>
+      </p:nvGrpSpPr>
+      <p:grpSpPr>
+        <a:xfrm>
+          <a:off x="0" y="0"/>
+          <a:ext cx="0" cy="0"/>
+          <a:chOff x="0" y="0"/>
+          <a:chExt cx="0" cy="0"/>
+        </a:xfrm>
+      </p:grpSpPr>
+      <p:sp>
+        <p:nvSpPr>
+          <p:cNvPr id="2" name="Título 1">
+            <a:extLst>
+              <a:ext uri="{FF2B5EF4-FFF2-40B4-BE49-F238E27FC236}">
                 <a16:creationId xmlns:a16="http://schemas.microsoft.com/office/drawing/2014/main" id="{F309AD44-898D-45CE-85F6-9EECB26B077E}"/>
               </a:ext>
             </a:extLst>
@@ -24473,7 +25241,7 @@
 </p:sld>
 </file>
 
-<file path=ppt/slides/slide51.xml><?xml version="1.0" encoding="utf-8"?>
+<file path=ppt/slides/slide53.xml><?xml version="1.0" encoding="utf-8"?>
 <p:sld xmlns:a="http://schemas.openxmlformats.org/drawingml/2006/main" xmlns:r="http://schemas.openxmlformats.org/officeDocument/2006/relationships" xmlns:p="http://schemas.openxmlformats.org/presentationml/2006/main">
   <p:cSld>
     <p:spTree>
@@ -24742,7 +25510,7 @@
 </p:sld>
 </file>
 
-<file path=ppt/slides/slide52.xml><?xml version="1.0" encoding="utf-8"?>
+<file path=ppt/slides/slide54.xml><?xml version="1.0" encoding="utf-8"?>
 <p:sld xmlns:a="http://schemas.openxmlformats.org/drawingml/2006/main" xmlns:r="http://schemas.openxmlformats.org/officeDocument/2006/relationships" xmlns:p="http://schemas.openxmlformats.org/presentationml/2006/main">
   <p:cSld>
     <p:spTree>
@@ -25011,7 +25779,7 @@
 </p:sld>
 </file>
 
-<file path=ppt/slides/slide53.xml><?xml version="1.0" encoding="utf-8"?>
+<file path=ppt/slides/slide55.xml><?xml version="1.0" encoding="utf-8"?>
 <p:sld xmlns:a="http://schemas.openxmlformats.org/drawingml/2006/main" xmlns:r="http://schemas.openxmlformats.org/officeDocument/2006/relationships" xmlns:p="http://schemas.openxmlformats.org/presentationml/2006/main">
   <p:cSld>
     <p:spTree>
@@ -25305,7 +26073,7 @@
 </p:sld>
 </file>
 
-<file path=ppt/slides/slide54.xml><?xml version="1.0" encoding="utf-8"?>
+<file path=ppt/slides/slide56.xml><?xml version="1.0" encoding="utf-8"?>
 <p:sld xmlns:a="http://schemas.openxmlformats.org/drawingml/2006/main" xmlns:r="http://schemas.openxmlformats.org/officeDocument/2006/relationships" xmlns:p="http://schemas.openxmlformats.org/presentationml/2006/main">
   <p:cSld>
     <p:spTree>
@@ -25615,7 +26383,7 @@
 </p:sld>
 </file>
 
-<file path=ppt/slides/slide55.xml><?xml version="1.0" encoding="utf-8"?>
+<file path=ppt/slides/slide57.xml><?xml version="1.0" encoding="utf-8"?>
 <p:sld xmlns:a="http://schemas.openxmlformats.org/drawingml/2006/main" xmlns:r="http://schemas.openxmlformats.org/officeDocument/2006/relationships" xmlns:p="http://schemas.openxmlformats.org/presentationml/2006/main">
   <p:cSld>
     <p:spTree>
@@ -25888,7 +26656,7 @@
 </p:sld>
 </file>
 
-<file path=ppt/slides/slide56.xml><?xml version="1.0" encoding="utf-8"?>
+<file path=ppt/slides/slide58.xml><?xml version="1.0" encoding="utf-8"?>
 <p:sld xmlns:a="http://schemas.openxmlformats.org/drawingml/2006/main" xmlns:r="http://schemas.openxmlformats.org/officeDocument/2006/relationships" xmlns:p="http://schemas.openxmlformats.org/presentationml/2006/main">
   <p:cSld>
     <p:spTree>
@@ -26161,7 +26929,7 @@
 </p:sld>
 </file>
 
-<file path=ppt/slides/slide57.xml><?xml version="1.0" encoding="utf-8"?>
+<file path=ppt/slides/slide59.xml><?xml version="1.0" encoding="utf-8"?>
 <p:sld xmlns:a="http://schemas.openxmlformats.org/drawingml/2006/main" xmlns:r="http://schemas.openxmlformats.org/officeDocument/2006/relationships" xmlns:p="http://schemas.openxmlformats.org/presentationml/2006/main">
   <p:cSld>
     <p:spTree>
@@ -26425,586 +27193,6 @@
     <p:extLst>
       <p:ext uri="{BB962C8B-B14F-4D97-AF65-F5344CB8AC3E}">
         <p14:creationId xmlns:p14="http://schemas.microsoft.com/office/powerpoint/2010/main" val="212009857"/>
-      </p:ext>
-    </p:extLst>
-  </p:cSld>
-  <p:clrMapOvr>
-    <a:masterClrMapping/>
-  </p:clrMapOvr>
-</p:sld>
-</file>
-
-<file path=ppt/slides/slide58.xml><?xml version="1.0" encoding="utf-8"?>
-<p:sld xmlns:a="http://schemas.openxmlformats.org/drawingml/2006/main" xmlns:r="http://schemas.openxmlformats.org/officeDocument/2006/relationships" xmlns:p="http://schemas.openxmlformats.org/presentationml/2006/main">
-  <p:cSld>
-    <p:spTree>
-      <p:nvGrpSpPr>
-        <p:cNvPr id="1" name=""/>
-        <p:cNvGrpSpPr/>
-        <p:nvPr/>
-      </p:nvGrpSpPr>
-      <p:grpSpPr>
-        <a:xfrm>
-          <a:off x="0" y="0"/>
-          <a:ext cx="0" cy="0"/>
-          <a:chOff x="0" y="0"/>
-          <a:chExt cx="0" cy="0"/>
-        </a:xfrm>
-      </p:grpSpPr>
-      <p:sp>
-        <p:nvSpPr>
-          <p:cNvPr id="2" name="Título 1">
-            <a:extLst>
-              <a:ext uri="{FF2B5EF4-FFF2-40B4-BE49-F238E27FC236}">
-                <a16:creationId xmlns:a16="http://schemas.microsoft.com/office/drawing/2014/main" id="{0DF8FDDE-7FF6-114B-95BB-26E67991BA49}"/>
-              </a:ext>
-            </a:extLst>
-          </p:cNvPr>
-          <p:cNvSpPr>
-            <a:spLocks noGrp="1"/>
-          </p:cNvSpPr>
-          <p:nvPr>
-            <p:ph type="title"/>
-          </p:nvPr>
-        </p:nvSpPr>
-        <p:spPr/>
-        <p:txBody>
-          <a:bodyPr/>
-          <a:lstStyle/>
-          <a:p>
-            <a:r>
-              <a:rPr lang="es-CO"/>
-              <a:t>Requerimientos </a:t>
-            </a:r>
-            <a:r>
-              <a:rPr lang="es-CO" dirty="0"/>
-              <a:t>no funcionales</a:t>
-            </a:r>
-          </a:p>
-        </p:txBody>
-      </p:sp>
-      <p:graphicFrame>
-        <p:nvGraphicFramePr>
-          <p:cNvPr id="4" name="Tabla 4">
-            <a:extLst>
-              <a:ext uri="{FF2B5EF4-FFF2-40B4-BE49-F238E27FC236}">
-                <a16:creationId xmlns:a16="http://schemas.microsoft.com/office/drawing/2014/main" id="{3275B20B-304D-3645-A6E7-687160D9B56D}"/>
-              </a:ext>
-            </a:extLst>
-          </p:cNvPr>
-          <p:cNvGraphicFramePr>
-            <a:graphicFrameLocks noGrp="1"/>
-          </p:cNvGraphicFramePr>
-          <p:nvPr>
-            <p:ph idx="1"/>
-          </p:nvPr>
-        </p:nvGraphicFramePr>
-        <p:xfrm>
-          <a:off x="5118100" y="803275"/>
-          <a:ext cx="6281738" cy="4023360"/>
-        </p:xfrm>
-        <a:graphic>
-          <a:graphicData uri="http://schemas.openxmlformats.org/drawingml/2006/table">
-            <a:tbl>
-              <a:tblPr firstRow="1" bandRow="1">
-                <a:tableStyleId>{5C22544A-7EE6-4342-B048-85BDC9FD1C3A}</a:tableStyleId>
-              </a:tblPr>
-              <a:tblGrid>
-                <a:gridCol w="3140869">
-                  <a:extLst>
-                    <a:ext uri="{9D8B030D-6E8A-4147-A177-3AD203B41FA5}">
-                      <a16:colId xmlns:a16="http://schemas.microsoft.com/office/drawing/2014/main" val="2405063638"/>
-                    </a:ext>
-                  </a:extLst>
-                </a:gridCol>
-                <a:gridCol w="3140869">
-                  <a:extLst>
-                    <a:ext uri="{9D8B030D-6E8A-4147-A177-3AD203B41FA5}">
-                      <a16:colId xmlns:a16="http://schemas.microsoft.com/office/drawing/2014/main" val="3099478781"/>
-                    </a:ext>
-                  </a:extLst>
-                </a:gridCol>
-              </a:tblGrid>
-              <a:tr h="370840">
-                <a:tc>
-                  <a:txBody>
-                    <a:bodyPr/>
-                    <a:lstStyle/>
-                    <a:p>
-                      <a:r>
-                        <a:rPr lang="es-CO" dirty="0"/>
-                        <a:t>Identificación del requerimiento</a:t>
-                      </a:r>
-                    </a:p>
-                  </a:txBody>
-                  <a:tcPr/>
-                </a:tc>
-                <a:tc>
-                  <a:txBody>
-                    <a:bodyPr/>
-                    <a:lstStyle/>
-                    <a:p>
-                      <a:r>
-                        <a:rPr lang="es-CO" dirty="0"/>
-                        <a:t>RNF08</a:t>
-                      </a:r>
-                    </a:p>
-                  </a:txBody>
-                  <a:tcPr/>
-                </a:tc>
-                <a:extLst>
-                  <a:ext uri="{0D108BD9-81ED-4DB2-BD59-A6C34878D82A}">
-                    <a16:rowId xmlns:a16="http://schemas.microsoft.com/office/drawing/2014/main" val="3120795479"/>
-                  </a:ext>
-                </a:extLst>
-              </a:tr>
-              <a:tr h="370840">
-                <a:tc>
-                  <a:txBody>
-                    <a:bodyPr/>
-                    <a:lstStyle/>
-                    <a:p>
-                      <a:r>
-                        <a:rPr lang="es-CO" dirty="0"/>
-                        <a:t>Nombre del requerimiento</a:t>
-                      </a:r>
-                    </a:p>
-                  </a:txBody>
-                  <a:tcPr/>
-                </a:tc>
-                <a:tc>
-                  <a:txBody>
-                    <a:bodyPr/>
-                    <a:lstStyle/>
-                    <a:p>
-                      <a:r>
-                        <a:rPr lang="es-CO" dirty="0"/>
-                        <a:t>Velocidad de generación de datos</a:t>
-                      </a:r>
-                    </a:p>
-                  </a:txBody>
-                  <a:tcPr/>
-                </a:tc>
-                <a:extLst>
-                  <a:ext uri="{0D108BD9-81ED-4DB2-BD59-A6C34878D82A}">
-                    <a16:rowId xmlns:a16="http://schemas.microsoft.com/office/drawing/2014/main" val="1343925762"/>
-                  </a:ext>
-                </a:extLst>
-              </a:tr>
-              <a:tr h="370840">
-                <a:tc>
-                  <a:txBody>
-                    <a:bodyPr/>
-                    <a:lstStyle/>
-                    <a:p>
-                      <a:r>
-                        <a:rPr lang="es-CO" dirty="0"/>
-                        <a:t>Caracterísitcas</a:t>
-                      </a:r>
-                    </a:p>
-                  </a:txBody>
-                  <a:tcPr/>
-                </a:tc>
-                <a:tc>
-                  <a:txBody>
-                    <a:bodyPr/>
-                    <a:lstStyle/>
-                    <a:p>
-                      <a:r>
-                        <a:rPr lang="es-CO" dirty="0"/>
-                        <a:t>El sistema debe generar informes estadísticos de forma rápida.</a:t>
-                      </a:r>
-                    </a:p>
-                  </a:txBody>
-                  <a:tcPr/>
-                </a:tc>
-                <a:extLst>
-                  <a:ext uri="{0D108BD9-81ED-4DB2-BD59-A6C34878D82A}">
-                    <a16:rowId xmlns:a16="http://schemas.microsoft.com/office/drawing/2014/main" val="769886354"/>
-                  </a:ext>
-                </a:extLst>
-              </a:tr>
-              <a:tr h="370840">
-                <a:tc>
-                  <a:txBody>
-                    <a:bodyPr/>
-                    <a:lstStyle/>
-                    <a:p>
-                      <a:r>
-                        <a:rPr lang="es-CO" dirty="0"/>
-                        <a:t>Descripción del requerimiento</a:t>
-                      </a:r>
-                    </a:p>
-                  </a:txBody>
-                  <a:tcPr/>
-                </a:tc>
-                <a:tc>
-                  <a:txBody>
-                    <a:bodyPr/>
-                    <a:lstStyle/>
-                    <a:p>
-                      <a:pPr marL="0" marR="0" lvl="0" indent="0" algn="l" defTabSz="914400" rtl="0" eaLnBrk="1" fontAlgn="auto" latinLnBrk="0" hangingPunct="1">
-                        <a:lnSpc>
-                          <a:spcPct val="100000"/>
-                        </a:lnSpc>
-                        <a:spcBef>
-                          <a:spcPts val="0"/>
-                        </a:spcBef>
-                        <a:spcAft>
-                          <a:spcPts val="0"/>
-                        </a:spcAft>
-                        <a:buClrTx/>
-                        <a:buSzTx/>
-                        <a:buFontTx/>
-                        <a:buNone/>
-                        <a:tabLst/>
-                        <a:defRPr/>
-                      </a:pPr>
-                      <a:r>
-                        <a:rPr lang="es-CO" dirty="0"/>
-                        <a:t>El sistema debe generar los informes estadísticos en un tiempo máximo de 0,7 segundos.</a:t>
-                      </a:r>
-                    </a:p>
-                  </a:txBody>
-                  <a:tcPr/>
-                </a:tc>
-                <a:extLst>
-                  <a:ext uri="{0D108BD9-81ED-4DB2-BD59-A6C34878D82A}">
-                    <a16:rowId xmlns:a16="http://schemas.microsoft.com/office/drawing/2014/main" val="2397840479"/>
-                  </a:ext>
-                </a:extLst>
-              </a:tr>
-              <a:tr h="370840">
-                <a:tc>
-                  <a:txBody>
-                    <a:bodyPr/>
-                    <a:lstStyle/>
-                    <a:p>
-                      <a:r>
-                        <a:rPr lang="es-CO" dirty="0"/>
-                        <a:t>Prioridad del requerimiento</a:t>
-                      </a:r>
-                    </a:p>
-                  </a:txBody>
-                  <a:tcPr/>
-                </a:tc>
-                <a:tc>
-                  <a:txBody>
-                    <a:bodyPr/>
-                    <a:lstStyle/>
-                    <a:p>
-                      <a:r>
-                        <a:rPr lang="es-CO" dirty="0"/>
-                        <a:t>Alta</a:t>
-                      </a:r>
-                    </a:p>
-                  </a:txBody>
-                  <a:tcPr/>
-                </a:tc>
-                <a:extLst>
-                  <a:ext uri="{0D108BD9-81ED-4DB2-BD59-A6C34878D82A}">
-                    <a16:rowId xmlns:a16="http://schemas.microsoft.com/office/drawing/2014/main" val="1876826554"/>
-                  </a:ext>
-                </a:extLst>
-              </a:tr>
-            </a:tbl>
-          </a:graphicData>
-        </a:graphic>
-      </p:graphicFrame>
-    </p:spTree>
-    <p:extLst>
-      <p:ext uri="{BB962C8B-B14F-4D97-AF65-F5344CB8AC3E}">
-        <p14:creationId xmlns:p14="http://schemas.microsoft.com/office/powerpoint/2010/main" val="4007938138"/>
-      </p:ext>
-    </p:extLst>
-  </p:cSld>
-  <p:clrMapOvr>
-    <a:masterClrMapping/>
-  </p:clrMapOvr>
-</p:sld>
-</file>
-
-<file path=ppt/slides/slide59.xml><?xml version="1.0" encoding="utf-8"?>
-<p:sld xmlns:a="http://schemas.openxmlformats.org/drawingml/2006/main" xmlns:r="http://schemas.openxmlformats.org/officeDocument/2006/relationships" xmlns:p="http://schemas.openxmlformats.org/presentationml/2006/main">
-  <p:cSld>
-    <p:spTree>
-      <p:nvGrpSpPr>
-        <p:cNvPr id="1" name=""/>
-        <p:cNvGrpSpPr/>
-        <p:nvPr/>
-      </p:nvGrpSpPr>
-      <p:grpSpPr>
-        <a:xfrm>
-          <a:off x="0" y="0"/>
-          <a:ext cx="0" cy="0"/>
-          <a:chOff x="0" y="0"/>
-          <a:chExt cx="0" cy="0"/>
-        </a:xfrm>
-      </p:grpSpPr>
-      <p:sp>
-        <p:nvSpPr>
-          <p:cNvPr id="2" name="Título 1">
-            <a:extLst>
-              <a:ext uri="{FF2B5EF4-FFF2-40B4-BE49-F238E27FC236}">
-                <a16:creationId xmlns:a16="http://schemas.microsoft.com/office/drawing/2014/main" id="{0DF8FDDE-7FF6-114B-95BB-26E67991BA49}"/>
-              </a:ext>
-            </a:extLst>
-          </p:cNvPr>
-          <p:cNvSpPr>
-            <a:spLocks noGrp="1"/>
-          </p:cNvSpPr>
-          <p:nvPr>
-            <p:ph type="title"/>
-          </p:nvPr>
-        </p:nvSpPr>
-        <p:spPr/>
-        <p:txBody>
-          <a:bodyPr/>
-          <a:lstStyle/>
-          <a:p>
-            <a:r>
-              <a:rPr lang="es-CO"/>
-              <a:t>Requerimientos </a:t>
-            </a:r>
-            <a:r>
-              <a:rPr lang="es-CO" dirty="0"/>
-              <a:t>no funcionales</a:t>
-            </a:r>
-          </a:p>
-        </p:txBody>
-      </p:sp>
-      <p:graphicFrame>
-        <p:nvGraphicFramePr>
-          <p:cNvPr id="4" name="Tabla 4">
-            <a:extLst>
-              <a:ext uri="{FF2B5EF4-FFF2-40B4-BE49-F238E27FC236}">
-                <a16:creationId xmlns:a16="http://schemas.microsoft.com/office/drawing/2014/main" id="{3275B20B-304D-3645-A6E7-687160D9B56D}"/>
-              </a:ext>
-            </a:extLst>
-          </p:cNvPr>
-          <p:cNvGraphicFramePr>
-            <a:graphicFrameLocks noGrp="1"/>
-          </p:cNvGraphicFramePr>
-          <p:nvPr>
-            <p:ph idx="1"/>
-          </p:nvPr>
-        </p:nvGraphicFramePr>
-        <p:xfrm>
-          <a:off x="5118100" y="803275"/>
-          <a:ext cx="6281738" cy="3479800"/>
-        </p:xfrm>
-        <a:graphic>
-          <a:graphicData uri="http://schemas.openxmlformats.org/drawingml/2006/table">
-            <a:tbl>
-              <a:tblPr firstRow="1" bandRow="1">
-                <a:tableStyleId>{5C22544A-7EE6-4342-B048-85BDC9FD1C3A}</a:tableStyleId>
-              </a:tblPr>
-              <a:tblGrid>
-                <a:gridCol w="3140869">
-                  <a:extLst>
-                    <a:ext uri="{9D8B030D-6E8A-4147-A177-3AD203B41FA5}">
-                      <a16:colId xmlns:a16="http://schemas.microsoft.com/office/drawing/2014/main" val="2405063638"/>
-                    </a:ext>
-                  </a:extLst>
-                </a:gridCol>
-                <a:gridCol w="3140869">
-                  <a:extLst>
-                    <a:ext uri="{9D8B030D-6E8A-4147-A177-3AD203B41FA5}">
-                      <a16:colId xmlns:a16="http://schemas.microsoft.com/office/drawing/2014/main" val="3099478781"/>
-                    </a:ext>
-                  </a:extLst>
-                </a:gridCol>
-              </a:tblGrid>
-              <a:tr h="370840">
-                <a:tc>
-                  <a:txBody>
-                    <a:bodyPr/>
-                    <a:lstStyle/>
-                    <a:p>
-                      <a:r>
-                        <a:rPr lang="es-CO" dirty="0"/>
-                        <a:t>Identificación del requerimiento</a:t>
-                      </a:r>
-                    </a:p>
-                  </a:txBody>
-                  <a:tcPr/>
-                </a:tc>
-                <a:tc>
-                  <a:txBody>
-                    <a:bodyPr/>
-                    <a:lstStyle/>
-                    <a:p>
-                      <a:r>
-                        <a:rPr lang="es-CO" dirty="0"/>
-                        <a:t>RNF09</a:t>
-                      </a:r>
-                    </a:p>
-                  </a:txBody>
-                  <a:tcPr/>
-                </a:tc>
-                <a:extLst>
-                  <a:ext uri="{0D108BD9-81ED-4DB2-BD59-A6C34878D82A}">
-                    <a16:rowId xmlns:a16="http://schemas.microsoft.com/office/drawing/2014/main" val="3120795479"/>
-                  </a:ext>
-                </a:extLst>
-              </a:tr>
-              <a:tr h="370840">
-                <a:tc>
-                  <a:txBody>
-                    <a:bodyPr/>
-                    <a:lstStyle/>
-                    <a:p>
-                      <a:r>
-                        <a:rPr lang="es-CO" dirty="0"/>
-                        <a:t>Nombre del requerimiento</a:t>
-                      </a:r>
-                    </a:p>
-                  </a:txBody>
-                  <a:tcPr/>
-                </a:tc>
-                <a:tc>
-                  <a:txBody>
-                    <a:bodyPr/>
-                    <a:lstStyle/>
-                    <a:p>
-                      <a:r>
-                        <a:rPr lang="es-CO" dirty="0"/>
-                        <a:t>Idioma del sistema</a:t>
-                      </a:r>
-                    </a:p>
-                  </a:txBody>
-                  <a:tcPr/>
-                </a:tc>
-                <a:extLst>
-                  <a:ext uri="{0D108BD9-81ED-4DB2-BD59-A6C34878D82A}">
-                    <a16:rowId xmlns:a16="http://schemas.microsoft.com/office/drawing/2014/main" val="1343925762"/>
-                  </a:ext>
-                </a:extLst>
-              </a:tr>
-              <a:tr h="370840">
-                <a:tc>
-                  <a:txBody>
-                    <a:bodyPr/>
-                    <a:lstStyle/>
-                    <a:p>
-                      <a:r>
-                        <a:rPr lang="es-CO" dirty="0"/>
-                        <a:t>Caracterísitcas</a:t>
-                      </a:r>
-                    </a:p>
-                  </a:txBody>
-                  <a:tcPr/>
-                </a:tc>
-                <a:tc>
-                  <a:txBody>
-                    <a:bodyPr/>
-                    <a:lstStyle/>
-                    <a:p>
-                      <a:r>
-                        <a:rPr lang="es-CO" dirty="0"/>
-                        <a:t>El sistema debe estar en inglés y español</a:t>
-                      </a:r>
-                    </a:p>
-                  </a:txBody>
-                  <a:tcPr/>
-                </a:tc>
-                <a:extLst>
-                  <a:ext uri="{0D108BD9-81ED-4DB2-BD59-A6C34878D82A}">
-                    <a16:rowId xmlns:a16="http://schemas.microsoft.com/office/drawing/2014/main" val="769886354"/>
-                  </a:ext>
-                </a:extLst>
-              </a:tr>
-              <a:tr h="370840">
-                <a:tc>
-                  <a:txBody>
-                    <a:bodyPr/>
-                    <a:lstStyle/>
-                    <a:p>
-                      <a:r>
-                        <a:rPr lang="es-CO" dirty="0"/>
-                        <a:t>Descripción del requerimiento</a:t>
-                      </a:r>
-                    </a:p>
-                  </a:txBody>
-                  <a:tcPr/>
-                </a:tc>
-                <a:tc>
-                  <a:txBody>
-                    <a:bodyPr/>
-                    <a:lstStyle/>
-                    <a:p>
-                      <a:pPr marL="0" marR="0" lvl="0" indent="0" algn="l" defTabSz="914400" rtl="0" eaLnBrk="1" fontAlgn="auto" latinLnBrk="0" hangingPunct="1">
-                        <a:lnSpc>
-                          <a:spcPct val="100000"/>
-                        </a:lnSpc>
-                        <a:spcBef>
-                          <a:spcPts val="0"/>
-                        </a:spcBef>
-                        <a:spcAft>
-                          <a:spcPts val="0"/>
-                        </a:spcAft>
-                        <a:buClrTx/>
-                        <a:buSzTx/>
-                        <a:buFontTx/>
-                        <a:buNone/>
-                        <a:tabLst/>
-                        <a:defRPr/>
-                      </a:pPr>
-                      <a:r>
-                        <a:rPr lang="es-CO" dirty="0"/>
-                        <a:t>La información contenida dentro del sistema debe estar en inglés y en español.</a:t>
-                      </a:r>
-                    </a:p>
-                  </a:txBody>
-                  <a:tcPr/>
-                </a:tc>
-                <a:extLst>
-                  <a:ext uri="{0D108BD9-81ED-4DB2-BD59-A6C34878D82A}">
-                    <a16:rowId xmlns:a16="http://schemas.microsoft.com/office/drawing/2014/main" val="2397840479"/>
-                  </a:ext>
-                </a:extLst>
-              </a:tr>
-              <a:tr h="370840">
-                <a:tc>
-                  <a:txBody>
-                    <a:bodyPr/>
-                    <a:lstStyle/>
-                    <a:p>
-                      <a:r>
-                        <a:rPr lang="es-CO" dirty="0"/>
-                        <a:t>Prioridad del requerimiento</a:t>
-                      </a:r>
-                    </a:p>
-                  </a:txBody>
-                  <a:tcPr/>
-                </a:tc>
-                <a:tc>
-                  <a:txBody>
-                    <a:bodyPr/>
-                    <a:lstStyle/>
-                    <a:p>
-                      <a:r>
-                        <a:rPr lang="es-CO" dirty="0"/>
-                        <a:t>Alta</a:t>
-                      </a:r>
-                    </a:p>
-                  </a:txBody>
-                  <a:tcPr/>
-                </a:tc>
-                <a:extLst>
-                  <a:ext uri="{0D108BD9-81ED-4DB2-BD59-A6C34878D82A}">
-                    <a16:rowId xmlns:a16="http://schemas.microsoft.com/office/drawing/2014/main" val="1876826554"/>
-                  </a:ext>
-                </a:extLst>
-              </a:tr>
-            </a:tbl>
-          </a:graphicData>
-        </a:graphic>
-      </p:graphicFrame>
-    </p:spTree>
-    <p:extLst>
-      <p:ext uri="{BB962C8B-B14F-4D97-AF65-F5344CB8AC3E}">
-        <p14:creationId xmlns:p14="http://schemas.microsoft.com/office/powerpoint/2010/main" val="1916914389"/>
       </p:ext>
     </p:extLst>
   </p:cSld>
@@ -27169,6 +27357,586 @@
         </p:nvGraphicFramePr>
         <p:xfrm>
           <a:off x="5118100" y="803275"/>
+          <a:ext cx="6281738" cy="4023360"/>
+        </p:xfrm>
+        <a:graphic>
+          <a:graphicData uri="http://schemas.openxmlformats.org/drawingml/2006/table">
+            <a:tbl>
+              <a:tblPr firstRow="1" bandRow="1">
+                <a:tableStyleId>{5C22544A-7EE6-4342-B048-85BDC9FD1C3A}</a:tableStyleId>
+              </a:tblPr>
+              <a:tblGrid>
+                <a:gridCol w="3140869">
+                  <a:extLst>
+                    <a:ext uri="{9D8B030D-6E8A-4147-A177-3AD203B41FA5}">
+                      <a16:colId xmlns:a16="http://schemas.microsoft.com/office/drawing/2014/main" val="2405063638"/>
+                    </a:ext>
+                  </a:extLst>
+                </a:gridCol>
+                <a:gridCol w="3140869">
+                  <a:extLst>
+                    <a:ext uri="{9D8B030D-6E8A-4147-A177-3AD203B41FA5}">
+                      <a16:colId xmlns:a16="http://schemas.microsoft.com/office/drawing/2014/main" val="3099478781"/>
+                    </a:ext>
+                  </a:extLst>
+                </a:gridCol>
+              </a:tblGrid>
+              <a:tr h="370840">
+                <a:tc>
+                  <a:txBody>
+                    <a:bodyPr/>
+                    <a:lstStyle/>
+                    <a:p>
+                      <a:r>
+                        <a:rPr lang="es-CO" dirty="0"/>
+                        <a:t>Identificación del requerimiento</a:t>
+                      </a:r>
+                    </a:p>
+                  </a:txBody>
+                  <a:tcPr/>
+                </a:tc>
+                <a:tc>
+                  <a:txBody>
+                    <a:bodyPr/>
+                    <a:lstStyle/>
+                    <a:p>
+                      <a:r>
+                        <a:rPr lang="es-CO" dirty="0"/>
+                        <a:t>RNF08</a:t>
+                      </a:r>
+                    </a:p>
+                  </a:txBody>
+                  <a:tcPr/>
+                </a:tc>
+                <a:extLst>
+                  <a:ext uri="{0D108BD9-81ED-4DB2-BD59-A6C34878D82A}">
+                    <a16:rowId xmlns:a16="http://schemas.microsoft.com/office/drawing/2014/main" val="3120795479"/>
+                  </a:ext>
+                </a:extLst>
+              </a:tr>
+              <a:tr h="370840">
+                <a:tc>
+                  <a:txBody>
+                    <a:bodyPr/>
+                    <a:lstStyle/>
+                    <a:p>
+                      <a:r>
+                        <a:rPr lang="es-CO" dirty="0"/>
+                        <a:t>Nombre del requerimiento</a:t>
+                      </a:r>
+                    </a:p>
+                  </a:txBody>
+                  <a:tcPr/>
+                </a:tc>
+                <a:tc>
+                  <a:txBody>
+                    <a:bodyPr/>
+                    <a:lstStyle/>
+                    <a:p>
+                      <a:r>
+                        <a:rPr lang="es-CO" dirty="0"/>
+                        <a:t>Velocidad de generación de datos</a:t>
+                      </a:r>
+                    </a:p>
+                  </a:txBody>
+                  <a:tcPr/>
+                </a:tc>
+                <a:extLst>
+                  <a:ext uri="{0D108BD9-81ED-4DB2-BD59-A6C34878D82A}">
+                    <a16:rowId xmlns:a16="http://schemas.microsoft.com/office/drawing/2014/main" val="1343925762"/>
+                  </a:ext>
+                </a:extLst>
+              </a:tr>
+              <a:tr h="370840">
+                <a:tc>
+                  <a:txBody>
+                    <a:bodyPr/>
+                    <a:lstStyle/>
+                    <a:p>
+                      <a:r>
+                        <a:rPr lang="es-CO" dirty="0"/>
+                        <a:t>Caracterísitcas</a:t>
+                      </a:r>
+                    </a:p>
+                  </a:txBody>
+                  <a:tcPr/>
+                </a:tc>
+                <a:tc>
+                  <a:txBody>
+                    <a:bodyPr/>
+                    <a:lstStyle/>
+                    <a:p>
+                      <a:r>
+                        <a:rPr lang="es-CO" dirty="0"/>
+                        <a:t>El sistema debe generar informes estadísticos de forma rápida.</a:t>
+                      </a:r>
+                    </a:p>
+                  </a:txBody>
+                  <a:tcPr/>
+                </a:tc>
+                <a:extLst>
+                  <a:ext uri="{0D108BD9-81ED-4DB2-BD59-A6C34878D82A}">
+                    <a16:rowId xmlns:a16="http://schemas.microsoft.com/office/drawing/2014/main" val="769886354"/>
+                  </a:ext>
+                </a:extLst>
+              </a:tr>
+              <a:tr h="370840">
+                <a:tc>
+                  <a:txBody>
+                    <a:bodyPr/>
+                    <a:lstStyle/>
+                    <a:p>
+                      <a:r>
+                        <a:rPr lang="es-CO" dirty="0"/>
+                        <a:t>Descripción del requerimiento</a:t>
+                      </a:r>
+                    </a:p>
+                  </a:txBody>
+                  <a:tcPr/>
+                </a:tc>
+                <a:tc>
+                  <a:txBody>
+                    <a:bodyPr/>
+                    <a:lstStyle/>
+                    <a:p>
+                      <a:pPr marL="0" marR="0" lvl="0" indent="0" algn="l" defTabSz="914400" rtl="0" eaLnBrk="1" fontAlgn="auto" latinLnBrk="0" hangingPunct="1">
+                        <a:lnSpc>
+                          <a:spcPct val="100000"/>
+                        </a:lnSpc>
+                        <a:spcBef>
+                          <a:spcPts val="0"/>
+                        </a:spcBef>
+                        <a:spcAft>
+                          <a:spcPts val="0"/>
+                        </a:spcAft>
+                        <a:buClrTx/>
+                        <a:buSzTx/>
+                        <a:buFontTx/>
+                        <a:buNone/>
+                        <a:tabLst/>
+                        <a:defRPr/>
+                      </a:pPr>
+                      <a:r>
+                        <a:rPr lang="es-CO" dirty="0"/>
+                        <a:t>El sistema debe generar los informes estadísticos en un tiempo máximo de 0,7 segundos.</a:t>
+                      </a:r>
+                    </a:p>
+                  </a:txBody>
+                  <a:tcPr/>
+                </a:tc>
+                <a:extLst>
+                  <a:ext uri="{0D108BD9-81ED-4DB2-BD59-A6C34878D82A}">
+                    <a16:rowId xmlns:a16="http://schemas.microsoft.com/office/drawing/2014/main" val="2397840479"/>
+                  </a:ext>
+                </a:extLst>
+              </a:tr>
+              <a:tr h="370840">
+                <a:tc>
+                  <a:txBody>
+                    <a:bodyPr/>
+                    <a:lstStyle/>
+                    <a:p>
+                      <a:r>
+                        <a:rPr lang="es-CO" dirty="0"/>
+                        <a:t>Prioridad del requerimiento</a:t>
+                      </a:r>
+                    </a:p>
+                  </a:txBody>
+                  <a:tcPr/>
+                </a:tc>
+                <a:tc>
+                  <a:txBody>
+                    <a:bodyPr/>
+                    <a:lstStyle/>
+                    <a:p>
+                      <a:r>
+                        <a:rPr lang="es-CO" dirty="0"/>
+                        <a:t>Alta</a:t>
+                      </a:r>
+                    </a:p>
+                  </a:txBody>
+                  <a:tcPr/>
+                </a:tc>
+                <a:extLst>
+                  <a:ext uri="{0D108BD9-81ED-4DB2-BD59-A6C34878D82A}">
+                    <a16:rowId xmlns:a16="http://schemas.microsoft.com/office/drawing/2014/main" val="1876826554"/>
+                  </a:ext>
+                </a:extLst>
+              </a:tr>
+            </a:tbl>
+          </a:graphicData>
+        </a:graphic>
+      </p:graphicFrame>
+    </p:spTree>
+    <p:extLst>
+      <p:ext uri="{BB962C8B-B14F-4D97-AF65-F5344CB8AC3E}">
+        <p14:creationId xmlns:p14="http://schemas.microsoft.com/office/powerpoint/2010/main" val="4007938138"/>
+      </p:ext>
+    </p:extLst>
+  </p:cSld>
+  <p:clrMapOvr>
+    <a:masterClrMapping/>
+  </p:clrMapOvr>
+</p:sld>
+</file>
+
+<file path=ppt/slides/slide61.xml><?xml version="1.0" encoding="utf-8"?>
+<p:sld xmlns:a="http://schemas.openxmlformats.org/drawingml/2006/main" xmlns:r="http://schemas.openxmlformats.org/officeDocument/2006/relationships" xmlns:p="http://schemas.openxmlformats.org/presentationml/2006/main">
+  <p:cSld>
+    <p:spTree>
+      <p:nvGrpSpPr>
+        <p:cNvPr id="1" name=""/>
+        <p:cNvGrpSpPr/>
+        <p:nvPr/>
+      </p:nvGrpSpPr>
+      <p:grpSpPr>
+        <a:xfrm>
+          <a:off x="0" y="0"/>
+          <a:ext cx="0" cy="0"/>
+          <a:chOff x="0" y="0"/>
+          <a:chExt cx="0" cy="0"/>
+        </a:xfrm>
+      </p:grpSpPr>
+      <p:sp>
+        <p:nvSpPr>
+          <p:cNvPr id="2" name="Título 1">
+            <a:extLst>
+              <a:ext uri="{FF2B5EF4-FFF2-40B4-BE49-F238E27FC236}">
+                <a16:creationId xmlns:a16="http://schemas.microsoft.com/office/drawing/2014/main" id="{0DF8FDDE-7FF6-114B-95BB-26E67991BA49}"/>
+              </a:ext>
+            </a:extLst>
+          </p:cNvPr>
+          <p:cNvSpPr>
+            <a:spLocks noGrp="1"/>
+          </p:cNvSpPr>
+          <p:nvPr>
+            <p:ph type="title"/>
+          </p:nvPr>
+        </p:nvSpPr>
+        <p:spPr/>
+        <p:txBody>
+          <a:bodyPr/>
+          <a:lstStyle/>
+          <a:p>
+            <a:r>
+              <a:rPr lang="es-CO"/>
+              <a:t>Requerimientos </a:t>
+            </a:r>
+            <a:r>
+              <a:rPr lang="es-CO" dirty="0"/>
+              <a:t>no funcionales</a:t>
+            </a:r>
+          </a:p>
+        </p:txBody>
+      </p:sp>
+      <p:graphicFrame>
+        <p:nvGraphicFramePr>
+          <p:cNvPr id="4" name="Tabla 4">
+            <a:extLst>
+              <a:ext uri="{FF2B5EF4-FFF2-40B4-BE49-F238E27FC236}">
+                <a16:creationId xmlns:a16="http://schemas.microsoft.com/office/drawing/2014/main" id="{3275B20B-304D-3645-A6E7-687160D9B56D}"/>
+              </a:ext>
+            </a:extLst>
+          </p:cNvPr>
+          <p:cNvGraphicFramePr>
+            <a:graphicFrameLocks noGrp="1"/>
+          </p:cNvGraphicFramePr>
+          <p:nvPr>
+            <p:ph idx="1"/>
+          </p:nvPr>
+        </p:nvGraphicFramePr>
+        <p:xfrm>
+          <a:off x="5118100" y="803275"/>
+          <a:ext cx="6281738" cy="3479800"/>
+        </p:xfrm>
+        <a:graphic>
+          <a:graphicData uri="http://schemas.openxmlformats.org/drawingml/2006/table">
+            <a:tbl>
+              <a:tblPr firstRow="1" bandRow="1">
+                <a:tableStyleId>{5C22544A-7EE6-4342-B048-85BDC9FD1C3A}</a:tableStyleId>
+              </a:tblPr>
+              <a:tblGrid>
+                <a:gridCol w="3140869">
+                  <a:extLst>
+                    <a:ext uri="{9D8B030D-6E8A-4147-A177-3AD203B41FA5}">
+                      <a16:colId xmlns:a16="http://schemas.microsoft.com/office/drawing/2014/main" val="2405063638"/>
+                    </a:ext>
+                  </a:extLst>
+                </a:gridCol>
+                <a:gridCol w="3140869">
+                  <a:extLst>
+                    <a:ext uri="{9D8B030D-6E8A-4147-A177-3AD203B41FA5}">
+                      <a16:colId xmlns:a16="http://schemas.microsoft.com/office/drawing/2014/main" val="3099478781"/>
+                    </a:ext>
+                  </a:extLst>
+                </a:gridCol>
+              </a:tblGrid>
+              <a:tr h="370840">
+                <a:tc>
+                  <a:txBody>
+                    <a:bodyPr/>
+                    <a:lstStyle/>
+                    <a:p>
+                      <a:r>
+                        <a:rPr lang="es-CO" dirty="0"/>
+                        <a:t>Identificación del requerimiento</a:t>
+                      </a:r>
+                    </a:p>
+                  </a:txBody>
+                  <a:tcPr/>
+                </a:tc>
+                <a:tc>
+                  <a:txBody>
+                    <a:bodyPr/>
+                    <a:lstStyle/>
+                    <a:p>
+                      <a:r>
+                        <a:rPr lang="es-CO" dirty="0"/>
+                        <a:t>RNF09</a:t>
+                      </a:r>
+                    </a:p>
+                  </a:txBody>
+                  <a:tcPr/>
+                </a:tc>
+                <a:extLst>
+                  <a:ext uri="{0D108BD9-81ED-4DB2-BD59-A6C34878D82A}">
+                    <a16:rowId xmlns:a16="http://schemas.microsoft.com/office/drawing/2014/main" val="3120795479"/>
+                  </a:ext>
+                </a:extLst>
+              </a:tr>
+              <a:tr h="370840">
+                <a:tc>
+                  <a:txBody>
+                    <a:bodyPr/>
+                    <a:lstStyle/>
+                    <a:p>
+                      <a:r>
+                        <a:rPr lang="es-CO" dirty="0"/>
+                        <a:t>Nombre del requerimiento</a:t>
+                      </a:r>
+                    </a:p>
+                  </a:txBody>
+                  <a:tcPr/>
+                </a:tc>
+                <a:tc>
+                  <a:txBody>
+                    <a:bodyPr/>
+                    <a:lstStyle/>
+                    <a:p>
+                      <a:r>
+                        <a:rPr lang="es-CO" dirty="0"/>
+                        <a:t>Idioma del sistema</a:t>
+                      </a:r>
+                    </a:p>
+                  </a:txBody>
+                  <a:tcPr/>
+                </a:tc>
+                <a:extLst>
+                  <a:ext uri="{0D108BD9-81ED-4DB2-BD59-A6C34878D82A}">
+                    <a16:rowId xmlns:a16="http://schemas.microsoft.com/office/drawing/2014/main" val="1343925762"/>
+                  </a:ext>
+                </a:extLst>
+              </a:tr>
+              <a:tr h="370840">
+                <a:tc>
+                  <a:txBody>
+                    <a:bodyPr/>
+                    <a:lstStyle/>
+                    <a:p>
+                      <a:r>
+                        <a:rPr lang="es-CO" dirty="0"/>
+                        <a:t>Caracterísitcas</a:t>
+                      </a:r>
+                    </a:p>
+                  </a:txBody>
+                  <a:tcPr/>
+                </a:tc>
+                <a:tc>
+                  <a:txBody>
+                    <a:bodyPr/>
+                    <a:lstStyle/>
+                    <a:p>
+                      <a:r>
+                        <a:rPr lang="es-CO" dirty="0"/>
+                        <a:t>El sistema debe estar en inglés y español</a:t>
+                      </a:r>
+                    </a:p>
+                  </a:txBody>
+                  <a:tcPr/>
+                </a:tc>
+                <a:extLst>
+                  <a:ext uri="{0D108BD9-81ED-4DB2-BD59-A6C34878D82A}">
+                    <a16:rowId xmlns:a16="http://schemas.microsoft.com/office/drawing/2014/main" val="769886354"/>
+                  </a:ext>
+                </a:extLst>
+              </a:tr>
+              <a:tr h="370840">
+                <a:tc>
+                  <a:txBody>
+                    <a:bodyPr/>
+                    <a:lstStyle/>
+                    <a:p>
+                      <a:r>
+                        <a:rPr lang="es-CO" dirty="0"/>
+                        <a:t>Descripción del requerimiento</a:t>
+                      </a:r>
+                    </a:p>
+                  </a:txBody>
+                  <a:tcPr/>
+                </a:tc>
+                <a:tc>
+                  <a:txBody>
+                    <a:bodyPr/>
+                    <a:lstStyle/>
+                    <a:p>
+                      <a:pPr marL="0" marR="0" lvl="0" indent="0" algn="l" defTabSz="914400" rtl="0" eaLnBrk="1" fontAlgn="auto" latinLnBrk="0" hangingPunct="1">
+                        <a:lnSpc>
+                          <a:spcPct val="100000"/>
+                        </a:lnSpc>
+                        <a:spcBef>
+                          <a:spcPts val="0"/>
+                        </a:spcBef>
+                        <a:spcAft>
+                          <a:spcPts val="0"/>
+                        </a:spcAft>
+                        <a:buClrTx/>
+                        <a:buSzTx/>
+                        <a:buFontTx/>
+                        <a:buNone/>
+                        <a:tabLst/>
+                        <a:defRPr/>
+                      </a:pPr>
+                      <a:r>
+                        <a:rPr lang="es-CO" dirty="0"/>
+                        <a:t>La información contenida dentro del sistema debe estar en inglés y en español.</a:t>
+                      </a:r>
+                    </a:p>
+                  </a:txBody>
+                  <a:tcPr/>
+                </a:tc>
+                <a:extLst>
+                  <a:ext uri="{0D108BD9-81ED-4DB2-BD59-A6C34878D82A}">
+                    <a16:rowId xmlns:a16="http://schemas.microsoft.com/office/drawing/2014/main" val="2397840479"/>
+                  </a:ext>
+                </a:extLst>
+              </a:tr>
+              <a:tr h="370840">
+                <a:tc>
+                  <a:txBody>
+                    <a:bodyPr/>
+                    <a:lstStyle/>
+                    <a:p>
+                      <a:r>
+                        <a:rPr lang="es-CO" dirty="0"/>
+                        <a:t>Prioridad del requerimiento</a:t>
+                      </a:r>
+                    </a:p>
+                  </a:txBody>
+                  <a:tcPr/>
+                </a:tc>
+                <a:tc>
+                  <a:txBody>
+                    <a:bodyPr/>
+                    <a:lstStyle/>
+                    <a:p>
+                      <a:r>
+                        <a:rPr lang="es-CO" dirty="0"/>
+                        <a:t>Alta</a:t>
+                      </a:r>
+                    </a:p>
+                  </a:txBody>
+                  <a:tcPr/>
+                </a:tc>
+                <a:extLst>
+                  <a:ext uri="{0D108BD9-81ED-4DB2-BD59-A6C34878D82A}">
+                    <a16:rowId xmlns:a16="http://schemas.microsoft.com/office/drawing/2014/main" val="1876826554"/>
+                  </a:ext>
+                </a:extLst>
+              </a:tr>
+            </a:tbl>
+          </a:graphicData>
+        </a:graphic>
+      </p:graphicFrame>
+    </p:spTree>
+    <p:extLst>
+      <p:ext uri="{BB962C8B-B14F-4D97-AF65-F5344CB8AC3E}">
+        <p14:creationId xmlns:p14="http://schemas.microsoft.com/office/powerpoint/2010/main" val="1916914389"/>
+      </p:ext>
+    </p:extLst>
+  </p:cSld>
+  <p:clrMapOvr>
+    <a:masterClrMapping/>
+  </p:clrMapOvr>
+</p:sld>
+</file>
+
+<file path=ppt/slides/slide62.xml><?xml version="1.0" encoding="utf-8"?>
+<p:sld xmlns:a="http://schemas.openxmlformats.org/drawingml/2006/main" xmlns:r="http://schemas.openxmlformats.org/officeDocument/2006/relationships" xmlns:p="http://schemas.openxmlformats.org/presentationml/2006/main">
+  <p:cSld>
+    <p:spTree>
+      <p:nvGrpSpPr>
+        <p:cNvPr id="1" name=""/>
+        <p:cNvGrpSpPr/>
+        <p:nvPr/>
+      </p:nvGrpSpPr>
+      <p:grpSpPr>
+        <a:xfrm>
+          <a:off x="0" y="0"/>
+          <a:ext cx="0" cy="0"/>
+          <a:chOff x="0" y="0"/>
+          <a:chExt cx="0" cy="0"/>
+        </a:xfrm>
+      </p:grpSpPr>
+      <p:sp>
+        <p:nvSpPr>
+          <p:cNvPr id="2" name="Título 1">
+            <a:extLst>
+              <a:ext uri="{FF2B5EF4-FFF2-40B4-BE49-F238E27FC236}">
+                <a16:creationId xmlns:a16="http://schemas.microsoft.com/office/drawing/2014/main" id="{0DF8FDDE-7FF6-114B-95BB-26E67991BA49}"/>
+              </a:ext>
+            </a:extLst>
+          </p:cNvPr>
+          <p:cNvSpPr>
+            <a:spLocks noGrp="1"/>
+          </p:cNvSpPr>
+          <p:nvPr>
+            <p:ph type="title"/>
+          </p:nvPr>
+        </p:nvSpPr>
+        <p:spPr/>
+        <p:txBody>
+          <a:bodyPr/>
+          <a:lstStyle/>
+          <a:p>
+            <a:r>
+              <a:rPr lang="es-CO"/>
+              <a:t>Requerimientos </a:t>
+            </a:r>
+            <a:r>
+              <a:rPr lang="es-CO" dirty="0"/>
+              <a:t>no funcionales</a:t>
+            </a:r>
+          </a:p>
+        </p:txBody>
+      </p:sp>
+      <p:graphicFrame>
+        <p:nvGraphicFramePr>
+          <p:cNvPr id="4" name="Tabla 4">
+            <a:extLst>
+              <a:ext uri="{FF2B5EF4-FFF2-40B4-BE49-F238E27FC236}">
+                <a16:creationId xmlns:a16="http://schemas.microsoft.com/office/drawing/2014/main" id="{3275B20B-304D-3645-A6E7-687160D9B56D}"/>
+              </a:ext>
+            </a:extLst>
+          </p:cNvPr>
+          <p:cNvGraphicFramePr>
+            <a:graphicFrameLocks noGrp="1"/>
+          </p:cNvGraphicFramePr>
+          <p:nvPr>
+            <p:ph idx="1"/>
+          </p:nvPr>
+        </p:nvGraphicFramePr>
+        <p:xfrm>
+          <a:off x="5118100" y="803275"/>
           <a:ext cx="6281738" cy="3205480"/>
         </p:xfrm>
         <a:graphic>
@@ -27375,7 +28143,7 @@
 </p:sld>
 </file>
 
-<file path=ppt/slides/slide61.xml><?xml version="1.0" encoding="utf-8"?>
+<file path=ppt/slides/slide63.xml><?xml version="1.0" encoding="utf-8"?>
 <p:sld xmlns:a="http://schemas.openxmlformats.org/drawingml/2006/main" xmlns:r="http://schemas.openxmlformats.org/officeDocument/2006/relationships" xmlns:p="http://schemas.openxmlformats.org/presentationml/2006/main">
   <p:cSld>
     <p:spTree>
@@ -27648,7 +28416,7 @@
 </p:sld>
 </file>
 
-<file path=ppt/slides/slide62.xml><?xml version="1.0" encoding="utf-8"?>
+<file path=ppt/slides/slide64.xml><?xml version="1.0" encoding="utf-8"?>
 <p:sld xmlns:a="http://schemas.openxmlformats.org/drawingml/2006/main" xmlns:r="http://schemas.openxmlformats.org/officeDocument/2006/relationships" xmlns:p="http://schemas.openxmlformats.org/presentationml/2006/main">
   <p:cSld>
     <p:spTree>
@@ -27921,7 +28689,7 @@
 </p:sld>
 </file>
 
-<file path=ppt/slides/slide63.xml><?xml version="1.0" encoding="utf-8"?>
+<file path=ppt/slides/slide65.xml><?xml version="1.0" encoding="utf-8"?>
 <p:sld xmlns:a="http://schemas.openxmlformats.org/drawingml/2006/main" xmlns:r="http://schemas.openxmlformats.org/officeDocument/2006/relationships" xmlns:p="http://schemas.openxmlformats.org/presentationml/2006/main">
   <p:cSld>
     <p:spTree>
@@ -28194,7 +28962,7 @@
 </p:sld>
 </file>
 
-<file path=ppt/slides/slide64.xml><?xml version="1.0" encoding="utf-8"?>
+<file path=ppt/slides/slide66.xml><?xml version="1.0" encoding="utf-8"?>
 <p:sld xmlns:a="http://schemas.openxmlformats.org/drawingml/2006/main" xmlns:r="http://schemas.openxmlformats.org/officeDocument/2006/relationships" xmlns:p="http://schemas.openxmlformats.org/presentationml/2006/main">
   <p:cSld>
     <p:spTree>
@@ -28467,7 +29235,7 @@
 </p:sld>
 </file>
 
-<file path=ppt/slides/slide65.xml><?xml version="1.0" encoding="utf-8"?>
+<file path=ppt/slides/slide67.xml><?xml version="1.0" encoding="utf-8"?>
 <p:sld xmlns:a="http://schemas.openxmlformats.org/drawingml/2006/main" xmlns:r="http://schemas.openxmlformats.org/officeDocument/2006/relationships" xmlns:p="http://schemas.openxmlformats.org/presentationml/2006/main">
   <p:cSld>
     <p:spTree>
@@ -28740,7 +29508,7 @@
 </p:sld>
 </file>
 
-<file path=ppt/slides/slide66.xml><?xml version="1.0" encoding="utf-8"?>
+<file path=ppt/slides/slide68.xml><?xml version="1.0" encoding="utf-8"?>
 <p:sld xmlns:a="http://schemas.openxmlformats.org/drawingml/2006/main" xmlns:r="http://schemas.openxmlformats.org/officeDocument/2006/relationships" xmlns:p="http://schemas.openxmlformats.org/presentationml/2006/main">
   <p:cSld>
     <p:spTree>
@@ -28793,7 +29561,7 @@
 </p:sld>
 </file>
 
-<file path=ppt/slides/slide67.xml><?xml version="1.0" encoding="utf-8"?>
+<file path=ppt/slides/slide69.xml><?xml version="1.0" encoding="utf-8"?>
 <p:sld xmlns:a="http://schemas.openxmlformats.org/drawingml/2006/main" xmlns:r="http://schemas.openxmlformats.org/officeDocument/2006/relationships" xmlns:p="http://schemas.openxmlformats.org/presentationml/2006/main">
   <p:cSld>
     <p:spTree>
@@ -28846,7 +29614,96 @@
 </p:sld>
 </file>
 
-<file path=ppt/slides/slide68.xml><?xml version="1.0" encoding="utf-8"?>
+<file path=ppt/slides/slide7.xml><?xml version="1.0" encoding="utf-8"?>
+<p:sld xmlns:a="http://schemas.openxmlformats.org/drawingml/2006/main" xmlns:r="http://schemas.openxmlformats.org/officeDocument/2006/relationships" xmlns:p="http://schemas.openxmlformats.org/presentationml/2006/main">
+  <p:cSld>
+    <p:spTree>
+      <p:nvGrpSpPr>
+        <p:cNvPr id="1" name=""/>
+        <p:cNvGrpSpPr/>
+        <p:nvPr/>
+      </p:nvGrpSpPr>
+      <p:grpSpPr>
+        <a:xfrm>
+          <a:off x="0" y="0"/>
+          <a:ext cx="0" cy="0"/>
+          <a:chOff x="0" y="0"/>
+          <a:chExt cx="0" cy="0"/>
+        </a:xfrm>
+      </p:grpSpPr>
+      <p:sp>
+        <p:nvSpPr>
+          <p:cNvPr id="2" name="Título 1"/>
+          <p:cNvSpPr>
+            <a:spLocks noGrp="1"/>
+          </p:cNvSpPr>
+          <p:nvPr>
+            <p:ph type="title"/>
+          </p:nvPr>
+        </p:nvSpPr>
+        <p:spPr/>
+        <p:txBody>
+          <a:bodyPr/>
+          <a:lstStyle/>
+          <a:p>
+            <a:r>
+              <a:rPr lang="es-CO" dirty="0"/>
+              <a:t>Objetivo general</a:t>
+            </a:r>
+          </a:p>
+        </p:txBody>
+      </p:sp>
+      <p:sp>
+        <p:nvSpPr>
+          <p:cNvPr id="4" name="Marcador de contenido 2">
+            <a:extLst>
+              <a:ext uri="{FF2B5EF4-FFF2-40B4-BE49-F238E27FC236}">
+                <a16:creationId xmlns:a16="http://schemas.microsoft.com/office/drawing/2014/main" id="{2F8050CD-360F-AC45-915C-E6FEFA64518E}"/>
+              </a:ext>
+            </a:extLst>
+          </p:cNvPr>
+          <p:cNvSpPr>
+            <a:spLocks noGrp="1"/>
+          </p:cNvSpPr>
+          <p:nvPr>
+            <p:ph idx="1"/>
+          </p:nvPr>
+        </p:nvSpPr>
+        <p:spPr>
+          <a:xfrm>
+            <a:off x="5118447" y="803186"/>
+            <a:ext cx="6281873" cy="5248622"/>
+          </a:xfrm>
+        </p:spPr>
+        <p:txBody>
+          <a:bodyPr/>
+          <a:lstStyle/>
+          <a:p>
+            <a:pPr marL="0" indent="0" algn="just">
+              <a:buNone/>
+            </a:pPr>
+            <a:r>
+              <a:rPr lang="es-CO"/>
+              <a:t>Desarrollar un sistema de información para el registro, control y administración de las calificaciones en la Institución Educativa Departamental Enrique Santos Montejo.</a:t>
+            </a:r>
+            <a:endParaRPr lang="es-CO" dirty="0"/>
+          </a:p>
+        </p:txBody>
+      </p:sp>
+    </p:spTree>
+    <p:extLst>
+      <p:ext uri="{BB962C8B-B14F-4D97-AF65-F5344CB8AC3E}">
+        <p14:creationId xmlns:p14="http://schemas.microsoft.com/office/powerpoint/2010/main" val="2574304445"/>
+      </p:ext>
+    </p:extLst>
+  </p:cSld>
+  <p:clrMapOvr>
+    <a:masterClrMapping/>
+  </p:clrMapOvr>
+</p:sld>
+</file>
+
+<file path=ppt/slides/slide70.xml><?xml version="1.0" encoding="utf-8"?>
 <p:sld xmlns:a="http://schemas.openxmlformats.org/drawingml/2006/main" xmlns:r="http://schemas.openxmlformats.org/officeDocument/2006/relationships" xmlns:p="http://schemas.openxmlformats.org/presentationml/2006/main">
   <p:cSld>
     <p:spTree>
@@ -29138,95 +29995,6 @@
     <p:extLst>
       <p:ext uri="{BB962C8B-B14F-4D97-AF65-F5344CB8AC3E}">
         <p14:creationId xmlns:p14="http://schemas.microsoft.com/office/powerpoint/2010/main" val="1000145200"/>
-      </p:ext>
-    </p:extLst>
-  </p:cSld>
-  <p:clrMapOvr>
-    <a:masterClrMapping/>
-  </p:clrMapOvr>
-</p:sld>
-</file>
-
-<file path=ppt/slides/slide7.xml><?xml version="1.0" encoding="utf-8"?>
-<p:sld xmlns:a="http://schemas.openxmlformats.org/drawingml/2006/main" xmlns:r="http://schemas.openxmlformats.org/officeDocument/2006/relationships" xmlns:p="http://schemas.openxmlformats.org/presentationml/2006/main">
-  <p:cSld>
-    <p:spTree>
-      <p:nvGrpSpPr>
-        <p:cNvPr id="1" name=""/>
-        <p:cNvGrpSpPr/>
-        <p:nvPr/>
-      </p:nvGrpSpPr>
-      <p:grpSpPr>
-        <a:xfrm>
-          <a:off x="0" y="0"/>
-          <a:ext cx="0" cy="0"/>
-          <a:chOff x="0" y="0"/>
-          <a:chExt cx="0" cy="0"/>
-        </a:xfrm>
-      </p:grpSpPr>
-      <p:sp>
-        <p:nvSpPr>
-          <p:cNvPr id="2" name="Título 1"/>
-          <p:cNvSpPr>
-            <a:spLocks noGrp="1"/>
-          </p:cNvSpPr>
-          <p:nvPr>
-            <p:ph type="title"/>
-          </p:nvPr>
-        </p:nvSpPr>
-        <p:spPr/>
-        <p:txBody>
-          <a:bodyPr/>
-          <a:lstStyle/>
-          <a:p>
-            <a:r>
-              <a:rPr lang="es-CO" dirty="0"/>
-              <a:t>Objetivo general</a:t>
-            </a:r>
-          </a:p>
-        </p:txBody>
-      </p:sp>
-      <p:sp>
-        <p:nvSpPr>
-          <p:cNvPr id="4" name="Marcador de contenido 2">
-            <a:extLst>
-              <a:ext uri="{FF2B5EF4-FFF2-40B4-BE49-F238E27FC236}">
-                <a16:creationId xmlns:a16="http://schemas.microsoft.com/office/drawing/2014/main" id="{2F8050CD-360F-AC45-915C-E6FEFA64518E}"/>
-              </a:ext>
-            </a:extLst>
-          </p:cNvPr>
-          <p:cNvSpPr>
-            <a:spLocks noGrp="1"/>
-          </p:cNvSpPr>
-          <p:nvPr>
-            <p:ph idx="1"/>
-          </p:nvPr>
-        </p:nvSpPr>
-        <p:spPr>
-          <a:xfrm>
-            <a:off x="5118447" y="803186"/>
-            <a:ext cx="6281873" cy="5248622"/>
-          </a:xfrm>
-        </p:spPr>
-        <p:txBody>
-          <a:bodyPr/>
-          <a:lstStyle/>
-          <a:p>
-            <a:pPr marL="0" indent="0" algn="just">
-              <a:buNone/>
-            </a:pPr>
-            <a:r>
-              <a:rPr lang="es-CO"/>
-              <a:t>Desarrollar un sistema de información para el registro, control y administración de las calificaciones en la Institución Educativa Departamental Enrique Santos Montejo.</a:t>
-            </a:r>
-            <a:endParaRPr lang="es-CO" dirty="0"/>
-          </a:p>
-        </p:txBody>
-      </p:sp>
-    </p:spTree>
-    <p:extLst>
-      <p:ext uri="{BB962C8B-B14F-4D97-AF65-F5344CB8AC3E}">
-        <p14:creationId xmlns:p14="http://schemas.microsoft.com/office/powerpoint/2010/main" val="2574304445"/>
       </p:ext>
     </p:extLst>
   </p:cSld>

--- a/PLANTEAMIENTO_DEL_PROBLEMA.pptx
+++ b/PLANTEAMIENTO_DEL_PROBLEMA.pptx
@@ -194,10 +194,33 @@
   <pc:docChgLst>
     <pc:chgData name="Santiago Rojas" userId="6f1404c97ad8162e" providerId="LiveId" clId="{E62E924F-0D6E-49BB-BBAC-E95CB330623F}"/>
     <pc:docChg chg="custSel addSld delSld modSld sldOrd">
-      <pc:chgData name="Santiago Rojas" userId="6f1404c97ad8162e" providerId="LiveId" clId="{E62E924F-0D6E-49BB-BBAC-E95CB330623F}" dt="2021-07-29T02:10:32.055" v="407" actId="20577"/>
+      <pc:chgData name="Santiago Rojas" userId="6f1404c97ad8162e" providerId="LiveId" clId="{E62E924F-0D6E-49BB-BBAC-E95CB330623F}" dt="2021-07-29T03:22:48.250" v="415" actId="14100"/>
       <pc:docMkLst>
         <pc:docMk/>
       </pc:docMkLst>
+      <pc:sldChg chg="addSp delSp modSp mod">
+        <pc:chgData name="Santiago Rojas" userId="6f1404c97ad8162e" providerId="LiveId" clId="{E62E924F-0D6E-49BB-BBAC-E95CB330623F}" dt="2021-07-29T03:22:48.250" v="415" actId="14100"/>
+        <pc:sldMkLst>
+          <pc:docMk/>
+          <pc:sldMk cId="3397706953" sldId="284"/>
+        </pc:sldMkLst>
+        <pc:picChg chg="del">
+          <ac:chgData name="Santiago Rojas" userId="6f1404c97ad8162e" providerId="LiveId" clId="{E62E924F-0D6E-49BB-BBAC-E95CB330623F}" dt="2021-07-29T03:20:25.342" v="408" actId="478"/>
+          <ac:picMkLst>
+            <pc:docMk/>
+            <pc:sldMk cId="3397706953" sldId="284"/>
+            <ac:picMk id="3" creationId="{00000000-0000-0000-0000-000000000000}"/>
+          </ac:picMkLst>
+        </pc:picChg>
+        <pc:picChg chg="add mod">
+          <ac:chgData name="Santiago Rojas" userId="6f1404c97ad8162e" providerId="LiveId" clId="{E62E924F-0D6E-49BB-BBAC-E95CB330623F}" dt="2021-07-29T03:22:48.250" v="415" actId="14100"/>
+          <ac:picMkLst>
+            <pc:docMk/>
+            <pc:sldMk cId="3397706953" sldId="284"/>
+            <ac:picMk id="4" creationId="{1FBFC6F9-38FE-4953-96C8-C286A9CBB0ED}"/>
+          </ac:picMkLst>
+        </pc:picChg>
+      </pc:sldChg>
       <pc:sldChg chg="new del">
         <pc:chgData name="Santiago Rojas" userId="6f1404c97ad8162e" providerId="LiveId" clId="{E62E924F-0D6E-49BB-BBAC-E95CB330623F}" dt="2021-07-29T02:05:37.177" v="2" actId="47"/>
         <pc:sldMkLst>
@@ -18046,28 +18069,28 @@
       </p:sp>
       <p:pic>
         <p:nvPicPr>
-          <p:cNvPr id="3" name="Imagen 2"/>
+          <p:cNvPr id="4" name="Imagen 3">
+            <a:extLst>
+              <a:ext uri="{FF2B5EF4-FFF2-40B4-BE49-F238E27FC236}">
+                <a16:creationId xmlns:a16="http://schemas.microsoft.com/office/drawing/2014/main" id="{1FBFC6F9-38FE-4953-96C8-C286A9CBB0ED}"/>
+              </a:ext>
+            </a:extLst>
+          </p:cNvPr>
           <p:cNvPicPr>
             <a:picLocks noChangeAspect="1"/>
           </p:cNvPicPr>
           <p:nvPr/>
         </p:nvPicPr>
         <p:blipFill>
-          <a:blip r:embed="rId2">
-            <a:extLst>
-              <a:ext uri="{28A0092B-C50C-407E-A947-70E740481C1C}">
-                <a14:useLocalDpi xmlns:a14="http://schemas.microsoft.com/office/drawing/2010/main" val="0"/>
-              </a:ext>
-            </a:extLst>
-          </a:blip>
+          <a:blip r:embed="rId2"/>
           <a:stretch>
             <a:fillRect/>
           </a:stretch>
         </p:blipFill>
         <p:spPr>
           <a:xfrm>
-            <a:off x="785812" y="96982"/>
-            <a:ext cx="10219788" cy="6373091"/>
+            <a:off x="0" y="0"/>
+            <a:ext cx="12191999" cy="6581001"/>
           </a:xfrm>
           <a:prstGeom prst="rect">
             <a:avLst/>

--- a/PLANTEAMIENTO_DEL_PROBLEMA.pptx
+++ b/PLANTEAMIENTO_DEL_PROBLEMA.pptx
@@ -194,33 +194,10 @@
   <pc:docChgLst>
     <pc:chgData name="Santiago Rojas" userId="6f1404c97ad8162e" providerId="LiveId" clId="{E62E924F-0D6E-49BB-BBAC-E95CB330623F}"/>
     <pc:docChg chg="custSel addSld delSld modSld sldOrd">
-      <pc:chgData name="Santiago Rojas" userId="6f1404c97ad8162e" providerId="LiveId" clId="{E62E924F-0D6E-49BB-BBAC-E95CB330623F}" dt="2021-07-29T03:22:48.250" v="415" actId="14100"/>
+      <pc:chgData name="Santiago Rojas" userId="6f1404c97ad8162e" providerId="LiveId" clId="{E62E924F-0D6E-49BB-BBAC-E95CB330623F}" dt="2021-07-29T02:10:32.055" v="407" actId="20577"/>
       <pc:docMkLst>
         <pc:docMk/>
       </pc:docMkLst>
-      <pc:sldChg chg="addSp delSp modSp mod">
-        <pc:chgData name="Santiago Rojas" userId="6f1404c97ad8162e" providerId="LiveId" clId="{E62E924F-0D6E-49BB-BBAC-E95CB330623F}" dt="2021-07-29T03:22:48.250" v="415" actId="14100"/>
-        <pc:sldMkLst>
-          <pc:docMk/>
-          <pc:sldMk cId="3397706953" sldId="284"/>
-        </pc:sldMkLst>
-        <pc:picChg chg="del">
-          <ac:chgData name="Santiago Rojas" userId="6f1404c97ad8162e" providerId="LiveId" clId="{E62E924F-0D6E-49BB-BBAC-E95CB330623F}" dt="2021-07-29T03:20:25.342" v="408" actId="478"/>
-          <ac:picMkLst>
-            <pc:docMk/>
-            <pc:sldMk cId="3397706953" sldId="284"/>
-            <ac:picMk id="3" creationId="{00000000-0000-0000-0000-000000000000}"/>
-          </ac:picMkLst>
-        </pc:picChg>
-        <pc:picChg chg="add mod">
-          <ac:chgData name="Santiago Rojas" userId="6f1404c97ad8162e" providerId="LiveId" clId="{E62E924F-0D6E-49BB-BBAC-E95CB330623F}" dt="2021-07-29T03:22:48.250" v="415" actId="14100"/>
-          <ac:picMkLst>
-            <pc:docMk/>
-            <pc:sldMk cId="3397706953" sldId="284"/>
-            <ac:picMk id="4" creationId="{1FBFC6F9-38FE-4953-96C8-C286A9CBB0ED}"/>
-          </ac:picMkLst>
-        </pc:picChg>
-      </pc:sldChg>
       <pc:sldChg chg="new del">
         <pc:chgData name="Santiago Rojas" userId="6f1404c97ad8162e" providerId="LiveId" clId="{E62E924F-0D6E-49BB-BBAC-E95CB330623F}" dt="2021-07-29T02:05:37.177" v="2" actId="47"/>
         <pc:sldMkLst>
@@ -18069,28 +18046,28 @@
       </p:sp>
       <p:pic>
         <p:nvPicPr>
-          <p:cNvPr id="4" name="Imagen 3">
-            <a:extLst>
-              <a:ext uri="{FF2B5EF4-FFF2-40B4-BE49-F238E27FC236}">
-                <a16:creationId xmlns:a16="http://schemas.microsoft.com/office/drawing/2014/main" id="{1FBFC6F9-38FE-4953-96C8-C286A9CBB0ED}"/>
-              </a:ext>
-            </a:extLst>
-          </p:cNvPr>
+          <p:cNvPr id="3" name="Imagen 2"/>
           <p:cNvPicPr>
             <a:picLocks noChangeAspect="1"/>
           </p:cNvPicPr>
           <p:nvPr/>
         </p:nvPicPr>
         <p:blipFill>
-          <a:blip r:embed="rId2"/>
+          <a:blip r:embed="rId2">
+            <a:extLst>
+              <a:ext uri="{28A0092B-C50C-407E-A947-70E740481C1C}">
+                <a14:useLocalDpi xmlns:a14="http://schemas.microsoft.com/office/drawing/2010/main" val="0"/>
+              </a:ext>
+            </a:extLst>
+          </a:blip>
           <a:stretch>
             <a:fillRect/>
           </a:stretch>
         </p:blipFill>
         <p:spPr>
           <a:xfrm>
-            <a:off x="0" y="0"/>
-            <a:ext cx="12191999" cy="6581001"/>
+            <a:off x="785812" y="96982"/>
+            <a:ext cx="10219788" cy="6373091"/>
           </a:xfrm>
           <a:prstGeom prst="rect">
             <a:avLst/>
@@ -18240,13 +18217,7 @@
       </p:sp>
       <p:pic>
         <p:nvPicPr>
-          <p:cNvPr id="5" name="Imagen 4">
-            <a:extLst>
-              <a:ext uri="{FF2B5EF4-FFF2-40B4-BE49-F238E27FC236}">
-                <a16:creationId xmlns:a16="http://schemas.microsoft.com/office/drawing/2014/main" id="{D078E2FA-855C-44CD-BDFD-69F688ACA377}"/>
-              </a:ext>
-            </a:extLst>
-          </p:cNvPr>
+          <p:cNvPr id="3" name="Imagen 2"/>
           <p:cNvPicPr>
             <a:picLocks noChangeAspect="1"/>
           </p:cNvPicPr>
@@ -18254,19 +18225,53 @@
         </p:nvPicPr>
         <p:blipFill rotWithShape="1">
           <a:blip r:embed="rId2"/>
-          <a:srcRect l="3146" t="13530" r="33346" b="15897"/>
+          <a:srcRect t="19574"/>
           <a:stretch/>
         </p:blipFill>
         <p:spPr>
           <a:xfrm>
-            <a:off x="-2" y="-1"/>
-            <a:ext cx="12192002" cy="6858001"/>
+            <a:off x="0" y="203199"/>
+            <a:ext cx="12192000" cy="5949797"/>
           </a:xfrm>
           <a:prstGeom prst="rect">
             <a:avLst/>
           </a:prstGeom>
         </p:spPr>
       </p:pic>
+      <p:sp>
+        <p:nvSpPr>
+          <p:cNvPr id="4" name="CuadroTexto 3"/>
+          <p:cNvSpPr txBox="1"/>
+          <p:nvPr/>
+        </p:nvSpPr>
+        <p:spPr>
+          <a:xfrm>
+            <a:off x="10275257" y="6488668"/>
+            <a:ext cx="1916743" cy="369332"/>
+          </a:xfrm>
+          <a:prstGeom prst="rect">
+            <a:avLst/>
+          </a:prstGeom>
+          <a:noFill/>
+        </p:spPr>
+        <p:txBody>
+          <a:bodyPr wrap="none" rtlCol="0">
+            <a:spAutoFit/>
+          </a:bodyPr>
+          <a:lstStyle/>
+          <a:p>
+            <a:r>
+              <a:rPr lang="es-CO" dirty="0" smtClean="0"/>
+              <a:t>Visual </a:t>
+            </a:r>
+            <a:r>
+              <a:rPr lang="es-CO" dirty="0" err="1" smtClean="0"/>
+              <a:t>Paradimg</a:t>
+            </a:r>
+            <a:endParaRPr lang="es-CO" dirty="0"/>
+          </a:p>
+        </p:txBody>
+      </p:sp>
     </p:spTree>
     <p:extLst>
       <p:ext uri="{BB962C8B-B14F-4D97-AF65-F5344CB8AC3E}">

--- a/PLANTEAMIENTO_DEL_PROBLEMA.pptx
+++ b/PLANTEAMIENTO_DEL_PROBLEMA.pptx
@@ -194,10 +194,55 @@
   <pc:docChgLst>
     <pc:chgData name="Santiago Rojas" userId="6f1404c97ad8162e" providerId="LiveId" clId="{E62E924F-0D6E-49BB-BBAC-E95CB330623F}"/>
     <pc:docChg chg="custSel addSld delSld modSld sldOrd">
-      <pc:chgData name="Santiago Rojas" userId="6f1404c97ad8162e" providerId="LiveId" clId="{E62E924F-0D6E-49BB-BBAC-E95CB330623F}" dt="2021-07-29T02:10:32.055" v="407" actId="20577"/>
+      <pc:chgData name="Santiago Rojas" userId="6f1404c97ad8162e" providerId="LiveId" clId="{E62E924F-0D6E-49BB-BBAC-E95CB330623F}" dt="2021-08-03T21:34:30.418" v="410" actId="14734"/>
       <pc:docMkLst>
         <pc:docMk/>
       </pc:docMkLst>
+      <pc:sldChg chg="modSp mod">
+        <pc:chgData name="Santiago Rojas" userId="6f1404c97ad8162e" providerId="LiveId" clId="{E62E924F-0D6E-49BB-BBAC-E95CB330623F}" dt="2021-08-03T21:33:09.423" v="408" actId="20577"/>
+        <pc:sldMkLst>
+          <pc:docMk/>
+          <pc:sldMk cId="1357425855" sldId="297"/>
+        </pc:sldMkLst>
+        <pc:graphicFrameChg chg="modGraphic">
+          <ac:chgData name="Santiago Rojas" userId="6f1404c97ad8162e" providerId="LiveId" clId="{E62E924F-0D6E-49BB-BBAC-E95CB330623F}" dt="2021-08-03T21:33:09.423" v="408" actId="20577"/>
+          <ac:graphicFrameMkLst>
+            <pc:docMk/>
+            <pc:sldMk cId="1357425855" sldId="297"/>
+            <ac:graphicFrameMk id="4" creationId="{3275B20B-304D-3645-A6E7-687160D9B56D}"/>
+          </ac:graphicFrameMkLst>
+        </pc:graphicFrameChg>
+      </pc:sldChg>
+      <pc:sldChg chg="modSp mod">
+        <pc:chgData name="Santiago Rojas" userId="6f1404c97ad8162e" providerId="LiveId" clId="{E62E924F-0D6E-49BB-BBAC-E95CB330623F}" dt="2021-08-03T21:33:33.933" v="409" actId="14734"/>
+        <pc:sldMkLst>
+          <pc:docMk/>
+          <pc:sldMk cId="2937608903" sldId="299"/>
+        </pc:sldMkLst>
+        <pc:graphicFrameChg chg="modGraphic">
+          <ac:chgData name="Santiago Rojas" userId="6f1404c97ad8162e" providerId="LiveId" clId="{E62E924F-0D6E-49BB-BBAC-E95CB330623F}" dt="2021-08-03T21:33:33.933" v="409" actId="14734"/>
+          <ac:graphicFrameMkLst>
+            <pc:docMk/>
+            <pc:sldMk cId="2937608903" sldId="299"/>
+            <ac:graphicFrameMk id="4" creationId="{3275B20B-304D-3645-A6E7-687160D9B56D}"/>
+          </ac:graphicFrameMkLst>
+        </pc:graphicFrameChg>
+      </pc:sldChg>
+      <pc:sldChg chg="modSp mod">
+        <pc:chgData name="Santiago Rojas" userId="6f1404c97ad8162e" providerId="LiveId" clId="{E62E924F-0D6E-49BB-BBAC-E95CB330623F}" dt="2021-08-03T21:34:30.418" v="410" actId="14734"/>
+        <pc:sldMkLst>
+          <pc:docMk/>
+          <pc:sldMk cId="966399419" sldId="343"/>
+        </pc:sldMkLst>
+        <pc:graphicFrameChg chg="modGraphic">
+          <ac:chgData name="Santiago Rojas" userId="6f1404c97ad8162e" providerId="LiveId" clId="{E62E924F-0D6E-49BB-BBAC-E95CB330623F}" dt="2021-08-03T21:34:30.418" v="410" actId="14734"/>
+          <ac:graphicFrameMkLst>
+            <pc:docMk/>
+            <pc:sldMk cId="966399419" sldId="343"/>
+            <ac:graphicFrameMk id="4" creationId="{3275B20B-304D-3645-A6E7-687160D9B56D}"/>
+          </ac:graphicFrameMkLst>
+        </pc:graphicFrameChg>
+      </pc:sldChg>
       <pc:sldChg chg="new del">
         <pc:chgData name="Santiago Rojas" userId="6f1404c97ad8162e" providerId="LiveId" clId="{E62E924F-0D6E-49BB-BBAC-E95CB330623F}" dt="2021-07-29T02:05:37.177" v="2" actId="47"/>
         <pc:sldMkLst>
@@ -1726,7 +1771,7 @@
           <a:p>
             <a:fld id="{D253BB75-C9F5-8342-9D8A-C2F31092015F}" type="datetimeFigureOut">
               <a:rPr lang="es-CO" smtClean="0"/>
-              <a:t>28/07/2021</a:t>
+              <a:t>3/08/2021</a:t>
             </a:fld>
             <a:endParaRPr lang="es-CO"/>
           </a:p>
@@ -3185,7 +3230,7 @@
           <a:p>
             <a:fld id="{D253BB75-C9F5-8342-9D8A-C2F31092015F}" type="datetimeFigureOut">
               <a:rPr lang="es-CO" smtClean="0"/>
-              <a:t>28/07/2021</a:t>
+              <a:t>3/08/2021</a:t>
             </a:fld>
             <a:endParaRPr lang="es-CO"/>
           </a:p>
@@ -4638,7 +4683,7 @@
           <a:p>
             <a:fld id="{D253BB75-C9F5-8342-9D8A-C2F31092015F}" type="datetimeFigureOut">
               <a:rPr lang="es-CO" smtClean="0"/>
-              <a:t>28/07/2021</a:t>
+              <a:t>3/08/2021</a:t>
             </a:fld>
             <a:endParaRPr lang="es-CO"/>
           </a:p>
@@ -6093,7 +6138,7 @@
           <a:p>
             <a:fld id="{D253BB75-C9F5-8342-9D8A-C2F31092015F}" type="datetimeFigureOut">
               <a:rPr lang="es-CO" smtClean="0"/>
-              <a:t>28/07/2021</a:t>
+              <a:t>3/08/2021</a:t>
             </a:fld>
             <a:endParaRPr lang="es-CO"/>
           </a:p>
@@ -7601,7 +7646,7 @@
           <a:p>
             <a:fld id="{D253BB75-C9F5-8342-9D8A-C2F31092015F}" type="datetimeFigureOut">
               <a:rPr lang="es-CO" smtClean="0"/>
-              <a:t>28/07/2021</a:t>
+              <a:t>3/08/2021</a:t>
             </a:fld>
             <a:endParaRPr lang="es-CO"/>
           </a:p>
@@ -9122,7 +9167,7 @@
           <a:p>
             <a:fld id="{D253BB75-C9F5-8342-9D8A-C2F31092015F}" type="datetimeFigureOut">
               <a:rPr lang="es-CO" smtClean="0"/>
-              <a:t>28/07/2021</a:t>
+              <a:t>3/08/2021</a:t>
             </a:fld>
             <a:endParaRPr lang="es-CO"/>
           </a:p>
@@ -10787,7 +10832,7 @@
           <a:p>
             <a:fld id="{D253BB75-C9F5-8342-9D8A-C2F31092015F}" type="datetimeFigureOut">
               <a:rPr lang="es-CO" smtClean="0"/>
-              <a:t>28/07/2021</a:t>
+              <a:t>3/08/2021</a:t>
             </a:fld>
             <a:endParaRPr lang="es-CO"/>
           </a:p>
@@ -12185,7 +12230,7 @@
           <a:p>
             <a:fld id="{D253BB75-C9F5-8342-9D8A-C2F31092015F}" type="datetimeFigureOut">
               <a:rPr lang="es-CO" smtClean="0"/>
-              <a:t>28/07/2021</a:t>
+              <a:t>3/08/2021</a:t>
             </a:fld>
             <a:endParaRPr lang="es-CO"/>
           </a:p>
@@ -12285,7 +12330,7 @@
           <a:p>
             <a:fld id="{D253BB75-C9F5-8342-9D8A-C2F31092015F}" type="datetimeFigureOut">
               <a:rPr lang="es-CO" smtClean="0"/>
-              <a:t>28/07/2021</a:t>
+              <a:t>3/08/2021</a:t>
             </a:fld>
             <a:endParaRPr lang="es-CO"/>
           </a:p>
@@ -13811,7 +13856,7 @@
           <a:p>
             <a:fld id="{D253BB75-C9F5-8342-9D8A-C2F31092015F}" type="datetimeFigureOut">
               <a:rPr lang="es-CO" smtClean="0"/>
-              <a:t>28/07/2021</a:t>
+              <a:t>3/08/2021</a:t>
             </a:fld>
             <a:endParaRPr lang="es-CO"/>
           </a:p>
@@ -15347,7 +15392,7 @@
           <a:p>
             <a:fld id="{D253BB75-C9F5-8342-9D8A-C2F31092015F}" type="datetimeFigureOut">
               <a:rPr lang="es-CO" smtClean="0"/>
-              <a:t>28/07/2021</a:t>
+              <a:t>3/08/2021</a:t>
             </a:fld>
             <a:endParaRPr lang="es-CO"/>
           </a:p>
@@ -15570,7 +15615,7 @@
           <a:p>
             <a:fld id="{D253BB75-C9F5-8342-9D8A-C2F31092015F}" type="datetimeFigureOut">
               <a:rPr lang="es-CO" smtClean="0"/>
-              <a:t>28/07/2021</a:t>
+              <a:t>3/08/2021</a:t>
             </a:fld>
             <a:endParaRPr lang="es-CO"/>
           </a:p>
@@ -18261,11 +18306,11 @@
           <a:lstStyle/>
           <a:p>
             <a:r>
-              <a:rPr lang="es-CO" dirty="0" smtClean="0"/>
+              <a:rPr lang="es-CO" dirty="0"/>
               <a:t>Visual </a:t>
             </a:r>
             <a:r>
-              <a:rPr lang="es-CO" dirty="0" err="1" smtClean="0"/>
+              <a:rPr lang="es-CO" dirty="0" err="1"/>
               <a:t>Paradimg</a:t>
             </a:r>
             <a:endParaRPr lang="es-CO" dirty="0"/>
@@ -26474,6 +26519,11 @@
           </p:cNvGraphicFramePr>
           <p:nvPr>
             <p:ph idx="1"/>
+            <p:extLst>
+              <p:ext uri="{D42A27DB-BD31-4B8C-83A1-F6EECF244321}">
+                <p14:modId xmlns:p14="http://schemas.microsoft.com/office/powerpoint/2010/main" val="3402266356"/>
+              </p:ext>
+            </p:extLst>
           </p:nvPr>
         </p:nvGraphicFramePr>
         <p:xfrm>
@@ -26556,7 +26606,7 @@
                     <a:p>
                       <a:r>
                         <a:rPr lang="es-CO" dirty="0"/>
-                        <a:t>Compatibilidad</a:t>
+                        <a:t>v</a:t>
                       </a:r>
                     </a:p>
                   </a:txBody>
@@ -26747,6 +26797,11 @@
           </p:cNvGraphicFramePr>
           <p:nvPr>
             <p:ph idx="1"/>
+            <p:extLst>
+              <p:ext uri="{D42A27DB-BD31-4B8C-83A1-F6EECF244321}">
+                <p14:modId xmlns:p14="http://schemas.microsoft.com/office/powerpoint/2010/main" val="2019669238"/>
+              </p:ext>
+            </p:extLst>
           </p:nvPr>
         </p:nvGraphicFramePr>
         <p:xfrm>
@@ -26775,7 +26830,7 @@
                   </a:extLst>
                 </a:gridCol>
               </a:tblGrid>
-              <a:tr h="370840">
+              <a:tr h="504825">
                 <a:tc>
                   <a:txBody>
                     <a:bodyPr/>
@@ -27961,6 +28016,11 @@
           </p:cNvGraphicFramePr>
           <p:nvPr>
             <p:ph idx="1"/>
+            <p:extLst>
+              <p:ext uri="{D42A27DB-BD31-4B8C-83A1-F6EECF244321}">
+                <p14:modId xmlns:p14="http://schemas.microsoft.com/office/powerpoint/2010/main" val="2861535692"/>
+              </p:ext>
+            </p:extLst>
           </p:nvPr>
         </p:nvGraphicFramePr>
         <p:xfrm>
@@ -27989,7 +28049,7 @@
                   </a:extLst>
                 </a:gridCol>
               </a:tblGrid>
-              <a:tr h="370840">
+              <a:tr h="550545">
                 <a:tc>
                   <a:txBody>
                     <a:bodyPr/>
